--- a/測驗題.pptx
+++ b/測驗題.pptx
@@ -4,15 +4,20 @@
   <p:sldMasterIdLst>
     <p:sldMasterId id="2147483648" r:id="rId1"/>
   </p:sldMasterIdLst>
+  <p:notesMasterIdLst>
+    <p:notesMasterId r:id="rId12"/>
+  </p:notesMasterIdLst>
   <p:sldIdLst>
     <p:sldId id="256" r:id="rId2"/>
     <p:sldId id="257" r:id="rId3"/>
     <p:sldId id="258" r:id="rId4"/>
     <p:sldId id="259" r:id="rId5"/>
-    <p:sldId id="260" r:id="rId6"/>
-    <p:sldId id="261" r:id="rId7"/>
-    <p:sldId id="262" r:id="rId8"/>
-    <p:sldId id="263" r:id="rId9"/>
+    <p:sldId id="265" r:id="rId6"/>
+    <p:sldId id="266" r:id="rId7"/>
+    <p:sldId id="260" r:id="rId8"/>
+    <p:sldId id="261" r:id="rId9"/>
+    <p:sldId id="262" r:id="rId10"/>
+    <p:sldId id="263" r:id="rId11"/>
   </p:sldIdLst>
   <p:sldSz cx="12192000" cy="6858000"/>
   <p:notesSz cx="6858000" cy="9144000"/>
@@ -111,7 +116,462 @@
       </a:defRPr>
     </a:lvl9pPr>
   </p:defaultTextStyle>
+  <p:extLst>
+    <p:ext uri="{EFAFB233-063F-42B5-8137-9DF3F51BA10A}">
+      <p15:sldGuideLst xmlns:p15="http://schemas.microsoft.com/office/powerpoint/2012/main"/>
+    </p:ext>
+  </p:extLst>
 </p:presentation>
+</file>
+
+<file path=ppt/notesMasters/notesMaster1.xml><?xml version="1.0" encoding="utf-8"?>
+<p:notesMaster xmlns:a="http://schemas.openxmlformats.org/drawingml/2006/main" xmlns:r="http://schemas.openxmlformats.org/officeDocument/2006/relationships" xmlns:p="http://schemas.openxmlformats.org/presentationml/2006/main">
+  <p:cSld>
+    <p:bg>
+      <p:bgRef idx="1001">
+        <a:schemeClr val="bg1"/>
+      </p:bgRef>
+    </p:bg>
+    <p:spTree>
+      <p:nvGrpSpPr>
+        <p:cNvPr id="1" name=""/>
+        <p:cNvGrpSpPr/>
+        <p:nvPr/>
+      </p:nvGrpSpPr>
+      <p:grpSpPr>
+        <a:xfrm>
+          <a:off x="0" y="0"/>
+          <a:ext cx="0" cy="0"/>
+          <a:chOff x="0" y="0"/>
+          <a:chExt cx="0" cy="0"/>
+        </a:xfrm>
+      </p:grpSpPr>
+      <p:sp>
+        <p:nvSpPr>
+          <p:cNvPr id="2" name="頁首版面配置區 1"/>
+          <p:cNvSpPr>
+            <a:spLocks noGrp="1"/>
+          </p:cNvSpPr>
+          <p:nvPr>
+            <p:ph type="hdr" sz="quarter"/>
+          </p:nvPr>
+        </p:nvSpPr>
+        <p:spPr>
+          <a:xfrm>
+            <a:off x="0" y="0"/>
+            <a:ext cx="2971800" cy="458788"/>
+          </a:xfrm>
+          <a:prstGeom prst="rect">
+            <a:avLst/>
+          </a:prstGeom>
+        </p:spPr>
+        <p:txBody>
+          <a:bodyPr vert="horz" lIns="91440" tIns="45720" rIns="91440" bIns="45720" rtlCol="0"/>
+          <a:lstStyle>
+            <a:lvl1pPr algn="l">
+              <a:defRPr sz="1200"/>
+            </a:lvl1pPr>
+          </a:lstStyle>
+          <a:p>
+            <a:endParaRPr lang="zh-TW" altLang="en-US"/>
+          </a:p>
+        </p:txBody>
+      </p:sp>
+      <p:sp>
+        <p:nvSpPr>
+          <p:cNvPr id="3" name="日期版面配置區 2"/>
+          <p:cNvSpPr>
+            <a:spLocks noGrp="1"/>
+          </p:cNvSpPr>
+          <p:nvPr>
+            <p:ph type="dt" idx="1"/>
+          </p:nvPr>
+        </p:nvSpPr>
+        <p:spPr>
+          <a:xfrm>
+            <a:off x="3884613" y="0"/>
+            <a:ext cx="2971800" cy="458788"/>
+          </a:xfrm>
+          <a:prstGeom prst="rect">
+            <a:avLst/>
+          </a:prstGeom>
+        </p:spPr>
+        <p:txBody>
+          <a:bodyPr vert="horz" lIns="91440" tIns="45720" rIns="91440" bIns="45720" rtlCol="0"/>
+          <a:lstStyle>
+            <a:lvl1pPr algn="r">
+              <a:defRPr sz="1200"/>
+            </a:lvl1pPr>
+          </a:lstStyle>
+          <a:p>
+            <a:fld id="{1AF8D6DC-D9C2-4A7D-8BC0-934D327ECAC8}" type="datetimeFigureOut">
+              <a:rPr lang="zh-TW" altLang="en-US" smtClean="0"/>
+              <a:t>2018/12/15</a:t>
+            </a:fld>
+            <a:endParaRPr lang="zh-TW" altLang="en-US"/>
+          </a:p>
+        </p:txBody>
+      </p:sp>
+      <p:sp>
+        <p:nvSpPr>
+          <p:cNvPr id="4" name="投影片圖像版面配置區 3"/>
+          <p:cNvSpPr>
+            <a:spLocks noGrp="1" noRot="1" noChangeAspect="1"/>
+          </p:cNvSpPr>
+          <p:nvPr>
+            <p:ph type="sldImg" idx="2"/>
+          </p:nvPr>
+        </p:nvSpPr>
+        <p:spPr>
+          <a:xfrm>
+            <a:off x="685800" y="1143000"/>
+            <a:ext cx="5486400" cy="3086100"/>
+          </a:xfrm>
+          <a:prstGeom prst="rect">
+            <a:avLst/>
+          </a:prstGeom>
+          <a:noFill/>
+          <a:ln w="12700">
+            <a:solidFill>
+              <a:prstClr val="black"/>
+            </a:solidFill>
+          </a:ln>
+        </p:spPr>
+        <p:txBody>
+          <a:bodyPr vert="horz" lIns="91440" tIns="45720" rIns="91440" bIns="45720" rtlCol="0" anchor="ctr"/>
+          <a:lstStyle/>
+          <a:p>
+            <a:endParaRPr lang="zh-TW" altLang="en-US"/>
+          </a:p>
+        </p:txBody>
+      </p:sp>
+      <p:sp>
+        <p:nvSpPr>
+          <p:cNvPr id="5" name="備忘稿版面配置區 4"/>
+          <p:cNvSpPr>
+            <a:spLocks noGrp="1"/>
+          </p:cNvSpPr>
+          <p:nvPr>
+            <p:ph type="body" sz="quarter" idx="3"/>
+          </p:nvPr>
+        </p:nvSpPr>
+        <p:spPr>
+          <a:xfrm>
+            <a:off x="685800" y="4400550"/>
+            <a:ext cx="5486400" cy="3600450"/>
+          </a:xfrm>
+          <a:prstGeom prst="rect">
+            <a:avLst/>
+          </a:prstGeom>
+        </p:spPr>
+        <p:txBody>
+          <a:bodyPr vert="horz" lIns="91440" tIns="45720" rIns="91440" bIns="45720" rtlCol="0"/>
+          <a:lstStyle/>
+          <a:p>
+            <a:pPr lvl="0"/>
+            <a:r>
+              <a:rPr lang="zh-TW" altLang="en-US" smtClean="0"/>
+              <a:t>編輯母片文字樣式</a:t>
+            </a:r>
+          </a:p>
+          <a:p>
+            <a:pPr lvl="1"/>
+            <a:r>
+              <a:rPr lang="zh-TW" altLang="en-US" smtClean="0"/>
+              <a:t>第二層</a:t>
+            </a:r>
+          </a:p>
+          <a:p>
+            <a:pPr lvl="2"/>
+            <a:r>
+              <a:rPr lang="zh-TW" altLang="en-US" smtClean="0"/>
+              <a:t>第三層</a:t>
+            </a:r>
+          </a:p>
+          <a:p>
+            <a:pPr lvl="3"/>
+            <a:r>
+              <a:rPr lang="zh-TW" altLang="en-US" smtClean="0"/>
+              <a:t>第四層</a:t>
+            </a:r>
+          </a:p>
+          <a:p>
+            <a:pPr lvl="4"/>
+            <a:r>
+              <a:rPr lang="zh-TW" altLang="en-US" smtClean="0"/>
+              <a:t>第五層</a:t>
+            </a:r>
+            <a:endParaRPr lang="zh-TW" altLang="en-US"/>
+          </a:p>
+        </p:txBody>
+      </p:sp>
+      <p:sp>
+        <p:nvSpPr>
+          <p:cNvPr id="6" name="頁尾版面配置區 5"/>
+          <p:cNvSpPr>
+            <a:spLocks noGrp="1"/>
+          </p:cNvSpPr>
+          <p:nvPr>
+            <p:ph type="ftr" sz="quarter" idx="4"/>
+          </p:nvPr>
+        </p:nvSpPr>
+        <p:spPr>
+          <a:xfrm>
+            <a:off x="0" y="8685213"/>
+            <a:ext cx="2971800" cy="458787"/>
+          </a:xfrm>
+          <a:prstGeom prst="rect">
+            <a:avLst/>
+          </a:prstGeom>
+        </p:spPr>
+        <p:txBody>
+          <a:bodyPr vert="horz" lIns="91440" tIns="45720" rIns="91440" bIns="45720" rtlCol="0" anchor="b"/>
+          <a:lstStyle>
+            <a:lvl1pPr algn="l">
+              <a:defRPr sz="1200"/>
+            </a:lvl1pPr>
+          </a:lstStyle>
+          <a:p>
+            <a:endParaRPr lang="zh-TW" altLang="en-US"/>
+          </a:p>
+        </p:txBody>
+      </p:sp>
+      <p:sp>
+        <p:nvSpPr>
+          <p:cNvPr id="7" name="投影片編號版面配置區 6"/>
+          <p:cNvSpPr>
+            <a:spLocks noGrp="1"/>
+          </p:cNvSpPr>
+          <p:nvPr>
+            <p:ph type="sldNum" sz="quarter" idx="5"/>
+          </p:nvPr>
+        </p:nvSpPr>
+        <p:spPr>
+          <a:xfrm>
+            <a:off x="3884613" y="8685213"/>
+            <a:ext cx="2971800" cy="458787"/>
+          </a:xfrm>
+          <a:prstGeom prst="rect">
+            <a:avLst/>
+          </a:prstGeom>
+        </p:spPr>
+        <p:txBody>
+          <a:bodyPr vert="horz" lIns="91440" tIns="45720" rIns="91440" bIns="45720" rtlCol="0" anchor="b"/>
+          <a:lstStyle>
+            <a:lvl1pPr algn="r">
+              <a:defRPr sz="1200"/>
+            </a:lvl1pPr>
+          </a:lstStyle>
+          <a:p>
+            <a:fld id="{1D874AD3-1E12-408E-AA20-C865D7646573}" type="slidenum">
+              <a:rPr lang="zh-TW" altLang="en-US" smtClean="0"/>
+              <a:t>‹#›</a:t>
+            </a:fld>
+            <a:endParaRPr lang="zh-TW" altLang="en-US"/>
+          </a:p>
+        </p:txBody>
+      </p:sp>
+    </p:spTree>
+    <p:extLst>
+      <p:ext uri="{BB962C8B-B14F-4D97-AF65-F5344CB8AC3E}">
+        <p14:creationId xmlns:p14="http://schemas.microsoft.com/office/powerpoint/2010/main" val="3074271899"/>
+      </p:ext>
+    </p:extLst>
+  </p:cSld>
+  <p:clrMap bg1="lt1" tx1="dk1" bg2="lt2" tx2="dk2" accent1="accent1" accent2="accent2" accent3="accent3" accent4="accent4" accent5="accent5" accent6="accent6" hlink="hlink" folHlink="folHlink"/>
+  <p:notesStyle>
+    <a:lvl1pPr marL="0" algn="l" defTabSz="914400" rtl="0" eaLnBrk="1" latinLnBrk="0" hangingPunct="1">
+      <a:defRPr sz="1200" kern="1200">
+        <a:solidFill>
+          <a:schemeClr val="tx1"/>
+        </a:solidFill>
+        <a:latin typeface="+mn-lt"/>
+        <a:ea typeface="+mn-ea"/>
+        <a:cs typeface="+mn-cs"/>
+      </a:defRPr>
+    </a:lvl1pPr>
+    <a:lvl2pPr marL="457200" algn="l" defTabSz="914400" rtl="0" eaLnBrk="1" latinLnBrk="0" hangingPunct="1">
+      <a:defRPr sz="1200" kern="1200">
+        <a:solidFill>
+          <a:schemeClr val="tx1"/>
+        </a:solidFill>
+        <a:latin typeface="+mn-lt"/>
+        <a:ea typeface="+mn-ea"/>
+        <a:cs typeface="+mn-cs"/>
+      </a:defRPr>
+    </a:lvl2pPr>
+    <a:lvl3pPr marL="914400" algn="l" defTabSz="914400" rtl="0" eaLnBrk="1" latinLnBrk="0" hangingPunct="1">
+      <a:defRPr sz="1200" kern="1200">
+        <a:solidFill>
+          <a:schemeClr val="tx1"/>
+        </a:solidFill>
+        <a:latin typeface="+mn-lt"/>
+        <a:ea typeface="+mn-ea"/>
+        <a:cs typeface="+mn-cs"/>
+      </a:defRPr>
+    </a:lvl3pPr>
+    <a:lvl4pPr marL="1371600" algn="l" defTabSz="914400" rtl="0" eaLnBrk="1" latinLnBrk="0" hangingPunct="1">
+      <a:defRPr sz="1200" kern="1200">
+        <a:solidFill>
+          <a:schemeClr val="tx1"/>
+        </a:solidFill>
+        <a:latin typeface="+mn-lt"/>
+        <a:ea typeface="+mn-ea"/>
+        <a:cs typeface="+mn-cs"/>
+      </a:defRPr>
+    </a:lvl4pPr>
+    <a:lvl5pPr marL="1828800" algn="l" defTabSz="914400" rtl="0" eaLnBrk="1" latinLnBrk="0" hangingPunct="1">
+      <a:defRPr sz="1200" kern="1200">
+        <a:solidFill>
+          <a:schemeClr val="tx1"/>
+        </a:solidFill>
+        <a:latin typeface="+mn-lt"/>
+        <a:ea typeface="+mn-ea"/>
+        <a:cs typeface="+mn-cs"/>
+      </a:defRPr>
+    </a:lvl5pPr>
+    <a:lvl6pPr marL="2286000" algn="l" defTabSz="914400" rtl="0" eaLnBrk="1" latinLnBrk="0" hangingPunct="1">
+      <a:defRPr sz="1200" kern="1200">
+        <a:solidFill>
+          <a:schemeClr val="tx1"/>
+        </a:solidFill>
+        <a:latin typeface="+mn-lt"/>
+        <a:ea typeface="+mn-ea"/>
+        <a:cs typeface="+mn-cs"/>
+      </a:defRPr>
+    </a:lvl6pPr>
+    <a:lvl7pPr marL="2743200" algn="l" defTabSz="914400" rtl="0" eaLnBrk="1" latinLnBrk="0" hangingPunct="1">
+      <a:defRPr sz="1200" kern="1200">
+        <a:solidFill>
+          <a:schemeClr val="tx1"/>
+        </a:solidFill>
+        <a:latin typeface="+mn-lt"/>
+        <a:ea typeface="+mn-ea"/>
+        <a:cs typeface="+mn-cs"/>
+      </a:defRPr>
+    </a:lvl7pPr>
+    <a:lvl8pPr marL="3200400" algn="l" defTabSz="914400" rtl="0" eaLnBrk="1" latinLnBrk="0" hangingPunct="1">
+      <a:defRPr sz="1200" kern="1200">
+        <a:solidFill>
+          <a:schemeClr val="tx1"/>
+        </a:solidFill>
+        <a:latin typeface="+mn-lt"/>
+        <a:ea typeface="+mn-ea"/>
+        <a:cs typeface="+mn-cs"/>
+      </a:defRPr>
+    </a:lvl8pPr>
+    <a:lvl9pPr marL="3657600" algn="l" defTabSz="914400" rtl="0" eaLnBrk="1" latinLnBrk="0" hangingPunct="1">
+      <a:defRPr sz="1200" kern="1200">
+        <a:solidFill>
+          <a:schemeClr val="tx1"/>
+        </a:solidFill>
+        <a:latin typeface="+mn-lt"/>
+        <a:ea typeface="+mn-ea"/>
+        <a:cs typeface="+mn-cs"/>
+      </a:defRPr>
+    </a:lvl9pPr>
+  </p:notesStyle>
+</p:notesMaster>
+</file>
+
+<file path=ppt/notesSlides/notesSlide1.xml><?xml version="1.0" encoding="utf-8"?>
+<p:notes xmlns:a="http://schemas.openxmlformats.org/drawingml/2006/main" xmlns:r="http://schemas.openxmlformats.org/officeDocument/2006/relationships" xmlns:p="http://schemas.openxmlformats.org/presentationml/2006/main">
+  <p:cSld>
+    <p:spTree>
+      <p:nvGrpSpPr>
+        <p:cNvPr id="1" name=""/>
+        <p:cNvGrpSpPr/>
+        <p:nvPr/>
+      </p:nvGrpSpPr>
+      <p:grpSpPr>
+        <a:xfrm>
+          <a:off x="0" y="0"/>
+          <a:ext cx="0" cy="0"/>
+          <a:chOff x="0" y="0"/>
+          <a:chExt cx="0" cy="0"/>
+        </a:xfrm>
+      </p:grpSpPr>
+      <p:sp>
+        <p:nvSpPr>
+          <p:cNvPr id="2" name="投影片圖像版面配置區 1"/>
+          <p:cNvSpPr>
+            <a:spLocks noGrp="1" noRot="1" noChangeAspect="1"/>
+          </p:cNvSpPr>
+          <p:nvPr>
+            <p:ph type="sldImg"/>
+          </p:nvPr>
+        </p:nvSpPr>
+        <p:spPr/>
+      </p:sp>
+      <p:sp>
+        <p:nvSpPr>
+          <p:cNvPr id="3" name="備忘稿版面配置區 2"/>
+          <p:cNvSpPr>
+            <a:spLocks noGrp="1"/>
+          </p:cNvSpPr>
+          <p:nvPr>
+            <p:ph type="body" idx="1"/>
+          </p:nvPr>
+        </p:nvSpPr>
+        <p:spPr/>
+        <p:txBody>
+          <a:bodyPr/>
+          <a:lstStyle/>
+          <a:p>
+            <a:r>
+              <a:rPr lang="zh-TW" altLang="en-US" dirty="0" smtClean="0"/>
+              <a:t>如何實作版本控制</a:t>
+            </a:r>
+            <a:r>
+              <a:rPr lang="en-US" altLang="zh-TW" dirty="0" smtClean="0"/>
+              <a:t>?</a:t>
+            </a:r>
+            <a:r>
+              <a:rPr lang="zh-TW" altLang="en-US" dirty="0" smtClean="0"/>
+              <a:t> 團隊訂定流程</a:t>
+            </a:r>
+            <a:r>
+              <a:rPr lang="zh-TW" altLang="en-US" smtClean="0"/>
+              <a:t>與規範</a:t>
+            </a:r>
+            <a:endParaRPr lang="en-US" altLang="zh-TW" dirty="0" smtClean="0"/>
+          </a:p>
+        </p:txBody>
+      </p:sp>
+      <p:sp>
+        <p:nvSpPr>
+          <p:cNvPr id="4" name="投影片編號版面配置區 3"/>
+          <p:cNvSpPr>
+            <a:spLocks noGrp="1"/>
+          </p:cNvSpPr>
+          <p:nvPr>
+            <p:ph type="sldNum" sz="quarter" idx="10"/>
+          </p:nvPr>
+        </p:nvSpPr>
+        <p:spPr/>
+        <p:txBody>
+          <a:bodyPr/>
+          <a:lstStyle/>
+          <a:p>
+            <a:fld id="{1D874AD3-1E12-408E-AA20-C865D7646573}" type="slidenum">
+              <a:rPr lang="zh-TW" altLang="en-US" smtClean="0"/>
+              <a:t>6</a:t>
+            </a:fld>
+            <a:endParaRPr lang="zh-TW" altLang="en-US"/>
+          </a:p>
+        </p:txBody>
+      </p:sp>
+    </p:spTree>
+    <p:extLst>
+      <p:ext uri="{BB962C8B-B14F-4D97-AF65-F5344CB8AC3E}">
+        <p14:creationId xmlns:p14="http://schemas.microsoft.com/office/powerpoint/2010/main" val="1421155790"/>
+      </p:ext>
+    </p:extLst>
+  </p:cSld>
+  <p:clrMapOvr>
+    <a:masterClrMapping/>
+  </p:clrMapOvr>
+</p:notes>
 </file>
 
 <file path=ppt/slideLayouts/slideLayout1.xml><?xml version="1.0" encoding="utf-8"?>
@@ -261,7 +721,7 @@
           <a:p>
             <a:fld id="{F066E22E-594A-4D53-9912-33D1DC08756F}" type="datetimeFigureOut">
               <a:rPr lang="zh-TW" altLang="en-US" smtClean="0"/>
-              <a:t>2018/12/14</a:t>
+              <a:t>2018/12/15</a:t>
             </a:fld>
             <a:endParaRPr lang="zh-TW" altLang="en-US"/>
           </a:p>
@@ -459,7 +919,7 @@
           <a:p>
             <a:fld id="{F066E22E-594A-4D53-9912-33D1DC08756F}" type="datetimeFigureOut">
               <a:rPr lang="zh-TW" altLang="en-US" smtClean="0"/>
-              <a:t>2018/12/14</a:t>
+              <a:t>2018/12/15</a:t>
             </a:fld>
             <a:endParaRPr lang="zh-TW" altLang="en-US"/>
           </a:p>
@@ -667,7 +1127,7 @@
           <a:p>
             <a:fld id="{F066E22E-594A-4D53-9912-33D1DC08756F}" type="datetimeFigureOut">
               <a:rPr lang="zh-TW" altLang="en-US" smtClean="0"/>
-              <a:t>2018/12/14</a:t>
+              <a:t>2018/12/15</a:t>
             </a:fld>
             <a:endParaRPr lang="zh-TW" altLang="en-US"/>
           </a:p>
@@ -865,7 +1325,7 @@
           <a:p>
             <a:fld id="{F066E22E-594A-4D53-9912-33D1DC08756F}" type="datetimeFigureOut">
               <a:rPr lang="zh-TW" altLang="en-US" smtClean="0"/>
-              <a:t>2018/12/14</a:t>
+              <a:t>2018/12/15</a:t>
             </a:fld>
             <a:endParaRPr lang="zh-TW" altLang="en-US"/>
           </a:p>
@@ -1140,7 +1600,7 @@
           <a:p>
             <a:fld id="{F066E22E-594A-4D53-9912-33D1DC08756F}" type="datetimeFigureOut">
               <a:rPr lang="zh-TW" altLang="en-US" smtClean="0"/>
-              <a:t>2018/12/14</a:t>
+              <a:t>2018/12/15</a:t>
             </a:fld>
             <a:endParaRPr lang="zh-TW" altLang="en-US"/>
           </a:p>
@@ -1405,7 +1865,7 @@
           <a:p>
             <a:fld id="{F066E22E-594A-4D53-9912-33D1DC08756F}" type="datetimeFigureOut">
               <a:rPr lang="zh-TW" altLang="en-US" smtClean="0"/>
-              <a:t>2018/12/14</a:t>
+              <a:t>2018/12/15</a:t>
             </a:fld>
             <a:endParaRPr lang="zh-TW" altLang="en-US"/>
           </a:p>
@@ -1817,7 +2277,7 @@
           <a:p>
             <a:fld id="{F066E22E-594A-4D53-9912-33D1DC08756F}" type="datetimeFigureOut">
               <a:rPr lang="zh-TW" altLang="en-US" smtClean="0"/>
-              <a:t>2018/12/14</a:t>
+              <a:t>2018/12/15</a:t>
             </a:fld>
             <a:endParaRPr lang="zh-TW" altLang="en-US"/>
           </a:p>
@@ -1958,7 +2418,7 @@
           <a:p>
             <a:fld id="{F066E22E-594A-4D53-9912-33D1DC08756F}" type="datetimeFigureOut">
               <a:rPr lang="zh-TW" altLang="en-US" smtClean="0"/>
-              <a:t>2018/12/14</a:t>
+              <a:t>2018/12/15</a:t>
             </a:fld>
             <a:endParaRPr lang="zh-TW" altLang="en-US"/>
           </a:p>
@@ -2071,7 +2531,7 @@
           <a:p>
             <a:fld id="{F066E22E-594A-4D53-9912-33D1DC08756F}" type="datetimeFigureOut">
               <a:rPr lang="zh-TW" altLang="en-US" smtClean="0"/>
-              <a:t>2018/12/14</a:t>
+              <a:t>2018/12/15</a:t>
             </a:fld>
             <a:endParaRPr lang="zh-TW" altLang="en-US"/>
           </a:p>
@@ -2382,7 +2842,7 @@
           <a:p>
             <a:fld id="{F066E22E-594A-4D53-9912-33D1DC08756F}" type="datetimeFigureOut">
               <a:rPr lang="zh-TW" altLang="en-US" smtClean="0"/>
-              <a:t>2018/12/14</a:t>
+              <a:t>2018/12/15</a:t>
             </a:fld>
             <a:endParaRPr lang="zh-TW" altLang="en-US"/>
           </a:p>
@@ -2670,7 +3130,7 @@
           <a:p>
             <a:fld id="{F066E22E-594A-4D53-9912-33D1DC08756F}" type="datetimeFigureOut">
               <a:rPr lang="zh-TW" altLang="en-US" smtClean="0"/>
-              <a:t>2018/12/14</a:t>
+              <a:t>2018/12/15</a:t>
             </a:fld>
             <a:endParaRPr lang="zh-TW" altLang="en-US"/>
           </a:p>
@@ -2911,7 +3371,7 @@
           <a:p>
             <a:fld id="{F066E22E-594A-4D53-9912-33D1DC08756F}" type="datetimeFigureOut">
               <a:rPr lang="zh-TW" altLang="en-US" smtClean="0"/>
-              <a:t>2018/12/14</a:t>
+              <a:t>2018/12/15</a:t>
             </a:fld>
             <a:endParaRPr lang="zh-TW" altLang="en-US"/>
           </a:p>
@@ -3372,6 +3832,189 @@
 </p:sld>
 </file>
 
+<file path=ppt/slides/slide10.xml><?xml version="1.0" encoding="utf-8"?>
+<p:sld xmlns:a="http://schemas.openxmlformats.org/drawingml/2006/main" xmlns:r="http://schemas.openxmlformats.org/officeDocument/2006/relationships" xmlns:p="http://schemas.openxmlformats.org/presentationml/2006/main">
+  <p:cSld>
+    <p:spTree>
+      <p:nvGrpSpPr>
+        <p:cNvPr id="1" name=""/>
+        <p:cNvGrpSpPr/>
+        <p:nvPr/>
+      </p:nvGrpSpPr>
+      <p:grpSpPr>
+        <a:xfrm>
+          <a:off x="0" y="0"/>
+          <a:ext cx="0" cy="0"/>
+          <a:chOff x="0" y="0"/>
+          <a:chExt cx="0" cy="0"/>
+        </a:xfrm>
+      </p:grpSpPr>
+      <p:sp>
+        <p:nvSpPr>
+          <p:cNvPr id="2" name="標題 1">
+            <a:extLst>
+              <a:ext uri="{FF2B5EF4-FFF2-40B4-BE49-F238E27FC236}">
+                <a16:creationId xmlns:a16="http://schemas.microsoft.com/office/drawing/2014/main" id="{31DF7E8A-05DC-41DF-93FA-C3C7AAA92DF7}"/>
+              </a:ext>
+            </a:extLst>
+          </p:cNvPr>
+          <p:cNvSpPr>
+            <a:spLocks noGrp="1"/>
+          </p:cNvSpPr>
+          <p:nvPr>
+            <p:ph type="title"/>
+          </p:nvPr>
+        </p:nvSpPr>
+        <p:spPr/>
+        <p:txBody>
+          <a:bodyPr/>
+          <a:lstStyle/>
+          <a:p>
+            <a:r>
+              <a:rPr lang="zh-TW" altLang="zh-TW" dirty="0">
+                <a:latin typeface="微軟正黑體" panose="020B0604030504040204" pitchFamily="34" charset="-120"/>
+                <a:ea typeface="微軟正黑體" panose="020B0604030504040204" pitchFamily="34" charset="-120"/>
+              </a:rPr>
+              <a:t>資料庫</a:t>
+            </a:r>
+            <a:endParaRPr lang="zh-TW" altLang="en-US" dirty="0">
+              <a:latin typeface="微軟正黑體" panose="020B0604030504040204" pitchFamily="34" charset="-120"/>
+              <a:ea typeface="微軟正黑體" panose="020B0604030504040204" pitchFamily="34" charset="-120"/>
+            </a:endParaRPr>
+          </a:p>
+        </p:txBody>
+      </p:sp>
+      <p:sp>
+        <p:nvSpPr>
+          <p:cNvPr id="3" name="內容版面配置區 2">
+            <a:extLst>
+              <a:ext uri="{FF2B5EF4-FFF2-40B4-BE49-F238E27FC236}">
+                <a16:creationId xmlns:a16="http://schemas.microsoft.com/office/drawing/2014/main" id="{913C5CEA-E55B-458C-AB31-A3058C5F13F6}"/>
+              </a:ext>
+            </a:extLst>
+          </p:cNvPr>
+          <p:cNvSpPr>
+            <a:spLocks noGrp="1"/>
+          </p:cNvSpPr>
+          <p:nvPr>
+            <p:ph idx="1"/>
+          </p:nvPr>
+        </p:nvSpPr>
+        <p:spPr/>
+        <p:txBody>
+          <a:bodyPr/>
+          <a:lstStyle/>
+          <a:p>
+            <a:r>
+              <a:rPr lang="zh-TW" altLang="zh-TW" dirty="0">
+                <a:latin typeface="微軟正黑體" panose="020B0604030504040204" pitchFamily="34" charset="-120"/>
+                <a:ea typeface="微軟正黑體" panose="020B0604030504040204" pitchFamily="34" charset="-120"/>
+              </a:rPr>
+              <a:t>以專案中的工作項目管理為例，如何設計資料庫欄位以儲存樹狀結構的任務？搜尋時以何種方式產生任務的樹狀結構？</a:t>
+            </a:r>
+          </a:p>
+          <a:p>
+            <a:endParaRPr lang="zh-TW" altLang="en-US" dirty="0">
+              <a:latin typeface="微軟正黑體" panose="020B0604030504040204" pitchFamily="34" charset="-120"/>
+              <a:ea typeface="微軟正黑體" panose="020B0604030504040204" pitchFamily="34" charset="-120"/>
+            </a:endParaRPr>
+          </a:p>
+        </p:txBody>
+      </p:sp>
+      <p:sp>
+        <p:nvSpPr>
+          <p:cNvPr id="4" name="文字方塊 3">
+            <a:extLst>
+              <a:ext uri="{FF2B5EF4-FFF2-40B4-BE49-F238E27FC236}">
+                <a16:creationId xmlns:a16="http://schemas.microsoft.com/office/drawing/2014/main" id="{7657F57D-7241-4599-BD21-BE0996056E75}"/>
+              </a:ext>
+            </a:extLst>
+          </p:cNvPr>
+          <p:cNvSpPr txBox="1"/>
+          <p:nvPr/>
+        </p:nvSpPr>
+        <p:spPr>
+          <a:xfrm>
+            <a:off x="838200" y="5691783"/>
+            <a:ext cx="877163" cy="369332"/>
+          </a:xfrm>
+          <a:prstGeom prst="rect">
+            <a:avLst/>
+          </a:prstGeom>
+          <a:noFill/>
+        </p:spPr>
+        <p:txBody>
+          <a:bodyPr wrap="none" rtlCol="0">
+            <a:spAutoFit/>
+          </a:bodyPr>
+          <a:lstStyle/>
+          <a:p>
+            <a:r>
+              <a:rPr lang="zh-TW" altLang="en-US" b="1" dirty="0">
+                <a:latin typeface="微軟正黑體" panose="020B0604030504040204" pitchFamily="34" charset="-120"/>
+                <a:ea typeface="微軟正黑體" panose="020B0604030504040204" pitchFamily="34" charset="-120"/>
+              </a:rPr>
+              <a:t>張家瑄</a:t>
+            </a:r>
+          </a:p>
+        </p:txBody>
+      </p:sp>
+      <p:cxnSp>
+        <p:nvCxnSpPr>
+          <p:cNvPr id="5" name="直線接點 4">
+            <a:extLst>
+              <a:ext uri="{FF2B5EF4-FFF2-40B4-BE49-F238E27FC236}">
+                <a16:creationId xmlns:a16="http://schemas.microsoft.com/office/drawing/2014/main" id="{46A59CA1-B900-49EC-866F-ACD73AE5DE5C}"/>
+              </a:ext>
+            </a:extLst>
+          </p:cNvPr>
+          <p:cNvCxnSpPr>
+            <a:cxnSpLocks/>
+          </p:cNvCxnSpPr>
+          <p:nvPr/>
+        </p:nvCxnSpPr>
+        <p:spPr>
+          <a:xfrm>
+            <a:off x="914400" y="1442906"/>
+            <a:ext cx="10439400" cy="0"/>
+          </a:xfrm>
+          <a:prstGeom prst="line">
+            <a:avLst/>
+          </a:prstGeom>
+          <a:ln w="28575">
+            <a:solidFill>
+              <a:srgbClr val="569CD6"/>
+            </a:solidFill>
+          </a:ln>
+        </p:spPr>
+        <p:style>
+          <a:lnRef idx="1">
+            <a:schemeClr val="accent1"/>
+          </a:lnRef>
+          <a:fillRef idx="0">
+            <a:schemeClr val="accent1"/>
+          </a:fillRef>
+          <a:effectRef idx="0">
+            <a:schemeClr val="accent1"/>
+          </a:effectRef>
+          <a:fontRef idx="minor">
+            <a:schemeClr val="tx1"/>
+          </a:fontRef>
+        </p:style>
+      </p:cxnSp>
+    </p:spTree>
+    <p:extLst>
+      <p:ext uri="{BB962C8B-B14F-4D97-AF65-F5344CB8AC3E}">
+        <p14:creationId xmlns:p14="http://schemas.microsoft.com/office/powerpoint/2010/main" val="2452019762"/>
+      </p:ext>
+    </p:extLst>
+  </p:cSld>
+  <p:clrMapOvr>
+    <a:masterClrMapping/>
+  </p:clrMapOvr>
+</p:sld>
+</file>
+
 <file path=ppt/slides/slide2.xml><?xml version="1.0" encoding="utf-8"?>
 <p:sld xmlns:a="http://schemas.openxmlformats.org/drawingml/2006/main" xmlns:r="http://schemas.openxmlformats.org/officeDocument/2006/relationships" xmlns:p="http://schemas.openxmlformats.org/presentationml/2006/main">
   <p:cSld>
@@ -4821,7 +5464,21 @@
                 <a:latin typeface="微軟正黑體" panose="020B0604030504040204" pitchFamily="34" charset="-120"/>
                 <a:ea typeface="微軟正黑體" panose="020B0604030504040204" pitchFamily="34" charset="-120"/>
               </a:rPr>
-              <a:t>版本控制</a:t>
+              <a:t>版本</a:t>
+            </a:r>
+            <a:r>
+              <a:rPr lang="zh-TW" altLang="zh-TW" dirty="0" smtClean="0">
+                <a:latin typeface="微軟正黑體" panose="020B0604030504040204" pitchFamily="34" charset="-120"/>
+                <a:ea typeface="微軟正黑體" panose="020B0604030504040204" pitchFamily="34" charset="-120"/>
+              </a:rPr>
+              <a:t>控制</a:t>
+            </a:r>
+            <a:r>
+              <a:rPr lang="en-US" altLang="zh-TW" dirty="0" smtClean="0">
+                <a:latin typeface="微軟正黑體" panose="020B0604030504040204" pitchFamily="34" charset="-120"/>
+                <a:ea typeface="微軟正黑體" panose="020B0604030504040204" pitchFamily="34" charset="-120"/>
+              </a:rPr>
+              <a:t>(3/1)</a:t>
             </a:r>
             <a:endParaRPr lang="zh-TW" altLang="en-US" dirty="0">
               <a:latin typeface="微軟正黑體" panose="020B0604030504040204" pitchFamily="34" charset="-120"/>
@@ -4985,10 +5642,1179 @@
   <p:clrMapOvr>
     <a:masterClrMapping/>
   </p:clrMapOvr>
+  <p:timing>
+    <p:tnLst>
+      <p:par>
+        <p:cTn id="1" dur="indefinite" restart="never" nodeType="tmRoot"/>
+      </p:par>
+    </p:tnLst>
+  </p:timing>
 </p:sld>
 </file>
 
 <file path=ppt/slides/slide5.xml><?xml version="1.0" encoding="utf-8"?>
+<p:sld xmlns:a="http://schemas.openxmlformats.org/drawingml/2006/main" xmlns:r="http://schemas.openxmlformats.org/officeDocument/2006/relationships" xmlns:p="http://schemas.openxmlformats.org/presentationml/2006/main">
+  <p:cSld>
+    <p:spTree>
+      <p:nvGrpSpPr>
+        <p:cNvPr id="1" name=""/>
+        <p:cNvGrpSpPr/>
+        <p:nvPr/>
+      </p:nvGrpSpPr>
+      <p:grpSpPr>
+        <a:xfrm>
+          <a:off x="0" y="0"/>
+          <a:ext cx="0" cy="0"/>
+          <a:chOff x="0" y="0"/>
+          <a:chExt cx="0" cy="0"/>
+        </a:xfrm>
+      </p:grpSpPr>
+      <p:grpSp>
+        <p:nvGrpSpPr>
+          <p:cNvPr id="46" name="群組 45"/>
+          <p:cNvGrpSpPr/>
+          <p:nvPr/>
+        </p:nvGrpSpPr>
+        <p:grpSpPr>
+          <a:xfrm>
+            <a:off x="1253837" y="1800808"/>
+            <a:ext cx="9443236" cy="4064562"/>
+            <a:chOff x="1253837" y="1800808"/>
+            <a:chExt cx="9443236" cy="4064562"/>
+          </a:xfrm>
+        </p:grpSpPr>
+        <p:grpSp>
+          <p:nvGrpSpPr>
+            <p:cNvPr id="35" name="群組 34"/>
+            <p:cNvGrpSpPr/>
+            <p:nvPr/>
+          </p:nvGrpSpPr>
+          <p:grpSpPr>
+            <a:xfrm>
+              <a:off x="1253837" y="1952941"/>
+              <a:ext cx="9443236" cy="3431309"/>
+              <a:chOff x="1410855" y="2008362"/>
+              <a:chExt cx="9443236" cy="3431309"/>
+            </a:xfrm>
+          </p:grpSpPr>
+          <p:pic>
+            <p:nvPicPr>
+              <p:cNvPr id="4" name="圖片 3"/>
+              <p:cNvPicPr>
+                <a:picLocks noChangeAspect="1"/>
+              </p:cNvPicPr>
+              <p:nvPr/>
+            </p:nvPicPr>
+            <p:blipFill>
+              <a:blip r:embed="rId2" cstate="hqprint">
+                <a:extLst>
+                  <a:ext uri="{28A0092B-C50C-407E-A947-70E740481C1C}">
+                    <a14:useLocalDpi xmlns:a14="http://schemas.microsoft.com/office/drawing/2010/main" val="0"/>
+                  </a:ext>
+                </a:extLst>
+              </a:blip>
+              <a:stretch>
+                <a:fillRect/>
+              </a:stretch>
+            </p:blipFill>
+            <p:spPr>
+              <a:xfrm>
+                <a:off x="1410855" y="3177311"/>
+                <a:ext cx="1265382" cy="1265382"/>
+              </a:xfrm>
+              <a:prstGeom prst="rect">
+                <a:avLst/>
+              </a:prstGeom>
+            </p:spPr>
+          </p:pic>
+          <p:sp>
+            <p:nvSpPr>
+              <p:cNvPr id="7" name="向右箭號 6"/>
+              <p:cNvSpPr/>
+              <p:nvPr/>
+            </p:nvSpPr>
+            <p:spPr>
+              <a:xfrm>
+                <a:off x="2798618" y="3694546"/>
+                <a:ext cx="6253019" cy="387928"/>
+              </a:xfrm>
+              <a:prstGeom prst="rightArrow">
+                <a:avLst/>
+              </a:prstGeom>
+            </p:spPr>
+            <p:style>
+              <a:lnRef idx="2">
+                <a:schemeClr val="dk1">
+                  <a:shade val="50000"/>
+                </a:schemeClr>
+              </a:lnRef>
+              <a:fillRef idx="1">
+                <a:schemeClr val="dk1"/>
+              </a:fillRef>
+              <a:effectRef idx="0">
+                <a:schemeClr val="dk1"/>
+              </a:effectRef>
+              <a:fontRef idx="minor">
+                <a:schemeClr val="lt1"/>
+              </a:fontRef>
+            </p:style>
+            <p:txBody>
+              <a:bodyPr rtlCol="0" anchor="ctr"/>
+              <a:lstStyle/>
+              <a:p>
+                <a:pPr algn="ctr"/>
+                <a:endParaRPr lang="zh-TW" altLang="en-US">
+                  <a:latin typeface="微軟正黑體" panose="020B0604030504040204" pitchFamily="34" charset="-120"/>
+                  <a:ea typeface="微軟正黑體" panose="020B0604030504040204" pitchFamily="34" charset="-120"/>
+                </a:endParaRPr>
+              </a:p>
+            </p:txBody>
+          </p:sp>
+          <p:pic>
+            <p:nvPicPr>
+              <p:cNvPr id="9" name="圖片 8"/>
+              <p:cNvPicPr>
+                <a:picLocks noChangeAspect="1"/>
+              </p:cNvPicPr>
+              <p:nvPr/>
+            </p:nvPicPr>
+            <p:blipFill>
+              <a:blip r:embed="rId3">
+                <a:extLst>
+                  <a:ext uri="{28A0092B-C50C-407E-A947-70E740481C1C}">
+                    <a14:useLocalDpi xmlns:a14="http://schemas.microsoft.com/office/drawing/2010/main" val="0"/>
+                  </a:ext>
+                </a:extLst>
+              </a:blip>
+              <a:stretch>
+                <a:fillRect/>
+              </a:stretch>
+            </p:blipFill>
+            <p:spPr>
+              <a:xfrm>
+                <a:off x="9295115" y="3030514"/>
+                <a:ext cx="1558976" cy="1558976"/>
+              </a:xfrm>
+              <a:prstGeom prst="rect">
+                <a:avLst/>
+              </a:prstGeom>
+            </p:spPr>
+          </p:pic>
+          <p:sp>
+            <p:nvSpPr>
+              <p:cNvPr id="11" name="圓角矩形 10"/>
+              <p:cNvSpPr/>
+              <p:nvPr/>
+            </p:nvSpPr>
+            <p:spPr>
+              <a:xfrm>
+                <a:off x="3417455" y="2540987"/>
+                <a:ext cx="1413163" cy="489527"/>
+              </a:xfrm>
+              <a:prstGeom prst="roundRect">
+                <a:avLst/>
+              </a:prstGeom>
+            </p:spPr>
+            <p:style>
+              <a:lnRef idx="2">
+                <a:schemeClr val="dk1"/>
+              </a:lnRef>
+              <a:fillRef idx="1">
+                <a:schemeClr val="lt1"/>
+              </a:fillRef>
+              <a:effectRef idx="0">
+                <a:schemeClr val="dk1"/>
+              </a:effectRef>
+              <a:fontRef idx="minor">
+                <a:schemeClr val="dk1"/>
+              </a:fontRef>
+            </p:style>
+            <p:txBody>
+              <a:bodyPr rtlCol="0" anchor="ctr"/>
+              <a:lstStyle/>
+              <a:p>
+                <a:pPr algn="ctr"/>
+                <a:r>
+                  <a:rPr lang="zh-TW" altLang="en-US" dirty="0" smtClean="0">
+                    <a:latin typeface="微軟正黑體" panose="020B0604030504040204" pitchFamily="34" charset="-120"/>
+                    <a:ea typeface="微軟正黑體" panose="020B0604030504040204" pitchFamily="34" charset="-120"/>
+                  </a:rPr>
+                  <a:t>檔案</a:t>
+                </a:r>
+                <a:r>
+                  <a:rPr lang="zh-TW" altLang="en-US" dirty="0">
+                    <a:latin typeface="微軟正黑體" panose="020B0604030504040204" pitchFamily="34" charset="-120"/>
+                    <a:ea typeface="微軟正黑體" panose="020B0604030504040204" pitchFamily="34" charset="-120"/>
+                  </a:rPr>
+                  <a:t>遺失</a:t>
+                </a:r>
+              </a:p>
+            </p:txBody>
+          </p:sp>
+          <p:cxnSp>
+            <p:nvCxnSpPr>
+              <p:cNvPr id="13" name="直線單箭頭接點 12"/>
+              <p:cNvCxnSpPr>
+                <a:stCxn id="11" idx="2"/>
+              </p:cNvCxnSpPr>
+              <p:nvPr/>
+            </p:nvCxnSpPr>
+            <p:spPr>
+              <a:xfrm flipH="1">
+                <a:off x="3943927" y="3030514"/>
+                <a:ext cx="180110" cy="737923"/>
+              </a:xfrm>
+              <a:prstGeom prst="straightConnector1">
+                <a:avLst/>
+              </a:prstGeom>
+              <a:ln>
+                <a:tailEnd type="triangle"/>
+              </a:ln>
+            </p:spPr>
+            <p:style>
+              <a:lnRef idx="1">
+                <a:schemeClr val="accent1"/>
+              </a:lnRef>
+              <a:fillRef idx="0">
+                <a:schemeClr val="accent1"/>
+              </a:fillRef>
+              <a:effectRef idx="0">
+                <a:schemeClr val="accent1"/>
+              </a:effectRef>
+              <a:fontRef idx="minor">
+                <a:schemeClr val="tx1"/>
+              </a:fontRef>
+            </p:style>
+          </p:cxnSp>
+          <p:sp>
+            <p:nvSpPr>
+              <p:cNvPr id="16" name="圓角矩形 15"/>
+              <p:cNvSpPr/>
+              <p:nvPr/>
+            </p:nvSpPr>
+            <p:spPr>
+              <a:xfrm>
+                <a:off x="4754417" y="4950144"/>
+                <a:ext cx="1413163" cy="489527"/>
+              </a:xfrm>
+              <a:prstGeom prst="roundRect">
+                <a:avLst/>
+              </a:prstGeom>
+            </p:spPr>
+            <p:style>
+              <a:lnRef idx="2">
+                <a:schemeClr val="dk1"/>
+              </a:lnRef>
+              <a:fillRef idx="1">
+                <a:schemeClr val="lt1"/>
+              </a:fillRef>
+              <a:effectRef idx="0">
+                <a:schemeClr val="dk1"/>
+              </a:effectRef>
+              <a:fontRef idx="minor">
+                <a:schemeClr val="dk1"/>
+              </a:fontRef>
+            </p:style>
+            <p:txBody>
+              <a:bodyPr rtlCol="0" anchor="ctr"/>
+              <a:lstStyle/>
+              <a:p>
+                <a:pPr algn="ctr"/>
+                <a:r>
+                  <a:rPr lang="zh-TW" altLang="en-US" dirty="0">
+                    <a:latin typeface="微軟正黑體" panose="020B0604030504040204" pitchFamily="34" charset="-120"/>
+                    <a:ea typeface="微軟正黑體" panose="020B0604030504040204" pitchFamily="34" charset="-120"/>
+                  </a:rPr>
+                  <a:t>檔案</a:t>
+                </a:r>
+                <a:r>
+                  <a:rPr lang="zh-TW" altLang="en-US" dirty="0" smtClean="0">
+                    <a:latin typeface="微軟正黑體" panose="020B0604030504040204" pitchFamily="34" charset="-120"/>
+                    <a:ea typeface="微軟正黑體" panose="020B0604030504040204" pitchFamily="34" charset="-120"/>
+                  </a:rPr>
+                  <a:t>誤改</a:t>
+                </a:r>
+                <a:endParaRPr lang="zh-TW" altLang="en-US" dirty="0">
+                  <a:latin typeface="微軟正黑體" panose="020B0604030504040204" pitchFamily="34" charset="-120"/>
+                  <a:ea typeface="微軟正黑體" panose="020B0604030504040204" pitchFamily="34" charset="-120"/>
+                </a:endParaRPr>
+              </a:p>
+            </p:txBody>
+          </p:sp>
+          <p:sp>
+            <p:nvSpPr>
+              <p:cNvPr id="17" name="圓角矩形 16"/>
+              <p:cNvSpPr/>
+              <p:nvPr/>
+            </p:nvSpPr>
+            <p:spPr>
+              <a:xfrm>
+                <a:off x="5011371" y="2008362"/>
+                <a:ext cx="1263071" cy="489527"/>
+              </a:xfrm>
+              <a:prstGeom prst="roundRect">
+                <a:avLst/>
+              </a:prstGeom>
+            </p:spPr>
+            <p:style>
+              <a:lnRef idx="2">
+                <a:schemeClr val="dk1"/>
+              </a:lnRef>
+              <a:fillRef idx="1">
+                <a:schemeClr val="lt1"/>
+              </a:fillRef>
+              <a:effectRef idx="0">
+                <a:schemeClr val="dk1"/>
+              </a:effectRef>
+              <a:fontRef idx="minor">
+                <a:schemeClr val="dk1"/>
+              </a:fontRef>
+            </p:style>
+            <p:txBody>
+              <a:bodyPr rtlCol="0" anchor="ctr"/>
+              <a:lstStyle/>
+              <a:p>
+                <a:pPr algn="ctr"/>
+                <a:r>
+                  <a:rPr lang="zh-TW" altLang="en-US" dirty="0" smtClean="0">
+                    <a:latin typeface="微軟正黑體" panose="020B0604030504040204" pitchFamily="34" charset="-120"/>
+                    <a:ea typeface="微軟正黑體" panose="020B0604030504040204" pitchFamily="34" charset="-120"/>
+                  </a:rPr>
+                  <a:t>需求變更</a:t>
+                </a:r>
+                <a:endParaRPr lang="zh-TW" altLang="en-US" dirty="0">
+                  <a:latin typeface="微軟正黑體" panose="020B0604030504040204" pitchFamily="34" charset="-120"/>
+                  <a:ea typeface="微軟正黑體" panose="020B0604030504040204" pitchFamily="34" charset="-120"/>
+                </a:endParaRPr>
+              </a:p>
+            </p:txBody>
+          </p:sp>
+          <p:cxnSp>
+            <p:nvCxnSpPr>
+              <p:cNvPr id="19" name="直線單箭頭接點 18"/>
+              <p:cNvCxnSpPr>
+                <a:stCxn id="17" idx="2"/>
+              </p:cNvCxnSpPr>
+              <p:nvPr/>
+            </p:nvCxnSpPr>
+            <p:spPr>
+              <a:xfrm>
+                <a:off x="5642907" y="2497889"/>
+                <a:ext cx="455401" cy="1270548"/>
+              </a:xfrm>
+              <a:prstGeom prst="straightConnector1">
+                <a:avLst/>
+              </a:prstGeom>
+              <a:ln>
+                <a:tailEnd type="triangle"/>
+              </a:ln>
+            </p:spPr>
+            <p:style>
+              <a:lnRef idx="1">
+                <a:schemeClr val="accent1"/>
+              </a:lnRef>
+              <a:fillRef idx="0">
+                <a:schemeClr val="accent1"/>
+              </a:fillRef>
+              <a:effectRef idx="0">
+                <a:schemeClr val="accent1"/>
+              </a:effectRef>
+              <a:fontRef idx="minor">
+                <a:schemeClr val="tx1"/>
+              </a:fontRef>
+            </p:style>
+          </p:cxnSp>
+          <p:cxnSp>
+            <p:nvCxnSpPr>
+              <p:cNvPr id="22" name="直線單箭頭接點 21"/>
+              <p:cNvCxnSpPr>
+                <a:stCxn id="16" idx="0"/>
+              </p:cNvCxnSpPr>
+              <p:nvPr/>
+            </p:nvCxnSpPr>
+            <p:spPr>
+              <a:xfrm flipH="1" flipV="1">
+                <a:off x="4959607" y="3999345"/>
+                <a:ext cx="501392" cy="950799"/>
+              </a:xfrm>
+              <a:prstGeom prst="straightConnector1">
+                <a:avLst/>
+              </a:prstGeom>
+              <a:ln>
+                <a:tailEnd type="triangle"/>
+              </a:ln>
+            </p:spPr>
+            <p:style>
+              <a:lnRef idx="1">
+                <a:schemeClr val="accent1"/>
+              </a:lnRef>
+              <a:fillRef idx="0">
+                <a:schemeClr val="accent1"/>
+              </a:fillRef>
+              <a:effectRef idx="0">
+                <a:schemeClr val="accent1"/>
+              </a:effectRef>
+              <a:fontRef idx="minor">
+                <a:schemeClr val="tx1"/>
+              </a:fontRef>
+            </p:style>
+          </p:cxnSp>
+          <p:sp>
+            <p:nvSpPr>
+              <p:cNvPr id="23" name="圓角矩形 22"/>
+              <p:cNvSpPr/>
+              <p:nvPr/>
+            </p:nvSpPr>
+            <p:spPr>
+              <a:xfrm>
+                <a:off x="7025087" y="4950141"/>
+                <a:ext cx="1263071" cy="489527"/>
+              </a:xfrm>
+              <a:prstGeom prst="roundRect">
+                <a:avLst/>
+              </a:prstGeom>
+            </p:spPr>
+            <p:style>
+              <a:lnRef idx="2">
+                <a:schemeClr val="dk1"/>
+              </a:lnRef>
+              <a:fillRef idx="1">
+                <a:schemeClr val="lt1"/>
+              </a:fillRef>
+              <a:effectRef idx="0">
+                <a:schemeClr val="dk1"/>
+              </a:effectRef>
+              <a:fontRef idx="minor">
+                <a:schemeClr val="dk1"/>
+              </a:fontRef>
+            </p:style>
+            <p:txBody>
+              <a:bodyPr rtlCol="0" anchor="ctr"/>
+              <a:lstStyle/>
+              <a:p>
+                <a:pPr algn="ctr"/>
+                <a:r>
+                  <a:rPr lang="zh-TW" altLang="en-US" dirty="0" smtClean="0">
+                    <a:latin typeface="微軟正黑體" panose="020B0604030504040204" pitchFamily="34" charset="-120"/>
+                    <a:ea typeface="微軟正黑體" panose="020B0604030504040204" pitchFamily="34" charset="-120"/>
+                  </a:rPr>
+                  <a:t>凍結</a:t>
+                </a:r>
+                <a:endParaRPr lang="zh-TW" altLang="en-US" dirty="0">
+                  <a:latin typeface="微軟正黑體" panose="020B0604030504040204" pitchFamily="34" charset="-120"/>
+                  <a:ea typeface="微軟正黑體" panose="020B0604030504040204" pitchFamily="34" charset="-120"/>
+                </a:endParaRPr>
+              </a:p>
+            </p:txBody>
+          </p:sp>
+          <p:cxnSp>
+            <p:nvCxnSpPr>
+              <p:cNvPr id="25" name="直線單箭頭接點 24"/>
+              <p:cNvCxnSpPr>
+                <a:stCxn id="23" idx="0"/>
+              </p:cNvCxnSpPr>
+              <p:nvPr/>
+            </p:nvCxnSpPr>
+            <p:spPr>
+              <a:xfrm flipH="1" flipV="1">
+                <a:off x="7204042" y="3999345"/>
+                <a:ext cx="452581" cy="950796"/>
+              </a:xfrm>
+              <a:prstGeom prst="straightConnector1">
+                <a:avLst/>
+              </a:prstGeom>
+              <a:ln>
+                <a:tailEnd type="triangle"/>
+              </a:ln>
+            </p:spPr>
+            <p:style>
+              <a:lnRef idx="1">
+                <a:schemeClr val="accent1"/>
+              </a:lnRef>
+              <a:fillRef idx="0">
+                <a:schemeClr val="accent1"/>
+              </a:fillRef>
+              <a:effectRef idx="0">
+                <a:schemeClr val="accent1"/>
+              </a:effectRef>
+              <a:fontRef idx="minor">
+                <a:schemeClr val="tx1"/>
+              </a:fontRef>
+            </p:style>
+          </p:cxnSp>
+          <p:sp>
+            <p:nvSpPr>
+              <p:cNvPr id="26" name="圓角矩形 25"/>
+              <p:cNvSpPr/>
+              <p:nvPr/>
+            </p:nvSpPr>
+            <p:spPr>
+              <a:xfrm>
+                <a:off x="7076721" y="2480789"/>
+                <a:ext cx="1413163" cy="489527"/>
+              </a:xfrm>
+              <a:prstGeom prst="roundRect">
+                <a:avLst/>
+              </a:prstGeom>
+            </p:spPr>
+            <p:style>
+              <a:lnRef idx="2">
+                <a:schemeClr val="dk1"/>
+              </a:lnRef>
+              <a:fillRef idx="1">
+                <a:schemeClr val="lt1"/>
+              </a:fillRef>
+              <a:effectRef idx="0">
+                <a:schemeClr val="dk1"/>
+              </a:effectRef>
+              <a:fontRef idx="minor">
+                <a:schemeClr val="dk1"/>
+              </a:fontRef>
+            </p:style>
+            <p:txBody>
+              <a:bodyPr rtlCol="0" anchor="ctr"/>
+              <a:lstStyle/>
+              <a:p>
+                <a:pPr algn="ctr"/>
+                <a:r>
+                  <a:rPr lang="zh-TW" altLang="en-US" dirty="0" smtClean="0">
+                    <a:latin typeface="微軟正黑體" panose="020B0604030504040204" pitchFamily="34" charset="-120"/>
+                    <a:ea typeface="微軟正黑體" panose="020B0604030504040204" pitchFamily="34" charset="-120"/>
+                  </a:rPr>
+                  <a:t>檔案覆蓋</a:t>
+                </a:r>
+                <a:endParaRPr lang="zh-TW" altLang="en-US" dirty="0">
+                  <a:latin typeface="微軟正黑體" panose="020B0604030504040204" pitchFamily="34" charset="-120"/>
+                  <a:ea typeface="微軟正黑體" panose="020B0604030504040204" pitchFamily="34" charset="-120"/>
+                </a:endParaRPr>
+              </a:p>
+            </p:txBody>
+          </p:sp>
+          <p:cxnSp>
+            <p:nvCxnSpPr>
+              <p:cNvPr id="34" name="直線單箭頭接點 33"/>
+              <p:cNvCxnSpPr>
+                <a:stCxn id="26" idx="2"/>
+              </p:cNvCxnSpPr>
+              <p:nvPr/>
+            </p:nvCxnSpPr>
+            <p:spPr>
+              <a:xfrm flipH="1">
+                <a:off x="7287491" y="2970316"/>
+                <a:ext cx="495812" cy="798121"/>
+              </a:xfrm>
+              <a:prstGeom prst="straightConnector1">
+                <a:avLst/>
+              </a:prstGeom>
+              <a:ln>
+                <a:tailEnd type="triangle"/>
+              </a:ln>
+            </p:spPr>
+            <p:style>
+              <a:lnRef idx="1">
+                <a:schemeClr val="accent1"/>
+              </a:lnRef>
+              <a:fillRef idx="0">
+                <a:schemeClr val="accent1"/>
+              </a:fillRef>
+              <a:effectRef idx="0">
+                <a:schemeClr val="accent1"/>
+              </a:effectRef>
+              <a:fontRef idx="minor">
+                <a:schemeClr val="tx1"/>
+              </a:fontRef>
+            </p:style>
+          </p:cxnSp>
+        </p:grpSp>
+        <p:sp>
+          <p:nvSpPr>
+            <p:cNvPr id="37" name="文字方塊 36"/>
+            <p:cNvSpPr txBox="1"/>
+            <p:nvPr/>
+          </p:nvSpPr>
+          <p:spPr>
+            <a:xfrm>
+              <a:off x="2414223" y="1963703"/>
+              <a:ext cx="1843229" cy="461665"/>
+            </a:xfrm>
+            <a:prstGeom prst="rect">
+              <a:avLst/>
+            </a:prstGeom>
+            <a:noFill/>
+          </p:spPr>
+          <p:txBody>
+            <a:bodyPr wrap="square" rtlCol="0">
+              <a:spAutoFit/>
+            </a:bodyPr>
+            <a:lstStyle/>
+            <a:p>
+              <a:r>
+                <a:rPr lang="en-US" altLang="zh-TW" sz="2400" b="1" dirty="0" smtClean="0">
+                  <a:solidFill>
+                    <a:srgbClr val="00B050"/>
+                  </a:solidFill>
+                  <a:latin typeface="微軟正黑體" panose="020B0604030504040204" pitchFamily="34" charset="-120"/>
+                  <a:ea typeface="微軟正黑體" panose="020B0604030504040204" pitchFamily="34" charset="-120"/>
+                </a:rPr>
+                <a:t>1.</a:t>
+              </a:r>
+              <a:r>
+                <a:rPr lang="zh-TW" altLang="en-US" sz="2400" b="1" dirty="0" smtClean="0">
+                  <a:solidFill>
+                    <a:srgbClr val="00B050"/>
+                  </a:solidFill>
+                  <a:latin typeface="微軟正黑體" panose="020B0604030504040204" pitchFamily="34" charset="-120"/>
+                  <a:ea typeface="微軟正黑體" panose="020B0604030504040204" pitchFamily="34" charset="-120"/>
+                </a:rPr>
+                <a:t>復原檔案</a:t>
+              </a:r>
+              <a:endParaRPr lang="zh-TW" altLang="en-US" sz="2400" b="1" dirty="0">
+                <a:solidFill>
+                  <a:srgbClr val="00B050"/>
+                </a:solidFill>
+                <a:latin typeface="微軟正黑體" panose="020B0604030504040204" pitchFamily="34" charset="-120"/>
+                <a:ea typeface="微軟正黑體" panose="020B0604030504040204" pitchFamily="34" charset="-120"/>
+              </a:endParaRPr>
+            </a:p>
+          </p:txBody>
+        </p:sp>
+        <p:sp>
+          <p:nvSpPr>
+            <p:cNvPr id="39" name="文字方塊 38"/>
+            <p:cNvSpPr txBox="1"/>
+            <p:nvPr/>
+          </p:nvSpPr>
+          <p:spPr>
+            <a:xfrm>
+              <a:off x="3623398" y="5403705"/>
+              <a:ext cx="2358381" cy="461665"/>
+            </a:xfrm>
+            <a:prstGeom prst="rect">
+              <a:avLst/>
+            </a:prstGeom>
+            <a:noFill/>
+          </p:spPr>
+          <p:txBody>
+            <a:bodyPr wrap="square" rtlCol="0">
+              <a:spAutoFit/>
+            </a:bodyPr>
+            <a:lstStyle/>
+            <a:p>
+              <a:r>
+                <a:rPr lang="en-US" altLang="zh-TW" sz="2400" b="1" dirty="0" smtClean="0">
+                  <a:solidFill>
+                    <a:srgbClr val="00B050"/>
+                  </a:solidFill>
+                  <a:latin typeface="微軟正黑體" panose="020B0604030504040204" pitchFamily="34" charset="-120"/>
+                  <a:ea typeface="微軟正黑體" panose="020B0604030504040204" pitchFamily="34" charset="-120"/>
+                </a:rPr>
+                <a:t>2.</a:t>
+              </a:r>
+              <a:r>
+                <a:rPr lang="zh-TW" altLang="en-US" sz="2400" b="1" dirty="0" smtClean="0">
+                  <a:solidFill>
+                    <a:srgbClr val="00B050"/>
+                  </a:solidFill>
+                  <a:latin typeface="微軟正黑體" panose="020B0604030504040204" pitchFamily="34" charset="-120"/>
+                  <a:ea typeface="微軟正黑體" panose="020B0604030504040204" pitchFamily="34" charset="-120"/>
+                </a:rPr>
+                <a:t>保留修改歷程</a:t>
+              </a:r>
+              <a:endParaRPr lang="zh-TW" altLang="en-US" sz="2400" b="1" dirty="0">
+                <a:solidFill>
+                  <a:srgbClr val="00B050"/>
+                </a:solidFill>
+                <a:latin typeface="微軟正黑體" panose="020B0604030504040204" pitchFamily="34" charset="-120"/>
+                <a:ea typeface="微軟正黑體" panose="020B0604030504040204" pitchFamily="34" charset="-120"/>
+              </a:endParaRPr>
+            </a:p>
+          </p:txBody>
+        </p:sp>
+        <p:sp>
+          <p:nvSpPr>
+            <p:cNvPr id="40" name="文字方塊 39"/>
+            <p:cNvSpPr txBox="1"/>
+            <p:nvPr/>
+          </p:nvSpPr>
+          <p:spPr>
+            <a:xfrm>
+              <a:off x="6134100" y="1800808"/>
+              <a:ext cx="1843229" cy="461665"/>
+            </a:xfrm>
+            <a:prstGeom prst="rect">
+              <a:avLst/>
+            </a:prstGeom>
+            <a:noFill/>
+          </p:spPr>
+          <p:txBody>
+            <a:bodyPr wrap="square" rtlCol="0">
+              <a:spAutoFit/>
+            </a:bodyPr>
+            <a:lstStyle/>
+            <a:p>
+              <a:r>
+                <a:rPr lang="en-US" altLang="zh-TW" sz="2400" b="1" dirty="0" smtClean="0">
+                  <a:solidFill>
+                    <a:srgbClr val="00B050"/>
+                  </a:solidFill>
+                  <a:latin typeface="微軟正黑體" panose="020B0604030504040204" pitchFamily="34" charset="-120"/>
+                  <a:ea typeface="微軟正黑體" panose="020B0604030504040204" pitchFamily="34" charset="-120"/>
+                </a:rPr>
+                <a:t>3.</a:t>
+              </a:r>
+              <a:r>
+                <a:rPr lang="zh-TW" altLang="en-US" sz="2400" b="1" dirty="0" smtClean="0">
+                  <a:solidFill>
+                    <a:srgbClr val="00B050"/>
+                  </a:solidFill>
+                  <a:latin typeface="微軟正黑體" panose="020B0604030504040204" pitchFamily="34" charset="-120"/>
+                  <a:ea typeface="微軟正黑體" panose="020B0604030504040204" pitchFamily="34" charset="-120"/>
+                </a:rPr>
+                <a:t>版本復原</a:t>
+              </a:r>
+              <a:endParaRPr lang="zh-TW" altLang="en-US" sz="2400" b="1" dirty="0">
+                <a:solidFill>
+                  <a:srgbClr val="00B050"/>
+                </a:solidFill>
+                <a:latin typeface="微軟正黑體" panose="020B0604030504040204" pitchFamily="34" charset="-120"/>
+                <a:ea typeface="微軟正黑體" panose="020B0604030504040204" pitchFamily="34" charset="-120"/>
+              </a:endParaRPr>
+            </a:p>
+          </p:txBody>
+        </p:sp>
+        <p:sp>
+          <p:nvSpPr>
+            <p:cNvPr id="41" name="文字方塊 40"/>
+            <p:cNvSpPr txBox="1"/>
+            <p:nvPr/>
+          </p:nvSpPr>
+          <p:spPr>
+            <a:xfrm>
+              <a:off x="7851999" y="5393483"/>
+              <a:ext cx="1843229" cy="461665"/>
+            </a:xfrm>
+            <a:prstGeom prst="rect">
+              <a:avLst/>
+            </a:prstGeom>
+            <a:noFill/>
+          </p:spPr>
+          <p:txBody>
+            <a:bodyPr wrap="square" rtlCol="0">
+              <a:spAutoFit/>
+            </a:bodyPr>
+            <a:lstStyle/>
+            <a:p>
+              <a:r>
+                <a:rPr lang="en-US" altLang="zh-TW" sz="2400" b="1" dirty="0" smtClean="0">
+                  <a:solidFill>
+                    <a:srgbClr val="00B050"/>
+                  </a:solidFill>
+                  <a:latin typeface="微軟正黑體" panose="020B0604030504040204" pitchFamily="34" charset="-120"/>
+                  <a:ea typeface="微軟正黑體" panose="020B0604030504040204" pitchFamily="34" charset="-120"/>
+                </a:rPr>
+                <a:t>4.</a:t>
+              </a:r>
+              <a:r>
+                <a:rPr lang="zh-TW" altLang="en-US" sz="2400" b="1" dirty="0" smtClean="0">
+                  <a:solidFill>
+                    <a:srgbClr val="00B050"/>
+                  </a:solidFill>
+                  <a:latin typeface="微軟正黑體" panose="020B0604030504040204" pitchFamily="34" charset="-120"/>
+                  <a:ea typeface="微軟正黑體" panose="020B0604030504040204" pitchFamily="34" charset="-120"/>
+                </a:rPr>
+                <a:t>持續開發</a:t>
+              </a:r>
+              <a:endParaRPr lang="zh-TW" altLang="en-US" sz="2400" b="1" dirty="0">
+                <a:solidFill>
+                  <a:srgbClr val="00B050"/>
+                </a:solidFill>
+                <a:latin typeface="微軟正黑體" panose="020B0604030504040204" pitchFamily="34" charset="-120"/>
+                <a:ea typeface="微軟正黑體" panose="020B0604030504040204" pitchFamily="34" charset="-120"/>
+              </a:endParaRPr>
+            </a:p>
+          </p:txBody>
+        </p:sp>
+      </p:grpSp>
+      <p:sp>
+        <p:nvSpPr>
+          <p:cNvPr id="42" name="文字方塊 41"/>
+          <p:cNvSpPr txBox="1"/>
+          <p:nvPr/>
+        </p:nvSpPr>
+        <p:spPr>
+          <a:xfrm>
+            <a:off x="5053285" y="6145263"/>
+            <a:ext cx="6979448" cy="461665"/>
+          </a:xfrm>
+          <a:prstGeom prst="rect">
+            <a:avLst/>
+          </a:prstGeom>
+          <a:noFill/>
+        </p:spPr>
+        <p:txBody>
+          <a:bodyPr wrap="square" rtlCol="0">
+            <a:spAutoFit/>
+          </a:bodyPr>
+          <a:lstStyle/>
+          <a:p>
+            <a:r>
+              <a:rPr lang="zh-TW" altLang="en-US" sz="2400" dirty="0" smtClean="0">
+                <a:solidFill>
+                  <a:srgbClr val="FF0000"/>
+                </a:solidFill>
+                <a:latin typeface="微軟正黑體" panose="020B0604030504040204" pitchFamily="34" charset="-120"/>
+                <a:ea typeface="微軟正黑體" panose="020B0604030504040204" pitchFamily="34" charset="-120"/>
+              </a:rPr>
+              <a:t>供團隊存放開發原始碼及文件，以便達成集中控管</a:t>
+            </a:r>
+            <a:endParaRPr lang="zh-TW" altLang="en-US" sz="2400" dirty="0">
+              <a:solidFill>
+                <a:srgbClr val="FF0000"/>
+              </a:solidFill>
+              <a:latin typeface="微軟正黑體" panose="020B0604030504040204" pitchFamily="34" charset="-120"/>
+              <a:ea typeface="微軟正黑體" panose="020B0604030504040204" pitchFamily="34" charset="-120"/>
+            </a:endParaRPr>
+          </a:p>
+        </p:txBody>
+      </p:sp>
+      <p:sp>
+        <p:nvSpPr>
+          <p:cNvPr id="43" name="標題 1">
+            <a:extLst>
+              <a:ext uri="{FF2B5EF4-FFF2-40B4-BE49-F238E27FC236}">
+                <a16:creationId xmlns:a16="http://schemas.microsoft.com/office/drawing/2014/main" id="{B9A165EE-07AE-44A6-A370-ADA24F5917E6}"/>
+              </a:ext>
+            </a:extLst>
+          </p:cNvPr>
+          <p:cNvSpPr>
+            <a:spLocks noGrp="1"/>
+          </p:cNvSpPr>
+          <p:nvPr>
+            <p:ph type="title"/>
+          </p:nvPr>
+        </p:nvSpPr>
+        <p:spPr>
+          <a:xfrm>
+            <a:off x="838200" y="365125"/>
+            <a:ext cx="10515600" cy="1325563"/>
+          </a:xfrm>
+        </p:spPr>
+        <p:txBody>
+          <a:bodyPr/>
+          <a:lstStyle/>
+          <a:p>
+            <a:r>
+              <a:rPr lang="zh-TW" altLang="zh-TW" dirty="0">
+                <a:latin typeface="微軟正黑體" panose="020B0604030504040204" pitchFamily="34" charset="-120"/>
+                <a:ea typeface="微軟正黑體" panose="020B0604030504040204" pitchFamily="34" charset="-120"/>
+              </a:rPr>
+              <a:t>版本</a:t>
+            </a:r>
+            <a:r>
+              <a:rPr lang="zh-TW" altLang="zh-TW" dirty="0" smtClean="0">
+                <a:latin typeface="微軟正黑體" panose="020B0604030504040204" pitchFamily="34" charset="-120"/>
+                <a:ea typeface="微軟正黑體" panose="020B0604030504040204" pitchFamily="34" charset="-120"/>
+              </a:rPr>
+              <a:t>控制</a:t>
+            </a:r>
+            <a:r>
+              <a:rPr lang="en-US" altLang="zh-TW" dirty="0" smtClean="0">
+                <a:latin typeface="微軟正黑體" panose="020B0604030504040204" pitchFamily="34" charset="-120"/>
+                <a:ea typeface="微軟正黑體" panose="020B0604030504040204" pitchFamily="34" charset="-120"/>
+              </a:rPr>
+              <a:t>(</a:t>
+            </a:r>
+            <a:r>
+              <a:rPr lang="en-US" altLang="zh-TW" dirty="0">
+                <a:latin typeface="微軟正黑體" panose="020B0604030504040204" pitchFamily="34" charset="-120"/>
+                <a:ea typeface="微軟正黑體" panose="020B0604030504040204" pitchFamily="34" charset="-120"/>
+              </a:rPr>
+              <a:t>3/2) -</a:t>
+            </a:r>
+            <a:r>
+              <a:rPr lang="en-US" altLang="zh-TW" dirty="0" smtClean="0">
+                <a:latin typeface="微軟正黑體" panose="020B0604030504040204" pitchFamily="34" charset="-120"/>
+                <a:ea typeface="微軟正黑體" panose="020B0604030504040204" pitchFamily="34" charset="-120"/>
+              </a:rPr>
+              <a:t> </a:t>
+            </a:r>
+            <a:r>
+              <a:rPr lang="zh-TW" altLang="en-US" sz="2400" dirty="0" smtClean="0">
+                <a:latin typeface="微軟正黑體" panose="020B0604030504040204" pitchFamily="34" charset="-120"/>
+                <a:ea typeface="微軟正黑體" panose="020B0604030504040204" pitchFamily="34" charset="-120"/>
+              </a:rPr>
+              <a:t>用途及目的</a:t>
+            </a:r>
+            <a:endParaRPr lang="zh-TW" altLang="en-US" sz="2400" dirty="0">
+              <a:latin typeface="微軟正黑體" panose="020B0604030504040204" pitchFamily="34" charset="-120"/>
+              <a:ea typeface="微軟正黑體" panose="020B0604030504040204" pitchFamily="34" charset="-120"/>
+            </a:endParaRPr>
+          </a:p>
+        </p:txBody>
+      </p:sp>
+      <p:cxnSp>
+        <p:nvCxnSpPr>
+          <p:cNvPr id="44" name="直線接點 43">
+            <a:extLst>
+              <a:ext uri="{FF2B5EF4-FFF2-40B4-BE49-F238E27FC236}">
+                <a16:creationId xmlns:a16="http://schemas.microsoft.com/office/drawing/2014/main" id="{1BDA32D2-5D37-47F7-B37E-CEE6FC26107F}"/>
+              </a:ext>
+            </a:extLst>
+          </p:cNvPr>
+          <p:cNvCxnSpPr>
+            <a:cxnSpLocks/>
+          </p:cNvCxnSpPr>
+          <p:nvPr/>
+        </p:nvCxnSpPr>
+        <p:spPr>
+          <a:xfrm>
+            <a:off x="914400" y="1442906"/>
+            <a:ext cx="10439400" cy="0"/>
+          </a:xfrm>
+          <a:prstGeom prst="line">
+            <a:avLst/>
+          </a:prstGeom>
+          <a:ln w="28575">
+            <a:solidFill>
+              <a:srgbClr val="569CD6"/>
+            </a:solidFill>
+          </a:ln>
+        </p:spPr>
+        <p:style>
+          <a:lnRef idx="1">
+            <a:schemeClr val="accent1"/>
+          </a:lnRef>
+          <a:fillRef idx="0">
+            <a:schemeClr val="accent1"/>
+          </a:fillRef>
+          <a:effectRef idx="0">
+            <a:schemeClr val="accent1"/>
+          </a:effectRef>
+          <a:fontRef idx="minor">
+            <a:schemeClr val="tx1"/>
+          </a:fontRef>
+        </p:style>
+      </p:cxnSp>
+    </p:spTree>
+    <p:extLst>
+      <p:ext uri="{BB962C8B-B14F-4D97-AF65-F5344CB8AC3E}">
+        <p14:creationId xmlns:p14="http://schemas.microsoft.com/office/powerpoint/2010/main" val="3079206081"/>
+      </p:ext>
+    </p:extLst>
+  </p:cSld>
+  <p:clrMapOvr>
+    <a:masterClrMapping/>
+  </p:clrMapOvr>
+  <p:timing>
+    <p:tnLst>
+      <p:par>
+        <p:cTn id="1" dur="indefinite" restart="never" nodeType="tmRoot"/>
+      </p:par>
+    </p:tnLst>
+  </p:timing>
+</p:sld>
+</file>
+
+<file path=ppt/slides/slide6.xml><?xml version="1.0" encoding="utf-8"?>
+<p:sld xmlns:a="http://schemas.openxmlformats.org/drawingml/2006/main" xmlns:r="http://schemas.openxmlformats.org/officeDocument/2006/relationships" xmlns:p="http://schemas.openxmlformats.org/presentationml/2006/main">
+  <p:cSld>
+    <p:spTree>
+      <p:nvGrpSpPr>
+        <p:cNvPr id="1" name=""/>
+        <p:cNvGrpSpPr/>
+        <p:nvPr/>
+      </p:nvGrpSpPr>
+      <p:grpSpPr>
+        <a:xfrm>
+          <a:off x="0" y="0"/>
+          <a:ext cx="0" cy="0"/>
+          <a:chOff x="0" y="0"/>
+          <a:chExt cx="0" cy="0"/>
+        </a:xfrm>
+      </p:grpSpPr>
+      <p:sp>
+        <p:nvSpPr>
+          <p:cNvPr id="8" name="標題 1">
+            <a:extLst>
+              <a:ext uri="{FF2B5EF4-FFF2-40B4-BE49-F238E27FC236}">
+                <a16:creationId xmlns:a16="http://schemas.microsoft.com/office/drawing/2014/main" id="{B9A165EE-07AE-44A6-A370-ADA24F5917E6}"/>
+              </a:ext>
+            </a:extLst>
+          </p:cNvPr>
+          <p:cNvSpPr>
+            <a:spLocks noGrp="1"/>
+          </p:cNvSpPr>
+          <p:nvPr>
+            <p:ph type="title"/>
+          </p:nvPr>
+        </p:nvSpPr>
+        <p:spPr>
+          <a:xfrm>
+            <a:off x="838200" y="365125"/>
+            <a:ext cx="10515600" cy="1325563"/>
+          </a:xfrm>
+        </p:spPr>
+        <p:txBody>
+          <a:bodyPr/>
+          <a:lstStyle/>
+          <a:p>
+            <a:r>
+              <a:rPr lang="zh-TW" altLang="zh-TW" dirty="0">
+                <a:latin typeface="微軟正黑體" panose="020B0604030504040204" pitchFamily="34" charset="-120"/>
+                <a:ea typeface="微軟正黑體" panose="020B0604030504040204" pitchFamily="34" charset="-120"/>
+              </a:rPr>
+              <a:t>版本</a:t>
+            </a:r>
+            <a:r>
+              <a:rPr lang="zh-TW" altLang="zh-TW" dirty="0" smtClean="0">
+                <a:latin typeface="微軟正黑體" panose="020B0604030504040204" pitchFamily="34" charset="-120"/>
+                <a:ea typeface="微軟正黑體" panose="020B0604030504040204" pitchFamily="34" charset="-120"/>
+              </a:rPr>
+              <a:t>控制</a:t>
+            </a:r>
+            <a:r>
+              <a:rPr lang="en-US" altLang="zh-TW" dirty="0" smtClean="0">
+                <a:latin typeface="微軟正黑體" panose="020B0604030504040204" pitchFamily="34" charset="-120"/>
+                <a:ea typeface="微軟正黑體" panose="020B0604030504040204" pitchFamily="34" charset="-120"/>
+              </a:rPr>
+              <a:t>(3/3) -</a:t>
+            </a:r>
+            <a:r>
+              <a:rPr lang="en-US" altLang="zh-TW" dirty="0">
+                <a:latin typeface="微軟正黑體" panose="020B0604030504040204" pitchFamily="34" charset="-120"/>
+                <a:ea typeface="微軟正黑體" panose="020B0604030504040204" pitchFamily="34" charset="-120"/>
+              </a:rPr>
+              <a:t> </a:t>
+            </a:r>
+            <a:r>
+              <a:rPr lang="en-US" altLang="zh-TW" sz="2800" dirty="0" err="1">
+                <a:latin typeface="微軟正黑體" panose="020B0604030504040204" pitchFamily="34" charset="-120"/>
+                <a:ea typeface="微軟正黑體" panose="020B0604030504040204" pitchFamily="34" charset="-120"/>
+              </a:rPr>
+              <a:t>git</a:t>
+            </a:r>
+            <a:r>
+              <a:rPr lang="en-US" altLang="zh-TW" sz="2800" dirty="0">
+                <a:latin typeface="微軟正黑體" panose="020B0604030504040204" pitchFamily="34" charset="-120"/>
+                <a:ea typeface="微軟正黑體" panose="020B0604030504040204" pitchFamily="34" charset="-120"/>
+              </a:rPr>
+              <a:t> </a:t>
+            </a:r>
+            <a:r>
+              <a:rPr lang="en-US" altLang="zh-TW" sz="2800" dirty="0" smtClean="0">
+                <a:latin typeface="微軟正黑體" panose="020B0604030504040204" pitchFamily="34" charset="-120"/>
+                <a:ea typeface="微軟正黑體" panose="020B0604030504040204" pitchFamily="34" charset="-120"/>
+              </a:rPr>
+              <a:t>flow</a:t>
+            </a:r>
+            <a:r>
+              <a:rPr lang="zh-TW" altLang="en-US" sz="2800" dirty="0" smtClean="0">
+                <a:latin typeface="微軟正黑體" panose="020B0604030504040204" pitchFamily="34" charset="-120"/>
+                <a:ea typeface="微軟正黑體" panose="020B0604030504040204" pitchFamily="34" charset="-120"/>
+              </a:rPr>
+              <a:t>專案開發</a:t>
+            </a:r>
+            <a:endParaRPr lang="zh-TW" altLang="en-US" sz="2800" dirty="0">
+              <a:latin typeface="微軟正黑體" panose="020B0604030504040204" pitchFamily="34" charset="-120"/>
+              <a:ea typeface="微軟正黑體" panose="020B0604030504040204" pitchFamily="34" charset="-120"/>
+            </a:endParaRPr>
+          </a:p>
+        </p:txBody>
+      </p:sp>
+      <p:cxnSp>
+        <p:nvCxnSpPr>
+          <p:cNvPr id="9" name="直線接點 8">
+            <a:extLst>
+              <a:ext uri="{FF2B5EF4-FFF2-40B4-BE49-F238E27FC236}">
+                <a16:creationId xmlns:a16="http://schemas.microsoft.com/office/drawing/2014/main" id="{1BDA32D2-5D37-47F7-B37E-CEE6FC26107F}"/>
+              </a:ext>
+            </a:extLst>
+          </p:cNvPr>
+          <p:cNvCxnSpPr>
+            <a:cxnSpLocks/>
+          </p:cNvCxnSpPr>
+          <p:nvPr/>
+        </p:nvCxnSpPr>
+        <p:spPr>
+          <a:xfrm>
+            <a:off x="914400" y="1442906"/>
+            <a:ext cx="10439400" cy="0"/>
+          </a:xfrm>
+          <a:prstGeom prst="line">
+            <a:avLst/>
+          </a:prstGeom>
+          <a:ln w="28575">
+            <a:solidFill>
+              <a:srgbClr val="569CD6"/>
+            </a:solidFill>
+          </a:ln>
+        </p:spPr>
+        <p:style>
+          <a:lnRef idx="1">
+            <a:schemeClr val="accent1"/>
+          </a:lnRef>
+          <a:fillRef idx="0">
+            <a:schemeClr val="accent1"/>
+          </a:fillRef>
+          <a:effectRef idx="0">
+            <a:schemeClr val="accent1"/>
+          </a:effectRef>
+          <a:fontRef idx="minor">
+            <a:schemeClr val="tx1"/>
+          </a:fontRef>
+        </p:style>
+      </p:cxnSp>
+      <p:pic>
+        <p:nvPicPr>
+          <p:cNvPr id="10" name="圖片 9"/>
+          <p:cNvPicPr>
+            <a:picLocks noChangeAspect="1"/>
+          </p:cNvPicPr>
+          <p:nvPr/>
+        </p:nvPicPr>
+        <p:blipFill>
+          <a:blip r:embed="rId3">
+            <a:extLst>
+              <a:ext uri="{28A0092B-C50C-407E-A947-70E740481C1C}">
+                <a14:useLocalDpi xmlns:a14="http://schemas.microsoft.com/office/drawing/2010/main" val="0"/>
+              </a:ext>
+            </a:extLst>
+          </a:blip>
+          <a:stretch>
+            <a:fillRect/>
+          </a:stretch>
+        </p:blipFill>
+        <p:spPr>
+          <a:xfrm>
+            <a:off x="914400" y="1442906"/>
+            <a:ext cx="10495917" cy="5068112"/>
+          </a:xfrm>
+          <a:prstGeom prst="rect">
+            <a:avLst/>
+          </a:prstGeom>
+        </p:spPr>
+      </p:pic>
+    </p:spTree>
+    <p:extLst>
+      <p:ext uri="{BB962C8B-B14F-4D97-AF65-F5344CB8AC3E}">
+        <p14:creationId xmlns:p14="http://schemas.microsoft.com/office/powerpoint/2010/main" val="2995246480"/>
+      </p:ext>
+    </p:extLst>
+  </p:cSld>
+  <p:clrMapOvr>
+    <a:masterClrMapping/>
+  </p:clrMapOvr>
+  <p:timing>
+    <p:tnLst>
+      <p:par>
+        <p:cTn id="1" dur="indefinite" restart="never" nodeType="tmRoot"/>
+      </p:par>
+    </p:tnLst>
+  </p:timing>
+</p:sld>
+</file>
+
+<file path=ppt/slides/slide7.xml><?xml version="1.0" encoding="utf-8"?>
 <p:sld xmlns:a="http://schemas.openxmlformats.org/drawingml/2006/main" xmlns:r="http://schemas.openxmlformats.org/officeDocument/2006/relationships" xmlns:p="http://schemas.openxmlformats.org/presentationml/2006/main">
   <p:cSld>
     <p:spTree>
@@ -5205,7 +7031,7 @@
 </p:sld>
 </file>
 
-<file path=ppt/slides/slide6.xml><?xml version="1.0" encoding="utf-8"?>
+<file path=ppt/slides/slide8.xml><?xml version="1.0" encoding="utf-8"?>
 <p:sld xmlns:a="http://schemas.openxmlformats.org/drawingml/2006/main" xmlns:r="http://schemas.openxmlformats.org/officeDocument/2006/relationships" xmlns:p="http://schemas.openxmlformats.org/presentationml/2006/main">
   <p:cSld>
     <p:spTree>
@@ -5837,7 +7663,7 @@
 </p:sld>
 </file>
 
-<file path=ppt/slides/slide7.xml><?xml version="1.0" encoding="utf-8"?>
+<file path=ppt/slides/slide9.xml><?xml version="1.0" encoding="utf-8"?>
 <p:sld xmlns:a="http://schemas.openxmlformats.org/drawingml/2006/main" xmlns:r="http://schemas.openxmlformats.org/officeDocument/2006/relationships" xmlns:p="http://schemas.openxmlformats.org/presentationml/2006/main">
   <p:cSld>
     <p:spTree>
@@ -6374,189 +8200,6 @@
     <p:extLst>
       <p:ext uri="{BB962C8B-B14F-4D97-AF65-F5344CB8AC3E}">
         <p14:creationId xmlns:p14="http://schemas.microsoft.com/office/powerpoint/2010/main" val="1101340411"/>
-      </p:ext>
-    </p:extLst>
-  </p:cSld>
-  <p:clrMapOvr>
-    <a:masterClrMapping/>
-  </p:clrMapOvr>
-</p:sld>
-</file>
-
-<file path=ppt/slides/slide8.xml><?xml version="1.0" encoding="utf-8"?>
-<p:sld xmlns:a="http://schemas.openxmlformats.org/drawingml/2006/main" xmlns:r="http://schemas.openxmlformats.org/officeDocument/2006/relationships" xmlns:p="http://schemas.openxmlformats.org/presentationml/2006/main">
-  <p:cSld>
-    <p:spTree>
-      <p:nvGrpSpPr>
-        <p:cNvPr id="1" name=""/>
-        <p:cNvGrpSpPr/>
-        <p:nvPr/>
-      </p:nvGrpSpPr>
-      <p:grpSpPr>
-        <a:xfrm>
-          <a:off x="0" y="0"/>
-          <a:ext cx="0" cy="0"/>
-          <a:chOff x="0" y="0"/>
-          <a:chExt cx="0" cy="0"/>
-        </a:xfrm>
-      </p:grpSpPr>
-      <p:sp>
-        <p:nvSpPr>
-          <p:cNvPr id="2" name="標題 1">
-            <a:extLst>
-              <a:ext uri="{FF2B5EF4-FFF2-40B4-BE49-F238E27FC236}">
-                <a16:creationId xmlns:a16="http://schemas.microsoft.com/office/drawing/2014/main" id="{31DF7E8A-05DC-41DF-93FA-C3C7AAA92DF7}"/>
-              </a:ext>
-            </a:extLst>
-          </p:cNvPr>
-          <p:cNvSpPr>
-            <a:spLocks noGrp="1"/>
-          </p:cNvSpPr>
-          <p:nvPr>
-            <p:ph type="title"/>
-          </p:nvPr>
-        </p:nvSpPr>
-        <p:spPr/>
-        <p:txBody>
-          <a:bodyPr/>
-          <a:lstStyle/>
-          <a:p>
-            <a:r>
-              <a:rPr lang="zh-TW" altLang="zh-TW" dirty="0">
-                <a:latin typeface="微軟正黑體" panose="020B0604030504040204" pitchFamily="34" charset="-120"/>
-                <a:ea typeface="微軟正黑體" panose="020B0604030504040204" pitchFamily="34" charset="-120"/>
-              </a:rPr>
-              <a:t>資料庫</a:t>
-            </a:r>
-            <a:endParaRPr lang="zh-TW" altLang="en-US" dirty="0">
-              <a:latin typeface="微軟正黑體" panose="020B0604030504040204" pitchFamily="34" charset="-120"/>
-              <a:ea typeface="微軟正黑體" panose="020B0604030504040204" pitchFamily="34" charset="-120"/>
-            </a:endParaRPr>
-          </a:p>
-        </p:txBody>
-      </p:sp>
-      <p:sp>
-        <p:nvSpPr>
-          <p:cNvPr id="3" name="內容版面配置區 2">
-            <a:extLst>
-              <a:ext uri="{FF2B5EF4-FFF2-40B4-BE49-F238E27FC236}">
-                <a16:creationId xmlns:a16="http://schemas.microsoft.com/office/drawing/2014/main" id="{913C5CEA-E55B-458C-AB31-A3058C5F13F6}"/>
-              </a:ext>
-            </a:extLst>
-          </p:cNvPr>
-          <p:cNvSpPr>
-            <a:spLocks noGrp="1"/>
-          </p:cNvSpPr>
-          <p:nvPr>
-            <p:ph idx="1"/>
-          </p:nvPr>
-        </p:nvSpPr>
-        <p:spPr/>
-        <p:txBody>
-          <a:bodyPr/>
-          <a:lstStyle/>
-          <a:p>
-            <a:r>
-              <a:rPr lang="zh-TW" altLang="zh-TW" dirty="0">
-                <a:latin typeface="微軟正黑體" panose="020B0604030504040204" pitchFamily="34" charset="-120"/>
-                <a:ea typeface="微軟正黑體" panose="020B0604030504040204" pitchFamily="34" charset="-120"/>
-              </a:rPr>
-              <a:t>以專案中的工作項目管理為例，如何設計資料庫欄位以儲存樹狀結構的任務？搜尋時以何種方式產生任務的樹狀結構？</a:t>
-            </a:r>
-          </a:p>
-          <a:p>
-            <a:endParaRPr lang="zh-TW" altLang="en-US" dirty="0">
-              <a:latin typeface="微軟正黑體" panose="020B0604030504040204" pitchFamily="34" charset="-120"/>
-              <a:ea typeface="微軟正黑體" panose="020B0604030504040204" pitchFamily="34" charset="-120"/>
-            </a:endParaRPr>
-          </a:p>
-        </p:txBody>
-      </p:sp>
-      <p:sp>
-        <p:nvSpPr>
-          <p:cNvPr id="4" name="文字方塊 3">
-            <a:extLst>
-              <a:ext uri="{FF2B5EF4-FFF2-40B4-BE49-F238E27FC236}">
-                <a16:creationId xmlns:a16="http://schemas.microsoft.com/office/drawing/2014/main" id="{7657F57D-7241-4599-BD21-BE0996056E75}"/>
-              </a:ext>
-            </a:extLst>
-          </p:cNvPr>
-          <p:cNvSpPr txBox="1"/>
-          <p:nvPr/>
-        </p:nvSpPr>
-        <p:spPr>
-          <a:xfrm>
-            <a:off x="838200" y="5691783"/>
-            <a:ext cx="877163" cy="369332"/>
-          </a:xfrm>
-          <a:prstGeom prst="rect">
-            <a:avLst/>
-          </a:prstGeom>
-          <a:noFill/>
-        </p:spPr>
-        <p:txBody>
-          <a:bodyPr wrap="none" rtlCol="0">
-            <a:spAutoFit/>
-          </a:bodyPr>
-          <a:lstStyle/>
-          <a:p>
-            <a:r>
-              <a:rPr lang="zh-TW" altLang="en-US" b="1" dirty="0">
-                <a:latin typeface="微軟正黑體" panose="020B0604030504040204" pitchFamily="34" charset="-120"/>
-                <a:ea typeface="微軟正黑體" panose="020B0604030504040204" pitchFamily="34" charset="-120"/>
-              </a:rPr>
-              <a:t>張家瑄</a:t>
-            </a:r>
-          </a:p>
-        </p:txBody>
-      </p:sp>
-      <p:cxnSp>
-        <p:nvCxnSpPr>
-          <p:cNvPr id="5" name="直線接點 4">
-            <a:extLst>
-              <a:ext uri="{FF2B5EF4-FFF2-40B4-BE49-F238E27FC236}">
-                <a16:creationId xmlns:a16="http://schemas.microsoft.com/office/drawing/2014/main" id="{46A59CA1-B900-49EC-866F-ACD73AE5DE5C}"/>
-              </a:ext>
-            </a:extLst>
-          </p:cNvPr>
-          <p:cNvCxnSpPr>
-            <a:cxnSpLocks/>
-          </p:cNvCxnSpPr>
-          <p:nvPr/>
-        </p:nvCxnSpPr>
-        <p:spPr>
-          <a:xfrm>
-            <a:off x="914400" y="1442906"/>
-            <a:ext cx="10439400" cy="0"/>
-          </a:xfrm>
-          <a:prstGeom prst="line">
-            <a:avLst/>
-          </a:prstGeom>
-          <a:ln w="28575">
-            <a:solidFill>
-              <a:srgbClr val="569CD6"/>
-            </a:solidFill>
-          </a:ln>
-        </p:spPr>
-        <p:style>
-          <a:lnRef idx="1">
-            <a:schemeClr val="accent1"/>
-          </a:lnRef>
-          <a:fillRef idx="0">
-            <a:schemeClr val="accent1"/>
-          </a:fillRef>
-          <a:effectRef idx="0">
-            <a:schemeClr val="accent1"/>
-          </a:effectRef>
-          <a:fontRef idx="minor">
-            <a:schemeClr val="tx1"/>
-          </a:fontRef>
-        </p:style>
-      </p:cxnSp>
-    </p:spTree>
-    <p:extLst>
-      <p:ext uri="{BB962C8B-B14F-4D97-AF65-F5344CB8AC3E}">
-        <p14:creationId xmlns:p14="http://schemas.microsoft.com/office/powerpoint/2010/main" val="2452019762"/>
       </p:ext>
     </p:extLst>
   </p:cSld>
@@ -6859,4 +8502,265 @@
     </a:ext>
   </a:extLst>
 </a:theme>
+</file>
+
+<file path=ppt/theme/theme2.xml><?xml version="1.0" encoding="utf-8"?>
+<a:theme xmlns:a="http://schemas.openxmlformats.org/drawingml/2006/main" name="Office 佈景主題">
+  <a:themeElements>
+    <a:clrScheme name="Office">
+      <a:dk1>
+        <a:sysClr val="windowText" lastClr="000000"/>
+      </a:dk1>
+      <a:lt1>
+        <a:sysClr val="window" lastClr="FFFFFF"/>
+      </a:lt1>
+      <a:dk2>
+        <a:srgbClr val="44546A"/>
+      </a:dk2>
+      <a:lt2>
+        <a:srgbClr val="E7E6E6"/>
+      </a:lt2>
+      <a:accent1>
+        <a:srgbClr val="5B9BD5"/>
+      </a:accent1>
+      <a:accent2>
+        <a:srgbClr val="ED7D31"/>
+      </a:accent2>
+      <a:accent3>
+        <a:srgbClr val="A5A5A5"/>
+      </a:accent3>
+      <a:accent4>
+        <a:srgbClr val="FFC000"/>
+      </a:accent4>
+      <a:accent5>
+        <a:srgbClr val="4472C4"/>
+      </a:accent5>
+      <a:accent6>
+        <a:srgbClr val="70AD47"/>
+      </a:accent6>
+      <a:hlink>
+        <a:srgbClr val="0563C1"/>
+      </a:hlink>
+      <a:folHlink>
+        <a:srgbClr val="954F72"/>
+      </a:folHlink>
+    </a:clrScheme>
+    <a:fontScheme name="Office">
+      <a:majorFont>
+        <a:latin typeface="Calibri Light" panose="020F0302020204030204"/>
+        <a:ea typeface=""/>
+        <a:cs typeface=""/>
+        <a:font script="Jpan" typeface="游ゴシック Light"/>
+        <a:font script="Hang" typeface="맑은 고딕"/>
+        <a:font script="Hans" typeface="等线 Light"/>
+        <a:font script="Hant" typeface="新細明體"/>
+        <a:font script="Arab" typeface="Times New Roman"/>
+        <a:font script="Hebr" typeface="Times New Roman"/>
+        <a:font script="Thai" typeface="Angsana New"/>
+        <a:font script="Ethi" typeface="Nyala"/>
+        <a:font script="Beng" typeface="Vrinda"/>
+        <a:font script="Gujr" typeface="Shruti"/>
+        <a:font script="Khmr" typeface="MoolBoran"/>
+        <a:font script="Knda" typeface="Tunga"/>
+        <a:font script="Guru" typeface="Raavi"/>
+        <a:font script="Cans" typeface="Euphemia"/>
+        <a:font script="Cher" typeface="Plantagenet Cherokee"/>
+        <a:font script="Yiii" typeface="Microsoft Yi Baiti"/>
+        <a:font script="Tibt" typeface="Microsoft Himalaya"/>
+        <a:font script="Thaa" typeface="MV Boli"/>
+        <a:font script="Deva" typeface="Mangal"/>
+        <a:font script="Telu" typeface="Gautami"/>
+        <a:font script="Taml" typeface="Latha"/>
+        <a:font script="Syrc" typeface="Estrangelo Edessa"/>
+        <a:font script="Orya" typeface="Kalinga"/>
+        <a:font script="Mlym" typeface="Kartika"/>
+        <a:font script="Laoo" typeface="DokChampa"/>
+        <a:font script="Sinh" typeface="Iskoola Pota"/>
+        <a:font script="Mong" typeface="Mongolian Baiti"/>
+        <a:font script="Viet" typeface="Times New Roman"/>
+        <a:font script="Uigh" typeface="Microsoft Uighur"/>
+        <a:font script="Geor" typeface="Sylfaen"/>
+      </a:majorFont>
+      <a:minorFont>
+        <a:latin typeface="Calibri" panose="020F0502020204030204"/>
+        <a:ea typeface=""/>
+        <a:cs typeface=""/>
+        <a:font script="Jpan" typeface="游ゴシック"/>
+        <a:font script="Hang" typeface="맑은 고딕"/>
+        <a:font script="Hans" typeface="等线"/>
+        <a:font script="Hant" typeface="新細明體"/>
+        <a:font script="Arab" typeface="Arial"/>
+        <a:font script="Hebr" typeface="Arial"/>
+        <a:font script="Thai" typeface="Cordia New"/>
+        <a:font script="Ethi" typeface="Nyala"/>
+        <a:font script="Beng" typeface="Vrinda"/>
+        <a:font script="Gujr" typeface="Shruti"/>
+        <a:font script="Khmr" typeface="DaunPenh"/>
+        <a:font script="Knda" typeface="Tunga"/>
+        <a:font script="Guru" typeface="Raavi"/>
+        <a:font script="Cans" typeface="Euphemia"/>
+        <a:font script="Cher" typeface="Plantagenet Cherokee"/>
+        <a:font script="Yiii" typeface="Microsoft Yi Baiti"/>
+        <a:font script="Tibt" typeface="Microsoft Himalaya"/>
+        <a:font script="Thaa" typeface="MV Boli"/>
+        <a:font script="Deva" typeface="Mangal"/>
+        <a:font script="Telu" typeface="Gautami"/>
+        <a:font script="Taml" typeface="Latha"/>
+        <a:font script="Syrc" typeface="Estrangelo Edessa"/>
+        <a:font script="Orya" typeface="Kalinga"/>
+        <a:font script="Mlym" typeface="Kartika"/>
+        <a:font script="Laoo" typeface="DokChampa"/>
+        <a:font script="Sinh" typeface="Iskoola Pota"/>
+        <a:font script="Mong" typeface="Mongolian Baiti"/>
+        <a:font script="Viet" typeface="Arial"/>
+        <a:font script="Uigh" typeface="Microsoft Uighur"/>
+        <a:font script="Geor" typeface="Sylfaen"/>
+      </a:minorFont>
+    </a:fontScheme>
+    <a:fmtScheme name="Office">
+      <a:fillStyleLst>
+        <a:solidFill>
+          <a:schemeClr val="phClr"/>
+        </a:solidFill>
+        <a:gradFill rotWithShape="1">
+          <a:gsLst>
+            <a:gs pos="0">
+              <a:schemeClr val="phClr">
+                <a:lumMod val="110000"/>
+                <a:satMod val="105000"/>
+                <a:tint val="67000"/>
+              </a:schemeClr>
+            </a:gs>
+            <a:gs pos="50000">
+              <a:schemeClr val="phClr">
+                <a:lumMod val="105000"/>
+                <a:satMod val="103000"/>
+                <a:tint val="73000"/>
+              </a:schemeClr>
+            </a:gs>
+            <a:gs pos="100000">
+              <a:schemeClr val="phClr">
+                <a:lumMod val="105000"/>
+                <a:satMod val="109000"/>
+                <a:tint val="81000"/>
+              </a:schemeClr>
+            </a:gs>
+          </a:gsLst>
+          <a:lin ang="5400000" scaled="0"/>
+        </a:gradFill>
+        <a:gradFill rotWithShape="1">
+          <a:gsLst>
+            <a:gs pos="0">
+              <a:schemeClr val="phClr">
+                <a:satMod val="103000"/>
+                <a:lumMod val="102000"/>
+                <a:tint val="94000"/>
+              </a:schemeClr>
+            </a:gs>
+            <a:gs pos="50000">
+              <a:schemeClr val="phClr">
+                <a:satMod val="110000"/>
+                <a:lumMod val="100000"/>
+                <a:shade val="100000"/>
+              </a:schemeClr>
+            </a:gs>
+            <a:gs pos="100000">
+              <a:schemeClr val="phClr">
+                <a:lumMod val="99000"/>
+                <a:satMod val="120000"/>
+                <a:shade val="78000"/>
+              </a:schemeClr>
+            </a:gs>
+          </a:gsLst>
+          <a:lin ang="5400000" scaled="0"/>
+        </a:gradFill>
+      </a:fillStyleLst>
+      <a:lnStyleLst>
+        <a:ln w="6350" cap="flat" cmpd="sng" algn="ctr">
+          <a:solidFill>
+            <a:schemeClr val="phClr"/>
+          </a:solidFill>
+          <a:prstDash val="solid"/>
+          <a:miter lim="800000"/>
+        </a:ln>
+        <a:ln w="12700" cap="flat" cmpd="sng" algn="ctr">
+          <a:solidFill>
+            <a:schemeClr val="phClr"/>
+          </a:solidFill>
+          <a:prstDash val="solid"/>
+          <a:miter lim="800000"/>
+        </a:ln>
+        <a:ln w="19050" cap="flat" cmpd="sng" algn="ctr">
+          <a:solidFill>
+            <a:schemeClr val="phClr"/>
+          </a:solidFill>
+          <a:prstDash val="solid"/>
+          <a:miter lim="800000"/>
+        </a:ln>
+      </a:lnStyleLst>
+      <a:effectStyleLst>
+        <a:effectStyle>
+          <a:effectLst/>
+        </a:effectStyle>
+        <a:effectStyle>
+          <a:effectLst/>
+        </a:effectStyle>
+        <a:effectStyle>
+          <a:effectLst>
+            <a:outerShdw blurRad="57150" dist="19050" dir="5400000" algn="ctr" rotWithShape="0">
+              <a:srgbClr val="000000">
+                <a:alpha val="63000"/>
+              </a:srgbClr>
+            </a:outerShdw>
+          </a:effectLst>
+        </a:effectStyle>
+      </a:effectStyleLst>
+      <a:bgFillStyleLst>
+        <a:solidFill>
+          <a:schemeClr val="phClr"/>
+        </a:solidFill>
+        <a:solidFill>
+          <a:schemeClr val="phClr">
+            <a:tint val="95000"/>
+            <a:satMod val="170000"/>
+          </a:schemeClr>
+        </a:solidFill>
+        <a:gradFill rotWithShape="1">
+          <a:gsLst>
+            <a:gs pos="0">
+              <a:schemeClr val="phClr">
+                <a:tint val="93000"/>
+                <a:satMod val="150000"/>
+                <a:shade val="98000"/>
+                <a:lumMod val="102000"/>
+              </a:schemeClr>
+            </a:gs>
+            <a:gs pos="50000">
+              <a:schemeClr val="phClr">
+                <a:tint val="98000"/>
+                <a:satMod val="130000"/>
+                <a:shade val="90000"/>
+                <a:lumMod val="103000"/>
+              </a:schemeClr>
+            </a:gs>
+            <a:gs pos="100000">
+              <a:schemeClr val="phClr">
+                <a:shade val="63000"/>
+                <a:satMod val="120000"/>
+              </a:schemeClr>
+            </a:gs>
+          </a:gsLst>
+          <a:lin ang="5400000" scaled="0"/>
+        </a:gradFill>
+      </a:bgFillStyleLst>
+    </a:fmtScheme>
+  </a:themeElements>
+  <a:objectDefaults/>
+  <a:extraClrSchemeLst/>
+  <a:extLst>
+    <a:ext uri="{05A4C25C-085E-4340-85A3-A5531E510DB2}">
+      <thm15:themeFamily xmlns:thm15="http://schemas.microsoft.com/office/thememl/2012/main" name="Office Theme" id="{62F939B6-93AF-4DB8-9C6B-D6C7DFDC589F}" vid="{4A3C46E8-61CC-4603-A589-7422A47A8E4A}"/>
+    </a:ext>
+  </a:extLst>
+</a:theme>
 </file>
--- a/測驗題.pptx
+++ b/測驗題.pptx
@@ -206,7 +206,7 @@
           <a:p>
             <a:fld id="{1AF8D6DC-D9C2-4A7D-8BC0-934D327ECAC8}" type="datetimeFigureOut">
               <a:rPr lang="zh-TW" altLang="en-US" smtClean="0"/>
-              <a:t>2018/12/15</a:t>
+              <a:t>2018/12/17</a:t>
             </a:fld>
             <a:endParaRPr lang="zh-TW" altLang="en-US"/>
           </a:p>
@@ -270,38 +270,37 @@
           <a:p>
             <a:pPr lvl="0"/>
             <a:r>
-              <a:rPr lang="zh-TW" altLang="en-US" smtClean="0"/>
+              <a:rPr lang="zh-TW" altLang="en-US"/>
               <a:t>編輯母片文字樣式</a:t>
             </a:r>
           </a:p>
           <a:p>
             <a:pPr lvl="1"/>
             <a:r>
-              <a:rPr lang="zh-TW" altLang="en-US" smtClean="0"/>
+              <a:rPr lang="zh-TW" altLang="en-US"/>
               <a:t>第二層</a:t>
             </a:r>
           </a:p>
           <a:p>
             <a:pPr lvl="2"/>
             <a:r>
-              <a:rPr lang="zh-TW" altLang="en-US" smtClean="0"/>
+              <a:rPr lang="zh-TW" altLang="en-US"/>
               <a:t>第三層</a:t>
             </a:r>
           </a:p>
           <a:p>
             <a:pPr lvl="3"/>
             <a:r>
-              <a:rPr lang="zh-TW" altLang="en-US" smtClean="0"/>
+              <a:rPr lang="zh-TW" altLang="en-US"/>
               <a:t>第四層</a:t>
             </a:r>
           </a:p>
           <a:p>
             <a:pPr lvl="4"/>
             <a:r>
-              <a:rPr lang="zh-TW" altLang="en-US" smtClean="0"/>
+              <a:rPr lang="zh-TW" altLang="en-US"/>
               <a:t>第五層</a:t>
             </a:r>
-            <a:endParaRPr lang="zh-TW" altLang="en-US"/>
           </a:p>
         </p:txBody>
       </p:sp>
@@ -519,22 +518,18 @@
           <a:lstStyle/>
           <a:p>
             <a:r>
-              <a:rPr lang="zh-TW" altLang="en-US" dirty="0" smtClean="0"/>
+              <a:rPr lang="zh-TW" altLang="en-US" dirty="0"/>
               <a:t>如何實作版本控制</a:t>
             </a:r>
             <a:r>
-              <a:rPr lang="en-US" altLang="zh-TW" dirty="0" smtClean="0"/>
+              <a:rPr lang="en-US" altLang="zh-TW" dirty="0"/>
               <a:t>?</a:t>
             </a:r>
             <a:r>
-              <a:rPr lang="zh-TW" altLang="en-US" dirty="0" smtClean="0"/>
-              <a:t> 團隊訂定流程</a:t>
-            </a:r>
-            <a:r>
-              <a:rPr lang="zh-TW" altLang="en-US" smtClean="0"/>
-              <a:t>與規範</a:t>
-            </a:r>
-            <a:endParaRPr lang="en-US" altLang="zh-TW" dirty="0" smtClean="0"/>
+              <a:rPr lang="zh-TW" altLang="en-US" dirty="0"/>
+              <a:t> 團隊訂定流程與規範</a:t>
+            </a:r>
+            <a:endParaRPr lang="en-US" altLang="zh-TW" dirty="0"/>
           </a:p>
         </p:txBody>
       </p:sp>
@@ -721,7 +716,7 @@
           <a:p>
             <a:fld id="{F066E22E-594A-4D53-9912-33D1DC08756F}" type="datetimeFigureOut">
               <a:rPr lang="zh-TW" altLang="en-US" smtClean="0"/>
-              <a:t>2018/12/15</a:t>
+              <a:t>2018/12/17</a:t>
             </a:fld>
             <a:endParaRPr lang="zh-TW" altLang="en-US"/>
           </a:p>
@@ -919,7 +914,7 @@
           <a:p>
             <a:fld id="{F066E22E-594A-4D53-9912-33D1DC08756F}" type="datetimeFigureOut">
               <a:rPr lang="zh-TW" altLang="en-US" smtClean="0"/>
-              <a:t>2018/12/15</a:t>
+              <a:t>2018/12/17</a:t>
             </a:fld>
             <a:endParaRPr lang="zh-TW" altLang="en-US"/>
           </a:p>
@@ -1127,7 +1122,7 @@
           <a:p>
             <a:fld id="{F066E22E-594A-4D53-9912-33D1DC08756F}" type="datetimeFigureOut">
               <a:rPr lang="zh-TW" altLang="en-US" smtClean="0"/>
-              <a:t>2018/12/15</a:t>
+              <a:t>2018/12/17</a:t>
             </a:fld>
             <a:endParaRPr lang="zh-TW" altLang="en-US"/>
           </a:p>
@@ -1325,7 +1320,7 @@
           <a:p>
             <a:fld id="{F066E22E-594A-4D53-9912-33D1DC08756F}" type="datetimeFigureOut">
               <a:rPr lang="zh-TW" altLang="en-US" smtClean="0"/>
-              <a:t>2018/12/15</a:t>
+              <a:t>2018/12/17</a:t>
             </a:fld>
             <a:endParaRPr lang="zh-TW" altLang="en-US"/>
           </a:p>
@@ -1600,7 +1595,7 @@
           <a:p>
             <a:fld id="{F066E22E-594A-4D53-9912-33D1DC08756F}" type="datetimeFigureOut">
               <a:rPr lang="zh-TW" altLang="en-US" smtClean="0"/>
-              <a:t>2018/12/15</a:t>
+              <a:t>2018/12/17</a:t>
             </a:fld>
             <a:endParaRPr lang="zh-TW" altLang="en-US"/>
           </a:p>
@@ -1865,7 +1860,7 @@
           <a:p>
             <a:fld id="{F066E22E-594A-4D53-9912-33D1DC08756F}" type="datetimeFigureOut">
               <a:rPr lang="zh-TW" altLang="en-US" smtClean="0"/>
-              <a:t>2018/12/15</a:t>
+              <a:t>2018/12/17</a:t>
             </a:fld>
             <a:endParaRPr lang="zh-TW" altLang="en-US"/>
           </a:p>
@@ -2277,7 +2272,7 @@
           <a:p>
             <a:fld id="{F066E22E-594A-4D53-9912-33D1DC08756F}" type="datetimeFigureOut">
               <a:rPr lang="zh-TW" altLang="en-US" smtClean="0"/>
-              <a:t>2018/12/15</a:t>
+              <a:t>2018/12/17</a:t>
             </a:fld>
             <a:endParaRPr lang="zh-TW" altLang="en-US"/>
           </a:p>
@@ -2418,7 +2413,7 @@
           <a:p>
             <a:fld id="{F066E22E-594A-4D53-9912-33D1DC08756F}" type="datetimeFigureOut">
               <a:rPr lang="zh-TW" altLang="en-US" smtClean="0"/>
-              <a:t>2018/12/15</a:t>
+              <a:t>2018/12/17</a:t>
             </a:fld>
             <a:endParaRPr lang="zh-TW" altLang="en-US"/>
           </a:p>
@@ -2531,7 +2526,7 @@
           <a:p>
             <a:fld id="{F066E22E-594A-4D53-9912-33D1DC08756F}" type="datetimeFigureOut">
               <a:rPr lang="zh-TW" altLang="en-US" smtClean="0"/>
-              <a:t>2018/12/15</a:t>
+              <a:t>2018/12/17</a:t>
             </a:fld>
             <a:endParaRPr lang="zh-TW" altLang="en-US"/>
           </a:p>
@@ -2842,7 +2837,7 @@
           <a:p>
             <a:fld id="{F066E22E-594A-4D53-9912-33D1DC08756F}" type="datetimeFigureOut">
               <a:rPr lang="zh-TW" altLang="en-US" smtClean="0"/>
-              <a:t>2018/12/15</a:t>
+              <a:t>2018/12/17</a:t>
             </a:fld>
             <a:endParaRPr lang="zh-TW" altLang="en-US"/>
           </a:p>
@@ -3130,7 +3125,7 @@
           <a:p>
             <a:fld id="{F066E22E-594A-4D53-9912-33D1DC08756F}" type="datetimeFigureOut">
               <a:rPr lang="zh-TW" altLang="en-US" smtClean="0"/>
-              <a:t>2018/12/15</a:t>
+              <a:t>2018/12/17</a:t>
             </a:fld>
             <a:endParaRPr lang="zh-TW" altLang="en-US"/>
           </a:p>
@@ -3371,7 +3366,7 @@
           <a:p>
             <a:fld id="{F066E22E-594A-4D53-9912-33D1DC08756F}" type="datetimeFigureOut">
               <a:rPr lang="zh-TW" altLang="en-US" smtClean="0"/>
-              <a:t>2018/12/15</a:t>
+              <a:t>2018/12/17</a:t>
             </a:fld>
             <a:endParaRPr lang="zh-TW" altLang="en-US"/>
           </a:p>
@@ -5464,17 +5459,10 @@
                 <a:latin typeface="微軟正黑體" panose="020B0604030504040204" pitchFamily="34" charset="-120"/>
                 <a:ea typeface="微軟正黑體" panose="020B0604030504040204" pitchFamily="34" charset="-120"/>
               </a:rPr>
-              <a:t>版本</a:t>
-            </a:r>
-            <a:r>
-              <a:rPr lang="zh-TW" altLang="zh-TW" dirty="0" smtClean="0">
-                <a:latin typeface="微軟正黑體" panose="020B0604030504040204" pitchFamily="34" charset="-120"/>
-                <a:ea typeface="微軟正黑體" panose="020B0604030504040204" pitchFamily="34" charset="-120"/>
-              </a:rPr>
-              <a:t>控制</a:t>
-            </a:r>
-            <a:r>
-              <a:rPr lang="en-US" altLang="zh-TW" dirty="0" smtClean="0">
+              <a:t>版本控制</a:t>
+            </a:r>
+            <a:r>
+              <a:rPr lang="en-US" altLang="zh-TW" dirty="0">
                 <a:latin typeface="微軟正黑體" panose="020B0604030504040204" pitchFamily="34" charset="-120"/>
                 <a:ea typeface="微軟正黑體" panose="020B0604030504040204" pitchFamily="34" charset="-120"/>
               </a:rPr>
@@ -5642,13 +5630,6 @@
   <p:clrMapOvr>
     <a:masterClrMapping/>
   </p:clrMapOvr>
-  <p:timing>
-    <p:tnLst>
-      <p:par>
-        <p:cTn id="1" dur="indefinite" restart="never" nodeType="tmRoot"/>
-      </p:par>
-    </p:tnLst>
-  </p:timing>
 </p:sld>
 </file>
 
@@ -5671,770 +5652,697 @@
       </p:grpSpPr>
       <p:grpSp>
         <p:nvGrpSpPr>
-          <p:cNvPr id="46" name="群組 45"/>
+          <p:cNvPr id="35" name="群組 34"/>
           <p:cNvGrpSpPr/>
           <p:nvPr/>
         </p:nvGrpSpPr>
         <p:grpSpPr>
           <a:xfrm>
-            <a:off x="1253837" y="1800808"/>
-            <a:ext cx="9443236" cy="4064562"/>
-            <a:chOff x="1253837" y="1800808"/>
-            <a:chExt cx="9443236" cy="4064562"/>
+            <a:off x="1253837" y="1952941"/>
+            <a:ext cx="9443236" cy="3431309"/>
+            <a:chOff x="1410855" y="2008362"/>
+            <a:chExt cx="9443236" cy="3431309"/>
           </a:xfrm>
         </p:grpSpPr>
-        <p:grpSp>
-          <p:nvGrpSpPr>
-            <p:cNvPr id="35" name="群組 34"/>
-            <p:cNvGrpSpPr/>
+        <p:pic>
+          <p:nvPicPr>
+            <p:cNvPr id="4" name="圖片 3"/>
+            <p:cNvPicPr>
+              <a:picLocks noChangeAspect="1"/>
+            </p:cNvPicPr>
             <p:nvPr/>
-          </p:nvGrpSpPr>
-          <p:grpSpPr>
+          </p:nvPicPr>
+          <p:blipFill>
+            <a:blip r:embed="rId2" cstate="hqprint">
+              <a:extLst>
+                <a:ext uri="{28A0092B-C50C-407E-A947-70E740481C1C}">
+                  <a14:useLocalDpi xmlns:a14="http://schemas.microsoft.com/office/drawing/2010/main" val="0"/>
+                </a:ext>
+              </a:extLst>
+            </a:blip>
+            <a:stretch>
+              <a:fillRect/>
+            </a:stretch>
+          </p:blipFill>
+          <p:spPr>
             <a:xfrm>
-              <a:off x="1253837" y="1952941"/>
-              <a:ext cx="9443236" cy="3431309"/>
-              <a:chOff x="1410855" y="2008362"/>
-              <a:chExt cx="9443236" cy="3431309"/>
+              <a:off x="1410855" y="3177311"/>
+              <a:ext cx="1265382" cy="1265382"/>
             </a:xfrm>
-          </p:grpSpPr>
-          <p:pic>
-            <p:nvPicPr>
-              <p:cNvPr id="4" name="圖片 3"/>
-              <p:cNvPicPr>
-                <a:picLocks noChangeAspect="1"/>
-              </p:cNvPicPr>
-              <p:nvPr/>
-            </p:nvPicPr>
-            <p:blipFill>
-              <a:blip r:embed="rId2" cstate="hqprint">
-                <a:extLst>
-                  <a:ext uri="{28A0092B-C50C-407E-A947-70E740481C1C}">
-                    <a14:useLocalDpi xmlns:a14="http://schemas.microsoft.com/office/drawing/2010/main" val="0"/>
-                  </a:ext>
-                </a:extLst>
-              </a:blip>
-              <a:stretch>
-                <a:fillRect/>
-              </a:stretch>
-            </p:blipFill>
-            <p:spPr>
-              <a:xfrm>
-                <a:off x="1410855" y="3177311"/>
-                <a:ext cx="1265382" cy="1265382"/>
-              </a:xfrm>
-              <a:prstGeom prst="rect">
-                <a:avLst/>
-              </a:prstGeom>
-            </p:spPr>
-          </p:pic>
-          <p:sp>
-            <p:nvSpPr>
-              <p:cNvPr id="7" name="向右箭號 6"/>
-              <p:cNvSpPr/>
-              <p:nvPr/>
-            </p:nvSpPr>
-            <p:spPr>
-              <a:xfrm>
-                <a:off x="2798618" y="3694546"/>
-                <a:ext cx="6253019" cy="387928"/>
-              </a:xfrm>
-              <a:prstGeom prst="rightArrow">
-                <a:avLst/>
-              </a:prstGeom>
-            </p:spPr>
-            <p:style>
-              <a:lnRef idx="2">
-                <a:schemeClr val="dk1">
-                  <a:shade val="50000"/>
-                </a:schemeClr>
-              </a:lnRef>
-              <a:fillRef idx="1">
-                <a:schemeClr val="dk1"/>
-              </a:fillRef>
-              <a:effectRef idx="0">
-                <a:schemeClr val="dk1"/>
-              </a:effectRef>
-              <a:fontRef idx="minor">
-                <a:schemeClr val="lt1"/>
-              </a:fontRef>
-            </p:style>
-            <p:txBody>
-              <a:bodyPr rtlCol="0" anchor="ctr"/>
-              <a:lstStyle/>
-              <a:p>
-                <a:pPr algn="ctr"/>
-                <a:endParaRPr lang="zh-TW" altLang="en-US">
-                  <a:latin typeface="微軟正黑體" panose="020B0604030504040204" pitchFamily="34" charset="-120"/>
-                  <a:ea typeface="微軟正黑體" panose="020B0604030504040204" pitchFamily="34" charset="-120"/>
-                </a:endParaRPr>
-              </a:p>
-            </p:txBody>
-          </p:sp>
-          <p:pic>
-            <p:nvPicPr>
-              <p:cNvPr id="9" name="圖片 8"/>
-              <p:cNvPicPr>
-                <a:picLocks noChangeAspect="1"/>
-              </p:cNvPicPr>
-              <p:nvPr/>
-            </p:nvPicPr>
-            <p:blipFill>
-              <a:blip r:embed="rId3">
-                <a:extLst>
-                  <a:ext uri="{28A0092B-C50C-407E-A947-70E740481C1C}">
-                    <a14:useLocalDpi xmlns:a14="http://schemas.microsoft.com/office/drawing/2010/main" val="0"/>
-                  </a:ext>
-                </a:extLst>
-              </a:blip>
-              <a:stretch>
-                <a:fillRect/>
-              </a:stretch>
-            </p:blipFill>
-            <p:spPr>
-              <a:xfrm>
-                <a:off x="9295115" y="3030514"/>
-                <a:ext cx="1558976" cy="1558976"/>
-              </a:xfrm>
-              <a:prstGeom prst="rect">
-                <a:avLst/>
-              </a:prstGeom>
-            </p:spPr>
-          </p:pic>
-          <p:sp>
-            <p:nvSpPr>
-              <p:cNvPr id="11" name="圓角矩形 10"/>
-              <p:cNvSpPr/>
-              <p:nvPr/>
-            </p:nvSpPr>
-            <p:spPr>
-              <a:xfrm>
-                <a:off x="3417455" y="2540987"/>
-                <a:ext cx="1413163" cy="489527"/>
-              </a:xfrm>
-              <a:prstGeom prst="roundRect">
-                <a:avLst/>
-              </a:prstGeom>
-            </p:spPr>
-            <p:style>
-              <a:lnRef idx="2">
-                <a:schemeClr val="dk1"/>
-              </a:lnRef>
-              <a:fillRef idx="1">
-                <a:schemeClr val="lt1"/>
-              </a:fillRef>
-              <a:effectRef idx="0">
-                <a:schemeClr val="dk1"/>
-              </a:effectRef>
-              <a:fontRef idx="minor">
-                <a:schemeClr val="dk1"/>
-              </a:fontRef>
-            </p:style>
-            <p:txBody>
-              <a:bodyPr rtlCol="0" anchor="ctr"/>
-              <a:lstStyle/>
-              <a:p>
-                <a:pPr algn="ctr"/>
-                <a:r>
-                  <a:rPr lang="zh-TW" altLang="en-US" dirty="0" smtClean="0">
-                    <a:latin typeface="微軟正黑體" panose="020B0604030504040204" pitchFamily="34" charset="-120"/>
-                    <a:ea typeface="微軟正黑體" panose="020B0604030504040204" pitchFamily="34" charset="-120"/>
-                  </a:rPr>
-                  <a:t>檔案</a:t>
-                </a:r>
-                <a:r>
-                  <a:rPr lang="zh-TW" altLang="en-US" dirty="0">
-                    <a:latin typeface="微軟正黑體" panose="020B0604030504040204" pitchFamily="34" charset="-120"/>
-                    <a:ea typeface="微軟正黑體" panose="020B0604030504040204" pitchFamily="34" charset="-120"/>
-                  </a:rPr>
-                  <a:t>遺失</a:t>
-                </a:r>
-              </a:p>
-            </p:txBody>
-          </p:sp>
-          <p:cxnSp>
-            <p:nvCxnSpPr>
-              <p:cNvPr id="13" name="直線單箭頭接點 12"/>
-              <p:cNvCxnSpPr>
-                <a:stCxn id="11" idx="2"/>
-              </p:cNvCxnSpPr>
-              <p:nvPr/>
-            </p:nvCxnSpPr>
-            <p:spPr>
-              <a:xfrm flipH="1">
-                <a:off x="3943927" y="3030514"/>
-                <a:ext cx="180110" cy="737923"/>
-              </a:xfrm>
-              <a:prstGeom prst="straightConnector1">
-                <a:avLst/>
-              </a:prstGeom>
-              <a:ln>
-                <a:tailEnd type="triangle"/>
-              </a:ln>
-            </p:spPr>
-            <p:style>
-              <a:lnRef idx="1">
-                <a:schemeClr val="accent1"/>
-              </a:lnRef>
-              <a:fillRef idx="0">
-                <a:schemeClr val="accent1"/>
-              </a:fillRef>
-              <a:effectRef idx="0">
-                <a:schemeClr val="accent1"/>
-              </a:effectRef>
-              <a:fontRef idx="minor">
-                <a:schemeClr val="tx1"/>
-              </a:fontRef>
-            </p:style>
-          </p:cxnSp>
-          <p:sp>
-            <p:nvSpPr>
-              <p:cNvPr id="16" name="圓角矩形 15"/>
-              <p:cNvSpPr/>
-              <p:nvPr/>
-            </p:nvSpPr>
-            <p:spPr>
-              <a:xfrm>
-                <a:off x="4754417" y="4950144"/>
-                <a:ext cx="1413163" cy="489527"/>
-              </a:xfrm>
-              <a:prstGeom prst="roundRect">
-                <a:avLst/>
-              </a:prstGeom>
-            </p:spPr>
-            <p:style>
-              <a:lnRef idx="2">
-                <a:schemeClr val="dk1"/>
-              </a:lnRef>
-              <a:fillRef idx="1">
-                <a:schemeClr val="lt1"/>
-              </a:fillRef>
-              <a:effectRef idx="0">
-                <a:schemeClr val="dk1"/>
-              </a:effectRef>
-              <a:fontRef idx="minor">
-                <a:schemeClr val="dk1"/>
-              </a:fontRef>
-            </p:style>
-            <p:txBody>
-              <a:bodyPr rtlCol="0" anchor="ctr"/>
-              <a:lstStyle/>
-              <a:p>
-                <a:pPr algn="ctr"/>
-                <a:r>
-                  <a:rPr lang="zh-TW" altLang="en-US" dirty="0">
-                    <a:latin typeface="微軟正黑體" panose="020B0604030504040204" pitchFamily="34" charset="-120"/>
-                    <a:ea typeface="微軟正黑體" panose="020B0604030504040204" pitchFamily="34" charset="-120"/>
-                  </a:rPr>
-                  <a:t>檔案</a:t>
-                </a:r>
-                <a:r>
-                  <a:rPr lang="zh-TW" altLang="en-US" dirty="0" smtClean="0">
-                    <a:latin typeface="微軟正黑體" panose="020B0604030504040204" pitchFamily="34" charset="-120"/>
-                    <a:ea typeface="微軟正黑體" panose="020B0604030504040204" pitchFamily="34" charset="-120"/>
-                  </a:rPr>
-                  <a:t>誤改</a:t>
-                </a:r>
-                <a:endParaRPr lang="zh-TW" altLang="en-US" dirty="0">
-                  <a:latin typeface="微軟正黑體" panose="020B0604030504040204" pitchFamily="34" charset="-120"/>
-                  <a:ea typeface="微軟正黑體" panose="020B0604030504040204" pitchFamily="34" charset="-120"/>
-                </a:endParaRPr>
-              </a:p>
-            </p:txBody>
-          </p:sp>
-          <p:sp>
-            <p:nvSpPr>
-              <p:cNvPr id="17" name="圓角矩形 16"/>
-              <p:cNvSpPr/>
-              <p:nvPr/>
-            </p:nvSpPr>
-            <p:spPr>
-              <a:xfrm>
-                <a:off x="5011371" y="2008362"/>
-                <a:ext cx="1263071" cy="489527"/>
-              </a:xfrm>
-              <a:prstGeom prst="roundRect">
-                <a:avLst/>
-              </a:prstGeom>
-            </p:spPr>
-            <p:style>
-              <a:lnRef idx="2">
-                <a:schemeClr val="dk1"/>
-              </a:lnRef>
-              <a:fillRef idx="1">
-                <a:schemeClr val="lt1"/>
-              </a:fillRef>
-              <a:effectRef idx="0">
-                <a:schemeClr val="dk1"/>
-              </a:effectRef>
-              <a:fontRef idx="minor">
-                <a:schemeClr val="dk1"/>
-              </a:fontRef>
-            </p:style>
-            <p:txBody>
-              <a:bodyPr rtlCol="0" anchor="ctr"/>
-              <a:lstStyle/>
-              <a:p>
-                <a:pPr algn="ctr"/>
-                <a:r>
-                  <a:rPr lang="zh-TW" altLang="en-US" dirty="0" smtClean="0">
-                    <a:latin typeface="微軟正黑體" panose="020B0604030504040204" pitchFamily="34" charset="-120"/>
-                    <a:ea typeface="微軟正黑體" panose="020B0604030504040204" pitchFamily="34" charset="-120"/>
-                  </a:rPr>
-                  <a:t>需求變更</a:t>
-                </a:r>
-                <a:endParaRPr lang="zh-TW" altLang="en-US" dirty="0">
-                  <a:latin typeface="微軟正黑體" panose="020B0604030504040204" pitchFamily="34" charset="-120"/>
-                  <a:ea typeface="微軟正黑體" panose="020B0604030504040204" pitchFamily="34" charset="-120"/>
-                </a:endParaRPr>
-              </a:p>
-            </p:txBody>
-          </p:sp>
-          <p:cxnSp>
-            <p:nvCxnSpPr>
-              <p:cNvPr id="19" name="直線單箭頭接點 18"/>
-              <p:cNvCxnSpPr>
-                <a:stCxn id="17" idx="2"/>
-              </p:cNvCxnSpPr>
-              <p:nvPr/>
-            </p:nvCxnSpPr>
-            <p:spPr>
-              <a:xfrm>
-                <a:off x="5642907" y="2497889"/>
-                <a:ext cx="455401" cy="1270548"/>
-              </a:xfrm>
-              <a:prstGeom prst="straightConnector1">
-                <a:avLst/>
-              </a:prstGeom>
-              <a:ln>
-                <a:tailEnd type="triangle"/>
-              </a:ln>
-            </p:spPr>
-            <p:style>
-              <a:lnRef idx="1">
-                <a:schemeClr val="accent1"/>
-              </a:lnRef>
-              <a:fillRef idx="0">
-                <a:schemeClr val="accent1"/>
-              </a:fillRef>
-              <a:effectRef idx="0">
-                <a:schemeClr val="accent1"/>
-              </a:effectRef>
-              <a:fontRef idx="minor">
-                <a:schemeClr val="tx1"/>
-              </a:fontRef>
-            </p:style>
-          </p:cxnSp>
-          <p:cxnSp>
-            <p:nvCxnSpPr>
-              <p:cNvPr id="22" name="直線單箭頭接點 21"/>
-              <p:cNvCxnSpPr>
-                <a:stCxn id="16" idx="0"/>
-              </p:cNvCxnSpPr>
-              <p:nvPr/>
-            </p:nvCxnSpPr>
-            <p:spPr>
-              <a:xfrm flipH="1" flipV="1">
-                <a:off x="4959607" y="3999345"/>
-                <a:ext cx="501392" cy="950799"/>
-              </a:xfrm>
-              <a:prstGeom prst="straightConnector1">
-                <a:avLst/>
-              </a:prstGeom>
-              <a:ln>
-                <a:tailEnd type="triangle"/>
-              </a:ln>
-            </p:spPr>
-            <p:style>
-              <a:lnRef idx="1">
-                <a:schemeClr val="accent1"/>
-              </a:lnRef>
-              <a:fillRef idx="0">
-                <a:schemeClr val="accent1"/>
-              </a:fillRef>
-              <a:effectRef idx="0">
-                <a:schemeClr val="accent1"/>
-              </a:effectRef>
-              <a:fontRef idx="minor">
-                <a:schemeClr val="tx1"/>
-              </a:fontRef>
-            </p:style>
-          </p:cxnSp>
-          <p:sp>
-            <p:nvSpPr>
-              <p:cNvPr id="23" name="圓角矩形 22"/>
-              <p:cNvSpPr/>
-              <p:nvPr/>
-            </p:nvSpPr>
-            <p:spPr>
-              <a:xfrm>
-                <a:off x="7025087" y="4950141"/>
-                <a:ext cx="1263071" cy="489527"/>
-              </a:xfrm>
-              <a:prstGeom prst="roundRect">
-                <a:avLst/>
-              </a:prstGeom>
-            </p:spPr>
-            <p:style>
-              <a:lnRef idx="2">
-                <a:schemeClr val="dk1"/>
-              </a:lnRef>
-              <a:fillRef idx="1">
-                <a:schemeClr val="lt1"/>
-              </a:fillRef>
-              <a:effectRef idx="0">
-                <a:schemeClr val="dk1"/>
-              </a:effectRef>
-              <a:fontRef idx="minor">
-                <a:schemeClr val="dk1"/>
-              </a:fontRef>
-            </p:style>
-            <p:txBody>
-              <a:bodyPr rtlCol="0" anchor="ctr"/>
-              <a:lstStyle/>
-              <a:p>
-                <a:pPr algn="ctr"/>
-                <a:r>
-                  <a:rPr lang="zh-TW" altLang="en-US" dirty="0" smtClean="0">
-                    <a:latin typeface="微軟正黑體" panose="020B0604030504040204" pitchFamily="34" charset="-120"/>
-                    <a:ea typeface="微軟正黑體" panose="020B0604030504040204" pitchFamily="34" charset="-120"/>
-                  </a:rPr>
-                  <a:t>凍結</a:t>
-                </a:r>
-                <a:endParaRPr lang="zh-TW" altLang="en-US" dirty="0">
-                  <a:latin typeface="微軟正黑體" panose="020B0604030504040204" pitchFamily="34" charset="-120"/>
-                  <a:ea typeface="微軟正黑體" panose="020B0604030504040204" pitchFamily="34" charset="-120"/>
-                </a:endParaRPr>
-              </a:p>
-            </p:txBody>
-          </p:sp>
-          <p:cxnSp>
-            <p:nvCxnSpPr>
-              <p:cNvPr id="25" name="直線單箭頭接點 24"/>
-              <p:cNvCxnSpPr>
-                <a:stCxn id="23" idx="0"/>
-              </p:cNvCxnSpPr>
-              <p:nvPr/>
-            </p:nvCxnSpPr>
-            <p:spPr>
-              <a:xfrm flipH="1" flipV="1">
-                <a:off x="7204042" y="3999345"/>
-                <a:ext cx="452581" cy="950796"/>
-              </a:xfrm>
-              <a:prstGeom prst="straightConnector1">
-                <a:avLst/>
-              </a:prstGeom>
-              <a:ln>
-                <a:tailEnd type="triangle"/>
-              </a:ln>
-            </p:spPr>
-            <p:style>
-              <a:lnRef idx="1">
-                <a:schemeClr val="accent1"/>
-              </a:lnRef>
-              <a:fillRef idx="0">
-                <a:schemeClr val="accent1"/>
-              </a:fillRef>
-              <a:effectRef idx="0">
-                <a:schemeClr val="accent1"/>
-              </a:effectRef>
-              <a:fontRef idx="minor">
-                <a:schemeClr val="tx1"/>
-              </a:fontRef>
-            </p:style>
-          </p:cxnSp>
-          <p:sp>
-            <p:nvSpPr>
-              <p:cNvPr id="26" name="圓角矩形 25"/>
-              <p:cNvSpPr/>
-              <p:nvPr/>
-            </p:nvSpPr>
-            <p:spPr>
-              <a:xfrm>
-                <a:off x="7076721" y="2480789"/>
-                <a:ext cx="1413163" cy="489527"/>
-              </a:xfrm>
-              <a:prstGeom prst="roundRect">
-                <a:avLst/>
-              </a:prstGeom>
-            </p:spPr>
-            <p:style>
-              <a:lnRef idx="2">
-                <a:schemeClr val="dk1"/>
-              </a:lnRef>
-              <a:fillRef idx="1">
-                <a:schemeClr val="lt1"/>
-              </a:fillRef>
-              <a:effectRef idx="0">
-                <a:schemeClr val="dk1"/>
-              </a:effectRef>
-              <a:fontRef idx="minor">
-                <a:schemeClr val="dk1"/>
-              </a:fontRef>
-            </p:style>
-            <p:txBody>
-              <a:bodyPr rtlCol="0" anchor="ctr"/>
-              <a:lstStyle/>
-              <a:p>
-                <a:pPr algn="ctr"/>
-                <a:r>
-                  <a:rPr lang="zh-TW" altLang="en-US" dirty="0" smtClean="0">
-                    <a:latin typeface="微軟正黑體" panose="020B0604030504040204" pitchFamily="34" charset="-120"/>
-                    <a:ea typeface="微軟正黑體" panose="020B0604030504040204" pitchFamily="34" charset="-120"/>
-                  </a:rPr>
-                  <a:t>檔案覆蓋</a:t>
-                </a:r>
-                <a:endParaRPr lang="zh-TW" altLang="en-US" dirty="0">
-                  <a:latin typeface="微軟正黑體" panose="020B0604030504040204" pitchFamily="34" charset="-120"/>
-                  <a:ea typeface="微軟正黑體" panose="020B0604030504040204" pitchFamily="34" charset="-120"/>
-                </a:endParaRPr>
-              </a:p>
-            </p:txBody>
-          </p:sp>
-          <p:cxnSp>
-            <p:nvCxnSpPr>
-              <p:cNvPr id="34" name="直線單箭頭接點 33"/>
-              <p:cNvCxnSpPr>
-                <a:stCxn id="26" idx="2"/>
-              </p:cNvCxnSpPr>
-              <p:nvPr/>
-            </p:nvCxnSpPr>
-            <p:spPr>
-              <a:xfrm flipH="1">
-                <a:off x="7287491" y="2970316"/>
-                <a:ext cx="495812" cy="798121"/>
-              </a:xfrm>
-              <a:prstGeom prst="straightConnector1">
-                <a:avLst/>
-              </a:prstGeom>
-              <a:ln>
-                <a:tailEnd type="triangle"/>
-              </a:ln>
-            </p:spPr>
-            <p:style>
-              <a:lnRef idx="1">
-                <a:schemeClr val="accent1"/>
-              </a:lnRef>
-              <a:fillRef idx="0">
-                <a:schemeClr val="accent1"/>
-              </a:fillRef>
-              <a:effectRef idx="0">
-                <a:schemeClr val="accent1"/>
-              </a:effectRef>
-              <a:fontRef idx="minor">
-                <a:schemeClr val="tx1"/>
-              </a:fontRef>
-            </p:style>
-          </p:cxnSp>
-        </p:grpSp>
+            <a:prstGeom prst="rect">
+              <a:avLst/>
+            </a:prstGeom>
+          </p:spPr>
+        </p:pic>
         <p:sp>
           <p:nvSpPr>
-            <p:cNvPr id="37" name="文字方塊 36"/>
-            <p:cNvSpPr txBox="1"/>
+            <p:cNvPr id="7" name="向右箭號 6"/>
+            <p:cNvSpPr/>
             <p:nvPr/>
           </p:nvSpPr>
           <p:spPr>
             <a:xfrm>
-              <a:off x="2414223" y="1963703"/>
-              <a:ext cx="1843229" cy="461665"/>
+              <a:off x="2798618" y="3694546"/>
+              <a:ext cx="6253019" cy="387928"/>
             </a:xfrm>
-            <a:prstGeom prst="rect">
+            <a:prstGeom prst="rightArrow">
               <a:avLst/>
             </a:prstGeom>
-            <a:noFill/>
           </p:spPr>
+          <p:style>
+            <a:lnRef idx="2">
+              <a:schemeClr val="dk1">
+                <a:shade val="50000"/>
+              </a:schemeClr>
+            </a:lnRef>
+            <a:fillRef idx="1">
+              <a:schemeClr val="dk1"/>
+            </a:fillRef>
+            <a:effectRef idx="0">
+              <a:schemeClr val="dk1"/>
+            </a:effectRef>
+            <a:fontRef idx="minor">
+              <a:schemeClr val="lt1"/>
+            </a:fontRef>
+          </p:style>
           <p:txBody>
-            <a:bodyPr wrap="square" rtlCol="0">
-              <a:spAutoFit/>
-            </a:bodyPr>
+            <a:bodyPr rtlCol="0" anchor="ctr"/>
             <a:lstStyle/>
             <a:p>
-              <a:r>
-                <a:rPr lang="en-US" altLang="zh-TW" sz="2400" b="1" dirty="0" smtClean="0">
-                  <a:solidFill>
-                    <a:srgbClr val="00B050"/>
-                  </a:solidFill>
-                  <a:latin typeface="微軟正黑體" panose="020B0604030504040204" pitchFamily="34" charset="-120"/>
-                  <a:ea typeface="微軟正黑體" panose="020B0604030504040204" pitchFamily="34" charset="-120"/>
-                </a:rPr>
-                <a:t>1.</a:t>
-              </a:r>
-              <a:r>
-                <a:rPr lang="zh-TW" altLang="en-US" sz="2400" b="1" dirty="0" smtClean="0">
-                  <a:solidFill>
-                    <a:srgbClr val="00B050"/>
-                  </a:solidFill>
-                  <a:latin typeface="微軟正黑體" panose="020B0604030504040204" pitchFamily="34" charset="-120"/>
-                  <a:ea typeface="微軟正黑體" panose="020B0604030504040204" pitchFamily="34" charset="-120"/>
-                </a:rPr>
-                <a:t>復原檔案</a:t>
-              </a:r>
-              <a:endParaRPr lang="zh-TW" altLang="en-US" sz="2400" b="1" dirty="0">
-                <a:solidFill>
-                  <a:srgbClr val="00B050"/>
-                </a:solidFill>
+              <a:pPr algn="ctr"/>
+              <a:endParaRPr lang="zh-TW" altLang="en-US">
                 <a:latin typeface="微軟正黑體" panose="020B0604030504040204" pitchFamily="34" charset="-120"/>
                 <a:ea typeface="微軟正黑體" panose="020B0604030504040204" pitchFamily="34" charset="-120"/>
               </a:endParaRPr>
             </a:p>
           </p:txBody>
         </p:sp>
+        <p:pic>
+          <p:nvPicPr>
+            <p:cNvPr id="9" name="圖片 8"/>
+            <p:cNvPicPr>
+              <a:picLocks noChangeAspect="1"/>
+            </p:cNvPicPr>
+            <p:nvPr/>
+          </p:nvPicPr>
+          <p:blipFill>
+            <a:blip r:embed="rId3">
+              <a:extLst>
+                <a:ext uri="{28A0092B-C50C-407E-A947-70E740481C1C}">
+                  <a14:useLocalDpi xmlns:a14="http://schemas.microsoft.com/office/drawing/2010/main" val="0"/>
+                </a:ext>
+              </a:extLst>
+            </a:blip>
+            <a:stretch>
+              <a:fillRect/>
+            </a:stretch>
+          </p:blipFill>
+          <p:spPr>
+            <a:xfrm>
+              <a:off x="9295115" y="3030514"/>
+              <a:ext cx="1558976" cy="1558976"/>
+            </a:xfrm>
+            <a:prstGeom prst="rect">
+              <a:avLst/>
+            </a:prstGeom>
+          </p:spPr>
+        </p:pic>
         <p:sp>
           <p:nvSpPr>
-            <p:cNvPr id="39" name="文字方塊 38"/>
-            <p:cNvSpPr txBox="1"/>
+            <p:cNvPr id="11" name="圓角矩形 10"/>
+            <p:cNvSpPr/>
             <p:nvPr/>
           </p:nvSpPr>
           <p:spPr>
             <a:xfrm>
-              <a:off x="3623398" y="5403705"/>
-              <a:ext cx="2358381" cy="461665"/>
+              <a:off x="3417455" y="2540987"/>
+              <a:ext cx="1413163" cy="489527"/>
             </a:xfrm>
-            <a:prstGeom prst="rect">
+            <a:prstGeom prst="roundRect">
               <a:avLst/>
             </a:prstGeom>
-            <a:noFill/>
           </p:spPr>
+          <p:style>
+            <a:lnRef idx="2">
+              <a:schemeClr val="dk1"/>
+            </a:lnRef>
+            <a:fillRef idx="1">
+              <a:schemeClr val="lt1"/>
+            </a:fillRef>
+            <a:effectRef idx="0">
+              <a:schemeClr val="dk1"/>
+            </a:effectRef>
+            <a:fontRef idx="minor">
+              <a:schemeClr val="dk1"/>
+            </a:fontRef>
+          </p:style>
           <p:txBody>
-            <a:bodyPr wrap="square" rtlCol="0">
-              <a:spAutoFit/>
-            </a:bodyPr>
+            <a:bodyPr rtlCol="0" anchor="ctr"/>
             <a:lstStyle/>
             <a:p>
+              <a:pPr algn="ctr"/>
               <a:r>
-                <a:rPr lang="en-US" altLang="zh-TW" sz="2400" b="1" dirty="0" smtClean="0">
-                  <a:solidFill>
-                    <a:srgbClr val="00B050"/>
-                  </a:solidFill>
+                <a:rPr lang="zh-TW" altLang="en-US" dirty="0">
                   <a:latin typeface="微軟正黑體" panose="020B0604030504040204" pitchFamily="34" charset="-120"/>
                   <a:ea typeface="微軟正黑體" panose="020B0604030504040204" pitchFamily="34" charset="-120"/>
                 </a:rPr>
-                <a:t>2.</a:t>
+                <a:t>檔案遺失</a:t>
               </a:r>
+            </a:p>
+          </p:txBody>
+        </p:sp>
+        <p:cxnSp>
+          <p:nvCxnSpPr>
+            <p:cNvPr id="13" name="直線單箭頭接點 12"/>
+            <p:cNvCxnSpPr>
+              <a:stCxn id="11" idx="2"/>
+            </p:cNvCxnSpPr>
+            <p:nvPr/>
+          </p:nvCxnSpPr>
+          <p:spPr>
+            <a:xfrm flipH="1">
+              <a:off x="3943927" y="3030514"/>
+              <a:ext cx="180110" cy="737923"/>
+            </a:xfrm>
+            <a:prstGeom prst="straightConnector1">
+              <a:avLst/>
+            </a:prstGeom>
+            <a:ln>
+              <a:tailEnd type="triangle"/>
+            </a:ln>
+          </p:spPr>
+          <p:style>
+            <a:lnRef idx="1">
+              <a:schemeClr val="accent1"/>
+            </a:lnRef>
+            <a:fillRef idx="0">
+              <a:schemeClr val="accent1"/>
+            </a:fillRef>
+            <a:effectRef idx="0">
+              <a:schemeClr val="accent1"/>
+            </a:effectRef>
+            <a:fontRef idx="minor">
+              <a:schemeClr val="tx1"/>
+            </a:fontRef>
+          </p:style>
+        </p:cxnSp>
+        <p:sp>
+          <p:nvSpPr>
+            <p:cNvPr id="16" name="圓角矩形 15"/>
+            <p:cNvSpPr/>
+            <p:nvPr/>
+          </p:nvSpPr>
+          <p:spPr>
+            <a:xfrm>
+              <a:off x="4754417" y="4950144"/>
+              <a:ext cx="1413163" cy="489527"/>
+            </a:xfrm>
+            <a:prstGeom prst="roundRect">
+              <a:avLst/>
+            </a:prstGeom>
+          </p:spPr>
+          <p:style>
+            <a:lnRef idx="2">
+              <a:schemeClr val="dk1"/>
+            </a:lnRef>
+            <a:fillRef idx="1">
+              <a:schemeClr val="lt1"/>
+            </a:fillRef>
+            <a:effectRef idx="0">
+              <a:schemeClr val="dk1"/>
+            </a:effectRef>
+            <a:fontRef idx="minor">
+              <a:schemeClr val="dk1"/>
+            </a:fontRef>
+          </p:style>
+          <p:txBody>
+            <a:bodyPr rtlCol="0" anchor="ctr"/>
+            <a:lstStyle/>
+            <a:p>
+              <a:pPr algn="ctr"/>
               <a:r>
-                <a:rPr lang="zh-TW" altLang="en-US" sz="2400" b="1" dirty="0" smtClean="0">
-                  <a:solidFill>
-                    <a:srgbClr val="00B050"/>
-                  </a:solidFill>
+                <a:rPr lang="zh-TW" altLang="en-US" dirty="0">
                   <a:latin typeface="微軟正黑體" panose="020B0604030504040204" pitchFamily="34" charset="-120"/>
                   <a:ea typeface="微軟正黑體" panose="020B0604030504040204" pitchFamily="34" charset="-120"/>
                 </a:rPr>
-                <a:t>保留修改歷程</a:t>
+                <a:t>檔案誤改</a:t>
               </a:r>
-              <a:endParaRPr lang="zh-TW" altLang="en-US" sz="2400" b="1" dirty="0">
-                <a:solidFill>
-                  <a:srgbClr val="00B050"/>
-                </a:solidFill>
-                <a:latin typeface="微軟正黑體" panose="020B0604030504040204" pitchFamily="34" charset="-120"/>
-                <a:ea typeface="微軟正黑體" panose="020B0604030504040204" pitchFamily="34" charset="-120"/>
-              </a:endParaRPr>
             </a:p>
           </p:txBody>
         </p:sp>
         <p:sp>
           <p:nvSpPr>
-            <p:cNvPr id="40" name="文字方塊 39"/>
-            <p:cNvSpPr txBox="1"/>
+            <p:cNvPr id="17" name="圓角矩形 16"/>
+            <p:cNvSpPr/>
             <p:nvPr/>
           </p:nvSpPr>
           <p:spPr>
             <a:xfrm>
-              <a:off x="6134100" y="1800808"/>
-              <a:ext cx="1843229" cy="461665"/>
+              <a:off x="5011371" y="2008362"/>
+              <a:ext cx="1263071" cy="489527"/>
             </a:xfrm>
-            <a:prstGeom prst="rect">
+            <a:prstGeom prst="roundRect">
               <a:avLst/>
             </a:prstGeom>
-            <a:noFill/>
           </p:spPr>
+          <p:style>
+            <a:lnRef idx="2">
+              <a:schemeClr val="dk1"/>
+            </a:lnRef>
+            <a:fillRef idx="1">
+              <a:schemeClr val="lt1"/>
+            </a:fillRef>
+            <a:effectRef idx="0">
+              <a:schemeClr val="dk1"/>
+            </a:effectRef>
+            <a:fontRef idx="minor">
+              <a:schemeClr val="dk1"/>
+            </a:fontRef>
+          </p:style>
           <p:txBody>
-            <a:bodyPr wrap="square" rtlCol="0">
-              <a:spAutoFit/>
-            </a:bodyPr>
+            <a:bodyPr rtlCol="0" anchor="ctr"/>
             <a:lstStyle/>
             <a:p>
+              <a:pPr algn="ctr"/>
               <a:r>
-                <a:rPr lang="en-US" altLang="zh-TW" sz="2400" b="1" dirty="0" smtClean="0">
-                  <a:solidFill>
-                    <a:srgbClr val="00B050"/>
-                  </a:solidFill>
+                <a:rPr lang="zh-TW" altLang="en-US" dirty="0">
                   <a:latin typeface="微軟正黑體" panose="020B0604030504040204" pitchFamily="34" charset="-120"/>
                   <a:ea typeface="微軟正黑體" panose="020B0604030504040204" pitchFamily="34" charset="-120"/>
                 </a:rPr>
-                <a:t>3.</a:t>
+                <a:t>需求變更</a:t>
               </a:r>
-              <a:r>
-                <a:rPr lang="zh-TW" altLang="en-US" sz="2400" b="1" dirty="0" smtClean="0">
-                  <a:solidFill>
-                    <a:srgbClr val="00B050"/>
-                  </a:solidFill>
-                  <a:latin typeface="微軟正黑體" panose="020B0604030504040204" pitchFamily="34" charset="-120"/>
-                  <a:ea typeface="微軟正黑體" panose="020B0604030504040204" pitchFamily="34" charset="-120"/>
-                </a:rPr>
-                <a:t>版本復原</a:t>
-              </a:r>
-              <a:endParaRPr lang="zh-TW" altLang="en-US" sz="2400" b="1" dirty="0">
-                <a:solidFill>
-                  <a:srgbClr val="00B050"/>
-                </a:solidFill>
-                <a:latin typeface="微軟正黑體" panose="020B0604030504040204" pitchFamily="34" charset="-120"/>
-                <a:ea typeface="微軟正黑體" panose="020B0604030504040204" pitchFamily="34" charset="-120"/>
-              </a:endParaRPr>
             </a:p>
           </p:txBody>
         </p:sp>
+        <p:cxnSp>
+          <p:nvCxnSpPr>
+            <p:cNvPr id="19" name="直線單箭頭接點 18"/>
+            <p:cNvCxnSpPr>
+              <a:stCxn id="17" idx="2"/>
+            </p:cNvCxnSpPr>
+            <p:nvPr/>
+          </p:nvCxnSpPr>
+          <p:spPr>
+            <a:xfrm>
+              <a:off x="5642907" y="2497889"/>
+              <a:ext cx="455401" cy="1270548"/>
+            </a:xfrm>
+            <a:prstGeom prst="straightConnector1">
+              <a:avLst/>
+            </a:prstGeom>
+            <a:ln>
+              <a:tailEnd type="triangle"/>
+            </a:ln>
+          </p:spPr>
+          <p:style>
+            <a:lnRef idx="1">
+              <a:schemeClr val="accent1"/>
+            </a:lnRef>
+            <a:fillRef idx="0">
+              <a:schemeClr val="accent1"/>
+            </a:fillRef>
+            <a:effectRef idx="0">
+              <a:schemeClr val="accent1"/>
+            </a:effectRef>
+            <a:fontRef idx="minor">
+              <a:schemeClr val="tx1"/>
+            </a:fontRef>
+          </p:style>
+        </p:cxnSp>
+        <p:cxnSp>
+          <p:nvCxnSpPr>
+            <p:cNvPr id="22" name="直線單箭頭接點 21"/>
+            <p:cNvCxnSpPr>
+              <a:stCxn id="16" idx="0"/>
+            </p:cNvCxnSpPr>
+            <p:nvPr/>
+          </p:nvCxnSpPr>
+          <p:spPr>
+            <a:xfrm flipH="1" flipV="1">
+              <a:off x="4959607" y="3999345"/>
+              <a:ext cx="501392" cy="950799"/>
+            </a:xfrm>
+            <a:prstGeom prst="straightConnector1">
+              <a:avLst/>
+            </a:prstGeom>
+            <a:ln>
+              <a:tailEnd type="triangle"/>
+            </a:ln>
+          </p:spPr>
+          <p:style>
+            <a:lnRef idx="1">
+              <a:schemeClr val="accent1"/>
+            </a:lnRef>
+            <a:fillRef idx="0">
+              <a:schemeClr val="accent1"/>
+            </a:fillRef>
+            <a:effectRef idx="0">
+              <a:schemeClr val="accent1"/>
+            </a:effectRef>
+            <a:fontRef idx="minor">
+              <a:schemeClr val="tx1"/>
+            </a:fontRef>
+          </p:style>
+        </p:cxnSp>
         <p:sp>
           <p:nvSpPr>
-            <p:cNvPr id="41" name="文字方塊 40"/>
-            <p:cNvSpPr txBox="1"/>
+            <p:cNvPr id="23" name="圓角矩形 22"/>
+            <p:cNvSpPr/>
             <p:nvPr/>
           </p:nvSpPr>
           <p:spPr>
             <a:xfrm>
-              <a:off x="7851999" y="5393483"/>
-              <a:ext cx="1843229" cy="461665"/>
+              <a:off x="7025087" y="4950141"/>
+              <a:ext cx="1263071" cy="489527"/>
             </a:xfrm>
-            <a:prstGeom prst="rect">
+            <a:prstGeom prst="roundRect">
               <a:avLst/>
             </a:prstGeom>
-            <a:noFill/>
           </p:spPr>
+          <p:style>
+            <a:lnRef idx="2">
+              <a:schemeClr val="dk1"/>
+            </a:lnRef>
+            <a:fillRef idx="1">
+              <a:schemeClr val="lt1"/>
+            </a:fillRef>
+            <a:effectRef idx="0">
+              <a:schemeClr val="dk1"/>
+            </a:effectRef>
+            <a:fontRef idx="minor">
+              <a:schemeClr val="dk1"/>
+            </a:fontRef>
+          </p:style>
           <p:txBody>
-            <a:bodyPr wrap="square" rtlCol="0">
-              <a:spAutoFit/>
-            </a:bodyPr>
+            <a:bodyPr rtlCol="0" anchor="ctr"/>
             <a:lstStyle/>
             <a:p>
+              <a:pPr algn="ctr"/>
               <a:r>
-                <a:rPr lang="en-US" altLang="zh-TW" sz="2400" b="1" dirty="0" smtClean="0">
-                  <a:solidFill>
-                    <a:srgbClr val="00B050"/>
-                  </a:solidFill>
+                <a:rPr lang="zh-TW" altLang="en-US" dirty="0">
                   <a:latin typeface="微軟正黑體" panose="020B0604030504040204" pitchFamily="34" charset="-120"/>
                   <a:ea typeface="微軟正黑體" panose="020B0604030504040204" pitchFamily="34" charset="-120"/>
                 </a:rPr>
-                <a:t>4.</a:t>
+                <a:t>凍結</a:t>
               </a:r>
+            </a:p>
+          </p:txBody>
+        </p:sp>
+        <p:cxnSp>
+          <p:nvCxnSpPr>
+            <p:cNvPr id="25" name="直線單箭頭接點 24"/>
+            <p:cNvCxnSpPr>
+              <a:stCxn id="23" idx="0"/>
+            </p:cNvCxnSpPr>
+            <p:nvPr/>
+          </p:nvCxnSpPr>
+          <p:spPr>
+            <a:xfrm flipH="1" flipV="1">
+              <a:off x="7204042" y="3999345"/>
+              <a:ext cx="452581" cy="950796"/>
+            </a:xfrm>
+            <a:prstGeom prst="straightConnector1">
+              <a:avLst/>
+            </a:prstGeom>
+            <a:ln>
+              <a:tailEnd type="triangle"/>
+            </a:ln>
+          </p:spPr>
+          <p:style>
+            <a:lnRef idx="1">
+              <a:schemeClr val="accent1"/>
+            </a:lnRef>
+            <a:fillRef idx="0">
+              <a:schemeClr val="accent1"/>
+            </a:fillRef>
+            <a:effectRef idx="0">
+              <a:schemeClr val="accent1"/>
+            </a:effectRef>
+            <a:fontRef idx="minor">
+              <a:schemeClr val="tx1"/>
+            </a:fontRef>
+          </p:style>
+        </p:cxnSp>
+        <p:sp>
+          <p:nvSpPr>
+            <p:cNvPr id="26" name="圓角矩形 25"/>
+            <p:cNvSpPr/>
+            <p:nvPr/>
+          </p:nvSpPr>
+          <p:spPr>
+            <a:xfrm>
+              <a:off x="7076721" y="2480789"/>
+              <a:ext cx="1413163" cy="489527"/>
+            </a:xfrm>
+            <a:prstGeom prst="roundRect">
+              <a:avLst/>
+            </a:prstGeom>
+          </p:spPr>
+          <p:style>
+            <a:lnRef idx="2">
+              <a:schemeClr val="dk1"/>
+            </a:lnRef>
+            <a:fillRef idx="1">
+              <a:schemeClr val="lt1"/>
+            </a:fillRef>
+            <a:effectRef idx="0">
+              <a:schemeClr val="dk1"/>
+            </a:effectRef>
+            <a:fontRef idx="minor">
+              <a:schemeClr val="dk1"/>
+            </a:fontRef>
+          </p:style>
+          <p:txBody>
+            <a:bodyPr rtlCol="0" anchor="ctr"/>
+            <a:lstStyle/>
+            <a:p>
+              <a:pPr algn="ctr"/>
               <a:r>
-                <a:rPr lang="zh-TW" altLang="en-US" sz="2400" b="1" dirty="0" smtClean="0">
-                  <a:solidFill>
-                    <a:srgbClr val="00B050"/>
-                  </a:solidFill>
+                <a:rPr lang="zh-TW" altLang="en-US" dirty="0">
                   <a:latin typeface="微軟正黑體" panose="020B0604030504040204" pitchFamily="34" charset="-120"/>
                   <a:ea typeface="微軟正黑體" panose="020B0604030504040204" pitchFamily="34" charset="-120"/>
                 </a:rPr>
-                <a:t>持續開發</a:t>
+                <a:t>檔案覆蓋</a:t>
               </a:r>
-              <a:endParaRPr lang="zh-TW" altLang="en-US" sz="2400" b="1" dirty="0">
-                <a:solidFill>
-                  <a:srgbClr val="00B050"/>
-                </a:solidFill>
-                <a:latin typeface="微軟正黑體" panose="020B0604030504040204" pitchFamily="34" charset="-120"/>
-                <a:ea typeface="微軟正黑體" panose="020B0604030504040204" pitchFamily="34" charset="-120"/>
-              </a:endParaRPr>
             </a:p>
           </p:txBody>
         </p:sp>
+        <p:cxnSp>
+          <p:nvCxnSpPr>
+            <p:cNvPr id="34" name="直線單箭頭接點 33"/>
+            <p:cNvCxnSpPr>
+              <a:stCxn id="26" idx="2"/>
+            </p:cNvCxnSpPr>
+            <p:nvPr/>
+          </p:nvCxnSpPr>
+          <p:spPr>
+            <a:xfrm flipH="1">
+              <a:off x="7287491" y="2970316"/>
+              <a:ext cx="495812" cy="798121"/>
+            </a:xfrm>
+            <a:prstGeom prst="straightConnector1">
+              <a:avLst/>
+            </a:prstGeom>
+            <a:ln>
+              <a:tailEnd type="triangle"/>
+            </a:ln>
+          </p:spPr>
+          <p:style>
+            <a:lnRef idx="1">
+              <a:schemeClr val="accent1"/>
+            </a:lnRef>
+            <a:fillRef idx="0">
+              <a:schemeClr val="accent1"/>
+            </a:fillRef>
+            <a:effectRef idx="0">
+              <a:schemeClr val="accent1"/>
+            </a:effectRef>
+            <a:fontRef idx="minor">
+              <a:schemeClr val="tx1"/>
+            </a:fontRef>
+          </p:style>
+        </p:cxnSp>
       </p:grpSp>
+      <p:sp>
+        <p:nvSpPr>
+          <p:cNvPr id="37" name="文字方塊 36"/>
+          <p:cNvSpPr txBox="1"/>
+          <p:nvPr/>
+        </p:nvSpPr>
+        <p:spPr>
+          <a:xfrm>
+            <a:off x="2414223" y="1963703"/>
+            <a:ext cx="1843229" cy="461665"/>
+          </a:xfrm>
+          <a:prstGeom prst="rect">
+            <a:avLst/>
+          </a:prstGeom>
+          <a:noFill/>
+        </p:spPr>
+        <p:txBody>
+          <a:bodyPr wrap="square" rtlCol="0">
+            <a:spAutoFit/>
+          </a:bodyPr>
+          <a:lstStyle/>
+          <a:p>
+            <a:r>
+              <a:rPr lang="en-US" altLang="zh-TW" sz="2400" b="1" dirty="0">
+                <a:solidFill>
+                  <a:srgbClr val="00B050"/>
+                </a:solidFill>
+                <a:latin typeface="微軟正黑體" panose="020B0604030504040204" pitchFamily="34" charset="-120"/>
+                <a:ea typeface="微軟正黑體" panose="020B0604030504040204" pitchFamily="34" charset="-120"/>
+              </a:rPr>
+              <a:t>1.</a:t>
+            </a:r>
+            <a:r>
+              <a:rPr lang="zh-TW" altLang="en-US" sz="2400" b="1" dirty="0">
+                <a:solidFill>
+                  <a:srgbClr val="00B050"/>
+                </a:solidFill>
+                <a:latin typeface="微軟正黑體" panose="020B0604030504040204" pitchFamily="34" charset="-120"/>
+                <a:ea typeface="微軟正黑體" panose="020B0604030504040204" pitchFamily="34" charset="-120"/>
+              </a:rPr>
+              <a:t>復原檔案</a:t>
+            </a:r>
+          </a:p>
+        </p:txBody>
+      </p:sp>
+      <p:sp>
+        <p:nvSpPr>
+          <p:cNvPr id="39" name="文字方塊 38"/>
+          <p:cNvSpPr txBox="1"/>
+          <p:nvPr/>
+        </p:nvSpPr>
+        <p:spPr>
+          <a:xfrm>
+            <a:off x="3623398" y="5403705"/>
+            <a:ext cx="2358381" cy="461665"/>
+          </a:xfrm>
+          <a:prstGeom prst="rect">
+            <a:avLst/>
+          </a:prstGeom>
+          <a:noFill/>
+        </p:spPr>
+        <p:txBody>
+          <a:bodyPr wrap="square" rtlCol="0">
+            <a:spAutoFit/>
+          </a:bodyPr>
+          <a:lstStyle/>
+          <a:p>
+            <a:r>
+              <a:rPr lang="en-US" altLang="zh-TW" sz="2400" b="1" dirty="0">
+                <a:solidFill>
+                  <a:srgbClr val="00B050"/>
+                </a:solidFill>
+                <a:latin typeface="微軟正黑體" panose="020B0604030504040204" pitchFamily="34" charset="-120"/>
+                <a:ea typeface="微軟正黑體" panose="020B0604030504040204" pitchFamily="34" charset="-120"/>
+              </a:rPr>
+              <a:t>2.</a:t>
+            </a:r>
+            <a:r>
+              <a:rPr lang="zh-TW" altLang="en-US" sz="2400" b="1" dirty="0">
+                <a:solidFill>
+                  <a:srgbClr val="00B050"/>
+                </a:solidFill>
+                <a:latin typeface="微軟正黑體" panose="020B0604030504040204" pitchFamily="34" charset="-120"/>
+                <a:ea typeface="微軟正黑體" panose="020B0604030504040204" pitchFamily="34" charset="-120"/>
+              </a:rPr>
+              <a:t>保留修改歷程</a:t>
+            </a:r>
+          </a:p>
+        </p:txBody>
+      </p:sp>
+      <p:sp>
+        <p:nvSpPr>
+          <p:cNvPr id="40" name="文字方塊 39"/>
+          <p:cNvSpPr txBox="1"/>
+          <p:nvPr/>
+        </p:nvSpPr>
+        <p:spPr>
+          <a:xfrm>
+            <a:off x="6134100" y="1800808"/>
+            <a:ext cx="1843229" cy="461665"/>
+          </a:xfrm>
+          <a:prstGeom prst="rect">
+            <a:avLst/>
+          </a:prstGeom>
+          <a:noFill/>
+        </p:spPr>
+        <p:txBody>
+          <a:bodyPr wrap="square" rtlCol="0">
+            <a:spAutoFit/>
+          </a:bodyPr>
+          <a:lstStyle/>
+          <a:p>
+            <a:r>
+              <a:rPr lang="en-US" altLang="zh-TW" sz="2400" b="1" dirty="0">
+                <a:solidFill>
+                  <a:srgbClr val="00B050"/>
+                </a:solidFill>
+                <a:latin typeface="微軟正黑體" panose="020B0604030504040204" pitchFamily="34" charset="-120"/>
+                <a:ea typeface="微軟正黑體" panose="020B0604030504040204" pitchFamily="34" charset="-120"/>
+              </a:rPr>
+              <a:t>3.</a:t>
+            </a:r>
+            <a:r>
+              <a:rPr lang="zh-TW" altLang="en-US" sz="2400" b="1" dirty="0">
+                <a:solidFill>
+                  <a:srgbClr val="00B050"/>
+                </a:solidFill>
+                <a:latin typeface="微軟正黑體" panose="020B0604030504040204" pitchFamily="34" charset="-120"/>
+                <a:ea typeface="微軟正黑體" panose="020B0604030504040204" pitchFamily="34" charset="-120"/>
+              </a:rPr>
+              <a:t>版本復原</a:t>
+            </a:r>
+          </a:p>
+        </p:txBody>
+      </p:sp>
+      <p:sp>
+        <p:nvSpPr>
+          <p:cNvPr id="41" name="文字方塊 40"/>
+          <p:cNvSpPr txBox="1"/>
+          <p:nvPr/>
+        </p:nvSpPr>
+        <p:spPr>
+          <a:xfrm>
+            <a:off x="7851999" y="5393483"/>
+            <a:ext cx="1843229" cy="461665"/>
+          </a:xfrm>
+          <a:prstGeom prst="rect">
+            <a:avLst/>
+          </a:prstGeom>
+          <a:noFill/>
+        </p:spPr>
+        <p:txBody>
+          <a:bodyPr wrap="square" rtlCol="0">
+            <a:spAutoFit/>
+          </a:bodyPr>
+          <a:lstStyle/>
+          <a:p>
+            <a:r>
+              <a:rPr lang="en-US" altLang="zh-TW" sz="2400" b="1" dirty="0">
+                <a:solidFill>
+                  <a:srgbClr val="00B050"/>
+                </a:solidFill>
+                <a:latin typeface="微軟正黑體" panose="020B0604030504040204" pitchFamily="34" charset="-120"/>
+                <a:ea typeface="微軟正黑體" panose="020B0604030504040204" pitchFamily="34" charset="-120"/>
+              </a:rPr>
+              <a:t>4.</a:t>
+            </a:r>
+            <a:r>
+              <a:rPr lang="zh-TW" altLang="en-US" sz="2400" b="1" dirty="0">
+                <a:solidFill>
+                  <a:srgbClr val="00B050"/>
+                </a:solidFill>
+                <a:latin typeface="微軟正黑體" panose="020B0604030504040204" pitchFamily="34" charset="-120"/>
+                <a:ea typeface="微軟正黑體" panose="020B0604030504040204" pitchFamily="34" charset="-120"/>
+              </a:rPr>
+              <a:t>持續開發</a:t>
+            </a:r>
+          </a:p>
+        </p:txBody>
+      </p:sp>
       <p:sp>
         <p:nvSpPr>
           <p:cNvPr id="42" name="文字方塊 41"/>
@@ -6458,7 +6366,7 @@
           <a:lstStyle/>
           <a:p>
             <a:r>
-              <a:rPr lang="zh-TW" altLang="en-US" sz="2400" dirty="0" smtClean="0">
+              <a:rPr lang="zh-TW" altLang="en-US" sz="2400" dirty="0">
                 <a:solidFill>
                   <a:srgbClr val="FF0000"/>
                 </a:solidFill>
@@ -6467,13 +6375,6 @@
               </a:rPr>
               <a:t>供團隊存放開發原始碼及文件，以便達成集中控管</a:t>
             </a:r>
-            <a:endParaRPr lang="zh-TW" altLang="en-US" sz="2400" dirty="0">
-              <a:solidFill>
-                <a:srgbClr val="FF0000"/>
-              </a:solidFill>
-              <a:latin typeface="微軟正黑體" panose="020B0604030504040204" pitchFamily="34" charset="-120"/>
-              <a:ea typeface="微軟正黑體" panose="020B0604030504040204" pitchFamily="34" charset="-120"/>
-            </a:endParaRPr>
           </a:p>
         </p:txBody>
       </p:sp>
@@ -6508,47 +6409,22 @@
                 <a:latin typeface="微軟正黑體" panose="020B0604030504040204" pitchFamily="34" charset="-120"/>
                 <a:ea typeface="微軟正黑體" panose="020B0604030504040204" pitchFamily="34" charset="-120"/>
               </a:rPr>
-              <a:t>版本</a:t>
-            </a:r>
-            <a:r>
-              <a:rPr lang="zh-TW" altLang="zh-TW" dirty="0" smtClean="0">
-                <a:latin typeface="微軟正黑體" panose="020B0604030504040204" pitchFamily="34" charset="-120"/>
-                <a:ea typeface="微軟正黑體" panose="020B0604030504040204" pitchFamily="34" charset="-120"/>
-              </a:rPr>
-              <a:t>控制</a:t>
-            </a:r>
-            <a:r>
-              <a:rPr lang="en-US" altLang="zh-TW" dirty="0" smtClean="0">
-                <a:latin typeface="微軟正黑體" panose="020B0604030504040204" pitchFamily="34" charset="-120"/>
-                <a:ea typeface="微軟正黑體" panose="020B0604030504040204" pitchFamily="34" charset="-120"/>
-              </a:rPr>
-              <a:t>(</a:t>
+              <a:t>版本控制</a:t>
             </a:r>
             <a:r>
               <a:rPr lang="en-US" altLang="zh-TW" dirty="0">
                 <a:latin typeface="微軟正黑體" panose="020B0604030504040204" pitchFamily="34" charset="-120"/>
                 <a:ea typeface="微軟正黑體" panose="020B0604030504040204" pitchFamily="34" charset="-120"/>
               </a:rPr>
-              <a:t>3/2) -</a:t>
-            </a:r>
-            <a:r>
-              <a:rPr lang="en-US" altLang="zh-TW" dirty="0" smtClean="0">
+              <a:t>(3/2) - </a:t>
+            </a:r>
+            <a:r>
+              <a:rPr lang="zh-TW" altLang="en-US" sz="2400" dirty="0">
                 <a:latin typeface="微軟正黑體" panose="020B0604030504040204" pitchFamily="34" charset="-120"/>
                 <a:ea typeface="微軟正黑體" panose="020B0604030504040204" pitchFamily="34" charset="-120"/>
               </a:rPr>
-              <a:t> </a:t>
-            </a:r>
-            <a:r>
-              <a:rPr lang="zh-TW" altLang="en-US" sz="2400" dirty="0" smtClean="0">
-                <a:latin typeface="微軟正黑體" panose="020B0604030504040204" pitchFamily="34" charset="-120"/>
-                <a:ea typeface="微軟正黑體" panose="020B0604030504040204" pitchFamily="34" charset="-120"/>
-              </a:rPr>
               <a:t>用途及目的</a:t>
             </a:r>
-            <a:endParaRPr lang="zh-TW" altLang="en-US" sz="2400" dirty="0">
-              <a:latin typeface="微軟正黑體" panose="020B0604030504040204" pitchFamily="34" charset="-120"/>
-              <a:ea typeface="微軟正黑體" panose="020B0604030504040204" pitchFamily="34" charset="-120"/>
-            </a:endParaRPr>
           </a:p>
         </p:txBody>
       </p:sp>
@@ -6608,9 +6484,232 @@
   <p:timing>
     <p:tnLst>
       <p:par>
-        <p:cTn id="1" dur="indefinite" restart="never" nodeType="tmRoot"/>
+        <p:cTn id="1" dur="indefinite" restart="never" nodeType="tmRoot">
+          <p:childTnLst>
+            <p:seq concurrent="1" nextAc="seek">
+              <p:cTn id="2" dur="indefinite" nodeType="mainSeq">
+                <p:childTnLst>
+                  <p:par>
+                    <p:cTn id="3" fill="hold">
+                      <p:stCondLst>
+                        <p:cond delay="indefinite"/>
+                      </p:stCondLst>
+                      <p:childTnLst>
+                        <p:par>
+                          <p:cTn id="4" fill="hold">
+                            <p:stCondLst>
+                              <p:cond delay="0"/>
+                            </p:stCondLst>
+                            <p:childTnLst>
+                              <p:par>
+                                <p:cTn id="5" presetID="10" presetClass="entr" presetSubtype="0" fill="hold" grpId="0" nodeType="clickEffect">
+                                  <p:stCondLst>
+                                    <p:cond delay="0"/>
+                                  </p:stCondLst>
+                                  <p:childTnLst>
+                                    <p:set>
+                                      <p:cBhvr>
+                                        <p:cTn id="6" dur="1" fill="hold">
+                                          <p:stCondLst>
+                                            <p:cond delay="0"/>
+                                          </p:stCondLst>
+                                        </p:cTn>
+                                        <p:tgtEl>
+                                          <p:spTgt spid="37"/>
+                                        </p:tgtEl>
+                                        <p:attrNameLst>
+                                          <p:attrName>style.visibility</p:attrName>
+                                        </p:attrNameLst>
+                                      </p:cBhvr>
+                                      <p:to>
+                                        <p:strVal val="visible"/>
+                                      </p:to>
+                                    </p:set>
+                                    <p:animEffect transition="in" filter="fade">
+                                      <p:cBhvr>
+                                        <p:cTn id="7" dur="500"/>
+                                        <p:tgtEl>
+                                          <p:spTgt spid="37"/>
+                                        </p:tgtEl>
+                                      </p:cBhvr>
+                                    </p:animEffect>
+                                  </p:childTnLst>
+                                </p:cTn>
+                              </p:par>
+                              <p:par>
+                                <p:cTn id="8" presetID="10" presetClass="entr" presetSubtype="0" fill="hold" grpId="0" nodeType="withEffect">
+                                  <p:stCondLst>
+                                    <p:cond delay="0"/>
+                                  </p:stCondLst>
+                                  <p:childTnLst>
+                                    <p:set>
+                                      <p:cBhvr>
+                                        <p:cTn id="9" dur="1" fill="hold">
+                                          <p:stCondLst>
+                                            <p:cond delay="0"/>
+                                          </p:stCondLst>
+                                        </p:cTn>
+                                        <p:tgtEl>
+                                          <p:spTgt spid="40"/>
+                                        </p:tgtEl>
+                                        <p:attrNameLst>
+                                          <p:attrName>style.visibility</p:attrName>
+                                        </p:attrNameLst>
+                                      </p:cBhvr>
+                                      <p:to>
+                                        <p:strVal val="visible"/>
+                                      </p:to>
+                                    </p:set>
+                                    <p:animEffect transition="in" filter="fade">
+                                      <p:cBhvr>
+                                        <p:cTn id="10" dur="500"/>
+                                        <p:tgtEl>
+                                          <p:spTgt spid="40"/>
+                                        </p:tgtEl>
+                                      </p:cBhvr>
+                                    </p:animEffect>
+                                  </p:childTnLst>
+                                </p:cTn>
+                              </p:par>
+                              <p:par>
+                                <p:cTn id="11" presetID="10" presetClass="entr" presetSubtype="0" fill="hold" grpId="0" nodeType="withEffect">
+                                  <p:stCondLst>
+                                    <p:cond delay="0"/>
+                                  </p:stCondLst>
+                                  <p:childTnLst>
+                                    <p:set>
+                                      <p:cBhvr>
+                                        <p:cTn id="12" dur="1" fill="hold">
+                                          <p:stCondLst>
+                                            <p:cond delay="0"/>
+                                          </p:stCondLst>
+                                        </p:cTn>
+                                        <p:tgtEl>
+                                          <p:spTgt spid="39"/>
+                                        </p:tgtEl>
+                                        <p:attrNameLst>
+                                          <p:attrName>style.visibility</p:attrName>
+                                        </p:attrNameLst>
+                                      </p:cBhvr>
+                                      <p:to>
+                                        <p:strVal val="visible"/>
+                                      </p:to>
+                                    </p:set>
+                                    <p:animEffect transition="in" filter="fade">
+                                      <p:cBhvr>
+                                        <p:cTn id="13" dur="500"/>
+                                        <p:tgtEl>
+                                          <p:spTgt spid="39"/>
+                                        </p:tgtEl>
+                                      </p:cBhvr>
+                                    </p:animEffect>
+                                  </p:childTnLst>
+                                </p:cTn>
+                              </p:par>
+                              <p:par>
+                                <p:cTn id="14" presetID="10" presetClass="entr" presetSubtype="0" fill="hold" grpId="0" nodeType="withEffect">
+                                  <p:stCondLst>
+                                    <p:cond delay="0"/>
+                                  </p:stCondLst>
+                                  <p:childTnLst>
+                                    <p:set>
+                                      <p:cBhvr>
+                                        <p:cTn id="15" dur="1" fill="hold">
+                                          <p:stCondLst>
+                                            <p:cond delay="0"/>
+                                          </p:stCondLst>
+                                        </p:cTn>
+                                        <p:tgtEl>
+                                          <p:spTgt spid="41"/>
+                                        </p:tgtEl>
+                                        <p:attrNameLst>
+                                          <p:attrName>style.visibility</p:attrName>
+                                        </p:attrNameLst>
+                                      </p:cBhvr>
+                                      <p:to>
+                                        <p:strVal val="visible"/>
+                                      </p:to>
+                                    </p:set>
+                                    <p:animEffect transition="in" filter="fade">
+                                      <p:cBhvr>
+                                        <p:cTn id="16" dur="500"/>
+                                        <p:tgtEl>
+                                          <p:spTgt spid="41"/>
+                                        </p:tgtEl>
+                                      </p:cBhvr>
+                                    </p:animEffect>
+                                  </p:childTnLst>
+                                </p:cTn>
+                              </p:par>
+                              <p:par>
+                                <p:cTn id="17" presetID="10" presetClass="entr" presetSubtype="0" fill="hold" grpId="0" nodeType="withEffect">
+                                  <p:stCondLst>
+                                    <p:cond delay="0"/>
+                                  </p:stCondLst>
+                                  <p:childTnLst>
+                                    <p:set>
+                                      <p:cBhvr>
+                                        <p:cTn id="18" dur="1" fill="hold">
+                                          <p:stCondLst>
+                                            <p:cond delay="0"/>
+                                          </p:stCondLst>
+                                        </p:cTn>
+                                        <p:tgtEl>
+                                          <p:spTgt spid="42"/>
+                                        </p:tgtEl>
+                                        <p:attrNameLst>
+                                          <p:attrName>style.visibility</p:attrName>
+                                        </p:attrNameLst>
+                                      </p:cBhvr>
+                                      <p:to>
+                                        <p:strVal val="visible"/>
+                                      </p:to>
+                                    </p:set>
+                                    <p:animEffect transition="in" filter="fade">
+                                      <p:cBhvr>
+                                        <p:cTn id="19" dur="500"/>
+                                        <p:tgtEl>
+                                          <p:spTgt spid="42"/>
+                                        </p:tgtEl>
+                                      </p:cBhvr>
+                                    </p:animEffect>
+                                  </p:childTnLst>
+                                </p:cTn>
+                              </p:par>
+                            </p:childTnLst>
+                          </p:cTn>
+                        </p:par>
+                      </p:childTnLst>
+                    </p:cTn>
+                  </p:par>
+                </p:childTnLst>
+              </p:cTn>
+              <p:prevCondLst>
+                <p:cond evt="onPrev" delay="0">
+                  <p:tgtEl>
+                    <p:sldTgt/>
+                  </p:tgtEl>
+                </p:cond>
+              </p:prevCondLst>
+              <p:nextCondLst>
+                <p:cond evt="onNext" delay="0">
+                  <p:tgtEl>
+                    <p:sldTgt/>
+                  </p:tgtEl>
+                </p:cond>
+              </p:nextCondLst>
+            </p:seq>
+          </p:childTnLst>
+        </p:cTn>
       </p:par>
     </p:tnLst>
+    <p:bldLst>
+      <p:bldP spid="37" grpId="0"/>
+      <p:bldP spid="39" grpId="0"/>
+      <p:bldP spid="40" grpId="0"/>
+      <p:bldP spid="41" grpId="0"/>
+      <p:bldP spid="42" grpId="0"/>
+    </p:bldLst>
   </p:timing>
 </p:sld>
 </file>
@@ -6663,28 +6762,14 @@
                 <a:latin typeface="微軟正黑體" panose="020B0604030504040204" pitchFamily="34" charset="-120"/>
                 <a:ea typeface="微軟正黑體" panose="020B0604030504040204" pitchFamily="34" charset="-120"/>
               </a:rPr>
-              <a:t>版本</a:t>
-            </a:r>
-            <a:r>
-              <a:rPr lang="zh-TW" altLang="zh-TW" dirty="0" smtClean="0">
-                <a:latin typeface="微軟正黑體" panose="020B0604030504040204" pitchFamily="34" charset="-120"/>
-                <a:ea typeface="微軟正黑體" panose="020B0604030504040204" pitchFamily="34" charset="-120"/>
-              </a:rPr>
-              <a:t>控制</a:t>
-            </a:r>
-            <a:r>
-              <a:rPr lang="en-US" altLang="zh-TW" dirty="0" smtClean="0">
-                <a:latin typeface="微軟正黑體" panose="020B0604030504040204" pitchFamily="34" charset="-120"/>
-                <a:ea typeface="微軟正黑體" panose="020B0604030504040204" pitchFamily="34" charset="-120"/>
-              </a:rPr>
-              <a:t>(3/3) -</a:t>
+              <a:t>版本控制</a:t>
             </a:r>
             <a:r>
               <a:rPr lang="en-US" altLang="zh-TW" dirty="0">
                 <a:latin typeface="微軟正黑體" panose="020B0604030504040204" pitchFamily="34" charset="-120"/>
                 <a:ea typeface="微軟正黑體" panose="020B0604030504040204" pitchFamily="34" charset="-120"/>
               </a:rPr>
-              <a:t> </a:t>
+              <a:t>(3/3) - </a:t>
             </a:r>
             <a:r>
               <a:rPr lang="en-US" altLang="zh-TW" sz="2800" dirty="0" err="1">
@@ -6698,26 +6783,15 @@
                 <a:latin typeface="微軟正黑體" panose="020B0604030504040204" pitchFamily="34" charset="-120"/>
                 <a:ea typeface="微軟正黑體" panose="020B0604030504040204" pitchFamily="34" charset="-120"/>
               </a:rPr>
-              <a:t> </a:t>
-            </a:r>
-            <a:r>
-              <a:rPr lang="en-US" altLang="zh-TW" sz="2800" dirty="0" smtClean="0">
+              <a:t> flow</a:t>
+            </a:r>
+            <a:r>
+              <a:rPr lang="zh-TW" altLang="en-US" sz="2800" dirty="0">
                 <a:latin typeface="微軟正黑體" panose="020B0604030504040204" pitchFamily="34" charset="-120"/>
                 <a:ea typeface="微軟正黑體" panose="020B0604030504040204" pitchFamily="34" charset="-120"/>
               </a:rPr>
-              <a:t>flow</a:t>
-            </a:r>
-            <a:r>
-              <a:rPr lang="zh-TW" altLang="en-US" sz="2800" dirty="0" smtClean="0">
-                <a:latin typeface="微軟正黑體" panose="020B0604030504040204" pitchFamily="34" charset="-120"/>
-                <a:ea typeface="微軟正黑體" panose="020B0604030504040204" pitchFamily="34" charset="-120"/>
-              </a:rPr>
               <a:t>專案開發</a:t>
             </a:r>
-            <a:endParaRPr lang="zh-TW" altLang="en-US" sz="2800" dirty="0">
-              <a:latin typeface="微軟正黑體" panose="020B0604030504040204" pitchFamily="34" charset="-120"/>
-              <a:ea typeface="微軟正黑體" panose="020B0604030504040204" pitchFamily="34" charset="-120"/>
-            </a:endParaRPr>
           </a:p>
         </p:txBody>
       </p:sp>
@@ -6794,6 +6868,372 @@
           </a:prstGeom>
         </p:spPr>
       </p:pic>
+      <p:sp>
+        <p:nvSpPr>
+          <p:cNvPr id="2" name="矩形 1">
+            <a:extLst>
+              <a:ext uri="{FF2B5EF4-FFF2-40B4-BE49-F238E27FC236}">
+                <a16:creationId xmlns:a16="http://schemas.microsoft.com/office/drawing/2014/main" id="{4B4A1E9E-CAA4-49A5-924C-F587447A6B15}"/>
+              </a:ext>
+            </a:extLst>
+          </p:cNvPr>
+          <p:cNvSpPr/>
+          <p:nvPr/>
+        </p:nvSpPr>
+        <p:spPr>
+          <a:xfrm>
+            <a:off x="3314700" y="5234119"/>
+            <a:ext cx="1533525" cy="323850"/>
+          </a:xfrm>
+          <a:prstGeom prst="rect">
+            <a:avLst/>
+          </a:prstGeom>
+          <a:solidFill>
+            <a:srgbClr val="72BE49"/>
+          </a:solidFill>
+        </p:spPr>
+        <p:style>
+          <a:lnRef idx="2">
+            <a:schemeClr val="accent6">
+              <a:shade val="50000"/>
+            </a:schemeClr>
+          </a:lnRef>
+          <a:fillRef idx="1">
+            <a:schemeClr val="accent6"/>
+          </a:fillRef>
+          <a:effectRef idx="0">
+            <a:schemeClr val="accent6"/>
+          </a:effectRef>
+          <a:fontRef idx="minor">
+            <a:schemeClr val="lt1"/>
+          </a:fontRef>
+        </p:style>
+        <p:txBody>
+          <a:bodyPr rtlCol="0" anchor="ctr"/>
+          <a:lstStyle/>
+          <a:p>
+            <a:pPr algn="ctr"/>
+            <a:r>
+              <a:rPr lang="zh-TW" altLang="en-US" sz="1600" dirty="0"/>
+              <a:t>專案管理系統</a:t>
+            </a:r>
+          </a:p>
+        </p:txBody>
+      </p:sp>
+      <p:sp>
+        <p:nvSpPr>
+          <p:cNvPr id="7" name="矩形 6">
+            <a:extLst>
+              <a:ext uri="{FF2B5EF4-FFF2-40B4-BE49-F238E27FC236}">
+                <a16:creationId xmlns:a16="http://schemas.microsoft.com/office/drawing/2014/main" id="{12C98E62-9EE0-4B62-8F7B-601A75BA2823}"/>
+              </a:ext>
+            </a:extLst>
+          </p:cNvPr>
+          <p:cNvSpPr/>
+          <p:nvPr/>
+        </p:nvSpPr>
+        <p:spPr>
+          <a:xfrm>
+            <a:off x="2819402" y="2206363"/>
+            <a:ext cx="1533524" cy="323850"/>
+          </a:xfrm>
+          <a:prstGeom prst="rect">
+            <a:avLst/>
+          </a:prstGeom>
+          <a:solidFill>
+            <a:srgbClr val="B26EDF"/>
+          </a:solidFill>
+        </p:spPr>
+        <p:style>
+          <a:lnRef idx="2">
+            <a:schemeClr val="accent6">
+              <a:shade val="50000"/>
+            </a:schemeClr>
+          </a:lnRef>
+          <a:fillRef idx="1">
+            <a:schemeClr val="accent6"/>
+          </a:fillRef>
+          <a:effectRef idx="0">
+            <a:schemeClr val="accent6"/>
+          </a:effectRef>
+          <a:fontRef idx="minor">
+            <a:schemeClr val="lt1"/>
+          </a:fontRef>
+        </p:style>
+        <p:txBody>
+          <a:bodyPr rtlCol="0" anchor="ctr"/>
+          <a:lstStyle/>
+          <a:p>
+            <a:pPr algn="ctr"/>
+            <a:r>
+              <a:rPr lang="zh-TW" altLang="en-US" sz="1600" dirty="0"/>
+              <a:t>專案新增</a:t>
+            </a:r>
+            <a:r>
+              <a:rPr lang="en-US" altLang="zh-TW" sz="1600" dirty="0"/>
+              <a:t>v1.0</a:t>
+            </a:r>
+            <a:endParaRPr lang="zh-TW" altLang="en-US" sz="1600" dirty="0"/>
+          </a:p>
+        </p:txBody>
+      </p:sp>
+      <p:sp>
+        <p:nvSpPr>
+          <p:cNvPr id="11" name="矩形 10">
+            <a:extLst>
+              <a:ext uri="{FF2B5EF4-FFF2-40B4-BE49-F238E27FC236}">
+                <a16:creationId xmlns:a16="http://schemas.microsoft.com/office/drawing/2014/main" id="{87470DEC-6EBD-4715-BBAD-343BD62EA72C}"/>
+              </a:ext>
+            </a:extLst>
+          </p:cNvPr>
+          <p:cNvSpPr/>
+          <p:nvPr/>
+        </p:nvSpPr>
+        <p:spPr>
+          <a:xfrm>
+            <a:off x="2790827" y="1472078"/>
+            <a:ext cx="2266948" cy="323850"/>
+          </a:xfrm>
+          <a:prstGeom prst="rect">
+            <a:avLst/>
+          </a:prstGeom>
+          <a:solidFill>
+            <a:srgbClr val="B26EDF"/>
+          </a:solidFill>
+        </p:spPr>
+        <p:style>
+          <a:lnRef idx="2">
+            <a:schemeClr val="accent6">
+              <a:shade val="50000"/>
+            </a:schemeClr>
+          </a:lnRef>
+          <a:fillRef idx="1">
+            <a:schemeClr val="accent6"/>
+          </a:fillRef>
+          <a:effectRef idx="0">
+            <a:schemeClr val="accent6"/>
+          </a:effectRef>
+          <a:fontRef idx="minor">
+            <a:schemeClr val="lt1"/>
+          </a:fontRef>
+        </p:style>
+        <p:txBody>
+          <a:bodyPr rtlCol="0" anchor="ctr"/>
+          <a:lstStyle/>
+          <a:p>
+            <a:pPr algn="ctr"/>
+            <a:r>
+              <a:rPr lang="zh-TW" altLang="en-US" sz="1600" dirty="0"/>
+              <a:t>新增專案細部功能</a:t>
+            </a:r>
+            <a:r>
+              <a:rPr lang="en-US" altLang="zh-TW" sz="1600" dirty="0"/>
+              <a:t>v1.0</a:t>
+            </a:r>
+            <a:endParaRPr lang="zh-TW" altLang="en-US" sz="1600" dirty="0"/>
+          </a:p>
+        </p:txBody>
+      </p:sp>
+      <p:sp>
+        <p:nvSpPr>
+          <p:cNvPr id="12" name="矩形 11">
+            <a:extLst>
+              <a:ext uri="{FF2B5EF4-FFF2-40B4-BE49-F238E27FC236}">
+                <a16:creationId xmlns:a16="http://schemas.microsoft.com/office/drawing/2014/main" id="{6B18F253-EF03-48EE-B9E7-A7E916810A2E}"/>
+              </a:ext>
+            </a:extLst>
+          </p:cNvPr>
+          <p:cNvSpPr/>
+          <p:nvPr/>
+        </p:nvSpPr>
+        <p:spPr>
+          <a:xfrm>
+            <a:off x="8239126" y="4500694"/>
+            <a:ext cx="1724024" cy="323850"/>
+          </a:xfrm>
+          <a:prstGeom prst="rect">
+            <a:avLst/>
+          </a:prstGeom>
+          <a:solidFill>
+            <a:srgbClr val="C62817"/>
+          </a:solidFill>
+        </p:spPr>
+        <p:style>
+          <a:lnRef idx="2">
+            <a:schemeClr val="accent6">
+              <a:shade val="50000"/>
+            </a:schemeClr>
+          </a:lnRef>
+          <a:fillRef idx="1">
+            <a:schemeClr val="accent6"/>
+          </a:fillRef>
+          <a:effectRef idx="0">
+            <a:schemeClr val="accent6"/>
+          </a:effectRef>
+          <a:fontRef idx="minor">
+            <a:schemeClr val="lt1"/>
+          </a:fontRef>
+        </p:style>
+        <p:txBody>
+          <a:bodyPr rtlCol="0" anchor="ctr"/>
+          <a:lstStyle/>
+          <a:p>
+            <a:pPr algn="ctr"/>
+            <a:r>
+              <a:rPr lang="zh-TW" altLang="en-US" sz="1600" dirty="0"/>
+              <a:t>修正某功能</a:t>
+            </a:r>
+            <a:r>
+              <a:rPr lang="en-US" altLang="zh-TW" sz="1600" dirty="0"/>
+              <a:t>BUG</a:t>
+            </a:r>
+            <a:endParaRPr lang="zh-TW" altLang="en-US" sz="1600" dirty="0"/>
+          </a:p>
+        </p:txBody>
+      </p:sp>
+      <p:sp>
+        <p:nvSpPr>
+          <p:cNvPr id="15" name="矩形 14">
+            <a:extLst>
+              <a:ext uri="{FF2B5EF4-FFF2-40B4-BE49-F238E27FC236}">
+                <a16:creationId xmlns:a16="http://schemas.microsoft.com/office/drawing/2014/main" id="{248103DF-B825-4D08-922D-C6A3993F14B0}"/>
+              </a:ext>
+            </a:extLst>
+          </p:cNvPr>
+          <p:cNvSpPr/>
+          <p:nvPr/>
+        </p:nvSpPr>
+        <p:spPr>
+          <a:xfrm>
+            <a:off x="7783765" y="2914716"/>
+            <a:ext cx="2989010" cy="323850"/>
+          </a:xfrm>
+          <a:prstGeom prst="rect">
+            <a:avLst/>
+          </a:prstGeom>
+          <a:solidFill>
+            <a:srgbClr val="56A9F6"/>
+          </a:solidFill>
+        </p:spPr>
+        <p:style>
+          <a:lnRef idx="2">
+            <a:schemeClr val="accent6">
+              <a:shade val="50000"/>
+            </a:schemeClr>
+          </a:lnRef>
+          <a:fillRef idx="1">
+            <a:schemeClr val="accent6"/>
+          </a:fillRef>
+          <a:effectRef idx="0">
+            <a:schemeClr val="accent6"/>
+          </a:effectRef>
+          <a:fontRef idx="minor">
+            <a:schemeClr val="lt1"/>
+          </a:fontRef>
+        </p:style>
+        <p:txBody>
+          <a:bodyPr rtlCol="0" anchor="ctr"/>
+          <a:lstStyle/>
+          <a:p>
+            <a:r>
+              <a:rPr lang="zh-TW" altLang="en-US" sz="1600" dirty="0">
+                <a:solidFill>
+                  <a:schemeClr val="bg1"/>
+                </a:solidFill>
+                <a:latin typeface="-apple-system"/>
+              </a:rPr>
+              <a:t>整合不同即將 </a:t>
+            </a:r>
+            <a:r>
+              <a:rPr lang="en-US" altLang="zh-TW" sz="1600" dirty="0">
+                <a:solidFill>
+                  <a:schemeClr val="bg1"/>
+                </a:solidFill>
+                <a:latin typeface="-apple-system"/>
+              </a:rPr>
+              <a:t>release </a:t>
+            </a:r>
+            <a:r>
+              <a:rPr lang="zh-TW" altLang="en-US" sz="1600" dirty="0">
+                <a:solidFill>
+                  <a:schemeClr val="bg1"/>
+                </a:solidFill>
+                <a:latin typeface="-apple-system"/>
+              </a:rPr>
+              <a:t>的 </a:t>
+            </a:r>
+            <a:r>
+              <a:rPr lang="en-US" altLang="zh-TW" sz="1600" dirty="0">
+                <a:solidFill>
+                  <a:schemeClr val="bg1"/>
+                </a:solidFill>
+                <a:latin typeface="-apple-system"/>
+              </a:rPr>
+              <a:t>feature</a:t>
+            </a:r>
+            <a:endParaRPr lang="zh-TW" altLang="en-US" sz="1600" dirty="0">
+              <a:solidFill>
+                <a:schemeClr val="bg1"/>
+              </a:solidFill>
+            </a:endParaRPr>
+          </a:p>
+        </p:txBody>
+      </p:sp>
+      <p:sp>
+        <p:nvSpPr>
+          <p:cNvPr id="16" name="矩形 15">
+            <a:extLst>
+              <a:ext uri="{FF2B5EF4-FFF2-40B4-BE49-F238E27FC236}">
+                <a16:creationId xmlns:a16="http://schemas.microsoft.com/office/drawing/2014/main" id="{5C13B50A-F391-4138-BFD6-E0D29A7EAEE3}"/>
+              </a:ext>
+            </a:extLst>
+          </p:cNvPr>
+          <p:cNvSpPr/>
+          <p:nvPr/>
+        </p:nvSpPr>
+        <p:spPr>
+          <a:xfrm>
+            <a:off x="5288216" y="4367344"/>
+            <a:ext cx="664910" cy="323850"/>
+          </a:xfrm>
+          <a:prstGeom prst="rect">
+            <a:avLst/>
+          </a:prstGeom>
+          <a:solidFill>
+            <a:srgbClr val="F4D23E"/>
+          </a:solidFill>
+        </p:spPr>
+        <p:style>
+          <a:lnRef idx="2">
+            <a:schemeClr val="accent6">
+              <a:shade val="50000"/>
+            </a:schemeClr>
+          </a:lnRef>
+          <a:fillRef idx="1">
+            <a:schemeClr val="accent6"/>
+          </a:fillRef>
+          <a:effectRef idx="0">
+            <a:schemeClr val="accent6"/>
+          </a:effectRef>
+          <a:fontRef idx="minor">
+            <a:schemeClr val="lt1"/>
+          </a:fontRef>
+        </p:style>
+        <p:txBody>
+          <a:bodyPr rtlCol="0" anchor="ctr"/>
+          <a:lstStyle/>
+          <a:p>
+            <a:r>
+              <a:rPr lang="zh-TW" altLang="en-US" sz="1600" dirty="0">
+                <a:solidFill>
+                  <a:schemeClr val="tx1"/>
+                </a:solidFill>
+              </a:rPr>
+              <a:t>測試</a:t>
+            </a:r>
+          </a:p>
+        </p:txBody>
+      </p:sp>
     </p:spTree>
     <p:extLst>
       <p:ext uri="{BB962C8B-B14F-4D97-AF65-F5344CB8AC3E}">
@@ -6804,13 +7244,6 @@
   <p:clrMapOvr>
     <a:masterClrMapping/>
   </p:clrMapOvr>
-  <p:timing>
-    <p:tnLst>
-      <p:par>
-        <p:cTn id="1" dur="indefinite" restart="never" nodeType="tmRoot"/>
-      </p:par>
-    </p:tnLst>
-  </p:timing>
 </p:sld>
 </file>
 

--- a/測驗題.pptx
+++ b/測驗題.pptx
@@ -5,7 +5,7 @@
     <p:sldMasterId id="2147483648" r:id="rId1"/>
   </p:sldMasterIdLst>
   <p:notesMasterIdLst>
-    <p:notesMasterId r:id="rId12"/>
+    <p:notesMasterId r:id="rId13"/>
   </p:notesMasterIdLst>
   <p:sldIdLst>
     <p:sldId id="256" r:id="rId2"/>
@@ -16,8 +16,9 @@
     <p:sldId id="266" r:id="rId7"/>
     <p:sldId id="260" r:id="rId8"/>
     <p:sldId id="261" r:id="rId9"/>
-    <p:sldId id="262" r:id="rId10"/>
-    <p:sldId id="263" r:id="rId11"/>
+    <p:sldId id="267" r:id="rId10"/>
+    <p:sldId id="262" r:id="rId11"/>
+    <p:sldId id="263" r:id="rId12"/>
   </p:sldIdLst>
   <p:sldSz cx="12192000" cy="6858000"/>
   <p:notesSz cx="6858000" cy="9144000"/>
@@ -206,7 +207,7 @@
           <a:p>
             <a:fld id="{1AF8D6DC-D9C2-4A7D-8BC0-934D327ECAC8}" type="datetimeFigureOut">
               <a:rPr lang="zh-TW" altLang="en-US" smtClean="0"/>
-              <a:t>2018/12/15</a:t>
+              <a:t>2018/12/17</a:t>
             </a:fld>
             <a:endParaRPr lang="zh-TW" altLang="en-US"/>
           </a:p>
@@ -270,38 +271,37 @@
           <a:p>
             <a:pPr lvl="0"/>
             <a:r>
-              <a:rPr lang="zh-TW" altLang="en-US" smtClean="0"/>
+              <a:rPr lang="zh-TW" altLang="en-US"/>
               <a:t>編輯母片文字樣式</a:t>
             </a:r>
           </a:p>
           <a:p>
             <a:pPr lvl="1"/>
             <a:r>
-              <a:rPr lang="zh-TW" altLang="en-US" smtClean="0"/>
+              <a:rPr lang="zh-TW" altLang="en-US"/>
               <a:t>第二層</a:t>
             </a:r>
           </a:p>
           <a:p>
             <a:pPr lvl="2"/>
             <a:r>
-              <a:rPr lang="zh-TW" altLang="en-US" smtClean="0"/>
+              <a:rPr lang="zh-TW" altLang="en-US"/>
               <a:t>第三層</a:t>
             </a:r>
           </a:p>
           <a:p>
             <a:pPr lvl="3"/>
             <a:r>
-              <a:rPr lang="zh-TW" altLang="en-US" smtClean="0"/>
+              <a:rPr lang="zh-TW" altLang="en-US"/>
               <a:t>第四層</a:t>
             </a:r>
           </a:p>
           <a:p>
             <a:pPr lvl="4"/>
             <a:r>
-              <a:rPr lang="zh-TW" altLang="en-US" smtClean="0"/>
+              <a:rPr lang="zh-TW" altLang="en-US"/>
               <a:t>第五層</a:t>
             </a:r>
-            <a:endParaRPr lang="zh-TW" altLang="en-US"/>
           </a:p>
         </p:txBody>
       </p:sp>
@@ -519,22 +519,22 @@
           <a:lstStyle/>
           <a:p>
             <a:r>
-              <a:rPr lang="zh-TW" altLang="en-US" dirty="0" smtClean="0"/>
+              <a:rPr lang="zh-TW" altLang="en-US" dirty="0"/>
               <a:t>如何實作版本控制</a:t>
             </a:r>
             <a:r>
-              <a:rPr lang="en-US" altLang="zh-TW" dirty="0" smtClean="0"/>
+              <a:rPr lang="en-US" altLang="zh-TW" dirty="0"/>
               <a:t>?</a:t>
             </a:r>
             <a:r>
-              <a:rPr lang="zh-TW" altLang="en-US" dirty="0" smtClean="0"/>
+              <a:rPr lang="zh-TW" altLang="en-US" dirty="0"/>
               <a:t> 團隊訂定流程</a:t>
             </a:r>
             <a:r>
-              <a:rPr lang="zh-TW" altLang="en-US" smtClean="0"/>
+              <a:rPr lang="zh-TW" altLang="en-US"/>
               <a:t>與規範</a:t>
             </a:r>
-            <a:endParaRPr lang="en-US" altLang="zh-TW" dirty="0" smtClean="0"/>
+            <a:endParaRPr lang="en-US" altLang="zh-TW" dirty="0"/>
           </a:p>
         </p:txBody>
       </p:sp>
@@ -721,7 +721,7 @@
           <a:p>
             <a:fld id="{F066E22E-594A-4D53-9912-33D1DC08756F}" type="datetimeFigureOut">
               <a:rPr lang="zh-TW" altLang="en-US" smtClean="0"/>
-              <a:t>2018/12/15</a:t>
+              <a:t>2018/12/17</a:t>
             </a:fld>
             <a:endParaRPr lang="zh-TW" altLang="en-US"/>
           </a:p>
@@ -919,7 +919,7 @@
           <a:p>
             <a:fld id="{F066E22E-594A-4D53-9912-33D1DC08756F}" type="datetimeFigureOut">
               <a:rPr lang="zh-TW" altLang="en-US" smtClean="0"/>
-              <a:t>2018/12/15</a:t>
+              <a:t>2018/12/17</a:t>
             </a:fld>
             <a:endParaRPr lang="zh-TW" altLang="en-US"/>
           </a:p>
@@ -1127,7 +1127,7 @@
           <a:p>
             <a:fld id="{F066E22E-594A-4D53-9912-33D1DC08756F}" type="datetimeFigureOut">
               <a:rPr lang="zh-TW" altLang="en-US" smtClean="0"/>
-              <a:t>2018/12/15</a:t>
+              <a:t>2018/12/17</a:t>
             </a:fld>
             <a:endParaRPr lang="zh-TW" altLang="en-US"/>
           </a:p>
@@ -1325,7 +1325,7 @@
           <a:p>
             <a:fld id="{F066E22E-594A-4D53-9912-33D1DC08756F}" type="datetimeFigureOut">
               <a:rPr lang="zh-TW" altLang="en-US" smtClean="0"/>
-              <a:t>2018/12/15</a:t>
+              <a:t>2018/12/17</a:t>
             </a:fld>
             <a:endParaRPr lang="zh-TW" altLang="en-US"/>
           </a:p>
@@ -1600,7 +1600,7 @@
           <a:p>
             <a:fld id="{F066E22E-594A-4D53-9912-33D1DC08756F}" type="datetimeFigureOut">
               <a:rPr lang="zh-TW" altLang="en-US" smtClean="0"/>
-              <a:t>2018/12/15</a:t>
+              <a:t>2018/12/17</a:t>
             </a:fld>
             <a:endParaRPr lang="zh-TW" altLang="en-US"/>
           </a:p>
@@ -1865,7 +1865,7 @@
           <a:p>
             <a:fld id="{F066E22E-594A-4D53-9912-33D1DC08756F}" type="datetimeFigureOut">
               <a:rPr lang="zh-TW" altLang="en-US" smtClean="0"/>
-              <a:t>2018/12/15</a:t>
+              <a:t>2018/12/17</a:t>
             </a:fld>
             <a:endParaRPr lang="zh-TW" altLang="en-US"/>
           </a:p>
@@ -2277,7 +2277,7 @@
           <a:p>
             <a:fld id="{F066E22E-594A-4D53-9912-33D1DC08756F}" type="datetimeFigureOut">
               <a:rPr lang="zh-TW" altLang="en-US" smtClean="0"/>
-              <a:t>2018/12/15</a:t>
+              <a:t>2018/12/17</a:t>
             </a:fld>
             <a:endParaRPr lang="zh-TW" altLang="en-US"/>
           </a:p>
@@ -2418,7 +2418,7 @@
           <a:p>
             <a:fld id="{F066E22E-594A-4D53-9912-33D1DC08756F}" type="datetimeFigureOut">
               <a:rPr lang="zh-TW" altLang="en-US" smtClean="0"/>
-              <a:t>2018/12/15</a:t>
+              <a:t>2018/12/17</a:t>
             </a:fld>
             <a:endParaRPr lang="zh-TW" altLang="en-US"/>
           </a:p>
@@ -2531,7 +2531,7 @@
           <a:p>
             <a:fld id="{F066E22E-594A-4D53-9912-33D1DC08756F}" type="datetimeFigureOut">
               <a:rPr lang="zh-TW" altLang="en-US" smtClean="0"/>
-              <a:t>2018/12/15</a:t>
+              <a:t>2018/12/17</a:t>
             </a:fld>
             <a:endParaRPr lang="zh-TW" altLang="en-US"/>
           </a:p>
@@ -2842,7 +2842,7 @@
           <a:p>
             <a:fld id="{F066E22E-594A-4D53-9912-33D1DC08756F}" type="datetimeFigureOut">
               <a:rPr lang="zh-TW" altLang="en-US" smtClean="0"/>
-              <a:t>2018/12/15</a:t>
+              <a:t>2018/12/17</a:t>
             </a:fld>
             <a:endParaRPr lang="zh-TW" altLang="en-US"/>
           </a:p>
@@ -3130,7 +3130,7 @@
           <a:p>
             <a:fld id="{F066E22E-594A-4D53-9912-33D1DC08756F}" type="datetimeFigureOut">
               <a:rPr lang="zh-TW" altLang="en-US" smtClean="0"/>
-              <a:t>2018/12/15</a:t>
+              <a:t>2018/12/17</a:t>
             </a:fld>
             <a:endParaRPr lang="zh-TW" altLang="en-US"/>
           </a:p>
@@ -3371,7 +3371,7 @@
           <a:p>
             <a:fld id="{F066E22E-594A-4D53-9912-33D1DC08756F}" type="datetimeFigureOut">
               <a:rPr lang="zh-TW" altLang="en-US" smtClean="0"/>
-              <a:t>2018/12/15</a:t>
+              <a:t>2018/12/17</a:t>
             </a:fld>
             <a:endParaRPr lang="zh-TW" altLang="en-US"/>
           </a:p>
@@ -3854,6 +3854,552 @@
           <p:cNvPr id="2" name="標題 1">
             <a:extLst>
               <a:ext uri="{FF2B5EF4-FFF2-40B4-BE49-F238E27FC236}">
+                <a16:creationId xmlns:a16="http://schemas.microsoft.com/office/drawing/2014/main" id="{41B831E1-2F28-4D6E-A6CE-A3C9FACEF6CC}"/>
+              </a:ext>
+            </a:extLst>
+          </p:cNvPr>
+          <p:cNvSpPr>
+            <a:spLocks noGrp="1"/>
+          </p:cNvSpPr>
+          <p:nvPr>
+            <p:ph type="title"/>
+          </p:nvPr>
+        </p:nvSpPr>
+        <p:spPr/>
+        <p:txBody>
+          <a:bodyPr/>
+          <a:lstStyle/>
+          <a:p>
+            <a:r>
+              <a:rPr lang="zh-TW" altLang="zh-TW" dirty="0">
+                <a:latin typeface="微軟正黑體" panose="020B0604030504040204" pitchFamily="34" charset="-120"/>
+                <a:ea typeface="微軟正黑體" panose="020B0604030504040204" pitchFamily="34" charset="-120"/>
+              </a:rPr>
+              <a:t>陣列</a:t>
+            </a:r>
+            <a:endParaRPr lang="zh-TW" altLang="en-US" dirty="0">
+              <a:latin typeface="微軟正黑體" panose="020B0604030504040204" pitchFamily="34" charset="-120"/>
+              <a:ea typeface="微軟正黑體" panose="020B0604030504040204" pitchFamily="34" charset="-120"/>
+            </a:endParaRPr>
+          </a:p>
+        </p:txBody>
+      </p:sp>
+      <p:sp>
+        <p:nvSpPr>
+          <p:cNvPr id="4" name="內容版面配置區 2">
+            <a:extLst>
+              <a:ext uri="{FF2B5EF4-FFF2-40B4-BE49-F238E27FC236}">
+                <a16:creationId xmlns:a16="http://schemas.microsoft.com/office/drawing/2014/main" id="{13F4E71E-5606-4D68-8106-6EF8EB15B0F1}"/>
+              </a:ext>
+            </a:extLst>
+          </p:cNvPr>
+          <p:cNvSpPr>
+            <a:spLocks noGrp="1"/>
+          </p:cNvSpPr>
+          <p:nvPr>
+            <p:ph idx="1"/>
+          </p:nvPr>
+        </p:nvSpPr>
+        <p:spPr>
+          <a:xfrm>
+            <a:off x="838200" y="1825625"/>
+            <a:ext cx="4757257" cy="4351338"/>
+          </a:xfrm>
+        </p:spPr>
+        <p:txBody>
+          <a:bodyPr/>
+          <a:lstStyle/>
+          <a:p>
+            <a:r>
+              <a:rPr lang="zh-TW" altLang="zh-TW" dirty="0">
+                <a:latin typeface="微軟正黑體" panose="020B0604030504040204" pitchFamily="34" charset="-120"/>
+                <a:ea typeface="微軟正黑體" panose="020B0604030504040204" pitchFamily="34" charset="-120"/>
+              </a:rPr>
+              <a:t>下列程式使用</a:t>
+            </a:r>
+            <a:r>
+              <a:rPr lang="en-US" altLang="zh-TW" dirty="0">
+                <a:latin typeface="微軟正黑體" panose="020B0604030504040204" pitchFamily="34" charset="-120"/>
+                <a:ea typeface="微軟正黑體" panose="020B0604030504040204" pitchFamily="34" charset="-120"/>
+              </a:rPr>
+              <a:t>JavaScript</a:t>
+            </a:r>
+            <a:r>
+              <a:rPr lang="zh-TW" altLang="zh-TW" dirty="0">
+                <a:latin typeface="微軟正黑體" panose="020B0604030504040204" pitchFamily="34" charset="-120"/>
+                <a:ea typeface="微軟正黑體" panose="020B0604030504040204" pitchFamily="34" charset="-120"/>
+              </a:rPr>
+              <a:t>，請問兩個陣列在</a:t>
+            </a:r>
+            <a:r>
+              <a:rPr lang="en-US" altLang="zh-TW" dirty="0">
+                <a:latin typeface="微軟正黑體" panose="020B0604030504040204" pitchFamily="34" charset="-120"/>
+                <a:ea typeface="微軟正黑體" panose="020B0604030504040204" pitchFamily="34" charset="-120"/>
+              </a:rPr>
+              <a:t>console.log</a:t>
+            </a:r>
+            <a:r>
+              <a:rPr lang="zh-TW" altLang="zh-TW" dirty="0">
+                <a:latin typeface="微軟正黑體" panose="020B0604030504040204" pitchFamily="34" charset="-120"/>
+                <a:ea typeface="微軟正黑體" panose="020B0604030504040204" pitchFamily="34" charset="-120"/>
+              </a:rPr>
+              <a:t>時是否會相等？</a:t>
+            </a:r>
+          </a:p>
+          <a:p>
+            <a:r>
+              <a:rPr lang="zh-TW" altLang="zh-TW" dirty="0">
+                <a:latin typeface="微軟正黑體" panose="020B0604030504040204" pitchFamily="34" charset="-120"/>
+                <a:ea typeface="微軟正黑體" panose="020B0604030504040204" pitchFamily="34" charset="-120"/>
+              </a:rPr>
+              <a:t>請說明相等或是不相等的原因</a:t>
+            </a:r>
+          </a:p>
+          <a:p>
+            <a:endParaRPr lang="zh-TW" altLang="en-US" dirty="0">
+              <a:latin typeface="微軟正黑體" panose="020B0604030504040204" pitchFamily="34" charset="-120"/>
+              <a:ea typeface="微軟正黑體" panose="020B0604030504040204" pitchFamily="34" charset="-120"/>
+            </a:endParaRPr>
+          </a:p>
+        </p:txBody>
+      </p:sp>
+      <p:sp>
+        <p:nvSpPr>
+          <p:cNvPr id="5" name="文字方塊 4">
+            <a:extLst>
+              <a:ext uri="{FF2B5EF4-FFF2-40B4-BE49-F238E27FC236}">
+                <a16:creationId xmlns:a16="http://schemas.microsoft.com/office/drawing/2014/main" id="{EF60F5A9-CCFF-4648-BDFF-957B64002AB2}"/>
+              </a:ext>
+            </a:extLst>
+          </p:cNvPr>
+          <p:cNvSpPr txBox="1"/>
+          <p:nvPr/>
+        </p:nvSpPr>
+        <p:spPr>
+          <a:xfrm>
+            <a:off x="6233020" y="1925580"/>
+            <a:ext cx="5120780" cy="1569660"/>
+          </a:xfrm>
+          <a:prstGeom prst="rect">
+            <a:avLst/>
+          </a:prstGeom>
+          <a:solidFill>
+            <a:schemeClr val="tx1">
+              <a:lumMod val="65000"/>
+              <a:lumOff val="35000"/>
+            </a:schemeClr>
+          </a:solidFill>
+        </p:spPr>
+        <p:txBody>
+          <a:bodyPr wrap="square" rtlCol="0">
+            <a:spAutoFit/>
+          </a:bodyPr>
+          <a:lstStyle/>
+          <a:p>
+            <a:r>
+              <a:rPr lang="en-US" altLang="zh-TW" sz="2400" b="1" dirty="0">
+                <a:solidFill>
+                  <a:srgbClr val="569CD6"/>
+                </a:solidFill>
+                <a:latin typeface="Fira Code"/>
+              </a:rPr>
+              <a:t>var</a:t>
+            </a:r>
+            <a:r>
+              <a:rPr lang="en-US" altLang="zh-TW" sz="2400" b="1" dirty="0">
+                <a:solidFill>
+                  <a:srgbClr val="D4D4D4"/>
+                </a:solidFill>
+                <a:latin typeface="Fira Code"/>
+              </a:rPr>
+              <a:t> </a:t>
+            </a:r>
+            <a:r>
+              <a:rPr lang="en-US" altLang="zh-TW" sz="2400" b="1" dirty="0" err="1">
+                <a:solidFill>
+                  <a:srgbClr val="9CDCFE"/>
+                </a:solidFill>
+                <a:latin typeface="Fira Code"/>
+              </a:rPr>
+              <a:t>arrayA</a:t>
+            </a:r>
+            <a:r>
+              <a:rPr lang="en-US" altLang="zh-TW" sz="2400" b="1" dirty="0">
+                <a:solidFill>
+                  <a:srgbClr val="D4D4D4"/>
+                </a:solidFill>
+                <a:latin typeface="Fira Code"/>
+              </a:rPr>
+              <a:t> = [</a:t>
+            </a:r>
+            <a:r>
+              <a:rPr lang="en-US" altLang="zh-TW" sz="2400" b="1" dirty="0">
+                <a:solidFill>
+                  <a:srgbClr val="B5CEA8"/>
+                </a:solidFill>
+                <a:latin typeface="Fira Code"/>
+              </a:rPr>
+              <a:t>1</a:t>
+            </a:r>
+            <a:r>
+              <a:rPr lang="en-US" altLang="zh-TW" sz="2400" b="1" dirty="0">
+                <a:solidFill>
+                  <a:srgbClr val="D4D4D4"/>
+                </a:solidFill>
+                <a:latin typeface="Fira Code"/>
+              </a:rPr>
+              <a:t>, </a:t>
+            </a:r>
+            <a:r>
+              <a:rPr lang="en-US" altLang="zh-TW" sz="2400" b="1" dirty="0">
+                <a:solidFill>
+                  <a:srgbClr val="B5CEA8"/>
+                </a:solidFill>
+                <a:latin typeface="Fira Code"/>
+              </a:rPr>
+              <a:t>2</a:t>
+            </a:r>
+            <a:r>
+              <a:rPr lang="en-US" altLang="zh-TW" sz="2400" b="1" dirty="0">
+                <a:solidFill>
+                  <a:srgbClr val="D4D4D4"/>
+                </a:solidFill>
+                <a:latin typeface="Fira Code"/>
+              </a:rPr>
+              <a:t>, </a:t>
+            </a:r>
+            <a:r>
+              <a:rPr lang="en-US" altLang="zh-TW" sz="2400" b="1" dirty="0">
+                <a:solidFill>
+                  <a:srgbClr val="B5CEA8"/>
+                </a:solidFill>
+                <a:latin typeface="Fira Code"/>
+              </a:rPr>
+              <a:t>3</a:t>
+            </a:r>
+            <a:r>
+              <a:rPr lang="en-US" altLang="zh-TW" sz="2400" b="1" dirty="0">
+                <a:solidFill>
+                  <a:srgbClr val="D4D4D4"/>
+                </a:solidFill>
+                <a:latin typeface="Fira Code"/>
+              </a:rPr>
+              <a:t>];</a:t>
+            </a:r>
+          </a:p>
+          <a:p>
+            <a:r>
+              <a:rPr lang="en-US" altLang="zh-TW" sz="2400" b="1" dirty="0">
+                <a:solidFill>
+                  <a:srgbClr val="569CD6"/>
+                </a:solidFill>
+                <a:latin typeface="Fira Code"/>
+              </a:rPr>
+              <a:t>var</a:t>
+            </a:r>
+            <a:r>
+              <a:rPr lang="en-US" altLang="zh-TW" sz="2400" b="1" dirty="0">
+                <a:solidFill>
+                  <a:srgbClr val="D4D4D4"/>
+                </a:solidFill>
+                <a:latin typeface="Fira Code"/>
+              </a:rPr>
+              <a:t> </a:t>
+            </a:r>
+            <a:r>
+              <a:rPr lang="en-US" altLang="zh-TW" sz="2400" b="1" dirty="0" err="1">
+                <a:solidFill>
+                  <a:srgbClr val="9CDCFE"/>
+                </a:solidFill>
+                <a:latin typeface="Fira Code"/>
+              </a:rPr>
+              <a:t>arrayB</a:t>
+            </a:r>
+            <a:r>
+              <a:rPr lang="en-US" altLang="zh-TW" sz="2400" b="1" dirty="0">
+                <a:solidFill>
+                  <a:srgbClr val="D4D4D4"/>
+                </a:solidFill>
+                <a:latin typeface="Fira Code"/>
+              </a:rPr>
+              <a:t> = </a:t>
+            </a:r>
+            <a:r>
+              <a:rPr lang="en-US" altLang="zh-TW" sz="2400" b="1" dirty="0" err="1">
+                <a:solidFill>
+                  <a:srgbClr val="9CDCFE"/>
+                </a:solidFill>
+                <a:latin typeface="Fira Code"/>
+              </a:rPr>
+              <a:t>arrayA</a:t>
+            </a:r>
+            <a:r>
+              <a:rPr lang="en-US" altLang="zh-TW" sz="2400" b="1" dirty="0">
+                <a:solidFill>
+                  <a:srgbClr val="D4D4D4"/>
+                </a:solidFill>
+                <a:latin typeface="Fira Code"/>
+              </a:rPr>
+              <a:t>;</a:t>
+            </a:r>
+          </a:p>
+          <a:p>
+            <a:r>
+              <a:rPr lang="en-US" altLang="zh-TW" sz="2400" b="1" dirty="0" err="1">
+                <a:solidFill>
+                  <a:srgbClr val="9CDCFE"/>
+                </a:solidFill>
+                <a:latin typeface="Fira Code"/>
+              </a:rPr>
+              <a:t>arrayB</a:t>
+            </a:r>
+            <a:r>
+              <a:rPr lang="en-US" altLang="zh-TW" sz="2400" b="1" dirty="0">
+                <a:solidFill>
+                  <a:srgbClr val="D4D4D4"/>
+                </a:solidFill>
+                <a:latin typeface="Fira Code"/>
+              </a:rPr>
+              <a:t>[</a:t>
+            </a:r>
+            <a:r>
+              <a:rPr lang="en-US" altLang="zh-TW" sz="2400" b="1" dirty="0">
+                <a:solidFill>
+                  <a:srgbClr val="B5CEA8"/>
+                </a:solidFill>
+                <a:latin typeface="Fira Code"/>
+              </a:rPr>
+              <a:t>0</a:t>
+            </a:r>
+            <a:r>
+              <a:rPr lang="en-US" altLang="zh-TW" sz="2400" b="1" dirty="0">
+                <a:solidFill>
+                  <a:srgbClr val="D4D4D4"/>
+                </a:solidFill>
+                <a:latin typeface="Fira Code"/>
+              </a:rPr>
+              <a:t>] = </a:t>
+            </a:r>
+            <a:r>
+              <a:rPr lang="en-US" altLang="zh-TW" sz="2400" b="1" dirty="0">
+                <a:solidFill>
+                  <a:srgbClr val="B5CEA8"/>
+                </a:solidFill>
+                <a:latin typeface="Fira Code"/>
+              </a:rPr>
+              <a:t>3</a:t>
+            </a:r>
+            <a:r>
+              <a:rPr lang="en-US" altLang="zh-TW" sz="2400" b="1" dirty="0">
+                <a:solidFill>
+                  <a:srgbClr val="D4D4D4"/>
+                </a:solidFill>
+                <a:latin typeface="Fira Code"/>
+              </a:rPr>
+              <a:t>;</a:t>
+            </a:r>
+          </a:p>
+          <a:p>
+            <a:r>
+              <a:rPr lang="en-US" altLang="zh-TW" sz="2400" b="1" dirty="0">
+                <a:solidFill>
+                  <a:srgbClr val="D4D4D4"/>
+                </a:solidFill>
+                <a:latin typeface="Fira Code"/>
+              </a:rPr>
+              <a:t>  </a:t>
+            </a:r>
+            <a:r>
+              <a:rPr lang="en-US" altLang="zh-TW" sz="2400" b="1" dirty="0">
+                <a:solidFill>
+                  <a:srgbClr val="4EC9B0"/>
+                </a:solidFill>
+                <a:latin typeface="Fira Code"/>
+              </a:rPr>
+              <a:t>console</a:t>
+            </a:r>
+            <a:r>
+              <a:rPr lang="en-US" altLang="zh-TW" sz="2400" b="1" dirty="0">
+                <a:solidFill>
+                  <a:srgbClr val="D4D4D4"/>
+                </a:solidFill>
+                <a:latin typeface="Fira Code"/>
+              </a:rPr>
+              <a:t>.</a:t>
+            </a:r>
+            <a:r>
+              <a:rPr lang="en-US" altLang="zh-TW" sz="2400" b="1" dirty="0">
+                <a:solidFill>
+                  <a:srgbClr val="DCDCAA"/>
+                </a:solidFill>
+                <a:latin typeface="Fira Code"/>
+              </a:rPr>
+              <a:t>log</a:t>
+            </a:r>
+            <a:r>
+              <a:rPr lang="en-US" altLang="zh-TW" sz="2400" b="1" dirty="0">
+                <a:solidFill>
+                  <a:srgbClr val="D4D4D4"/>
+                </a:solidFill>
+                <a:latin typeface="Fira Code"/>
+              </a:rPr>
+              <a:t>(</a:t>
+            </a:r>
+            <a:r>
+              <a:rPr lang="en-US" altLang="zh-TW" sz="2400" b="1" dirty="0" err="1">
+                <a:solidFill>
+                  <a:srgbClr val="9CDCFE"/>
+                </a:solidFill>
+                <a:latin typeface="Fira Code"/>
+              </a:rPr>
+              <a:t>arrayA</a:t>
+            </a:r>
+            <a:r>
+              <a:rPr lang="en-US" altLang="zh-TW" sz="2400" b="1" dirty="0">
+                <a:solidFill>
+                  <a:srgbClr val="D4D4D4"/>
+                </a:solidFill>
+                <a:latin typeface="Fira Code"/>
+              </a:rPr>
+              <a:t>, </a:t>
+            </a:r>
+            <a:r>
+              <a:rPr lang="en-US" altLang="zh-TW" sz="2400" b="1" dirty="0" err="1">
+                <a:solidFill>
+                  <a:srgbClr val="9CDCFE"/>
+                </a:solidFill>
+                <a:latin typeface="Fira Code"/>
+              </a:rPr>
+              <a:t>arrayB</a:t>
+            </a:r>
+            <a:r>
+              <a:rPr lang="en-US" altLang="zh-TW" sz="2400" b="1" dirty="0">
+                <a:solidFill>
+                  <a:srgbClr val="D4D4D4"/>
+                </a:solidFill>
+                <a:latin typeface="Fira Code"/>
+              </a:rPr>
+              <a:t>);</a:t>
+            </a:r>
+          </a:p>
+        </p:txBody>
+      </p:sp>
+      <p:sp>
+        <p:nvSpPr>
+          <p:cNvPr id="6" name="文字方塊 5">
+            <a:extLst>
+              <a:ext uri="{FF2B5EF4-FFF2-40B4-BE49-F238E27FC236}">
+                <a16:creationId xmlns:a16="http://schemas.microsoft.com/office/drawing/2014/main" id="{339C2F65-16E9-4147-9451-0FD9909B3878}"/>
+              </a:ext>
+            </a:extLst>
+          </p:cNvPr>
+          <p:cNvSpPr txBox="1"/>
+          <p:nvPr/>
+        </p:nvSpPr>
+        <p:spPr>
+          <a:xfrm>
+            <a:off x="838200" y="5691783"/>
+            <a:ext cx="877163" cy="369332"/>
+          </a:xfrm>
+          <a:prstGeom prst="rect">
+            <a:avLst/>
+          </a:prstGeom>
+          <a:noFill/>
+        </p:spPr>
+        <p:txBody>
+          <a:bodyPr wrap="none" rtlCol="0">
+            <a:spAutoFit/>
+          </a:bodyPr>
+          <a:lstStyle/>
+          <a:p>
+            <a:r>
+              <a:rPr lang="zh-TW" altLang="en-US" b="1" dirty="0">
+                <a:latin typeface="微軟正黑體" panose="020B0604030504040204" pitchFamily="34" charset="-120"/>
+                <a:ea typeface="微軟正黑體" panose="020B0604030504040204" pitchFamily="34" charset="-120"/>
+              </a:rPr>
+              <a:t>周本諴</a:t>
+            </a:r>
+          </a:p>
+        </p:txBody>
+      </p:sp>
+      <p:cxnSp>
+        <p:nvCxnSpPr>
+          <p:cNvPr id="7" name="直線接點 6">
+            <a:extLst>
+              <a:ext uri="{FF2B5EF4-FFF2-40B4-BE49-F238E27FC236}">
+                <a16:creationId xmlns:a16="http://schemas.microsoft.com/office/drawing/2014/main" id="{CA38C0AC-00B9-41B9-85AB-7836D7D3E6B8}"/>
+              </a:ext>
+            </a:extLst>
+          </p:cNvPr>
+          <p:cNvCxnSpPr>
+            <a:cxnSpLocks/>
+          </p:cNvCxnSpPr>
+          <p:nvPr/>
+        </p:nvCxnSpPr>
+        <p:spPr>
+          <a:xfrm>
+            <a:off x="914400" y="1442906"/>
+            <a:ext cx="10439400" cy="0"/>
+          </a:xfrm>
+          <a:prstGeom prst="line">
+            <a:avLst/>
+          </a:prstGeom>
+          <a:ln w="28575">
+            <a:solidFill>
+              <a:srgbClr val="569CD6"/>
+            </a:solidFill>
+          </a:ln>
+        </p:spPr>
+        <p:style>
+          <a:lnRef idx="1">
+            <a:schemeClr val="accent1"/>
+          </a:lnRef>
+          <a:fillRef idx="0">
+            <a:schemeClr val="accent1"/>
+          </a:fillRef>
+          <a:effectRef idx="0">
+            <a:schemeClr val="accent1"/>
+          </a:effectRef>
+          <a:fontRef idx="minor">
+            <a:schemeClr val="tx1"/>
+          </a:fontRef>
+        </p:style>
+      </p:cxnSp>
+    </p:spTree>
+    <p:extLst>
+      <p:ext uri="{BB962C8B-B14F-4D97-AF65-F5344CB8AC3E}">
+        <p14:creationId xmlns:p14="http://schemas.microsoft.com/office/powerpoint/2010/main" val="1101340411"/>
+      </p:ext>
+    </p:extLst>
+  </p:cSld>
+  <p:clrMapOvr>
+    <a:masterClrMapping/>
+  </p:clrMapOvr>
+</p:sld>
+</file>
+
+<file path=ppt/slides/slide11.xml><?xml version="1.0" encoding="utf-8"?>
+<p:sld xmlns:a="http://schemas.openxmlformats.org/drawingml/2006/main" xmlns:r="http://schemas.openxmlformats.org/officeDocument/2006/relationships" xmlns:p="http://schemas.openxmlformats.org/presentationml/2006/main">
+  <p:cSld>
+    <p:spTree>
+      <p:nvGrpSpPr>
+        <p:cNvPr id="1" name=""/>
+        <p:cNvGrpSpPr/>
+        <p:nvPr/>
+      </p:nvGrpSpPr>
+      <p:grpSpPr>
+        <a:xfrm>
+          <a:off x="0" y="0"/>
+          <a:ext cx="0" cy="0"/>
+          <a:chOff x="0" y="0"/>
+          <a:chExt cx="0" cy="0"/>
+        </a:xfrm>
+      </p:grpSpPr>
+      <p:sp>
+        <p:nvSpPr>
+          <p:cNvPr id="2" name="標題 1">
+            <a:extLst>
+              <a:ext uri="{FF2B5EF4-FFF2-40B4-BE49-F238E27FC236}">
                 <a16:creationId xmlns:a16="http://schemas.microsoft.com/office/drawing/2014/main" id="{31DF7E8A-05DC-41DF-93FA-C3C7AAA92DF7}"/>
               </a:ext>
             </a:extLst>
@@ -5464,17 +6010,10 @@
                 <a:latin typeface="微軟正黑體" panose="020B0604030504040204" pitchFamily="34" charset="-120"/>
                 <a:ea typeface="微軟正黑體" panose="020B0604030504040204" pitchFamily="34" charset="-120"/>
               </a:rPr>
-              <a:t>版本</a:t>
-            </a:r>
-            <a:r>
-              <a:rPr lang="zh-TW" altLang="zh-TW" dirty="0" smtClean="0">
-                <a:latin typeface="微軟正黑體" panose="020B0604030504040204" pitchFamily="34" charset="-120"/>
-                <a:ea typeface="微軟正黑體" panose="020B0604030504040204" pitchFamily="34" charset="-120"/>
-              </a:rPr>
-              <a:t>控制</a:t>
-            </a:r>
-            <a:r>
-              <a:rPr lang="en-US" altLang="zh-TW" dirty="0" smtClean="0">
+              <a:t>版本控制</a:t>
+            </a:r>
+            <a:r>
+              <a:rPr lang="en-US" altLang="zh-TW" dirty="0">
                 <a:latin typeface="微軟正黑體" panose="020B0604030504040204" pitchFamily="34" charset="-120"/>
                 <a:ea typeface="微軟正黑體" panose="020B0604030504040204" pitchFamily="34" charset="-120"/>
               </a:rPr>
@@ -5642,13 +6181,6 @@
   <p:clrMapOvr>
     <a:masterClrMapping/>
   </p:clrMapOvr>
-  <p:timing>
-    <p:tnLst>
-      <p:par>
-        <p:cTn id="1" dur="indefinite" restart="never" nodeType="tmRoot"/>
-      </p:par>
-    </p:tnLst>
-  </p:timing>
 </p:sld>
 </file>
 
@@ -5835,18 +6367,11 @@
               <a:p>
                 <a:pPr algn="ctr"/>
                 <a:r>
-                  <a:rPr lang="zh-TW" altLang="en-US" dirty="0" smtClean="0">
-                    <a:latin typeface="微軟正黑體" panose="020B0604030504040204" pitchFamily="34" charset="-120"/>
-                    <a:ea typeface="微軟正黑體" panose="020B0604030504040204" pitchFamily="34" charset="-120"/>
-                  </a:rPr>
-                  <a:t>檔案</a:t>
-                </a:r>
-                <a:r>
                   <a:rPr lang="zh-TW" altLang="en-US" dirty="0">
                     <a:latin typeface="微軟正黑體" panose="020B0604030504040204" pitchFamily="34" charset="-120"/>
                     <a:ea typeface="微軟正黑體" panose="020B0604030504040204" pitchFamily="34" charset="-120"/>
                   </a:rPr>
-                  <a:t>遺失</a:t>
+                  <a:t>檔案遺失</a:t>
                 </a:r>
               </a:p>
             </p:txBody>
@@ -5925,19 +6450,8 @@
                     <a:latin typeface="微軟正黑體" panose="020B0604030504040204" pitchFamily="34" charset="-120"/>
                     <a:ea typeface="微軟正黑體" panose="020B0604030504040204" pitchFamily="34" charset="-120"/>
                   </a:rPr>
-                  <a:t>檔案</a:t>
+                  <a:t>檔案誤改</a:t>
                 </a:r>
-                <a:r>
-                  <a:rPr lang="zh-TW" altLang="en-US" dirty="0" smtClean="0">
-                    <a:latin typeface="微軟正黑體" panose="020B0604030504040204" pitchFamily="34" charset="-120"/>
-                    <a:ea typeface="微軟正黑體" panose="020B0604030504040204" pitchFamily="34" charset="-120"/>
-                  </a:rPr>
-                  <a:t>誤改</a:t>
-                </a:r>
-                <a:endParaRPr lang="zh-TW" altLang="en-US" dirty="0">
-                  <a:latin typeface="微軟正黑體" panose="020B0604030504040204" pitchFamily="34" charset="-120"/>
-                  <a:ea typeface="微軟正黑體" panose="020B0604030504040204" pitchFamily="34" charset="-120"/>
-                </a:endParaRPr>
               </a:p>
             </p:txBody>
           </p:sp>
@@ -5976,16 +6490,12 @@
               <a:p>
                 <a:pPr algn="ctr"/>
                 <a:r>
-                  <a:rPr lang="zh-TW" altLang="en-US" dirty="0" smtClean="0">
+                  <a:rPr lang="zh-TW" altLang="en-US" dirty="0">
                     <a:latin typeface="微軟正黑體" panose="020B0604030504040204" pitchFamily="34" charset="-120"/>
                     <a:ea typeface="微軟正黑體" panose="020B0604030504040204" pitchFamily="34" charset="-120"/>
                   </a:rPr>
                   <a:t>需求變更</a:t>
                 </a:r>
-                <a:endParaRPr lang="zh-TW" altLang="en-US" dirty="0">
-                  <a:latin typeface="微軟正黑體" panose="020B0604030504040204" pitchFamily="34" charset="-120"/>
-                  <a:ea typeface="微軟正黑體" panose="020B0604030504040204" pitchFamily="34" charset="-120"/>
-                </a:endParaRPr>
               </a:p>
             </p:txBody>
           </p:sp>
@@ -6094,16 +6604,12 @@
               <a:p>
                 <a:pPr algn="ctr"/>
                 <a:r>
-                  <a:rPr lang="zh-TW" altLang="en-US" dirty="0" smtClean="0">
+                  <a:rPr lang="zh-TW" altLang="en-US" dirty="0">
                     <a:latin typeface="微軟正黑體" panose="020B0604030504040204" pitchFamily="34" charset="-120"/>
                     <a:ea typeface="微軟正黑體" panose="020B0604030504040204" pitchFamily="34" charset="-120"/>
                   </a:rPr>
                   <a:t>凍結</a:t>
                 </a:r>
-                <a:endParaRPr lang="zh-TW" altLang="en-US" dirty="0">
-                  <a:latin typeface="微軟正黑體" panose="020B0604030504040204" pitchFamily="34" charset="-120"/>
-                  <a:ea typeface="微軟正黑體" panose="020B0604030504040204" pitchFamily="34" charset="-120"/>
-                </a:endParaRPr>
               </a:p>
             </p:txBody>
           </p:sp>
@@ -6177,16 +6683,12 @@
               <a:p>
                 <a:pPr algn="ctr"/>
                 <a:r>
-                  <a:rPr lang="zh-TW" altLang="en-US" dirty="0" smtClean="0">
+                  <a:rPr lang="zh-TW" altLang="en-US" dirty="0">
                     <a:latin typeface="微軟正黑體" panose="020B0604030504040204" pitchFamily="34" charset="-120"/>
                     <a:ea typeface="微軟正黑體" panose="020B0604030504040204" pitchFamily="34" charset="-120"/>
                   </a:rPr>
                   <a:t>檔案覆蓋</a:t>
                 </a:r>
-                <a:endParaRPr lang="zh-TW" altLang="en-US" dirty="0">
-                  <a:latin typeface="微軟正黑體" panose="020B0604030504040204" pitchFamily="34" charset="-120"/>
-                  <a:ea typeface="微軟正黑體" panose="020B0604030504040204" pitchFamily="34" charset="-120"/>
-                </a:endParaRPr>
               </a:p>
             </p:txBody>
           </p:sp>
@@ -6249,7 +6751,7 @@
             <a:lstStyle/>
             <a:p>
               <a:r>
-                <a:rPr lang="en-US" altLang="zh-TW" sz="2400" b="1" dirty="0" smtClean="0">
+                <a:rPr lang="en-US" altLang="zh-TW" sz="2400" b="1" dirty="0">
                   <a:solidFill>
                     <a:srgbClr val="00B050"/>
                   </a:solidFill>
@@ -6259,7 +6761,7 @@
                 <a:t>1.</a:t>
               </a:r>
               <a:r>
-                <a:rPr lang="zh-TW" altLang="en-US" sz="2400" b="1" dirty="0" smtClean="0">
+                <a:rPr lang="zh-TW" altLang="en-US" sz="2400" b="1" dirty="0">
                   <a:solidFill>
                     <a:srgbClr val="00B050"/>
                   </a:solidFill>
@@ -6268,13 +6770,6 @@
                 </a:rPr>
                 <a:t>復原檔案</a:t>
               </a:r>
-              <a:endParaRPr lang="zh-TW" altLang="en-US" sz="2400" b="1" dirty="0">
-                <a:solidFill>
-                  <a:srgbClr val="00B050"/>
-                </a:solidFill>
-                <a:latin typeface="微軟正黑體" panose="020B0604030504040204" pitchFamily="34" charset="-120"/>
-                <a:ea typeface="微軟正黑體" panose="020B0604030504040204" pitchFamily="34" charset="-120"/>
-              </a:endParaRPr>
             </a:p>
           </p:txBody>
         </p:sp>
@@ -6301,7 +6796,7 @@
             <a:lstStyle/>
             <a:p>
               <a:r>
-                <a:rPr lang="en-US" altLang="zh-TW" sz="2400" b="1" dirty="0" smtClean="0">
+                <a:rPr lang="en-US" altLang="zh-TW" sz="2400" b="1" dirty="0">
                   <a:solidFill>
                     <a:srgbClr val="00B050"/>
                   </a:solidFill>
@@ -6311,7 +6806,7 @@
                 <a:t>2.</a:t>
               </a:r>
               <a:r>
-                <a:rPr lang="zh-TW" altLang="en-US" sz="2400" b="1" dirty="0" smtClean="0">
+                <a:rPr lang="zh-TW" altLang="en-US" sz="2400" b="1" dirty="0">
                   <a:solidFill>
                     <a:srgbClr val="00B050"/>
                   </a:solidFill>
@@ -6320,13 +6815,6 @@
                 </a:rPr>
                 <a:t>保留修改歷程</a:t>
               </a:r>
-              <a:endParaRPr lang="zh-TW" altLang="en-US" sz="2400" b="1" dirty="0">
-                <a:solidFill>
-                  <a:srgbClr val="00B050"/>
-                </a:solidFill>
-                <a:latin typeface="微軟正黑體" panose="020B0604030504040204" pitchFamily="34" charset="-120"/>
-                <a:ea typeface="微軟正黑體" panose="020B0604030504040204" pitchFamily="34" charset="-120"/>
-              </a:endParaRPr>
             </a:p>
           </p:txBody>
         </p:sp>
@@ -6353,7 +6841,7 @@
             <a:lstStyle/>
             <a:p>
               <a:r>
-                <a:rPr lang="en-US" altLang="zh-TW" sz="2400" b="1" dirty="0" smtClean="0">
+                <a:rPr lang="en-US" altLang="zh-TW" sz="2400" b="1" dirty="0">
                   <a:solidFill>
                     <a:srgbClr val="00B050"/>
                   </a:solidFill>
@@ -6363,7 +6851,7 @@
                 <a:t>3.</a:t>
               </a:r>
               <a:r>
-                <a:rPr lang="zh-TW" altLang="en-US" sz="2400" b="1" dirty="0" smtClean="0">
+                <a:rPr lang="zh-TW" altLang="en-US" sz="2400" b="1" dirty="0">
                   <a:solidFill>
                     <a:srgbClr val="00B050"/>
                   </a:solidFill>
@@ -6372,13 +6860,6 @@
                 </a:rPr>
                 <a:t>版本復原</a:t>
               </a:r>
-              <a:endParaRPr lang="zh-TW" altLang="en-US" sz="2400" b="1" dirty="0">
-                <a:solidFill>
-                  <a:srgbClr val="00B050"/>
-                </a:solidFill>
-                <a:latin typeface="微軟正黑體" panose="020B0604030504040204" pitchFamily="34" charset="-120"/>
-                <a:ea typeface="微軟正黑體" panose="020B0604030504040204" pitchFamily="34" charset="-120"/>
-              </a:endParaRPr>
             </a:p>
           </p:txBody>
         </p:sp>
@@ -6405,7 +6886,7 @@
             <a:lstStyle/>
             <a:p>
               <a:r>
-                <a:rPr lang="en-US" altLang="zh-TW" sz="2400" b="1" dirty="0" smtClean="0">
+                <a:rPr lang="en-US" altLang="zh-TW" sz="2400" b="1" dirty="0">
                   <a:solidFill>
                     <a:srgbClr val="00B050"/>
                   </a:solidFill>
@@ -6415,7 +6896,7 @@
                 <a:t>4.</a:t>
               </a:r>
               <a:r>
-                <a:rPr lang="zh-TW" altLang="en-US" sz="2400" b="1" dirty="0" smtClean="0">
+                <a:rPr lang="zh-TW" altLang="en-US" sz="2400" b="1" dirty="0">
                   <a:solidFill>
                     <a:srgbClr val="00B050"/>
                   </a:solidFill>
@@ -6424,13 +6905,6 @@
                 </a:rPr>
                 <a:t>持續開發</a:t>
               </a:r>
-              <a:endParaRPr lang="zh-TW" altLang="en-US" sz="2400" b="1" dirty="0">
-                <a:solidFill>
-                  <a:srgbClr val="00B050"/>
-                </a:solidFill>
-                <a:latin typeface="微軟正黑體" panose="020B0604030504040204" pitchFamily="34" charset="-120"/>
-                <a:ea typeface="微軟正黑體" panose="020B0604030504040204" pitchFamily="34" charset="-120"/>
-              </a:endParaRPr>
             </a:p>
           </p:txBody>
         </p:sp>
@@ -6458,7 +6932,7 @@
           <a:lstStyle/>
           <a:p>
             <a:r>
-              <a:rPr lang="zh-TW" altLang="en-US" sz="2400" dirty="0" smtClean="0">
+              <a:rPr lang="zh-TW" altLang="en-US" sz="2400" dirty="0">
                 <a:solidFill>
                   <a:srgbClr val="FF0000"/>
                 </a:solidFill>
@@ -6467,13 +6941,6 @@
               </a:rPr>
               <a:t>供團隊存放開發原始碼及文件，以便達成集中控管</a:t>
             </a:r>
-            <a:endParaRPr lang="zh-TW" altLang="en-US" sz="2400" dirty="0">
-              <a:solidFill>
-                <a:srgbClr val="FF0000"/>
-              </a:solidFill>
-              <a:latin typeface="微軟正黑體" panose="020B0604030504040204" pitchFamily="34" charset="-120"/>
-              <a:ea typeface="微軟正黑體" panose="020B0604030504040204" pitchFamily="34" charset="-120"/>
-            </a:endParaRPr>
           </a:p>
         </p:txBody>
       </p:sp>
@@ -6508,47 +6975,22 @@
                 <a:latin typeface="微軟正黑體" panose="020B0604030504040204" pitchFamily="34" charset="-120"/>
                 <a:ea typeface="微軟正黑體" panose="020B0604030504040204" pitchFamily="34" charset="-120"/>
               </a:rPr>
-              <a:t>版本</a:t>
-            </a:r>
-            <a:r>
-              <a:rPr lang="zh-TW" altLang="zh-TW" dirty="0" smtClean="0">
-                <a:latin typeface="微軟正黑體" panose="020B0604030504040204" pitchFamily="34" charset="-120"/>
-                <a:ea typeface="微軟正黑體" panose="020B0604030504040204" pitchFamily="34" charset="-120"/>
-              </a:rPr>
-              <a:t>控制</a:t>
-            </a:r>
-            <a:r>
-              <a:rPr lang="en-US" altLang="zh-TW" dirty="0" smtClean="0">
-                <a:latin typeface="微軟正黑體" panose="020B0604030504040204" pitchFamily="34" charset="-120"/>
-                <a:ea typeface="微軟正黑體" panose="020B0604030504040204" pitchFamily="34" charset="-120"/>
-              </a:rPr>
-              <a:t>(</a:t>
+              <a:t>版本控制</a:t>
             </a:r>
             <a:r>
               <a:rPr lang="en-US" altLang="zh-TW" dirty="0">
                 <a:latin typeface="微軟正黑體" panose="020B0604030504040204" pitchFamily="34" charset="-120"/>
                 <a:ea typeface="微軟正黑體" panose="020B0604030504040204" pitchFamily="34" charset="-120"/>
               </a:rPr>
-              <a:t>3/2) -</a:t>
-            </a:r>
-            <a:r>
-              <a:rPr lang="en-US" altLang="zh-TW" dirty="0" smtClean="0">
+              <a:t>(3/2) - </a:t>
+            </a:r>
+            <a:r>
+              <a:rPr lang="zh-TW" altLang="en-US" sz="2400" dirty="0">
                 <a:latin typeface="微軟正黑體" panose="020B0604030504040204" pitchFamily="34" charset="-120"/>
                 <a:ea typeface="微軟正黑體" panose="020B0604030504040204" pitchFamily="34" charset="-120"/>
               </a:rPr>
-              <a:t> </a:t>
-            </a:r>
-            <a:r>
-              <a:rPr lang="zh-TW" altLang="en-US" sz="2400" dirty="0" smtClean="0">
-                <a:latin typeface="微軟正黑體" panose="020B0604030504040204" pitchFamily="34" charset="-120"/>
-                <a:ea typeface="微軟正黑體" panose="020B0604030504040204" pitchFamily="34" charset="-120"/>
-              </a:rPr>
               <a:t>用途及目的</a:t>
             </a:r>
-            <a:endParaRPr lang="zh-TW" altLang="en-US" sz="2400" dirty="0">
-              <a:latin typeface="微軟正黑體" panose="020B0604030504040204" pitchFamily="34" charset="-120"/>
-              <a:ea typeface="微軟正黑體" panose="020B0604030504040204" pitchFamily="34" charset="-120"/>
-            </a:endParaRPr>
           </a:p>
         </p:txBody>
       </p:sp>
@@ -6605,13 +7047,6 @@
   <p:clrMapOvr>
     <a:masterClrMapping/>
   </p:clrMapOvr>
-  <p:timing>
-    <p:tnLst>
-      <p:par>
-        <p:cTn id="1" dur="indefinite" restart="never" nodeType="tmRoot"/>
-      </p:par>
-    </p:tnLst>
-  </p:timing>
 </p:sld>
 </file>
 
@@ -6663,28 +7098,14 @@
                 <a:latin typeface="微軟正黑體" panose="020B0604030504040204" pitchFamily="34" charset="-120"/>
                 <a:ea typeface="微軟正黑體" panose="020B0604030504040204" pitchFamily="34" charset="-120"/>
               </a:rPr>
-              <a:t>版本</a:t>
-            </a:r>
-            <a:r>
-              <a:rPr lang="zh-TW" altLang="zh-TW" dirty="0" smtClean="0">
-                <a:latin typeface="微軟正黑體" panose="020B0604030504040204" pitchFamily="34" charset="-120"/>
-                <a:ea typeface="微軟正黑體" panose="020B0604030504040204" pitchFamily="34" charset="-120"/>
-              </a:rPr>
-              <a:t>控制</a:t>
-            </a:r>
-            <a:r>
-              <a:rPr lang="en-US" altLang="zh-TW" dirty="0" smtClean="0">
-                <a:latin typeface="微軟正黑體" panose="020B0604030504040204" pitchFamily="34" charset="-120"/>
-                <a:ea typeface="微軟正黑體" panose="020B0604030504040204" pitchFamily="34" charset="-120"/>
-              </a:rPr>
-              <a:t>(3/3) -</a:t>
+              <a:t>版本控制</a:t>
             </a:r>
             <a:r>
               <a:rPr lang="en-US" altLang="zh-TW" dirty="0">
                 <a:latin typeface="微軟正黑體" panose="020B0604030504040204" pitchFamily="34" charset="-120"/>
                 <a:ea typeface="微軟正黑體" panose="020B0604030504040204" pitchFamily="34" charset="-120"/>
               </a:rPr>
-              <a:t> </a:t>
+              <a:t>(3/3) - </a:t>
             </a:r>
             <a:r>
               <a:rPr lang="en-US" altLang="zh-TW" sz="2800" dirty="0" err="1">
@@ -6698,26 +7119,15 @@
                 <a:latin typeface="微軟正黑體" panose="020B0604030504040204" pitchFamily="34" charset="-120"/>
                 <a:ea typeface="微軟正黑體" panose="020B0604030504040204" pitchFamily="34" charset="-120"/>
               </a:rPr>
-              <a:t> </a:t>
-            </a:r>
-            <a:r>
-              <a:rPr lang="en-US" altLang="zh-TW" sz="2800" dirty="0" smtClean="0">
+              <a:t> flow</a:t>
+            </a:r>
+            <a:r>
+              <a:rPr lang="zh-TW" altLang="en-US" sz="2800" dirty="0">
                 <a:latin typeface="微軟正黑體" panose="020B0604030504040204" pitchFamily="34" charset="-120"/>
                 <a:ea typeface="微軟正黑體" panose="020B0604030504040204" pitchFamily="34" charset="-120"/>
               </a:rPr>
-              <a:t>flow</a:t>
-            </a:r>
-            <a:r>
-              <a:rPr lang="zh-TW" altLang="en-US" sz="2800" dirty="0" smtClean="0">
-                <a:latin typeface="微軟正黑體" panose="020B0604030504040204" pitchFamily="34" charset="-120"/>
-                <a:ea typeface="微軟正黑體" panose="020B0604030504040204" pitchFamily="34" charset="-120"/>
-              </a:rPr>
               <a:t>專案開發</a:t>
             </a:r>
-            <a:endParaRPr lang="zh-TW" altLang="en-US" sz="2800" dirty="0">
-              <a:latin typeface="微軟正黑體" panose="020B0604030504040204" pitchFamily="34" charset="-120"/>
-              <a:ea typeface="微軟正黑體" panose="020B0604030504040204" pitchFamily="34" charset="-120"/>
-            </a:endParaRPr>
           </a:p>
         </p:txBody>
       </p:sp>
@@ -6804,13 +7214,6 @@
   <p:clrMapOvr>
     <a:masterClrMapping/>
   </p:clrMapOvr>
-  <p:timing>
-    <p:tnLst>
-      <p:par>
-        <p:cTn id="1" dur="indefinite" restart="never" nodeType="tmRoot"/>
-      </p:par>
-    </p:tnLst>
-  </p:timing>
 </p:sld>
 </file>
 
@@ -7685,7 +8088,7 @@
           <p:cNvPr id="2" name="標題 1">
             <a:extLst>
               <a:ext uri="{FF2B5EF4-FFF2-40B4-BE49-F238E27FC236}">
-                <a16:creationId xmlns:a16="http://schemas.microsoft.com/office/drawing/2014/main" id="{41B831E1-2F28-4D6E-A6CE-A3C9FACEF6CC}"/>
+                <a16:creationId xmlns:a16="http://schemas.microsoft.com/office/drawing/2014/main" id="{7DEDC330-37AD-4044-B90E-A9343D32C22C}"/>
               </a:ext>
             </a:extLst>
           </p:cNvPr>
@@ -7701,53 +8104,6 @@
           <a:bodyPr/>
           <a:lstStyle/>
           <a:p>
-            <a:r>
-              <a:rPr lang="zh-TW" altLang="zh-TW" dirty="0">
-                <a:latin typeface="微軟正黑體" panose="020B0604030504040204" pitchFamily="34" charset="-120"/>
-                <a:ea typeface="微軟正黑體" panose="020B0604030504040204" pitchFamily="34" charset="-120"/>
-              </a:rPr>
-              <a:t>陣列</a:t>
-            </a:r>
-            <a:endParaRPr lang="zh-TW" altLang="en-US" dirty="0">
-              <a:latin typeface="微軟正黑體" panose="020B0604030504040204" pitchFamily="34" charset="-120"/>
-              <a:ea typeface="微軟正黑體" panose="020B0604030504040204" pitchFamily="34" charset="-120"/>
-            </a:endParaRPr>
-          </a:p>
-        </p:txBody>
-      </p:sp>
-      <p:sp>
-        <p:nvSpPr>
-          <p:cNvPr id="4" name="內容版面配置區 2">
-            <a:extLst>
-              <a:ext uri="{FF2B5EF4-FFF2-40B4-BE49-F238E27FC236}">
-                <a16:creationId xmlns:a16="http://schemas.microsoft.com/office/drawing/2014/main" id="{13F4E71E-5606-4D68-8106-6EF8EB15B0F1}"/>
-              </a:ext>
-            </a:extLst>
-          </p:cNvPr>
-          <p:cNvSpPr>
-            <a:spLocks noGrp="1"/>
-          </p:cNvSpPr>
-          <p:nvPr>
-            <p:ph idx="1"/>
-          </p:nvPr>
-        </p:nvSpPr>
-        <p:spPr>
-          <a:xfrm>
-            <a:off x="838200" y="1825625"/>
-            <a:ext cx="4757257" cy="4351338"/>
-          </a:xfrm>
-        </p:spPr>
-        <p:txBody>
-          <a:bodyPr/>
-          <a:lstStyle/>
-          <a:p>
-            <a:r>
-              <a:rPr lang="zh-TW" altLang="zh-TW" dirty="0">
-                <a:latin typeface="微軟正黑體" panose="020B0604030504040204" pitchFamily="34" charset="-120"/>
-                <a:ea typeface="微軟正黑體" panose="020B0604030504040204" pitchFamily="34" charset="-120"/>
-              </a:rPr>
-              <a:t>下列程式使用</a:t>
-            </a:r>
             <a:r>
               <a:rPr lang="en-US" altLang="zh-TW" dirty="0">
                 <a:latin typeface="微軟正黑體" panose="020B0604030504040204" pitchFamily="34" charset="-120"/>
@@ -7755,451 +8111,158 @@
               </a:rPr>
               <a:t>JavaScript</a:t>
             </a:r>
-            <a:r>
-              <a:rPr lang="zh-TW" altLang="zh-TW" dirty="0">
-                <a:latin typeface="微軟正黑體" panose="020B0604030504040204" pitchFamily="34" charset="-120"/>
-                <a:ea typeface="微軟正黑體" panose="020B0604030504040204" pitchFamily="34" charset="-120"/>
-              </a:rPr>
-              <a:t>，請問兩個陣列在</a:t>
-            </a:r>
-            <a:r>
-              <a:rPr lang="en-US" altLang="zh-TW" dirty="0">
-                <a:latin typeface="微軟正黑體" panose="020B0604030504040204" pitchFamily="34" charset="-120"/>
-                <a:ea typeface="微軟正黑體" panose="020B0604030504040204" pitchFamily="34" charset="-120"/>
-              </a:rPr>
-              <a:t>console.log</a:t>
-            </a:r>
-            <a:r>
-              <a:rPr lang="zh-TW" altLang="zh-TW" dirty="0">
-                <a:latin typeface="微軟正黑體" panose="020B0604030504040204" pitchFamily="34" charset="-120"/>
-                <a:ea typeface="微軟正黑體" panose="020B0604030504040204" pitchFamily="34" charset="-120"/>
-              </a:rPr>
-              <a:t>時是否會相等？</a:t>
-            </a:r>
-          </a:p>
-          <a:p>
-            <a:r>
-              <a:rPr lang="zh-TW" altLang="zh-TW" dirty="0">
-                <a:latin typeface="微軟正黑體" panose="020B0604030504040204" pitchFamily="34" charset="-120"/>
-                <a:ea typeface="微軟正黑體" panose="020B0604030504040204" pitchFamily="34" charset="-120"/>
-              </a:rPr>
-              <a:t>請說明相等或是不相等的原因</a:t>
-            </a:r>
-          </a:p>
-          <a:p>
-            <a:endParaRPr lang="zh-TW" altLang="en-US" dirty="0">
-              <a:latin typeface="微軟正黑體" panose="020B0604030504040204" pitchFamily="34" charset="-120"/>
-              <a:ea typeface="微軟正黑體" panose="020B0604030504040204" pitchFamily="34" charset="-120"/>
-            </a:endParaRPr>
-          </a:p>
-        </p:txBody>
-      </p:sp>
-      <p:sp>
-        <p:nvSpPr>
-          <p:cNvPr id="5" name="文字方塊 4">
-            <a:extLst>
-              <a:ext uri="{FF2B5EF4-FFF2-40B4-BE49-F238E27FC236}">
-                <a16:creationId xmlns:a16="http://schemas.microsoft.com/office/drawing/2014/main" id="{EF60F5A9-CCFF-4648-BDFF-957B64002AB2}"/>
-              </a:ext>
-            </a:extLst>
-          </p:cNvPr>
-          <p:cNvSpPr txBox="1"/>
-          <p:nvPr/>
-        </p:nvSpPr>
-        <p:spPr>
-          <a:xfrm>
-            <a:off x="6233020" y="1925580"/>
-            <a:ext cx="5120780" cy="1569660"/>
-          </a:xfrm>
-          <a:prstGeom prst="rect">
-            <a:avLst/>
-          </a:prstGeom>
-          <a:solidFill>
-            <a:schemeClr val="tx1">
-              <a:lumMod val="65000"/>
-              <a:lumOff val="35000"/>
-            </a:schemeClr>
-          </a:solidFill>
-        </p:spPr>
-        <p:txBody>
-          <a:bodyPr wrap="square" rtlCol="0">
-            <a:spAutoFit/>
-          </a:bodyPr>
+            <a:endParaRPr lang="zh-TW" altLang="en-US" dirty="0"/>
+          </a:p>
+        </p:txBody>
+      </p:sp>
+      <p:sp>
+        <p:nvSpPr>
+          <p:cNvPr id="3" name="內容版面配置區 2">
+            <a:extLst>
+              <a:ext uri="{FF2B5EF4-FFF2-40B4-BE49-F238E27FC236}">
+                <a16:creationId xmlns:a16="http://schemas.microsoft.com/office/drawing/2014/main" id="{F00B113A-D713-413F-A465-FE7A7256B3DB}"/>
+              </a:ext>
+            </a:extLst>
+          </p:cNvPr>
+          <p:cNvSpPr>
+            <a:spLocks noGrp="1"/>
+          </p:cNvSpPr>
+          <p:nvPr>
+            <p:ph idx="1"/>
+          </p:nvPr>
+        </p:nvSpPr>
+        <p:spPr/>
+        <p:txBody>
+          <a:bodyPr/>
           <a:lstStyle/>
           <a:p>
             <a:r>
-              <a:rPr lang="en-US" altLang="zh-TW" sz="2400" b="1" dirty="0">
-                <a:solidFill>
-                  <a:srgbClr val="569CD6"/>
-                </a:solidFill>
-                <a:latin typeface="Fira Code"/>
-              </a:rPr>
-              <a:t>var</a:t>
-            </a:r>
-            <a:r>
-              <a:rPr lang="en-US" altLang="zh-TW" sz="2400" b="1" dirty="0">
-                <a:solidFill>
-                  <a:srgbClr val="D4D4D4"/>
-                </a:solidFill>
-                <a:latin typeface="Fira Code"/>
-              </a:rPr>
+              <a:rPr lang="en-US" altLang="zh-TW" dirty="0"/>
+              <a:t>Console.log </a:t>
+            </a:r>
+            <a:r>
+              <a:rPr lang="zh-TW" altLang="en-US" dirty="0"/>
+              <a:t>的結果會相等</a:t>
+            </a:r>
+            <a:endParaRPr lang="en-US" altLang="zh-TW" dirty="0"/>
+          </a:p>
+          <a:p>
+            <a:r>
+              <a:rPr lang="zh-TW" altLang="en-US" dirty="0"/>
+              <a:t>原因</a:t>
+            </a:r>
+            <a:r>
+              <a:rPr lang="en-US" altLang="zh-TW" dirty="0"/>
+              <a:t>: </a:t>
+            </a:r>
+            <a:r>
+              <a:rPr lang="zh-TW" altLang="en-US" dirty="0"/>
+              <a:t>雖然變數 </a:t>
+            </a:r>
+            <a:r>
+              <a:rPr lang="en-US" altLang="zh-TW" dirty="0"/>
+              <a:t>b</a:t>
+            </a:r>
+            <a:r>
+              <a:rPr lang="zh-TW" altLang="en-US" dirty="0"/>
+              <a:t> 是宣告在 </a:t>
+            </a:r>
+            <a:r>
+              <a:rPr lang="en-US" altLang="zh-TW" dirty="0"/>
+              <a:t>if </a:t>
+            </a:r>
+            <a:r>
+              <a:rPr lang="zh-TW" altLang="en-US" dirty="0"/>
+              <a:t>這個區段內</a:t>
+            </a:r>
+            <a:r>
+              <a:rPr lang="en-US" altLang="zh-TW" dirty="0"/>
+              <a:t>,</a:t>
+            </a:r>
+            <a:r>
+              <a:rPr lang="zh-TW" altLang="en-US" dirty="0"/>
+              <a:t>但是在 </a:t>
+            </a:r>
+            <a:r>
+              <a:rPr lang="en-US" altLang="zh-TW" dirty="0" err="1"/>
+              <a:t>Javascript</a:t>
+            </a:r>
+            <a:r>
+              <a:rPr lang="en-US" altLang="zh-TW" dirty="0"/>
               <a:t> </a:t>
             </a:r>
             <a:r>
-              <a:rPr lang="en-US" altLang="zh-TW" sz="2400" b="1" dirty="0" err="1">
-                <a:solidFill>
-                  <a:srgbClr val="9CDCFE"/>
-                </a:solidFill>
-                <a:latin typeface="Fira Code"/>
-              </a:rPr>
-              <a:t>arrayA</a:t>
-            </a:r>
-            <a:r>
-              <a:rPr lang="en-US" altLang="zh-TW" sz="2400" b="1" dirty="0">
-                <a:solidFill>
-                  <a:srgbClr val="D4D4D4"/>
-                </a:solidFill>
-                <a:latin typeface="Fira Code"/>
-              </a:rPr>
-              <a:t> = [</a:t>
-            </a:r>
-            <a:r>
-              <a:rPr lang="en-US" altLang="zh-TW" sz="2400" b="1" dirty="0">
-                <a:solidFill>
-                  <a:srgbClr val="B5CEA8"/>
-                </a:solidFill>
-                <a:latin typeface="Fira Code"/>
-              </a:rPr>
-              <a:t>1</a:t>
-            </a:r>
-            <a:r>
-              <a:rPr lang="en-US" altLang="zh-TW" sz="2400" b="1" dirty="0">
-                <a:solidFill>
-                  <a:srgbClr val="D4D4D4"/>
-                </a:solidFill>
-                <a:latin typeface="Fira Code"/>
-              </a:rPr>
+              <a:rPr lang="zh-TW" altLang="en-US" dirty="0"/>
+              <a:t>中變數的有效範圍最小單位是 </a:t>
+            </a:r>
+            <a:r>
+              <a:rPr lang="en-US" altLang="zh-TW" dirty="0"/>
+              <a:t>function,</a:t>
+            </a:r>
+            <a:r>
+              <a:rPr lang="zh-TW" altLang="en-US" dirty="0"/>
+              <a:t> 所以變數 </a:t>
+            </a:r>
+            <a:r>
+              <a:rPr lang="en-US" altLang="zh-TW" dirty="0"/>
+              <a:t>b</a:t>
+            </a:r>
+            <a:r>
+              <a:rPr lang="zh-TW" altLang="en-US" dirty="0"/>
+              <a:t> 的作用範圍並不會因為離開 </a:t>
+            </a:r>
+            <a:r>
+              <a:rPr lang="en-US" altLang="zh-TW" dirty="0"/>
+              <a:t>if</a:t>
+            </a:r>
+            <a:r>
+              <a:rPr lang="zh-TW" altLang="en-US" dirty="0"/>
+              <a:t> 這個區段就消失</a:t>
+            </a:r>
+            <a:r>
+              <a:rPr lang="en-US" altLang="zh-TW" dirty="0"/>
               <a:t>, </a:t>
             </a:r>
             <a:r>
-              <a:rPr lang="en-US" altLang="zh-TW" sz="2400" b="1" dirty="0">
-                <a:solidFill>
-                  <a:srgbClr val="B5CEA8"/>
-                </a:solidFill>
-                <a:latin typeface="Fira Code"/>
-              </a:rPr>
-              <a:t>2</a:t>
-            </a:r>
-            <a:r>
-              <a:rPr lang="en-US" altLang="zh-TW" sz="2400" b="1" dirty="0">
-                <a:solidFill>
-                  <a:srgbClr val="D4D4D4"/>
-                </a:solidFill>
-                <a:latin typeface="Fira Code"/>
-              </a:rPr>
-              <a:t>, </a:t>
-            </a:r>
-            <a:r>
-              <a:rPr lang="en-US" altLang="zh-TW" sz="2400" b="1" dirty="0">
-                <a:solidFill>
-                  <a:srgbClr val="B5CEA8"/>
-                </a:solidFill>
-                <a:latin typeface="Fira Code"/>
-              </a:rPr>
-              <a:t>3</a:t>
-            </a:r>
-            <a:r>
-              <a:rPr lang="en-US" altLang="zh-TW" sz="2400" b="1" dirty="0">
-                <a:solidFill>
-                  <a:srgbClr val="D4D4D4"/>
-                </a:solidFill>
-                <a:latin typeface="Fira Code"/>
-              </a:rPr>
-              <a:t>];</a:t>
-            </a:r>
-          </a:p>
-          <a:p>
-            <a:r>
-              <a:rPr lang="en-US" altLang="zh-TW" sz="2400" b="1" dirty="0">
-                <a:solidFill>
-                  <a:srgbClr val="569CD6"/>
-                </a:solidFill>
-                <a:latin typeface="Fira Code"/>
-              </a:rPr>
-              <a:t>var</a:t>
-            </a:r>
-            <a:r>
-              <a:rPr lang="en-US" altLang="zh-TW" sz="2400" b="1" dirty="0">
-                <a:solidFill>
-                  <a:srgbClr val="D4D4D4"/>
-                </a:solidFill>
-                <a:latin typeface="Fira Code"/>
-              </a:rPr>
+              <a:rPr lang="zh-TW" altLang="en-US" dirty="0"/>
+              <a:t>因此我們在區段外 </a:t>
+            </a:r>
+            <a:r>
+              <a:rPr lang="en-US" altLang="zh-TW" dirty="0"/>
+              <a:t>console.log(</a:t>
+            </a:r>
+            <a:r>
+              <a:rPr lang="en-US" altLang="zh-TW" dirty="0" err="1"/>
+              <a:t>a,b</a:t>
+            </a:r>
+            <a:r>
+              <a:rPr lang="en-US" altLang="zh-TW" dirty="0"/>
+              <a:t>)</a:t>
+            </a:r>
+            <a:r>
+              <a:rPr lang="zh-TW" altLang="en-US" dirty="0"/>
+              <a:t> 時也能讀的到變數 </a:t>
+            </a:r>
+            <a:r>
+              <a:rPr lang="en-US" altLang="zh-TW" dirty="0"/>
+              <a:t>b</a:t>
+            </a:r>
+            <a:r>
+              <a:rPr lang="zh-TW" altLang="en-US" dirty="0"/>
               <a:t> </a:t>
             </a:r>
             <a:r>
-              <a:rPr lang="en-US" altLang="zh-TW" sz="2400" b="1" dirty="0" err="1">
-                <a:solidFill>
-                  <a:srgbClr val="9CDCFE"/>
-                </a:solidFill>
-                <a:latin typeface="Fira Code"/>
-              </a:rPr>
-              <a:t>arrayB</a:t>
-            </a:r>
-            <a:r>
-              <a:rPr lang="en-US" altLang="zh-TW" sz="2400" b="1" dirty="0">
-                <a:solidFill>
-                  <a:srgbClr val="D4D4D4"/>
-                </a:solidFill>
-                <a:latin typeface="Fira Code"/>
-              </a:rPr>
-              <a:t> = </a:t>
-            </a:r>
-            <a:r>
-              <a:rPr lang="en-US" altLang="zh-TW" sz="2400" b="1" dirty="0" err="1">
-                <a:solidFill>
-                  <a:srgbClr val="9CDCFE"/>
-                </a:solidFill>
-                <a:latin typeface="Fira Code"/>
-              </a:rPr>
-              <a:t>arrayA</a:t>
-            </a:r>
-            <a:r>
-              <a:rPr lang="en-US" altLang="zh-TW" sz="2400" b="1" dirty="0">
-                <a:solidFill>
-                  <a:srgbClr val="D4D4D4"/>
-                </a:solidFill>
-                <a:latin typeface="Fira Code"/>
-              </a:rPr>
-              <a:t>;</a:t>
-            </a:r>
-          </a:p>
-          <a:p>
-            <a:r>
-              <a:rPr lang="en-US" altLang="zh-TW" sz="2400" b="1" dirty="0" err="1">
-                <a:solidFill>
-                  <a:srgbClr val="9CDCFE"/>
-                </a:solidFill>
-                <a:latin typeface="Fira Code"/>
-              </a:rPr>
-              <a:t>arrayB</a:t>
-            </a:r>
-            <a:r>
-              <a:rPr lang="en-US" altLang="zh-TW" sz="2400" b="1" dirty="0">
-                <a:solidFill>
-                  <a:srgbClr val="D4D4D4"/>
-                </a:solidFill>
-                <a:latin typeface="Fira Code"/>
-              </a:rPr>
-              <a:t>[</a:t>
-            </a:r>
-            <a:r>
-              <a:rPr lang="en-US" altLang="zh-TW" sz="2400" b="1" dirty="0">
-                <a:solidFill>
-                  <a:srgbClr val="B5CEA8"/>
-                </a:solidFill>
-                <a:latin typeface="Fira Code"/>
-              </a:rPr>
-              <a:t>0</a:t>
-            </a:r>
-            <a:r>
-              <a:rPr lang="en-US" altLang="zh-TW" sz="2400" b="1" dirty="0">
-                <a:solidFill>
-                  <a:srgbClr val="D4D4D4"/>
-                </a:solidFill>
-                <a:latin typeface="Fira Code"/>
-              </a:rPr>
-              <a:t>] = </a:t>
-            </a:r>
-            <a:r>
-              <a:rPr lang="en-US" altLang="zh-TW" sz="2400" b="1" dirty="0">
-                <a:solidFill>
-                  <a:srgbClr val="B5CEA8"/>
-                </a:solidFill>
-                <a:latin typeface="Fira Code"/>
-              </a:rPr>
-              <a:t>3</a:t>
-            </a:r>
-            <a:r>
-              <a:rPr lang="en-US" altLang="zh-TW" sz="2400" b="1" dirty="0">
-                <a:solidFill>
-                  <a:srgbClr val="D4D4D4"/>
-                </a:solidFill>
-                <a:latin typeface="Fira Code"/>
-              </a:rPr>
-              <a:t>;</a:t>
-            </a:r>
-          </a:p>
-          <a:p>
-            <a:r>
-              <a:rPr lang="en-US" altLang="zh-TW" sz="2400" b="1" dirty="0">
-                <a:solidFill>
-                  <a:srgbClr val="D4D4D4"/>
-                </a:solidFill>
-                <a:latin typeface="Fira Code"/>
-              </a:rPr>
-              <a:t>  </a:t>
-            </a:r>
-            <a:r>
-              <a:rPr lang="en-US" altLang="zh-TW" sz="2400" b="1" dirty="0">
-                <a:solidFill>
-                  <a:srgbClr val="4EC9B0"/>
-                </a:solidFill>
-                <a:latin typeface="Fira Code"/>
-              </a:rPr>
-              <a:t>console</a:t>
-            </a:r>
-            <a:r>
-              <a:rPr lang="en-US" altLang="zh-TW" sz="2400" b="1" dirty="0">
-                <a:solidFill>
-                  <a:srgbClr val="D4D4D4"/>
-                </a:solidFill>
-                <a:latin typeface="Fira Code"/>
-              </a:rPr>
+              <a:rPr lang="en-US" altLang="zh-TW" dirty="0"/>
               <a:t>.</a:t>
             </a:r>
-            <a:r>
-              <a:rPr lang="en-US" altLang="zh-TW" sz="2400" b="1" dirty="0">
-                <a:solidFill>
-                  <a:srgbClr val="DCDCAA"/>
-                </a:solidFill>
-                <a:latin typeface="Fira Code"/>
-              </a:rPr>
-              <a:t>log</a:t>
-            </a:r>
-            <a:r>
-              <a:rPr lang="en-US" altLang="zh-TW" sz="2400" b="1" dirty="0">
-                <a:solidFill>
-                  <a:srgbClr val="D4D4D4"/>
-                </a:solidFill>
-                <a:latin typeface="Fira Code"/>
-              </a:rPr>
-              <a:t>(</a:t>
-            </a:r>
-            <a:r>
-              <a:rPr lang="en-US" altLang="zh-TW" sz="2400" b="1" dirty="0" err="1">
-                <a:solidFill>
-                  <a:srgbClr val="9CDCFE"/>
-                </a:solidFill>
-                <a:latin typeface="Fira Code"/>
-              </a:rPr>
-              <a:t>arrayA</a:t>
-            </a:r>
-            <a:r>
-              <a:rPr lang="en-US" altLang="zh-TW" sz="2400" b="1" dirty="0">
-                <a:solidFill>
-                  <a:srgbClr val="D4D4D4"/>
-                </a:solidFill>
-                <a:latin typeface="Fira Code"/>
-              </a:rPr>
-              <a:t>, </a:t>
-            </a:r>
-            <a:r>
-              <a:rPr lang="en-US" altLang="zh-TW" sz="2400" b="1" dirty="0" err="1">
-                <a:solidFill>
-                  <a:srgbClr val="9CDCFE"/>
-                </a:solidFill>
-                <a:latin typeface="Fira Code"/>
-              </a:rPr>
-              <a:t>arrayB</a:t>
-            </a:r>
-            <a:r>
-              <a:rPr lang="en-US" altLang="zh-TW" sz="2400" b="1" dirty="0">
-                <a:solidFill>
-                  <a:srgbClr val="D4D4D4"/>
-                </a:solidFill>
-                <a:latin typeface="Fira Code"/>
-              </a:rPr>
-              <a:t>);</a:t>
-            </a:r>
-          </a:p>
-        </p:txBody>
-      </p:sp>
-      <p:sp>
-        <p:nvSpPr>
-          <p:cNvPr id="6" name="文字方塊 5">
-            <a:extLst>
-              <a:ext uri="{FF2B5EF4-FFF2-40B4-BE49-F238E27FC236}">
-                <a16:creationId xmlns:a16="http://schemas.microsoft.com/office/drawing/2014/main" id="{339C2F65-16E9-4147-9451-0FD9909B3878}"/>
-              </a:ext>
-            </a:extLst>
-          </p:cNvPr>
-          <p:cNvSpPr txBox="1"/>
-          <p:nvPr/>
-        </p:nvSpPr>
-        <p:spPr>
-          <a:xfrm>
-            <a:off x="838200" y="5691783"/>
-            <a:ext cx="877163" cy="369332"/>
-          </a:xfrm>
-          <a:prstGeom prst="rect">
-            <a:avLst/>
-          </a:prstGeom>
-          <a:noFill/>
-        </p:spPr>
-        <p:txBody>
-          <a:bodyPr wrap="none" rtlCol="0">
-            <a:spAutoFit/>
-          </a:bodyPr>
-          <a:lstStyle/>
-          <a:p>
-            <a:r>
-              <a:rPr lang="zh-TW" altLang="en-US" b="1" dirty="0">
-                <a:latin typeface="微軟正黑體" panose="020B0604030504040204" pitchFamily="34" charset="-120"/>
-                <a:ea typeface="微軟正黑體" panose="020B0604030504040204" pitchFamily="34" charset="-120"/>
-              </a:rPr>
-              <a:t>周本諴</a:t>
-            </a:r>
-          </a:p>
-        </p:txBody>
-      </p:sp>
-      <p:cxnSp>
-        <p:nvCxnSpPr>
-          <p:cNvPr id="7" name="直線接點 6">
-            <a:extLst>
-              <a:ext uri="{FF2B5EF4-FFF2-40B4-BE49-F238E27FC236}">
-                <a16:creationId xmlns:a16="http://schemas.microsoft.com/office/drawing/2014/main" id="{CA38C0AC-00B9-41B9-85AB-7836D7D3E6B8}"/>
-              </a:ext>
-            </a:extLst>
-          </p:cNvPr>
-          <p:cNvCxnSpPr>
-            <a:cxnSpLocks/>
-          </p:cNvCxnSpPr>
-          <p:nvPr/>
-        </p:nvCxnSpPr>
-        <p:spPr>
-          <a:xfrm>
-            <a:off x="914400" y="1442906"/>
-            <a:ext cx="10439400" cy="0"/>
-          </a:xfrm>
-          <a:prstGeom prst="line">
-            <a:avLst/>
-          </a:prstGeom>
-          <a:ln w="28575">
-            <a:solidFill>
-              <a:srgbClr val="569CD6"/>
-            </a:solidFill>
-          </a:ln>
-        </p:spPr>
-        <p:style>
-          <a:lnRef idx="1">
-            <a:schemeClr val="accent1"/>
-          </a:lnRef>
-          <a:fillRef idx="0">
-            <a:schemeClr val="accent1"/>
-          </a:fillRef>
-          <a:effectRef idx="0">
-            <a:schemeClr val="accent1"/>
-          </a:effectRef>
-          <a:fontRef idx="minor">
-            <a:schemeClr val="tx1"/>
-          </a:fontRef>
-        </p:style>
-      </p:cxnSp>
+            <a:endParaRPr lang="zh-TW" altLang="en-US" dirty="0"/>
+          </a:p>
+        </p:txBody>
+      </p:sp>
     </p:spTree>
     <p:extLst>
       <p:ext uri="{BB962C8B-B14F-4D97-AF65-F5344CB8AC3E}">
-        <p14:creationId xmlns:p14="http://schemas.microsoft.com/office/powerpoint/2010/main" val="1101340411"/>
+        <p14:creationId xmlns:p14="http://schemas.microsoft.com/office/powerpoint/2010/main" val="1520463321"/>
       </p:ext>
     </p:extLst>
   </p:cSld>

--- a/測驗題.pptx
+++ b/測驗題.pptx
@@ -5,7 +5,7 @@
     <p:sldMasterId id="2147483648" r:id="rId1"/>
   </p:sldMasterIdLst>
   <p:notesMasterIdLst>
-    <p:notesMasterId r:id="rId12"/>
+    <p:notesMasterId r:id="rId16"/>
   </p:notesMasterIdLst>
   <p:sldIdLst>
     <p:sldId id="256" r:id="rId2"/>
@@ -15,9 +15,13 @@
     <p:sldId id="265" r:id="rId6"/>
     <p:sldId id="266" r:id="rId7"/>
     <p:sldId id="260" r:id="rId8"/>
-    <p:sldId id="261" r:id="rId9"/>
-    <p:sldId id="262" r:id="rId10"/>
-    <p:sldId id="263" r:id="rId11"/>
+    <p:sldId id="267" r:id="rId9"/>
+    <p:sldId id="268" r:id="rId10"/>
+    <p:sldId id="262" r:id="rId11"/>
+    <p:sldId id="269" r:id="rId12"/>
+    <p:sldId id="270" r:id="rId13"/>
+    <p:sldId id="271" r:id="rId14"/>
+    <p:sldId id="263" r:id="rId15"/>
   </p:sldIdLst>
   <p:sldSz cx="12192000" cy="6858000"/>
   <p:notesSz cx="6858000" cy="9144000"/>
@@ -3828,6 +3832,2985 @@
 </file>
 
 <file path=ppt/slides/slide10.xml><?xml version="1.0" encoding="utf-8"?>
+<p:sld xmlns:a="http://schemas.openxmlformats.org/drawingml/2006/main" xmlns:r="http://schemas.openxmlformats.org/officeDocument/2006/relationships" xmlns:p="http://schemas.openxmlformats.org/presentationml/2006/main">
+  <p:cSld>
+    <p:spTree>
+      <p:nvGrpSpPr>
+        <p:cNvPr id="1" name=""/>
+        <p:cNvGrpSpPr/>
+        <p:nvPr/>
+      </p:nvGrpSpPr>
+      <p:grpSpPr>
+        <a:xfrm>
+          <a:off x="0" y="0"/>
+          <a:ext cx="0" cy="0"/>
+          <a:chOff x="0" y="0"/>
+          <a:chExt cx="0" cy="0"/>
+        </a:xfrm>
+      </p:grpSpPr>
+      <p:sp>
+        <p:nvSpPr>
+          <p:cNvPr id="2" name="標題 1">
+            <a:extLst>
+              <a:ext uri="{FF2B5EF4-FFF2-40B4-BE49-F238E27FC236}">
+                <a16:creationId xmlns:a16="http://schemas.microsoft.com/office/drawing/2014/main" id="{41B831E1-2F28-4D6E-A6CE-A3C9FACEF6CC}"/>
+              </a:ext>
+            </a:extLst>
+          </p:cNvPr>
+          <p:cNvSpPr>
+            <a:spLocks noGrp="1"/>
+          </p:cNvSpPr>
+          <p:nvPr>
+            <p:ph type="title"/>
+          </p:nvPr>
+        </p:nvSpPr>
+        <p:spPr/>
+        <p:txBody>
+          <a:bodyPr/>
+          <a:lstStyle/>
+          <a:p>
+            <a:r>
+              <a:rPr lang="zh-TW" altLang="zh-TW" dirty="0">
+                <a:latin typeface="微軟正黑體" panose="020B0604030504040204" pitchFamily="34" charset="-120"/>
+                <a:ea typeface="微軟正黑體" panose="020B0604030504040204" pitchFamily="34" charset="-120"/>
+              </a:rPr>
+              <a:t>陣列</a:t>
+            </a:r>
+            <a:endParaRPr lang="zh-TW" altLang="en-US" dirty="0">
+              <a:latin typeface="微軟正黑體" panose="020B0604030504040204" pitchFamily="34" charset="-120"/>
+              <a:ea typeface="微軟正黑體" panose="020B0604030504040204" pitchFamily="34" charset="-120"/>
+            </a:endParaRPr>
+          </a:p>
+        </p:txBody>
+      </p:sp>
+      <p:sp>
+        <p:nvSpPr>
+          <p:cNvPr id="4" name="內容版面配置區 2">
+            <a:extLst>
+              <a:ext uri="{FF2B5EF4-FFF2-40B4-BE49-F238E27FC236}">
+                <a16:creationId xmlns:a16="http://schemas.microsoft.com/office/drawing/2014/main" id="{13F4E71E-5606-4D68-8106-6EF8EB15B0F1}"/>
+              </a:ext>
+            </a:extLst>
+          </p:cNvPr>
+          <p:cNvSpPr>
+            <a:spLocks noGrp="1"/>
+          </p:cNvSpPr>
+          <p:nvPr>
+            <p:ph idx="1"/>
+          </p:nvPr>
+        </p:nvSpPr>
+        <p:spPr>
+          <a:xfrm>
+            <a:off x="838200" y="1825625"/>
+            <a:ext cx="4757257" cy="4351338"/>
+          </a:xfrm>
+        </p:spPr>
+        <p:txBody>
+          <a:bodyPr/>
+          <a:lstStyle/>
+          <a:p>
+            <a:r>
+              <a:rPr lang="zh-TW" altLang="zh-TW" dirty="0">
+                <a:latin typeface="微軟正黑體" panose="020B0604030504040204" pitchFamily="34" charset="-120"/>
+                <a:ea typeface="微軟正黑體" panose="020B0604030504040204" pitchFamily="34" charset="-120"/>
+              </a:rPr>
+              <a:t>下列程式使用</a:t>
+            </a:r>
+            <a:r>
+              <a:rPr lang="en-US" altLang="zh-TW" dirty="0">
+                <a:latin typeface="微軟正黑體" panose="020B0604030504040204" pitchFamily="34" charset="-120"/>
+                <a:ea typeface="微軟正黑體" panose="020B0604030504040204" pitchFamily="34" charset="-120"/>
+              </a:rPr>
+              <a:t>JavaScript</a:t>
+            </a:r>
+            <a:r>
+              <a:rPr lang="zh-TW" altLang="zh-TW" dirty="0">
+                <a:latin typeface="微軟正黑體" panose="020B0604030504040204" pitchFamily="34" charset="-120"/>
+                <a:ea typeface="微軟正黑體" panose="020B0604030504040204" pitchFamily="34" charset="-120"/>
+              </a:rPr>
+              <a:t>，請問兩個陣列在</a:t>
+            </a:r>
+            <a:r>
+              <a:rPr lang="en-US" altLang="zh-TW" dirty="0">
+                <a:latin typeface="微軟正黑體" panose="020B0604030504040204" pitchFamily="34" charset="-120"/>
+                <a:ea typeface="微軟正黑體" panose="020B0604030504040204" pitchFamily="34" charset="-120"/>
+              </a:rPr>
+              <a:t>console.log</a:t>
+            </a:r>
+            <a:r>
+              <a:rPr lang="zh-TW" altLang="zh-TW" dirty="0">
+                <a:latin typeface="微軟正黑體" panose="020B0604030504040204" pitchFamily="34" charset="-120"/>
+                <a:ea typeface="微軟正黑體" panose="020B0604030504040204" pitchFamily="34" charset="-120"/>
+              </a:rPr>
+              <a:t>時是否會相等？</a:t>
+            </a:r>
+          </a:p>
+          <a:p>
+            <a:r>
+              <a:rPr lang="zh-TW" altLang="zh-TW" dirty="0">
+                <a:latin typeface="微軟正黑體" panose="020B0604030504040204" pitchFamily="34" charset="-120"/>
+                <a:ea typeface="微軟正黑體" panose="020B0604030504040204" pitchFamily="34" charset="-120"/>
+              </a:rPr>
+              <a:t>請說明相等或是不相等的原因</a:t>
+            </a:r>
+          </a:p>
+          <a:p>
+            <a:endParaRPr lang="zh-TW" altLang="en-US" dirty="0">
+              <a:latin typeface="微軟正黑體" panose="020B0604030504040204" pitchFamily="34" charset="-120"/>
+              <a:ea typeface="微軟正黑體" panose="020B0604030504040204" pitchFamily="34" charset="-120"/>
+            </a:endParaRPr>
+          </a:p>
+        </p:txBody>
+      </p:sp>
+      <p:sp>
+        <p:nvSpPr>
+          <p:cNvPr id="5" name="文字方塊 4">
+            <a:extLst>
+              <a:ext uri="{FF2B5EF4-FFF2-40B4-BE49-F238E27FC236}">
+                <a16:creationId xmlns:a16="http://schemas.microsoft.com/office/drawing/2014/main" id="{EF60F5A9-CCFF-4648-BDFF-957B64002AB2}"/>
+              </a:ext>
+            </a:extLst>
+          </p:cNvPr>
+          <p:cNvSpPr txBox="1"/>
+          <p:nvPr/>
+        </p:nvSpPr>
+        <p:spPr>
+          <a:xfrm>
+            <a:off x="6233020" y="1925580"/>
+            <a:ext cx="5120780" cy="1569660"/>
+          </a:xfrm>
+          <a:prstGeom prst="rect">
+            <a:avLst/>
+          </a:prstGeom>
+          <a:solidFill>
+            <a:schemeClr val="tx1">
+              <a:lumMod val="65000"/>
+              <a:lumOff val="35000"/>
+            </a:schemeClr>
+          </a:solidFill>
+        </p:spPr>
+        <p:txBody>
+          <a:bodyPr wrap="square" rtlCol="0">
+            <a:spAutoFit/>
+          </a:bodyPr>
+          <a:lstStyle/>
+          <a:p>
+            <a:r>
+              <a:rPr lang="en-US" altLang="zh-TW" sz="2400" b="1" dirty="0">
+                <a:solidFill>
+                  <a:srgbClr val="569CD6"/>
+                </a:solidFill>
+                <a:latin typeface="Fira Code"/>
+              </a:rPr>
+              <a:t>var</a:t>
+            </a:r>
+            <a:r>
+              <a:rPr lang="en-US" altLang="zh-TW" sz="2400" b="1" dirty="0">
+                <a:solidFill>
+                  <a:srgbClr val="D4D4D4"/>
+                </a:solidFill>
+                <a:latin typeface="Fira Code"/>
+              </a:rPr>
+              <a:t> </a:t>
+            </a:r>
+            <a:r>
+              <a:rPr lang="en-US" altLang="zh-TW" sz="2400" b="1" dirty="0" err="1">
+                <a:solidFill>
+                  <a:srgbClr val="9CDCFE"/>
+                </a:solidFill>
+                <a:latin typeface="Fira Code"/>
+              </a:rPr>
+              <a:t>arrayA</a:t>
+            </a:r>
+            <a:r>
+              <a:rPr lang="en-US" altLang="zh-TW" sz="2400" b="1" dirty="0">
+                <a:solidFill>
+                  <a:srgbClr val="D4D4D4"/>
+                </a:solidFill>
+                <a:latin typeface="Fira Code"/>
+              </a:rPr>
+              <a:t> = [</a:t>
+            </a:r>
+            <a:r>
+              <a:rPr lang="en-US" altLang="zh-TW" sz="2400" b="1" dirty="0">
+                <a:solidFill>
+                  <a:srgbClr val="B5CEA8"/>
+                </a:solidFill>
+                <a:latin typeface="Fira Code"/>
+              </a:rPr>
+              <a:t>1</a:t>
+            </a:r>
+            <a:r>
+              <a:rPr lang="en-US" altLang="zh-TW" sz="2400" b="1" dirty="0">
+                <a:solidFill>
+                  <a:srgbClr val="D4D4D4"/>
+                </a:solidFill>
+                <a:latin typeface="Fira Code"/>
+              </a:rPr>
+              <a:t>, </a:t>
+            </a:r>
+            <a:r>
+              <a:rPr lang="en-US" altLang="zh-TW" sz="2400" b="1" dirty="0">
+                <a:solidFill>
+                  <a:srgbClr val="B5CEA8"/>
+                </a:solidFill>
+                <a:latin typeface="Fira Code"/>
+              </a:rPr>
+              <a:t>2</a:t>
+            </a:r>
+            <a:r>
+              <a:rPr lang="en-US" altLang="zh-TW" sz="2400" b="1" dirty="0">
+                <a:solidFill>
+                  <a:srgbClr val="D4D4D4"/>
+                </a:solidFill>
+                <a:latin typeface="Fira Code"/>
+              </a:rPr>
+              <a:t>, </a:t>
+            </a:r>
+            <a:r>
+              <a:rPr lang="en-US" altLang="zh-TW" sz="2400" b="1" dirty="0">
+                <a:solidFill>
+                  <a:srgbClr val="B5CEA8"/>
+                </a:solidFill>
+                <a:latin typeface="Fira Code"/>
+              </a:rPr>
+              <a:t>3</a:t>
+            </a:r>
+            <a:r>
+              <a:rPr lang="en-US" altLang="zh-TW" sz="2400" b="1" dirty="0">
+                <a:solidFill>
+                  <a:srgbClr val="D4D4D4"/>
+                </a:solidFill>
+                <a:latin typeface="Fira Code"/>
+              </a:rPr>
+              <a:t>];</a:t>
+            </a:r>
+          </a:p>
+          <a:p>
+            <a:r>
+              <a:rPr lang="en-US" altLang="zh-TW" sz="2400" b="1" dirty="0">
+                <a:solidFill>
+                  <a:srgbClr val="569CD6"/>
+                </a:solidFill>
+                <a:latin typeface="Fira Code"/>
+              </a:rPr>
+              <a:t>var</a:t>
+            </a:r>
+            <a:r>
+              <a:rPr lang="en-US" altLang="zh-TW" sz="2400" b="1" dirty="0">
+                <a:solidFill>
+                  <a:srgbClr val="D4D4D4"/>
+                </a:solidFill>
+                <a:latin typeface="Fira Code"/>
+              </a:rPr>
+              <a:t> </a:t>
+            </a:r>
+            <a:r>
+              <a:rPr lang="en-US" altLang="zh-TW" sz="2400" b="1" dirty="0" err="1">
+                <a:solidFill>
+                  <a:srgbClr val="9CDCFE"/>
+                </a:solidFill>
+                <a:latin typeface="Fira Code"/>
+              </a:rPr>
+              <a:t>arrayB</a:t>
+            </a:r>
+            <a:r>
+              <a:rPr lang="en-US" altLang="zh-TW" sz="2400" b="1" dirty="0">
+                <a:solidFill>
+                  <a:srgbClr val="D4D4D4"/>
+                </a:solidFill>
+                <a:latin typeface="Fira Code"/>
+              </a:rPr>
+              <a:t> = </a:t>
+            </a:r>
+            <a:r>
+              <a:rPr lang="en-US" altLang="zh-TW" sz="2400" b="1" dirty="0" err="1">
+                <a:solidFill>
+                  <a:srgbClr val="9CDCFE"/>
+                </a:solidFill>
+                <a:latin typeface="Fira Code"/>
+              </a:rPr>
+              <a:t>arrayA</a:t>
+            </a:r>
+            <a:r>
+              <a:rPr lang="en-US" altLang="zh-TW" sz="2400" b="1" dirty="0">
+                <a:solidFill>
+                  <a:srgbClr val="D4D4D4"/>
+                </a:solidFill>
+                <a:latin typeface="Fira Code"/>
+              </a:rPr>
+              <a:t>;</a:t>
+            </a:r>
+          </a:p>
+          <a:p>
+            <a:r>
+              <a:rPr lang="en-US" altLang="zh-TW" sz="2400" b="1" dirty="0" err="1">
+                <a:solidFill>
+                  <a:srgbClr val="9CDCFE"/>
+                </a:solidFill>
+                <a:latin typeface="Fira Code"/>
+              </a:rPr>
+              <a:t>arrayB</a:t>
+            </a:r>
+            <a:r>
+              <a:rPr lang="en-US" altLang="zh-TW" sz="2400" b="1" dirty="0">
+                <a:solidFill>
+                  <a:srgbClr val="D4D4D4"/>
+                </a:solidFill>
+                <a:latin typeface="Fira Code"/>
+              </a:rPr>
+              <a:t>[</a:t>
+            </a:r>
+            <a:r>
+              <a:rPr lang="en-US" altLang="zh-TW" sz="2400" b="1" dirty="0">
+                <a:solidFill>
+                  <a:srgbClr val="B5CEA8"/>
+                </a:solidFill>
+                <a:latin typeface="Fira Code"/>
+              </a:rPr>
+              <a:t>0</a:t>
+            </a:r>
+            <a:r>
+              <a:rPr lang="en-US" altLang="zh-TW" sz="2400" b="1" dirty="0">
+                <a:solidFill>
+                  <a:srgbClr val="D4D4D4"/>
+                </a:solidFill>
+                <a:latin typeface="Fira Code"/>
+              </a:rPr>
+              <a:t>] = </a:t>
+            </a:r>
+            <a:r>
+              <a:rPr lang="en-US" altLang="zh-TW" sz="2400" b="1" dirty="0">
+                <a:solidFill>
+                  <a:srgbClr val="B5CEA8"/>
+                </a:solidFill>
+                <a:latin typeface="Fira Code"/>
+              </a:rPr>
+              <a:t>3</a:t>
+            </a:r>
+            <a:r>
+              <a:rPr lang="en-US" altLang="zh-TW" sz="2400" b="1" dirty="0">
+                <a:solidFill>
+                  <a:srgbClr val="D4D4D4"/>
+                </a:solidFill>
+                <a:latin typeface="Fira Code"/>
+              </a:rPr>
+              <a:t>;</a:t>
+            </a:r>
+          </a:p>
+          <a:p>
+            <a:r>
+              <a:rPr lang="en-US" altLang="zh-TW" sz="2400" b="1" dirty="0">
+                <a:solidFill>
+                  <a:srgbClr val="D4D4D4"/>
+                </a:solidFill>
+                <a:latin typeface="Fira Code"/>
+              </a:rPr>
+              <a:t>  </a:t>
+            </a:r>
+            <a:r>
+              <a:rPr lang="en-US" altLang="zh-TW" sz="2400" b="1" dirty="0">
+                <a:solidFill>
+                  <a:srgbClr val="4EC9B0"/>
+                </a:solidFill>
+                <a:latin typeface="Fira Code"/>
+              </a:rPr>
+              <a:t>console</a:t>
+            </a:r>
+            <a:r>
+              <a:rPr lang="en-US" altLang="zh-TW" sz="2400" b="1" dirty="0">
+                <a:solidFill>
+                  <a:srgbClr val="D4D4D4"/>
+                </a:solidFill>
+                <a:latin typeface="Fira Code"/>
+              </a:rPr>
+              <a:t>.</a:t>
+            </a:r>
+            <a:r>
+              <a:rPr lang="en-US" altLang="zh-TW" sz="2400" b="1" dirty="0">
+                <a:solidFill>
+                  <a:srgbClr val="DCDCAA"/>
+                </a:solidFill>
+                <a:latin typeface="Fira Code"/>
+              </a:rPr>
+              <a:t>log</a:t>
+            </a:r>
+            <a:r>
+              <a:rPr lang="en-US" altLang="zh-TW" sz="2400" b="1" dirty="0">
+                <a:solidFill>
+                  <a:srgbClr val="D4D4D4"/>
+                </a:solidFill>
+                <a:latin typeface="Fira Code"/>
+              </a:rPr>
+              <a:t>(</a:t>
+            </a:r>
+            <a:r>
+              <a:rPr lang="en-US" altLang="zh-TW" sz="2400" b="1" dirty="0" err="1">
+                <a:solidFill>
+                  <a:srgbClr val="9CDCFE"/>
+                </a:solidFill>
+                <a:latin typeface="Fira Code"/>
+              </a:rPr>
+              <a:t>arrayA</a:t>
+            </a:r>
+            <a:r>
+              <a:rPr lang="en-US" altLang="zh-TW" sz="2400" b="1" dirty="0">
+                <a:solidFill>
+                  <a:srgbClr val="D4D4D4"/>
+                </a:solidFill>
+                <a:latin typeface="Fira Code"/>
+              </a:rPr>
+              <a:t>, </a:t>
+            </a:r>
+            <a:r>
+              <a:rPr lang="en-US" altLang="zh-TW" sz="2400" b="1" dirty="0" err="1">
+                <a:solidFill>
+                  <a:srgbClr val="9CDCFE"/>
+                </a:solidFill>
+                <a:latin typeface="Fira Code"/>
+              </a:rPr>
+              <a:t>arrayB</a:t>
+            </a:r>
+            <a:r>
+              <a:rPr lang="en-US" altLang="zh-TW" sz="2400" b="1" dirty="0">
+                <a:solidFill>
+                  <a:srgbClr val="D4D4D4"/>
+                </a:solidFill>
+                <a:latin typeface="Fira Code"/>
+              </a:rPr>
+              <a:t>);</a:t>
+            </a:r>
+          </a:p>
+        </p:txBody>
+      </p:sp>
+      <p:sp>
+        <p:nvSpPr>
+          <p:cNvPr id="6" name="文字方塊 5">
+            <a:extLst>
+              <a:ext uri="{FF2B5EF4-FFF2-40B4-BE49-F238E27FC236}">
+                <a16:creationId xmlns:a16="http://schemas.microsoft.com/office/drawing/2014/main" id="{339C2F65-16E9-4147-9451-0FD9909B3878}"/>
+              </a:ext>
+            </a:extLst>
+          </p:cNvPr>
+          <p:cNvSpPr txBox="1"/>
+          <p:nvPr/>
+        </p:nvSpPr>
+        <p:spPr>
+          <a:xfrm>
+            <a:off x="838200" y="5691783"/>
+            <a:ext cx="877163" cy="369332"/>
+          </a:xfrm>
+          <a:prstGeom prst="rect">
+            <a:avLst/>
+          </a:prstGeom>
+          <a:noFill/>
+        </p:spPr>
+        <p:txBody>
+          <a:bodyPr wrap="none" rtlCol="0">
+            <a:spAutoFit/>
+          </a:bodyPr>
+          <a:lstStyle/>
+          <a:p>
+            <a:r>
+              <a:rPr lang="zh-TW" altLang="en-US" b="1" dirty="0">
+                <a:latin typeface="微軟正黑體" panose="020B0604030504040204" pitchFamily="34" charset="-120"/>
+                <a:ea typeface="微軟正黑體" panose="020B0604030504040204" pitchFamily="34" charset="-120"/>
+              </a:rPr>
+              <a:t>周本諴</a:t>
+            </a:r>
+          </a:p>
+        </p:txBody>
+      </p:sp>
+      <p:cxnSp>
+        <p:nvCxnSpPr>
+          <p:cNvPr id="7" name="直線接點 6">
+            <a:extLst>
+              <a:ext uri="{FF2B5EF4-FFF2-40B4-BE49-F238E27FC236}">
+                <a16:creationId xmlns:a16="http://schemas.microsoft.com/office/drawing/2014/main" id="{CA38C0AC-00B9-41B9-85AB-7836D7D3E6B8}"/>
+              </a:ext>
+            </a:extLst>
+          </p:cNvPr>
+          <p:cNvCxnSpPr>
+            <a:cxnSpLocks/>
+          </p:cNvCxnSpPr>
+          <p:nvPr/>
+        </p:nvCxnSpPr>
+        <p:spPr>
+          <a:xfrm>
+            <a:off x="914400" y="1442906"/>
+            <a:ext cx="10439400" cy="0"/>
+          </a:xfrm>
+          <a:prstGeom prst="line">
+            <a:avLst/>
+          </a:prstGeom>
+          <a:ln w="28575">
+            <a:solidFill>
+              <a:srgbClr val="569CD6"/>
+            </a:solidFill>
+          </a:ln>
+        </p:spPr>
+        <p:style>
+          <a:lnRef idx="1">
+            <a:schemeClr val="accent1"/>
+          </a:lnRef>
+          <a:fillRef idx="0">
+            <a:schemeClr val="accent1"/>
+          </a:fillRef>
+          <a:effectRef idx="0">
+            <a:schemeClr val="accent1"/>
+          </a:effectRef>
+          <a:fontRef idx="minor">
+            <a:schemeClr val="tx1"/>
+          </a:fontRef>
+        </p:style>
+      </p:cxnSp>
+    </p:spTree>
+    <p:extLst>
+      <p:ext uri="{BB962C8B-B14F-4D97-AF65-F5344CB8AC3E}">
+        <p14:creationId xmlns:p14="http://schemas.microsoft.com/office/powerpoint/2010/main" val="1101340411"/>
+      </p:ext>
+    </p:extLst>
+  </p:cSld>
+  <p:clrMapOvr>
+    <a:masterClrMapping/>
+  </p:clrMapOvr>
+</p:sld>
+</file>
+
+<file path=ppt/slides/slide11.xml><?xml version="1.0" encoding="utf-8"?>
+<p:sld xmlns:a="http://schemas.openxmlformats.org/drawingml/2006/main" xmlns:r="http://schemas.openxmlformats.org/officeDocument/2006/relationships" xmlns:p="http://schemas.openxmlformats.org/presentationml/2006/main">
+  <p:cSld>
+    <p:spTree>
+      <p:nvGrpSpPr>
+        <p:cNvPr id="1" name=""/>
+        <p:cNvGrpSpPr/>
+        <p:nvPr/>
+      </p:nvGrpSpPr>
+      <p:grpSpPr>
+        <a:xfrm>
+          <a:off x="0" y="0"/>
+          <a:ext cx="0" cy="0"/>
+          <a:chOff x="0" y="0"/>
+          <a:chExt cx="0" cy="0"/>
+        </a:xfrm>
+      </p:grpSpPr>
+      <p:sp>
+        <p:nvSpPr>
+          <p:cNvPr id="2" name="標題 1">
+            <a:extLst>
+              <a:ext uri="{FF2B5EF4-FFF2-40B4-BE49-F238E27FC236}">
+                <a16:creationId xmlns:a16="http://schemas.microsoft.com/office/drawing/2014/main" id="{41B831E1-2F28-4D6E-A6CE-A3C9FACEF6CC}"/>
+              </a:ext>
+            </a:extLst>
+          </p:cNvPr>
+          <p:cNvSpPr>
+            <a:spLocks noGrp="1"/>
+          </p:cNvSpPr>
+          <p:nvPr>
+            <p:ph type="title"/>
+          </p:nvPr>
+        </p:nvSpPr>
+        <p:spPr/>
+        <p:txBody>
+          <a:bodyPr/>
+          <a:lstStyle/>
+          <a:p>
+            <a:r>
+              <a:rPr lang="zh-TW" altLang="zh-TW" dirty="0">
+                <a:latin typeface="微軟正黑體" panose="020B0604030504040204" pitchFamily="34" charset="-120"/>
+                <a:ea typeface="微軟正黑體" panose="020B0604030504040204" pitchFamily="34" charset="-120"/>
+              </a:rPr>
+              <a:t>陣列</a:t>
+            </a:r>
+            <a:endParaRPr lang="zh-TW" altLang="en-US" dirty="0">
+              <a:latin typeface="微軟正黑體" panose="020B0604030504040204" pitchFamily="34" charset="-120"/>
+              <a:ea typeface="微軟正黑體" panose="020B0604030504040204" pitchFamily="34" charset="-120"/>
+            </a:endParaRPr>
+          </a:p>
+        </p:txBody>
+      </p:sp>
+      <p:sp>
+        <p:nvSpPr>
+          <p:cNvPr id="4" name="內容版面配置區 2">
+            <a:extLst>
+              <a:ext uri="{FF2B5EF4-FFF2-40B4-BE49-F238E27FC236}">
+                <a16:creationId xmlns:a16="http://schemas.microsoft.com/office/drawing/2014/main" id="{13F4E71E-5606-4D68-8106-6EF8EB15B0F1}"/>
+              </a:ext>
+            </a:extLst>
+          </p:cNvPr>
+          <p:cNvSpPr>
+            <a:spLocks noGrp="1"/>
+          </p:cNvSpPr>
+          <p:nvPr>
+            <p:ph idx="1"/>
+          </p:nvPr>
+        </p:nvSpPr>
+        <p:spPr>
+          <a:xfrm>
+            <a:off x="838201" y="1825625"/>
+            <a:ext cx="4697922" cy="4235490"/>
+          </a:xfrm>
+        </p:spPr>
+        <p:txBody>
+          <a:bodyPr/>
+          <a:lstStyle/>
+          <a:p>
+            <a:r>
+              <a:rPr lang="zh-TW" altLang="en-US" dirty="0">
+                <a:latin typeface="微軟正黑體" panose="020B0604030504040204" pitchFamily="34" charset="-120"/>
+                <a:ea typeface="微軟正黑體" panose="020B0604030504040204" pitchFamily="34" charset="-120"/>
+              </a:rPr>
+              <a:t>我們在建立一個物件的時候</a:t>
+            </a:r>
+            <a:r>
+              <a:rPr lang="en-US" altLang="zh-TW" dirty="0">
+                <a:latin typeface="微軟正黑體" panose="020B0604030504040204" pitchFamily="34" charset="-120"/>
+                <a:ea typeface="微軟正黑體" panose="020B0604030504040204" pitchFamily="34" charset="-120"/>
+              </a:rPr>
+              <a:t>,JavaScript </a:t>
+            </a:r>
+            <a:r>
+              <a:rPr lang="zh-TW" altLang="en-US" dirty="0">
+                <a:latin typeface="微軟正黑體" panose="020B0604030504040204" pitchFamily="34" charset="-120"/>
+                <a:ea typeface="微軟正黑體" panose="020B0604030504040204" pitchFamily="34" charset="-120"/>
+              </a:rPr>
+              <a:t>會在記憶體的某處建立起一個物件</a:t>
+            </a:r>
+            <a:r>
+              <a:rPr lang="en-US" altLang="zh-TW" dirty="0">
+                <a:latin typeface="微軟正黑體" panose="020B0604030504040204" pitchFamily="34" charset="-120"/>
+                <a:ea typeface="微軟正黑體" panose="020B0604030504040204" pitchFamily="34" charset="-120"/>
+              </a:rPr>
+              <a:t>(</a:t>
+            </a:r>
+            <a:r>
+              <a:rPr lang="zh-TW" altLang="en-US" dirty="0">
+                <a:latin typeface="微軟正黑體" panose="020B0604030504040204" pitchFamily="34" charset="-120"/>
+                <a:ea typeface="微軟正黑體" panose="020B0604030504040204" pitchFamily="34" charset="-120"/>
+              </a:rPr>
+              <a:t>圖右側</a:t>
+            </a:r>
+            <a:r>
+              <a:rPr lang="en-US" altLang="zh-TW" dirty="0">
+                <a:latin typeface="微軟正黑體" panose="020B0604030504040204" pitchFamily="34" charset="-120"/>
+                <a:ea typeface="微軟正黑體" panose="020B0604030504040204" pitchFamily="34" charset="-120"/>
+              </a:rPr>
+              <a:t>),</a:t>
+            </a:r>
+            <a:r>
+              <a:rPr lang="zh-TW" altLang="en-US" dirty="0">
+                <a:latin typeface="微軟正黑體" panose="020B0604030504040204" pitchFamily="34" charset="-120"/>
+                <a:ea typeface="微軟正黑體" panose="020B0604030504040204" pitchFamily="34" charset="-120"/>
+              </a:rPr>
+              <a:t>然後再將 </a:t>
+            </a:r>
+            <a:r>
+              <a:rPr lang="en-US" altLang="zh-TW" dirty="0" err="1">
+                <a:latin typeface="微軟正黑體" panose="020B0604030504040204" pitchFamily="34" charset="-120"/>
+                <a:ea typeface="微軟正黑體" panose="020B0604030504040204" pitchFamily="34" charset="-120"/>
+              </a:rPr>
+              <a:t>arrayA</a:t>
+            </a:r>
+            <a:r>
+              <a:rPr lang="zh-TW" altLang="en-US" dirty="0">
+                <a:latin typeface="微軟正黑體" panose="020B0604030504040204" pitchFamily="34" charset="-120"/>
+                <a:ea typeface="微軟正黑體" panose="020B0604030504040204" pitchFamily="34" charset="-120"/>
+              </a:rPr>
+              <a:t>變數指向新生成的物件。</a:t>
+            </a:r>
+            <a:endParaRPr lang="en-US" altLang="zh-TW" dirty="0">
+              <a:latin typeface="微軟正黑體" panose="020B0604030504040204" pitchFamily="34" charset="-120"/>
+              <a:ea typeface="微軟正黑體" panose="020B0604030504040204" pitchFamily="34" charset="-120"/>
+            </a:endParaRPr>
+          </a:p>
+        </p:txBody>
+      </p:sp>
+      <p:sp>
+        <p:nvSpPr>
+          <p:cNvPr id="5" name="文字方塊 4">
+            <a:extLst>
+              <a:ext uri="{FF2B5EF4-FFF2-40B4-BE49-F238E27FC236}">
+                <a16:creationId xmlns:a16="http://schemas.microsoft.com/office/drawing/2014/main" id="{EF60F5A9-CCFF-4648-BDFF-957B64002AB2}"/>
+              </a:ext>
+            </a:extLst>
+          </p:cNvPr>
+          <p:cNvSpPr txBox="1"/>
+          <p:nvPr/>
+        </p:nvSpPr>
+        <p:spPr>
+          <a:xfrm>
+            <a:off x="5756549" y="5389144"/>
+            <a:ext cx="5882920" cy="461665"/>
+          </a:xfrm>
+          <a:prstGeom prst="rect">
+            <a:avLst/>
+          </a:prstGeom>
+          <a:solidFill>
+            <a:schemeClr val="tx1">
+              <a:lumMod val="65000"/>
+              <a:lumOff val="35000"/>
+            </a:schemeClr>
+          </a:solidFill>
+        </p:spPr>
+        <p:txBody>
+          <a:bodyPr wrap="square" rtlCol="0">
+            <a:spAutoFit/>
+          </a:bodyPr>
+          <a:lstStyle/>
+          <a:p>
+            <a:pPr marL="0" marR="0" lvl="0" indent="0" algn="l" defTabSz="914400" rtl="0" eaLnBrk="1" fontAlgn="auto" latinLnBrk="0" hangingPunct="1">
+              <a:lnSpc>
+                <a:spcPct val="100000"/>
+              </a:lnSpc>
+              <a:spcBef>
+                <a:spcPts val="0"/>
+              </a:spcBef>
+              <a:spcAft>
+                <a:spcPts val="0"/>
+              </a:spcAft>
+              <a:buClrTx/>
+              <a:buSzTx/>
+              <a:buFontTx/>
+              <a:buNone/>
+              <a:tabLst/>
+              <a:defRPr/>
+            </a:pPr>
+            <a:r>
+              <a:rPr kumimoji="0" lang="en-US" altLang="zh-TW" sz="2400" b="1" i="0" u="none" strike="noStrike" kern="1200" cap="none" spc="0" normalizeH="0" baseline="0" noProof="0" dirty="0">
+                <a:ln>
+                  <a:noFill/>
+                </a:ln>
+                <a:solidFill>
+                  <a:srgbClr val="569CD6"/>
+                </a:solidFill>
+                <a:effectLst/>
+                <a:uLnTx/>
+                <a:uFillTx/>
+                <a:latin typeface="Fira Code"/>
+                <a:ea typeface="新細明體" panose="02020500000000000000" pitchFamily="18" charset="-120"/>
+                <a:cs typeface="+mn-cs"/>
+              </a:rPr>
+              <a:t>var</a:t>
+            </a:r>
+            <a:r>
+              <a:rPr kumimoji="0" lang="en-US" altLang="zh-TW" sz="2400" b="1" i="0" u="none" strike="noStrike" kern="1200" cap="none" spc="0" normalizeH="0" baseline="0" noProof="0" dirty="0">
+                <a:ln>
+                  <a:noFill/>
+                </a:ln>
+                <a:solidFill>
+                  <a:srgbClr val="D4D4D4"/>
+                </a:solidFill>
+                <a:effectLst/>
+                <a:uLnTx/>
+                <a:uFillTx/>
+                <a:latin typeface="Fira Code"/>
+                <a:ea typeface="新細明體" panose="02020500000000000000" pitchFamily="18" charset="-120"/>
+                <a:cs typeface="+mn-cs"/>
+              </a:rPr>
+              <a:t> </a:t>
+            </a:r>
+            <a:r>
+              <a:rPr kumimoji="0" lang="en-US" altLang="zh-TW" sz="2400" b="1" i="0" u="none" strike="noStrike" kern="1200" cap="none" spc="0" normalizeH="0" baseline="0" noProof="0" dirty="0" err="1">
+                <a:ln>
+                  <a:noFill/>
+                </a:ln>
+                <a:solidFill>
+                  <a:srgbClr val="9CDCFE"/>
+                </a:solidFill>
+                <a:effectLst/>
+                <a:uLnTx/>
+                <a:uFillTx/>
+                <a:latin typeface="Fira Code"/>
+                <a:ea typeface="新細明體" panose="02020500000000000000" pitchFamily="18" charset="-120"/>
+                <a:cs typeface="+mn-cs"/>
+              </a:rPr>
+              <a:t>arrayA</a:t>
+            </a:r>
+            <a:r>
+              <a:rPr kumimoji="0" lang="en-US" altLang="zh-TW" sz="2400" b="1" i="0" u="none" strike="noStrike" kern="1200" cap="none" spc="0" normalizeH="0" baseline="0" noProof="0" dirty="0">
+                <a:ln>
+                  <a:noFill/>
+                </a:ln>
+                <a:solidFill>
+                  <a:srgbClr val="D4D4D4"/>
+                </a:solidFill>
+                <a:effectLst/>
+                <a:uLnTx/>
+                <a:uFillTx/>
+                <a:latin typeface="Fira Code"/>
+                <a:ea typeface="新細明體" panose="02020500000000000000" pitchFamily="18" charset="-120"/>
+                <a:cs typeface="+mn-cs"/>
+              </a:rPr>
+              <a:t> = [</a:t>
+            </a:r>
+            <a:r>
+              <a:rPr kumimoji="0" lang="en-US" altLang="zh-TW" sz="2400" b="1" i="0" u="none" strike="noStrike" kern="1200" cap="none" spc="0" normalizeH="0" baseline="0" noProof="0" dirty="0">
+                <a:ln>
+                  <a:noFill/>
+                </a:ln>
+                <a:solidFill>
+                  <a:srgbClr val="B5CEA8"/>
+                </a:solidFill>
+                <a:effectLst/>
+                <a:uLnTx/>
+                <a:uFillTx/>
+                <a:latin typeface="Fira Code"/>
+                <a:ea typeface="新細明體" panose="02020500000000000000" pitchFamily="18" charset="-120"/>
+                <a:cs typeface="+mn-cs"/>
+              </a:rPr>
+              <a:t>1</a:t>
+            </a:r>
+            <a:r>
+              <a:rPr kumimoji="0" lang="en-US" altLang="zh-TW" sz="2400" b="1" i="0" u="none" strike="noStrike" kern="1200" cap="none" spc="0" normalizeH="0" baseline="0" noProof="0" dirty="0">
+                <a:ln>
+                  <a:noFill/>
+                </a:ln>
+                <a:solidFill>
+                  <a:srgbClr val="D4D4D4"/>
+                </a:solidFill>
+                <a:effectLst/>
+                <a:uLnTx/>
+                <a:uFillTx/>
+                <a:latin typeface="Fira Code"/>
+                <a:ea typeface="新細明體" panose="02020500000000000000" pitchFamily="18" charset="-120"/>
+                <a:cs typeface="+mn-cs"/>
+              </a:rPr>
+              <a:t>, </a:t>
+            </a:r>
+            <a:r>
+              <a:rPr kumimoji="0" lang="en-US" altLang="zh-TW" sz="2400" b="1" i="0" u="none" strike="noStrike" kern="1200" cap="none" spc="0" normalizeH="0" baseline="0" noProof="0" dirty="0">
+                <a:ln>
+                  <a:noFill/>
+                </a:ln>
+                <a:solidFill>
+                  <a:srgbClr val="B5CEA8"/>
+                </a:solidFill>
+                <a:effectLst/>
+                <a:uLnTx/>
+                <a:uFillTx/>
+                <a:latin typeface="Fira Code"/>
+                <a:ea typeface="新細明體" panose="02020500000000000000" pitchFamily="18" charset="-120"/>
+                <a:cs typeface="+mn-cs"/>
+              </a:rPr>
+              <a:t>2</a:t>
+            </a:r>
+            <a:r>
+              <a:rPr kumimoji="0" lang="en-US" altLang="zh-TW" sz="2400" b="1" i="0" u="none" strike="noStrike" kern="1200" cap="none" spc="0" normalizeH="0" baseline="0" noProof="0" dirty="0">
+                <a:ln>
+                  <a:noFill/>
+                </a:ln>
+                <a:solidFill>
+                  <a:srgbClr val="D4D4D4"/>
+                </a:solidFill>
+                <a:effectLst/>
+                <a:uLnTx/>
+                <a:uFillTx/>
+                <a:latin typeface="Fira Code"/>
+                <a:ea typeface="新細明體" panose="02020500000000000000" pitchFamily="18" charset="-120"/>
+                <a:cs typeface="+mn-cs"/>
+              </a:rPr>
+              <a:t>, </a:t>
+            </a:r>
+            <a:r>
+              <a:rPr kumimoji="0" lang="en-US" altLang="zh-TW" sz="2400" b="1" i="0" u="none" strike="noStrike" kern="1200" cap="none" spc="0" normalizeH="0" baseline="0" noProof="0" dirty="0">
+                <a:ln>
+                  <a:noFill/>
+                </a:ln>
+                <a:solidFill>
+                  <a:srgbClr val="B5CEA8"/>
+                </a:solidFill>
+                <a:effectLst/>
+                <a:uLnTx/>
+                <a:uFillTx/>
+                <a:latin typeface="Fira Code"/>
+                <a:ea typeface="新細明體" panose="02020500000000000000" pitchFamily="18" charset="-120"/>
+                <a:cs typeface="+mn-cs"/>
+              </a:rPr>
+              <a:t>3</a:t>
+            </a:r>
+            <a:r>
+              <a:rPr kumimoji="0" lang="en-US" altLang="zh-TW" sz="2400" b="1" i="0" u="none" strike="noStrike" kern="1200" cap="none" spc="0" normalizeH="0" baseline="0" noProof="0" dirty="0">
+                <a:ln>
+                  <a:noFill/>
+                </a:ln>
+                <a:solidFill>
+                  <a:srgbClr val="D4D4D4"/>
+                </a:solidFill>
+                <a:effectLst/>
+                <a:uLnTx/>
+                <a:uFillTx/>
+                <a:latin typeface="Fira Code"/>
+                <a:ea typeface="新細明體" panose="02020500000000000000" pitchFamily="18" charset="-120"/>
+                <a:cs typeface="+mn-cs"/>
+              </a:rPr>
+              <a:t>];</a:t>
+            </a:r>
+          </a:p>
+        </p:txBody>
+      </p:sp>
+      <p:sp>
+        <p:nvSpPr>
+          <p:cNvPr id="6" name="文字方塊 5">
+            <a:extLst>
+              <a:ext uri="{FF2B5EF4-FFF2-40B4-BE49-F238E27FC236}">
+                <a16:creationId xmlns:a16="http://schemas.microsoft.com/office/drawing/2014/main" id="{339C2F65-16E9-4147-9451-0FD9909B3878}"/>
+              </a:ext>
+            </a:extLst>
+          </p:cNvPr>
+          <p:cNvSpPr txBox="1"/>
+          <p:nvPr/>
+        </p:nvSpPr>
+        <p:spPr>
+          <a:xfrm>
+            <a:off x="838200" y="5691783"/>
+            <a:ext cx="877163" cy="369332"/>
+          </a:xfrm>
+          <a:prstGeom prst="rect">
+            <a:avLst/>
+          </a:prstGeom>
+          <a:noFill/>
+        </p:spPr>
+        <p:txBody>
+          <a:bodyPr wrap="none" rtlCol="0">
+            <a:spAutoFit/>
+          </a:bodyPr>
+          <a:lstStyle/>
+          <a:p>
+            <a:pPr marL="0" marR="0" lvl="0" indent="0" algn="l" defTabSz="914400" rtl="0" eaLnBrk="1" fontAlgn="auto" latinLnBrk="0" hangingPunct="1">
+              <a:lnSpc>
+                <a:spcPct val="100000"/>
+              </a:lnSpc>
+              <a:spcBef>
+                <a:spcPts val="0"/>
+              </a:spcBef>
+              <a:spcAft>
+                <a:spcPts val="0"/>
+              </a:spcAft>
+              <a:buClrTx/>
+              <a:buSzTx/>
+              <a:buFontTx/>
+              <a:buNone/>
+              <a:tabLst/>
+              <a:defRPr/>
+            </a:pPr>
+            <a:r>
+              <a:rPr kumimoji="0" lang="zh-TW" altLang="en-US" sz="1800" b="1" i="0" u="none" strike="noStrike" kern="1200" cap="none" spc="0" normalizeH="0" baseline="0" noProof="0" dirty="0">
+                <a:ln>
+                  <a:noFill/>
+                </a:ln>
+                <a:solidFill>
+                  <a:prstClr val="black"/>
+                </a:solidFill>
+                <a:effectLst/>
+                <a:uLnTx/>
+                <a:uFillTx/>
+                <a:latin typeface="微軟正黑體" panose="020B0604030504040204" pitchFamily="34" charset="-120"/>
+                <a:ea typeface="微軟正黑體" panose="020B0604030504040204" pitchFamily="34" charset="-120"/>
+                <a:cs typeface="+mn-cs"/>
+              </a:rPr>
+              <a:t>周本諴</a:t>
+            </a:r>
+          </a:p>
+        </p:txBody>
+      </p:sp>
+      <p:cxnSp>
+        <p:nvCxnSpPr>
+          <p:cNvPr id="7" name="直線接點 6">
+            <a:extLst>
+              <a:ext uri="{FF2B5EF4-FFF2-40B4-BE49-F238E27FC236}">
+                <a16:creationId xmlns:a16="http://schemas.microsoft.com/office/drawing/2014/main" id="{CA38C0AC-00B9-41B9-85AB-7836D7D3E6B8}"/>
+              </a:ext>
+            </a:extLst>
+          </p:cNvPr>
+          <p:cNvCxnSpPr>
+            <a:cxnSpLocks/>
+          </p:cNvCxnSpPr>
+          <p:nvPr/>
+        </p:nvCxnSpPr>
+        <p:spPr>
+          <a:xfrm>
+            <a:off x="914400" y="1442906"/>
+            <a:ext cx="10439400" cy="0"/>
+          </a:xfrm>
+          <a:prstGeom prst="line">
+            <a:avLst/>
+          </a:prstGeom>
+          <a:ln w="28575">
+            <a:solidFill>
+              <a:srgbClr val="569CD6"/>
+            </a:solidFill>
+          </a:ln>
+        </p:spPr>
+        <p:style>
+          <a:lnRef idx="1">
+            <a:schemeClr val="accent1"/>
+          </a:lnRef>
+          <a:fillRef idx="0">
+            <a:schemeClr val="accent1"/>
+          </a:fillRef>
+          <a:effectRef idx="0">
+            <a:schemeClr val="accent1"/>
+          </a:effectRef>
+          <a:fontRef idx="minor">
+            <a:schemeClr val="tx1"/>
+          </a:fontRef>
+        </p:style>
+      </p:cxnSp>
+      <p:pic>
+        <p:nvPicPr>
+          <p:cNvPr id="10" name="圖片 9">
+            <a:extLst>
+              <a:ext uri="{FF2B5EF4-FFF2-40B4-BE49-F238E27FC236}">
+                <a16:creationId xmlns:a16="http://schemas.microsoft.com/office/drawing/2014/main" id="{BD4EB98C-69DB-4A53-A3EB-A38D180F4447}"/>
+              </a:ext>
+            </a:extLst>
+          </p:cNvPr>
+          <p:cNvPicPr>
+            <a:picLocks noChangeAspect="1"/>
+          </p:cNvPicPr>
+          <p:nvPr/>
+        </p:nvPicPr>
+        <p:blipFill>
+          <a:blip r:embed="rId2">
+            <a:extLst>
+              <a:ext uri="{28A0092B-C50C-407E-A947-70E740481C1C}">
+                <a14:useLocalDpi xmlns:a14="http://schemas.microsoft.com/office/drawing/2010/main" val="0"/>
+              </a:ext>
+            </a:extLst>
+          </a:blip>
+          <a:stretch>
+            <a:fillRect/>
+          </a:stretch>
+        </p:blipFill>
+        <p:spPr>
+          <a:xfrm>
+            <a:off x="5595457" y="1825625"/>
+            <a:ext cx="6205105" cy="3311666"/>
+          </a:xfrm>
+          <a:prstGeom prst="rect">
+            <a:avLst/>
+          </a:prstGeom>
+        </p:spPr>
+      </p:pic>
+      <p:grpSp>
+        <p:nvGrpSpPr>
+          <p:cNvPr id="13" name="群組 12">
+            <a:extLst>
+              <a:ext uri="{FF2B5EF4-FFF2-40B4-BE49-F238E27FC236}">
+                <a16:creationId xmlns:a16="http://schemas.microsoft.com/office/drawing/2014/main" id="{FD6A51E6-08B7-4016-B959-AEBB814E49C5}"/>
+              </a:ext>
+            </a:extLst>
+          </p:cNvPr>
+          <p:cNvGrpSpPr/>
+          <p:nvPr/>
+        </p:nvGrpSpPr>
+        <p:grpSpPr>
+          <a:xfrm>
+            <a:off x="6502120" y="2369628"/>
+            <a:ext cx="894360" cy="878961"/>
+            <a:chOff x="12568985" y="1268399"/>
+            <a:chExt cx="894360" cy="878961"/>
+          </a:xfrm>
+        </p:grpSpPr>
+        <p:sp>
+          <p:nvSpPr>
+            <p:cNvPr id="12" name="橢圓 11">
+              <a:extLst>
+                <a:ext uri="{FF2B5EF4-FFF2-40B4-BE49-F238E27FC236}">
+                  <a16:creationId xmlns:a16="http://schemas.microsoft.com/office/drawing/2014/main" id="{92E72F0A-E741-4CEF-9F75-ADF4ADCE1B47}"/>
+                </a:ext>
+              </a:extLst>
+            </p:cNvPr>
+            <p:cNvSpPr/>
+            <p:nvPr/>
+          </p:nvSpPr>
+          <p:spPr>
+            <a:xfrm>
+              <a:off x="12568985" y="1268399"/>
+              <a:ext cx="894360" cy="878961"/>
+            </a:xfrm>
+            <a:prstGeom prst="ellipse">
+              <a:avLst/>
+            </a:prstGeom>
+            <a:solidFill>
+              <a:srgbClr val="F315A4"/>
+            </a:solidFill>
+          </p:spPr>
+          <p:style>
+            <a:lnRef idx="2">
+              <a:schemeClr val="accent1">
+                <a:shade val="50000"/>
+              </a:schemeClr>
+            </a:lnRef>
+            <a:fillRef idx="1">
+              <a:schemeClr val="accent1"/>
+            </a:fillRef>
+            <a:effectRef idx="0">
+              <a:schemeClr val="accent1"/>
+            </a:effectRef>
+            <a:fontRef idx="minor">
+              <a:schemeClr val="lt1"/>
+            </a:fontRef>
+          </p:style>
+          <p:txBody>
+            <a:bodyPr rtlCol="0" anchor="ctr"/>
+            <a:lstStyle/>
+            <a:p>
+              <a:pPr marL="0" marR="0" lvl="0" indent="0" algn="ctr" defTabSz="914400" rtl="0" eaLnBrk="1" fontAlgn="auto" latinLnBrk="0" hangingPunct="1">
+                <a:lnSpc>
+                  <a:spcPct val="100000"/>
+                </a:lnSpc>
+                <a:spcBef>
+                  <a:spcPts val="0"/>
+                </a:spcBef>
+                <a:spcAft>
+                  <a:spcPts val="0"/>
+                </a:spcAft>
+                <a:buClrTx/>
+                <a:buSzTx/>
+                <a:buFontTx/>
+                <a:buNone/>
+                <a:tabLst/>
+                <a:defRPr/>
+              </a:pPr>
+              <a:endParaRPr kumimoji="0" lang="zh-TW" altLang="en-US" sz="1800" b="0" i="0" u="none" strike="noStrike" kern="1200" cap="none" spc="0" normalizeH="0" baseline="0" noProof="0">
+                <a:ln>
+                  <a:noFill/>
+                </a:ln>
+                <a:solidFill>
+                  <a:prstClr val="white"/>
+                </a:solidFill>
+                <a:effectLst/>
+                <a:uLnTx/>
+                <a:uFillTx/>
+                <a:latin typeface="Calibri" panose="020F0502020204030204"/>
+                <a:ea typeface="新細明體" panose="02020500000000000000" pitchFamily="18" charset="-120"/>
+                <a:cs typeface="+mn-cs"/>
+              </a:endParaRPr>
+            </a:p>
+          </p:txBody>
+        </p:sp>
+        <p:sp>
+          <p:nvSpPr>
+            <p:cNvPr id="11" name="文字方塊 10">
+              <a:extLst>
+                <a:ext uri="{FF2B5EF4-FFF2-40B4-BE49-F238E27FC236}">
+                  <a16:creationId xmlns:a16="http://schemas.microsoft.com/office/drawing/2014/main" id="{51BDB37D-E799-471A-A323-C45ECA19AFB9}"/>
+                </a:ext>
+              </a:extLst>
+            </p:cNvPr>
+            <p:cNvSpPr txBox="1"/>
+            <p:nvPr/>
+          </p:nvSpPr>
+          <p:spPr>
+            <a:xfrm>
+              <a:off x="12609625" y="1513054"/>
+              <a:ext cx="794385" cy="369332"/>
+            </a:xfrm>
+            <a:prstGeom prst="rect">
+              <a:avLst/>
+            </a:prstGeom>
+            <a:noFill/>
+          </p:spPr>
+          <p:txBody>
+            <a:bodyPr wrap="none" rtlCol="0">
+              <a:spAutoFit/>
+            </a:bodyPr>
+            <a:lstStyle/>
+            <a:p>
+              <a:pPr marL="0" marR="0" lvl="0" indent="0" algn="l" defTabSz="914400" rtl="0" eaLnBrk="1" fontAlgn="auto" latinLnBrk="0" hangingPunct="1">
+                <a:lnSpc>
+                  <a:spcPct val="100000"/>
+                </a:lnSpc>
+                <a:spcBef>
+                  <a:spcPts val="0"/>
+                </a:spcBef>
+                <a:spcAft>
+                  <a:spcPts val="0"/>
+                </a:spcAft>
+                <a:buClrTx/>
+                <a:buSzTx/>
+                <a:buFontTx/>
+                <a:buNone/>
+                <a:tabLst/>
+                <a:defRPr/>
+              </a:pPr>
+              <a:r>
+                <a:rPr kumimoji="0" lang="en-US" altLang="zh-TW" sz="1800" b="0" i="0" u="none" strike="noStrike" kern="1200" cap="none" spc="0" normalizeH="0" baseline="0" noProof="0" dirty="0" err="1">
+                  <a:ln>
+                    <a:noFill/>
+                  </a:ln>
+                  <a:solidFill>
+                    <a:prstClr val="white"/>
+                  </a:solidFill>
+                  <a:effectLst/>
+                  <a:uLnTx/>
+                  <a:uFillTx/>
+                  <a:latin typeface="Calibri" panose="020F0502020204030204"/>
+                  <a:ea typeface="新細明體" panose="02020500000000000000" pitchFamily="18" charset="-120"/>
+                  <a:cs typeface="+mn-cs"/>
+                </a:rPr>
+                <a:t>arrayA</a:t>
+              </a:r>
+              <a:endParaRPr kumimoji="0" lang="zh-TW" altLang="en-US" sz="1800" b="0" i="0" u="none" strike="noStrike" kern="1200" cap="none" spc="0" normalizeH="0" baseline="0" noProof="0" dirty="0">
+                <a:ln>
+                  <a:noFill/>
+                </a:ln>
+                <a:solidFill>
+                  <a:prstClr val="white"/>
+                </a:solidFill>
+                <a:effectLst/>
+                <a:uLnTx/>
+                <a:uFillTx/>
+                <a:latin typeface="Calibri" panose="020F0502020204030204"/>
+                <a:ea typeface="新細明體" panose="02020500000000000000" pitchFamily="18" charset="-120"/>
+                <a:cs typeface="+mn-cs"/>
+              </a:endParaRPr>
+            </a:p>
+          </p:txBody>
+        </p:sp>
+      </p:grpSp>
+    </p:spTree>
+    <p:extLst>
+      <p:ext uri="{BB962C8B-B14F-4D97-AF65-F5344CB8AC3E}">
+        <p14:creationId xmlns:p14="http://schemas.microsoft.com/office/powerpoint/2010/main" val="3060922564"/>
+      </p:ext>
+    </p:extLst>
+  </p:cSld>
+  <p:clrMapOvr>
+    <a:masterClrMapping/>
+  </p:clrMapOvr>
+</p:sld>
+</file>
+
+<file path=ppt/slides/slide12.xml><?xml version="1.0" encoding="utf-8"?>
+<p:sld xmlns:a="http://schemas.openxmlformats.org/drawingml/2006/main" xmlns:r="http://schemas.openxmlformats.org/officeDocument/2006/relationships" xmlns:p="http://schemas.openxmlformats.org/presentationml/2006/main">
+  <p:cSld>
+    <p:spTree>
+      <p:nvGrpSpPr>
+        <p:cNvPr id="1" name=""/>
+        <p:cNvGrpSpPr/>
+        <p:nvPr/>
+      </p:nvGrpSpPr>
+      <p:grpSpPr>
+        <a:xfrm>
+          <a:off x="0" y="0"/>
+          <a:ext cx="0" cy="0"/>
+          <a:chOff x="0" y="0"/>
+          <a:chExt cx="0" cy="0"/>
+        </a:xfrm>
+      </p:grpSpPr>
+      <p:sp>
+        <p:nvSpPr>
+          <p:cNvPr id="2" name="標題 1">
+            <a:extLst>
+              <a:ext uri="{FF2B5EF4-FFF2-40B4-BE49-F238E27FC236}">
+                <a16:creationId xmlns:a16="http://schemas.microsoft.com/office/drawing/2014/main" id="{41B831E1-2F28-4D6E-A6CE-A3C9FACEF6CC}"/>
+              </a:ext>
+            </a:extLst>
+          </p:cNvPr>
+          <p:cNvSpPr>
+            <a:spLocks noGrp="1"/>
+          </p:cNvSpPr>
+          <p:nvPr>
+            <p:ph type="title"/>
+          </p:nvPr>
+        </p:nvSpPr>
+        <p:spPr/>
+        <p:txBody>
+          <a:bodyPr/>
+          <a:lstStyle/>
+          <a:p>
+            <a:r>
+              <a:rPr lang="zh-TW" altLang="zh-TW" dirty="0">
+                <a:latin typeface="微軟正黑體" panose="020B0604030504040204" pitchFamily="34" charset="-120"/>
+                <a:ea typeface="微軟正黑體" panose="020B0604030504040204" pitchFamily="34" charset="-120"/>
+              </a:rPr>
+              <a:t>陣列</a:t>
+            </a:r>
+            <a:endParaRPr lang="zh-TW" altLang="en-US" dirty="0">
+              <a:latin typeface="微軟正黑體" panose="020B0604030504040204" pitchFamily="34" charset="-120"/>
+              <a:ea typeface="微軟正黑體" panose="020B0604030504040204" pitchFamily="34" charset="-120"/>
+            </a:endParaRPr>
+          </a:p>
+        </p:txBody>
+      </p:sp>
+      <p:sp>
+        <p:nvSpPr>
+          <p:cNvPr id="4" name="內容版面配置區 2">
+            <a:extLst>
+              <a:ext uri="{FF2B5EF4-FFF2-40B4-BE49-F238E27FC236}">
+                <a16:creationId xmlns:a16="http://schemas.microsoft.com/office/drawing/2014/main" id="{13F4E71E-5606-4D68-8106-6EF8EB15B0F1}"/>
+              </a:ext>
+            </a:extLst>
+          </p:cNvPr>
+          <p:cNvSpPr>
+            <a:spLocks noGrp="1"/>
+          </p:cNvSpPr>
+          <p:nvPr>
+            <p:ph idx="1"/>
+          </p:nvPr>
+        </p:nvSpPr>
+        <p:spPr>
+          <a:xfrm>
+            <a:off x="838200" y="1825625"/>
+            <a:ext cx="4757257" cy="4351338"/>
+          </a:xfrm>
+        </p:spPr>
+        <p:txBody>
+          <a:bodyPr/>
+          <a:lstStyle/>
+          <a:p>
+            <a:r>
+              <a:rPr lang="zh-TW" altLang="en-US" dirty="0">
+                <a:latin typeface="微軟正黑體" panose="020B0604030504040204" pitchFamily="34" charset="-120"/>
+                <a:ea typeface="微軟正黑體" panose="020B0604030504040204" pitchFamily="34" charset="-120"/>
+              </a:rPr>
+              <a:t>當宣告第二個變數 </a:t>
+            </a:r>
+            <a:r>
+              <a:rPr lang="en-US" altLang="zh-TW" dirty="0" err="1">
+                <a:latin typeface="微軟正黑體" panose="020B0604030504040204" pitchFamily="34" charset="-120"/>
+                <a:ea typeface="微軟正黑體" panose="020B0604030504040204" pitchFamily="34" charset="-120"/>
+              </a:rPr>
+              <a:t>arrayB</a:t>
+            </a:r>
+            <a:r>
+              <a:rPr lang="zh-TW" altLang="en-US" dirty="0">
+                <a:latin typeface="微軟正黑體" panose="020B0604030504040204" pitchFamily="34" charset="-120"/>
+                <a:ea typeface="微軟正黑體" panose="020B0604030504040204" pitchFamily="34" charset="-120"/>
+              </a:rPr>
+              <a:t>之後</a:t>
+            </a:r>
+            <a:r>
+              <a:rPr lang="en-US" altLang="zh-TW" dirty="0">
+                <a:latin typeface="微軟正黑體" panose="020B0604030504040204" pitchFamily="34" charset="-120"/>
+                <a:ea typeface="微軟正黑體" panose="020B0604030504040204" pitchFamily="34" charset="-120"/>
+              </a:rPr>
+              <a:t>,</a:t>
+            </a:r>
+            <a:r>
+              <a:rPr lang="zh-TW" altLang="en-US" dirty="0">
+                <a:latin typeface="微軟正黑體" panose="020B0604030504040204" pitchFamily="34" charset="-120"/>
+                <a:ea typeface="微軟正黑體" panose="020B0604030504040204" pitchFamily="34" charset="-120"/>
+              </a:rPr>
+              <a:t>並透過 </a:t>
+            </a:r>
+            <a:r>
+              <a:rPr lang="en-US" altLang="zh-TW" dirty="0">
+                <a:latin typeface="微軟正黑體" panose="020B0604030504040204" pitchFamily="34" charset="-120"/>
+                <a:ea typeface="微軟正黑體" panose="020B0604030504040204" pitchFamily="34" charset="-120"/>
+              </a:rPr>
+              <a:t>=</a:t>
+            </a:r>
+            <a:r>
+              <a:rPr lang="zh-TW" altLang="en-US" dirty="0">
+                <a:latin typeface="微軟正黑體" panose="020B0604030504040204" pitchFamily="34" charset="-120"/>
+                <a:ea typeface="微軟正黑體" panose="020B0604030504040204" pitchFamily="34" charset="-120"/>
+              </a:rPr>
+              <a:t> 將 </a:t>
+            </a:r>
+            <a:r>
+              <a:rPr lang="en-US" altLang="zh-TW" dirty="0" err="1">
+                <a:latin typeface="微軟正黑體" panose="020B0604030504040204" pitchFamily="34" charset="-120"/>
+                <a:ea typeface="微軟正黑體" panose="020B0604030504040204" pitchFamily="34" charset="-120"/>
+              </a:rPr>
+              <a:t>arrayB</a:t>
+            </a:r>
+            <a:r>
+              <a:rPr lang="zh-TW" altLang="en-US" dirty="0">
+                <a:latin typeface="微軟正黑體" panose="020B0604030504040204" pitchFamily="34" charset="-120"/>
+                <a:ea typeface="微軟正黑體" panose="020B0604030504040204" pitchFamily="34" charset="-120"/>
+              </a:rPr>
+              <a:t> 指向 </a:t>
+            </a:r>
+            <a:r>
+              <a:rPr lang="en-US" altLang="zh-TW" dirty="0" err="1">
+                <a:latin typeface="微軟正黑體" panose="020B0604030504040204" pitchFamily="34" charset="-120"/>
+                <a:ea typeface="微軟正黑體" panose="020B0604030504040204" pitchFamily="34" charset="-120"/>
+              </a:rPr>
+              <a:t>arrayA</a:t>
+            </a:r>
+            <a:r>
+              <a:rPr lang="en-US" altLang="zh-TW" dirty="0">
+                <a:latin typeface="微軟正黑體" panose="020B0604030504040204" pitchFamily="34" charset="-120"/>
+                <a:ea typeface="微軟正黑體" panose="020B0604030504040204" pitchFamily="34" charset="-120"/>
+              </a:rPr>
+              <a:t> </a:t>
+            </a:r>
+            <a:r>
+              <a:rPr lang="zh-TW" altLang="en-US" dirty="0">
+                <a:latin typeface="微軟正黑體" panose="020B0604030504040204" pitchFamily="34" charset="-120"/>
+                <a:ea typeface="微軟正黑體" panose="020B0604030504040204" pitchFamily="34" charset="-120"/>
+              </a:rPr>
+              <a:t>的位置。</a:t>
+            </a:r>
+            <a:endParaRPr lang="en-US" altLang="zh-TW" dirty="0">
+              <a:latin typeface="微軟正黑體" panose="020B0604030504040204" pitchFamily="34" charset="-120"/>
+              <a:ea typeface="微軟正黑體" panose="020B0604030504040204" pitchFamily="34" charset="-120"/>
+            </a:endParaRPr>
+          </a:p>
+          <a:p>
+            <a:pPr marL="0" indent="0">
+              <a:buNone/>
+            </a:pPr>
+            <a:endParaRPr lang="en-US" altLang="zh-TW" dirty="0">
+              <a:latin typeface="微軟正黑體" panose="020B0604030504040204" pitchFamily="34" charset="-120"/>
+              <a:ea typeface="微軟正黑體" panose="020B0604030504040204" pitchFamily="34" charset="-120"/>
+            </a:endParaRPr>
+          </a:p>
+          <a:p>
+            <a:r>
+              <a:rPr lang="zh-TW" altLang="en-US" dirty="0"/>
+              <a:t>透過引用參考的方式來傳遞資料</a:t>
+            </a:r>
+            <a:r>
+              <a:rPr lang="en-US" altLang="zh-TW" dirty="0">
+                <a:latin typeface="微軟正黑體" panose="020B0604030504040204" pitchFamily="34" charset="-120"/>
+                <a:ea typeface="微軟正黑體" panose="020B0604030504040204" pitchFamily="34" charset="-120"/>
+              </a:rPr>
+              <a:t>,</a:t>
+            </a:r>
+            <a:r>
+              <a:rPr lang="zh-TW" altLang="en-US" dirty="0">
+                <a:latin typeface="微軟正黑體" panose="020B0604030504040204" pitchFamily="34" charset="-120"/>
+                <a:ea typeface="微軟正黑體" panose="020B0604030504040204" pitchFamily="34" charset="-120"/>
+              </a:rPr>
+              <a:t>讓</a:t>
+            </a:r>
+            <a:r>
+              <a:rPr lang="en-US" altLang="zh-TW" dirty="0" err="1">
+                <a:latin typeface="微軟正黑體" panose="020B0604030504040204" pitchFamily="34" charset="-120"/>
+                <a:ea typeface="微軟正黑體" panose="020B0604030504040204" pitchFamily="34" charset="-120"/>
+              </a:rPr>
+              <a:t>arrayA</a:t>
+            </a:r>
+            <a:r>
+              <a:rPr lang="zh-TW" altLang="en-US" dirty="0">
+                <a:latin typeface="微軟正黑體" panose="020B0604030504040204" pitchFamily="34" charset="-120"/>
+                <a:ea typeface="微軟正黑體" panose="020B0604030504040204" pitchFamily="34" charset="-120"/>
+              </a:rPr>
+              <a:t>與</a:t>
+            </a:r>
+            <a:r>
+              <a:rPr lang="en-US" altLang="zh-TW" dirty="0" err="1">
+                <a:latin typeface="微軟正黑體" panose="020B0604030504040204" pitchFamily="34" charset="-120"/>
+                <a:ea typeface="微軟正黑體" panose="020B0604030504040204" pitchFamily="34" charset="-120"/>
+              </a:rPr>
+              <a:t>arrayB</a:t>
+            </a:r>
+            <a:r>
+              <a:rPr lang="zh-TW" altLang="en-US" dirty="0">
+                <a:latin typeface="微軟正黑體" panose="020B0604030504040204" pitchFamily="34" charset="-120"/>
+                <a:ea typeface="微軟正黑體" panose="020B0604030504040204" pitchFamily="34" charset="-120"/>
+              </a:rPr>
+              <a:t>兩個變數指向記憶體同一個實體位子。</a:t>
+            </a:r>
+            <a:endParaRPr lang="en-US" altLang="zh-TW" dirty="0">
+              <a:latin typeface="微軟正黑體" panose="020B0604030504040204" pitchFamily="34" charset="-120"/>
+              <a:ea typeface="微軟正黑體" panose="020B0604030504040204" pitchFamily="34" charset="-120"/>
+            </a:endParaRPr>
+          </a:p>
+          <a:p>
+            <a:endParaRPr lang="en-US" altLang="zh-TW" dirty="0">
+              <a:latin typeface="微軟正黑體" panose="020B0604030504040204" pitchFamily="34" charset="-120"/>
+              <a:ea typeface="微軟正黑體" panose="020B0604030504040204" pitchFamily="34" charset="-120"/>
+            </a:endParaRPr>
+          </a:p>
+        </p:txBody>
+      </p:sp>
+      <p:sp>
+        <p:nvSpPr>
+          <p:cNvPr id="6" name="文字方塊 5">
+            <a:extLst>
+              <a:ext uri="{FF2B5EF4-FFF2-40B4-BE49-F238E27FC236}">
+                <a16:creationId xmlns:a16="http://schemas.microsoft.com/office/drawing/2014/main" id="{339C2F65-16E9-4147-9451-0FD9909B3878}"/>
+              </a:ext>
+            </a:extLst>
+          </p:cNvPr>
+          <p:cNvSpPr txBox="1"/>
+          <p:nvPr/>
+        </p:nvSpPr>
+        <p:spPr>
+          <a:xfrm>
+            <a:off x="838200" y="5691783"/>
+            <a:ext cx="877163" cy="369332"/>
+          </a:xfrm>
+          <a:prstGeom prst="rect">
+            <a:avLst/>
+          </a:prstGeom>
+          <a:noFill/>
+        </p:spPr>
+        <p:txBody>
+          <a:bodyPr wrap="none" rtlCol="0">
+            <a:spAutoFit/>
+          </a:bodyPr>
+          <a:lstStyle/>
+          <a:p>
+            <a:pPr marL="0" marR="0" lvl="0" indent="0" algn="l" defTabSz="914400" rtl="0" eaLnBrk="1" fontAlgn="auto" latinLnBrk="0" hangingPunct="1">
+              <a:lnSpc>
+                <a:spcPct val="100000"/>
+              </a:lnSpc>
+              <a:spcBef>
+                <a:spcPts val="0"/>
+              </a:spcBef>
+              <a:spcAft>
+                <a:spcPts val="0"/>
+              </a:spcAft>
+              <a:buClrTx/>
+              <a:buSzTx/>
+              <a:buFontTx/>
+              <a:buNone/>
+              <a:tabLst/>
+              <a:defRPr/>
+            </a:pPr>
+            <a:r>
+              <a:rPr kumimoji="0" lang="zh-TW" altLang="en-US" sz="1800" b="1" i="0" u="none" strike="noStrike" kern="1200" cap="none" spc="0" normalizeH="0" baseline="0" noProof="0" dirty="0">
+                <a:ln>
+                  <a:noFill/>
+                </a:ln>
+                <a:solidFill>
+                  <a:prstClr val="black"/>
+                </a:solidFill>
+                <a:effectLst/>
+                <a:uLnTx/>
+                <a:uFillTx/>
+                <a:latin typeface="微軟正黑體" panose="020B0604030504040204" pitchFamily="34" charset="-120"/>
+                <a:ea typeface="微軟正黑體" panose="020B0604030504040204" pitchFamily="34" charset="-120"/>
+                <a:cs typeface="+mn-cs"/>
+              </a:rPr>
+              <a:t>周本諴</a:t>
+            </a:r>
+          </a:p>
+        </p:txBody>
+      </p:sp>
+      <p:cxnSp>
+        <p:nvCxnSpPr>
+          <p:cNvPr id="7" name="直線接點 6">
+            <a:extLst>
+              <a:ext uri="{FF2B5EF4-FFF2-40B4-BE49-F238E27FC236}">
+                <a16:creationId xmlns:a16="http://schemas.microsoft.com/office/drawing/2014/main" id="{CA38C0AC-00B9-41B9-85AB-7836D7D3E6B8}"/>
+              </a:ext>
+            </a:extLst>
+          </p:cNvPr>
+          <p:cNvCxnSpPr>
+            <a:cxnSpLocks/>
+          </p:cNvCxnSpPr>
+          <p:nvPr/>
+        </p:nvCxnSpPr>
+        <p:spPr>
+          <a:xfrm>
+            <a:off x="914400" y="1442906"/>
+            <a:ext cx="10439400" cy="0"/>
+          </a:xfrm>
+          <a:prstGeom prst="line">
+            <a:avLst/>
+          </a:prstGeom>
+          <a:ln w="28575">
+            <a:solidFill>
+              <a:srgbClr val="569CD6"/>
+            </a:solidFill>
+          </a:ln>
+        </p:spPr>
+        <p:style>
+          <a:lnRef idx="1">
+            <a:schemeClr val="accent1"/>
+          </a:lnRef>
+          <a:fillRef idx="0">
+            <a:schemeClr val="accent1"/>
+          </a:fillRef>
+          <a:effectRef idx="0">
+            <a:schemeClr val="accent1"/>
+          </a:effectRef>
+          <a:fontRef idx="minor">
+            <a:schemeClr val="tx1"/>
+          </a:fontRef>
+        </p:style>
+      </p:cxnSp>
+      <p:pic>
+        <p:nvPicPr>
+          <p:cNvPr id="10" name="圖片 9">
+            <a:extLst>
+              <a:ext uri="{FF2B5EF4-FFF2-40B4-BE49-F238E27FC236}">
+                <a16:creationId xmlns:a16="http://schemas.microsoft.com/office/drawing/2014/main" id="{BD4EB98C-69DB-4A53-A3EB-A38D180F4447}"/>
+              </a:ext>
+            </a:extLst>
+          </p:cNvPr>
+          <p:cNvPicPr>
+            <a:picLocks noChangeAspect="1"/>
+          </p:cNvPicPr>
+          <p:nvPr/>
+        </p:nvPicPr>
+        <p:blipFill>
+          <a:blip r:embed="rId2">
+            <a:extLst>
+              <a:ext uri="{28A0092B-C50C-407E-A947-70E740481C1C}">
+                <a14:useLocalDpi xmlns:a14="http://schemas.microsoft.com/office/drawing/2010/main" val="0"/>
+              </a:ext>
+            </a:extLst>
+          </a:blip>
+          <a:stretch>
+            <a:fillRect/>
+          </a:stretch>
+        </p:blipFill>
+        <p:spPr>
+          <a:xfrm>
+            <a:off x="5595457" y="1825625"/>
+            <a:ext cx="6205105" cy="3311666"/>
+          </a:xfrm>
+          <a:prstGeom prst="rect">
+            <a:avLst/>
+          </a:prstGeom>
+        </p:spPr>
+      </p:pic>
+      <p:grpSp>
+        <p:nvGrpSpPr>
+          <p:cNvPr id="13" name="群組 12">
+            <a:extLst>
+              <a:ext uri="{FF2B5EF4-FFF2-40B4-BE49-F238E27FC236}">
+                <a16:creationId xmlns:a16="http://schemas.microsoft.com/office/drawing/2014/main" id="{FD6A51E6-08B7-4016-B959-AEBB814E49C5}"/>
+              </a:ext>
+            </a:extLst>
+          </p:cNvPr>
+          <p:cNvGrpSpPr/>
+          <p:nvPr/>
+        </p:nvGrpSpPr>
+        <p:grpSpPr>
+          <a:xfrm>
+            <a:off x="6502120" y="2369628"/>
+            <a:ext cx="894360" cy="878961"/>
+            <a:chOff x="12568985" y="1268399"/>
+            <a:chExt cx="894360" cy="878961"/>
+          </a:xfrm>
+        </p:grpSpPr>
+        <p:sp>
+          <p:nvSpPr>
+            <p:cNvPr id="12" name="橢圓 11">
+              <a:extLst>
+                <a:ext uri="{FF2B5EF4-FFF2-40B4-BE49-F238E27FC236}">
+                  <a16:creationId xmlns:a16="http://schemas.microsoft.com/office/drawing/2014/main" id="{92E72F0A-E741-4CEF-9F75-ADF4ADCE1B47}"/>
+                </a:ext>
+              </a:extLst>
+            </p:cNvPr>
+            <p:cNvSpPr/>
+            <p:nvPr/>
+          </p:nvSpPr>
+          <p:spPr>
+            <a:xfrm>
+              <a:off x="12568985" y="1268399"/>
+              <a:ext cx="894360" cy="878961"/>
+            </a:xfrm>
+            <a:prstGeom prst="ellipse">
+              <a:avLst/>
+            </a:prstGeom>
+            <a:solidFill>
+              <a:srgbClr val="F315A4"/>
+            </a:solidFill>
+          </p:spPr>
+          <p:style>
+            <a:lnRef idx="2">
+              <a:schemeClr val="accent1">
+                <a:shade val="50000"/>
+              </a:schemeClr>
+            </a:lnRef>
+            <a:fillRef idx="1">
+              <a:schemeClr val="accent1"/>
+            </a:fillRef>
+            <a:effectRef idx="0">
+              <a:schemeClr val="accent1"/>
+            </a:effectRef>
+            <a:fontRef idx="minor">
+              <a:schemeClr val="lt1"/>
+            </a:fontRef>
+          </p:style>
+          <p:txBody>
+            <a:bodyPr rtlCol="0" anchor="ctr"/>
+            <a:lstStyle/>
+            <a:p>
+              <a:pPr marL="0" marR="0" lvl="0" indent="0" algn="ctr" defTabSz="914400" rtl="0" eaLnBrk="1" fontAlgn="auto" latinLnBrk="0" hangingPunct="1">
+                <a:lnSpc>
+                  <a:spcPct val="100000"/>
+                </a:lnSpc>
+                <a:spcBef>
+                  <a:spcPts val="0"/>
+                </a:spcBef>
+                <a:spcAft>
+                  <a:spcPts val="0"/>
+                </a:spcAft>
+                <a:buClrTx/>
+                <a:buSzTx/>
+                <a:buFontTx/>
+                <a:buNone/>
+                <a:tabLst/>
+                <a:defRPr/>
+              </a:pPr>
+              <a:endParaRPr kumimoji="0" lang="zh-TW" altLang="en-US" sz="1800" b="0" i="0" u="none" strike="noStrike" kern="1200" cap="none" spc="0" normalizeH="0" baseline="0" noProof="0">
+                <a:ln>
+                  <a:noFill/>
+                </a:ln>
+                <a:solidFill>
+                  <a:prstClr val="white"/>
+                </a:solidFill>
+                <a:effectLst/>
+                <a:uLnTx/>
+                <a:uFillTx/>
+                <a:latin typeface="Calibri" panose="020F0502020204030204"/>
+                <a:ea typeface="新細明體" panose="02020500000000000000" pitchFamily="18" charset="-120"/>
+                <a:cs typeface="+mn-cs"/>
+              </a:endParaRPr>
+            </a:p>
+          </p:txBody>
+        </p:sp>
+        <p:sp>
+          <p:nvSpPr>
+            <p:cNvPr id="11" name="文字方塊 10">
+              <a:extLst>
+                <a:ext uri="{FF2B5EF4-FFF2-40B4-BE49-F238E27FC236}">
+                  <a16:creationId xmlns:a16="http://schemas.microsoft.com/office/drawing/2014/main" id="{51BDB37D-E799-471A-A323-C45ECA19AFB9}"/>
+                </a:ext>
+              </a:extLst>
+            </p:cNvPr>
+            <p:cNvSpPr txBox="1"/>
+            <p:nvPr/>
+          </p:nvSpPr>
+          <p:spPr>
+            <a:xfrm>
+              <a:off x="12609625" y="1513054"/>
+              <a:ext cx="794385" cy="369332"/>
+            </a:xfrm>
+            <a:prstGeom prst="rect">
+              <a:avLst/>
+            </a:prstGeom>
+            <a:noFill/>
+          </p:spPr>
+          <p:txBody>
+            <a:bodyPr wrap="none" rtlCol="0">
+              <a:spAutoFit/>
+            </a:bodyPr>
+            <a:lstStyle/>
+            <a:p>
+              <a:pPr marL="0" marR="0" lvl="0" indent="0" algn="l" defTabSz="914400" rtl="0" eaLnBrk="1" fontAlgn="auto" latinLnBrk="0" hangingPunct="1">
+                <a:lnSpc>
+                  <a:spcPct val="100000"/>
+                </a:lnSpc>
+                <a:spcBef>
+                  <a:spcPts val="0"/>
+                </a:spcBef>
+                <a:spcAft>
+                  <a:spcPts val="0"/>
+                </a:spcAft>
+                <a:buClrTx/>
+                <a:buSzTx/>
+                <a:buFontTx/>
+                <a:buNone/>
+                <a:tabLst/>
+                <a:defRPr/>
+              </a:pPr>
+              <a:r>
+                <a:rPr kumimoji="0" lang="en-US" altLang="zh-TW" sz="1800" b="0" i="0" u="none" strike="noStrike" kern="1200" cap="none" spc="0" normalizeH="0" baseline="0" noProof="0" dirty="0" err="1">
+                  <a:ln>
+                    <a:noFill/>
+                  </a:ln>
+                  <a:solidFill>
+                    <a:prstClr val="white"/>
+                  </a:solidFill>
+                  <a:effectLst/>
+                  <a:uLnTx/>
+                  <a:uFillTx/>
+                  <a:latin typeface="Calibri" panose="020F0502020204030204"/>
+                  <a:ea typeface="新細明體" panose="02020500000000000000" pitchFamily="18" charset="-120"/>
+                  <a:cs typeface="+mn-cs"/>
+                </a:rPr>
+                <a:t>arrayA</a:t>
+              </a:r>
+              <a:endParaRPr kumimoji="0" lang="zh-TW" altLang="en-US" sz="1800" b="0" i="0" u="none" strike="noStrike" kern="1200" cap="none" spc="0" normalizeH="0" baseline="0" noProof="0" dirty="0">
+                <a:ln>
+                  <a:noFill/>
+                </a:ln>
+                <a:solidFill>
+                  <a:prstClr val="white"/>
+                </a:solidFill>
+                <a:effectLst/>
+                <a:uLnTx/>
+                <a:uFillTx/>
+                <a:latin typeface="Calibri" panose="020F0502020204030204"/>
+                <a:ea typeface="新細明體" panose="02020500000000000000" pitchFamily="18" charset="-120"/>
+                <a:cs typeface="+mn-cs"/>
+              </a:endParaRPr>
+            </a:p>
+          </p:txBody>
+        </p:sp>
+      </p:grpSp>
+      <p:grpSp>
+        <p:nvGrpSpPr>
+          <p:cNvPr id="14" name="群組 13">
+            <a:extLst>
+              <a:ext uri="{FF2B5EF4-FFF2-40B4-BE49-F238E27FC236}">
+                <a16:creationId xmlns:a16="http://schemas.microsoft.com/office/drawing/2014/main" id="{75B90854-CF4B-4B09-8BA0-FF377248D95C}"/>
+              </a:ext>
+            </a:extLst>
+          </p:cNvPr>
+          <p:cNvGrpSpPr/>
+          <p:nvPr/>
+        </p:nvGrpSpPr>
+        <p:grpSpPr>
+          <a:xfrm>
+            <a:off x="6502120" y="3561813"/>
+            <a:ext cx="894360" cy="878961"/>
+            <a:chOff x="12568985" y="1268399"/>
+            <a:chExt cx="894360" cy="878961"/>
+          </a:xfrm>
+        </p:grpSpPr>
+        <p:sp>
+          <p:nvSpPr>
+            <p:cNvPr id="15" name="橢圓 14">
+              <a:extLst>
+                <a:ext uri="{FF2B5EF4-FFF2-40B4-BE49-F238E27FC236}">
+                  <a16:creationId xmlns:a16="http://schemas.microsoft.com/office/drawing/2014/main" id="{4BBF17E8-A106-4335-B6FD-8A088E4E2312}"/>
+                </a:ext>
+              </a:extLst>
+            </p:cNvPr>
+            <p:cNvSpPr/>
+            <p:nvPr/>
+          </p:nvSpPr>
+          <p:spPr>
+            <a:xfrm>
+              <a:off x="12568985" y="1268399"/>
+              <a:ext cx="894360" cy="878961"/>
+            </a:xfrm>
+            <a:prstGeom prst="ellipse">
+              <a:avLst/>
+            </a:prstGeom>
+            <a:solidFill>
+              <a:srgbClr val="F315A4"/>
+            </a:solidFill>
+          </p:spPr>
+          <p:style>
+            <a:lnRef idx="2">
+              <a:schemeClr val="accent1">
+                <a:shade val="50000"/>
+              </a:schemeClr>
+            </a:lnRef>
+            <a:fillRef idx="1">
+              <a:schemeClr val="accent1"/>
+            </a:fillRef>
+            <a:effectRef idx="0">
+              <a:schemeClr val="accent1"/>
+            </a:effectRef>
+            <a:fontRef idx="minor">
+              <a:schemeClr val="lt1"/>
+            </a:fontRef>
+          </p:style>
+          <p:txBody>
+            <a:bodyPr rtlCol="0" anchor="ctr"/>
+            <a:lstStyle/>
+            <a:p>
+              <a:pPr marL="0" marR="0" lvl="0" indent="0" algn="ctr" defTabSz="914400" rtl="0" eaLnBrk="1" fontAlgn="auto" latinLnBrk="0" hangingPunct="1">
+                <a:lnSpc>
+                  <a:spcPct val="100000"/>
+                </a:lnSpc>
+                <a:spcBef>
+                  <a:spcPts val="0"/>
+                </a:spcBef>
+                <a:spcAft>
+                  <a:spcPts val="0"/>
+                </a:spcAft>
+                <a:buClrTx/>
+                <a:buSzTx/>
+                <a:buFontTx/>
+                <a:buNone/>
+                <a:tabLst/>
+                <a:defRPr/>
+              </a:pPr>
+              <a:endParaRPr kumimoji="0" lang="zh-TW" altLang="en-US" sz="1800" b="0" i="0" u="none" strike="noStrike" kern="1200" cap="none" spc="0" normalizeH="0" baseline="0" noProof="0">
+                <a:ln>
+                  <a:noFill/>
+                </a:ln>
+                <a:solidFill>
+                  <a:prstClr val="white"/>
+                </a:solidFill>
+                <a:effectLst/>
+                <a:uLnTx/>
+                <a:uFillTx/>
+                <a:latin typeface="Calibri" panose="020F0502020204030204"/>
+                <a:ea typeface="新細明體" panose="02020500000000000000" pitchFamily="18" charset="-120"/>
+                <a:cs typeface="+mn-cs"/>
+              </a:endParaRPr>
+            </a:p>
+          </p:txBody>
+        </p:sp>
+        <p:sp>
+          <p:nvSpPr>
+            <p:cNvPr id="16" name="文字方塊 15">
+              <a:extLst>
+                <a:ext uri="{FF2B5EF4-FFF2-40B4-BE49-F238E27FC236}">
+                  <a16:creationId xmlns:a16="http://schemas.microsoft.com/office/drawing/2014/main" id="{BA3B6304-ACC0-4C4E-AC8E-EF5814DE1B38}"/>
+                </a:ext>
+              </a:extLst>
+            </p:cNvPr>
+            <p:cNvSpPr txBox="1"/>
+            <p:nvPr/>
+          </p:nvSpPr>
+          <p:spPr>
+            <a:xfrm>
+              <a:off x="12609625" y="1513054"/>
+              <a:ext cx="786369" cy="369332"/>
+            </a:xfrm>
+            <a:prstGeom prst="rect">
+              <a:avLst/>
+            </a:prstGeom>
+            <a:noFill/>
+          </p:spPr>
+          <p:txBody>
+            <a:bodyPr wrap="none" rtlCol="0">
+              <a:spAutoFit/>
+            </a:bodyPr>
+            <a:lstStyle/>
+            <a:p>
+              <a:pPr marL="0" marR="0" lvl="0" indent="0" algn="l" defTabSz="914400" rtl="0" eaLnBrk="1" fontAlgn="auto" latinLnBrk="0" hangingPunct="1">
+                <a:lnSpc>
+                  <a:spcPct val="100000"/>
+                </a:lnSpc>
+                <a:spcBef>
+                  <a:spcPts val="0"/>
+                </a:spcBef>
+                <a:spcAft>
+                  <a:spcPts val="0"/>
+                </a:spcAft>
+                <a:buClrTx/>
+                <a:buSzTx/>
+                <a:buFontTx/>
+                <a:buNone/>
+                <a:tabLst/>
+                <a:defRPr/>
+              </a:pPr>
+              <a:r>
+                <a:rPr kumimoji="0" lang="en-US" altLang="zh-TW" sz="1800" b="0" i="0" u="none" strike="noStrike" kern="1200" cap="none" spc="0" normalizeH="0" baseline="0" noProof="0" dirty="0" err="1">
+                  <a:ln>
+                    <a:noFill/>
+                  </a:ln>
+                  <a:solidFill>
+                    <a:prstClr val="white"/>
+                  </a:solidFill>
+                  <a:effectLst/>
+                  <a:uLnTx/>
+                  <a:uFillTx/>
+                  <a:latin typeface="Calibri" panose="020F0502020204030204"/>
+                  <a:ea typeface="新細明體" panose="02020500000000000000" pitchFamily="18" charset="-120"/>
+                  <a:cs typeface="+mn-cs"/>
+                </a:rPr>
+                <a:t>arrayB</a:t>
+              </a:r>
+              <a:endParaRPr kumimoji="0" lang="zh-TW" altLang="en-US" sz="1800" b="0" i="0" u="none" strike="noStrike" kern="1200" cap="none" spc="0" normalizeH="0" baseline="0" noProof="0" dirty="0">
+                <a:ln>
+                  <a:noFill/>
+                </a:ln>
+                <a:solidFill>
+                  <a:prstClr val="white"/>
+                </a:solidFill>
+                <a:effectLst/>
+                <a:uLnTx/>
+                <a:uFillTx/>
+                <a:latin typeface="Calibri" panose="020F0502020204030204"/>
+                <a:ea typeface="新細明體" panose="02020500000000000000" pitchFamily="18" charset="-120"/>
+                <a:cs typeface="+mn-cs"/>
+              </a:endParaRPr>
+            </a:p>
+          </p:txBody>
+        </p:sp>
+      </p:grpSp>
+      <p:cxnSp>
+        <p:nvCxnSpPr>
+          <p:cNvPr id="8" name="直線單箭頭接點 7">
+            <a:extLst>
+              <a:ext uri="{FF2B5EF4-FFF2-40B4-BE49-F238E27FC236}">
+                <a16:creationId xmlns:a16="http://schemas.microsoft.com/office/drawing/2014/main" id="{3F82516A-4D8A-4B4B-B7A3-5154787ED586}"/>
+              </a:ext>
+            </a:extLst>
+          </p:cNvPr>
+          <p:cNvCxnSpPr>
+            <a:cxnSpLocks/>
+          </p:cNvCxnSpPr>
+          <p:nvPr/>
+        </p:nvCxnSpPr>
+        <p:spPr>
+          <a:xfrm flipV="1">
+            <a:off x="7559040" y="3248590"/>
+            <a:ext cx="1849120" cy="703650"/>
+          </a:xfrm>
+          <a:prstGeom prst="straightConnector1">
+            <a:avLst/>
+          </a:prstGeom>
+          <a:ln w="38100">
+            <a:solidFill>
+              <a:schemeClr val="tx1"/>
+            </a:solidFill>
+            <a:tailEnd type="triangle"/>
+          </a:ln>
+        </p:spPr>
+        <p:style>
+          <a:lnRef idx="1">
+            <a:schemeClr val="accent1"/>
+          </a:lnRef>
+          <a:fillRef idx="0">
+            <a:schemeClr val="accent1"/>
+          </a:fillRef>
+          <a:effectRef idx="0">
+            <a:schemeClr val="accent1"/>
+          </a:effectRef>
+          <a:fontRef idx="minor">
+            <a:schemeClr val="tx1"/>
+          </a:fontRef>
+        </p:style>
+      </p:cxnSp>
+      <p:sp>
+        <p:nvSpPr>
+          <p:cNvPr id="18" name="文字方塊 17">
+            <a:extLst>
+              <a:ext uri="{FF2B5EF4-FFF2-40B4-BE49-F238E27FC236}">
+                <a16:creationId xmlns:a16="http://schemas.microsoft.com/office/drawing/2014/main" id="{ABD5DFAA-20B2-4702-951D-CF2B71F494E2}"/>
+              </a:ext>
+            </a:extLst>
+          </p:cNvPr>
+          <p:cNvSpPr txBox="1"/>
+          <p:nvPr/>
+        </p:nvSpPr>
+        <p:spPr>
+          <a:xfrm>
+            <a:off x="5692140" y="5419981"/>
+            <a:ext cx="5910580" cy="461665"/>
+          </a:xfrm>
+          <a:prstGeom prst="rect">
+            <a:avLst/>
+          </a:prstGeom>
+          <a:solidFill>
+            <a:schemeClr val="tx1">
+              <a:lumMod val="65000"/>
+              <a:lumOff val="35000"/>
+            </a:schemeClr>
+          </a:solidFill>
+        </p:spPr>
+        <p:txBody>
+          <a:bodyPr wrap="square" rtlCol="0">
+            <a:spAutoFit/>
+          </a:bodyPr>
+          <a:lstStyle/>
+          <a:p>
+            <a:pPr marL="0" marR="0" lvl="0" indent="0" algn="l" defTabSz="914400" rtl="0" eaLnBrk="1" fontAlgn="auto" latinLnBrk="0" hangingPunct="1">
+              <a:lnSpc>
+                <a:spcPct val="100000"/>
+              </a:lnSpc>
+              <a:spcBef>
+                <a:spcPts val="0"/>
+              </a:spcBef>
+              <a:spcAft>
+                <a:spcPts val="0"/>
+              </a:spcAft>
+              <a:buClrTx/>
+              <a:buSzTx/>
+              <a:buFontTx/>
+              <a:buNone/>
+              <a:tabLst/>
+              <a:defRPr/>
+            </a:pPr>
+            <a:r>
+              <a:rPr kumimoji="0" lang="en-US" altLang="zh-TW" sz="2400" b="1" i="0" u="none" strike="noStrike" kern="1200" cap="none" spc="0" normalizeH="0" baseline="0" noProof="0" dirty="0">
+                <a:ln>
+                  <a:noFill/>
+                </a:ln>
+                <a:solidFill>
+                  <a:srgbClr val="569CD6"/>
+                </a:solidFill>
+                <a:effectLst/>
+                <a:uLnTx/>
+                <a:uFillTx/>
+                <a:latin typeface="Fira Code"/>
+                <a:ea typeface="新細明體" panose="02020500000000000000" pitchFamily="18" charset="-120"/>
+                <a:cs typeface="+mn-cs"/>
+              </a:rPr>
+              <a:t>var</a:t>
+            </a:r>
+            <a:r>
+              <a:rPr kumimoji="0" lang="en-US" altLang="zh-TW" sz="2400" b="1" i="0" u="none" strike="noStrike" kern="1200" cap="none" spc="0" normalizeH="0" baseline="0" noProof="0" dirty="0">
+                <a:ln>
+                  <a:noFill/>
+                </a:ln>
+                <a:solidFill>
+                  <a:srgbClr val="D4D4D4"/>
+                </a:solidFill>
+                <a:effectLst/>
+                <a:uLnTx/>
+                <a:uFillTx/>
+                <a:latin typeface="Fira Code"/>
+                <a:ea typeface="新細明體" panose="02020500000000000000" pitchFamily="18" charset="-120"/>
+                <a:cs typeface="+mn-cs"/>
+              </a:rPr>
+              <a:t> </a:t>
+            </a:r>
+            <a:r>
+              <a:rPr kumimoji="0" lang="en-US" altLang="zh-TW" sz="2400" b="1" i="0" u="none" strike="noStrike" kern="1200" cap="none" spc="0" normalizeH="0" baseline="0" noProof="0" dirty="0" err="1">
+                <a:ln>
+                  <a:noFill/>
+                </a:ln>
+                <a:solidFill>
+                  <a:srgbClr val="9CDCFE"/>
+                </a:solidFill>
+                <a:effectLst/>
+                <a:uLnTx/>
+                <a:uFillTx/>
+                <a:latin typeface="Fira Code"/>
+                <a:ea typeface="新細明體" panose="02020500000000000000" pitchFamily="18" charset="-120"/>
+                <a:cs typeface="+mn-cs"/>
+              </a:rPr>
+              <a:t>arrayB</a:t>
+            </a:r>
+            <a:r>
+              <a:rPr kumimoji="0" lang="en-US" altLang="zh-TW" sz="2400" b="1" i="0" u="none" strike="noStrike" kern="1200" cap="none" spc="0" normalizeH="0" baseline="0" noProof="0" dirty="0">
+                <a:ln>
+                  <a:noFill/>
+                </a:ln>
+                <a:solidFill>
+                  <a:srgbClr val="D4D4D4"/>
+                </a:solidFill>
+                <a:effectLst/>
+                <a:uLnTx/>
+                <a:uFillTx/>
+                <a:latin typeface="Fira Code"/>
+                <a:ea typeface="新細明體" panose="02020500000000000000" pitchFamily="18" charset="-120"/>
+                <a:cs typeface="+mn-cs"/>
+              </a:rPr>
+              <a:t> = </a:t>
+            </a:r>
+            <a:r>
+              <a:rPr kumimoji="0" lang="en-US" altLang="zh-TW" sz="2400" b="1" i="0" u="none" strike="noStrike" kern="1200" cap="none" spc="0" normalizeH="0" baseline="0" noProof="0" dirty="0" err="1">
+                <a:ln>
+                  <a:noFill/>
+                </a:ln>
+                <a:solidFill>
+                  <a:srgbClr val="9CDCFE"/>
+                </a:solidFill>
+                <a:effectLst/>
+                <a:uLnTx/>
+                <a:uFillTx/>
+                <a:latin typeface="Fira Code"/>
+                <a:ea typeface="新細明體" panose="02020500000000000000" pitchFamily="18" charset="-120"/>
+                <a:cs typeface="+mn-cs"/>
+              </a:rPr>
+              <a:t>arrayA</a:t>
+            </a:r>
+            <a:r>
+              <a:rPr kumimoji="0" lang="en-US" altLang="zh-TW" sz="2400" b="1" i="0" u="none" strike="noStrike" kern="1200" cap="none" spc="0" normalizeH="0" baseline="0" noProof="0" dirty="0">
+                <a:ln>
+                  <a:noFill/>
+                </a:ln>
+                <a:solidFill>
+                  <a:srgbClr val="D4D4D4"/>
+                </a:solidFill>
+                <a:effectLst/>
+                <a:uLnTx/>
+                <a:uFillTx/>
+                <a:latin typeface="Fira Code"/>
+                <a:ea typeface="新細明體" panose="02020500000000000000" pitchFamily="18" charset="-120"/>
+                <a:cs typeface="+mn-cs"/>
+              </a:rPr>
+              <a:t>;</a:t>
+            </a:r>
+          </a:p>
+        </p:txBody>
+      </p:sp>
+    </p:spTree>
+    <p:extLst>
+      <p:ext uri="{BB962C8B-B14F-4D97-AF65-F5344CB8AC3E}">
+        <p14:creationId xmlns:p14="http://schemas.microsoft.com/office/powerpoint/2010/main" val="1101610277"/>
+      </p:ext>
+    </p:extLst>
+  </p:cSld>
+  <p:clrMapOvr>
+    <a:masterClrMapping/>
+  </p:clrMapOvr>
+</p:sld>
+</file>
+
+<file path=ppt/slides/slide13.xml><?xml version="1.0" encoding="utf-8"?>
+<p:sld xmlns:a="http://schemas.openxmlformats.org/drawingml/2006/main" xmlns:r="http://schemas.openxmlformats.org/officeDocument/2006/relationships" xmlns:p="http://schemas.openxmlformats.org/presentationml/2006/main">
+  <p:cSld>
+    <p:spTree>
+      <p:nvGrpSpPr>
+        <p:cNvPr id="1" name=""/>
+        <p:cNvGrpSpPr/>
+        <p:nvPr/>
+      </p:nvGrpSpPr>
+      <p:grpSpPr>
+        <a:xfrm>
+          <a:off x="0" y="0"/>
+          <a:ext cx="0" cy="0"/>
+          <a:chOff x="0" y="0"/>
+          <a:chExt cx="0" cy="0"/>
+        </a:xfrm>
+      </p:grpSpPr>
+      <p:sp>
+        <p:nvSpPr>
+          <p:cNvPr id="2" name="標題 1">
+            <a:extLst>
+              <a:ext uri="{FF2B5EF4-FFF2-40B4-BE49-F238E27FC236}">
+                <a16:creationId xmlns:a16="http://schemas.microsoft.com/office/drawing/2014/main" id="{41B831E1-2F28-4D6E-A6CE-A3C9FACEF6CC}"/>
+              </a:ext>
+            </a:extLst>
+          </p:cNvPr>
+          <p:cNvSpPr>
+            <a:spLocks noGrp="1"/>
+          </p:cNvSpPr>
+          <p:nvPr>
+            <p:ph type="title"/>
+          </p:nvPr>
+        </p:nvSpPr>
+        <p:spPr/>
+        <p:txBody>
+          <a:bodyPr/>
+          <a:lstStyle/>
+          <a:p>
+            <a:r>
+              <a:rPr lang="zh-TW" altLang="zh-TW" dirty="0">
+                <a:latin typeface="微軟正黑體" panose="020B0604030504040204" pitchFamily="34" charset="-120"/>
+                <a:ea typeface="微軟正黑體" panose="020B0604030504040204" pitchFamily="34" charset="-120"/>
+              </a:rPr>
+              <a:t>陣列</a:t>
+            </a:r>
+            <a:endParaRPr lang="zh-TW" altLang="en-US" dirty="0">
+              <a:latin typeface="微軟正黑體" panose="020B0604030504040204" pitchFamily="34" charset="-120"/>
+              <a:ea typeface="微軟正黑體" panose="020B0604030504040204" pitchFamily="34" charset="-120"/>
+            </a:endParaRPr>
+          </a:p>
+        </p:txBody>
+      </p:sp>
+      <p:sp>
+        <p:nvSpPr>
+          <p:cNvPr id="4" name="內容版面配置區 2">
+            <a:extLst>
+              <a:ext uri="{FF2B5EF4-FFF2-40B4-BE49-F238E27FC236}">
+                <a16:creationId xmlns:a16="http://schemas.microsoft.com/office/drawing/2014/main" id="{13F4E71E-5606-4D68-8106-6EF8EB15B0F1}"/>
+              </a:ext>
+            </a:extLst>
+          </p:cNvPr>
+          <p:cNvSpPr>
+            <a:spLocks noGrp="1"/>
+          </p:cNvSpPr>
+          <p:nvPr>
+            <p:ph idx="1"/>
+          </p:nvPr>
+        </p:nvSpPr>
+        <p:spPr>
+          <a:xfrm>
+            <a:off x="838200" y="1825625"/>
+            <a:ext cx="5090301" cy="4049751"/>
+          </a:xfrm>
+        </p:spPr>
+        <p:txBody>
+          <a:bodyPr/>
+          <a:lstStyle/>
+          <a:p>
+            <a:r>
+              <a:rPr lang="zh-TW" altLang="en-US" dirty="0">
+                <a:latin typeface="微軟正黑體" panose="020B0604030504040204" pitchFamily="34" charset="-120"/>
+                <a:ea typeface="微軟正黑體" panose="020B0604030504040204" pitchFamily="34" charset="-120"/>
+              </a:rPr>
+              <a:t>所以接著當我們更新了 </a:t>
+            </a:r>
+            <a:r>
+              <a:rPr lang="en-US" altLang="zh-TW" dirty="0" err="1">
+                <a:latin typeface="微軟正黑體" panose="020B0604030504040204" pitchFamily="34" charset="-120"/>
+                <a:ea typeface="微軟正黑體" panose="020B0604030504040204" pitchFamily="34" charset="-120"/>
+              </a:rPr>
+              <a:t>arrayB</a:t>
+            </a:r>
+            <a:r>
+              <a:rPr lang="en-US" altLang="zh-TW" dirty="0">
+                <a:latin typeface="微軟正黑體" panose="020B0604030504040204" pitchFamily="34" charset="-120"/>
+                <a:ea typeface="微軟正黑體" panose="020B0604030504040204" pitchFamily="34" charset="-120"/>
+              </a:rPr>
+              <a:t>[0]=3</a:t>
+            </a:r>
+            <a:r>
+              <a:rPr lang="zh-TW" altLang="en-US" dirty="0">
+                <a:latin typeface="微軟正黑體" panose="020B0604030504040204" pitchFamily="34" charset="-120"/>
+                <a:ea typeface="微軟正黑體" panose="020B0604030504040204" pitchFamily="34" charset="-120"/>
+              </a:rPr>
+              <a:t> 的內容後</a:t>
+            </a:r>
+            <a:r>
+              <a:rPr lang="en-US" altLang="zh-TW" dirty="0">
+                <a:latin typeface="微軟正黑體" panose="020B0604030504040204" pitchFamily="34" charset="-120"/>
+                <a:ea typeface="微軟正黑體" panose="020B0604030504040204" pitchFamily="34" charset="-120"/>
+              </a:rPr>
+              <a:t>,</a:t>
+            </a:r>
+            <a:r>
+              <a:rPr lang="en-US" altLang="zh-TW" dirty="0" err="1">
+                <a:latin typeface="微軟正黑體" panose="020B0604030504040204" pitchFamily="34" charset="-120"/>
+                <a:ea typeface="微軟正黑體" panose="020B0604030504040204" pitchFamily="34" charset="-120"/>
+              </a:rPr>
+              <a:t>arrayA</a:t>
+            </a:r>
+            <a:r>
+              <a:rPr lang="en-US" altLang="zh-TW" dirty="0">
+                <a:latin typeface="微軟正黑體" panose="020B0604030504040204" pitchFamily="34" charset="-120"/>
+                <a:ea typeface="微軟正黑體" panose="020B0604030504040204" pitchFamily="34" charset="-120"/>
+              </a:rPr>
+              <a:t> </a:t>
+            </a:r>
+            <a:r>
+              <a:rPr lang="zh-TW" altLang="en-US" dirty="0">
+                <a:latin typeface="微軟正黑體" panose="020B0604030504040204" pitchFamily="34" charset="-120"/>
+                <a:ea typeface="微軟正黑體" panose="020B0604030504040204" pitchFamily="34" charset="-120"/>
+              </a:rPr>
+              <a:t>的內容也一起被更新了。</a:t>
+            </a:r>
+            <a:endParaRPr lang="en-US" altLang="zh-TW" dirty="0">
+              <a:latin typeface="微軟正黑體" panose="020B0604030504040204" pitchFamily="34" charset="-120"/>
+              <a:ea typeface="微軟正黑體" panose="020B0604030504040204" pitchFamily="34" charset="-120"/>
+            </a:endParaRPr>
+          </a:p>
+          <a:p>
+            <a:endParaRPr lang="en-US" altLang="zh-TW" dirty="0">
+              <a:latin typeface="微軟正黑體" panose="020B0604030504040204" pitchFamily="34" charset="-120"/>
+              <a:ea typeface="微軟正黑體" panose="020B0604030504040204" pitchFamily="34" charset="-120"/>
+            </a:endParaRPr>
+          </a:p>
+          <a:p>
+            <a:r>
+              <a:rPr lang="zh-TW" altLang="en-US" dirty="0">
+                <a:latin typeface="微軟正黑體" panose="020B0604030504040204" pitchFamily="34" charset="-120"/>
+                <a:ea typeface="微軟正黑體" panose="020B0604030504040204" pitchFamily="34" charset="-120"/>
+              </a:rPr>
+              <a:t>最後得到的答案</a:t>
+            </a:r>
+            <a:r>
+              <a:rPr lang="en-US" altLang="zh-TW" dirty="0">
+                <a:latin typeface="微軟正黑體" panose="020B0604030504040204" pitchFamily="34" charset="-120"/>
+                <a:ea typeface="微軟正黑體" panose="020B0604030504040204" pitchFamily="34" charset="-120"/>
+              </a:rPr>
+              <a:t>console.log</a:t>
+            </a:r>
+            <a:r>
+              <a:rPr lang="zh-TW" altLang="en-US" dirty="0">
+                <a:latin typeface="微軟正黑體" panose="020B0604030504040204" pitchFamily="34" charset="-120"/>
+                <a:ea typeface="微軟正黑體" panose="020B0604030504040204" pitchFamily="34" charset="-120"/>
+              </a:rPr>
+              <a:t>是為</a:t>
+            </a:r>
+            <a:r>
+              <a:rPr lang="zh-TW" altLang="zh-TW" dirty="0">
+                <a:latin typeface="微軟正黑體" panose="020B0604030504040204" pitchFamily="34" charset="-120"/>
+                <a:ea typeface="微軟正黑體" panose="020B0604030504040204" pitchFamily="34" charset="-120"/>
+              </a:rPr>
+              <a:t>相等</a:t>
+            </a:r>
+            <a:r>
+              <a:rPr lang="zh-TW" altLang="en-US" dirty="0">
+                <a:latin typeface="微軟正黑體" panose="020B0604030504040204" pitchFamily="34" charset="-120"/>
+                <a:ea typeface="微軟正黑體" panose="020B0604030504040204" pitchFamily="34" charset="-120"/>
+              </a:rPr>
+              <a:t>。</a:t>
+            </a:r>
+            <a:endParaRPr lang="en-US" altLang="zh-TW" dirty="0">
+              <a:latin typeface="微軟正黑體" panose="020B0604030504040204" pitchFamily="34" charset="-120"/>
+              <a:ea typeface="微軟正黑體" panose="020B0604030504040204" pitchFamily="34" charset="-120"/>
+            </a:endParaRPr>
+          </a:p>
+        </p:txBody>
+      </p:sp>
+      <p:sp>
+        <p:nvSpPr>
+          <p:cNvPr id="6" name="文字方塊 5">
+            <a:extLst>
+              <a:ext uri="{FF2B5EF4-FFF2-40B4-BE49-F238E27FC236}">
+                <a16:creationId xmlns:a16="http://schemas.microsoft.com/office/drawing/2014/main" id="{339C2F65-16E9-4147-9451-0FD9909B3878}"/>
+              </a:ext>
+            </a:extLst>
+          </p:cNvPr>
+          <p:cNvSpPr txBox="1"/>
+          <p:nvPr/>
+        </p:nvSpPr>
+        <p:spPr>
+          <a:xfrm>
+            <a:off x="838200" y="5691783"/>
+            <a:ext cx="877163" cy="369332"/>
+          </a:xfrm>
+          <a:prstGeom prst="rect">
+            <a:avLst/>
+          </a:prstGeom>
+          <a:noFill/>
+        </p:spPr>
+        <p:txBody>
+          <a:bodyPr wrap="none" rtlCol="0">
+            <a:spAutoFit/>
+          </a:bodyPr>
+          <a:lstStyle/>
+          <a:p>
+            <a:pPr marL="0" marR="0" lvl="0" indent="0" algn="l" defTabSz="914400" rtl="0" eaLnBrk="1" fontAlgn="auto" latinLnBrk="0" hangingPunct="1">
+              <a:lnSpc>
+                <a:spcPct val="100000"/>
+              </a:lnSpc>
+              <a:spcBef>
+                <a:spcPts val="0"/>
+              </a:spcBef>
+              <a:spcAft>
+                <a:spcPts val="0"/>
+              </a:spcAft>
+              <a:buClrTx/>
+              <a:buSzTx/>
+              <a:buFontTx/>
+              <a:buNone/>
+              <a:tabLst/>
+              <a:defRPr/>
+            </a:pPr>
+            <a:r>
+              <a:rPr kumimoji="0" lang="zh-TW" altLang="en-US" sz="1800" b="1" i="0" u="none" strike="noStrike" kern="1200" cap="none" spc="0" normalizeH="0" baseline="0" noProof="0" dirty="0">
+                <a:ln>
+                  <a:noFill/>
+                </a:ln>
+                <a:solidFill>
+                  <a:prstClr val="black"/>
+                </a:solidFill>
+                <a:effectLst/>
+                <a:uLnTx/>
+                <a:uFillTx/>
+                <a:latin typeface="微軟正黑體" panose="020B0604030504040204" pitchFamily="34" charset="-120"/>
+                <a:ea typeface="微軟正黑體" panose="020B0604030504040204" pitchFamily="34" charset="-120"/>
+                <a:cs typeface="+mn-cs"/>
+              </a:rPr>
+              <a:t>周本諴</a:t>
+            </a:r>
+          </a:p>
+        </p:txBody>
+      </p:sp>
+      <p:cxnSp>
+        <p:nvCxnSpPr>
+          <p:cNvPr id="7" name="直線接點 6">
+            <a:extLst>
+              <a:ext uri="{FF2B5EF4-FFF2-40B4-BE49-F238E27FC236}">
+                <a16:creationId xmlns:a16="http://schemas.microsoft.com/office/drawing/2014/main" id="{CA38C0AC-00B9-41B9-85AB-7836D7D3E6B8}"/>
+              </a:ext>
+            </a:extLst>
+          </p:cNvPr>
+          <p:cNvCxnSpPr>
+            <a:cxnSpLocks/>
+          </p:cNvCxnSpPr>
+          <p:nvPr/>
+        </p:nvCxnSpPr>
+        <p:spPr>
+          <a:xfrm>
+            <a:off x="914400" y="1442906"/>
+            <a:ext cx="10439400" cy="0"/>
+          </a:xfrm>
+          <a:prstGeom prst="line">
+            <a:avLst/>
+          </a:prstGeom>
+          <a:ln w="28575">
+            <a:solidFill>
+              <a:srgbClr val="569CD6"/>
+            </a:solidFill>
+          </a:ln>
+        </p:spPr>
+        <p:style>
+          <a:lnRef idx="1">
+            <a:schemeClr val="accent1"/>
+          </a:lnRef>
+          <a:fillRef idx="0">
+            <a:schemeClr val="accent1"/>
+          </a:fillRef>
+          <a:effectRef idx="0">
+            <a:schemeClr val="accent1"/>
+          </a:effectRef>
+          <a:fontRef idx="minor">
+            <a:schemeClr val="tx1"/>
+          </a:fontRef>
+        </p:style>
+      </p:cxnSp>
+      <p:sp>
+        <p:nvSpPr>
+          <p:cNvPr id="17" name="文字方塊 16">
+            <a:extLst>
+              <a:ext uri="{FF2B5EF4-FFF2-40B4-BE49-F238E27FC236}">
+                <a16:creationId xmlns:a16="http://schemas.microsoft.com/office/drawing/2014/main" id="{A4B74BF3-0B0B-4909-BE76-D645EEE983B6}"/>
+              </a:ext>
+            </a:extLst>
+          </p:cNvPr>
+          <p:cNvSpPr txBox="1"/>
+          <p:nvPr/>
+        </p:nvSpPr>
+        <p:spPr>
+          <a:xfrm>
+            <a:off x="6233020" y="1895100"/>
+            <a:ext cx="5120780" cy="830997"/>
+          </a:xfrm>
+          <a:prstGeom prst="rect">
+            <a:avLst/>
+          </a:prstGeom>
+          <a:solidFill>
+            <a:schemeClr val="tx1">
+              <a:lumMod val="65000"/>
+              <a:lumOff val="35000"/>
+            </a:schemeClr>
+          </a:solidFill>
+        </p:spPr>
+        <p:txBody>
+          <a:bodyPr wrap="square" rtlCol="0">
+            <a:spAutoFit/>
+          </a:bodyPr>
+          <a:lstStyle/>
+          <a:p>
+            <a:pPr marL="0" marR="0" lvl="0" indent="0" algn="l" defTabSz="914400" rtl="0" eaLnBrk="1" fontAlgn="auto" latinLnBrk="0" hangingPunct="1">
+              <a:lnSpc>
+                <a:spcPct val="100000"/>
+              </a:lnSpc>
+              <a:spcBef>
+                <a:spcPts val="0"/>
+              </a:spcBef>
+              <a:spcAft>
+                <a:spcPts val="0"/>
+              </a:spcAft>
+              <a:buClrTx/>
+              <a:buSzTx/>
+              <a:buFontTx/>
+              <a:buNone/>
+              <a:tabLst/>
+              <a:defRPr/>
+            </a:pPr>
+            <a:r>
+              <a:rPr kumimoji="0" lang="en-US" altLang="zh-TW" sz="2400" b="1" i="0" u="none" strike="noStrike" kern="1200" cap="none" spc="0" normalizeH="0" baseline="0" noProof="0" dirty="0" err="1">
+                <a:ln>
+                  <a:noFill/>
+                </a:ln>
+                <a:solidFill>
+                  <a:srgbClr val="9CDCFE"/>
+                </a:solidFill>
+                <a:effectLst/>
+                <a:uLnTx/>
+                <a:uFillTx/>
+                <a:latin typeface="Fira Code"/>
+                <a:ea typeface="新細明體" panose="02020500000000000000" pitchFamily="18" charset="-120"/>
+                <a:cs typeface="+mn-cs"/>
+              </a:rPr>
+              <a:t>arrayB</a:t>
+            </a:r>
+            <a:r>
+              <a:rPr kumimoji="0" lang="en-US" altLang="zh-TW" sz="2400" b="1" i="0" u="none" strike="noStrike" kern="1200" cap="none" spc="0" normalizeH="0" baseline="0" noProof="0" dirty="0">
+                <a:ln>
+                  <a:noFill/>
+                </a:ln>
+                <a:solidFill>
+                  <a:srgbClr val="D4D4D4"/>
+                </a:solidFill>
+                <a:effectLst/>
+                <a:uLnTx/>
+                <a:uFillTx/>
+                <a:latin typeface="Fira Code"/>
+                <a:ea typeface="新細明體" panose="02020500000000000000" pitchFamily="18" charset="-120"/>
+                <a:cs typeface="+mn-cs"/>
+              </a:rPr>
+              <a:t>[</a:t>
+            </a:r>
+            <a:r>
+              <a:rPr kumimoji="0" lang="en-US" altLang="zh-TW" sz="2400" b="1" i="0" u="none" strike="noStrike" kern="1200" cap="none" spc="0" normalizeH="0" baseline="0" noProof="0" dirty="0">
+                <a:ln>
+                  <a:noFill/>
+                </a:ln>
+                <a:solidFill>
+                  <a:srgbClr val="B5CEA8"/>
+                </a:solidFill>
+                <a:effectLst/>
+                <a:uLnTx/>
+                <a:uFillTx/>
+                <a:latin typeface="Fira Code"/>
+                <a:ea typeface="新細明體" panose="02020500000000000000" pitchFamily="18" charset="-120"/>
+                <a:cs typeface="+mn-cs"/>
+              </a:rPr>
+              <a:t>0</a:t>
+            </a:r>
+            <a:r>
+              <a:rPr kumimoji="0" lang="en-US" altLang="zh-TW" sz="2400" b="1" i="0" u="none" strike="noStrike" kern="1200" cap="none" spc="0" normalizeH="0" baseline="0" noProof="0" dirty="0">
+                <a:ln>
+                  <a:noFill/>
+                </a:ln>
+                <a:solidFill>
+                  <a:srgbClr val="D4D4D4"/>
+                </a:solidFill>
+                <a:effectLst/>
+                <a:uLnTx/>
+                <a:uFillTx/>
+                <a:latin typeface="Fira Code"/>
+                <a:ea typeface="新細明體" panose="02020500000000000000" pitchFamily="18" charset="-120"/>
+                <a:cs typeface="+mn-cs"/>
+              </a:rPr>
+              <a:t>] = </a:t>
+            </a:r>
+            <a:r>
+              <a:rPr kumimoji="0" lang="en-US" altLang="zh-TW" sz="2400" b="1" i="0" u="none" strike="noStrike" kern="1200" cap="none" spc="0" normalizeH="0" baseline="0" noProof="0" dirty="0">
+                <a:ln>
+                  <a:noFill/>
+                </a:ln>
+                <a:solidFill>
+                  <a:srgbClr val="B5CEA8"/>
+                </a:solidFill>
+                <a:effectLst/>
+                <a:uLnTx/>
+                <a:uFillTx/>
+                <a:latin typeface="Fira Code"/>
+                <a:ea typeface="新細明體" panose="02020500000000000000" pitchFamily="18" charset="-120"/>
+                <a:cs typeface="+mn-cs"/>
+              </a:rPr>
+              <a:t>3</a:t>
+            </a:r>
+            <a:r>
+              <a:rPr kumimoji="0" lang="en-US" altLang="zh-TW" sz="2400" b="1" i="0" u="none" strike="noStrike" kern="1200" cap="none" spc="0" normalizeH="0" baseline="0" noProof="0" dirty="0">
+                <a:ln>
+                  <a:noFill/>
+                </a:ln>
+                <a:solidFill>
+                  <a:srgbClr val="D4D4D4"/>
+                </a:solidFill>
+                <a:effectLst/>
+                <a:uLnTx/>
+                <a:uFillTx/>
+                <a:latin typeface="Fira Code"/>
+                <a:ea typeface="新細明體" panose="02020500000000000000" pitchFamily="18" charset="-120"/>
+                <a:cs typeface="+mn-cs"/>
+              </a:rPr>
+              <a:t>;</a:t>
+            </a:r>
+          </a:p>
+          <a:p>
+            <a:pPr marL="0" marR="0" lvl="0" indent="0" algn="l" defTabSz="914400" rtl="0" eaLnBrk="1" fontAlgn="auto" latinLnBrk="0" hangingPunct="1">
+              <a:lnSpc>
+                <a:spcPct val="100000"/>
+              </a:lnSpc>
+              <a:spcBef>
+                <a:spcPts val="0"/>
+              </a:spcBef>
+              <a:spcAft>
+                <a:spcPts val="0"/>
+              </a:spcAft>
+              <a:buClrTx/>
+              <a:buSzTx/>
+              <a:buFontTx/>
+              <a:buNone/>
+              <a:tabLst/>
+              <a:defRPr/>
+            </a:pPr>
+            <a:r>
+              <a:rPr kumimoji="0" lang="en-US" altLang="zh-TW" sz="2400" b="1" i="0" u="none" strike="noStrike" kern="1200" cap="none" spc="0" normalizeH="0" baseline="0" noProof="0" dirty="0">
+                <a:ln>
+                  <a:noFill/>
+                </a:ln>
+                <a:solidFill>
+                  <a:srgbClr val="D4D4D4"/>
+                </a:solidFill>
+                <a:effectLst/>
+                <a:uLnTx/>
+                <a:uFillTx/>
+                <a:latin typeface="Fira Code"/>
+                <a:ea typeface="新細明體" panose="02020500000000000000" pitchFamily="18" charset="-120"/>
+                <a:cs typeface="+mn-cs"/>
+              </a:rPr>
+              <a:t>  </a:t>
+            </a:r>
+            <a:r>
+              <a:rPr kumimoji="0" lang="en-US" altLang="zh-TW" sz="2400" b="1" i="0" u="none" strike="noStrike" kern="1200" cap="none" spc="0" normalizeH="0" baseline="0" noProof="0" dirty="0">
+                <a:ln>
+                  <a:noFill/>
+                </a:ln>
+                <a:solidFill>
+                  <a:srgbClr val="4EC9B0"/>
+                </a:solidFill>
+                <a:effectLst/>
+                <a:uLnTx/>
+                <a:uFillTx/>
+                <a:latin typeface="Fira Code"/>
+                <a:ea typeface="新細明體" panose="02020500000000000000" pitchFamily="18" charset="-120"/>
+                <a:cs typeface="+mn-cs"/>
+              </a:rPr>
+              <a:t>console</a:t>
+            </a:r>
+            <a:r>
+              <a:rPr kumimoji="0" lang="en-US" altLang="zh-TW" sz="2400" b="1" i="0" u="none" strike="noStrike" kern="1200" cap="none" spc="0" normalizeH="0" baseline="0" noProof="0" dirty="0">
+                <a:ln>
+                  <a:noFill/>
+                </a:ln>
+                <a:solidFill>
+                  <a:srgbClr val="D4D4D4"/>
+                </a:solidFill>
+                <a:effectLst/>
+                <a:uLnTx/>
+                <a:uFillTx/>
+                <a:latin typeface="Fira Code"/>
+                <a:ea typeface="新細明體" panose="02020500000000000000" pitchFamily="18" charset="-120"/>
+                <a:cs typeface="+mn-cs"/>
+              </a:rPr>
+              <a:t>.</a:t>
+            </a:r>
+            <a:r>
+              <a:rPr kumimoji="0" lang="en-US" altLang="zh-TW" sz="2400" b="1" i="0" u="none" strike="noStrike" kern="1200" cap="none" spc="0" normalizeH="0" baseline="0" noProof="0" dirty="0">
+                <a:ln>
+                  <a:noFill/>
+                </a:ln>
+                <a:solidFill>
+                  <a:srgbClr val="DCDCAA"/>
+                </a:solidFill>
+                <a:effectLst/>
+                <a:uLnTx/>
+                <a:uFillTx/>
+                <a:latin typeface="Fira Code"/>
+                <a:ea typeface="新細明體" panose="02020500000000000000" pitchFamily="18" charset="-120"/>
+                <a:cs typeface="+mn-cs"/>
+              </a:rPr>
+              <a:t>log</a:t>
+            </a:r>
+            <a:r>
+              <a:rPr kumimoji="0" lang="en-US" altLang="zh-TW" sz="2400" b="1" i="0" u="none" strike="noStrike" kern="1200" cap="none" spc="0" normalizeH="0" baseline="0" noProof="0" dirty="0">
+                <a:ln>
+                  <a:noFill/>
+                </a:ln>
+                <a:solidFill>
+                  <a:srgbClr val="D4D4D4"/>
+                </a:solidFill>
+                <a:effectLst/>
+                <a:uLnTx/>
+                <a:uFillTx/>
+                <a:latin typeface="Fira Code"/>
+                <a:ea typeface="新細明體" panose="02020500000000000000" pitchFamily="18" charset="-120"/>
+                <a:cs typeface="+mn-cs"/>
+              </a:rPr>
+              <a:t>(</a:t>
+            </a:r>
+            <a:r>
+              <a:rPr kumimoji="0" lang="en-US" altLang="zh-TW" sz="2400" b="1" i="0" u="none" strike="noStrike" kern="1200" cap="none" spc="0" normalizeH="0" baseline="0" noProof="0" dirty="0" err="1">
+                <a:ln>
+                  <a:noFill/>
+                </a:ln>
+                <a:solidFill>
+                  <a:srgbClr val="9CDCFE"/>
+                </a:solidFill>
+                <a:effectLst/>
+                <a:uLnTx/>
+                <a:uFillTx/>
+                <a:latin typeface="Fira Code"/>
+                <a:ea typeface="新細明體" panose="02020500000000000000" pitchFamily="18" charset="-120"/>
+                <a:cs typeface="+mn-cs"/>
+              </a:rPr>
+              <a:t>arrayA</a:t>
+            </a:r>
+            <a:r>
+              <a:rPr kumimoji="0" lang="en-US" altLang="zh-TW" sz="2400" b="1" i="0" u="none" strike="noStrike" kern="1200" cap="none" spc="0" normalizeH="0" baseline="0" noProof="0" dirty="0">
+                <a:ln>
+                  <a:noFill/>
+                </a:ln>
+                <a:solidFill>
+                  <a:srgbClr val="D4D4D4"/>
+                </a:solidFill>
+                <a:effectLst/>
+                <a:uLnTx/>
+                <a:uFillTx/>
+                <a:latin typeface="Fira Code"/>
+                <a:ea typeface="新細明體" panose="02020500000000000000" pitchFamily="18" charset="-120"/>
+                <a:cs typeface="+mn-cs"/>
+              </a:rPr>
+              <a:t>, </a:t>
+            </a:r>
+            <a:r>
+              <a:rPr kumimoji="0" lang="en-US" altLang="zh-TW" sz="2400" b="1" i="0" u="none" strike="noStrike" kern="1200" cap="none" spc="0" normalizeH="0" baseline="0" noProof="0" dirty="0" err="1">
+                <a:ln>
+                  <a:noFill/>
+                </a:ln>
+                <a:solidFill>
+                  <a:srgbClr val="9CDCFE"/>
+                </a:solidFill>
+                <a:effectLst/>
+                <a:uLnTx/>
+                <a:uFillTx/>
+                <a:latin typeface="Fira Code"/>
+                <a:ea typeface="新細明體" panose="02020500000000000000" pitchFamily="18" charset="-120"/>
+                <a:cs typeface="+mn-cs"/>
+              </a:rPr>
+              <a:t>arrayB</a:t>
+            </a:r>
+            <a:r>
+              <a:rPr kumimoji="0" lang="en-US" altLang="zh-TW" sz="2400" b="1" i="0" u="none" strike="noStrike" kern="1200" cap="none" spc="0" normalizeH="0" baseline="0" noProof="0" dirty="0">
+                <a:ln>
+                  <a:noFill/>
+                </a:ln>
+                <a:solidFill>
+                  <a:srgbClr val="D4D4D4"/>
+                </a:solidFill>
+                <a:effectLst/>
+                <a:uLnTx/>
+                <a:uFillTx/>
+                <a:latin typeface="Fira Code"/>
+                <a:ea typeface="新細明體" panose="02020500000000000000" pitchFamily="18" charset="-120"/>
+                <a:cs typeface="+mn-cs"/>
+              </a:rPr>
+              <a:t>);</a:t>
+            </a:r>
+          </a:p>
+        </p:txBody>
+      </p:sp>
+      <p:grpSp>
+        <p:nvGrpSpPr>
+          <p:cNvPr id="19" name="群組 18">
+            <a:extLst>
+              <a:ext uri="{FF2B5EF4-FFF2-40B4-BE49-F238E27FC236}">
+                <a16:creationId xmlns:a16="http://schemas.microsoft.com/office/drawing/2014/main" id="{E064E2AA-4246-4A78-8A82-A6CDFD098D59}"/>
+              </a:ext>
+            </a:extLst>
+          </p:cNvPr>
+          <p:cNvGrpSpPr/>
+          <p:nvPr/>
+        </p:nvGrpSpPr>
+        <p:grpSpPr>
+          <a:xfrm>
+            <a:off x="6263500" y="3524249"/>
+            <a:ext cx="5120780" cy="2351127"/>
+            <a:chOff x="6233020" y="3158489"/>
+            <a:chExt cx="5120780" cy="2351127"/>
+          </a:xfrm>
+        </p:grpSpPr>
+        <p:sp>
+          <p:nvSpPr>
+            <p:cNvPr id="9" name="矩形 8">
+              <a:extLst>
+                <a:ext uri="{FF2B5EF4-FFF2-40B4-BE49-F238E27FC236}">
+                  <a16:creationId xmlns:a16="http://schemas.microsoft.com/office/drawing/2014/main" id="{1B83199D-A6A2-428E-98E9-EF7C768AA61B}"/>
+                </a:ext>
+              </a:extLst>
+            </p:cNvPr>
+            <p:cNvSpPr/>
+            <p:nvPr/>
+          </p:nvSpPr>
+          <p:spPr>
+            <a:xfrm>
+              <a:off x="6233020" y="3158489"/>
+              <a:ext cx="5120780" cy="2351127"/>
+            </a:xfrm>
+            <a:prstGeom prst="rect">
+              <a:avLst/>
+            </a:prstGeom>
+            <a:solidFill>
+              <a:schemeClr val="bg1"/>
+            </a:solidFill>
+            <a:ln w="57150">
+              <a:solidFill>
+                <a:schemeClr val="tx1">
+                  <a:lumMod val="50000"/>
+                  <a:lumOff val="50000"/>
+                </a:schemeClr>
+              </a:solidFill>
+            </a:ln>
+          </p:spPr>
+          <p:style>
+            <a:lnRef idx="2">
+              <a:schemeClr val="accent1">
+                <a:shade val="50000"/>
+              </a:schemeClr>
+            </a:lnRef>
+            <a:fillRef idx="1">
+              <a:schemeClr val="accent1"/>
+            </a:fillRef>
+            <a:effectRef idx="0">
+              <a:schemeClr val="accent1"/>
+            </a:effectRef>
+            <a:fontRef idx="minor">
+              <a:schemeClr val="lt1"/>
+            </a:fontRef>
+          </p:style>
+          <p:txBody>
+            <a:bodyPr rtlCol="0" anchor="ctr"/>
+            <a:lstStyle/>
+            <a:p>
+              <a:pPr marL="0" marR="0" lvl="0" indent="0" algn="ctr" defTabSz="914400" rtl="0" eaLnBrk="1" fontAlgn="auto" latinLnBrk="0" hangingPunct="1">
+                <a:lnSpc>
+                  <a:spcPct val="100000"/>
+                </a:lnSpc>
+                <a:spcBef>
+                  <a:spcPts val="0"/>
+                </a:spcBef>
+                <a:spcAft>
+                  <a:spcPts val="0"/>
+                </a:spcAft>
+                <a:buClrTx/>
+                <a:buSzTx/>
+                <a:buFontTx/>
+                <a:buNone/>
+                <a:tabLst/>
+                <a:defRPr/>
+              </a:pPr>
+              <a:endParaRPr kumimoji="0" lang="zh-TW" altLang="en-US" sz="1800" b="0" i="0" u="none" strike="noStrike" kern="1200" cap="none" spc="0" normalizeH="0" baseline="0" noProof="0">
+                <a:ln>
+                  <a:noFill/>
+                </a:ln>
+                <a:solidFill>
+                  <a:prstClr val="white"/>
+                </a:solidFill>
+                <a:effectLst/>
+                <a:uLnTx/>
+                <a:uFillTx/>
+                <a:latin typeface="Calibri" panose="020F0502020204030204"/>
+                <a:ea typeface="新細明體" panose="02020500000000000000" pitchFamily="18" charset="-120"/>
+                <a:cs typeface="+mn-cs"/>
+              </a:endParaRPr>
+            </a:p>
+          </p:txBody>
+        </p:sp>
+        <p:pic>
+          <p:nvPicPr>
+            <p:cNvPr id="5" name="圖片 4">
+              <a:extLst>
+                <a:ext uri="{FF2B5EF4-FFF2-40B4-BE49-F238E27FC236}">
+                  <a16:creationId xmlns:a16="http://schemas.microsoft.com/office/drawing/2014/main" id="{C7994E2C-9387-4F4D-AD81-3A6732EB443A}"/>
+                </a:ext>
+              </a:extLst>
+            </p:cNvPr>
+            <p:cNvPicPr>
+              <a:picLocks noChangeAspect="1"/>
+            </p:cNvPicPr>
+            <p:nvPr/>
+          </p:nvPicPr>
+          <p:blipFill>
+            <a:blip r:embed="rId2">
+              <a:extLst>
+                <a:ext uri="{28A0092B-C50C-407E-A947-70E740481C1C}">
+                  <a14:useLocalDpi xmlns:a14="http://schemas.microsoft.com/office/drawing/2010/main" val="0"/>
+                </a:ext>
+              </a:extLst>
+            </a:blip>
+            <a:stretch>
+              <a:fillRect/>
+            </a:stretch>
+          </p:blipFill>
+          <p:spPr>
+            <a:xfrm>
+              <a:off x="6233020" y="3158489"/>
+              <a:ext cx="5120780" cy="2351127"/>
+            </a:xfrm>
+            <a:prstGeom prst="rect">
+              <a:avLst/>
+            </a:prstGeom>
+          </p:spPr>
+        </p:pic>
+      </p:grpSp>
+    </p:spTree>
+    <p:extLst>
+      <p:ext uri="{BB962C8B-B14F-4D97-AF65-F5344CB8AC3E}">
+        <p14:creationId xmlns:p14="http://schemas.microsoft.com/office/powerpoint/2010/main" val="1214591588"/>
+      </p:ext>
+    </p:extLst>
+  </p:cSld>
+  <p:clrMapOvr>
+    <a:masterClrMapping/>
+  </p:clrMapOvr>
+</p:sld>
+</file>
+
+<file path=ppt/slides/slide14.xml><?xml version="1.0" encoding="utf-8"?>
 <p:sld xmlns:a="http://schemas.openxmlformats.org/drawingml/2006/main" xmlns:r="http://schemas.openxmlformats.org/officeDocument/2006/relationships" xmlns:p="http://schemas.openxmlformats.org/presentationml/2006/main">
   <p:cSld>
     <p:spTree>
@@ -8086,7 +11069,7 @@
     </p:spTree>
     <p:extLst>
       <p:ext uri="{BB962C8B-B14F-4D97-AF65-F5344CB8AC3E}">
-        <p14:creationId xmlns:p14="http://schemas.microsoft.com/office/powerpoint/2010/main" val="4159905818"/>
+        <p14:creationId xmlns:p14="http://schemas.microsoft.com/office/powerpoint/2010/main" val="3716843144"/>
       </p:ext>
     </p:extLst>
   </p:cSld>
@@ -8118,7 +11101,7 @@
           <p:cNvPr id="2" name="標題 1">
             <a:extLst>
               <a:ext uri="{FF2B5EF4-FFF2-40B4-BE49-F238E27FC236}">
-                <a16:creationId xmlns:a16="http://schemas.microsoft.com/office/drawing/2014/main" id="{41B831E1-2F28-4D6E-A6CE-A3C9FACEF6CC}"/>
+                <a16:creationId xmlns:a16="http://schemas.microsoft.com/office/drawing/2014/main" id="{7DEDC330-37AD-4044-B90E-A9343D32C22C}"/>
               </a:ext>
             </a:extLst>
           </p:cNvPr>
@@ -8135,25 +11118,22 @@
           <a:lstStyle/>
           <a:p>
             <a:r>
-              <a:rPr lang="zh-TW" altLang="zh-TW" dirty="0">
-                <a:latin typeface="微軟正黑體" panose="020B0604030504040204" pitchFamily="34" charset="-120"/>
-                <a:ea typeface="微軟正黑體" panose="020B0604030504040204" pitchFamily="34" charset="-120"/>
-              </a:rPr>
-              <a:t>陣列</a:t>
-            </a:r>
-            <a:endParaRPr lang="zh-TW" altLang="en-US" dirty="0">
-              <a:latin typeface="微軟正黑體" panose="020B0604030504040204" pitchFamily="34" charset="-120"/>
-              <a:ea typeface="微軟正黑體" panose="020B0604030504040204" pitchFamily="34" charset="-120"/>
-            </a:endParaRPr>
-          </a:p>
-        </p:txBody>
-      </p:sp>
-      <p:sp>
-        <p:nvSpPr>
-          <p:cNvPr id="4" name="內容版面配置區 2">
-            <a:extLst>
-              <a:ext uri="{FF2B5EF4-FFF2-40B4-BE49-F238E27FC236}">
-                <a16:creationId xmlns:a16="http://schemas.microsoft.com/office/drawing/2014/main" id="{13F4E71E-5606-4D68-8106-6EF8EB15B0F1}"/>
+              <a:rPr lang="en-US" altLang="zh-TW" dirty="0">
+                <a:latin typeface="微軟正黑體" panose="020B0604030504040204" pitchFamily="34" charset="-120"/>
+                <a:ea typeface="微軟正黑體" panose="020B0604030504040204" pitchFamily="34" charset="-120"/>
+              </a:rPr>
+              <a:t>JavaScript</a:t>
+            </a:r>
+            <a:endParaRPr lang="zh-TW" altLang="en-US" dirty="0"/>
+          </a:p>
+        </p:txBody>
+      </p:sp>
+      <p:sp>
+        <p:nvSpPr>
+          <p:cNvPr id="3" name="內容版面配置區 2">
+            <a:extLst>
+              <a:ext uri="{FF2B5EF4-FFF2-40B4-BE49-F238E27FC236}">
+                <a16:creationId xmlns:a16="http://schemas.microsoft.com/office/drawing/2014/main" id="{F00B113A-D713-413F-A465-FE7A7256B3DB}"/>
               </a:ext>
             </a:extLst>
           </p:cNvPr>
@@ -8164,475 +11144,138 @@
             <p:ph idx="1"/>
           </p:nvPr>
         </p:nvSpPr>
-        <p:spPr>
-          <a:xfrm>
-            <a:off x="838200" y="1825625"/>
-            <a:ext cx="4757257" cy="4351338"/>
-          </a:xfrm>
-        </p:spPr>
+        <p:spPr/>
         <p:txBody>
           <a:bodyPr/>
           <a:lstStyle/>
           <a:p>
             <a:r>
-              <a:rPr lang="zh-TW" altLang="zh-TW" dirty="0">
-                <a:latin typeface="微軟正黑體" panose="020B0604030504040204" pitchFamily="34" charset="-120"/>
-                <a:ea typeface="微軟正黑體" panose="020B0604030504040204" pitchFamily="34" charset="-120"/>
-              </a:rPr>
-              <a:t>下列程式使用</a:t>
-            </a:r>
-            <a:r>
-              <a:rPr lang="en-US" altLang="zh-TW" dirty="0">
-                <a:latin typeface="微軟正黑體" panose="020B0604030504040204" pitchFamily="34" charset="-120"/>
-                <a:ea typeface="微軟正黑體" panose="020B0604030504040204" pitchFamily="34" charset="-120"/>
-              </a:rPr>
-              <a:t>JavaScript</a:t>
-            </a:r>
-            <a:r>
-              <a:rPr lang="zh-TW" altLang="zh-TW" dirty="0">
-                <a:latin typeface="微軟正黑體" panose="020B0604030504040204" pitchFamily="34" charset="-120"/>
-                <a:ea typeface="微軟正黑體" panose="020B0604030504040204" pitchFamily="34" charset="-120"/>
-              </a:rPr>
-              <a:t>，請問兩個陣列在</a:t>
-            </a:r>
-            <a:r>
-              <a:rPr lang="en-US" altLang="zh-TW" dirty="0">
-                <a:latin typeface="微軟正黑體" panose="020B0604030504040204" pitchFamily="34" charset="-120"/>
-                <a:ea typeface="微軟正黑體" panose="020B0604030504040204" pitchFamily="34" charset="-120"/>
-              </a:rPr>
-              <a:t>console.log</a:t>
-            </a:r>
-            <a:r>
-              <a:rPr lang="zh-TW" altLang="zh-TW" dirty="0">
-                <a:latin typeface="微軟正黑體" panose="020B0604030504040204" pitchFamily="34" charset="-120"/>
-                <a:ea typeface="微軟正黑體" panose="020B0604030504040204" pitchFamily="34" charset="-120"/>
-              </a:rPr>
-              <a:t>時是否會相等？</a:t>
-            </a:r>
-          </a:p>
-          <a:p>
-            <a:r>
-              <a:rPr lang="zh-TW" altLang="zh-TW" dirty="0">
-                <a:latin typeface="微軟正黑體" panose="020B0604030504040204" pitchFamily="34" charset="-120"/>
-                <a:ea typeface="微軟正黑體" panose="020B0604030504040204" pitchFamily="34" charset="-120"/>
-              </a:rPr>
-              <a:t>請說明相等或是不相等的原因</a:t>
-            </a:r>
-          </a:p>
-          <a:p>
-            <a:endParaRPr lang="zh-TW" altLang="en-US" dirty="0">
-              <a:latin typeface="微軟正黑體" panose="020B0604030504040204" pitchFamily="34" charset="-120"/>
-              <a:ea typeface="微軟正黑體" panose="020B0604030504040204" pitchFamily="34" charset="-120"/>
-            </a:endParaRPr>
-          </a:p>
-        </p:txBody>
-      </p:sp>
-      <p:sp>
-        <p:nvSpPr>
-          <p:cNvPr id="5" name="文字方塊 4">
-            <a:extLst>
-              <a:ext uri="{FF2B5EF4-FFF2-40B4-BE49-F238E27FC236}">
-                <a16:creationId xmlns:a16="http://schemas.microsoft.com/office/drawing/2014/main" id="{EF60F5A9-CCFF-4648-BDFF-957B64002AB2}"/>
-              </a:ext>
-            </a:extLst>
-          </p:cNvPr>
-          <p:cNvSpPr txBox="1"/>
-          <p:nvPr/>
-        </p:nvSpPr>
-        <p:spPr>
-          <a:xfrm>
-            <a:off x="6233020" y="1925580"/>
-            <a:ext cx="5120780" cy="1569660"/>
-          </a:xfrm>
-          <a:prstGeom prst="rect">
-            <a:avLst/>
-          </a:prstGeom>
-          <a:solidFill>
-            <a:schemeClr val="tx1">
-              <a:lumMod val="65000"/>
-              <a:lumOff val="35000"/>
-            </a:schemeClr>
-          </a:solidFill>
-        </p:spPr>
-        <p:txBody>
-          <a:bodyPr wrap="square" rtlCol="0">
-            <a:spAutoFit/>
-          </a:bodyPr>
-          <a:lstStyle/>
-          <a:p>
-            <a:r>
-              <a:rPr lang="en-US" altLang="zh-TW" sz="2400" b="1" dirty="0">
-                <a:solidFill>
-                  <a:srgbClr val="569CD6"/>
-                </a:solidFill>
-                <a:latin typeface="Fira Code"/>
-              </a:rPr>
-              <a:t>var</a:t>
-            </a:r>
-            <a:r>
-              <a:rPr lang="en-US" altLang="zh-TW" sz="2400" b="1" dirty="0">
-                <a:solidFill>
-                  <a:srgbClr val="D4D4D4"/>
-                </a:solidFill>
-                <a:latin typeface="Fira Code"/>
-              </a:rPr>
+              <a:rPr lang="en-US" altLang="zh-TW" dirty="0"/>
+              <a:t>Console.log </a:t>
+            </a:r>
+            <a:r>
+              <a:rPr lang="zh-TW" altLang="en-US" dirty="0"/>
+              <a:t>的結果會相等</a:t>
+            </a:r>
+            <a:endParaRPr lang="en-US" altLang="zh-TW" dirty="0"/>
+          </a:p>
+          <a:p>
+            <a:r>
+              <a:rPr lang="zh-TW" altLang="en-US" dirty="0"/>
+              <a:t>原因</a:t>
+            </a:r>
+            <a:r>
+              <a:rPr lang="en-US" altLang="zh-TW" dirty="0"/>
+              <a:t>: </a:t>
+            </a:r>
+            <a:r>
+              <a:rPr lang="zh-TW" altLang="en-US" dirty="0"/>
+              <a:t>雖然變數 </a:t>
+            </a:r>
+            <a:r>
+              <a:rPr lang="en-US" altLang="zh-TW" dirty="0"/>
+              <a:t>b</a:t>
+            </a:r>
+            <a:r>
+              <a:rPr lang="zh-TW" altLang="en-US" dirty="0"/>
+              <a:t> 是宣告在 </a:t>
+            </a:r>
+            <a:r>
+              <a:rPr lang="en-US" altLang="zh-TW" dirty="0"/>
+              <a:t>if </a:t>
+            </a:r>
+            <a:r>
+              <a:rPr lang="zh-TW" altLang="en-US" dirty="0"/>
+              <a:t>這個區段內</a:t>
+            </a:r>
+            <a:r>
+              <a:rPr lang="en-US" altLang="zh-TW" dirty="0"/>
+              <a:t>,</a:t>
+            </a:r>
+            <a:r>
+              <a:rPr lang="zh-TW" altLang="en-US" dirty="0"/>
+              <a:t>但是在 </a:t>
+            </a:r>
+            <a:r>
+              <a:rPr lang="en-US" altLang="zh-TW" dirty="0" err="1"/>
+              <a:t>Javascript</a:t>
+            </a:r>
+            <a:r>
+              <a:rPr lang="en-US" altLang="zh-TW" dirty="0"/>
               <a:t> </a:t>
             </a:r>
             <a:r>
-              <a:rPr lang="en-US" altLang="zh-TW" sz="2400" b="1" dirty="0" err="1">
-                <a:solidFill>
-                  <a:srgbClr val="9CDCFE"/>
-                </a:solidFill>
-                <a:latin typeface="Fira Code"/>
-              </a:rPr>
-              <a:t>arrayA</a:t>
-            </a:r>
-            <a:r>
-              <a:rPr lang="en-US" altLang="zh-TW" sz="2400" b="1" dirty="0">
-                <a:solidFill>
-                  <a:srgbClr val="D4D4D4"/>
-                </a:solidFill>
-                <a:latin typeface="Fira Code"/>
-              </a:rPr>
-              <a:t> = [</a:t>
-            </a:r>
-            <a:r>
-              <a:rPr lang="en-US" altLang="zh-TW" sz="2400" b="1" dirty="0">
-                <a:solidFill>
-                  <a:srgbClr val="B5CEA8"/>
-                </a:solidFill>
-                <a:latin typeface="Fira Code"/>
-              </a:rPr>
-              <a:t>1</a:t>
-            </a:r>
-            <a:r>
-              <a:rPr lang="en-US" altLang="zh-TW" sz="2400" b="1" dirty="0">
-                <a:solidFill>
-                  <a:srgbClr val="D4D4D4"/>
-                </a:solidFill>
-                <a:latin typeface="Fira Code"/>
-              </a:rPr>
+              <a:rPr lang="zh-TW" altLang="en-US" dirty="0"/>
+              <a:t>中變數的有效範圍最小單位是 </a:t>
+            </a:r>
+            <a:r>
+              <a:rPr lang="en-US" altLang="zh-TW" dirty="0"/>
+              <a:t>function,</a:t>
+            </a:r>
+            <a:r>
+              <a:rPr lang="zh-TW" altLang="en-US" dirty="0"/>
+              <a:t> 所以變數 </a:t>
+            </a:r>
+            <a:r>
+              <a:rPr lang="en-US" altLang="zh-TW" dirty="0"/>
+              <a:t>b</a:t>
+            </a:r>
+            <a:r>
+              <a:rPr lang="zh-TW" altLang="en-US" dirty="0"/>
+              <a:t> 的作用範圍並不會因為離開 </a:t>
+            </a:r>
+            <a:r>
+              <a:rPr lang="en-US" altLang="zh-TW" dirty="0"/>
+              <a:t>if</a:t>
+            </a:r>
+            <a:r>
+              <a:rPr lang="zh-TW" altLang="en-US" dirty="0"/>
+              <a:t> 這個區段就消失</a:t>
+            </a:r>
+            <a:r>
+              <a:rPr lang="en-US" altLang="zh-TW" dirty="0"/>
               <a:t>, </a:t>
             </a:r>
             <a:r>
-              <a:rPr lang="en-US" altLang="zh-TW" sz="2400" b="1" dirty="0">
-                <a:solidFill>
-                  <a:srgbClr val="B5CEA8"/>
-                </a:solidFill>
-                <a:latin typeface="Fira Code"/>
-              </a:rPr>
-              <a:t>2</a:t>
-            </a:r>
-            <a:r>
-              <a:rPr lang="en-US" altLang="zh-TW" sz="2400" b="1" dirty="0">
-                <a:solidFill>
-                  <a:srgbClr val="D4D4D4"/>
-                </a:solidFill>
-                <a:latin typeface="Fira Code"/>
-              </a:rPr>
-              <a:t>, </a:t>
-            </a:r>
-            <a:r>
-              <a:rPr lang="en-US" altLang="zh-TW" sz="2400" b="1" dirty="0">
-                <a:solidFill>
-                  <a:srgbClr val="B5CEA8"/>
-                </a:solidFill>
-                <a:latin typeface="Fira Code"/>
-              </a:rPr>
-              <a:t>3</a:t>
-            </a:r>
-            <a:r>
-              <a:rPr lang="en-US" altLang="zh-TW" sz="2400" b="1" dirty="0">
-                <a:solidFill>
-                  <a:srgbClr val="D4D4D4"/>
-                </a:solidFill>
-                <a:latin typeface="Fira Code"/>
-              </a:rPr>
-              <a:t>];</a:t>
-            </a:r>
-          </a:p>
-          <a:p>
-            <a:r>
-              <a:rPr lang="en-US" altLang="zh-TW" sz="2400" b="1" dirty="0">
-                <a:solidFill>
-                  <a:srgbClr val="569CD6"/>
-                </a:solidFill>
-                <a:latin typeface="Fira Code"/>
-              </a:rPr>
-              <a:t>var</a:t>
-            </a:r>
-            <a:r>
-              <a:rPr lang="en-US" altLang="zh-TW" sz="2400" b="1" dirty="0">
-                <a:solidFill>
-                  <a:srgbClr val="D4D4D4"/>
-                </a:solidFill>
-                <a:latin typeface="Fira Code"/>
-              </a:rPr>
+              <a:rPr lang="zh-TW" altLang="en-US" dirty="0"/>
+              <a:t>因此我們在區段外 </a:t>
+            </a:r>
+            <a:r>
+              <a:rPr lang="en-US" altLang="zh-TW" dirty="0"/>
+              <a:t>console.log(</a:t>
+            </a:r>
+            <a:r>
+              <a:rPr lang="en-US" altLang="zh-TW" dirty="0" err="1"/>
+              <a:t>a,b</a:t>
+            </a:r>
+            <a:r>
+              <a:rPr lang="en-US" altLang="zh-TW" dirty="0"/>
+              <a:t>)</a:t>
+            </a:r>
+            <a:r>
+              <a:rPr lang="zh-TW" altLang="en-US" dirty="0"/>
+              <a:t> 時也能讀的到變數 </a:t>
+            </a:r>
+            <a:r>
+              <a:rPr lang="en-US" altLang="zh-TW" dirty="0"/>
+              <a:t>b</a:t>
+            </a:r>
+            <a:r>
+              <a:rPr lang="zh-TW" altLang="en-US" dirty="0"/>
               <a:t> </a:t>
             </a:r>
             <a:r>
-              <a:rPr lang="en-US" altLang="zh-TW" sz="2400" b="1" dirty="0" err="1">
-                <a:solidFill>
-                  <a:srgbClr val="9CDCFE"/>
-                </a:solidFill>
-                <a:latin typeface="Fira Code"/>
-              </a:rPr>
-              <a:t>arrayB</a:t>
-            </a:r>
-            <a:r>
-              <a:rPr lang="en-US" altLang="zh-TW" sz="2400" b="1" dirty="0">
-                <a:solidFill>
-                  <a:srgbClr val="D4D4D4"/>
-                </a:solidFill>
-                <a:latin typeface="Fira Code"/>
-              </a:rPr>
-              <a:t> = </a:t>
-            </a:r>
-            <a:r>
-              <a:rPr lang="en-US" altLang="zh-TW" sz="2400" b="1" dirty="0" err="1">
-                <a:solidFill>
-                  <a:srgbClr val="9CDCFE"/>
-                </a:solidFill>
-                <a:latin typeface="Fira Code"/>
-              </a:rPr>
-              <a:t>arrayA</a:t>
-            </a:r>
-            <a:r>
-              <a:rPr lang="en-US" altLang="zh-TW" sz="2400" b="1" dirty="0">
-                <a:solidFill>
-                  <a:srgbClr val="D4D4D4"/>
-                </a:solidFill>
-                <a:latin typeface="Fira Code"/>
-              </a:rPr>
-              <a:t>;</a:t>
-            </a:r>
-          </a:p>
-          <a:p>
-            <a:r>
-              <a:rPr lang="en-US" altLang="zh-TW" sz="2400" b="1" dirty="0" err="1">
-                <a:solidFill>
-                  <a:srgbClr val="9CDCFE"/>
-                </a:solidFill>
-                <a:latin typeface="Fira Code"/>
-              </a:rPr>
-              <a:t>arrayB</a:t>
-            </a:r>
-            <a:r>
-              <a:rPr lang="en-US" altLang="zh-TW" sz="2400" b="1" dirty="0">
-                <a:solidFill>
-                  <a:srgbClr val="D4D4D4"/>
-                </a:solidFill>
-                <a:latin typeface="Fira Code"/>
-              </a:rPr>
-              <a:t>[</a:t>
-            </a:r>
-            <a:r>
-              <a:rPr lang="en-US" altLang="zh-TW" sz="2400" b="1" dirty="0">
-                <a:solidFill>
-                  <a:srgbClr val="B5CEA8"/>
-                </a:solidFill>
-                <a:latin typeface="Fira Code"/>
-              </a:rPr>
-              <a:t>0</a:t>
-            </a:r>
-            <a:r>
-              <a:rPr lang="en-US" altLang="zh-TW" sz="2400" b="1" dirty="0">
-                <a:solidFill>
-                  <a:srgbClr val="D4D4D4"/>
-                </a:solidFill>
-                <a:latin typeface="Fira Code"/>
-              </a:rPr>
-              <a:t>] = </a:t>
-            </a:r>
-            <a:r>
-              <a:rPr lang="en-US" altLang="zh-TW" sz="2400" b="1" dirty="0">
-                <a:solidFill>
-                  <a:srgbClr val="B5CEA8"/>
-                </a:solidFill>
-                <a:latin typeface="Fira Code"/>
-              </a:rPr>
-              <a:t>3</a:t>
-            </a:r>
-            <a:r>
-              <a:rPr lang="en-US" altLang="zh-TW" sz="2400" b="1" dirty="0">
-                <a:solidFill>
-                  <a:srgbClr val="D4D4D4"/>
-                </a:solidFill>
-                <a:latin typeface="Fira Code"/>
-              </a:rPr>
-              <a:t>;</a:t>
-            </a:r>
-          </a:p>
-          <a:p>
-            <a:r>
-              <a:rPr lang="en-US" altLang="zh-TW" sz="2400" b="1" dirty="0">
-                <a:solidFill>
-                  <a:srgbClr val="D4D4D4"/>
-                </a:solidFill>
-                <a:latin typeface="Fira Code"/>
-              </a:rPr>
-              <a:t>  </a:t>
-            </a:r>
-            <a:r>
-              <a:rPr lang="en-US" altLang="zh-TW" sz="2400" b="1" dirty="0">
-                <a:solidFill>
-                  <a:srgbClr val="4EC9B0"/>
-                </a:solidFill>
-                <a:latin typeface="Fira Code"/>
-              </a:rPr>
-              <a:t>console</a:t>
-            </a:r>
-            <a:r>
-              <a:rPr lang="en-US" altLang="zh-TW" sz="2400" b="1" dirty="0">
-                <a:solidFill>
-                  <a:srgbClr val="D4D4D4"/>
-                </a:solidFill>
-                <a:latin typeface="Fira Code"/>
-              </a:rPr>
+              <a:rPr lang="en-US" altLang="zh-TW" dirty="0"/>
               <a:t>.</a:t>
             </a:r>
-            <a:r>
-              <a:rPr lang="en-US" altLang="zh-TW" sz="2400" b="1" dirty="0">
-                <a:solidFill>
-                  <a:srgbClr val="DCDCAA"/>
-                </a:solidFill>
-                <a:latin typeface="Fira Code"/>
-              </a:rPr>
-              <a:t>log</a:t>
-            </a:r>
-            <a:r>
-              <a:rPr lang="en-US" altLang="zh-TW" sz="2400" b="1" dirty="0">
-                <a:solidFill>
-                  <a:srgbClr val="D4D4D4"/>
-                </a:solidFill>
-                <a:latin typeface="Fira Code"/>
-              </a:rPr>
-              <a:t>(</a:t>
-            </a:r>
-            <a:r>
-              <a:rPr lang="en-US" altLang="zh-TW" sz="2400" b="1" dirty="0" err="1">
-                <a:solidFill>
-                  <a:srgbClr val="9CDCFE"/>
-                </a:solidFill>
-                <a:latin typeface="Fira Code"/>
-              </a:rPr>
-              <a:t>arrayA</a:t>
-            </a:r>
-            <a:r>
-              <a:rPr lang="en-US" altLang="zh-TW" sz="2400" b="1" dirty="0">
-                <a:solidFill>
-                  <a:srgbClr val="D4D4D4"/>
-                </a:solidFill>
-                <a:latin typeface="Fira Code"/>
-              </a:rPr>
-              <a:t>, </a:t>
-            </a:r>
-            <a:r>
-              <a:rPr lang="en-US" altLang="zh-TW" sz="2400" b="1" dirty="0" err="1">
-                <a:solidFill>
-                  <a:srgbClr val="9CDCFE"/>
-                </a:solidFill>
-                <a:latin typeface="Fira Code"/>
-              </a:rPr>
-              <a:t>arrayB</a:t>
-            </a:r>
-            <a:r>
-              <a:rPr lang="en-US" altLang="zh-TW" sz="2400" b="1" dirty="0">
-                <a:solidFill>
-                  <a:srgbClr val="D4D4D4"/>
-                </a:solidFill>
-                <a:latin typeface="Fira Code"/>
-              </a:rPr>
-              <a:t>);</a:t>
-            </a:r>
-          </a:p>
-        </p:txBody>
-      </p:sp>
-      <p:sp>
-        <p:nvSpPr>
-          <p:cNvPr id="6" name="文字方塊 5">
-            <a:extLst>
-              <a:ext uri="{FF2B5EF4-FFF2-40B4-BE49-F238E27FC236}">
-                <a16:creationId xmlns:a16="http://schemas.microsoft.com/office/drawing/2014/main" id="{339C2F65-16E9-4147-9451-0FD9909B3878}"/>
-              </a:ext>
-            </a:extLst>
-          </p:cNvPr>
-          <p:cNvSpPr txBox="1"/>
-          <p:nvPr/>
-        </p:nvSpPr>
-        <p:spPr>
-          <a:xfrm>
-            <a:off x="838200" y="5691783"/>
-            <a:ext cx="877163" cy="369332"/>
-          </a:xfrm>
-          <a:prstGeom prst="rect">
-            <a:avLst/>
-          </a:prstGeom>
-          <a:noFill/>
-        </p:spPr>
-        <p:txBody>
-          <a:bodyPr wrap="none" rtlCol="0">
-            <a:spAutoFit/>
-          </a:bodyPr>
-          <a:lstStyle/>
-          <a:p>
-            <a:r>
-              <a:rPr lang="zh-TW" altLang="en-US" b="1" dirty="0">
-                <a:latin typeface="微軟正黑體" panose="020B0604030504040204" pitchFamily="34" charset="-120"/>
-                <a:ea typeface="微軟正黑體" panose="020B0604030504040204" pitchFamily="34" charset="-120"/>
-              </a:rPr>
-              <a:t>周本諴</a:t>
-            </a:r>
-          </a:p>
-        </p:txBody>
-      </p:sp>
-      <p:cxnSp>
-        <p:nvCxnSpPr>
-          <p:cNvPr id="7" name="直線接點 6">
-            <a:extLst>
-              <a:ext uri="{FF2B5EF4-FFF2-40B4-BE49-F238E27FC236}">
-                <a16:creationId xmlns:a16="http://schemas.microsoft.com/office/drawing/2014/main" id="{CA38C0AC-00B9-41B9-85AB-7836D7D3E6B8}"/>
-              </a:ext>
-            </a:extLst>
-          </p:cNvPr>
-          <p:cNvCxnSpPr>
-            <a:cxnSpLocks/>
-          </p:cNvCxnSpPr>
-          <p:nvPr/>
-        </p:nvCxnSpPr>
-        <p:spPr>
-          <a:xfrm>
-            <a:off x="914400" y="1442906"/>
-            <a:ext cx="10439400" cy="0"/>
-          </a:xfrm>
-          <a:prstGeom prst="line">
-            <a:avLst/>
-          </a:prstGeom>
-          <a:ln w="28575">
-            <a:solidFill>
-              <a:srgbClr val="569CD6"/>
-            </a:solidFill>
-          </a:ln>
-        </p:spPr>
-        <p:style>
-          <a:lnRef idx="1">
-            <a:schemeClr val="accent1"/>
-          </a:lnRef>
-          <a:fillRef idx="0">
-            <a:schemeClr val="accent1"/>
-          </a:fillRef>
-          <a:effectRef idx="0">
-            <a:schemeClr val="accent1"/>
-          </a:effectRef>
-          <a:fontRef idx="minor">
-            <a:schemeClr val="tx1"/>
-          </a:fontRef>
-        </p:style>
-      </p:cxnSp>
+            <a:endParaRPr lang="zh-TW" altLang="en-US" dirty="0"/>
+          </a:p>
+        </p:txBody>
+      </p:sp>
     </p:spTree>
     <p:extLst>
       <p:ext uri="{BB962C8B-B14F-4D97-AF65-F5344CB8AC3E}">
-        <p14:creationId xmlns:p14="http://schemas.microsoft.com/office/powerpoint/2010/main" val="1101340411"/>
+        <p14:creationId xmlns:p14="http://schemas.microsoft.com/office/powerpoint/2010/main" val="742476863"/>
       </p:ext>
     </p:extLst>
   </p:cSld>

--- a/測驗題.pptx
+++ b/測驗題.pptx
@@ -6,7 +6,7 @@
     <p:sldMasterId id="2147483660" r:id="rId2"/>
   </p:sldMasterIdLst>
   <p:notesMasterIdLst>
-    <p:notesMasterId r:id="rId24"/>
+    <p:notesMasterId r:id="rId28"/>
   </p:notesMasterIdLst>
   <p:sldIdLst>
     <p:sldId id="256" r:id="rId3"/>
@@ -16,20 +16,24 @@
     <p:sldId id="265" r:id="rId7"/>
     <p:sldId id="266" r:id="rId8"/>
     <p:sldId id="260" r:id="rId9"/>
-    <p:sldId id="267" r:id="rId10"/>
-    <p:sldId id="268" r:id="rId11"/>
-    <p:sldId id="262" r:id="rId12"/>
-    <p:sldId id="269" r:id="rId13"/>
-    <p:sldId id="270" r:id="rId14"/>
-    <p:sldId id="271" r:id="rId15"/>
-    <p:sldId id="263" r:id="rId16"/>
-    <p:sldId id="272" r:id="rId17"/>
-    <p:sldId id="273" r:id="rId18"/>
-    <p:sldId id="274" r:id="rId19"/>
-    <p:sldId id="275" r:id="rId20"/>
-    <p:sldId id="276" r:id="rId21"/>
-    <p:sldId id="277" r:id="rId22"/>
-    <p:sldId id="278" r:id="rId23"/>
+    <p:sldId id="279" r:id="rId10"/>
+    <p:sldId id="280" r:id="rId11"/>
+    <p:sldId id="281" r:id="rId12"/>
+    <p:sldId id="282" r:id="rId13"/>
+    <p:sldId id="267" r:id="rId14"/>
+    <p:sldId id="268" r:id="rId15"/>
+    <p:sldId id="262" r:id="rId16"/>
+    <p:sldId id="269" r:id="rId17"/>
+    <p:sldId id="270" r:id="rId18"/>
+    <p:sldId id="271" r:id="rId19"/>
+    <p:sldId id="263" r:id="rId20"/>
+    <p:sldId id="272" r:id="rId21"/>
+    <p:sldId id="273" r:id="rId22"/>
+    <p:sldId id="274" r:id="rId23"/>
+    <p:sldId id="275" r:id="rId24"/>
+    <p:sldId id="276" r:id="rId25"/>
+    <p:sldId id="277" r:id="rId26"/>
+    <p:sldId id="278" r:id="rId27"/>
   </p:sldIdLst>
   <p:sldSz cx="12192000" cy="6858000"/>
   <p:notesSz cx="6858000" cy="9144000"/>
@@ -218,7 +222,7 @@
           <a:p>
             <a:fld id="{1AF8D6DC-D9C2-4A7D-8BC0-934D327ECAC8}" type="datetimeFigureOut">
               <a:rPr lang="zh-TW" altLang="en-US" smtClean="0"/>
-              <a:t>2018/12/17</a:t>
+              <a:t>2018/12/18</a:t>
             </a:fld>
             <a:endParaRPr lang="zh-TW" altLang="en-US"/>
           </a:p>
@@ -1519,7 +1523,7 @@
           <a:p>
             <a:fld id="{F066E22E-594A-4D53-9912-33D1DC08756F}" type="datetimeFigureOut">
               <a:rPr lang="zh-TW" altLang="en-US" smtClean="0"/>
-              <a:t>2018/12/17</a:t>
+              <a:t>2018/12/18</a:t>
             </a:fld>
             <a:endParaRPr lang="zh-TW" altLang="en-US"/>
           </a:p>
@@ -1717,7 +1721,7 @@
           <a:p>
             <a:fld id="{F066E22E-594A-4D53-9912-33D1DC08756F}" type="datetimeFigureOut">
               <a:rPr lang="zh-TW" altLang="en-US" smtClean="0"/>
-              <a:t>2018/12/17</a:t>
+              <a:t>2018/12/18</a:t>
             </a:fld>
             <a:endParaRPr lang="zh-TW" altLang="en-US"/>
           </a:p>
@@ -1925,7 +1929,7 @@
           <a:p>
             <a:fld id="{F066E22E-594A-4D53-9912-33D1DC08756F}" type="datetimeFigureOut">
               <a:rPr lang="zh-TW" altLang="en-US" smtClean="0"/>
-              <a:t>2018/12/17</a:t>
+              <a:t>2018/12/18</a:t>
             </a:fld>
             <a:endParaRPr lang="zh-TW" altLang="en-US"/>
           </a:p>
@@ -7796,7 +7800,7 @@
           <a:p>
             <a:fld id="{F066E22E-594A-4D53-9912-33D1DC08756F}" type="datetimeFigureOut">
               <a:rPr lang="zh-TW" altLang="en-US" smtClean="0"/>
-              <a:t>2018/12/17</a:t>
+              <a:t>2018/12/18</a:t>
             </a:fld>
             <a:endParaRPr lang="zh-TW" altLang="en-US"/>
           </a:p>
@@ -11946,7 +11950,7 @@
           <a:p>
             <a:fld id="{F066E22E-594A-4D53-9912-33D1DC08756F}" type="datetimeFigureOut">
               <a:rPr lang="zh-TW" altLang="en-US" smtClean="0"/>
-              <a:t>2018/12/17</a:t>
+              <a:t>2018/12/18</a:t>
             </a:fld>
             <a:endParaRPr lang="zh-TW" altLang="en-US"/>
           </a:p>
@@ -12211,7 +12215,7 @@
           <a:p>
             <a:fld id="{F066E22E-594A-4D53-9912-33D1DC08756F}" type="datetimeFigureOut">
               <a:rPr lang="zh-TW" altLang="en-US" smtClean="0"/>
-              <a:t>2018/12/17</a:t>
+              <a:t>2018/12/18</a:t>
             </a:fld>
             <a:endParaRPr lang="zh-TW" altLang="en-US"/>
           </a:p>
@@ -12623,7 +12627,7 @@
           <a:p>
             <a:fld id="{F066E22E-594A-4D53-9912-33D1DC08756F}" type="datetimeFigureOut">
               <a:rPr lang="zh-TW" altLang="en-US" smtClean="0"/>
-              <a:t>2018/12/17</a:t>
+              <a:t>2018/12/18</a:t>
             </a:fld>
             <a:endParaRPr lang="zh-TW" altLang="en-US"/>
           </a:p>
@@ -12764,7 +12768,7 @@
           <a:p>
             <a:fld id="{F066E22E-594A-4D53-9912-33D1DC08756F}" type="datetimeFigureOut">
               <a:rPr lang="zh-TW" altLang="en-US" smtClean="0"/>
-              <a:t>2018/12/17</a:t>
+              <a:t>2018/12/18</a:t>
             </a:fld>
             <a:endParaRPr lang="zh-TW" altLang="en-US"/>
           </a:p>
@@ -12877,7 +12881,7 @@
           <a:p>
             <a:fld id="{F066E22E-594A-4D53-9912-33D1DC08756F}" type="datetimeFigureOut">
               <a:rPr lang="zh-TW" altLang="en-US" smtClean="0"/>
-              <a:t>2018/12/17</a:t>
+              <a:t>2018/12/18</a:t>
             </a:fld>
             <a:endParaRPr lang="zh-TW" altLang="en-US"/>
           </a:p>
@@ -13188,7 +13192,7 @@
           <a:p>
             <a:fld id="{F066E22E-594A-4D53-9912-33D1DC08756F}" type="datetimeFigureOut">
               <a:rPr lang="zh-TW" altLang="en-US" smtClean="0"/>
-              <a:t>2018/12/17</a:t>
+              <a:t>2018/12/18</a:t>
             </a:fld>
             <a:endParaRPr lang="zh-TW" altLang="en-US"/>
           </a:p>
@@ -13476,7 +13480,7 @@
           <a:p>
             <a:fld id="{F066E22E-594A-4D53-9912-33D1DC08756F}" type="datetimeFigureOut">
               <a:rPr lang="zh-TW" altLang="en-US" smtClean="0"/>
-              <a:t>2018/12/17</a:t>
+              <a:t>2018/12/18</a:t>
             </a:fld>
             <a:endParaRPr lang="zh-TW" altLang="en-US"/>
           </a:p>
@@ -13717,7 +13721,7 @@
           <a:p>
             <a:fld id="{F066E22E-594A-4D53-9912-33D1DC08756F}" type="datetimeFigureOut">
               <a:rPr lang="zh-TW" altLang="en-US" smtClean="0"/>
-              <a:t>2018/12/17</a:t>
+              <a:t>2018/12/18</a:t>
             </a:fld>
             <a:endParaRPr lang="zh-TW" altLang="en-US"/>
           </a:p>
@@ -15076,6 +15080,1763 @@
           <p:cNvPr id="2" name="標題 1">
             <a:extLst>
               <a:ext uri="{FF2B5EF4-FFF2-40B4-BE49-F238E27FC236}">
+                <a16:creationId xmlns:a16="http://schemas.microsoft.com/office/drawing/2014/main" id="{F29CFF81-0EE9-4A4E-B9B9-DF26736A6328}"/>
+              </a:ext>
+            </a:extLst>
+          </p:cNvPr>
+          <p:cNvSpPr>
+            <a:spLocks noGrp="1"/>
+          </p:cNvSpPr>
+          <p:nvPr>
+            <p:ph type="title"/>
+          </p:nvPr>
+        </p:nvSpPr>
+        <p:spPr/>
+        <p:txBody>
+          <a:bodyPr/>
+          <a:lstStyle/>
+          <a:p>
+            <a:r>
+              <a:rPr lang="zh-TW" altLang="zh-TW" dirty="0">
+                <a:latin typeface="微軟正黑體" panose="020B0604030504040204" pitchFamily="34" charset="-120"/>
+                <a:ea typeface="微軟正黑體" panose="020B0604030504040204" pitchFamily="34" charset="-120"/>
+              </a:rPr>
+              <a:t>網路</a:t>
+            </a:r>
+            <a:endParaRPr lang="zh-TW" altLang="en-US" dirty="0">
+              <a:latin typeface="微軟正黑體" panose="020B0604030504040204" pitchFamily="34" charset="-120"/>
+              <a:ea typeface="微軟正黑體" panose="020B0604030504040204" pitchFamily="34" charset="-120"/>
+            </a:endParaRPr>
+          </a:p>
+        </p:txBody>
+      </p:sp>
+      <p:sp>
+        <p:nvSpPr>
+          <p:cNvPr id="3" name="內容版面配置區 2">
+            <a:extLst>
+              <a:ext uri="{FF2B5EF4-FFF2-40B4-BE49-F238E27FC236}">
+                <a16:creationId xmlns:a16="http://schemas.microsoft.com/office/drawing/2014/main" id="{CA418AFB-3AD6-437E-8EE0-EA1F5C197FCA}"/>
+              </a:ext>
+            </a:extLst>
+          </p:cNvPr>
+          <p:cNvSpPr>
+            <a:spLocks noGrp="1"/>
+          </p:cNvSpPr>
+          <p:nvPr>
+            <p:ph idx="1"/>
+          </p:nvPr>
+        </p:nvSpPr>
+        <p:spPr/>
+        <p:txBody>
+          <a:bodyPr/>
+          <a:lstStyle/>
+          <a:p>
+            <a:r>
+              <a:rPr lang="zh-TW" altLang="zh-TW" dirty="0">
+                <a:latin typeface="微軟正黑體" panose="020B0604030504040204" pitchFamily="34" charset="-120"/>
+                <a:ea typeface="微軟正黑體" panose="020B0604030504040204" pitchFamily="34" charset="-120"/>
+              </a:rPr>
+              <a:t>請說明何</a:t>
+            </a:r>
+            <a:r>
+              <a:rPr lang="zh-TW" altLang="en-US" dirty="0">
+                <a:latin typeface="微軟正黑體" panose="020B0604030504040204" pitchFamily="34" charset="-120"/>
+                <a:ea typeface="微軟正黑體" panose="020B0604030504040204" pitchFamily="34" charset="-120"/>
+              </a:rPr>
+              <a:t>謂</a:t>
+            </a:r>
+            <a:r>
+              <a:rPr lang="en-US" altLang="zh-TW" dirty="0">
+                <a:latin typeface="微軟正黑體" panose="020B0604030504040204" pitchFamily="34" charset="-120"/>
+                <a:ea typeface="微軟正黑體" panose="020B0604030504040204" pitchFamily="34" charset="-120"/>
+              </a:rPr>
+              <a:t>RESTful </a:t>
+            </a:r>
+            <a:r>
+              <a:rPr lang="en-US" altLang="zh-TW" dirty="0" err="1">
+                <a:latin typeface="微軟正黑體" panose="020B0604030504040204" pitchFamily="34" charset="-120"/>
+                <a:ea typeface="微軟正黑體" panose="020B0604030504040204" pitchFamily="34" charset="-120"/>
+              </a:rPr>
+              <a:t>api</a:t>
+            </a:r>
+            <a:r>
+              <a:rPr lang="zh-TW" altLang="zh-TW" dirty="0">
+                <a:latin typeface="微軟正黑體" panose="020B0604030504040204" pitchFamily="34" charset="-120"/>
+                <a:ea typeface="微軟正黑體" panose="020B0604030504040204" pitchFamily="34" charset="-120"/>
+              </a:rPr>
+              <a:t>？</a:t>
+            </a:r>
+            <a:endParaRPr lang="en-US" altLang="zh-TW" dirty="0">
+              <a:latin typeface="微軟正黑體" panose="020B0604030504040204" pitchFamily="34" charset="-120"/>
+              <a:ea typeface="微軟正黑體" panose="020B0604030504040204" pitchFamily="34" charset="-120"/>
+            </a:endParaRPr>
+          </a:p>
+          <a:p>
+            <a:r>
+              <a:rPr lang="zh-TW" altLang="zh-TW" dirty="0">
+                <a:latin typeface="微軟正黑體" panose="020B0604030504040204" pitchFamily="34" charset="-120"/>
+                <a:ea typeface="微軟正黑體" panose="020B0604030504040204" pitchFamily="34" charset="-120"/>
+              </a:rPr>
+              <a:t>以目前專案舉例如何套用</a:t>
+            </a:r>
+            <a:r>
+              <a:rPr lang="en-US" altLang="zh-TW" dirty="0">
+                <a:latin typeface="微軟正黑體" panose="020B0604030504040204" pitchFamily="34" charset="-120"/>
+                <a:ea typeface="微軟正黑體" panose="020B0604030504040204" pitchFamily="34" charset="-120"/>
+              </a:rPr>
+              <a:t>RESTful </a:t>
+            </a:r>
+            <a:r>
+              <a:rPr lang="en-US" altLang="zh-TW" dirty="0" err="1">
+                <a:latin typeface="微軟正黑體" panose="020B0604030504040204" pitchFamily="34" charset="-120"/>
+                <a:ea typeface="微軟正黑體" panose="020B0604030504040204" pitchFamily="34" charset="-120"/>
+              </a:rPr>
+              <a:t>api</a:t>
+            </a:r>
+            <a:endParaRPr lang="zh-TW" altLang="zh-TW" dirty="0">
+              <a:latin typeface="微軟正黑體" panose="020B0604030504040204" pitchFamily="34" charset="-120"/>
+              <a:ea typeface="微軟正黑體" panose="020B0604030504040204" pitchFamily="34" charset="-120"/>
+            </a:endParaRPr>
+          </a:p>
+          <a:p>
+            <a:endParaRPr lang="zh-TW" altLang="en-US" dirty="0">
+              <a:latin typeface="微軟正黑體" panose="020B0604030504040204" pitchFamily="34" charset="-120"/>
+              <a:ea typeface="微軟正黑體" panose="020B0604030504040204" pitchFamily="34" charset="-120"/>
+            </a:endParaRPr>
+          </a:p>
+        </p:txBody>
+      </p:sp>
+      <p:sp>
+        <p:nvSpPr>
+          <p:cNvPr id="4" name="文字方塊 3">
+            <a:extLst>
+              <a:ext uri="{FF2B5EF4-FFF2-40B4-BE49-F238E27FC236}">
+                <a16:creationId xmlns:a16="http://schemas.microsoft.com/office/drawing/2014/main" id="{045AF720-7B10-49B5-BED4-DD02E663C910}"/>
+              </a:ext>
+            </a:extLst>
+          </p:cNvPr>
+          <p:cNvSpPr txBox="1"/>
+          <p:nvPr/>
+        </p:nvSpPr>
+        <p:spPr>
+          <a:xfrm>
+            <a:off x="838200" y="5691783"/>
+            <a:ext cx="877163" cy="369332"/>
+          </a:xfrm>
+          <a:prstGeom prst="rect">
+            <a:avLst/>
+          </a:prstGeom>
+          <a:noFill/>
+        </p:spPr>
+        <p:txBody>
+          <a:bodyPr wrap="none" rtlCol="0">
+            <a:spAutoFit/>
+          </a:bodyPr>
+          <a:lstStyle/>
+          <a:p>
+            <a:r>
+              <a:rPr lang="zh-TW" altLang="en-US" b="1" dirty="0">
+                <a:latin typeface="微軟正黑體" panose="020B0604030504040204" pitchFamily="34" charset="-120"/>
+                <a:ea typeface="微軟正黑體" panose="020B0604030504040204" pitchFamily="34" charset="-120"/>
+              </a:rPr>
+              <a:t>曹鈞堯</a:t>
+            </a:r>
+          </a:p>
+        </p:txBody>
+      </p:sp>
+      <p:cxnSp>
+        <p:nvCxnSpPr>
+          <p:cNvPr id="5" name="直線接點 4">
+            <a:extLst>
+              <a:ext uri="{FF2B5EF4-FFF2-40B4-BE49-F238E27FC236}">
+                <a16:creationId xmlns:a16="http://schemas.microsoft.com/office/drawing/2014/main" id="{59E896B8-06FE-4F0B-90A9-ABB99B3E1A2C}"/>
+              </a:ext>
+            </a:extLst>
+          </p:cNvPr>
+          <p:cNvCxnSpPr>
+            <a:cxnSpLocks/>
+          </p:cNvCxnSpPr>
+          <p:nvPr/>
+        </p:nvCxnSpPr>
+        <p:spPr>
+          <a:xfrm>
+            <a:off x="914400" y="1442906"/>
+            <a:ext cx="10439400" cy="0"/>
+          </a:xfrm>
+          <a:prstGeom prst="line">
+            <a:avLst/>
+          </a:prstGeom>
+          <a:ln w="28575">
+            <a:solidFill>
+              <a:srgbClr val="569CD6"/>
+            </a:solidFill>
+          </a:ln>
+        </p:spPr>
+        <p:style>
+          <a:lnRef idx="1">
+            <a:schemeClr val="accent1"/>
+          </a:lnRef>
+          <a:fillRef idx="0">
+            <a:schemeClr val="accent1"/>
+          </a:fillRef>
+          <a:effectRef idx="0">
+            <a:schemeClr val="accent1"/>
+          </a:effectRef>
+          <a:fontRef idx="minor">
+            <a:schemeClr val="tx1"/>
+          </a:fontRef>
+        </p:style>
+      </p:cxnSp>
+    </p:spTree>
+    <p:extLst>
+      <p:ext uri="{BB962C8B-B14F-4D97-AF65-F5344CB8AC3E}">
+        <p14:creationId xmlns:p14="http://schemas.microsoft.com/office/powerpoint/2010/main" val="226561991"/>
+      </p:ext>
+    </p:extLst>
+  </p:cSld>
+  <p:clrMapOvr>
+    <a:masterClrMapping/>
+  </p:clrMapOvr>
+</p:sld>
+</file>
+
+<file path=ppt/slides/slide11.xml><?xml version="1.0" encoding="utf-8"?>
+<p:sld xmlns:a="http://schemas.openxmlformats.org/drawingml/2006/main" xmlns:r="http://schemas.openxmlformats.org/officeDocument/2006/relationships" xmlns:p="http://schemas.openxmlformats.org/presentationml/2006/main">
+  <p:cSld>
+    <p:spTree>
+      <p:nvGrpSpPr>
+        <p:cNvPr id="1" name=""/>
+        <p:cNvGrpSpPr/>
+        <p:nvPr/>
+      </p:nvGrpSpPr>
+      <p:grpSpPr>
+        <a:xfrm>
+          <a:off x="0" y="0"/>
+          <a:ext cx="0" cy="0"/>
+          <a:chOff x="0" y="0"/>
+          <a:chExt cx="0" cy="0"/>
+        </a:xfrm>
+      </p:grpSpPr>
+      <p:sp>
+        <p:nvSpPr>
+          <p:cNvPr id="2" name="標題 1">
+            <a:extLst>
+              <a:ext uri="{FF2B5EF4-FFF2-40B4-BE49-F238E27FC236}">
+                <a16:creationId xmlns:a16="http://schemas.microsoft.com/office/drawing/2014/main" id="{F29CFF81-0EE9-4A4E-B9B9-DF26736A6328}"/>
+              </a:ext>
+            </a:extLst>
+          </p:cNvPr>
+          <p:cNvSpPr>
+            <a:spLocks noGrp="1"/>
+          </p:cNvSpPr>
+          <p:nvPr>
+            <p:ph type="title"/>
+          </p:nvPr>
+        </p:nvSpPr>
+        <p:spPr/>
+        <p:txBody>
+          <a:bodyPr/>
+          <a:lstStyle/>
+          <a:p>
+            <a:r>
+              <a:rPr lang="zh-TW" altLang="zh-TW" dirty="0">
+                <a:latin typeface="微軟正黑體" panose="020B0604030504040204" pitchFamily="34" charset="-120"/>
+                <a:ea typeface="微軟正黑體" panose="020B0604030504040204" pitchFamily="34" charset="-120"/>
+              </a:rPr>
+              <a:t>何</a:t>
+            </a:r>
+            <a:r>
+              <a:rPr lang="zh-TW" altLang="en-US" dirty="0">
+                <a:latin typeface="微軟正黑體" panose="020B0604030504040204" pitchFamily="34" charset="-120"/>
+                <a:ea typeface="微軟正黑體" panose="020B0604030504040204" pitchFamily="34" charset="-120"/>
+              </a:rPr>
+              <a:t>謂</a:t>
+            </a:r>
+            <a:r>
+              <a:rPr lang="en-US" altLang="zh-TW" dirty="0">
+                <a:latin typeface="微軟正黑體" panose="020B0604030504040204" pitchFamily="34" charset="-120"/>
+                <a:ea typeface="微軟正黑體" panose="020B0604030504040204" pitchFamily="34" charset="-120"/>
+              </a:rPr>
+              <a:t>RESTful </a:t>
+            </a:r>
+            <a:r>
+              <a:rPr lang="en-US" altLang="zh-TW" dirty="0" err="1">
+                <a:latin typeface="微軟正黑體" panose="020B0604030504040204" pitchFamily="34" charset="-120"/>
+                <a:ea typeface="微軟正黑體" panose="020B0604030504040204" pitchFamily="34" charset="-120"/>
+              </a:rPr>
+              <a:t>api</a:t>
+            </a:r>
+            <a:endParaRPr lang="zh-TW" altLang="en-US" dirty="0">
+              <a:latin typeface="微軟正黑體" panose="020B0604030504040204" pitchFamily="34" charset="-120"/>
+              <a:ea typeface="微軟正黑體" panose="020B0604030504040204" pitchFamily="34" charset="-120"/>
+            </a:endParaRPr>
+          </a:p>
+        </p:txBody>
+      </p:sp>
+      <p:sp>
+        <p:nvSpPr>
+          <p:cNvPr id="3" name="內容版面配置區 2">
+            <a:extLst>
+              <a:ext uri="{FF2B5EF4-FFF2-40B4-BE49-F238E27FC236}">
+                <a16:creationId xmlns:a16="http://schemas.microsoft.com/office/drawing/2014/main" id="{CA418AFB-3AD6-437E-8EE0-EA1F5C197FCA}"/>
+              </a:ext>
+            </a:extLst>
+          </p:cNvPr>
+          <p:cNvSpPr>
+            <a:spLocks noGrp="1"/>
+          </p:cNvSpPr>
+          <p:nvPr>
+            <p:ph idx="1"/>
+          </p:nvPr>
+        </p:nvSpPr>
+        <p:spPr/>
+        <p:txBody>
+          <a:bodyPr/>
+          <a:lstStyle/>
+          <a:p>
+            <a:r>
+              <a:rPr lang="zh-TW" altLang="en-US" dirty="0"/>
+              <a:t>簡潔直觀的網址</a:t>
+            </a:r>
+            <a:endParaRPr lang="en-US" altLang="zh-TW" dirty="0"/>
+          </a:p>
+          <a:p>
+            <a:r>
+              <a:rPr lang="zh-TW" altLang="en-US" dirty="0"/>
+              <a:t>善用 </a:t>
+            </a:r>
+            <a:r>
+              <a:rPr lang="en-US" altLang="zh-TW" dirty="0"/>
+              <a:t>HTTP Verb</a:t>
+            </a:r>
+          </a:p>
+          <a:p>
+            <a:r>
+              <a:rPr lang="zh-TW" altLang="en-US" dirty="0"/>
+              <a:t>並使用 </a:t>
+            </a:r>
+            <a:r>
+              <a:rPr lang="en-US" altLang="zh-TW" dirty="0"/>
+              <a:t>Web </a:t>
+            </a:r>
+            <a:r>
+              <a:rPr lang="zh-TW" altLang="en-US" dirty="0"/>
+              <a:t>所接受的資料類型</a:t>
+            </a:r>
+            <a:r>
+              <a:rPr lang="en-US" altLang="zh-TW" dirty="0"/>
+              <a:t>: JSON, XML, YAML </a:t>
+            </a:r>
+            <a:r>
+              <a:rPr lang="zh-TW" altLang="en-US" dirty="0"/>
+              <a:t>等</a:t>
+            </a:r>
+            <a:endParaRPr lang="en-US" altLang="zh-TW" dirty="0"/>
+          </a:p>
+          <a:p>
+            <a:pPr marL="0" indent="0">
+              <a:buNone/>
+            </a:pPr>
+            <a:endParaRPr lang="zh-TW" altLang="en-US" dirty="0">
+              <a:latin typeface="微軟正黑體" panose="020B0604030504040204" pitchFamily="34" charset="-120"/>
+              <a:ea typeface="微軟正黑體" panose="020B0604030504040204" pitchFamily="34" charset="-120"/>
+            </a:endParaRPr>
+          </a:p>
+        </p:txBody>
+      </p:sp>
+      <p:sp>
+        <p:nvSpPr>
+          <p:cNvPr id="4" name="文字方塊 3">
+            <a:extLst>
+              <a:ext uri="{FF2B5EF4-FFF2-40B4-BE49-F238E27FC236}">
+                <a16:creationId xmlns:a16="http://schemas.microsoft.com/office/drawing/2014/main" id="{045AF720-7B10-49B5-BED4-DD02E663C910}"/>
+              </a:ext>
+            </a:extLst>
+          </p:cNvPr>
+          <p:cNvSpPr txBox="1"/>
+          <p:nvPr/>
+        </p:nvSpPr>
+        <p:spPr>
+          <a:xfrm>
+            <a:off x="838200" y="5691783"/>
+            <a:ext cx="877163" cy="369332"/>
+          </a:xfrm>
+          <a:prstGeom prst="rect">
+            <a:avLst/>
+          </a:prstGeom>
+          <a:noFill/>
+        </p:spPr>
+        <p:txBody>
+          <a:bodyPr wrap="none" rtlCol="0">
+            <a:spAutoFit/>
+          </a:bodyPr>
+          <a:lstStyle/>
+          <a:p>
+            <a:r>
+              <a:rPr lang="zh-TW" altLang="en-US" b="1" dirty="0">
+                <a:latin typeface="微軟正黑體" panose="020B0604030504040204" pitchFamily="34" charset="-120"/>
+                <a:ea typeface="微軟正黑體" panose="020B0604030504040204" pitchFamily="34" charset="-120"/>
+              </a:rPr>
+              <a:t>曹鈞堯</a:t>
+            </a:r>
+          </a:p>
+        </p:txBody>
+      </p:sp>
+      <p:cxnSp>
+        <p:nvCxnSpPr>
+          <p:cNvPr id="5" name="直線接點 4">
+            <a:extLst>
+              <a:ext uri="{FF2B5EF4-FFF2-40B4-BE49-F238E27FC236}">
+                <a16:creationId xmlns:a16="http://schemas.microsoft.com/office/drawing/2014/main" id="{59E896B8-06FE-4F0B-90A9-ABB99B3E1A2C}"/>
+              </a:ext>
+            </a:extLst>
+          </p:cNvPr>
+          <p:cNvCxnSpPr>
+            <a:cxnSpLocks/>
+          </p:cNvCxnSpPr>
+          <p:nvPr/>
+        </p:nvCxnSpPr>
+        <p:spPr>
+          <a:xfrm>
+            <a:off x="914400" y="1442906"/>
+            <a:ext cx="10439400" cy="0"/>
+          </a:xfrm>
+          <a:prstGeom prst="line">
+            <a:avLst/>
+          </a:prstGeom>
+          <a:ln w="28575">
+            <a:solidFill>
+              <a:srgbClr val="569CD6"/>
+            </a:solidFill>
+          </a:ln>
+        </p:spPr>
+        <p:style>
+          <a:lnRef idx="1">
+            <a:schemeClr val="accent1"/>
+          </a:lnRef>
+          <a:fillRef idx="0">
+            <a:schemeClr val="accent1"/>
+          </a:fillRef>
+          <a:effectRef idx="0">
+            <a:schemeClr val="accent1"/>
+          </a:effectRef>
+          <a:fontRef idx="minor">
+            <a:schemeClr val="tx1"/>
+          </a:fontRef>
+        </p:style>
+      </p:cxnSp>
+      <p:grpSp>
+        <p:nvGrpSpPr>
+          <p:cNvPr id="6" name="群組 5">
+            <a:extLst>
+              <a:ext uri="{FF2B5EF4-FFF2-40B4-BE49-F238E27FC236}">
+                <a16:creationId xmlns:a16="http://schemas.microsoft.com/office/drawing/2014/main" id="{93C35D3B-61D2-4A79-85EB-3FBE80BA6CA5}"/>
+              </a:ext>
+            </a:extLst>
+          </p:cNvPr>
+          <p:cNvGrpSpPr/>
+          <p:nvPr/>
+        </p:nvGrpSpPr>
+        <p:grpSpPr>
+          <a:xfrm>
+            <a:off x="1672016" y="4001294"/>
+            <a:ext cx="8847968" cy="914400"/>
+            <a:chOff x="1391013" y="3690790"/>
+            <a:chExt cx="8847968" cy="914400"/>
+          </a:xfrm>
+        </p:grpSpPr>
+        <p:sp>
+          <p:nvSpPr>
+            <p:cNvPr id="7" name="矩形 6">
+              <a:extLst>
+                <a:ext uri="{FF2B5EF4-FFF2-40B4-BE49-F238E27FC236}">
+                  <a16:creationId xmlns:a16="http://schemas.microsoft.com/office/drawing/2014/main" id="{5BA29065-7A56-4316-95F1-5B34E9F315FB}"/>
+                </a:ext>
+              </a:extLst>
+            </p:cNvPr>
+            <p:cNvSpPr/>
+            <p:nvPr/>
+          </p:nvSpPr>
+          <p:spPr>
+            <a:xfrm>
+              <a:off x="4929084" y="3690790"/>
+              <a:ext cx="1491401" cy="914400"/>
+            </a:xfrm>
+            <a:prstGeom prst="rect">
+              <a:avLst/>
+            </a:prstGeom>
+            <a:solidFill>
+              <a:schemeClr val="accent5">
+                <a:lumMod val="60000"/>
+                <a:lumOff val="40000"/>
+              </a:schemeClr>
+            </a:solidFill>
+          </p:spPr>
+          <p:style>
+            <a:lnRef idx="2">
+              <a:schemeClr val="accent1">
+                <a:shade val="50000"/>
+              </a:schemeClr>
+            </a:lnRef>
+            <a:fillRef idx="1">
+              <a:schemeClr val="accent1"/>
+            </a:fillRef>
+            <a:effectRef idx="0">
+              <a:schemeClr val="accent1"/>
+            </a:effectRef>
+            <a:fontRef idx="minor">
+              <a:schemeClr val="lt1"/>
+            </a:fontRef>
+          </p:style>
+          <p:txBody>
+            <a:bodyPr rtlCol="0" anchor="ctr"/>
+            <a:lstStyle/>
+            <a:p>
+              <a:pPr algn="ctr"/>
+              <a:r>
+                <a:rPr lang="en-US" altLang="zh-TW" sz="2400" dirty="0">
+                  <a:solidFill>
+                    <a:schemeClr val="accent5">
+                      <a:lumMod val="50000"/>
+                    </a:schemeClr>
+                  </a:solidFill>
+                </a:rPr>
+                <a:t>RESTful API</a:t>
+              </a:r>
+              <a:endParaRPr lang="zh-TW" altLang="en-US" sz="2400" dirty="0">
+                <a:solidFill>
+                  <a:schemeClr val="accent5">
+                    <a:lumMod val="50000"/>
+                  </a:schemeClr>
+                </a:solidFill>
+              </a:endParaRPr>
+            </a:p>
+          </p:txBody>
+        </p:sp>
+        <p:sp>
+          <p:nvSpPr>
+            <p:cNvPr id="8" name="矩形 7">
+              <a:extLst>
+                <a:ext uri="{FF2B5EF4-FFF2-40B4-BE49-F238E27FC236}">
+                  <a16:creationId xmlns:a16="http://schemas.microsoft.com/office/drawing/2014/main" id="{8D74A191-DC05-4341-A777-A53C2349981C}"/>
+                </a:ext>
+              </a:extLst>
+            </p:cNvPr>
+            <p:cNvSpPr/>
+            <p:nvPr/>
+          </p:nvSpPr>
+          <p:spPr>
+            <a:xfrm>
+              <a:off x="1391013" y="3690790"/>
+              <a:ext cx="1210976" cy="914400"/>
+            </a:xfrm>
+            <a:prstGeom prst="rect">
+              <a:avLst/>
+            </a:prstGeom>
+            <a:solidFill>
+              <a:schemeClr val="accent5">
+                <a:lumMod val="60000"/>
+                <a:lumOff val="40000"/>
+              </a:schemeClr>
+            </a:solidFill>
+          </p:spPr>
+          <p:style>
+            <a:lnRef idx="2">
+              <a:schemeClr val="accent1">
+                <a:shade val="50000"/>
+              </a:schemeClr>
+            </a:lnRef>
+            <a:fillRef idx="1">
+              <a:schemeClr val="accent1"/>
+            </a:fillRef>
+            <a:effectRef idx="0">
+              <a:schemeClr val="accent1"/>
+            </a:effectRef>
+            <a:fontRef idx="minor">
+              <a:schemeClr val="lt1"/>
+            </a:fontRef>
+          </p:style>
+          <p:txBody>
+            <a:bodyPr rtlCol="0" anchor="ctr"/>
+            <a:lstStyle/>
+            <a:p>
+              <a:pPr algn="ctr"/>
+              <a:r>
+                <a:rPr lang="en-US" altLang="zh-TW" sz="2400" dirty="0">
+                  <a:solidFill>
+                    <a:schemeClr val="accent5">
+                      <a:lumMod val="50000"/>
+                    </a:schemeClr>
+                  </a:solidFill>
+                </a:rPr>
+                <a:t>Client</a:t>
+              </a:r>
+              <a:endParaRPr lang="zh-TW" altLang="en-US" sz="2400" dirty="0">
+                <a:solidFill>
+                  <a:schemeClr val="accent5">
+                    <a:lumMod val="50000"/>
+                  </a:schemeClr>
+                </a:solidFill>
+              </a:endParaRPr>
+            </a:p>
+          </p:txBody>
+        </p:sp>
+        <p:grpSp>
+          <p:nvGrpSpPr>
+            <p:cNvPr id="9" name="群組 8">
+              <a:extLst>
+                <a:ext uri="{FF2B5EF4-FFF2-40B4-BE49-F238E27FC236}">
+                  <a16:creationId xmlns:a16="http://schemas.microsoft.com/office/drawing/2014/main" id="{55887E82-4FCB-4CD1-A3F6-B07E164A9273}"/>
+                </a:ext>
+              </a:extLst>
+            </p:cNvPr>
+            <p:cNvGrpSpPr/>
+            <p:nvPr/>
+          </p:nvGrpSpPr>
+          <p:grpSpPr>
+            <a:xfrm>
+              <a:off x="3160049" y="3922579"/>
+              <a:ext cx="1210975" cy="450822"/>
+              <a:chOff x="1715363" y="2718789"/>
+              <a:chExt cx="1210975" cy="450822"/>
+            </a:xfrm>
+          </p:grpSpPr>
+          <p:cxnSp>
+            <p:nvCxnSpPr>
+              <p:cNvPr id="14" name="直線單箭頭接點 13">
+                <a:extLst>
+                  <a:ext uri="{FF2B5EF4-FFF2-40B4-BE49-F238E27FC236}">
+                    <a16:creationId xmlns:a16="http://schemas.microsoft.com/office/drawing/2014/main" id="{A71670C4-4FA7-4462-A09B-1B385DC51A51}"/>
+                  </a:ext>
+                </a:extLst>
+              </p:cNvPr>
+              <p:cNvCxnSpPr>
+                <a:cxnSpLocks/>
+              </p:cNvCxnSpPr>
+              <p:nvPr/>
+            </p:nvCxnSpPr>
+            <p:spPr>
+              <a:xfrm flipH="1">
+                <a:off x="1715363" y="2718789"/>
+                <a:ext cx="1210975" cy="0"/>
+              </a:xfrm>
+              <a:prstGeom prst="straightConnector1">
+                <a:avLst/>
+              </a:prstGeom>
+              <a:ln w="76200">
+                <a:headEnd type="triangle" w="med" len="med"/>
+                <a:tailEnd type="none" w="med" len="med"/>
+              </a:ln>
+            </p:spPr>
+            <p:style>
+              <a:lnRef idx="1">
+                <a:schemeClr val="accent1"/>
+              </a:lnRef>
+              <a:fillRef idx="0">
+                <a:schemeClr val="accent1"/>
+              </a:fillRef>
+              <a:effectRef idx="0">
+                <a:schemeClr val="accent1"/>
+              </a:effectRef>
+              <a:fontRef idx="minor">
+                <a:schemeClr val="tx1"/>
+              </a:fontRef>
+            </p:style>
+          </p:cxnSp>
+          <p:cxnSp>
+            <p:nvCxnSpPr>
+              <p:cNvPr id="15" name="直線單箭頭接點 14">
+                <a:extLst>
+                  <a:ext uri="{FF2B5EF4-FFF2-40B4-BE49-F238E27FC236}">
+                    <a16:creationId xmlns:a16="http://schemas.microsoft.com/office/drawing/2014/main" id="{3C1D8D62-7DFF-429B-B422-D880D3C56098}"/>
+                  </a:ext>
+                </a:extLst>
+              </p:cNvPr>
+              <p:cNvCxnSpPr>
+                <a:cxnSpLocks/>
+              </p:cNvCxnSpPr>
+              <p:nvPr/>
+            </p:nvCxnSpPr>
+            <p:spPr>
+              <a:xfrm>
+                <a:off x="1715363" y="3169611"/>
+                <a:ext cx="1210975" cy="0"/>
+              </a:xfrm>
+              <a:prstGeom prst="straightConnector1">
+                <a:avLst/>
+              </a:prstGeom>
+              <a:ln w="76200">
+                <a:headEnd type="triangle" w="med" len="med"/>
+                <a:tailEnd type="none" w="med" len="med"/>
+              </a:ln>
+            </p:spPr>
+            <p:style>
+              <a:lnRef idx="1">
+                <a:schemeClr val="accent1"/>
+              </a:lnRef>
+              <a:fillRef idx="0">
+                <a:schemeClr val="accent1"/>
+              </a:fillRef>
+              <a:effectRef idx="0">
+                <a:schemeClr val="accent1"/>
+              </a:effectRef>
+              <a:fontRef idx="minor">
+                <a:schemeClr val="tx1"/>
+              </a:fontRef>
+            </p:style>
+          </p:cxnSp>
+        </p:grpSp>
+        <p:sp>
+          <p:nvSpPr>
+            <p:cNvPr id="10" name="矩形 9">
+              <a:extLst>
+                <a:ext uri="{FF2B5EF4-FFF2-40B4-BE49-F238E27FC236}">
+                  <a16:creationId xmlns:a16="http://schemas.microsoft.com/office/drawing/2014/main" id="{B8F009C1-7E2E-48B3-BE78-02E9C1D2AE5E}"/>
+                </a:ext>
+              </a:extLst>
+            </p:cNvPr>
+            <p:cNvSpPr/>
+            <p:nvPr/>
+          </p:nvSpPr>
+          <p:spPr>
+            <a:xfrm>
+              <a:off x="8747580" y="3690790"/>
+              <a:ext cx="1491401" cy="914400"/>
+            </a:xfrm>
+            <a:prstGeom prst="rect">
+              <a:avLst/>
+            </a:prstGeom>
+            <a:solidFill>
+              <a:schemeClr val="accent5">
+                <a:lumMod val="60000"/>
+                <a:lumOff val="40000"/>
+              </a:schemeClr>
+            </a:solidFill>
+          </p:spPr>
+          <p:style>
+            <a:lnRef idx="2">
+              <a:schemeClr val="accent1">
+                <a:shade val="50000"/>
+              </a:schemeClr>
+            </a:lnRef>
+            <a:fillRef idx="1">
+              <a:schemeClr val="accent1"/>
+            </a:fillRef>
+            <a:effectRef idx="0">
+              <a:schemeClr val="accent1"/>
+            </a:effectRef>
+            <a:fontRef idx="minor">
+              <a:schemeClr val="lt1"/>
+            </a:fontRef>
+          </p:style>
+          <p:txBody>
+            <a:bodyPr rtlCol="0" anchor="ctr"/>
+            <a:lstStyle/>
+            <a:p>
+              <a:pPr algn="ctr"/>
+              <a:r>
+                <a:rPr lang="en-US" altLang="zh-TW" dirty="0">
+                  <a:solidFill>
+                    <a:schemeClr val="accent5">
+                      <a:lumMod val="50000"/>
+                    </a:schemeClr>
+                  </a:solidFill>
+                  <a:latin typeface="微軟正黑體" panose="020B0604030504040204" pitchFamily="34" charset="-120"/>
+                  <a:ea typeface="微軟正黑體" panose="020B0604030504040204" pitchFamily="34" charset="-120"/>
+                </a:rPr>
+                <a:t>DB</a:t>
+              </a:r>
+              <a:endParaRPr lang="zh-TW" altLang="en-US" dirty="0">
+                <a:solidFill>
+                  <a:schemeClr val="accent5">
+                    <a:lumMod val="50000"/>
+                  </a:schemeClr>
+                </a:solidFill>
+                <a:latin typeface="微軟正黑體" panose="020B0604030504040204" pitchFamily="34" charset="-120"/>
+                <a:ea typeface="微軟正黑體" panose="020B0604030504040204" pitchFamily="34" charset="-120"/>
+              </a:endParaRPr>
+            </a:p>
+          </p:txBody>
+        </p:sp>
+        <p:grpSp>
+          <p:nvGrpSpPr>
+            <p:cNvPr id="11" name="群組 10">
+              <a:extLst>
+                <a:ext uri="{FF2B5EF4-FFF2-40B4-BE49-F238E27FC236}">
+                  <a16:creationId xmlns:a16="http://schemas.microsoft.com/office/drawing/2014/main" id="{135D4263-4DB9-440A-B2A2-8DB1BCD03E20}"/>
+                </a:ext>
+              </a:extLst>
+            </p:cNvPr>
+            <p:cNvGrpSpPr/>
+            <p:nvPr/>
+          </p:nvGrpSpPr>
+          <p:grpSpPr>
+            <a:xfrm>
+              <a:off x="6978545" y="3922579"/>
+              <a:ext cx="1210975" cy="450822"/>
+              <a:chOff x="1715363" y="2718789"/>
+              <a:chExt cx="1210975" cy="450822"/>
+            </a:xfrm>
+          </p:grpSpPr>
+          <p:cxnSp>
+            <p:nvCxnSpPr>
+              <p:cNvPr id="12" name="直線單箭頭接點 11">
+                <a:extLst>
+                  <a:ext uri="{FF2B5EF4-FFF2-40B4-BE49-F238E27FC236}">
+                    <a16:creationId xmlns:a16="http://schemas.microsoft.com/office/drawing/2014/main" id="{31AD305A-52D9-48C1-B28A-41FCFC60F870}"/>
+                  </a:ext>
+                </a:extLst>
+              </p:cNvPr>
+              <p:cNvCxnSpPr>
+                <a:cxnSpLocks/>
+              </p:cNvCxnSpPr>
+              <p:nvPr/>
+            </p:nvCxnSpPr>
+            <p:spPr>
+              <a:xfrm flipH="1">
+                <a:off x="1715363" y="2718789"/>
+                <a:ext cx="1210975" cy="0"/>
+              </a:xfrm>
+              <a:prstGeom prst="straightConnector1">
+                <a:avLst/>
+              </a:prstGeom>
+              <a:ln w="76200">
+                <a:headEnd type="triangle" w="med" len="med"/>
+                <a:tailEnd type="none" w="med" len="med"/>
+              </a:ln>
+            </p:spPr>
+            <p:style>
+              <a:lnRef idx="1">
+                <a:schemeClr val="accent1"/>
+              </a:lnRef>
+              <a:fillRef idx="0">
+                <a:schemeClr val="accent1"/>
+              </a:fillRef>
+              <a:effectRef idx="0">
+                <a:schemeClr val="accent1"/>
+              </a:effectRef>
+              <a:fontRef idx="minor">
+                <a:schemeClr val="tx1"/>
+              </a:fontRef>
+            </p:style>
+          </p:cxnSp>
+          <p:cxnSp>
+            <p:nvCxnSpPr>
+              <p:cNvPr id="13" name="直線單箭頭接點 12">
+                <a:extLst>
+                  <a:ext uri="{FF2B5EF4-FFF2-40B4-BE49-F238E27FC236}">
+                    <a16:creationId xmlns:a16="http://schemas.microsoft.com/office/drawing/2014/main" id="{69C36377-BA16-418E-A8E6-04DAC99BA2F3}"/>
+                  </a:ext>
+                </a:extLst>
+              </p:cNvPr>
+              <p:cNvCxnSpPr>
+                <a:cxnSpLocks/>
+              </p:cNvCxnSpPr>
+              <p:nvPr/>
+            </p:nvCxnSpPr>
+            <p:spPr>
+              <a:xfrm>
+                <a:off x="1715363" y="3169611"/>
+                <a:ext cx="1210975" cy="0"/>
+              </a:xfrm>
+              <a:prstGeom prst="straightConnector1">
+                <a:avLst/>
+              </a:prstGeom>
+              <a:ln w="76200">
+                <a:headEnd type="triangle" w="med" len="med"/>
+                <a:tailEnd type="none" w="med" len="med"/>
+              </a:ln>
+            </p:spPr>
+            <p:style>
+              <a:lnRef idx="1">
+                <a:schemeClr val="accent1"/>
+              </a:lnRef>
+              <a:fillRef idx="0">
+                <a:schemeClr val="accent1"/>
+              </a:fillRef>
+              <a:effectRef idx="0">
+                <a:schemeClr val="accent1"/>
+              </a:effectRef>
+              <a:fontRef idx="minor">
+                <a:schemeClr val="tx1"/>
+              </a:fontRef>
+            </p:style>
+          </p:cxnSp>
+        </p:grpSp>
+      </p:grpSp>
+    </p:spTree>
+    <p:extLst>
+      <p:ext uri="{BB962C8B-B14F-4D97-AF65-F5344CB8AC3E}">
+        <p14:creationId xmlns:p14="http://schemas.microsoft.com/office/powerpoint/2010/main" val="2273525931"/>
+      </p:ext>
+    </p:extLst>
+  </p:cSld>
+  <p:clrMapOvr>
+    <a:masterClrMapping/>
+  </p:clrMapOvr>
+</p:sld>
+</file>
+
+<file path=ppt/slides/slide12.xml><?xml version="1.0" encoding="utf-8"?>
+<p:sld xmlns:a="http://schemas.openxmlformats.org/drawingml/2006/main" xmlns:r="http://schemas.openxmlformats.org/officeDocument/2006/relationships" xmlns:p="http://schemas.openxmlformats.org/presentationml/2006/main">
+  <p:cSld>
+    <p:spTree>
+      <p:nvGrpSpPr>
+        <p:cNvPr id="1" name=""/>
+        <p:cNvGrpSpPr/>
+        <p:nvPr/>
+      </p:nvGrpSpPr>
+      <p:grpSpPr>
+        <a:xfrm>
+          <a:off x="0" y="0"/>
+          <a:ext cx="0" cy="0"/>
+          <a:chOff x="0" y="0"/>
+          <a:chExt cx="0" cy="0"/>
+        </a:xfrm>
+      </p:grpSpPr>
+      <p:sp>
+        <p:nvSpPr>
+          <p:cNvPr id="2" name="標題 1">
+            <a:extLst>
+              <a:ext uri="{FF2B5EF4-FFF2-40B4-BE49-F238E27FC236}">
+                <a16:creationId xmlns:a16="http://schemas.microsoft.com/office/drawing/2014/main" id="{E10DBE28-E031-4E5E-A542-CEF6640514AC}"/>
+              </a:ext>
+            </a:extLst>
+          </p:cNvPr>
+          <p:cNvSpPr>
+            <a:spLocks noGrp="1"/>
+          </p:cNvSpPr>
+          <p:nvPr>
+            <p:ph type="title"/>
+          </p:nvPr>
+        </p:nvSpPr>
+        <p:spPr/>
+        <p:txBody>
+          <a:bodyPr/>
+          <a:lstStyle/>
+          <a:p>
+            <a:r>
+              <a:rPr lang="en-US" altLang="zh-TW" dirty="0">
+                <a:latin typeface="微軟正黑體" panose="020B0604030504040204" pitchFamily="34" charset="-120"/>
+                <a:ea typeface="微軟正黑體" panose="020B0604030504040204" pitchFamily="34" charset="-120"/>
+              </a:rPr>
+              <a:t>JavaScript</a:t>
+            </a:r>
+            <a:endParaRPr lang="zh-TW" altLang="en-US" dirty="0">
+              <a:latin typeface="微軟正黑體" panose="020B0604030504040204" pitchFamily="34" charset="-120"/>
+              <a:ea typeface="微軟正黑體" panose="020B0604030504040204" pitchFamily="34" charset="-120"/>
+            </a:endParaRPr>
+          </a:p>
+        </p:txBody>
+      </p:sp>
+      <p:sp>
+        <p:nvSpPr>
+          <p:cNvPr id="6" name="內容版面配置區 2">
+            <a:extLst>
+              <a:ext uri="{FF2B5EF4-FFF2-40B4-BE49-F238E27FC236}">
+                <a16:creationId xmlns:a16="http://schemas.microsoft.com/office/drawing/2014/main" id="{33235437-B192-47B7-AF02-7D8BB1097220}"/>
+              </a:ext>
+            </a:extLst>
+          </p:cNvPr>
+          <p:cNvSpPr>
+            <a:spLocks noGrp="1"/>
+          </p:cNvSpPr>
+          <p:nvPr>
+            <p:ph idx="1"/>
+          </p:nvPr>
+        </p:nvSpPr>
+        <p:spPr>
+          <a:xfrm>
+            <a:off x="838200" y="1825625"/>
+            <a:ext cx="4757257" cy="4351338"/>
+          </a:xfrm>
+        </p:spPr>
+        <p:txBody>
+          <a:bodyPr/>
+          <a:lstStyle/>
+          <a:p>
+            <a:r>
+              <a:rPr lang="zh-TW" altLang="zh-TW" dirty="0">
+                <a:latin typeface="微軟正黑體" panose="020B0604030504040204" pitchFamily="34" charset="-120"/>
+                <a:ea typeface="微軟正黑體" panose="020B0604030504040204" pitchFamily="34" charset="-120"/>
+              </a:rPr>
+              <a:t>下列程式使用</a:t>
+            </a:r>
+            <a:r>
+              <a:rPr lang="en-US" altLang="zh-TW" dirty="0">
+                <a:latin typeface="微軟正黑體" panose="020B0604030504040204" pitchFamily="34" charset="-120"/>
+                <a:ea typeface="微軟正黑體" panose="020B0604030504040204" pitchFamily="34" charset="-120"/>
+              </a:rPr>
+              <a:t>JavaScript</a:t>
+            </a:r>
+            <a:r>
+              <a:rPr lang="zh-TW" altLang="zh-TW" dirty="0">
+                <a:latin typeface="微軟正黑體" panose="020B0604030504040204" pitchFamily="34" charset="-120"/>
+                <a:ea typeface="微軟正黑體" panose="020B0604030504040204" pitchFamily="34" charset="-120"/>
+              </a:rPr>
+              <a:t>，請問兩次的</a:t>
+            </a:r>
+            <a:r>
+              <a:rPr lang="en-US" altLang="zh-TW" dirty="0">
+                <a:latin typeface="微軟正黑體" panose="020B0604030504040204" pitchFamily="34" charset="-120"/>
+                <a:ea typeface="微軟正黑體" panose="020B0604030504040204" pitchFamily="34" charset="-120"/>
+              </a:rPr>
+              <a:t>console.log</a:t>
+            </a:r>
+            <a:r>
+              <a:rPr lang="zh-TW" altLang="zh-TW" dirty="0">
+                <a:latin typeface="微軟正黑體" panose="020B0604030504040204" pitchFamily="34" charset="-120"/>
+                <a:ea typeface="微軟正黑體" panose="020B0604030504040204" pitchFamily="34" charset="-120"/>
+              </a:rPr>
+              <a:t>的結果是否會相等？</a:t>
+            </a:r>
+          </a:p>
+          <a:p>
+            <a:r>
+              <a:rPr lang="zh-TW" altLang="zh-TW" dirty="0">
+                <a:latin typeface="微軟正黑體" panose="020B0604030504040204" pitchFamily="34" charset="-120"/>
+                <a:ea typeface="微軟正黑體" panose="020B0604030504040204" pitchFamily="34" charset="-120"/>
+              </a:rPr>
+              <a:t>請說明相等或是不相等的原因</a:t>
+            </a:r>
+          </a:p>
+          <a:p>
+            <a:endParaRPr lang="zh-TW" altLang="en-US" dirty="0">
+              <a:latin typeface="微軟正黑體" panose="020B0604030504040204" pitchFamily="34" charset="-120"/>
+              <a:ea typeface="微軟正黑體" panose="020B0604030504040204" pitchFamily="34" charset="-120"/>
+            </a:endParaRPr>
+          </a:p>
+        </p:txBody>
+      </p:sp>
+      <p:sp>
+        <p:nvSpPr>
+          <p:cNvPr id="7" name="文字方塊 6">
+            <a:extLst>
+              <a:ext uri="{FF2B5EF4-FFF2-40B4-BE49-F238E27FC236}">
+                <a16:creationId xmlns:a16="http://schemas.microsoft.com/office/drawing/2014/main" id="{A5409D85-F07A-4BFF-B748-EDE3F38CC32C}"/>
+              </a:ext>
+            </a:extLst>
+          </p:cNvPr>
+          <p:cNvSpPr txBox="1"/>
+          <p:nvPr/>
+        </p:nvSpPr>
+        <p:spPr>
+          <a:xfrm>
+            <a:off x="6216242" y="1892024"/>
+            <a:ext cx="5137558" cy="2308324"/>
+          </a:xfrm>
+          <a:prstGeom prst="rect">
+            <a:avLst/>
+          </a:prstGeom>
+          <a:solidFill>
+            <a:schemeClr val="tx1">
+              <a:lumMod val="65000"/>
+              <a:lumOff val="35000"/>
+            </a:schemeClr>
+          </a:solidFill>
+        </p:spPr>
+        <p:txBody>
+          <a:bodyPr wrap="square" rtlCol="0">
+            <a:spAutoFit/>
+          </a:bodyPr>
+          <a:lstStyle/>
+          <a:p>
+            <a:r>
+              <a:rPr lang="en-US" altLang="zh-TW" sz="2400" b="1" dirty="0">
+                <a:solidFill>
+                  <a:srgbClr val="D4D4D4"/>
+                </a:solidFill>
+                <a:latin typeface="Fira Code"/>
+              </a:rPr>
+              <a:t> </a:t>
+            </a:r>
+            <a:r>
+              <a:rPr lang="en-US" altLang="zh-TW" sz="2400" b="1" dirty="0">
+                <a:solidFill>
+                  <a:srgbClr val="569CD6"/>
+                </a:solidFill>
+                <a:latin typeface="Fira Code"/>
+              </a:rPr>
+              <a:t>var</a:t>
+            </a:r>
+            <a:r>
+              <a:rPr lang="en-US" altLang="zh-TW" sz="2400" b="1" dirty="0">
+                <a:solidFill>
+                  <a:srgbClr val="D4D4D4"/>
+                </a:solidFill>
+                <a:latin typeface="Fira Code"/>
+              </a:rPr>
+              <a:t> </a:t>
+            </a:r>
+            <a:r>
+              <a:rPr lang="en-US" altLang="zh-TW" sz="2400" b="1" dirty="0">
+                <a:solidFill>
+                  <a:srgbClr val="9CDCFE"/>
+                </a:solidFill>
+                <a:latin typeface="Fira Code"/>
+              </a:rPr>
+              <a:t>a</a:t>
+            </a:r>
+            <a:r>
+              <a:rPr lang="en-US" altLang="zh-TW" sz="2400" b="1" dirty="0">
+                <a:solidFill>
+                  <a:srgbClr val="D4D4D4"/>
+                </a:solidFill>
+                <a:latin typeface="Fira Code"/>
+              </a:rPr>
+              <a:t> = </a:t>
+            </a:r>
+            <a:r>
+              <a:rPr lang="en-US" altLang="zh-TW" sz="2400" b="1" dirty="0">
+                <a:solidFill>
+                  <a:srgbClr val="B5CEA8"/>
+                </a:solidFill>
+                <a:latin typeface="Fira Code"/>
+              </a:rPr>
+              <a:t>1</a:t>
+            </a:r>
+            <a:r>
+              <a:rPr lang="en-US" altLang="zh-TW" sz="2400" b="1" dirty="0">
+                <a:solidFill>
+                  <a:srgbClr val="D4D4D4"/>
+                </a:solidFill>
+                <a:latin typeface="Fira Code"/>
+              </a:rPr>
+              <a:t>;</a:t>
+            </a:r>
+          </a:p>
+          <a:p>
+            <a:r>
+              <a:rPr lang="en-US" altLang="zh-TW" sz="2400" b="1" dirty="0">
+                <a:solidFill>
+                  <a:srgbClr val="D4D4D4"/>
+                </a:solidFill>
+                <a:latin typeface="Fira Code"/>
+              </a:rPr>
+              <a:t>  </a:t>
+            </a:r>
+            <a:r>
+              <a:rPr lang="en-US" altLang="zh-TW" sz="2400" b="1" dirty="0">
+                <a:solidFill>
+                  <a:srgbClr val="C586C0"/>
+                </a:solidFill>
+                <a:latin typeface="Fira Code"/>
+              </a:rPr>
+              <a:t>if</a:t>
+            </a:r>
+            <a:r>
+              <a:rPr lang="en-US" altLang="zh-TW" sz="2400" b="1" dirty="0">
+                <a:solidFill>
+                  <a:srgbClr val="D4D4D4"/>
+                </a:solidFill>
+                <a:latin typeface="Fira Code"/>
+              </a:rPr>
+              <a:t> (</a:t>
+            </a:r>
+            <a:r>
+              <a:rPr lang="en-US" altLang="zh-TW" sz="2400" b="1" dirty="0">
+                <a:solidFill>
+                  <a:srgbClr val="9CDCFE"/>
+                </a:solidFill>
+                <a:latin typeface="Fira Code"/>
+              </a:rPr>
+              <a:t>a</a:t>
+            </a:r>
+            <a:r>
+              <a:rPr lang="en-US" altLang="zh-TW" sz="2400" b="1" dirty="0">
+                <a:solidFill>
+                  <a:srgbClr val="D4D4D4"/>
+                </a:solidFill>
+                <a:latin typeface="Fira Code"/>
+              </a:rPr>
+              <a:t> === </a:t>
+            </a:r>
+            <a:r>
+              <a:rPr lang="en-US" altLang="zh-TW" sz="2400" b="1" dirty="0">
+                <a:solidFill>
+                  <a:srgbClr val="B5CEA8"/>
+                </a:solidFill>
+                <a:latin typeface="Fira Code"/>
+              </a:rPr>
+              <a:t>1</a:t>
+            </a:r>
+            <a:r>
+              <a:rPr lang="en-US" altLang="zh-TW" sz="2400" b="1" dirty="0">
+                <a:solidFill>
+                  <a:srgbClr val="D4D4D4"/>
+                </a:solidFill>
+                <a:latin typeface="Fira Code"/>
+              </a:rPr>
+              <a:t>) {</a:t>
+            </a:r>
+          </a:p>
+          <a:p>
+            <a:r>
+              <a:rPr lang="en-US" altLang="zh-TW" sz="2400" b="1" dirty="0">
+                <a:solidFill>
+                  <a:srgbClr val="D4D4D4"/>
+                </a:solidFill>
+                <a:latin typeface="Fira Code"/>
+              </a:rPr>
+              <a:t>    </a:t>
+            </a:r>
+            <a:r>
+              <a:rPr lang="en-US" altLang="zh-TW" sz="2400" b="1" dirty="0">
+                <a:solidFill>
+                  <a:srgbClr val="569CD6"/>
+                </a:solidFill>
+                <a:latin typeface="Fira Code"/>
+              </a:rPr>
+              <a:t>var</a:t>
+            </a:r>
+            <a:r>
+              <a:rPr lang="en-US" altLang="zh-TW" sz="2400" b="1" dirty="0">
+                <a:solidFill>
+                  <a:srgbClr val="D4D4D4"/>
+                </a:solidFill>
+                <a:latin typeface="Fira Code"/>
+              </a:rPr>
+              <a:t> </a:t>
+            </a:r>
+            <a:r>
+              <a:rPr lang="en-US" altLang="zh-TW" sz="2400" b="1" dirty="0">
+                <a:solidFill>
+                  <a:srgbClr val="9CDCFE"/>
+                </a:solidFill>
+                <a:latin typeface="Fira Code"/>
+              </a:rPr>
+              <a:t>b</a:t>
+            </a:r>
+            <a:r>
+              <a:rPr lang="en-US" altLang="zh-TW" sz="2400" b="1" dirty="0">
+                <a:solidFill>
+                  <a:srgbClr val="D4D4D4"/>
+                </a:solidFill>
+                <a:latin typeface="Fira Code"/>
+              </a:rPr>
+              <a:t> = </a:t>
+            </a:r>
+            <a:r>
+              <a:rPr lang="en-US" altLang="zh-TW" sz="2400" b="1" dirty="0">
+                <a:solidFill>
+                  <a:srgbClr val="B5CEA8"/>
+                </a:solidFill>
+                <a:latin typeface="Fira Code"/>
+              </a:rPr>
+              <a:t>2</a:t>
+            </a:r>
+            <a:r>
+              <a:rPr lang="en-US" altLang="zh-TW" sz="2400" b="1" dirty="0">
+                <a:solidFill>
+                  <a:srgbClr val="D4D4D4"/>
+                </a:solidFill>
+                <a:latin typeface="Fira Code"/>
+              </a:rPr>
+              <a:t>;</a:t>
+            </a:r>
+          </a:p>
+          <a:p>
+            <a:r>
+              <a:rPr lang="en-US" altLang="zh-TW" sz="2400" b="1" dirty="0">
+                <a:solidFill>
+                  <a:srgbClr val="D4D4D4"/>
+                </a:solidFill>
+                <a:latin typeface="Fira Code"/>
+              </a:rPr>
+              <a:t>    </a:t>
+            </a:r>
+            <a:r>
+              <a:rPr lang="en-US" altLang="zh-TW" sz="2400" b="1" dirty="0">
+                <a:solidFill>
+                  <a:srgbClr val="4EC9B0"/>
+                </a:solidFill>
+                <a:latin typeface="Fira Code"/>
+              </a:rPr>
+              <a:t>console</a:t>
+            </a:r>
+            <a:r>
+              <a:rPr lang="en-US" altLang="zh-TW" sz="2400" b="1" dirty="0">
+                <a:solidFill>
+                  <a:srgbClr val="D4D4D4"/>
+                </a:solidFill>
+                <a:latin typeface="Fira Code"/>
+              </a:rPr>
+              <a:t>.</a:t>
+            </a:r>
+            <a:r>
+              <a:rPr lang="en-US" altLang="zh-TW" sz="2400" b="1" dirty="0">
+                <a:solidFill>
+                  <a:srgbClr val="DCDCAA"/>
+                </a:solidFill>
+                <a:latin typeface="Fira Code"/>
+              </a:rPr>
+              <a:t>log</a:t>
+            </a:r>
+            <a:r>
+              <a:rPr lang="en-US" altLang="zh-TW" sz="2400" b="1" dirty="0">
+                <a:solidFill>
+                  <a:srgbClr val="D4D4D4"/>
+                </a:solidFill>
+                <a:latin typeface="Fira Code"/>
+              </a:rPr>
+              <a:t>(</a:t>
+            </a:r>
+            <a:r>
+              <a:rPr lang="en-US" altLang="zh-TW" sz="2400" b="1" dirty="0">
+                <a:solidFill>
+                  <a:srgbClr val="9CDCFE"/>
+                </a:solidFill>
+                <a:latin typeface="Fira Code"/>
+              </a:rPr>
+              <a:t>a</a:t>
+            </a:r>
+            <a:r>
+              <a:rPr lang="en-US" altLang="zh-TW" sz="2400" b="1" dirty="0">
+                <a:solidFill>
+                  <a:srgbClr val="D4D4D4"/>
+                </a:solidFill>
+                <a:latin typeface="Fira Code"/>
+              </a:rPr>
+              <a:t>, </a:t>
+            </a:r>
+            <a:r>
+              <a:rPr lang="en-US" altLang="zh-TW" sz="2400" b="1" dirty="0">
+                <a:solidFill>
+                  <a:srgbClr val="9CDCFE"/>
+                </a:solidFill>
+                <a:latin typeface="Fira Code"/>
+              </a:rPr>
+              <a:t>b</a:t>
+            </a:r>
+            <a:r>
+              <a:rPr lang="en-US" altLang="zh-TW" sz="2400" b="1" dirty="0">
+                <a:solidFill>
+                  <a:srgbClr val="D4D4D4"/>
+                </a:solidFill>
+                <a:latin typeface="Fira Code"/>
+              </a:rPr>
+              <a:t>);</a:t>
+            </a:r>
+          </a:p>
+          <a:p>
+            <a:r>
+              <a:rPr lang="en-US" altLang="zh-TW" sz="2400" b="1" dirty="0">
+                <a:solidFill>
+                  <a:srgbClr val="D4D4D4"/>
+                </a:solidFill>
+                <a:latin typeface="Fira Code"/>
+              </a:rPr>
+              <a:t>  }</a:t>
+            </a:r>
+          </a:p>
+          <a:p>
+            <a:r>
+              <a:rPr lang="en-US" altLang="zh-TW" sz="2400" b="1" dirty="0">
+                <a:solidFill>
+                  <a:srgbClr val="D4D4D4"/>
+                </a:solidFill>
+                <a:latin typeface="Fira Code"/>
+              </a:rPr>
+              <a:t>  </a:t>
+            </a:r>
+            <a:r>
+              <a:rPr lang="en-US" altLang="zh-TW" sz="2400" b="1" dirty="0">
+                <a:solidFill>
+                  <a:srgbClr val="4EC9B0"/>
+                </a:solidFill>
+                <a:latin typeface="Fira Code"/>
+              </a:rPr>
+              <a:t>console</a:t>
+            </a:r>
+            <a:r>
+              <a:rPr lang="en-US" altLang="zh-TW" sz="2400" b="1" dirty="0">
+                <a:solidFill>
+                  <a:srgbClr val="D4D4D4"/>
+                </a:solidFill>
+                <a:latin typeface="Fira Code"/>
+              </a:rPr>
+              <a:t>.</a:t>
+            </a:r>
+            <a:r>
+              <a:rPr lang="en-US" altLang="zh-TW" sz="2400" b="1" dirty="0">
+                <a:solidFill>
+                  <a:srgbClr val="DCDCAA"/>
+                </a:solidFill>
+                <a:latin typeface="Fira Code"/>
+              </a:rPr>
+              <a:t>log</a:t>
+            </a:r>
+            <a:r>
+              <a:rPr lang="en-US" altLang="zh-TW" sz="2400" b="1" dirty="0">
+                <a:solidFill>
+                  <a:srgbClr val="D4D4D4"/>
+                </a:solidFill>
+                <a:latin typeface="Fira Code"/>
+              </a:rPr>
+              <a:t>(</a:t>
+            </a:r>
+            <a:r>
+              <a:rPr lang="en-US" altLang="zh-TW" sz="2400" b="1" dirty="0">
+                <a:solidFill>
+                  <a:srgbClr val="9CDCFE"/>
+                </a:solidFill>
+                <a:latin typeface="Fira Code"/>
+              </a:rPr>
+              <a:t>a</a:t>
+            </a:r>
+            <a:r>
+              <a:rPr lang="en-US" altLang="zh-TW" sz="2400" b="1" dirty="0">
+                <a:solidFill>
+                  <a:srgbClr val="D4D4D4"/>
+                </a:solidFill>
+                <a:latin typeface="Fira Code"/>
+              </a:rPr>
+              <a:t>, </a:t>
+            </a:r>
+            <a:r>
+              <a:rPr lang="en-US" altLang="zh-TW" sz="2400" b="1" dirty="0">
+                <a:solidFill>
+                  <a:srgbClr val="9CDCFE"/>
+                </a:solidFill>
+                <a:latin typeface="Fira Code"/>
+              </a:rPr>
+              <a:t>b</a:t>
+            </a:r>
+            <a:r>
+              <a:rPr lang="en-US" altLang="zh-TW" sz="2400" b="1" dirty="0">
+                <a:solidFill>
+                  <a:srgbClr val="D4D4D4"/>
+                </a:solidFill>
+                <a:latin typeface="Fira Code"/>
+              </a:rPr>
+              <a:t>);</a:t>
+            </a:r>
+            <a:endParaRPr lang="zh-TW" altLang="en-US" sz="2400" b="1" dirty="0"/>
+          </a:p>
+        </p:txBody>
+      </p:sp>
+      <p:sp>
+        <p:nvSpPr>
+          <p:cNvPr id="8" name="文字方塊 7">
+            <a:extLst>
+              <a:ext uri="{FF2B5EF4-FFF2-40B4-BE49-F238E27FC236}">
+                <a16:creationId xmlns:a16="http://schemas.microsoft.com/office/drawing/2014/main" id="{F914D757-4735-41FB-AD77-5DB89377D52D}"/>
+              </a:ext>
+            </a:extLst>
+          </p:cNvPr>
+          <p:cNvSpPr txBox="1"/>
+          <p:nvPr/>
+        </p:nvSpPr>
+        <p:spPr>
+          <a:xfrm>
+            <a:off x="838200" y="5691783"/>
+            <a:ext cx="877163" cy="369332"/>
+          </a:xfrm>
+          <a:prstGeom prst="rect">
+            <a:avLst/>
+          </a:prstGeom>
+          <a:noFill/>
+        </p:spPr>
+        <p:txBody>
+          <a:bodyPr wrap="none" rtlCol="0">
+            <a:spAutoFit/>
+          </a:bodyPr>
+          <a:lstStyle/>
+          <a:p>
+            <a:r>
+              <a:rPr lang="zh-TW" altLang="en-US" b="1" dirty="0">
+                <a:latin typeface="微軟正黑體" panose="020B0604030504040204" pitchFamily="34" charset="-120"/>
+                <a:ea typeface="微軟正黑體" panose="020B0604030504040204" pitchFamily="34" charset="-120"/>
+              </a:rPr>
+              <a:t>楊芷綺</a:t>
+            </a:r>
+          </a:p>
+        </p:txBody>
+      </p:sp>
+      <p:cxnSp>
+        <p:nvCxnSpPr>
+          <p:cNvPr id="9" name="直線接點 8">
+            <a:extLst>
+              <a:ext uri="{FF2B5EF4-FFF2-40B4-BE49-F238E27FC236}">
+                <a16:creationId xmlns:a16="http://schemas.microsoft.com/office/drawing/2014/main" id="{64E7A93B-DFE9-4064-A1FA-D50BDB48880A}"/>
+              </a:ext>
+            </a:extLst>
+          </p:cNvPr>
+          <p:cNvCxnSpPr>
+            <a:cxnSpLocks/>
+          </p:cNvCxnSpPr>
+          <p:nvPr/>
+        </p:nvCxnSpPr>
+        <p:spPr>
+          <a:xfrm>
+            <a:off x="914400" y="1442906"/>
+            <a:ext cx="10439400" cy="0"/>
+          </a:xfrm>
+          <a:prstGeom prst="line">
+            <a:avLst/>
+          </a:prstGeom>
+          <a:ln w="28575">
+            <a:solidFill>
+              <a:srgbClr val="569CD6"/>
+            </a:solidFill>
+          </a:ln>
+        </p:spPr>
+        <p:style>
+          <a:lnRef idx="1">
+            <a:schemeClr val="accent1"/>
+          </a:lnRef>
+          <a:fillRef idx="0">
+            <a:schemeClr val="accent1"/>
+          </a:fillRef>
+          <a:effectRef idx="0">
+            <a:schemeClr val="accent1"/>
+          </a:effectRef>
+          <a:fontRef idx="minor">
+            <a:schemeClr val="tx1"/>
+          </a:fontRef>
+        </p:style>
+      </p:cxnSp>
+    </p:spTree>
+    <p:extLst>
+      <p:ext uri="{BB962C8B-B14F-4D97-AF65-F5344CB8AC3E}">
+        <p14:creationId xmlns:p14="http://schemas.microsoft.com/office/powerpoint/2010/main" val="3716843144"/>
+      </p:ext>
+    </p:extLst>
+  </p:cSld>
+  <p:clrMapOvr>
+    <a:masterClrMapping/>
+  </p:clrMapOvr>
+</p:sld>
+</file>
+
+<file path=ppt/slides/slide13.xml><?xml version="1.0" encoding="utf-8"?>
+<p:sld xmlns:a="http://schemas.openxmlformats.org/drawingml/2006/main" xmlns:r="http://schemas.openxmlformats.org/officeDocument/2006/relationships" xmlns:p="http://schemas.openxmlformats.org/presentationml/2006/main">
+  <p:cSld>
+    <p:spTree>
+      <p:nvGrpSpPr>
+        <p:cNvPr id="1" name=""/>
+        <p:cNvGrpSpPr/>
+        <p:nvPr/>
+      </p:nvGrpSpPr>
+      <p:grpSpPr>
+        <a:xfrm>
+          <a:off x="0" y="0"/>
+          <a:ext cx="0" cy="0"/>
+          <a:chOff x="0" y="0"/>
+          <a:chExt cx="0" cy="0"/>
+        </a:xfrm>
+      </p:grpSpPr>
+      <p:sp>
+        <p:nvSpPr>
+          <p:cNvPr id="2" name="標題 1">
+            <a:extLst>
+              <a:ext uri="{FF2B5EF4-FFF2-40B4-BE49-F238E27FC236}">
+                <a16:creationId xmlns:a16="http://schemas.microsoft.com/office/drawing/2014/main" id="{7DEDC330-37AD-4044-B90E-A9343D32C22C}"/>
+              </a:ext>
+            </a:extLst>
+          </p:cNvPr>
+          <p:cNvSpPr>
+            <a:spLocks noGrp="1"/>
+          </p:cNvSpPr>
+          <p:nvPr>
+            <p:ph type="title"/>
+          </p:nvPr>
+        </p:nvSpPr>
+        <p:spPr/>
+        <p:txBody>
+          <a:bodyPr/>
+          <a:lstStyle/>
+          <a:p>
+            <a:r>
+              <a:rPr lang="en-US" altLang="zh-TW" dirty="0">
+                <a:latin typeface="微軟正黑體" panose="020B0604030504040204" pitchFamily="34" charset="-120"/>
+                <a:ea typeface="微軟正黑體" panose="020B0604030504040204" pitchFamily="34" charset="-120"/>
+              </a:rPr>
+              <a:t>JavaScript</a:t>
+            </a:r>
+            <a:endParaRPr lang="zh-TW" altLang="en-US" dirty="0"/>
+          </a:p>
+        </p:txBody>
+      </p:sp>
+      <p:sp>
+        <p:nvSpPr>
+          <p:cNvPr id="3" name="內容版面配置區 2">
+            <a:extLst>
+              <a:ext uri="{FF2B5EF4-FFF2-40B4-BE49-F238E27FC236}">
+                <a16:creationId xmlns:a16="http://schemas.microsoft.com/office/drawing/2014/main" id="{F00B113A-D713-413F-A465-FE7A7256B3DB}"/>
+              </a:ext>
+            </a:extLst>
+          </p:cNvPr>
+          <p:cNvSpPr>
+            <a:spLocks noGrp="1"/>
+          </p:cNvSpPr>
+          <p:nvPr>
+            <p:ph idx="1"/>
+          </p:nvPr>
+        </p:nvSpPr>
+        <p:spPr/>
+        <p:txBody>
+          <a:bodyPr/>
+          <a:lstStyle/>
+          <a:p>
+            <a:r>
+              <a:rPr lang="en-US" altLang="zh-TW" dirty="0"/>
+              <a:t>Console.log </a:t>
+            </a:r>
+            <a:r>
+              <a:rPr lang="zh-TW" altLang="en-US" dirty="0"/>
+              <a:t>的結果會相等</a:t>
+            </a:r>
+            <a:endParaRPr lang="en-US" altLang="zh-TW" dirty="0"/>
+          </a:p>
+          <a:p>
+            <a:r>
+              <a:rPr lang="zh-TW" altLang="en-US" dirty="0"/>
+              <a:t>原因</a:t>
+            </a:r>
+            <a:r>
+              <a:rPr lang="en-US" altLang="zh-TW" dirty="0"/>
+              <a:t>: </a:t>
+            </a:r>
+            <a:r>
+              <a:rPr lang="zh-TW" altLang="en-US" dirty="0"/>
+              <a:t>雖然變數 </a:t>
+            </a:r>
+            <a:r>
+              <a:rPr lang="en-US" altLang="zh-TW" dirty="0"/>
+              <a:t>b</a:t>
+            </a:r>
+            <a:r>
+              <a:rPr lang="zh-TW" altLang="en-US" dirty="0"/>
+              <a:t> 是宣告在 </a:t>
+            </a:r>
+            <a:r>
+              <a:rPr lang="en-US" altLang="zh-TW" dirty="0"/>
+              <a:t>if </a:t>
+            </a:r>
+            <a:r>
+              <a:rPr lang="zh-TW" altLang="en-US" dirty="0"/>
+              <a:t>這個區段內</a:t>
+            </a:r>
+            <a:r>
+              <a:rPr lang="en-US" altLang="zh-TW" dirty="0"/>
+              <a:t>,</a:t>
+            </a:r>
+            <a:r>
+              <a:rPr lang="zh-TW" altLang="en-US" dirty="0"/>
+              <a:t>但是在 </a:t>
+            </a:r>
+            <a:r>
+              <a:rPr lang="en-US" altLang="zh-TW" dirty="0" err="1"/>
+              <a:t>Javascript</a:t>
+            </a:r>
+            <a:r>
+              <a:rPr lang="en-US" altLang="zh-TW" dirty="0"/>
+              <a:t> </a:t>
+            </a:r>
+            <a:r>
+              <a:rPr lang="zh-TW" altLang="en-US" dirty="0"/>
+              <a:t>中變數的有效範圍最小單位是 </a:t>
+            </a:r>
+            <a:r>
+              <a:rPr lang="en-US" altLang="zh-TW" dirty="0"/>
+              <a:t>function,</a:t>
+            </a:r>
+            <a:r>
+              <a:rPr lang="zh-TW" altLang="en-US" dirty="0"/>
+              <a:t> 所以變數 </a:t>
+            </a:r>
+            <a:r>
+              <a:rPr lang="en-US" altLang="zh-TW" dirty="0"/>
+              <a:t>b</a:t>
+            </a:r>
+            <a:r>
+              <a:rPr lang="zh-TW" altLang="en-US" dirty="0"/>
+              <a:t> 的作用範圍並不會因為離開 </a:t>
+            </a:r>
+            <a:r>
+              <a:rPr lang="en-US" altLang="zh-TW" dirty="0"/>
+              <a:t>if</a:t>
+            </a:r>
+            <a:r>
+              <a:rPr lang="zh-TW" altLang="en-US" dirty="0"/>
+              <a:t> 這個區段就消失</a:t>
+            </a:r>
+            <a:r>
+              <a:rPr lang="en-US" altLang="zh-TW" dirty="0"/>
+              <a:t>, </a:t>
+            </a:r>
+            <a:r>
+              <a:rPr lang="zh-TW" altLang="en-US" dirty="0"/>
+              <a:t>因此我們在區段外 </a:t>
+            </a:r>
+            <a:r>
+              <a:rPr lang="en-US" altLang="zh-TW" dirty="0"/>
+              <a:t>console.log(</a:t>
+            </a:r>
+            <a:r>
+              <a:rPr lang="en-US" altLang="zh-TW" dirty="0" err="1"/>
+              <a:t>a,b</a:t>
+            </a:r>
+            <a:r>
+              <a:rPr lang="en-US" altLang="zh-TW" dirty="0"/>
+              <a:t>)</a:t>
+            </a:r>
+            <a:r>
+              <a:rPr lang="zh-TW" altLang="en-US" dirty="0"/>
+              <a:t> 時也能讀的到變數 </a:t>
+            </a:r>
+            <a:r>
+              <a:rPr lang="en-US" altLang="zh-TW" dirty="0"/>
+              <a:t>b</a:t>
+            </a:r>
+            <a:r>
+              <a:rPr lang="zh-TW" altLang="en-US" dirty="0"/>
+              <a:t> </a:t>
+            </a:r>
+            <a:r>
+              <a:rPr lang="en-US" altLang="zh-TW" dirty="0"/>
+              <a:t>.</a:t>
+            </a:r>
+            <a:endParaRPr lang="zh-TW" altLang="en-US" dirty="0"/>
+          </a:p>
+        </p:txBody>
+      </p:sp>
+    </p:spTree>
+    <p:extLst>
+      <p:ext uri="{BB962C8B-B14F-4D97-AF65-F5344CB8AC3E}">
+        <p14:creationId xmlns:p14="http://schemas.microsoft.com/office/powerpoint/2010/main" val="742476863"/>
+      </p:ext>
+    </p:extLst>
+  </p:cSld>
+  <p:clrMapOvr>
+    <a:masterClrMapping/>
+  </p:clrMapOvr>
+</p:sld>
+</file>
+
+<file path=ppt/slides/slide14.xml><?xml version="1.0" encoding="utf-8"?>
+<p:sld xmlns:a="http://schemas.openxmlformats.org/drawingml/2006/main" xmlns:r="http://schemas.openxmlformats.org/officeDocument/2006/relationships" xmlns:p="http://schemas.openxmlformats.org/presentationml/2006/main">
+  <p:cSld>
+    <p:spTree>
+      <p:nvGrpSpPr>
+        <p:cNvPr id="1" name=""/>
+        <p:cNvGrpSpPr/>
+        <p:nvPr/>
+      </p:nvGrpSpPr>
+      <p:grpSpPr>
+        <a:xfrm>
+          <a:off x="0" y="0"/>
+          <a:ext cx="0" cy="0"/>
+          <a:chOff x="0" y="0"/>
+          <a:chExt cx="0" cy="0"/>
+        </a:xfrm>
+      </p:grpSpPr>
+      <p:sp>
+        <p:nvSpPr>
+          <p:cNvPr id="2" name="標題 1">
+            <a:extLst>
+              <a:ext uri="{FF2B5EF4-FFF2-40B4-BE49-F238E27FC236}">
                 <a16:creationId xmlns:a16="http://schemas.microsoft.com/office/drawing/2014/main" id="{41B831E1-2F28-4D6E-A6CE-A3C9FACEF6CC}"/>
               </a:ext>
             </a:extLst>
@@ -15600,7 +17361,7 @@
 </p:sld>
 </file>
 
-<file path=ppt/slides/slide11.xml><?xml version="1.0" encoding="utf-8"?>
+<file path=ppt/slides/slide15.xml><?xml version="1.0" encoding="utf-8"?>
 <p:sld xmlns:a="http://schemas.openxmlformats.org/drawingml/2006/main" xmlns:r="http://schemas.openxmlformats.org/officeDocument/2006/relationships" xmlns:p="http://schemas.openxmlformats.org/presentationml/2006/main">
   <p:cSld>
     <p:spTree>
@@ -16306,7 +18067,7 @@
 </p:sld>
 </file>
 
-<file path=ppt/slides/slide12.xml><?xml version="1.0" encoding="utf-8"?>
+<file path=ppt/slides/slide16.xml><?xml version="1.0" encoding="utf-8"?>
 <p:sld xmlns:a="http://schemas.openxmlformats.org/drawingml/2006/main" xmlns:r="http://schemas.openxmlformats.org/officeDocument/2006/relationships" xmlns:p="http://schemas.openxmlformats.org/presentationml/2006/main">
   <p:cSld>
     <p:spTree>
@@ -17254,7 +19015,7 @@
 </p:sld>
 </file>
 
-<file path=ppt/slides/slide13.xml><?xml version="1.0" encoding="utf-8"?>
+<file path=ppt/slides/slide17.xml><?xml version="1.0" encoding="utf-8"?>
 <p:sld xmlns:a="http://schemas.openxmlformats.org/drawingml/2006/main" xmlns:r="http://schemas.openxmlformats.org/officeDocument/2006/relationships" xmlns:p="http://schemas.openxmlformats.org/presentationml/2006/main">
   <p:cSld>
     <p:spTree>
@@ -18033,7 +19794,7 @@
 </p:sld>
 </file>
 
-<file path=ppt/slides/slide14.xml><?xml version="1.0" encoding="utf-8"?>
+<file path=ppt/slides/slide18.xml><?xml version="1.0" encoding="utf-8"?>
 <p:sld xmlns:a="http://schemas.openxmlformats.org/drawingml/2006/main" xmlns:r="http://schemas.openxmlformats.org/officeDocument/2006/relationships" xmlns:p="http://schemas.openxmlformats.org/presentationml/2006/main">
   <p:cSld>
     <p:spTree>
@@ -18216,7 +19977,7 @@
 </p:sld>
 </file>
 
-<file path=ppt/slides/slide15.xml><?xml version="1.0" encoding="utf-8"?>
+<file path=ppt/slides/slide19.xml><?xml version="1.0" encoding="utf-8"?>
 <p:sld xmlns:a="http://schemas.openxmlformats.org/drawingml/2006/main" xmlns:r="http://schemas.openxmlformats.org/officeDocument/2006/relationships" xmlns:p="http://schemas.openxmlformats.org/presentationml/2006/main">
   <p:cSld>
     <p:spTree>
@@ -21334,7 +23095,1178 @@
 </p:sld>
 </file>
 
-<file path=ppt/slides/slide16.xml><?xml version="1.0" encoding="utf-8"?>
+<file path=ppt/slides/slide2.xml><?xml version="1.0" encoding="utf-8"?>
+<p:sld xmlns:a="http://schemas.openxmlformats.org/drawingml/2006/main" xmlns:r="http://schemas.openxmlformats.org/officeDocument/2006/relationships" xmlns:p="http://schemas.openxmlformats.org/presentationml/2006/main">
+  <p:cSld>
+    <p:spTree>
+      <p:nvGrpSpPr>
+        <p:cNvPr id="1" name=""/>
+        <p:cNvGrpSpPr/>
+        <p:nvPr/>
+      </p:nvGrpSpPr>
+      <p:grpSpPr>
+        <a:xfrm>
+          <a:off x="0" y="0"/>
+          <a:ext cx="0" cy="0"/>
+          <a:chOff x="0" y="0"/>
+          <a:chExt cx="0" cy="0"/>
+        </a:xfrm>
+      </p:grpSpPr>
+      <p:sp>
+        <p:nvSpPr>
+          <p:cNvPr id="2" name="標題 1">
+            <a:extLst>
+              <a:ext uri="{FF2B5EF4-FFF2-40B4-BE49-F238E27FC236}">
+                <a16:creationId xmlns:a16="http://schemas.microsoft.com/office/drawing/2014/main" id="{C43B687E-C77F-4EE3-8D60-D4FEA7AEE4EE}"/>
+              </a:ext>
+            </a:extLst>
+          </p:cNvPr>
+          <p:cNvSpPr>
+            <a:spLocks noGrp="1"/>
+          </p:cNvSpPr>
+          <p:nvPr>
+            <p:ph type="title"/>
+          </p:nvPr>
+        </p:nvSpPr>
+        <p:spPr/>
+        <p:txBody>
+          <a:bodyPr/>
+          <a:lstStyle/>
+          <a:p>
+            <a:r>
+              <a:rPr lang="zh-TW" altLang="zh-TW" dirty="0">
+                <a:latin typeface="微軟正黑體" panose="020B0604030504040204" pitchFamily="34" charset="-120"/>
+                <a:ea typeface="微軟正黑體" panose="020B0604030504040204" pitchFamily="34" charset="-120"/>
+              </a:rPr>
+              <a:t>交易</a:t>
+            </a:r>
+            <a:endParaRPr lang="zh-TW" altLang="en-US" dirty="0">
+              <a:latin typeface="微軟正黑體" panose="020B0604030504040204" pitchFamily="34" charset="-120"/>
+              <a:ea typeface="微軟正黑體" panose="020B0604030504040204" pitchFamily="34" charset="-120"/>
+            </a:endParaRPr>
+          </a:p>
+        </p:txBody>
+      </p:sp>
+      <p:sp>
+        <p:nvSpPr>
+          <p:cNvPr id="3" name="內容版面配置區 2">
+            <a:extLst>
+              <a:ext uri="{FF2B5EF4-FFF2-40B4-BE49-F238E27FC236}">
+                <a16:creationId xmlns:a16="http://schemas.microsoft.com/office/drawing/2014/main" id="{64693990-CA3E-47C0-AF5F-F3A968D5C8F1}"/>
+              </a:ext>
+            </a:extLst>
+          </p:cNvPr>
+          <p:cNvSpPr>
+            <a:spLocks noGrp="1"/>
+          </p:cNvSpPr>
+          <p:nvPr>
+            <p:ph idx="1"/>
+          </p:nvPr>
+        </p:nvSpPr>
+        <p:spPr>
+          <a:xfrm>
+            <a:off x="838200" y="1825625"/>
+            <a:ext cx="4757257" cy="4351338"/>
+          </a:xfrm>
+        </p:spPr>
+        <p:txBody>
+          <a:bodyPr/>
+          <a:lstStyle/>
+          <a:p>
+            <a:r>
+              <a:rPr lang="zh-TW" altLang="zh-TW" dirty="0">
+                <a:latin typeface="微軟正黑體" panose="020B0604030504040204" pitchFamily="34" charset="-120"/>
+                <a:ea typeface="微軟正黑體" panose="020B0604030504040204" pitchFamily="34" charset="-120"/>
+              </a:rPr>
+              <a:t>請說明股票搓合機制中，何謂</a:t>
+            </a:r>
+            <a:r>
+              <a:rPr lang="en-US" altLang="zh-TW" dirty="0">
+                <a:latin typeface="微軟正黑體" panose="020B0604030504040204" pitchFamily="34" charset="-120"/>
+                <a:ea typeface="微軟正黑體" panose="020B0604030504040204" pitchFamily="34" charset="-120"/>
+              </a:rPr>
+              <a:t>”</a:t>
+            </a:r>
+            <a:r>
+              <a:rPr lang="zh-TW" altLang="zh-TW" dirty="0">
+                <a:latin typeface="微軟正黑體" panose="020B0604030504040204" pitchFamily="34" charset="-120"/>
+                <a:ea typeface="微軟正黑體" panose="020B0604030504040204" pitchFamily="34" charset="-120"/>
+              </a:rPr>
+              <a:t>逐筆交易</a:t>
+            </a:r>
+            <a:r>
+              <a:rPr lang="en-US" altLang="zh-TW" dirty="0">
+                <a:latin typeface="微軟正黑體" panose="020B0604030504040204" pitchFamily="34" charset="-120"/>
+                <a:ea typeface="微軟正黑體" panose="020B0604030504040204" pitchFamily="34" charset="-120"/>
+              </a:rPr>
+              <a:t>”</a:t>
+            </a:r>
+            <a:r>
+              <a:rPr lang="zh-TW" altLang="zh-TW" dirty="0">
+                <a:latin typeface="微軟正黑體" panose="020B0604030504040204" pitchFamily="34" charset="-120"/>
+                <a:ea typeface="微軟正黑體" panose="020B0604030504040204" pitchFamily="34" charset="-120"/>
+              </a:rPr>
+              <a:t>與</a:t>
+            </a:r>
+            <a:r>
+              <a:rPr lang="en-US" altLang="zh-TW" dirty="0">
+                <a:latin typeface="微軟正黑體" panose="020B0604030504040204" pitchFamily="34" charset="-120"/>
+                <a:ea typeface="微軟正黑體" panose="020B0604030504040204" pitchFamily="34" charset="-120"/>
+              </a:rPr>
+              <a:t>”</a:t>
+            </a:r>
+            <a:r>
+              <a:rPr lang="zh-TW" altLang="zh-TW" dirty="0">
+                <a:latin typeface="微軟正黑體" panose="020B0604030504040204" pitchFamily="34" charset="-120"/>
+                <a:ea typeface="微軟正黑體" panose="020B0604030504040204" pitchFamily="34" charset="-120"/>
+              </a:rPr>
+              <a:t>集合競價</a:t>
+            </a:r>
+            <a:r>
+              <a:rPr lang="en-US" altLang="zh-TW" dirty="0">
+                <a:latin typeface="微軟正黑體" panose="020B0604030504040204" pitchFamily="34" charset="-120"/>
+                <a:ea typeface="微軟正黑體" panose="020B0604030504040204" pitchFamily="34" charset="-120"/>
+              </a:rPr>
+              <a:t>”</a:t>
+            </a:r>
+            <a:r>
+              <a:rPr lang="zh-TW" altLang="zh-TW" dirty="0">
+                <a:latin typeface="微軟正黑體" panose="020B0604030504040204" pitchFamily="34" charset="-120"/>
+                <a:ea typeface="微軟正黑體" panose="020B0604030504040204" pitchFamily="34" charset="-120"/>
+              </a:rPr>
+              <a:t>？</a:t>
+            </a:r>
+          </a:p>
+          <a:p>
+            <a:r>
+              <a:rPr lang="zh-TW" altLang="zh-TW" dirty="0">
+                <a:latin typeface="微軟正黑體" panose="020B0604030504040204" pitchFamily="34" charset="-120"/>
+                <a:ea typeface="微軟正黑體" panose="020B0604030504040204" pitchFamily="34" charset="-120"/>
+              </a:rPr>
+              <a:t>假設撮合</a:t>
+            </a:r>
+            <a:r>
+              <a:rPr lang="en-US" altLang="zh-TW" dirty="0">
+                <a:solidFill>
+                  <a:srgbClr val="569CD6"/>
+                </a:solidFill>
+                <a:latin typeface="微軟正黑體" panose="020B0604030504040204" pitchFamily="34" charset="-120"/>
+                <a:ea typeface="微軟正黑體" panose="020B0604030504040204" pitchFamily="34" charset="-120"/>
+              </a:rPr>
+              <a:t>function</a:t>
+            </a:r>
+            <a:r>
+              <a:rPr lang="zh-TW" altLang="zh-TW" dirty="0">
+                <a:latin typeface="微軟正黑體" panose="020B0604030504040204" pitchFamily="34" charset="-120"/>
+                <a:ea typeface="微軟正黑體" panose="020B0604030504040204" pitchFamily="34" charset="-120"/>
+              </a:rPr>
+              <a:t>傳入交易參數為一</a:t>
+            </a:r>
+            <a:r>
+              <a:rPr lang="en-US" altLang="zh-TW" dirty="0">
+                <a:solidFill>
+                  <a:srgbClr val="569CD6"/>
+                </a:solidFill>
+                <a:latin typeface="微軟正黑體" panose="020B0604030504040204" pitchFamily="34" charset="-120"/>
+                <a:ea typeface="微軟正黑體" panose="020B0604030504040204" pitchFamily="34" charset="-120"/>
+              </a:rPr>
+              <a:t>List</a:t>
+            </a:r>
+            <a:r>
+              <a:rPr lang="en-US" altLang="zh-TW" dirty="0">
+                <a:latin typeface="微軟正黑體" panose="020B0604030504040204" pitchFamily="34" charset="-120"/>
+                <a:ea typeface="微軟正黑體" panose="020B0604030504040204" pitchFamily="34" charset="-120"/>
+              </a:rPr>
+              <a:t>&lt;</a:t>
+            </a:r>
+            <a:r>
+              <a:rPr lang="en-US" altLang="zh-TW" dirty="0" err="1">
+                <a:solidFill>
+                  <a:srgbClr val="4FC4AC"/>
+                </a:solidFill>
+                <a:latin typeface="微軟正黑體" panose="020B0604030504040204" pitchFamily="34" charset="-120"/>
+                <a:ea typeface="微軟正黑體" panose="020B0604030504040204" pitchFamily="34" charset="-120"/>
+              </a:rPr>
+              <a:t>StockOrder</a:t>
+            </a:r>
+            <a:r>
+              <a:rPr lang="en-US" altLang="zh-TW" dirty="0">
+                <a:latin typeface="微軟正黑體" panose="020B0604030504040204" pitchFamily="34" charset="-120"/>
+                <a:ea typeface="微軟正黑體" panose="020B0604030504040204" pitchFamily="34" charset="-120"/>
+              </a:rPr>
+              <a:t>&gt;</a:t>
+            </a:r>
+            <a:r>
+              <a:rPr lang="zh-TW" altLang="zh-TW" dirty="0">
+                <a:latin typeface="微軟正黑體" panose="020B0604030504040204" pitchFamily="34" charset="-120"/>
+                <a:ea typeface="微軟正黑體" panose="020B0604030504040204" pitchFamily="34" charset="-120"/>
+              </a:rPr>
+              <a:t>，請寫出逐筆交易與集合競價的</a:t>
+            </a:r>
+            <a:r>
+              <a:rPr lang="en-US" altLang="zh-TW" dirty="0">
+                <a:solidFill>
+                  <a:srgbClr val="569CD6"/>
+                </a:solidFill>
+                <a:latin typeface="微軟正黑體" panose="020B0604030504040204" pitchFamily="34" charset="-120"/>
+                <a:ea typeface="微軟正黑體" panose="020B0604030504040204" pitchFamily="34" charset="-120"/>
+              </a:rPr>
+              <a:t>function</a:t>
+            </a:r>
+            <a:r>
+              <a:rPr lang="zh-TW" altLang="zh-TW" dirty="0">
+                <a:latin typeface="微軟正黑體" panose="020B0604030504040204" pitchFamily="34" charset="-120"/>
+                <a:ea typeface="微軟正黑體" panose="020B0604030504040204" pitchFamily="34" charset="-120"/>
+              </a:rPr>
+              <a:t>，</a:t>
+            </a:r>
+            <a:r>
+              <a:rPr lang="en-US" altLang="zh-TW" dirty="0" err="1">
+                <a:solidFill>
+                  <a:srgbClr val="4FC4AC"/>
+                </a:solidFill>
+                <a:latin typeface="微軟正黑體" panose="020B0604030504040204" pitchFamily="34" charset="-120"/>
+                <a:ea typeface="微軟正黑體" panose="020B0604030504040204" pitchFamily="34" charset="-120"/>
+              </a:rPr>
+              <a:t>StockOrder</a:t>
+            </a:r>
+            <a:r>
+              <a:rPr lang="zh-TW" altLang="zh-TW" dirty="0">
+                <a:latin typeface="微軟正黑體" panose="020B0604030504040204" pitchFamily="34" charset="-120"/>
+                <a:ea typeface="微軟正黑體" panose="020B0604030504040204" pitchFamily="34" charset="-120"/>
+              </a:rPr>
+              <a:t>屬性如下</a:t>
+            </a:r>
+            <a:r>
+              <a:rPr lang="en-US" altLang="zh-TW" dirty="0">
+                <a:latin typeface="微軟正黑體" panose="020B0604030504040204" pitchFamily="34" charset="-120"/>
+                <a:ea typeface="微軟正黑體" panose="020B0604030504040204" pitchFamily="34" charset="-120"/>
+              </a:rPr>
+              <a:t>:</a:t>
+            </a:r>
+          </a:p>
+          <a:p>
+            <a:endParaRPr lang="zh-TW" altLang="en-US" dirty="0">
+              <a:latin typeface="微軟正黑體" panose="020B0604030504040204" pitchFamily="34" charset="-120"/>
+              <a:ea typeface="微軟正黑體" panose="020B0604030504040204" pitchFamily="34" charset="-120"/>
+            </a:endParaRPr>
+          </a:p>
+        </p:txBody>
+      </p:sp>
+      <p:sp>
+        <p:nvSpPr>
+          <p:cNvPr id="4" name="文字方塊 3">
+            <a:extLst>
+              <a:ext uri="{FF2B5EF4-FFF2-40B4-BE49-F238E27FC236}">
+                <a16:creationId xmlns:a16="http://schemas.microsoft.com/office/drawing/2014/main" id="{B7FECD32-D9E6-42F9-9884-76F12961EA23}"/>
+              </a:ext>
+            </a:extLst>
+          </p:cNvPr>
+          <p:cNvSpPr txBox="1"/>
+          <p:nvPr/>
+        </p:nvSpPr>
+        <p:spPr>
+          <a:xfrm>
+            <a:off x="6258187" y="1690688"/>
+            <a:ext cx="5095613" cy="4370427"/>
+          </a:xfrm>
+          <a:prstGeom prst="rect">
+            <a:avLst/>
+          </a:prstGeom>
+          <a:solidFill>
+            <a:schemeClr val="tx1">
+              <a:lumMod val="65000"/>
+              <a:lumOff val="35000"/>
+            </a:schemeClr>
+          </a:solidFill>
+        </p:spPr>
+        <p:txBody>
+          <a:bodyPr wrap="square" rtlCol="0">
+            <a:spAutoFit/>
+          </a:bodyPr>
+          <a:lstStyle/>
+          <a:p>
+            <a:r>
+              <a:rPr lang="en-US" altLang="zh-TW" sz="2000" b="1" dirty="0">
+                <a:solidFill>
+                  <a:srgbClr val="569CD6"/>
+                </a:solidFill>
+                <a:latin typeface="Fira Code"/>
+              </a:rPr>
+              <a:t>public</a:t>
+            </a:r>
+            <a:r>
+              <a:rPr lang="en-US" altLang="zh-TW" sz="2000" b="1" dirty="0">
+                <a:solidFill>
+                  <a:srgbClr val="D4D4D4"/>
+                </a:solidFill>
+                <a:latin typeface="Fira Code"/>
+              </a:rPr>
+              <a:t> </a:t>
+            </a:r>
+            <a:r>
+              <a:rPr lang="en-US" altLang="zh-TW" sz="2000" b="1" dirty="0">
+                <a:solidFill>
+                  <a:srgbClr val="569CD6"/>
+                </a:solidFill>
+                <a:latin typeface="Fira Code"/>
+              </a:rPr>
+              <a:t>class</a:t>
+            </a:r>
+            <a:r>
+              <a:rPr lang="en-US" altLang="zh-TW" sz="2000" b="1" dirty="0">
+                <a:solidFill>
+                  <a:srgbClr val="D4D4D4"/>
+                </a:solidFill>
+                <a:latin typeface="Fira Code"/>
+              </a:rPr>
+              <a:t> </a:t>
+            </a:r>
+            <a:r>
+              <a:rPr lang="en-US" altLang="zh-TW" sz="2000" b="1" dirty="0" err="1">
+                <a:solidFill>
+                  <a:srgbClr val="4FC4AC"/>
+                </a:solidFill>
+                <a:latin typeface="Fira Code"/>
+              </a:rPr>
+              <a:t>StockOrder</a:t>
+            </a:r>
+            <a:endParaRPr lang="en-US" altLang="zh-TW" sz="2000" b="1" dirty="0">
+              <a:solidFill>
+                <a:srgbClr val="4FC4AC"/>
+              </a:solidFill>
+              <a:latin typeface="Fira Code"/>
+            </a:endParaRPr>
+          </a:p>
+          <a:p>
+            <a:r>
+              <a:rPr lang="en-US" altLang="zh-TW" sz="2000" b="1" dirty="0">
+                <a:solidFill>
+                  <a:srgbClr val="D4D4D4"/>
+                </a:solidFill>
+                <a:latin typeface="Fira Code"/>
+              </a:rPr>
+              <a:t>{</a:t>
+            </a:r>
+          </a:p>
+          <a:p>
+            <a:r>
+              <a:rPr lang="zh-TW" altLang="en-US" sz="2000" b="1" dirty="0">
+                <a:solidFill>
+                  <a:srgbClr val="D4D4D4"/>
+                </a:solidFill>
+                <a:latin typeface="Fira Code"/>
+              </a:rPr>
+              <a:t>  </a:t>
+            </a:r>
+            <a:r>
+              <a:rPr lang="en-US" altLang="zh-TW" sz="2000" b="1" dirty="0">
+                <a:solidFill>
+                  <a:srgbClr val="6A9955"/>
+                </a:solidFill>
+                <a:latin typeface="Fira Code"/>
+              </a:rPr>
+              <a:t>//</a:t>
+            </a:r>
+            <a:r>
+              <a:rPr lang="zh-TW" altLang="en-US" sz="2000" b="1" dirty="0">
+                <a:solidFill>
+                  <a:srgbClr val="6A9955"/>
+                </a:solidFill>
+                <a:latin typeface="Fira Code"/>
+              </a:rPr>
+              <a:t>使用者帳號</a:t>
+            </a:r>
+            <a:endParaRPr lang="zh-TW" altLang="en-US" sz="2000" b="1" dirty="0">
+              <a:solidFill>
+                <a:srgbClr val="D4D4D4"/>
+              </a:solidFill>
+              <a:latin typeface="Fira Code"/>
+            </a:endParaRPr>
+          </a:p>
+          <a:p>
+            <a:r>
+              <a:rPr lang="en-US" altLang="zh-TW" sz="2000" b="1" dirty="0">
+                <a:solidFill>
+                  <a:srgbClr val="D4D4D4"/>
+                </a:solidFill>
+                <a:latin typeface="Fira Code"/>
+              </a:rPr>
+              <a:t>  </a:t>
+            </a:r>
+            <a:r>
+              <a:rPr lang="en-US" altLang="zh-TW" sz="2000" b="1" dirty="0">
+                <a:solidFill>
+                  <a:srgbClr val="569CD6"/>
+                </a:solidFill>
+                <a:latin typeface="Fira Code"/>
+              </a:rPr>
+              <a:t>public</a:t>
+            </a:r>
+            <a:r>
+              <a:rPr lang="en-US" altLang="zh-TW" sz="2000" b="1" dirty="0">
+                <a:solidFill>
+                  <a:srgbClr val="D4D4D4"/>
+                </a:solidFill>
+                <a:latin typeface="Fira Code"/>
+              </a:rPr>
+              <a:t> </a:t>
+            </a:r>
+            <a:r>
+              <a:rPr lang="en-US" altLang="zh-TW" sz="2000" b="1" dirty="0">
+                <a:solidFill>
+                  <a:srgbClr val="569CD6"/>
+                </a:solidFill>
+                <a:latin typeface="Fira Code"/>
+              </a:rPr>
+              <a:t>string</a:t>
+            </a:r>
+            <a:r>
+              <a:rPr lang="en-US" altLang="zh-TW" sz="2000" b="1" dirty="0">
+                <a:solidFill>
+                  <a:srgbClr val="D4D4D4"/>
+                </a:solidFill>
+                <a:latin typeface="Fira Code"/>
+              </a:rPr>
+              <a:t> </a:t>
+            </a:r>
+            <a:r>
+              <a:rPr lang="en-US" altLang="zh-TW" sz="2000" b="1" dirty="0" err="1">
+                <a:solidFill>
+                  <a:srgbClr val="9CDCFE"/>
+                </a:solidFill>
+                <a:latin typeface="Fira Code"/>
+              </a:rPr>
+              <a:t>userId</a:t>
+            </a:r>
+            <a:r>
+              <a:rPr lang="en-US" altLang="zh-TW" sz="2000" b="1" dirty="0">
+                <a:solidFill>
+                  <a:srgbClr val="D4D4D4"/>
+                </a:solidFill>
+                <a:latin typeface="Fira Code"/>
+              </a:rPr>
+              <a:t> { </a:t>
+            </a:r>
+            <a:r>
+              <a:rPr lang="en-US" altLang="zh-TW" sz="2000" b="1" dirty="0">
+                <a:solidFill>
+                  <a:srgbClr val="569CD6"/>
+                </a:solidFill>
+                <a:latin typeface="Fira Code"/>
+              </a:rPr>
+              <a:t>get</a:t>
+            </a:r>
+            <a:r>
+              <a:rPr lang="en-US" altLang="zh-TW" sz="2000" b="1" dirty="0">
+                <a:solidFill>
+                  <a:srgbClr val="D4D4D4"/>
+                </a:solidFill>
+                <a:latin typeface="Fira Code"/>
+              </a:rPr>
+              <a:t>; </a:t>
+            </a:r>
+            <a:r>
+              <a:rPr lang="en-US" altLang="zh-TW" sz="2000" b="1" dirty="0">
+                <a:solidFill>
+                  <a:srgbClr val="569CD6"/>
+                </a:solidFill>
+                <a:latin typeface="Fira Code"/>
+              </a:rPr>
+              <a:t>set</a:t>
+            </a:r>
+            <a:r>
+              <a:rPr lang="en-US" altLang="zh-TW" sz="2000" b="1" dirty="0">
+                <a:solidFill>
+                  <a:srgbClr val="D4D4D4"/>
+                </a:solidFill>
+                <a:latin typeface="Fira Code"/>
+              </a:rPr>
+              <a:t>; }</a:t>
+            </a:r>
+          </a:p>
+          <a:p>
+            <a:r>
+              <a:rPr lang="zh-TW" altLang="en-US" sz="2000" b="1" dirty="0">
+                <a:solidFill>
+                  <a:srgbClr val="D4D4D4"/>
+                </a:solidFill>
+                <a:latin typeface="Fira Code"/>
+              </a:rPr>
+              <a:t>  </a:t>
+            </a:r>
+            <a:r>
+              <a:rPr lang="en-US" altLang="zh-TW" sz="2000" b="1" dirty="0">
+                <a:solidFill>
+                  <a:srgbClr val="6A9955"/>
+                </a:solidFill>
+                <a:latin typeface="Fira Code"/>
+              </a:rPr>
+              <a:t>//</a:t>
+            </a:r>
+            <a:r>
+              <a:rPr lang="zh-TW" altLang="en-US" sz="2000" b="1" dirty="0">
+                <a:solidFill>
+                  <a:srgbClr val="6A9955"/>
+                </a:solidFill>
+                <a:latin typeface="Fira Code"/>
+              </a:rPr>
+              <a:t>買</a:t>
+            </a:r>
+            <a:r>
+              <a:rPr lang="en-US" altLang="zh-TW" sz="2000" b="1" dirty="0">
+                <a:solidFill>
+                  <a:srgbClr val="6A9955"/>
+                </a:solidFill>
+                <a:latin typeface="Fira Code"/>
+              </a:rPr>
+              <a:t>/</a:t>
+            </a:r>
+            <a:r>
+              <a:rPr lang="zh-TW" altLang="en-US" sz="2000" b="1" dirty="0">
+                <a:solidFill>
+                  <a:srgbClr val="6A9955"/>
+                </a:solidFill>
+                <a:latin typeface="Fira Code"/>
+              </a:rPr>
+              <a:t>賣 </a:t>
+            </a:r>
+            <a:r>
+              <a:rPr lang="en-US" altLang="zh-TW" sz="2000" b="1" dirty="0">
+                <a:solidFill>
+                  <a:srgbClr val="6A9955"/>
+                </a:solidFill>
+                <a:latin typeface="Fira Code"/>
+              </a:rPr>
+              <a:t>("buy"/"sell")</a:t>
+            </a:r>
+            <a:endParaRPr lang="en-US" altLang="zh-TW" sz="2000" b="1" dirty="0">
+              <a:solidFill>
+                <a:srgbClr val="D4D4D4"/>
+              </a:solidFill>
+              <a:latin typeface="Fira Code"/>
+            </a:endParaRPr>
+          </a:p>
+          <a:p>
+            <a:r>
+              <a:rPr lang="en-US" altLang="zh-TW" sz="2000" b="1" dirty="0">
+                <a:solidFill>
+                  <a:srgbClr val="D4D4D4"/>
+                </a:solidFill>
+                <a:latin typeface="Fira Code"/>
+              </a:rPr>
+              <a:t>  </a:t>
+            </a:r>
+            <a:r>
+              <a:rPr lang="en-US" altLang="zh-TW" sz="2000" b="1" dirty="0">
+                <a:solidFill>
+                  <a:srgbClr val="569CD6"/>
+                </a:solidFill>
+                <a:latin typeface="Fira Code"/>
+              </a:rPr>
+              <a:t>public</a:t>
+            </a:r>
+            <a:r>
+              <a:rPr lang="en-US" altLang="zh-TW" sz="2000" b="1" dirty="0">
+                <a:solidFill>
+                  <a:srgbClr val="D4D4D4"/>
+                </a:solidFill>
+                <a:latin typeface="Fira Code"/>
+              </a:rPr>
+              <a:t> </a:t>
+            </a:r>
+            <a:r>
+              <a:rPr lang="en-US" altLang="zh-TW" sz="2000" b="1" dirty="0">
+                <a:solidFill>
+                  <a:srgbClr val="569CD6"/>
+                </a:solidFill>
+                <a:latin typeface="Fira Code"/>
+              </a:rPr>
+              <a:t>string</a:t>
+            </a:r>
+            <a:r>
+              <a:rPr lang="en-US" altLang="zh-TW" sz="2000" b="1" dirty="0">
+                <a:solidFill>
+                  <a:srgbClr val="D4D4D4"/>
+                </a:solidFill>
+                <a:latin typeface="Fira Code"/>
+              </a:rPr>
+              <a:t> </a:t>
+            </a:r>
+            <a:r>
+              <a:rPr lang="en-US" altLang="zh-TW" sz="2000" b="1" dirty="0" err="1">
+                <a:solidFill>
+                  <a:srgbClr val="9CDCFE"/>
+                </a:solidFill>
+                <a:latin typeface="Fira Code"/>
+              </a:rPr>
+              <a:t>orderType</a:t>
+            </a:r>
+            <a:r>
+              <a:rPr lang="en-US" altLang="zh-TW" sz="2000" b="1" dirty="0">
+                <a:solidFill>
+                  <a:srgbClr val="D4D4D4"/>
+                </a:solidFill>
+                <a:latin typeface="Fira Code"/>
+              </a:rPr>
+              <a:t> { </a:t>
+            </a:r>
+            <a:r>
+              <a:rPr lang="en-US" altLang="zh-TW" sz="2000" b="1" dirty="0">
+                <a:solidFill>
+                  <a:srgbClr val="569CD6"/>
+                </a:solidFill>
+                <a:latin typeface="Fira Code"/>
+              </a:rPr>
+              <a:t>get</a:t>
+            </a:r>
+            <a:r>
+              <a:rPr lang="en-US" altLang="zh-TW" sz="2000" b="1" dirty="0">
+                <a:solidFill>
+                  <a:srgbClr val="D4D4D4"/>
+                </a:solidFill>
+                <a:latin typeface="Fira Code"/>
+              </a:rPr>
+              <a:t>; </a:t>
+            </a:r>
+            <a:r>
+              <a:rPr lang="en-US" altLang="zh-TW" sz="2000" b="1" dirty="0">
+                <a:solidFill>
+                  <a:srgbClr val="569CD6"/>
+                </a:solidFill>
+                <a:latin typeface="Fira Code"/>
+              </a:rPr>
+              <a:t>set</a:t>
+            </a:r>
+            <a:r>
+              <a:rPr lang="en-US" altLang="zh-TW" sz="2000" b="1" dirty="0">
+                <a:solidFill>
+                  <a:srgbClr val="D4D4D4"/>
+                </a:solidFill>
+                <a:latin typeface="Fira Code"/>
+              </a:rPr>
+              <a:t>; }</a:t>
+            </a:r>
+          </a:p>
+          <a:p>
+            <a:r>
+              <a:rPr lang="zh-TW" altLang="en-US" sz="2000" b="1" dirty="0">
+                <a:solidFill>
+                  <a:srgbClr val="D4D4D4"/>
+                </a:solidFill>
+                <a:latin typeface="Fira Code"/>
+              </a:rPr>
+              <a:t>  </a:t>
+            </a:r>
+            <a:r>
+              <a:rPr lang="en-US" altLang="zh-TW" sz="2000" b="1" dirty="0">
+                <a:solidFill>
+                  <a:srgbClr val="6A9955"/>
+                </a:solidFill>
+                <a:latin typeface="Fira Code"/>
+              </a:rPr>
+              <a:t>//</a:t>
+            </a:r>
+            <a:r>
+              <a:rPr lang="zh-TW" altLang="en-US" sz="2000" b="1" dirty="0">
+                <a:solidFill>
+                  <a:srgbClr val="6A9955"/>
+                </a:solidFill>
+                <a:latin typeface="Fira Code"/>
+              </a:rPr>
+              <a:t>目標價格</a:t>
+            </a:r>
+            <a:endParaRPr lang="zh-TW" altLang="en-US" sz="2000" b="1" dirty="0">
+              <a:solidFill>
+                <a:srgbClr val="D4D4D4"/>
+              </a:solidFill>
+              <a:latin typeface="Fira Code"/>
+            </a:endParaRPr>
+          </a:p>
+          <a:p>
+            <a:r>
+              <a:rPr lang="en-US" altLang="zh-TW" sz="2000" b="1" dirty="0">
+                <a:solidFill>
+                  <a:srgbClr val="D4D4D4"/>
+                </a:solidFill>
+                <a:latin typeface="Fira Code"/>
+              </a:rPr>
+              <a:t>  </a:t>
+            </a:r>
+            <a:r>
+              <a:rPr lang="en-US" altLang="zh-TW" sz="2000" b="1" dirty="0">
+                <a:solidFill>
+                  <a:srgbClr val="569CD6"/>
+                </a:solidFill>
+                <a:latin typeface="Fira Code"/>
+              </a:rPr>
+              <a:t>public</a:t>
+            </a:r>
+            <a:r>
+              <a:rPr lang="en-US" altLang="zh-TW" sz="2000" b="1" dirty="0">
+                <a:solidFill>
+                  <a:srgbClr val="D4D4D4"/>
+                </a:solidFill>
+                <a:latin typeface="Fira Code"/>
+              </a:rPr>
+              <a:t> </a:t>
+            </a:r>
+            <a:r>
+              <a:rPr lang="en-US" altLang="zh-TW" sz="2000" b="1" dirty="0">
+                <a:solidFill>
+                  <a:srgbClr val="569CD6"/>
+                </a:solidFill>
+                <a:latin typeface="Fira Code"/>
+              </a:rPr>
+              <a:t>decimal</a:t>
+            </a:r>
+            <a:r>
+              <a:rPr lang="en-US" altLang="zh-TW" sz="2000" b="1" dirty="0">
+                <a:solidFill>
+                  <a:srgbClr val="D4D4D4"/>
+                </a:solidFill>
+                <a:latin typeface="Fira Code"/>
+              </a:rPr>
+              <a:t> </a:t>
+            </a:r>
+            <a:r>
+              <a:rPr lang="en-US" altLang="zh-TW" sz="2000" b="1" dirty="0" err="1">
+                <a:solidFill>
+                  <a:srgbClr val="9CDCFE"/>
+                </a:solidFill>
+                <a:latin typeface="Fira Code"/>
+              </a:rPr>
+              <a:t>targetPrice</a:t>
+            </a:r>
+            <a:r>
+              <a:rPr lang="en-US" altLang="zh-TW" sz="2000" b="1" dirty="0">
+                <a:solidFill>
+                  <a:srgbClr val="D4D4D4"/>
+                </a:solidFill>
+                <a:latin typeface="Fira Code"/>
+              </a:rPr>
+              <a:t> { </a:t>
+            </a:r>
+            <a:r>
+              <a:rPr lang="en-US" altLang="zh-TW" sz="2000" b="1" dirty="0">
+                <a:solidFill>
+                  <a:srgbClr val="569CD6"/>
+                </a:solidFill>
+                <a:latin typeface="Fira Code"/>
+              </a:rPr>
+              <a:t>get</a:t>
+            </a:r>
+            <a:r>
+              <a:rPr lang="en-US" altLang="zh-TW" sz="2000" b="1" dirty="0">
+                <a:solidFill>
+                  <a:srgbClr val="D4D4D4"/>
+                </a:solidFill>
+                <a:latin typeface="Fira Code"/>
+              </a:rPr>
+              <a:t>; </a:t>
+            </a:r>
+            <a:r>
+              <a:rPr lang="en-US" altLang="zh-TW" sz="2000" b="1" dirty="0">
+                <a:solidFill>
+                  <a:srgbClr val="569CD6"/>
+                </a:solidFill>
+                <a:latin typeface="Fira Code"/>
+              </a:rPr>
+              <a:t>set</a:t>
+            </a:r>
+            <a:r>
+              <a:rPr lang="en-US" altLang="zh-TW" sz="2000" b="1" dirty="0">
+                <a:solidFill>
+                  <a:srgbClr val="D4D4D4"/>
+                </a:solidFill>
+                <a:latin typeface="Fira Code"/>
+              </a:rPr>
+              <a:t>; }</a:t>
+            </a:r>
+          </a:p>
+          <a:p>
+            <a:r>
+              <a:rPr lang="zh-TW" altLang="en-US" sz="2000" b="1" dirty="0">
+                <a:solidFill>
+                  <a:srgbClr val="D4D4D4"/>
+                </a:solidFill>
+                <a:latin typeface="Fira Code"/>
+              </a:rPr>
+              <a:t>  </a:t>
+            </a:r>
+            <a:r>
+              <a:rPr lang="en-US" altLang="zh-TW" sz="2000" b="1" dirty="0">
+                <a:solidFill>
+                  <a:srgbClr val="6A9955"/>
+                </a:solidFill>
+                <a:latin typeface="Fira Code"/>
+              </a:rPr>
+              <a:t>//</a:t>
+            </a:r>
+            <a:r>
+              <a:rPr lang="zh-TW" altLang="en-US" sz="2000" b="1" dirty="0">
+                <a:solidFill>
+                  <a:srgbClr val="6A9955"/>
+                </a:solidFill>
+                <a:latin typeface="Fira Code"/>
+              </a:rPr>
+              <a:t>數量</a:t>
+            </a:r>
+            <a:endParaRPr lang="zh-TW" altLang="en-US" sz="2000" b="1" dirty="0">
+              <a:solidFill>
+                <a:srgbClr val="D4D4D4"/>
+              </a:solidFill>
+              <a:latin typeface="Fira Code"/>
+            </a:endParaRPr>
+          </a:p>
+          <a:p>
+            <a:r>
+              <a:rPr lang="en-US" altLang="zh-TW" sz="2000" b="1" dirty="0">
+                <a:solidFill>
+                  <a:srgbClr val="D4D4D4"/>
+                </a:solidFill>
+                <a:latin typeface="Fira Code"/>
+              </a:rPr>
+              <a:t>  </a:t>
+            </a:r>
+            <a:r>
+              <a:rPr lang="en-US" altLang="zh-TW" sz="2000" b="1" dirty="0">
+                <a:solidFill>
+                  <a:srgbClr val="569CD6"/>
+                </a:solidFill>
+                <a:latin typeface="Fira Code"/>
+              </a:rPr>
+              <a:t>public</a:t>
+            </a:r>
+            <a:r>
+              <a:rPr lang="en-US" altLang="zh-TW" sz="2000" b="1" dirty="0">
+                <a:solidFill>
+                  <a:srgbClr val="D4D4D4"/>
+                </a:solidFill>
+                <a:latin typeface="Fira Code"/>
+              </a:rPr>
+              <a:t> </a:t>
+            </a:r>
+            <a:r>
+              <a:rPr lang="en-US" altLang="zh-TW" sz="2000" b="1" dirty="0">
+                <a:solidFill>
+                  <a:srgbClr val="569CD6"/>
+                </a:solidFill>
+                <a:latin typeface="Fira Code"/>
+              </a:rPr>
+              <a:t>int</a:t>
+            </a:r>
+            <a:r>
+              <a:rPr lang="en-US" altLang="zh-TW" sz="2000" b="1" dirty="0">
+                <a:solidFill>
+                  <a:srgbClr val="D4D4D4"/>
+                </a:solidFill>
+                <a:latin typeface="Fira Code"/>
+              </a:rPr>
+              <a:t> </a:t>
+            </a:r>
+            <a:r>
+              <a:rPr lang="en-US" altLang="zh-TW" sz="2000" b="1" dirty="0">
+                <a:solidFill>
+                  <a:srgbClr val="9CDCFE"/>
+                </a:solidFill>
+                <a:latin typeface="Fira Code"/>
+              </a:rPr>
+              <a:t>amount</a:t>
+            </a:r>
+            <a:r>
+              <a:rPr lang="en-US" altLang="zh-TW" sz="2000" b="1" dirty="0">
+                <a:solidFill>
+                  <a:srgbClr val="D4D4D4"/>
+                </a:solidFill>
+                <a:latin typeface="Fira Code"/>
+              </a:rPr>
+              <a:t> { </a:t>
+            </a:r>
+            <a:r>
+              <a:rPr lang="en-US" altLang="zh-TW" sz="2000" b="1" dirty="0">
+                <a:solidFill>
+                  <a:srgbClr val="569CD6"/>
+                </a:solidFill>
+                <a:latin typeface="Fira Code"/>
+              </a:rPr>
+              <a:t>get</a:t>
+            </a:r>
+            <a:r>
+              <a:rPr lang="en-US" altLang="zh-TW" sz="2000" b="1" dirty="0">
+                <a:solidFill>
+                  <a:srgbClr val="D4D4D4"/>
+                </a:solidFill>
+                <a:latin typeface="Fira Code"/>
+              </a:rPr>
+              <a:t>; </a:t>
+            </a:r>
+            <a:r>
+              <a:rPr lang="en-US" altLang="zh-TW" sz="2000" b="1" dirty="0">
+                <a:solidFill>
+                  <a:srgbClr val="569CD6"/>
+                </a:solidFill>
+                <a:latin typeface="Fira Code"/>
+              </a:rPr>
+              <a:t>set</a:t>
+            </a:r>
+            <a:r>
+              <a:rPr lang="en-US" altLang="zh-TW" sz="2000" b="1" dirty="0">
+                <a:solidFill>
+                  <a:srgbClr val="D4D4D4"/>
+                </a:solidFill>
+                <a:latin typeface="Fira Code"/>
+              </a:rPr>
+              <a:t>; }</a:t>
+            </a:r>
+          </a:p>
+          <a:p>
+            <a:r>
+              <a:rPr lang="zh-TW" altLang="en-US" sz="2000" b="1" dirty="0">
+                <a:solidFill>
+                  <a:srgbClr val="D4D4D4"/>
+                </a:solidFill>
+                <a:latin typeface="Fira Code"/>
+              </a:rPr>
+              <a:t>  </a:t>
+            </a:r>
+            <a:r>
+              <a:rPr lang="en-US" altLang="zh-TW" sz="2000" b="1" dirty="0">
+                <a:solidFill>
+                  <a:srgbClr val="6A9955"/>
+                </a:solidFill>
+                <a:latin typeface="Fira Code"/>
+              </a:rPr>
+              <a:t>//</a:t>
+            </a:r>
+            <a:r>
+              <a:rPr lang="zh-TW" altLang="en-US" sz="2000" b="1" dirty="0">
+                <a:solidFill>
+                  <a:srgbClr val="6A9955"/>
+                </a:solidFill>
+                <a:latin typeface="Fira Code"/>
+              </a:rPr>
+              <a:t>下單時間</a:t>
+            </a:r>
+            <a:endParaRPr lang="zh-TW" altLang="en-US" sz="2000" b="1" dirty="0">
+              <a:solidFill>
+                <a:srgbClr val="D4D4D4"/>
+              </a:solidFill>
+              <a:latin typeface="Fira Code"/>
+            </a:endParaRPr>
+          </a:p>
+          <a:p>
+            <a:r>
+              <a:rPr lang="en-US" altLang="zh-TW" sz="2000" b="1" dirty="0">
+                <a:solidFill>
+                  <a:srgbClr val="D4D4D4"/>
+                </a:solidFill>
+                <a:latin typeface="Fira Code"/>
+              </a:rPr>
+              <a:t>  </a:t>
+            </a:r>
+            <a:r>
+              <a:rPr lang="en-US" altLang="zh-TW" sz="2000" b="1" dirty="0">
+                <a:solidFill>
+                  <a:srgbClr val="569CD6"/>
+                </a:solidFill>
+                <a:latin typeface="Fira Code"/>
+              </a:rPr>
+              <a:t>public</a:t>
+            </a:r>
+            <a:r>
+              <a:rPr lang="en-US" altLang="zh-TW" sz="2000" b="1" dirty="0">
+                <a:solidFill>
+                  <a:srgbClr val="D4D4D4"/>
+                </a:solidFill>
+                <a:latin typeface="Fira Code"/>
+              </a:rPr>
+              <a:t> </a:t>
+            </a:r>
+            <a:r>
+              <a:rPr lang="en-US" altLang="zh-TW" sz="2000" b="1" dirty="0" err="1">
+                <a:solidFill>
+                  <a:srgbClr val="4EC9B0"/>
+                </a:solidFill>
+                <a:latin typeface="Fira Code"/>
+              </a:rPr>
+              <a:t>DateTime</a:t>
+            </a:r>
+            <a:r>
+              <a:rPr lang="en-US" altLang="zh-TW" sz="2000" b="1" dirty="0">
+                <a:solidFill>
+                  <a:srgbClr val="D4D4D4"/>
+                </a:solidFill>
+                <a:latin typeface="Fira Code"/>
+              </a:rPr>
+              <a:t> </a:t>
+            </a:r>
+            <a:r>
+              <a:rPr lang="en-US" altLang="zh-TW" sz="2000" b="1" dirty="0" err="1">
+                <a:solidFill>
+                  <a:srgbClr val="9CDCFE"/>
+                </a:solidFill>
+                <a:latin typeface="Fira Code"/>
+              </a:rPr>
+              <a:t>orderTime</a:t>
+            </a:r>
+            <a:r>
+              <a:rPr lang="en-US" altLang="zh-TW" sz="2000" b="1" dirty="0">
+                <a:solidFill>
+                  <a:srgbClr val="D4D4D4"/>
+                </a:solidFill>
+                <a:latin typeface="Fira Code"/>
+              </a:rPr>
+              <a:t> { </a:t>
+            </a:r>
+            <a:r>
+              <a:rPr lang="en-US" altLang="zh-TW" sz="2000" b="1" dirty="0">
+                <a:solidFill>
+                  <a:srgbClr val="569CD6"/>
+                </a:solidFill>
+                <a:latin typeface="Fira Code"/>
+              </a:rPr>
+              <a:t>get</a:t>
+            </a:r>
+            <a:r>
+              <a:rPr lang="en-US" altLang="zh-TW" sz="2000" b="1" dirty="0">
+                <a:solidFill>
+                  <a:srgbClr val="D4D4D4"/>
+                </a:solidFill>
+                <a:latin typeface="Fira Code"/>
+              </a:rPr>
+              <a:t>; </a:t>
+            </a:r>
+            <a:r>
+              <a:rPr lang="en-US" altLang="zh-TW" sz="2000" b="1" dirty="0">
+                <a:solidFill>
+                  <a:srgbClr val="569CD6"/>
+                </a:solidFill>
+                <a:latin typeface="Fira Code"/>
+              </a:rPr>
+              <a:t>set</a:t>
+            </a:r>
+            <a:r>
+              <a:rPr lang="en-US" altLang="zh-TW" sz="2000" b="1" dirty="0">
+                <a:solidFill>
+                  <a:srgbClr val="D4D4D4"/>
+                </a:solidFill>
+                <a:latin typeface="Fira Code"/>
+              </a:rPr>
+              <a:t>; }</a:t>
+            </a:r>
+          </a:p>
+          <a:p>
+            <a:r>
+              <a:rPr lang="en-US" altLang="zh-TW" sz="2000" b="1" dirty="0">
+                <a:solidFill>
+                  <a:srgbClr val="D4D4D4"/>
+                </a:solidFill>
+                <a:latin typeface="Fira Code"/>
+              </a:rPr>
+              <a:t>}</a:t>
+            </a:r>
+          </a:p>
+          <a:p>
+            <a:endParaRPr lang="zh-TW" altLang="en-US" dirty="0"/>
+          </a:p>
+        </p:txBody>
+      </p:sp>
+      <p:sp>
+        <p:nvSpPr>
+          <p:cNvPr id="5" name="文字方塊 4">
+            <a:extLst>
+              <a:ext uri="{FF2B5EF4-FFF2-40B4-BE49-F238E27FC236}">
+                <a16:creationId xmlns:a16="http://schemas.microsoft.com/office/drawing/2014/main" id="{E174F81F-F55A-4BDB-BD1D-8236AA12837B}"/>
+              </a:ext>
+            </a:extLst>
+          </p:cNvPr>
+          <p:cNvSpPr txBox="1"/>
+          <p:nvPr/>
+        </p:nvSpPr>
+        <p:spPr>
+          <a:xfrm>
+            <a:off x="838200" y="5691783"/>
+            <a:ext cx="877163" cy="369332"/>
+          </a:xfrm>
+          <a:prstGeom prst="rect">
+            <a:avLst/>
+          </a:prstGeom>
+          <a:noFill/>
+        </p:spPr>
+        <p:txBody>
+          <a:bodyPr wrap="none" rtlCol="0">
+            <a:spAutoFit/>
+          </a:bodyPr>
+          <a:lstStyle/>
+          <a:p>
+            <a:r>
+              <a:rPr lang="zh-TW" altLang="en-US" b="1" dirty="0">
+                <a:latin typeface="微軟正黑體" panose="020B0604030504040204" pitchFamily="34" charset="-120"/>
+                <a:ea typeface="微軟正黑體" panose="020B0604030504040204" pitchFamily="34" charset="-120"/>
+              </a:rPr>
+              <a:t>郭庭彰</a:t>
+            </a:r>
+          </a:p>
+        </p:txBody>
+      </p:sp>
+      <p:cxnSp>
+        <p:nvCxnSpPr>
+          <p:cNvPr id="7" name="直線接點 6">
+            <a:extLst>
+              <a:ext uri="{FF2B5EF4-FFF2-40B4-BE49-F238E27FC236}">
+                <a16:creationId xmlns:a16="http://schemas.microsoft.com/office/drawing/2014/main" id="{78737B2B-5781-471F-87B2-0885C4B8DE62}"/>
+              </a:ext>
+            </a:extLst>
+          </p:cNvPr>
+          <p:cNvCxnSpPr>
+            <a:cxnSpLocks/>
+          </p:cNvCxnSpPr>
+          <p:nvPr/>
+        </p:nvCxnSpPr>
+        <p:spPr>
+          <a:xfrm>
+            <a:off x="914400" y="1442906"/>
+            <a:ext cx="10439400" cy="0"/>
+          </a:xfrm>
+          <a:prstGeom prst="line">
+            <a:avLst/>
+          </a:prstGeom>
+          <a:ln w="28575">
+            <a:solidFill>
+              <a:srgbClr val="569CD6"/>
+            </a:solidFill>
+          </a:ln>
+        </p:spPr>
+        <p:style>
+          <a:lnRef idx="1">
+            <a:schemeClr val="accent1"/>
+          </a:lnRef>
+          <a:fillRef idx="0">
+            <a:schemeClr val="accent1"/>
+          </a:fillRef>
+          <a:effectRef idx="0">
+            <a:schemeClr val="accent1"/>
+          </a:effectRef>
+          <a:fontRef idx="minor">
+            <a:schemeClr val="tx1"/>
+          </a:fontRef>
+        </p:style>
+      </p:cxnSp>
+    </p:spTree>
+    <p:extLst>
+      <p:ext uri="{BB962C8B-B14F-4D97-AF65-F5344CB8AC3E}">
+        <p14:creationId xmlns:p14="http://schemas.microsoft.com/office/powerpoint/2010/main" val="3197283254"/>
+      </p:ext>
+    </p:extLst>
+  </p:cSld>
+  <p:clrMapOvr>
+    <a:masterClrMapping/>
+  </p:clrMapOvr>
+</p:sld>
+</file>
+
+<file path=ppt/slides/slide20.xml><?xml version="1.0" encoding="utf-8"?>
 <p:sld xmlns:a="http://schemas.openxmlformats.org/drawingml/2006/main" xmlns:r="http://schemas.openxmlformats.org/officeDocument/2006/relationships" xmlns:p="http://schemas.openxmlformats.org/presentationml/2006/main">
   <p:cSld>
     <p:spTree>
@@ -26271,7 +29203,7 @@
 </p:sld>
 </file>
 
-<file path=ppt/slides/slide17.xml><?xml version="1.0" encoding="utf-8"?>
+<file path=ppt/slides/slide21.xml><?xml version="1.0" encoding="utf-8"?>
 <p:sld xmlns:a="http://schemas.openxmlformats.org/drawingml/2006/main" xmlns:r="http://schemas.openxmlformats.org/officeDocument/2006/relationships" xmlns:p="http://schemas.openxmlformats.org/presentationml/2006/main">
   <p:cSld>
     <p:spTree>
@@ -29445,7 +32377,7 @@
 </p:sld>
 </file>
 
-<file path=ppt/slides/slide18.xml><?xml version="1.0" encoding="utf-8"?>
+<file path=ppt/slides/slide22.xml><?xml version="1.0" encoding="utf-8"?>
 <p:sld xmlns:a="http://schemas.openxmlformats.org/drawingml/2006/main" xmlns:r="http://schemas.openxmlformats.org/officeDocument/2006/relationships" xmlns:p="http://schemas.openxmlformats.org/presentationml/2006/main">
   <p:cSld>
     <p:spTree>
@@ -36440,7 +39372,7 @@
 </p:sld>
 </file>
 
-<file path=ppt/slides/slide19.xml><?xml version="1.0" encoding="utf-8"?>
+<file path=ppt/slides/slide23.xml><?xml version="1.0" encoding="utf-8"?>
 <p:sld xmlns:a="http://schemas.openxmlformats.org/drawingml/2006/main" xmlns:r="http://schemas.openxmlformats.org/officeDocument/2006/relationships" xmlns:p="http://schemas.openxmlformats.org/presentationml/2006/main">
   <p:cSld>
     <p:spTree>
@@ -39561,1178 +42493,7 @@
 </p:sld>
 </file>
 
-<file path=ppt/slides/slide2.xml><?xml version="1.0" encoding="utf-8"?>
-<p:sld xmlns:a="http://schemas.openxmlformats.org/drawingml/2006/main" xmlns:r="http://schemas.openxmlformats.org/officeDocument/2006/relationships" xmlns:p="http://schemas.openxmlformats.org/presentationml/2006/main">
-  <p:cSld>
-    <p:spTree>
-      <p:nvGrpSpPr>
-        <p:cNvPr id="1" name=""/>
-        <p:cNvGrpSpPr/>
-        <p:nvPr/>
-      </p:nvGrpSpPr>
-      <p:grpSpPr>
-        <a:xfrm>
-          <a:off x="0" y="0"/>
-          <a:ext cx="0" cy="0"/>
-          <a:chOff x="0" y="0"/>
-          <a:chExt cx="0" cy="0"/>
-        </a:xfrm>
-      </p:grpSpPr>
-      <p:sp>
-        <p:nvSpPr>
-          <p:cNvPr id="2" name="標題 1">
-            <a:extLst>
-              <a:ext uri="{FF2B5EF4-FFF2-40B4-BE49-F238E27FC236}">
-                <a16:creationId xmlns:a16="http://schemas.microsoft.com/office/drawing/2014/main" id="{C43B687E-C77F-4EE3-8D60-D4FEA7AEE4EE}"/>
-              </a:ext>
-            </a:extLst>
-          </p:cNvPr>
-          <p:cNvSpPr>
-            <a:spLocks noGrp="1"/>
-          </p:cNvSpPr>
-          <p:nvPr>
-            <p:ph type="title"/>
-          </p:nvPr>
-        </p:nvSpPr>
-        <p:spPr/>
-        <p:txBody>
-          <a:bodyPr/>
-          <a:lstStyle/>
-          <a:p>
-            <a:r>
-              <a:rPr lang="zh-TW" altLang="zh-TW" dirty="0">
-                <a:latin typeface="微軟正黑體" panose="020B0604030504040204" pitchFamily="34" charset="-120"/>
-                <a:ea typeface="微軟正黑體" panose="020B0604030504040204" pitchFamily="34" charset="-120"/>
-              </a:rPr>
-              <a:t>交易</a:t>
-            </a:r>
-            <a:endParaRPr lang="zh-TW" altLang="en-US" dirty="0">
-              <a:latin typeface="微軟正黑體" panose="020B0604030504040204" pitchFamily="34" charset="-120"/>
-              <a:ea typeface="微軟正黑體" panose="020B0604030504040204" pitchFamily="34" charset="-120"/>
-            </a:endParaRPr>
-          </a:p>
-        </p:txBody>
-      </p:sp>
-      <p:sp>
-        <p:nvSpPr>
-          <p:cNvPr id="3" name="內容版面配置區 2">
-            <a:extLst>
-              <a:ext uri="{FF2B5EF4-FFF2-40B4-BE49-F238E27FC236}">
-                <a16:creationId xmlns:a16="http://schemas.microsoft.com/office/drawing/2014/main" id="{64693990-CA3E-47C0-AF5F-F3A968D5C8F1}"/>
-              </a:ext>
-            </a:extLst>
-          </p:cNvPr>
-          <p:cNvSpPr>
-            <a:spLocks noGrp="1"/>
-          </p:cNvSpPr>
-          <p:nvPr>
-            <p:ph idx="1"/>
-          </p:nvPr>
-        </p:nvSpPr>
-        <p:spPr>
-          <a:xfrm>
-            <a:off x="838200" y="1825625"/>
-            <a:ext cx="4757257" cy="4351338"/>
-          </a:xfrm>
-        </p:spPr>
-        <p:txBody>
-          <a:bodyPr/>
-          <a:lstStyle/>
-          <a:p>
-            <a:r>
-              <a:rPr lang="zh-TW" altLang="zh-TW" dirty="0">
-                <a:latin typeface="微軟正黑體" panose="020B0604030504040204" pitchFamily="34" charset="-120"/>
-                <a:ea typeface="微軟正黑體" panose="020B0604030504040204" pitchFamily="34" charset="-120"/>
-              </a:rPr>
-              <a:t>請說明股票搓合機制中，何謂</a:t>
-            </a:r>
-            <a:r>
-              <a:rPr lang="en-US" altLang="zh-TW" dirty="0">
-                <a:latin typeface="微軟正黑體" panose="020B0604030504040204" pitchFamily="34" charset="-120"/>
-                <a:ea typeface="微軟正黑體" panose="020B0604030504040204" pitchFamily="34" charset="-120"/>
-              </a:rPr>
-              <a:t>”</a:t>
-            </a:r>
-            <a:r>
-              <a:rPr lang="zh-TW" altLang="zh-TW" dirty="0">
-                <a:latin typeface="微軟正黑體" panose="020B0604030504040204" pitchFamily="34" charset="-120"/>
-                <a:ea typeface="微軟正黑體" panose="020B0604030504040204" pitchFamily="34" charset="-120"/>
-              </a:rPr>
-              <a:t>逐筆交易</a:t>
-            </a:r>
-            <a:r>
-              <a:rPr lang="en-US" altLang="zh-TW" dirty="0">
-                <a:latin typeface="微軟正黑體" panose="020B0604030504040204" pitchFamily="34" charset="-120"/>
-                <a:ea typeface="微軟正黑體" panose="020B0604030504040204" pitchFamily="34" charset="-120"/>
-              </a:rPr>
-              <a:t>”</a:t>
-            </a:r>
-            <a:r>
-              <a:rPr lang="zh-TW" altLang="zh-TW" dirty="0">
-                <a:latin typeface="微軟正黑體" panose="020B0604030504040204" pitchFamily="34" charset="-120"/>
-                <a:ea typeface="微軟正黑體" panose="020B0604030504040204" pitchFamily="34" charset="-120"/>
-              </a:rPr>
-              <a:t>與</a:t>
-            </a:r>
-            <a:r>
-              <a:rPr lang="en-US" altLang="zh-TW" dirty="0">
-                <a:latin typeface="微軟正黑體" panose="020B0604030504040204" pitchFamily="34" charset="-120"/>
-                <a:ea typeface="微軟正黑體" panose="020B0604030504040204" pitchFamily="34" charset="-120"/>
-              </a:rPr>
-              <a:t>”</a:t>
-            </a:r>
-            <a:r>
-              <a:rPr lang="zh-TW" altLang="zh-TW" dirty="0">
-                <a:latin typeface="微軟正黑體" panose="020B0604030504040204" pitchFamily="34" charset="-120"/>
-                <a:ea typeface="微軟正黑體" panose="020B0604030504040204" pitchFamily="34" charset="-120"/>
-              </a:rPr>
-              <a:t>集合競價</a:t>
-            </a:r>
-            <a:r>
-              <a:rPr lang="en-US" altLang="zh-TW" dirty="0">
-                <a:latin typeface="微軟正黑體" panose="020B0604030504040204" pitchFamily="34" charset="-120"/>
-                <a:ea typeface="微軟正黑體" panose="020B0604030504040204" pitchFamily="34" charset="-120"/>
-              </a:rPr>
-              <a:t>”</a:t>
-            </a:r>
-            <a:r>
-              <a:rPr lang="zh-TW" altLang="zh-TW" dirty="0">
-                <a:latin typeface="微軟正黑體" panose="020B0604030504040204" pitchFamily="34" charset="-120"/>
-                <a:ea typeface="微軟正黑體" panose="020B0604030504040204" pitchFamily="34" charset="-120"/>
-              </a:rPr>
-              <a:t>？</a:t>
-            </a:r>
-          </a:p>
-          <a:p>
-            <a:r>
-              <a:rPr lang="zh-TW" altLang="zh-TW" dirty="0">
-                <a:latin typeface="微軟正黑體" panose="020B0604030504040204" pitchFamily="34" charset="-120"/>
-                <a:ea typeface="微軟正黑體" panose="020B0604030504040204" pitchFamily="34" charset="-120"/>
-              </a:rPr>
-              <a:t>假設撮合</a:t>
-            </a:r>
-            <a:r>
-              <a:rPr lang="en-US" altLang="zh-TW" dirty="0">
-                <a:solidFill>
-                  <a:srgbClr val="569CD6"/>
-                </a:solidFill>
-                <a:latin typeface="微軟正黑體" panose="020B0604030504040204" pitchFamily="34" charset="-120"/>
-                <a:ea typeface="微軟正黑體" panose="020B0604030504040204" pitchFamily="34" charset="-120"/>
-              </a:rPr>
-              <a:t>function</a:t>
-            </a:r>
-            <a:r>
-              <a:rPr lang="zh-TW" altLang="zh-TW" dirty="0">
-                <a:latin typeface="微軟正黑體" panose="020B0604030504040204" pitchFamily="34" charset="-120"/>
-                <a:ea typeface="微軟正黑體" panose="020B0604030504040204" pitchFamily="34" charset="-120"/>
-              </a:rPr>
-              <a:t>傳入交易參數為一</a:t>
-            </a:r>
-            <a:r>
-              <a:rPr lang="en-US" altLang="zh-TW" dirty="0">
-                <a:solidFill>
-                  <a:srgbClr val="569CD6"/>
-                </a:solidFill>
-                <a:latin typeface="微軟正黑體" panose="020B0604030504040204" pitchFamily="34" charset="-120"/>
-                <a:ea typeface="微軟正黑體" panose="020B0604030504040204" pitchFamily="34" charset="-120"/>
-              </a:rPr>
-              <a:t>List</a:t>
-            </a:r>
-            <a:r>
-              <a:rPr lang="en-US" altLang="zh-TW" dirty="0">
-                <a:latin typeface="微軟正黑體" panose="020B0604030504040204" pitchFamily="34" charset="-120"/>
-                <a:ea typeface="微軟正黑體" panose="020B0604030504040204" pitchFamily="34" charset="-120"/>
-              </a:rPr>
-              <a:t>&lt;</a:t>
-            </a:r>
-            <a:r>
-              <a:rPr lang="en-US" altLang="zh-TW" dirty="0" err="1">
-                <a:solidFill>
-                  <a:srgbClr val="4FC4AC"/>
-                </a:solidFill>
-                <a:latin typeface="微軟正黑體" panose="020B0604030504040204" pitchFamily="34" charset="-120"/>
-                <a:ea typeface="微軟正黑體" panose="020B0604030504040204" pitchFamily="34" charset="-120"/>
-              </a:rPr>
-              <a:t>StockOrder</a:t>
-            </a:r>
-            <a:r>
-              <a:rPr lang="en-US" altLang="zh-TW" dirty="0">
-                <a:latin typeface="微軟正黑體" panose="020B0604030504040204" pitchFamily="34" charset="-120"/>
-                <a:ea typeface="微軟正黑體" panose="020B0604030504040204" pitchFamily="34" charset="-120"/>
-              </a:rPr>
-              <a:t>&gt;</a:t>
-            </a:r>
-            <a:r>
-              <a:rPr lang="zh-TW" altLang="zh-TW" dirty="0">
-                <a:latin typeface="微軟正黑體" panose="020B0604030504040204" pitchFamily="34" charset="-120"/>
-                <a:ea typeface="微軟正黑體" panose="020B0604030504040204" pitchFamily="34" charset="-120"/>
-              </a:rPr>
-              <a:t>，請寫出逐筆交易與集合競價的</a:t>
-            </a:r>
-            <a:r>
-              <a:rPr lang="en-US" altLang="zh-TW" dirty="0">
-                <a:solidFill>
-                  <a:srgbClr val="569CD6"/>
-                </a:solidFill>
-                <a:latin typeface="微軟正黑體" panose="020B0604030504040204" pitchFamily="34" charset="-120"/>
-                <a:ea typeface="微軟正黑體" panose="020B0604030504040204" pitchFamily="34" charset="-120"/>
-              </a:rPr>
-              <a:t>function</a:t>
-            </a:r>
-            <a:r>
-              <a:rPr lang="zh-TW" altLang="zh-TW" dirty="0">
-                <a:latin typeface="微軟正黑體" panose="020B0604030504040204" pitchFamily="34" charset="-120"/>
-                <a:ea typeface="微軟正黑體" panose="020B0604030504040204" pitchFamily="34" charset="-120"/>
-              </a:rPr>
-              <a:t>，</a:t>
-            </a:r>
-            <a:r>
-              <a:rPr lang="en-US" altLang="zh-TW" dirty="0" err="1">
-                <a:solidFill>
-                  <a:srgbClr val="4FC4AC"/>
-                </a:solidFill>
-                <a:latin typeface="微軟正黑體" panose="020B0604030504040204" pitchFamily="34" charset="-120"/>
-                <a:ea typeface="微軟正黑體" panose="020B0604030504040204" pitchFamily="34" charset="-120"/>
-              </a:rPr>
-              <a:t>StockOrder</a:t>
-            </a:r>
-            <a:r>
-              <a:rPr lang="zh-TW" altLang="zh-TW" dirty="0">
-                <a:latin typeface="微軟正黑體" panose="020B0604030504040204" pitchFamily="34" charset="-120"/>
-                <a:ea typeface="微軟正黑體" panose="020B0604030504040204" pitchFamily="34" charset="-120"/>
-              </a:rPr>
-              <a:t>屬性如下</a:t>
-            </a:r>
-            <a:r>
-              <a:rPr lang="en-US" altLang="zh-TW" dirty="0">
-                <a:latin typeface="微軟正黑體" panose="020B0604030504040204" pitchFamily="34" charset="-120"/>
-                <a:ea typeface="微軟正黑體" panose="020B0604030504040204" pitchFamily="34" charset="-120"/>
-              </a:rPr>
-              <a:t>:</a:t>
-            </a:r>
-          </a:p>
-          <a:p>
-            <a:endParaRPr lang="zh-TW" altLang="en-US" dirty="0">
-              <a:latin typeface="微軟正黑體" panose="020B0604030504040204" pitchFamily="34" charset="-120"/>
-              <a:ea typeface="微軟正黑體" panose="020B0604030504040204" pitchFamily="34" charset="-120"/>
-            </a:endParaRPr>
-          </a:p>
-        </p:txBody>
-      </p:sp>
-      <p:sp>
-        <p:nvSpPr>
-          <p:cNvPr id="4" name="文字方塊 3">
-            <a:extLst>
-              <a:ext uri="{FF2B5EF4-FFF2-40B4-BE49-F238E27FC236}">
-                <a16:creationId xmlns:a16="http://schemas.microsoft.com/office/drawing/2014/main" id="{B7FECD32-D9E6-42F9-9884-76F12961EA23}"/>
-              </a:ext>
-            </a:extLst>
-          </p:cNvPr>
-          <p:cNvSpPr txBox="1"/>
-          <p:nvPr/>
-        </p:nvSpPr>
-        <p:spPr>
-          <a:xfrm>
-            <a:off x="6258187" y="1690688"/>
-            <a:ext cx="5095613" cy="4370427"/>
-          </a:xfrm>
-          <a:prstGeom prst="rect">
-            <a:avLst/>
-          </a:prstGeom>
-          <a:solidFill>
-            <a:schemeClr val="tx1">
-              <a:lumMod val="65000"/>
-              <a:lumOff val="35000"/>
-            </a:schemeClr>
-          </a:solidFill>
-        </p:spPr>
-        <p:txBody>
-          <a:bodyPr wrap="square" rtlCol="0">
-            <a:spAutoFit/>
-          </a:bodyPr>
-          <a:lstStyle/>
-          <a:p>
-            <a:r>
-              <a:rPr lang="en-US" altLang="zh-TW" sz="2000" b="1" dirty="0">
-                <a:solidFill>
-                  <a:srgbClr val="569CD6"/>
-                </a:solidFill>
-                <a:latin typeface="Fira Code"/>
-              </a:rPr>
-              <a:t>public</a:t>
-            </a:r>
-            <a:r>
-              <a:rPr lang="en-US" altLang="zh-TW" sz="2000" b="1" dirty="0">
-                <a:solidFill>
-                  <a:srgbClr val="D4D4D4"/>
-                </a:solidFill>
-                <a:latin typeface="Fira Code"/>
-              </a:rPr>
-              <a:t> </a:t>
-            </a:r>
-            <a:r>
-              <a:rPr lang="en-US" altLang="zh-TW" sz="2000" b="1" dirty="0">
-                <a:solidFill>
-                  <a:srgbClr val="569CD6"/>
-                </a:solidFill>
-                <a:latin typeface="Fira Code"/>
-              </a:rPr>
-              <a:t>class</a:t>
-            </a:r>
-            <a:r>
-              <a:rPr lang="en-US" altLang="zh-TW" sz="2000" b="1" dirty="0">
-                <a:solidFill>
-                  <a:srgbClr val="D4D4D4"/>
-                </a:solidFill>
-                <a:latin typeface="Fira Code"/>
-              </a:rPr>
-              <a:t> </a:t>
-            </a:r>
-            <a:r>
-              <a:rPr lang="en-US" altLang="zh-TW" sz="2000" b="1" dirty="0" err="1">
-                <a:solidFill>
-                  <a:srgbClr val="4FC4AC"/>
-                </a:solidFill>
-                <a:latin typeface="Fira Code"/>
-              </a:rPr>
-              <a:t>StockOrder</a:t>
-            </a:r>
-            <a:endParaRPr lang="en-US" altLang="zh-TW" sz="2000" b="1" dirty="0">
-              <a:solidFill>
-                <a:srgbClr val="4FC4AC"/>
-              </a:solidFill>
-              <a:latin typeface="Fira Code"/>
-            </a:endParaRPr>
-          </a:p>
-          <a:p>
-            <a:r>
-              <a:rPr lang="en-US" altLang="zh-TW" sz="2000" b="1" dirty="0">
-                <a:solidFill>
-                  <a:srgbClr val="D4D4D4"/>
-                </a:solidFill>
-                <a:latin typeface="Fira Code"/>
-              </a:rPr>
-              <a:t>{</a:t>
-            </a:r>
-          </a:p>
-          <a:p>
-            <a:r>
-              <a:rPr lang="zh-TW" altLang="en-US" sz="2000" b="1" dirty="0">
-                <a:solidFill>
-                  <a:srgbClr val="D4D4D4"/>
-                </a:solidFill>
-                <a:latin typeface="Fira Code"/>
-              </a:rPr>
-              <a:t>  </a:t>
-            </a:r>
-            <a:r>
-              <a:rPr lang="en-US" altLang="zh-TW" sz="2000" b="1" dirty="0">
-                <a:solidFill>
-                  <a:srgbClr val="6A9955"/>
-                </a:solidFill>
-                <a:latin typeface="Fira Code"/>
-              </a:rPr>
-              <a:t>//</a:t>
-            </a:r>
-            <a:r>
-              <a:rPr lang="zh-TW" altLang="en-US" sz="2000" b="1" dirty="0">
-                <a:solidFill>
-                  <a:srgbClr val="6A9955"/>
-                </a:solidFill>
-                <a:latin typeface="Fira Code"/>
-              </a:rPr>
-              <a:t>使用者帳號</a:t>
-            </a:r>
-            <a:endParaRPr lang="zh-TW" altLang="en-US" sz="2000" b="1" dirty="0">
-              <a:solidFill>
-                <a:srgbClr val="D4D4D4"/>
-              </a:solidFill>
-              <a:latin typeface="Fira Code"/>
-            </a:endParaRPr>
-          </a:p>
-          <a:p>
-            <a:r>
-              <a:rPr lang="en-US" altLang="zh-TW" sz="2000" b="1" dirty="0">
-                <a:solidFill>
-                  <a:srgbClr val="D4D4D4"/>
-                </a:solidFill>
-                <a:latin typeface="Fira Code"/>
-              </a:rPr>
-              <a:t>  </a:t>
-            </a:r>
-            <a:r>
-              <a:rPr lang="en-US" altLang="zh-TW" sz="2000" b="1" dirty="0">
-                <a:solidFill>
-                  <a:srgbClr val="569CD6"/>
-                </a:solidFill>
-                <a:latin typeface="Fira Code"/>
-              </a:rPr>
-              <a:t>public</a:t>
-            </a:r>
-            <a:r>
-              <a:rPr lang="en-US" altLang="zh-TW" sz="2000" b="1" dirty="0">
-                <a:solidFill>
-                  <a:srgbClr val="D4D4D4"/>
-                </a:solidFill>
-                <a:latin typeface="Fira Code"/>
-              </a:rPr>
-              <a:t> </a:t>
-            </a:r>
-            <a:r>
-              <a:rPr lang="en-US" altLang="zh-TW" sz="2000" b="1" dirty="0">
-                <a:solidFill>
-                  <a:srgbClr val="569CD6"/>
-                </a:solidFill>
-                <a:latin typeface="Fira Code"/>
-              </a:rPr>
-              <a:t>string</a:t>
-            </a:r>
-            <a:r>
-              <a:rPr lang="en-US" altLang="zh-TW" sz="2000" b="1" dirty="0">
-                <a:solidFill>
-                  <a:srgbClr val="D4D4D4"/>
-                </a:solidFill>
-                <a:latin typeface="Fira Code"/>
-              </a:rPr>
-              <a:t> </a:t>
-            </a:r>
-            <a:r>
-              <a:rPr lang="en-US" altLang="zh-TW" sz="2000" b="1" dirty="0" err="1">
-                <a:solidFill>
-                  <a:srgbClr val="9CDCFE"/>
-                </a:solidFill>
-                <a:latin typeface="Fira Code"/>
-              </a:rPr>
-              <a:t>userId</a:t>
-            </a:r>
-            <a:r>
-              <a:rPr lang="en-US" altLang="zh-TW" sz="2000" b="1" dirty="0">
-                <a:solidFill>
-                  <a:srgbClr val="D4D4D4"/>
-                </a:solidFill>
-                <a:latin typeface="Fira Code"/>
-              </a:rPr>
-              <a:t> { </a:t>
-            </a:r>
-            <a:r>
-              <a:rPr lang="en-US" altLang="zh-TW" sz="2000" b="1" dirty="0">
-                <a:solidFill>
-                  <a:srgbClr val="569CD6"/>
-                </a:solidFill>
-                <a:latin typeface="Fira Code"/>
-              </a:rPr>
-              <a:t>get</a:t>
-            </a:r>
-            <a:r>
-              <a:rPr lang="en-US" altLang="zh-TW" sz="2000" b="1" dirty="0">
-                <a:solidFill>
-                  <a:srgbClr val="D4D4D4"/>
-                </a:solidFill>
-                <a:latin typeface="Fira Code"/>
-              </a:rPr>
-              <a:t>; </a:t>
-            </a:r>
-            <a:r>
-              <a:rPr lang="en-US" altLang="zh-TW" sz="2000" b="1" dirty="0">
-                <a:solidFill>
-                  <a:srgbClr val="569CD6"/>
-                </a:solidFill>
-                <a:latin typeface="Fira Code"/>
-              </a:rPr>
-              <a:t>set</a:t>
-            </a:r>
-            <a:r>
-              <a:rPr lang="en-US" altLang="zh-TW" sz="2000" b="1" dirty="0">
-                <a:solidFill>
-                  <a:srgbClr val="D4D4D4"/>
-                </a:solidFill>
-                <a:latin typeface="Fira Code"/>
-              </a:rPr>
-              <a:t>; }</a:t>
-            </a:r>
-          </a:p>
-          <a:p>
-            <a:r>
-              <a:rPr lang="zh-TW" altLang="en-US" sz="2000" b="1" dirty="0">
-                <a:solidFill>
-                  <a:srgbClr val="D4D4D4"/>
-                </a:solidFill>
-                <a:latin typeface="Fira Code"/>
-              </a:rPr>
-              <a:t>  </a:t>
-            </a:r>
-            <a:r>
-              <a:rPr lang="en-US" altLang="zh-TW" sz="2000" b="1" dirty="0">
-                <a:solidFill>
-                  <a:srgbClr val="6A9955"/>
-                </a:solidFill>
-                <a:latin typeface="Fira Code"/>
-              </a:rPr>
-              <a:t>//</a:t>
-            </a:r>
-            <a:r>
-              <a:rPr lang="zh-TW" altLang="en-US" sz="2000" b="1" dirty="0">
-                <a:solidFill>
-                  <a:srgbClr val="6A9955"/>
-                </a:solidFill>
-                <a:latin typeface="Fira Code"/>
-              </a:rPr>
-              <a:t>買</a:t>
-            </a:r>
-            <a:r>
-              <a:rPr lang="en-US" altLang="zh-TW" sz="2000" b="1" dirty="0">
-                <a:solidFill>
-                  <a:srgbClr val="6A9955"/>
-                </a:solidFill>
-                <a:latin typeface="Fira Code"/>
-              </a:rPr>
-              <a:t>/</a:t>
-            </a:r>
-            <a:r>
-              <a:rPr lang="zh-TW" altLang="en-US" sz="2000" b="1" dirty="0">
-                <a:solidFill>
-                  <a:srgbClr val="6A9955"/>
-                </a:solidFill>
-                <a:latin typeface="Fira Code"/>
-              </a:rPr>
-              <a:t>賣 </a:t>
-            </a:r>
-            <a:r>
-              <a:rPr lang="en-US" altLang="zh-TW" sz="2000" b="1" dirty="0">
-                <a:solidFill>
-                  <a:srgbClr val="6A9955"/>
-                </a:solidFill>
-                <a:latin typeface="Fira Code"/>
-              </a:rPr>
-              <a:t>("buy"/"sell")</a:t>
-            </a:r>
-            <a:endParaRPr lang="en-US" altLang="zh-TW" sz="2000" b="1" dirty="0">
-              <a:solidFill>
-                <a:srgbClr val="D4D4D4"/>
-              </a:solidFill>
-              <a:latin typeface="Fira Code"/>
-            </a:endParaRPr>
-          </a:p>
-          <a:p>
-            <a:r>
-              <a:rPr lang="en-US" altLang="zh-TW" sz="2000" b="1" dirty="0">
-                <a:solidFill>
-                  <a:srgbClr val="D4D4D4"/>
-                </a:solidFill>
-                <a:latin typeface="Fira Code"/>
-              </a:rPr>
-              <a:t>  </a:t>
-            </a:r>
-            <a:r>
-              <a:rPr lang="en-US" altLang="zh-TW" sz="2000" b="1" dirty="0">
-                <a:solidFill>
-                  <a:srgbClr val="569CD6"/>
-                </a:solidFill>
-                <a:latin typeface="Fira Code"/>
-              </a:rPr>
-              <a:t>public</a:t>
-            </a:r>
-            <a:r>
-              <a:rPr lang="en-US" altLang="zh-TW" sz="2000" b="1" dirty="0">
-                <a:solidFill>
-                  <a:srgbClr val="D4D4D4"/>
-                </a:solidFill>
-                <a:latin typeface="Fira Code"/>
-              </a:rPr>
-              <a:t> </a:t>
-            </a:r>
-            <a:r>
-              <a:rPr lang="en-US" altLang="zh-TW" sz="2000" b="1" dirty="0">
-                <a:solidFill>
-                  <a:srgbClr val="569CD6"/>
-                </a:solidFill>
-                <a:latin typeface="Fira Code"/>
-              </a:rPr>
-              <a:t>string</a:t>
-            </a:r>
-            <a:r>
-              <a:rPr lang="en-US" altLang="zh-TW" sz="2000" b="1" dirty="0">
-                <a:solidFill>
-                  <a:srgbClr val="D4D4D4"/>
-                </a:solidFill>
-                <a:latin typeface="Fira Code"/>
-              </a:rPr>
-              <a:t> </a:t>
-            </a:r>
-            <a:r>
-              <a:rPr lang="en-US" altLang="zh-TW" sz="2000" b="1" dirty="0" err="1">
-                <a:solidFill>
-                  <a:srgbClr val="9CDCFE"/>
-                </a:solidFill>
-                <a:latin typeface="Fira Code"/>
-              </a:rPr>
-              <a:t>orderType</a:t>
-            </a:r>
-            <a:r>
-              <a:rPr lang="en-US" altLang="zh-TW" sz="2000" b="1" dirty="0">
-                <a:solidFill>
-                  <a:srgbClr val="D4D4D4"/>
-                </a:solidFill>
-                <a:latin typeface="Fira Code"/>
-              </a:rPr>
-              <a:t> { </a:t>
-            </a:r>
-            <a:r>
-              <a:rPr lang="en-US" altLang="zh-TW" sz="2000" b="1" dirty="0">
-                <a:solidFill>
-                  <a:srgbClr val="569CD6"/>
-                </a:solidFill>
-                <a:latin typeface="Fira Code"/>
-              </a:rPr>
-              <a:t>get</a:t>
-            </a:r>
-            <a:r>
-              <a:rPr lang="en-US" altLang="zh-TW" sz="2000" b="1" dirty="0">
-                <a:solidFill>
-                  <a:srgbClr val="D4D4D4"/>
-                </a:solidFill>
-                <a:latin typeface="Fira Code"/>
-              </a:rPr>
-              <a:t>; </a:t>
-            </a:r>
-            <a:r>
-              <a:rPr lang="en-US" altLang="zh-TW" sz="2000" b="1" dirty="0">
-                <a:solidFill>
-                  <a:srgbClr val="569CD6"/>
-                </a:solidFill>
-                <a:latin typeface="Fira Code"/>
-              </a:rPr>
-              <a:t>set</a:t>
-            </a:r>
-            <a:r>
-              <a:rPr lang="en-US" altLang="zh-TW" sz="2000" b="1" dirty="0">
-                <a:solidFill>
-                  <a:srgbClr val="D4D4D4"/>
-                </a:solidFill>
-                <a:latin typeface="Fira Code"/>
-              </a:rPr>
-              <a:t>; }</a:t>
-            </a:r>
-          </a:p>
-          <a:p>
-            <a:r>
-              <a:rPr lang="zh-TW" altLang="en-US" sz="2000" b="1" dirty="0">
-                <a:solidFill>
-                  <a:srgbClr val="D4D4D4"/>
-                </a:solidFill>
-                <a:latin typeface="Fira Code"/>
-              </a:rPr>
-              <a:t>  </a:t>
-            </a:r>
-            <a:r>
-              <a:rPr lang="en-US" altLang="zh-TW" sz="2000" b="1" dirty="0">
-                <a:solidFill>
-                  <a:srgbClr val="6A9955"/>
-                </a:solidFill>
-                <a:latin typeface="Fira Code"/>
-              </a:rPr>
-              <a:t>//</a:t>
-            </a:r>
-            <a:r>
-              <a:rPr lang="zh-TW" altLang="en-US" sz="2000" b="1" dirty="0">
-                <a:solidFill>
-                  <a:srgbClr val="6A9955"/>
-                </a:solidFill>
-                <a:latin typeface="Fira Code"/>
-              </a:rPr>
-              <a:t>目標價格</a:t>
-            </a:r>
-            <a:endParaRPr lang="zh-TW" altLang="en-US" sz="2000" b="1" dirty="0">
-              <a:solidFill>
-                <a:srgbClr val="D4D4D4"/>
-              </a:solidFill>
-              <a:latin typeface="Fira Code"/>
-            </a:endParaRPr>
-          </a:p>
-          <a:p>
-            <a:r>
-              <a:rPr lang="en-US" altLang="zh-TW" sz="2000" b="1" dirty="0">
-                <a:solidFill>
-                  <a:srgbClr val="D4D4D4"/>
-                </a:solidFill>
-                <a:latin typeface="Fira Code"/>
-              </a:rPr>
-              <a:t>  </a:t>
-            </a:r>
-            <a:r>
-              <a:rPr lang="en-US" altLang="zh-TW" sz="2000" b="1" dirty="0">
-                <a:solidFill>
-                  <a:srgbClr val="569CD6"/>
-                </a:solidFill>
-                <a:latin typeface="Fira Code"/>
-              </a:rPr>
-              <a:t>public</a:t>
-            </a:r>
-            <a:r>
-              <a:rPr lang="en-US" altLang="zh-TW" sz="2000" b="1" dirty="0">
-                <a:solidFill>
-                  <a:srgbClr val="D4D4D4"/>
-                </a:solidFill>
-                <a:latin typeface="Fira Code"/>
-              </a:rPr>
-              <a:t> </a:t>
-            </a:r>
-            <a:r>
-              <a:rPr lang="en-US" altLang="zh-TW" sz="2000" b="1" dirty="0">
-                <a:solidFill>
-                  <a:srgbClr val="569CD6"/>
-                </a:solidFill>
-                <a:latin typeface="Fira Code"/>
-              </a:rPr>
-              <a:t>decimal</a:t>
-            </a:r>
-            <a:r>
-              <a:rPr lang="en-US" altLang="zh-TW" sz="2000" b="1" dirty="0">
-                <a:solidFill>
-                  <a:srgbClr val="D4D4D4"/>
-                </a:solidFill>
-                <a:latin typeface="Fira Code"/>
-              </a:rPr>
-              <a:t> </a:t>
-            </a:r>
-            <a:r>
-              <a:rPr lang="en-US" altLang="zh-TW" sz="2000" b="1" dirty="0" err="1">
-                <a:solidFill>
-                  <a:srgbClr val="9CDCFE"/>
-                </a:solidFill>
-                <a:latin typeface="Fira Code"/>
-              </a:rPr>
-              <a:t>targetPrice</a:t>
-            </a:r>
-            <a:r>
-              <a:rPr lang="en-US" altLang="zh-TW" sz="2000" b="1" dirty="0">
-                <a:solidFill>
-                  <a:srgbClr val="D4D4D4"/>
-                </a:solidFill>
-                <a:latin typeface="Fira Code"/>
-              </a:rPr>
-              <a:t> { </a:t>
-            </a:r>
-            <a:r>
-              <a:rPr lang="en-US" altLang="zh-TW" sz="2000" b="1" dirty="0">
-                <a:solidFill>
-                  <a:srgbClr val="569CD6"/>
-                </a:solidFill>
-                <a:latin typeface="Fira Code"/>
-              </a:rPr>
-              <a:t>get</a:t>
-            </a:r>
-            <a:r>
-              <a:rPr lang="en-US" altLang="zh-TW" sz="2000" b="1" dirty="0">
-                <a:solidFill>
-                  <a:srgbClr val="D4D4D4"/>
-                </a:solidFill>
-                <a:latin typeface="Fira Code"/>
-              </a:rPr>
-              <a:t>; </a:t>
-            </a:r>
-            <a:r>
-              <a:rPr lang="en-US" altLang="zh-TW" sz="2000" b="1" dirty="0">
-                <a:solidFill>
-                  <a:srgbClr val="569CD6"/>
-                </a:solidFill>
-                <a:latin typeface="Fira Code"/>
-              </a:rPr>
-              <a:t>set</a:t>
-            </a:r>
-            <a:r>
-              <a:rPr lang="en-US" altLang="zh-TW" sz="2000" b="1" dirty="0">
-                <a:solidFill>
-                  <a:srgbClr val="D4D4D4"/>
-                </a:solidFill>
-                <a:latin typeface="Fira Code"/>
-              </a:rPr>
-              <a:t>; }</a:t>
-            </a:r>
-          </a:p>
-          <a:p>
-            <a:r>
-              <a:rPr lang="zh-TW" altLang="en-US" sz="2000" b="1" dirty="0">
-                <a:solidFill>
-                  <a:srgbClr val="D4D4D4"/>
-                </a:solidFill>
-                <a:latin typeface="Fira Code"/>
-              </a:rPr>
-              <a:t>  </a:t>
-            </a:r>
-            <a:r>
-              <a:rPr lang="en-US" altLang="zh-TW" sz="2000" b="1" dirty="0">
-                <a:solidFill>
-                  <a:srgbClr val="6A9955"/>
-                </a:solidFill>
-                <a:latin typeface="Fira Code"/>
-              </a:rPr>
-              <a:t>//</a:t>
-            </a:r>
-            <a:r>
-              <a:rPr lang="zh-TW" altLang="en-US" sz="2000" b="1" dirty="0">
-                <a:solidFill>
-                  <a:srgbClr val="6A9955"/>
-                </a:solidFill>
-                <a:latin typeface="Fira Code"/>
-              </a:rPr>
-              <a:t>數量</a:t>
-            </a:r>
-            <a:endParaRPr lang="zh-TW" altLang="en-US" sz="2000" b="1" dirty="0">
-              <a:solidFill>
-                <a:srgbClr val="D4D4D4"/>
-              </a:solidFill>
-              <a:latin typeface="Fira Code"/>
-            </a:endParaRPr>
-          </a:p>
-          <a:p>
-            <a:r>
-              <a:rPr lang="en-US" altLang="zh-TW" sz="2000" b="1" dirty="0">
-                <a:solidFill>
-                  <a:srgbClr val="D4D4D4"/>
-                </a:solidFill>
-                <a:latin typeface="Fira Code"/>
-              </a:rPr>
-              <a:t>  </a:t>
-            </a:r>
-            <a:r>
-              <a:rPr lang="en-US" altLang="zh-TW" sz="2000" b="1" dirty="0">
-                <a:solidFill>
-                  <a:srgbClr val="569CD6"/>
-                </a:solidFill>
-                <a:latin typeface="Fira Code"/>
-              </a:rPr>
-              <a:t>public</a:t>
-            </a:r>
-            <a:r>
-              <a:rPr lang="en-US" altLang="zh-TW" sz="2000" b="1" dirty="0">
-                <a:solidFill>
-                  <a:srgbClr val="D4D4D4"/>
-                </a:solidFill>
-                <a:latin typeface="Fira Code"/>
-              </a:rPr>
-              <a:t> </a:t>
-            </a:r>
-            <a:r>
-              <a:rPr lang="en-US" altLang="zh-TW" sz="2000" b="1" dirty="0">
-                <a:solidFill>
-                  <a:srgbClr val="569CD6"/>
-                </a:solidFill>
-                <a:latin typeface="Fira Code"/>
-              </a:rPr>
-              <a:t>int</a:t>
-            </a:r>
-            <a:r>
-              <a:rPr lang="en-US" altLang="zh-TW" sz="2000" b="1" dirty="0">
-                <a:solidFill>
-                  <a:srgbClr val="D4D4D4"/>
-                </a:solidFill>
-                <a:latin typeface="Fira Code"/>
-              </a:rPr>
-              <a:t> </a:t>
-            </a:r>
-            <a:r>
-              <a:rPr lang="en-US" altLang="zh-TW" sz="2000" b="1" dirty="0">
-                <a:solidFill>
-                  <a:srgbClr val="9CDCFE"/>
-                </a:solidFill>
-                <a:latin typeface="Fira Code"/>
-              </a:rPr>
-              <a:t>amount</a:t>
-            </a:r>
-            <a:r>
-              <a:rPr lang="en-US" altLang="zh-TW" sz="2000" b="1" dirty="0">
-                <a:solidFill>
-                  <a:srgbClr val="D4D4D4"/>
-                </a:solidFill>
-                <a:latin typeface="Fira Code"/>
-              </a:rPr>
-              <a:t> { </a:t>
-            </a:r>
-            <a:r>
-              <a:rPr lang="en-US" altLang="zh-TW" sz="2000" b="1" dirty="0">
-                <a:solidFill>
-                  <a:srgbClr val="569CD6"/>
-                </a:solidFill>
-                <a:latin typeface="Fira Code"/>
-              </a:rPr>
-              <a:t>get</a:t>
-            </a:r>
-            <a:r>
-              <a:rPr lang="en-US" altLang="zh-TW" sz="2000" b="1" dirty="0">
-                <a:solidFill>
-                  <a:srgbClr val="D4D4D4"/>
-                </a:solidFill>
-                <a:latin typeface="Fira Code"/>
-              </a:rPr>
-              <a:t>; </a:t>
-            </a:r>
-            <a:r>
-              <a:rPr lang="en-US" altLang="zh-TW" sz="2000" b="1" dirty="0">
-                <a:solidFill>
-                  <a:srgbClr val="569CD6"/>
-                </a:solidFill>
-                <a:latin typeface="Fira Code"/>
-              </a:rPr>
-              <a:t>set</a:t>
-            </a:r>
-            <a:r>
-              <a:rPr lang="en-US" altLang="zh-TW" sz="2000" b="1" dirty="0">
-                <a:solidFill>
-                  <a:srgbClr val="D4D4D4"/>
-                </a:solidFill>
-                <a:latin typeface="Fira Code"/>
-              </a:rPr>
-              <a:t>; }</a:t>
-            </a:r>
-          </a:p>
-          <a:p>
-            <a:r>
-              <a:rPr lang="zh-TW" altLang="en-US" sz="2000" b="1" dirty="0">
-                <a:solidFill>
-                  <a:srgbClr val="D4D4D4"/>
-                </a:solidFill>
-                <a:latin typeface="Fira Code"/>
-              </a:rPr>
-              <a:t>  </a:t>
-            </a:r>
-            <a:r>
-              <a:rPr lang="en-US" altLang="zh-TW" sz="2000" b="1" dirty="0">
-                <a:solidFill>
-                  <a:srgbClr val="6A9955"/>
-                </a:solidFill>
-                <a:latin typeface="Fira Code"/>
-              </a:rPr>
-              <a:t>//</a:t>
-            </a:r>
-            <a:r>
-              <a:rPr lang="zh-TW" altLang="en-US" sz="2000" b="1" dirty="0">
-                <a:solidFill>
-                  <a:srgbClr val="6A9955"/>
-                </a:solidFill>
-                <a:latin typeface="Fira Code"/>
-              </a:rPr>
-              <a:t>下單時間</a:t>
-            </a:r>
-            <a:endParaRPr lang="zh-TW" altLang="en-US" sz="2000" b="1" dirty="0">
-              <a:solidFill>
-                <a:srgbClr val="D4D4D4"/>
-              </a:solidFill>
-              <a:latin typeface="Fira Code"/>
-            </a:endParaRPr>
-          </a:p>
-          <a:p>
-            <a:r>
-              <a:rPr lang="en-US" altLang="zh-TW" sz="2000" b="1" dirty="0">
-                <a:solidFill>
-                  <a:srgbClr val="D4D4D4"/>
-                </a:solidFill>
-                <a:latin typeface="Fira Code"/>
-              </a:rPr>
-              <a:t>  </a:t>
-            </a:r>
-            <a:r>
-              <a:rPr lang="en-US" altLang="zh-TW" sz="2000" b="1" dirty="0">
-                <a:solidFill>
-                  <a:srgbClr val="569CD6"/>
-                </a:solidFill>
-                <a:latin typeface="Fira Code"/>
-              </a:rPr>
-              <a:t>public</a:t>
-            </a:r>
-            <a:r>
-              <a:rPr lang="en-US" altLang="zh-TW" sz="2000" b="1" dirty="0">
-                <a:solidFill>
-                  <a:srgbClr val="D4D4D4"/>
-                </a:solidFill>
-                <a:latin typeface="Fira Code"/>
-              </a:rPr>
-              <a:t> </a:t>
-            </a:r>
-            <a:r>
-              <a:rPr lang="en-US" altLang="zh-TW" sz="2000" b="1" dirty="0" err="1">
-                <a:solidFill>
-                  <a:srgbClr val="4EC9B0"/>
-                </a:solidFill>
-                <a:latin typeface="Fira Code"/>
-              </a:rPr>
-              <a:t>DateTime</a:t>
-            </a:r>
-            <a:r>
-              <a:rPr lang="en-US" altLang="zh-TW" sz="2000" b="1" dirty="0">
-                <a:solidFill>
-                  <a:srgbClr val="D4D4D4"/>
-                </a:solidFill>
-                <a:latin typeface="Fira Code"/>
-              </a:rPr>
-              <a:t> </a:t>
-            </a:r>
-            <a:r>
-              <a:rPr lang="en-US" altLang="zh-TW" sz="2000" b="1" dirty="0" err="1">
-                <a:solidFill>
-                  <a:srgbClr val="9CDCFE"/>
-                </a:solidFill>
-                <a:latin typeface="Fira Code"/>
-              </a:rPr>
-              <a:t>orderTime</a:t>
-            </a:r>
-            <a:r>
-              <a:rPr lang="en-US" altLang="zh-TW" sz="2000" b="1" dirty="0">
-                <a:solidFill>
-                  <a:srgbClr val="D4D4D4"/>
-                </a:solidFill>
-                <a:latin typeface="Fira Code"/>
-              </a:rPr>
-              <a:t> { </a:t>
-            </a:r>
-            <a:r>
-              <a:rPr lang="en-US" altLang="zh-TW" sz="2000" b="1" dirty="0">
-                <a:solidFill>
-                  <a:srgbClr val="569CD6"/>
-                </a:solidFill>
-                <a:latin typeface="Fira Code"/>
-              </a:rPr>
-              <a:t>get</a:t>
-            </a:r>
-            <a:r>
-              <a:rPr lang="en-US" altLang="zh-TW" sz="2000" b="1" dirty="0">
-                <a:solidFill>
-                  <a:srgbClr val="D4D4D4"/>
-                </a:solidFill>
-                <a:latin typeface="Fira Code"/>
-              </a:rPr>
-              <a:t>; </a:t>
-            </a:r>
-            <a:r>
-              <a:rPr lang="en-US" altLang="zh-TW" sz="2000" b="1" dirty="0">
-                <a:solidFill>
-                  <a:srgbClr val="569CD6"/>
-                </a:solidFill>
-                <a:latin typeface="Fira Code"/>
-              </a:rPr>
-              <a:t>set</a:t>
-            </a:r>
-            <a:r>
-              <a:rPr lang="en-US" altLang="zh-TW" sz="2000" b="1" dirty="0">
-                <a:solidFill>
-                  <a:srgbClr val="D4D4D4"/>
-                </a:solidFill>
-                <a:latin typeface="Fira Code"/>
-              </a:rPr>
-              <a:t>; }</a:t>
-            </a:r>
-          </a:p>
-          <a:p>
-            <a:r>
-              <a:rPr lang="en-US" altLang="zh-TW" sz="2000" b="1" dirty="0">
-                <a:solidFill>
-                  <a:srgbClr val="D4D4D4"/>
-                </a:solidFill>
-                <a:latin typeface="Fira Code"/>
-              </a:rPr>
-              <a:t>}</a:t>
-            </a:r>
-          </a:p>
-          <a:p>
-            <a:endParaRPr lang="zh-TW" altLang="en-US" dirty="0"/>
-          </a:p>
-        </p:txBody>
-      </p:sp>
-      <p:sp>
-        <p:nvSpPr>
-          <p:cNvPr id="5" name="文字方塊 4">
-            <a:extLst>
-              <a:ext uri="{FF2B5EF4-FFF2-40B4-BE49-F238E27FC236}">
-                <a16:creationId xmlns:a16="http://schemas.microsoft.com/office/drawing/2014/main" id="{E174F81F-F55A-4BDB-BD1D-8236AA12837B}"/>
-              </a:ext>
-            </a:extLst>
-          </p:cNvPr>
-          <p:cNvSpPr txBox="1"/>
-          <p:nvPr/>
-        </p:nvSpPr>
-        <p:spPr>
-          <a:xfrm>
-            <a:off x="838200" y="5691783"/>
-            <a:ext cx="877163" cy="369332"/>
-          </a:xfrm>
-          <a:prstGeom prst="rect">
-            <a:avLst/>
-          </a:prstGeom>
-          <a:noFill/>
-        </p:spPr>
-        <p:txBody>
-          <a:bodyPr wrap="none" rtlCol="0">
-            <a:spAutoFit/>
-          </a:bodyPr>
-          <a:lstStyle/>
-          <a:p>
-            <a:r>
-              <a:rPr lang="zh-TW" altLang="en-US" b="1" dirty="0">
-                <a:latin typeface="微軟正黑體" panose="020B0604030504040204" pitchFamily="34" charset="-120"/>
-                <a:ea typeface="微軟正黑體" panose="020B0604030504040204" pitchFamily="34" charset="-120"/>
-              </a:rPr>
-              <a:t>郭庭彰</a:t>
-            </a:r>
-          </a:p>
-        </p:txBody>
-      </p:sp>
-      <p:cxnSp>
-        <p:nvCxnSpPr>
-          <p:cNvPr id="7" name="直線接點 6">
-            <a:extLst>
-              <a:ext uri="{FF2B5EF4-FFF2-40B4-BE49-F238E27FC236}">
-                <a16:creationId xmlns:a16="http://schemas.microsoft.com/office/drawing/2014/main" id="{78737B2B-5781-471F-87B2-0885C4B8DE62}"/>
-              </a:ext>
-            </a:extLst>
-          </p:cNvPr>
-          <p:cNvCxnSpPr>
-            <a:cxnSpLocks/>
-          </p:cNvCxnSpPr>
-          <p:nvPr/>
-        </p:nvCxnSpPr>
-        <p:spPr>
-          <a:xfrm>
-            <a:off x="914400" y="1442906"/>
-            <a:ext cx="10439400" cy="0"/>
-          </a:xfrm>
-          <a:prstGeom prst="line">
-            <a:avLst/>
-          </a:prstGeom>
-          <a:ln w="28575">
-            <a:solidFill>
-              <a:srgbClr val="569CD6"/>
-            </a:solidFill>
-          </a:ln>
-        </p:spPr>
-        <p:style>
-          <a:lnRef idx="1">
-            <a:schemeClr val="accent1"/>
-          </a:lnRef>
-          <a:fillRef idx="0">
-            <a:schemeClr val="accent1"/>
-          </a:fillRef>
-          <a:effectRef idx="0">
-            <a:schemeClr val="accent1"/>
-          </a:effectRef>
-          <a:fontRef idx="minor">
-            <a:schemeClr val="tx1"/>
-          </a:fontRef>
-        </p:style>
-      </p:cxnSp>
-    </p:spTree>
-    <p:extLst>
-      <p:ext uri="{BB962C8B-B14F-4D97-AF65-F5344CB8AC3E}">
-        <p14:creationId xmlns:p14="http://schemas.microsoft.com/office/powerpoint/2010/main" val="3197283254"/>
-      </p:ext>
-    </p:extLst>
-  </p:cSld>
-  <p:clrMapOvr>
-    <a:masterClrMapping/>
-  </p:clrMapOvr>
-</p:sld>
-</file>
-
-<file path=ppt/slides/slide20.xml><?xml version="1.0" encoding="utf-8"?>
+<file path=ppt/slides/slide24.xml><?xml version="1.0" encoding="utf-8"?>
 <p:sld xmlns:a="http://schemas.openxmlformats.org/drawingml/2006/main" xmlns:r="http://schemas.openxmlformats.org/officeDocument/2006/relationships" xmlns:p="http://schemas.openxmlformats.org/presentationml/2006/main">
   <p:cSld>
     <p:spTree>
@@ -41494,19 +43255,19 @@
           <a:p>
             <a:pPr algn="ctr"/>
             <a:r>
-              <a:rPr lang="it-IT" altLang="zh-TW" sz="2133" kern="0" smtClean="0"/>
+              <a:rPr lang="it-IT" altLang="zh-TW" sz="2133" kern="0"/>
               <a:t>Parent-Child</a:t>
             </a:r>
             <a:r>
-              <a:rPr lang="zh-TW" altLang="en-US" sz="2133" kern="0" smtClean="0"/>
+              <a:rPr lang="zh-TW" altLang="en-US" sz="2133" kern="0"/>
               <a:t> </a:t>
             </a:r>
             <a:r>
-              <a:rPr lang="en-US" altLang="zh-TW" sz="2133" kern="0" smtClean="0"/>
+              <a:rPr lang="en-US" altLang="zh-TW" sz="2133" kern="0"/>
               <a:t>Relationship</a:t>
             </a:r>
             <a:r>
-              <a:rPr lang="it-IT" altLang="zh-TW" sz="2133" kern="0" smtClean="0"/>
+              <a:rPr lang="it-IT" altLang="zh-TW" sz="2133" kern="0"/>
               <a:t> Model</a:t>
             </a:r>
             <a:endParaRPr lang="it-IT" altLang="zh-TW" sz="2133" kern="0" dirty="0"/>
@@ -41569,7 +43330,7 @@
 </p:sld>
 </file>
 
-<file path=ppt/slides/slide21.xml><?xml version="1.0" encoding="utf-8"?>
+<file path=ppt/slides/slide25.xml><?xml version="1.0" encoding="utf-8"?>
 <p:sld xmlns:a="http://schemas.openxmlformats.org/drawingml/2006/main" xmlns:r="http://schemas.openxmlformats.org/officeDocument/2006/relationships" xmlns:p="http://schemas.openxmlformats.org/presentationml/2006/main">
   <p:cSld>
     <p:spTree>
@@ -41741,7 +43502,7 @@
               <a:t>可透過</a:t>
             </a:r>
             <a:r>
-              <a:rPr lang="en-US" altLang="zh-TW" sz="2133" kern="0" dirty="0" err="1" smtClean="0">
+              <a:rPr lang="en-US" altLang="zh-TW" sz="2133" kern="0" dirty="0" err="1">
                 <a:solidFill>
                   <a:srgbClr val="000000"/>
                 </a:solidFill>
@@ -41763,7 +43524,7 @@
               <a:t>及</a:t>
             </a:r>
             <a:r>
-              <a:rPr lang="en-US" altLang="zh-TW" sz="2133" kern="0" dirty="0" err="1" smtClean="0">
+              <a:rPr lang="en-US" altLang="zh-TW" sz="2133" kern="0" dirty="0" err="1">
                 <a:solidFill>
                   <a:srgbClr val="000000"/>
                 </a:solidFill>
@@ -41774,7 +43535,7 @@
               <a:t>LeftID</a:t>
             </a:r>
             <a:r>
-              <a:rPr lang="zh-TW" altLang="en-US" sz="2133" kern="0" dirty="0" smtClean="0">
+              <a:rPr lang="zh-TW" altLang="en-US" sz="2133" kern="0" dirty="0">
                 <a:solidFill>
                   <a:srgbClr val="000000"/>
                 </a:solidFill>
@@ -42456,7 +44217,7 @@
           </a:lstStyle>
           <a:p>
             <a:r>
-              <a:rPr lang="it-IT" altLang="zh-TW" sz="2133" kern="0" smtClean="0">
+              <a:rPr lang="it-IT" altLang="zh-TW" sz="2133" kern="0">
                 <a:latin typeface="+mn-lt"/>
               </a:rPr>
               <a:t> Nested set model</a:t>
@@ -44828,7 +46589,7 @@
           <p:cNvPr id="2" name="標題 1">
             <a:extLst>
               <a:ext uri="{FF2B5EF4-FFF2-40B4-BE49-F238E27FC236}">
-                <a16:creationId xmlns:a16="http://schemas.microsoft.com/office/drawing/2014/main" id="{E10DBE28-E031-4E5E-A542-CEF6640514AC}"/>
+                <a16:creationId xmlns:a16="http://schemas.microsoft.com/office/drawing/2014/main" id="{C6861AEC-93ED-4749-92E8-233C653B3682}"/>
               </a:ext>
             </a:extLst>
           </p:cNvPr>
@@ -44845,13 +46606,27 @@
           <a:lstStyle/>
           <a:p>
             <a:r>
+              <a:rPr lang="zh-TW" altLang="en-US" dirty="0">
+                <a:latin typeface="微軟正黑體" panose="020B0604030504040204" pitchFamily="34" charset="-120"/>
+                <a:ea typeface="微軟正黑體" panose="020B0604030504040204" pitchFamily="34" charset="-120"/>
+              </a:rPr>
+              <a:t>何謂</a:t>
+            </a:r>
+            <a:r>
               <a:rPr lang="en-US" altLang="zh-TW" dirty="0">
                 <a:latin typeface="微軟正黑體" panose="020B0604030504040204" pitchFamily="34" charset="-120"/>
                 <a:ea typeface="微軟正黑體" panose="020B0604030504040204" pitchFamily="34" charset="-120"/>
               </a:rPr>
-              <a:t>JavaScript</a:t>
-            </a:r>
-            <a:endParaRPr lang="zh-TW" altLang="en-US" dirty="0">
+              <a:t>MVC</a:t>
+            </a:r>
+            <a:r>
+              <a:rPr lang="zh-TW" altLang="zh-TW" dirty="0">
+                <a:latin typeface="微軟正黑體" panose="020B0604030504040204" pitchFamily="34" charset="-120"/>
+                <a:ea typeface="微軟正黑體" panose="020B0604030504040204" pitchFamily="34" charset="-120"/>
+              </a:rPr>
+              <a:t>？</a:t>
+            </a:r>
+            <a:endParaRPr lang="en-US" altLang="zh-TW" dirty="0">
               <a:latin typeface="微軟正黑體" panose="020B0604030504040204" pitchFamily="34" charset="-120"/>
               <a:ea typeface="微軟正黑體" panose="020B0604030504040204" pitchFamily="34" charset="-120"/>
             </a:endParaRPr>
@@ -44860,496 +46635,10 @@
       </p:sp>
       <p:sp>
         <p:nvSpPr>
-          <p:cNvPr id="6" name="內容版面配置區 2">
+          <p:cNvPr id="4" name="文字方塊 3">
             <a:extLst>
               <a:ext uri="{FF2B5EF4-FFF2-40B4-BE49-F238E27FC236}">
-                <a16:creationId xmlns:a16="http://schemas.microsoft.com/office/drawing/2014/main" id="{33235437-B192-47B7-AF02-7D8BB1097220}"/>
-              </a:ext>
-            </a:extLst>
-          </p:cNvPr>
-          <p:cNvSpPr>
-            <a:spLocks noGrp="1"/>
-          </p:cNvSpPr>
-          <p:nvPr>
-            <p:ph idx="1"/>
-          </p:nvPr>
-        </p:nvSpPr>
-        <p:spPr>
-          <a:xfrm>
-            <a:off x="838200" y="1825625"/>
-            <a:ext cx="4757257" cy="4351338"/>
-          </a:xfrm>
-        </p:spPr>
-        <p:txBody>
-          <a:bodyPr/>
-          <a:lstStyle/>
-          <a:p>
-            <a:r>
-              <a:rPr lang="zh-TW" altLang="zh-TW" dirty="0">
-                <a:latin typeface="微軟正黑體" panose="020B0604030504040204" pitchFamily="34" charset="-120"/>
-                <a:ea typeface="微軟正黑體" panose="020B0604030504040204" pitchFamily="34" charset="-120"/>
-              </a:rPr>
-              <a:t>下列程式使用</a:t>
-            </a:r>
-            <a:r>
-              <a:rPr lang="en-US" altLang="zh-TW" dirty="0">
-                <a:latin typeface="微軟正黑體" panose="020B0604030504040204" pitchFamily="34" charset="-120"/>
-                <a:ea typeface="微軟正黑體" panose="020B0604030504040204" pitchFamily="34" charset="-120"/>
-              </a:rPr>
-              <a:t>JavaScript</a:t>
-            </a:r>
-            <a:r>
-              <a:rPr lang="zh-TW" altLang="zh-TW" dirty="0">
-                <a:latin typeface="微軟正黑體" panose="020B0604030504040204" pitchFamily="34" charset="-120"/>
-                <a:ea typeface="微軟正黑體" panose="020B0604030504040204" pitchFamily="34" charset="-120"/>
-              </a:rPr>
-              <a:t>，請問兩次的</a:t>
-            </a:r>
-            <a:r>
-              <a:rPr lang="en-US" altLang="zh-TW" dirty="0">
-                <a:latin typeface="微軟正黑體" panose="020B0604030504040204" pitchFamily="34" charset="-120"/>
-                <a:ea typeface="微軟正黑體" panose="020B0604030504040204" pitchFamily="34" charset="-120"/>
-              </a:rPr>
-              <a:t>console.log</a:t>
-            </a:r>
-            <a:r>
-              <a:rPr lang="zh-TW" altLang="zh-TW" dirty="0">
-                <a:latin typeface="微軟正黑體" panose="020B0604030504040204" pitchFamily="34" charset="-120"/>
-                <a:ea typeface="微軟正黑體" panose="020B0604030504040204" pitchFamily="34" charset="-120"/>
-              </a:rPr>
-              <a:t>的結果是否會相等？</a:t>
-            </a:r>
-          </a:p>
-          <a:p>
-            <a:r>
-              <a:rPr lang="zh-TW" altLang="zh-TW" dirty="0">
-                <a:latin typeface="微軟正黑體" panose="020B0604030504040204" pitchFamily="34" charset="-120"/>
-                <a:ea typeface="微軟正黑體" panose="020B0604030504040204" pitchFamily="34" charset="-120"/>
-              </a:rPr>
-              <a:t>請說明相等或是不相等的原因</a:t>
-            </a:r>
-          </a:p>
-          <a:p>
-            <a:endParaRPr lang="zh-TW" altLang="en-US" dirty="0">
-              <a:latin typeface="微軟正黑體" panose="020B0604030504040204" pitchFamily="34" charset="-120"/>
-              <a:ea typeface="微軟正黑體" panose="020B0604030504040204" pitchFamily="34" charset="-120"/>
-            </a:endParaRPr>
-          </a:p>
-        </p:txBody>
-      </p:sp>
-      <p:sp>
-        <p:nvSpPr>
-          <p:cNvPr id="7" name="文字方塊 6">
-            <a:extLst>
-              <a:ext uri="{FF2B5EF4-FFF2-40B4-BE49-F238E27FC236}">
-                <a16:creationId xmlns:a16="http://schemas.microsoft.com/office/drawing/2014/main" id="{A5409D85-F07A-4BFF-B748-EDE3F38CC32C}"/>
-              </a:ext>
-            </a:extLst>
-          </p:cNvPr>
-          <p:cNvSpPr txBox="1"/>
-          <p:nvPr/>
-        </p:nvSpPr>
-        <p:spPr>
-          <a:xfrm>
-            <a:off x="6216242" y="1892024"/>
-            <a:ext cx="5137558" cy="2308324"/>
-          </a:xfrm>
-          <a:prstGeom prst="rect">
-            <a:avLst/>
-          </a:prstGeom>
-          <a:solidFill>
-            <a:schemeClr val="tx1">
-              <a:lumMod val="65000"/>
-              <a:lumOff val="35000"/>
-            </a:schemeClr>
-          </a:solidFill>
-        </p:spPr>
-        <p:txBody>
-          <a:bodyPr wrap="square" rtlCol="0">
-            <a:spAutoFit/>
-          </a:bodyPr>
-          <a:lstStyle/>
-          <a:p>
-            <a:r>
-              <a:rPr lang="en-US" altLang="zh-TW" sz="2400" b="1" dirty="0">
-                <a:solidFill>
-                  <a:srgbClr val="D4D4D4"/>
-                </a:solidFill>
-                <a:latin typeface="Fira Code"/>
-              </a:rPr>
-              <a:t> </a:t>
-            </a:r>
-            <a:r>
-              <a:rPr lang="en-US" altLang="zh-TW" sz="2400" b="1" dirty="0">
-                <a:solidFill>
-                  <a:srgbClr val="569CD6"/>
-                </a:solidFill>
-                <a:latin typeface="Fira Code"/>
-              </a:rPr>
-              <a:t>var</a:t>
-            </a:r>
-            <a:r>
-              <a:rPr lang="en-US" altLang="zh-TW" sz="2400" b="1" dirty="0">
-                <a:solidFill>
-                  <a:srgbClr val="D4D4D4"/>
-                </a:solidFill>
-                <a:latin typeface="Fira Code"/>
-              </a:rPr>
-              <a:t> </a:t>
-            </a:r>
-            <a:r>
-              <a:rPr lang="en-US" altLang="zh-TW" sz="2400" b="1" dirty="0">
-                <a:solidFill>
-                  <a:srgbClr val="9CDCFE"/>
-                </a:solidFill>
-                <a:latin typeface="Fira Code"/>
-              </a:rPr>
-              <a:t>a</a:t>
-            </a:r>
-            <a:r>
-              <a:rPr lang="en-US" altLang="zh-TW" sz="2400" b="1" dirty="0">
-                <a:solidFill>
-                  <a:srgbClr val="D4D4D4"/>
-                </a:solidFill>
-                <a:latin typeface="Fira Code"/>
-              </a:rPr>
-              <a:t> = </a:t>
-            </a:r>
-            <a:r>
-              <a:rPr lang="en-US" altLang="zh-TW" sz="2400" b="1" dirty="0">
-                <a:solidFill>
-                  <a:srgbClr val="B5CEA8"/>
-                </a:solidFill>
-                <a:latin typeface="Fira Code"/>
-              </a:rPr>
-              <a:t>1</a:t>
-            </a:r>
-            <a:r>
-              <a:rPr lang="en-US" altLang="zh-TW" sz="2400" b="1" dirty="0">
-                <a:solidFill>
-                  <a:srgbClr val="D4D4D4"/>
-                </a:solidFill>
-                <a:latin typeface="Fira Code"/>
-              </a:rPr>
-              <a:t>;</a:t>
-            </a:r>
-          </a:p>
-          <a:p>
-            <a:r>
-              <a:rPr lang="en-US" altLang="zh-TW" sz="2400" b="1" dirty="0">
-                <a:solidFill>
-                  <a:srgbClr val="D4D4D4"/>
-                </a:solidFill>
-                <a:latin typeface="Fira Code"/>
-              </a:rPr>
-              <a:t>  </a:t>
-            </a:r>
-            <a:r>
-              <a:rPr lang="en-US" altLang="zh-TW" sz="2400" b="1" dirty="0">
-                <a:solidFill>
-                  <a:srgbClr val="C586C0"/>
-                </a:solidFill>
-                <a:latin typeface="Fira Code"/>
-              </a:rPr>
-              <a:t>if</a:t>
-            </a:r>
-            <a:r>
-              <a:rPr lang="en-US" altLang="zh-TW" sz="2400" b="1" dirty="0">
-                <a:solidFill>
-                  <a:srgbClr val="D4D4D4"/>
-                </a:solidFill>
-                <a:latin typeface="Fira Code"/>
-              </a:rPr>
-              <a:t> (</a:t>
-            </a:r>
-            <a:r>
-              <a:rPr lang="en-US" altLang="zh-TW" sz="2400" b="1" dirty="0">
-                <a:solidFill>
-                  <a:srgbClr val="9CDCFE"/>
-                </a:solidFill>
-                <a:latin typeface="Fira Code"/>
-              </a:rPr>
-              <a:t>a</a:t>
-            </a:r>
-            <a:r>
-              <a:rPr lang="en-US" altLang="zh-TW" sz="2400" b="1" dirty="0">
-                <a:solidFill>
-                  <a:srgbClr val="D4D4D4"/>
-                </a:solidFill>
-                <a:latin typeface="Fira Code"/>
-              </a:rPr>
-              <a:t> === </a:t>
-            </a:r>
-            <a:r>
-              <a:rPr lang="en-US" altLang="zh-TW" sz="2400" b="1" dirty="0">
-                <a:solidFill>
-                  <a:srgbClr val="B5CEA8"/>
-                </a:solidFill>
-                <a:latin typeface="Fira Code"/>
-              </a:rPr>
-              <a:t>1</a:t>
-            </a:r>
-            <a:r>
-              <a:rPr lang="en-US" altLang="zh-TW" sz="2400" b="1" dirty="0">
-                <a:solidFill>
-                  <a:srgbClr val="D4D4D4"/>
-                </a:solidFill>
-                <a:latin typeface="Fira Code"/>
-              </a:rPr>
-              <a:t>) {</a:t>
-            </a:r>
-          </a:p>
-          <a:p>
-            <a:r>
-              <a:rPr lang="en-US" altLang="zh-TW" sz="2400" b="1" dirty="0">
-                <a:solidFill>
-                  <a:srgbClr val="D4D4D4"/>
-                </a:solidFill>
-                <a:latin typeface="Fira Code"/>
-              </a:rPr>
-              <a:t>    </a:t>
-            </a:r>
-            <a:r>
-              <a:rPr lang="en-US" altLang="zh-TW" sz="2400" b="1" dirty="0">
-                <a:solidFill>
-                  <a:srgbClr val="569CD6"/>
-                </a:solidFill>
-                <a:latin typeface="Fira Code"/>
-              </a:rPr>
-              <a:t>var</a:t>
-            </a:r>
-            <a:r>
-              <a:rPr lang="en-US" altLang="zh-TW" sz="2400" b="1" dirty="0">
-                <a:solidFill>
-                  <a:srgbClr val="D4D4D4"/>
-                </a:solidFill>
-                <a:latin typeface="Fira Code"/>
-              </a:rPr>
-              <a:t> </a:t>
-            </a:r>
-            <a:r>
-              <a:rPr lang="en-US" altLang="zh-TW" sz="2400" b="1" dirty="0">
-                <a:solidFill>
-                  <a:srgbClr val="9CDCFE"/>
-                </a:solidFill>
-                <a:latin typeface="Fira Code"/>
-              </a:rPr>
-              <a:t>b</a:t>
-            </a:r>
-            <a:r>
-              <a:rPr lang="en-US" altLang="zh-TW" sz="2400" b="1" dirty="0">
-                <a:solidFill>
-                  <a:srgbClr val="D4D4D4"/>
-                </a:solidFill>
-                <a:latin typeface="Fira Code"/>
-              </a:rPr>
-              <a:t> = </a:t>
-            </a:r>
-            <a:r>
-              <a:rPr lang="en-US" altLang="zh-TW" sz="2400" b="1" dirty="0">
-                <a:solidFill>
-                  <a:srgbClr val="B5CEA8"/>
-                </a:solidFill>
-                <a:latin typeface="Fira Code"/>
-              </a:rPr>
-              <a:t>2</a:t>
-            </a:r>
-            <a:r>
-              <a:rPr lang="en-US" altLang="zh-TW" sz="2400" b="1" dirty="0">
-                <a:solidFill>
-                  <a:srgbClr val="D4D4D4"/>
-                </a:solidFill>
-                <a:latin typeface="Fira Code"/>
-              </a:rPr>
-              <a:t>;</a:t>
-            </a:r>
-          </a:p>
-          <a:p>
-            <a:r>
-              <a:rPr lang="en-US" altLang="zh-TW" sz="2400" b="1" dirty="0">
-                <a:solidFill>
-                  <a:srgbClr val="D4D4D4"/>
-                </a:solidFill>
-                <a:latin typeface="Fira Code"/>
-              </a:rPr>
-              <a:t>    </a:t>
-            </a:r>
-            <a:r>
-              <a:rPr lang="en-US" altLang="zh-TW" sz="2400" b="1" dirty="0">
-                <a:solidFill>
-                  <a:srgbClr val="4EC9B0"/>
-                </a:solidFill>
-                <a:latin typeface="Fira Code"/>
-              </a:rPr>
-              <a:t>console</a:t>
-            </a:r>
-            <a:r>
-              <a:rPr lang="en-US" altLang="zh-TW" sz="2400" b="1" dirty="0">
-                <a:solidFill>
-                  <a:srgbClr val="D4D4D4"/>
-                </a:solidFill>
-                <a:latin typeface="Fira Code"/>
-              </a:rPr>
-              <a:t>.</a:t>
-            </a:r>
-            <a:r>
-              <a:rPr lang="en-US" altLang="zh-TW" sz="2400" b="1" dirty="0">
-                <a:solidFill>
-                  <a:srgbClr val="DCDCAA"/>
-                </a:solidFill>
-                <a:latin typeface="Fira Code"/>
-              </a:rPr>
-              <a:t>log</a:t>
-            </a:r>
-            <a:r>
-              <a:rPr lang="en-US" altLang="zh-TW" sz="2400" b="1" dirty="0">
-                <a:solidFill>
-                  <a:srgbClr val="D4D4D4"/>
-                </a:solidFill>
-                <a:latin typeface="Fira Code"/>
-              </a:rPr>
-              <a:t>(</a:t>
-            </a:r>
-            <a:r>
-              <a:rPr lang="en-US" altLang="zh-TW" sz="2400" b="1" dirty="0">
-                <a:solidFill>
-                  <a:srgbClr val="9CDCFE"/>
-                </a:solidFill>
-                <a:latin typeface="Fira Code"/>
-              </a:rPr>
-              <a:t>a</a:t>
-            </a:r>
-            <a:r>
-              <a:rPr lang="en-US" altLang="zh-TW" sz="2400" b="1" dirty="0">
-                <a:solidFill>
-                  <a:srgbClr val="D4D4D4"/>
-                </a:solidFill>
-                <a:latin typeface="Fira Code"/>
-              </a:rPr>
-              <a:t>, </a:t>
-            </a:r>
-            <a:r>
-              <a:rPr lang="en-US" altLang="zh-TW" sz="2400" b="1" dirty="0">
-                <a:solidFill>
-                  <a:srgbClr val="9CDCFE"/>
-                </a:solidFill>
-                <a:latin typeface="Fira Code"/>
-              </a:rPr>
-              <a:t>b</a:t>
-            </a:r>
-            <a:r>
-              <a:rPr lang="en-US" altLang="zh-TW" sz="2400" b="1" dirty="0">
-                <a:solidFill>
-                  <a:srgbClr val="D4D4D4"/>
-                </a:solidFill>
-                <a:latin typeface="Fira Code"/>
-              </a:rPr>
-              <a:t>);</a:t>
-            </a:r>
-          </a:p>
-          <a:p>
-            <a:r>
-              <a:rPr lang="en-US" altLang="zh-TW" sz="2400" b="1" dirty="0">
-                <a:solidFill>
-                  <a:srgbClr val="D4D4D4"/>
-                </a:solidFill>
-                <a:latin typeface="Fira Code"/>
-              </a:rPr>
-              <a:t>  }</a:t>
-            </a:r>
-          </a:p>
-          <a:p>
-            <a:r>
-              <a:rPr lang="en-US" altLang="zh-TW" sz="2400" b="1" dirty="0">
-                <a:solidFill>
-                  <a:srgbClr val="D4D4D4"/>
-                </a:solidFill>
-                <a:latin typeface="Fira Code"/>
-              </a:rPr>
-              <a:t>  </a:t>
-            </a:r>
-            <a:r>
-              <a:rPr lang="en-US" altLang="zh-TW" sz="2400" b="1" dirty="0">
-                <a:solidFill>
-                  <a:srgbClr val="4EC9B0"/>
-                </a:solidFill>
-                <a:latin typeface="Fira Code"/>
-              </a:rPr>
-              <a:t>console</a:t>
-            </a:r>
-            <a:r>
-              <a:rPr lang="en-US" altLang="zh-TW" sz="2400" b="1" dirty="0">
-                <a:solidFill>
-                  <a:srgbClr val="D4D4D4"/>
-                </a:solidFill>
-                <a:latin typeface="Fira Code"/>
-              </a:rPr>
-              <a:t>.</a:t>
-            </a:r>
-            <a:r>
-              <a:rPr lang="en-US" altLang="zh-TW" sz="2400" b="1" dirty="0">
-                <a:solidFill>
-                  <a:srgbClr val="DCDCAA"/>
-                </a:solidFill>
-                <a:latin typeface="Fira Code"/>
-              </a:rPr>
-              <a:t>log</a:t>
-            </a:r>
-            <a:r>
-              <a:rPr lang="en-US" altLang="zh-TW" sz="2400" b="1" dirty="0">
-                <a:solidFill>
-                  <a:srgbClr val="D4D4D4"/>
-                </a:solidFill>
-                <a:latin typeface="Fira Code"/>
-              </a:rPr>
-              <a:t>(</a:t>
-            </a:r>
-            <a:r>
-              <a:rPr lang="en-US" altLang="zh-TW" sz="2400" b="1" dirty="0">
-                <a:solidFill>
-                  <a:srgbClr val="9CDCFE"/>
-                </a:solidFill>
-                <a:latin typeface="Fira Code"/>
-              </a:rPr>
-              <a:t>a</a:t>
-            </a:r>
-            <a:r>
-              <a:rPr lang="en-US" altLang="zh-TW" sz="2400" b="1" dirty="0">
-                <a:solidFill>
-                  <a:srgbClr val="D4D4D4"/>
-                </a:solidFill>
-                <a:latin typeface="Fira Code"/>
-              </a:rPr>
-              <a:t>, </a:t>
-            </a:r>
-            <a:r>
-              <a:rPr lang="en-US" altLang="zh-TW" sz="2400" b="1" dirty="0">
-                <a:solidFill>
-                  <a:srgbClr val="9CDCFE"/>
-                </a:solidFill>
-                <a:latin typeface="Fira Code"/>
-              </a:rPr>
-              <a:t>b</a:t>
-            </a:r>
-            <a:r>
-              <a:rPr lang="en-US" altLang="zh-TW" sz="2400" b="1" dirty="0">
-                <a:solidFill>
-                  <a:srgbClr val="D4D4D4"/>
-                </a:solidFill>
-                <a:latin typeface="Fira Code"/>
-              </a:rPr>
-              <a:t>);</a:t>
-            </a:r>
-            <a:endParaRPr lang="zh-TW" altLang="en-US" sz="2400" b="1" dirty="0"/>
-          </a:p>
-        </p:txBody>
-      </p:sp>
-      <p:sp>
-        <p:nvSpPr>
-          <p:cNvPr id="8" name="文字方塊 7">
-            <a:extLst>
-              <a:ext uri="{FF2B5EF4-FFF2-40B4-BE49-F238E27FC236}">
-                <a16:creationId xmlns:a16="http://schemas.microsoft.com/office/drawing/2014/main" id="{F914D757-4735-41FB-AD77-5DB89377D52D}"/>
+                <a16:creationId xmlns:a16="http://schemas.microsoft.com/office/drawing/2014/main" id="{5F95F02E-BB1E-4520-BE38-1755C8BE4850}"/>
               </a:ext>
             </a:extLst>
           </p:cNvPr>
@@ -45377,17 +46666,17 @@
                 <a:latin typeface="微軟正黑體" panose="020B0604030504040204" pitchFamily="34" charset="-120"/>
                 <a:ea typeface="微軟正黑體" panose="020B0604030504040204" pitchFamily="34" charset="-120"/>
               </a:rPr>
-              <a:t>楊芷綺</a:t>
+              <a:t>黃添賜</a:t>
             </a:r>
           </a:p>
         </p:txBody>
       </p:sp>
       <p:cxnSp>
         <p:nvCxnSpPr>
-          <p:cNvPr id="9" name="直線接點 8">
+          <p:cNvPr id="5" name="直線接點 4">
             <a:extLst>
               <a:ext uri="{FF2B5EF4-FFF2-40B4-BE49-F238E27FC236}">
-                <a16:creationId xmlns:a16="http://schemas.microsoft.com/office/drawing/2014/main" id="{64E7A93B-DFE9-4064-A1FA-D50BDB48880A}"/>
+                <a16:creationId xmlns:a16="http://schemas.microsoft.com/office/drawing/2014/main" id="{8D387A0C-327B-40BE-8558-F5A9192F6F39}"/>
               </a:ext>
             </a:extLst>
           </p:cNvPr>
@@ -45425,10 +46714,380 @@
           </a:fontRef>
         </p:style>
       </p:cxnSp>
+      <p:sp>
+        <p:nvSpPr>
+          <p:cNvPr id="11" name="矩形 10">
+            <a:extLst>
+              <a:ext uri="{FF2B5EF4-FFF2-40B4-BE49-F238E27FC236}">
+                <a16:creationId xmlns:a16="http://schemas.microsoft.com/office/drawing/2014/main" id="{013C9278-4C8D-4FB7-8C51-703BBD34C21C}"/>
+              </a:ext>
+            </a:extLst>
+          </p:cNvPr>
+          <p:cNvSpPr/>
+          <p:nvPr/>
+        </p:nvSpPr>
+        <p:spPr>
+          <a:xfrm>
+            <a:off x="4332157" y="2063488"/>
+            <a:ext cx="2548328" cy="914400"/>
+          </a:xfrm>
+          <a:prstGeom prst="rect">
+            <a:avLst/>
+          </a:prstGeom>
+          <a:solidFill>
+            <a:schemeClr val="accent5">
+              <a:lumMod val="60000"/>
+              <a:lumOff val="40000"/>
+            </a:schemeClr>
+          </a:solidFill>
+        </p:spPr>
+        <p:style>
+          <a:lnRef idx="2">
+            <a:schemeClr val="accent1">
+              <a:shade val="50000"/>
+            </a:schemeClr>
+          </a:lnRef>
+          <a:fillRef idx="1">
+            <a:schemeClr val="accent1"/>
+          </a:fillRef>
+          <a:effectRef idx="0">
+            <a:schemeClr val="accent1"/>
+          </a:effectRef>
+          <a:fontRef idx="minor">
+            <a:schemeClr val="lt1"/>
+          </a:fontRef>
+        </p:style>
+        <p:txBody>
+          <a:bodyPr rtlCol="0" anchor="ctr"/>
+          <a:lstStyle/>
+          <a:p>
+            <a:pPr algn="ctr"/>
+            <a:r>
+              <a:rPr lang="en-US" altLang="zh-TW" sz="3600" dirty="0">
+                <a:solidFill>
+                  <a:schemeClr val="accent5">
+                    <a:lumMod val="50000"/>
+                  </a:schemeClr>
+                </a:solidFill>
+              </a:rPr>
+              <a:t>Controller</a:t>
+            </a:r>
+            <a:endParaRPr lang="zh-TW" altLang="en-US" sz="3600" dirty="0">
+              <a:solidFill>
+                <a:schemeClr val="accent5">
+                  <a:lumMod val="50000"/>
+                </a:schemeClr>
+              </a:solidFill>
+            </a:endParaRPr>
+          </a:p>
+        </p:txBody>
+      </p:sp>
+      <p:sp>
+        <p:nvSpPr>
+          <p:cNvPr id="12" name="矩形 11">
+            <a:extLst>
+              <a:ext uri="{FF2B5EF4-FFF2-40B4-BE49-F238E27FC236}">
+                <a16:creationId xmlns:a16="http://schemas.microsoft.com/office/drawing/2014/main" id="{B6D4EC5A-7FEA-42E8-9598-6EACE4C7503B}"/>
+              </a:ext>
+            </a:extLst>
+          </p:cNvPr>
+          <p:cNvSpPr/>
+          <p:nvPr/>
+        </p:nvSpPr>
+        <p:spPr>
+          <a:xfrm>
+            <a:off x="1715363" y="4536908"/>
+            <a:ext cx="2548328" cy="914400"/>
+          </a:xfrm>
+          <a:prstGeom prst="rect">
+            <a:avLst/>
+          </a:prstGeom>
+          <a:solidFill>
+            <a:schemeClr val="accent5">
+              <a:lumMod val="60000"/>
+              <a:lumOff val="40000"/>
+            </a:schemeClr>
+          </a:solidFill>
+        </p:spPr>
+        <p:style>
+          <a:lnRef idx="2">
+            <a:schemeClr val="accent1">
+              <a:shade val="50000"/>
+            </a:schemeClr>
+          </a:lnRef>
+          <a:fillRef idx="1">
+            <a:schemeClr val="accent1"/>
+          </a:fillRef>
+          <a:effectRef idx="0">
+            <a:schemeClr val="accent1"/>
+          </a:effectRef>
+          <a:fontRef idx="minor">
+            <a:schemeClr val="lt1"/>
+          </a:fontRef>
+        </p:style>
+        <p:txBody>
+          <a:bodyPr rtlCol="0" anchor="ctr"/>
+          <a:lstStyle/>
+          <a:p>
+            <a:pPr algn="ctr"/>
+            <a:r>
+              <a:rPr lang="en-US" altLang="zh-TW" sz="3600" dirty="0">
+                <a:solidFill>
+                  <a:schemeClr val="accent5">
+                    <a:lumMod val="50000"/>
+                  </a:schemeClr>
+                </a:solidFill>
+              </a:rPr>
+              <a:t>View</a:t>
+            </a:r>
+            <a:endParaRPr lang="zh-TW" altLang="en-US" sz="3600" dirty="0">
+              <a:solidFill>
+                <a:schemeClr val="accent5">
+                  <a:lumMod val="50000"/>
+                </a:schemeClr>
+              </a:solidFill>
+            </a:endParaRPr>
+          </a:p>
+        </p:txBody>
+      </p:sp>
+      <p:sp>
+        <p:nvSpPr>
+          <p:cNvPr id="13" name="矩形 12">
+            <a:extLst>
+              <a:ext uri="{FF2B5EF4-FFF2-40B4-BE49-F238E27FC236}">
+                <a16:creationId xmlns:a16="http://schemas.microsoft.com/office/drawing/2014/main" id="{22FBB2C8-A426-4A64-818D-06C62B7F87DA}"/>
+              </a:ext>
+            </a:extLst>
+          </p:cNvPr>
+          <p:cNvSpPr/>
+          <p:nvPr/>
+        </p:nvSpPr>
+        <p:spPr>
+          <a:xfrm>
+            <a:off x="7641227" y="4500694"/>
+            <a:ext cx="2548328" cy="914400"/>
+          </a:xfrm>
+          <a:prstGeom prst="rect">
+            <a:avLst/>
+          </a:prstGeom>
+          <a:solidFill>
+            <a:schemeClr val="accent5">
+              <a:lumMod val="60000"/>
+              <a:lumOff val="40000"/>
+            </a:schemeClr>
+          </a:solidFill>
+        </p:spPr>
+        <p:style>
+          <a:lnRef idx="2">
+            <a:schemeClr val="accent1">
+              <a:shade val="50000"/>
+            </a:schemeClr>
+          </a:lnRef>
+          <a:fillRef idx="1">
+            <a:schemeClr val="accent1"/>
+          </a:fillRef>
+          <a:effectRef idx="0">
+            <a:schemeClr val="accent1"/>
+          </a:effectRef>
+          <a:fontRef idx="minor">
+            <a:schemeClr val="lt1"/>
+          </a:fontRef>
+        </p:style>
+        <p:txBody>
+          <a:bodyPr rtlCol="0" anchor="ctr"/>
+          <a:lstStyle/>
+          <a:p>
+            <a:pPr algn="ctr"/>
+            <a:r>
+              <a:rPr lang="en-US" altLang="zh-TW" sz="3600" dirty="0">
+                <a:solidFill>
+                  <a:schemeClr val="accent5">
+                    <a:lumMod val="50000"/>
+                  </a:schemeClr>
+                </a:solidFill>
+              </a:rPr>
+              <a:t>Model</a:t>
+            </a:r>
+            <a:endParaRPr lang="zh-TW" altLang="en-US" sz="3600" dirty="0">
+              <a:solidFill>
+                <a:schemeClr val="accent5">
+                  <a:lumMod val="50000"/>
+                </a:schemeClr>
+              </a:solidFill>
+            </a:endParaRPr>
+          </a:p>
+        </p:txBody>
+      </p:sp>
+      <p:cxnSp>
+        <p:nvCxnSpPr>
+          <p:cNvPr id="15" name="直線單箭頭接點 14">
+            <a:extLst>
+              <a:ext uri="{FF2B5EF4-FFF2-40B4-BE49-F238E27FC236}">
+                <a16:creationId xmlns:a16="http://schemas.microsoft.com/office/drawing/2014/main" id="{B9BD4D60-9CA9-4EC2-B783-1819C807681F}"/>
+              </a:ext>
+            </a:extLst>
+          </p:cNvPr>
+          <p:cNvCxnSpPr/>
+          <p:nvPr/>
+        </p:nvCxnSpPr>
+        <p:spPr>
+          <a:xfrm flipH="1">
+            <a:off x="3041597" y="3116842"/>
+            <a:ext cx="908312" cy="908312"/>
+          </a:xfrm>
+          <a:prstGeom prst="straightConnector1">
+            <a:avLst/>
+          </a:prstGeom>
+          <a:ln w="76200">
+            <a:headEnd type="triangle" w="med" len="med"/>
+            <a:tailEnd type="none" w="med" len="med"/>
+          </a:ln>
+        </p:spPr>
+        <p:style>
+          <a:lnRef idx="1">
+            <a:schemeClr val="accent1"/>
+          </a:lnRef>
+          <a:fillRef idx="0">
+            <a:schemeClr val="accent1"/>
+          </a:fillRef>
+          <a:effectRef idx="0">
+            <a:schemeClr val="accent1"/>
+          </a:effectRef>
+          <a:fontRef idx="minor">
+            <a:schemeClr val="tx1"/>
+          </a:fontRef>
+        </p:style>
+      </p:cxnSp>
+      <p:cxnSp>
+        <p:nvCxnSpPr>
+          <p:cNvPr id="16" name="直線單箭頭接點 15">
+            <a:extLst>
+              <a:ext uri="{FF2B5EF4-FFF2-40B4-BE49-F238E27FC236}">
+                <a16:creationId xmlns:a16="http://schemas.microsoft.com/office/drawing/2014/main" id="{EEFB3E1B-6DAC-4135-BFBF-FA38CD82BB86}"/>
+              </a:ext>
+            </a:extLst>
+          </p:cNvPr>
+          <p:cNvCxnSpPr>
+            <a:cxnSpLocks/>
+          </p:cNvCxnSpPr>
+          <p:nvPr/>
+        </p:nvCxnSpPr>
+        <p:spPr>
+          <a:xfrm flipV="1">
+            <a:off x="3848549" y="3279311"/>
+            <a:ext cx="967216" cy="967216"/>
+          </a:xfrm>
+          <a:prstGeom prst="straightConnector1">
+            <a:avLst/>
+          </a:prstGeom>
+          <a:ln w="76200">
+            <a:headEnd type="triangle" w="med" len="med"/>
+            <a:tailEnd type="none" w="med" len="med"/>
+          </a:ln>
+        </p:spPr>
+        <p:style>
+          <a:lnRef idx="1">
+            <a:schemeClr val="accent1"/>
+          </a:lnRef>
+          <a:fillRef idx="0">
+            <a:schemeClr val="accent1"/>
+          </a:fillRef>
+          <a:effectRef idx="0">
+            <a:schemeClr val="accent1"/>
+          </a:effectRef>
+          <a:fontRef idx="minor">
+            <a:schemeClr val="tx1"/>
+          </a:fontRef>
+        </p:style>
+      </p:cxnSp>
+      <p:cxnSp>
+        <p:nvCxnSpPr>
+          <p:cNvPr id="18" name="直線單箭頭接點 17">
+            <a:extLst>
+              <a:ext uri="{FF2B5EF4-FFF2-40B4-BE49-F238E27FC236}">
+                <a16:creationId xmlns:a16="http://schemas.microsoft.com/office/drawing/2014/main" id="{D7082533-C910-4728-9F8D-FF42FF9BCF44}"/>
+              </a:ext>
+            </a:extLst>
+          </p:cNvPr>
+          <p:cNvCxnSpPr>
+            <a:cxnSpLocks/>
+          </p:cNvCxnSpPr>
+          <p:nvPr/>
+        </p:nvCxnSpPr>
+        <p:spPr>
+          <a:xfrm>
+            <a:off x="6359236" y="3128297"/>
+            <a:ext cx="1046981" cy="1061622"/>
+          </a:xfrm>
+          <a:prstGeom prst="straightConnector1">
+            <a:avLst/>
+          </a:prstGeom>
+          <a:ln w="76200">
+            <a:headEnd type="triangle" w="med" len="med"/>
+            <a:tailEnd type="none" w="med" len="med"/>
+          </a:ln>
+        </p:spPr>
+        <p:style>
+          <a:lnRef idx="1">
+            <a:schemeClr val="accent1"/>
+          </a:lnRef>
+          <a:fillRef idx="0">
+            <a:schemeClr val="accent1"/>
+          </a:fillRef>
+          <a:effectRef idx="0">
+            <a:schemeClr val="accent1"/>
+          </a:effectRef>
+          <a:fontRef idx="minor">
+            <a:schemeClr val="tx1"/>
+          </a:fontRef>
+        </p:style>
+      </p:cxnSp>
+      <p:cxnSp>
+        <p:nvCxnSpPr>
+          <p:cNvPr id="19" name="直線單箭頭接點 18">
+            <a:extLst>
+              <a:ext uri="{FF2B5EF4-FFF2-40B4-BE49-F238E27FC236}">
+                <a16:creationId xmlns:a16="http://schemas.microsoft.com/office/drawing/2014/main" id="{89410532-0A66-4191-A0EC-F8A44EA238A8}"/>
+              </a:ext>
+            </a:extLst>
+          </p:cNvPr>
+          <p:cNvCxnSpPr>
+            <a:cxnSpLocks/>
+          </p:cNvCxnSpPr>
+          <p:nvPr/>
+        </p:nvCxnSpPr>
+        <p:spPr>
+          <a:xfrm flipH="1" flipV="1">
+            <a:off x="7105338" y="3042889"/>
+            <a:ext cx="1071779" cy="1009821"/>
+          </a:xfrm>
+          <a:prstGeom prst="straightConnector1">
+            <a:avLst/>
+          </a:prstGeom>
+          <a:ln w="76200">
+            <a:headEnd type="triangle" w="med" len="med"/>
+            <a:tailEnd type="none" w="med" len="med"/>
+          </a:ln>
+        </p:spPr>
+        <p:style>
+          <a:lnRef idx="1">
+            <a:schemeClr val="accent1"/>
+          </a:lnRef>
+          <a:fillRef idx="0">
+            <a:schemeClr val="accent1"/>
+          </a:fillRef>
+          <a:effectRef idx="0">
+            <a:schemeClr val="accent1"/>
+          </a:effectRef>
+          <a:fontRef idx="minor">
+            <a:schemeClr val="tx1"/>
+          </a:fontRef>
+        </p:style>
+      </p:cxnSp>
     </p:spTree>
     <p:extLst>
       <p:ext uri="{BB962C8B-B14F-4D97-AF65-F5344CB8AC3E}">
-        <p14:creationId xmlns:p14="http://schemas.microsoft.com/office/powerpoint/2010/main" val="3716843144"/>
+        <p14:creationId xmlns:p14="http://schemas.microsoft.com/office/powerpoint/2010/main" val="2762065756"/>
       </p:ext>
     </p:extLst>
   </p:cSld>
@@ -45460,7 +47119,7 @@
           <p:cNvPr id="2" name="標題 1">
             <a:extLst>
               <a:ext uri="{FF2B5EF4-FFF2-40B4-BE49-F238E27FC236}">
-                <a16:creationId xmlns:a16="http://schemas.microsoft.com/office/drawing/2014/main" id="{7DEDC330-37AD-4044-B90E-A9343D32C22C}"/>
+                <a16:creationId xmlns:a16="http://schemas.microsoft.com/office/drawing/2014/main" id="{C6861AEC-93ED-4749-92E8-233C653B3682}"/>
               </a:ext>
             </a:extLst>
           </p:cNvPr>
@@ -45471,170 +47130,726 @@
             <p:ph type="title"/>
           </p:nvPr>
         </p:nvSpPr>
-        <p:spPr/>
+        <p:spPr>
+          <a:xfrm>
+            <a:off x="838200" y="365125"/>
+            <a:ext cx="10515600" cy="1325563"/>
+          </a:xfrm>
+        </p:spPr>
         <p:txBody>
           <a:bodyPr/>
           <a:lstStyle/>
           <a:p>
             <a:r>
-              <a:rPr lang="en-US" altLang="zh-TW" dirty="0">
+              <a:rPr lang="zh-TW" altLang="zh-TW" dirty="0">
                 <a:latin typeface="微軟正黑體" panose="020B0604030504040204" pitchFamily="34" charset="-120"/>
                 <a:ea typeface="微軟正黑體" panose="020B0604030504040204" pitchFamily="34" charset="-120"/>
               </a:rPr>
-              <a:t>JavaScript</a:t>
-            </a:r>
-            <a:endParaRPr lang="zh-TW" altLang="en-US" dirty="0"/>
+              <a:t>目前專案如何分層</a:t>
+            </a:r>
           </a:p>
         </p:txBody>
       </p:sp>
       <p:sp>
         <p:nvSpPr>
-          <p:cNvPr id="3" name="內容版面配置區 2">
+          <p:cNvPr id="4" name="文字方塊 3">
             <a:extLst>
               <a:ext uri="{FF2B5EF4-FFF2-40B4-BE49-F238E27FC236}">
-                <a16:creationId xmlns:a16="http://schemas.microsoft.com/office/drawing/2014/main" id="{F00B113A-D713-413F-A465-FE7A7256B3DB}"/>
+                <a16:creationId xmlns:a16="http://schemas.microsoft.com/office/drawing/2014/main" id="{5F95F02E-BB1E-4520-BE38-1755C8BE4850}"/>
               </a:ext>
             </a:extLst>
           </p:cNvPr>
-          <p:cNvSpPr>
-            <a:spLocks noGrp="1"/>
-          </p:cNvSpPr>
-          <p:nvPr>
-            <p:ph idx="1"/>
-          </p:nvPr>
+          <p:cNvSpPr txBox="1"/>
+          <p:nvPr/>
         </p:nvSpPr>
-        <p:spPr/>
+        <p:spPr>
+          <a:xfrm>
+            <a:off x="838200" y="5691783"/>
+            <a:ext cx="877163" cy="369332"/>
+          </a:xfrm>
+          <a:prstGeom prst="rect">
+            <a:avLst/>
+          </a:prstGeom>
+          <a:noFill/>
+        </p:spPr>
         <p:txBody>
-          <a:bodyPr/>
+          <a:bodyPr wrap="none" rtlCol="0">
+            <a:spAutoFit/>
+          </a:bodyPr>
           <a:lstStyle/>
           <a:p>
             <a:r>
-              <a:rPr lang="en-US" altLang="zh-TW" dirty="0"/>
-              <a:t>Console.log </a:t>
-            </a:r>
-            <a:r>
-              <a:rPr lang="zh-TW" altLang="en-US" dirty="0"/>
-              <a:t>的結果會相等</a:t>
-            </a:r>
-            <a:endParaRPr lang="en-US" altLang="zh-TW" dirty="0"/>
-          </a:p>
-          <a:p>
-            <a:r>
-              <a:rPr lang="zh-TW" altLang="en-US" dirty="0"/>
-              <a:t>原因</a:t>
-            </a:r>
-            <a:r>
-              <a:rPr lang="en-US" altLang="zh-TW" dirty="0"/>
-              <a:t>: </a:t>
-            </a:r>
-            <a:r>
-              <a:rPr lang="zh-TW" altLang="en-US" dirty="0"/>
-              <a:t>雖然變數 </a:t>
-            </a:r>
-            <a:r>
-              <a:rPr lang="en-US" altLang="zh-TW" dirty="0"/>
-              <a:t>b</a:t>
-            </a:r>
-            <a:r>
-              <a:rPr lang="zh-TW" altLang="en-US" dirty="0"/>
-              <a:t> 是宣告在 </a:t>
-            </a:r>
-            <a:r>
-              <a:rPr lang="en-US" altLang="zh-TW" dirty="0"/>
-              <a:t>if </a:t>
-            </a:r>
-            <a:r>
-              <a:rPr lang="zh-TW" altLang="en-US" dirty="0"/>
-              <a:t>這個區段內</a:t>
-            </a:r>
-            <a:r>
-              <a:rPr lang="en-US" altLang="zh-TW" dirty="0"/>
-              <a:t>,</a:t>
-            </a:r>
-            <a:r>
-              <a:rPr lang="zh-TW" altLang="en-US" dirty="0"/>
-              <a:t>但是在 </a:t>
-            </a:r>
-            <a:r>
-              <a:rPr lang="en-US" altLang="zh-TW" dirty="0" err="1"/>
-              <a:t>Javascript</a:t>
-            </a:r>
-            <a:r>
-              <a:rPr lang="en-US" altLang="zh-TW" dirty="0"/>
-              <a:t> </a:t>
-            </a:r>
-            <a:r>
-              <a:rPr lang="zh-TW" altLang="en-US" dirty="0"/>
-              <a:t>中變數的有效範圍最小單位是 </a:t>
-            </a:r>
-            <a:r>
-              <a:rPr lang="en-US" altLang="zh-TW" dirty="0"/>
-              <a:t>function,</a:t>
-            </a:r>
-            <a:r>
-              <a:rPr lang="zh-TW" altLang="en-US" dirty="0"/>
-              <a:t> 所以變數 </a:t>
-            </a:r>
-            <a:r>
-              <a:rPr lang="en-US" altLang="zh-TW" dirty="0"/>
-              <a:t>b</a:t>
-            </a:r>
-            <a:r>
-              <a:rPr lang="zh-TW" altLang="en-US" dirty="0"/>
-              <a:t> 的作用範圍並不會因為離開 </a:t>
-            </a:r>
-            <a:r>
-              <a:rPr lang="en-US" altLang="zh-TW" dirty="0"/>
-              <a:t>if</a:t>
-            </a:r>
-            <a:r>
-              <a:rPr lang="zh-TW" altLang="en-US" dirty="0"/>
-              <a:t> 這個區段就消失</a:t>
-            </a:r>
-            <a:r>
-              <a:rPr lang="en-US" altLang="zh-TW" dirty="0"/>
-              <a:t>, </a:t>
-            </a:r>
-            <a:r>
-              <a:rPr lang="zh-TW" altLang="en-US" dirty="0"/>
-              <a:t>因此我們在區段外 </a:t>
-            </a:r>
-            <a:r>
-              <a:rPr lang="en-US" altLang="zh-TW" dirty="0"/>
-              <a:t>console.log(</a:t>
-            </a:r>
-            <a:r>
-              <a:rPr lang="en-US" altLang="zh-TW" dirty="0" err="1"/>
-              <a:t>a,b</a:t>
-            </a:r>
-            <a:r>
-              <a:rPr lang="en-US" altLang="zh-TW" dirty="0"/>
-              <a:t>)</a:t>
-            </a:r>
-            <a:r>
-              <a:rPr lang="zh-TW" altLang="en-US" dirty="0"/>
-              <a:t> 時也能讀的到變數 </a:t>
-            </a:r>
-            <a:r>
-              <a:rPr lang="en-US" altLang="zh-TW" dirty="0"/>
-              <a:t>b</a:t>
-            </a:r>
-            <a:r>
-              <a:rPr lang="zh-TW" altLang="en-US" dirty="0"/>
-              <a:t> </a:t>
-            </a:r>
-            <a:r>
-              <a:rPr lang="en-US" altLang="zh-TW" dirty="0"/>
-              <a:t>.</a:t>
-            </a:r>
-            <a:endParaRPr lang="zh-TW" altLang="en-US" dirty="0"/>
+              <a:rPr lang="zh-TW" altLang="en-US" b="1" dirty="0">
+                <a:latin typeface="微軟正黑體" panose="020B0604030504040204" pitchFamily="34" charset="-120"/>
+                <a:ea typeface="微軟正黑體" panose="020B0604030504040204" pitchFamily="34" charset="-120"/>
+              </a:rPr>
+              <a:t>黃添賜</a:t>
+            </a:r>
           </a:p>
         </p:txBody>
       </p:sp>
+      <p:cxnSp>
+        <p:nvCxnSpPr>
+          <p:cNvPr id="5" name="直線接點 4">
+            <a:extLst>
+              <a:ext uri="{FF2B5EF4-FFF2-40B4-BE49-F238E27FC236}">
+                <a16:creationId xmlns:a16="http://schemas.microsoft.com/office/drawing/2014/main" id="{8D387A0C-327B-40BE-8558-F5A9192F6F39}"/>
+              </a:ext>
+            </a:extLst>
+          </p:cNvPr>
+          <p:cNvCxnSpPr>
+            <a:cxnSpLocks/>
+          </p:cNvCxnSpPr>
+          <p:nvPr/>
+        </p:nvCxnSpPr>
+        <p:spPr>
+          <a:xfrm>
+            <a:off x="914400" y="1442906"/>
+            <a:ext cx="10439400" cy="0"/>
+          </a:xfrm>
+          <a:prstGeom prst="line">
+            <a:avLst/>
+          </a:prstGeom>
+          <a:ln w="28575">
+            <a:solidFill>
+              <a:srgbClr val="569CD6"/>
+            </a:solidFill>
+          </a:ln>
+        </p:spPr>
+        <p:style>
+          <a:lnRef idx="1">
+            <a:schemeClr val="accent1"/>
+          </a:lnRef>
+          <a:fillRef idx="0">
+            <a:schemeClr val="accent1"/>
+          </a:fillRef>
+          <a:effectRef idx="0">
+            <a:schemeClr val="accent1"/>
+          </a:effectRef>
+          <a:fontRef idx="minor">
+            <a:schemeClr val="tx1"/>
+          </a:fontRef>
+        </p:style>
+      </p:cxnSp>
+      <p:sp>
+        <p:nvSpPr>
+          <p:cNvPr id="11" name="矩形 10">
+            <a:extLst>
+              <a:ext uri="{FF2B5EF4-FFF2-40B4-BE49-F238E27FC236}">
+                <a16:creationId xmlns:a16="http://schemas.microsoft.com/office/drawing/2014/main" id="{013C9278-4C8D-4FB7-8C51-703BBD34C21C}"/>
+              </a:ext>
+            </a:extLst>
+          </p:cNvPr>
+          <p:cNvSpPr/>
+          <p:nvPr/>
+        </p:nvSpPr>
+        <p:spPr>
+          <a:xfrm>
+            <a:off x="3476780" y="1854069"/>
+            <a:ext cx="1491401" cy="914400"/>
+          </a:xfrm>
+          <a:prstGeom prst="rect">
+            <a:avLst/>
+          </a:prstGeom>
+          <a:solidFill>
+            <a:schemeClr val="accent5">
+              <a:lumMod val="60000"/>
+              <a:lumOff val="40000"/>
+            </a:schemeClr>
+          </a:solidFill>
+        </p:spPr>
+        <p:style>
+          <a:lnRef idx="2">
+            <a:schemeClr val="accent1">
+              <a:shade val="50000"/>
+            </a:schemeClr>
+          </a:lnRef>
+          <a:fillRef idx="1">
+            <a:schemeClr val="accent1"/>
+          </a:fillRef>
+          <a:effectRef idx="0">
+            <a:schemeClr val="accent1"/>
+          </a:effectRef>
+          <a:fontRef idx="minor">
+            <a:schemeClr val="lt1"/>
+          </a:fontRef>
+        </p:style>
+        <p:txBody>
+          <a:bodyPr rtlCol="0" anchor="ctr"/>
+          <a:lstStyle/>
+          <a:p>
+            <a:pPr algn="ctr"/>
+            <a:r>
+              <a:rPr lang="en-US" altLang="zh-TW" sz="2400" dirty="0">
+                <a:solidFill>
+                  <a:schemeClr val="accent5">
+                    <a:lumMod val="50000"/>
+                  </a:schemeClr>
+                </a:solidFill>
+              </a:rPr>
+              <a:t>Controller</a:t>
+            </a:r>
+            <a:endParaRPr lang="zh-TW" altLang="en-US" sz="2400" dirty="0">
+              <a:solidFill>
+                <a:schemeClr val="accent5">
+                  <a:lumMod val="50000"/>
+                </a:schemeClr>
+              </a:solidFill>
+            </a:endParaRPr>
+          </a:p>
+        </p:txBody>
+      </p:sp>
+      <p:sp>
+        <p:nvSpPr>
+          <p:cNvPr id="12" name="矩形 11">
+            <a:extLst>
+              <a:ext uri="{FF2B5EF4-FFF2-40B4-BE49-F238E27FC236}">
+                <a16:creationId xmlns:a16="http://schemas.microsoft.com/office/drawing/2014/main" id="{B6D4EC5A-7FEA-42E8-9598-6EACE4C7503B}"/>
+              </a:ext>
+            </a:extLst>
+          </p:cNvPr>
+          <p:cNvSpPr/>
+          <p:nvPr/>
+        </p:nvSpPr>
+        <p:spPr>
+          <a:xfrm>
+            <a:off x="1391013" y="4139300"/>
+            <a:ext cx="1210976" cy="914400"/>
+          </a:xfrm>
+          <a:prstGeom prst="rect">
+            <a:avLst/>
+          </a:prstGeom>
+          <a:solidFill>
+            <a:schemeClr val="accent5">
+              <a:lumMod val="60000"/>
+              <a:lumOff val="40000"/>
+            </a:schemeClr>
+          </a:solidFill>
+        </p:spPr>
+        <p:style>
+          <a:lnRef idx="2">
+            <a:schemeClr val="accent1">
+              <a:shade val="50000"/>
+            </a:schemeClr>
+          </a:lnRef>
+          <a:fillRef idx="1">
+            <a:schemeClr val="accent1"/>
+          </a:fillRef>
+          <a:effectRef idx="0">
+            <a:schemeClr val="accent1"/>
+          </a:effectRef>
+          <a:fontRef idx="minor">
+            <a:schemeClr val="lt1"/>
+          </a:fontRef>
+        </p:style>
+        <p:txBody>
+          <a:bodyPr rtlCol="0" anchor="ctr"/>
+          <a:lstStyle/>
+          <a:p>
+            <a:pPr algn="ctr"/>
+            <a:r>
+              <a:rPr lang="en-US" altLang="zh-TW" sz="2400" dirty="0">
+                <a:solidFill>
+                  <a:schemeClr val="accent5">
+                    <a:lumMod val="50000"/>
+                  </a:schemeClr>
+                </a:solidFill>
+              </a:rPr>
+              <a:t>View</a:t>
+            </a:r>
+            <a:endParaRPr lang="zh-TW" altLang="en-US" sz="2400" dirty="0">
+              <a:solidFill>
+                <a:schemeClr val="accent5">
+                  <a:lumMod val="50000"/>
+                </a:schemeClr>
+              </a:solidFill>
+            </a:endParaRPr>
+          </a:p>
+        </p:txBody>
+      </p:sp>
+      <p:sp>
+        <p:nvSpPr>
+          <p:cNvPr id="13" name="矩形 12">
+            <a:extLst>
+              <a:ext uri="{FF2B5EF4-FFF2-40B4-BE49-F238E27FC236}">
+                <a16:creationId xmlns:a16="http://schemas.microsoft.com/office/drawing/2014/main" id="{22FBB2C8-A426-4A64-818D-06C62B7F87DA}"/>
+              </a:ext>
+            </a:extLst>
+          </p:cNvPr>
+          <p:cNvSpPr/>
+          <p:nvPr/>
+        </p:nvSpPr>
+        <p:spPr>
+          <a:xfrm>
+            <a:off x="10235018" y="4579575"/>
+            <a:ext cx="1491401" cy="914400"/>
+          </a:xfrm>
+          <a:prstGeom prst="rect">
+            <a:avLst/>
+          </a:prstGeom>
+          <a:solidFill>
+            <a:schemeClr val="accent5">
+              <a:lumMod val="60000"/>
+              <a:lumOff val="40000"/>
+            </a:schemeClr>
+          </a:solidFill>
+        </p:spPr>
+        <p:style>
+          <a:lnRef idx="2">
+            <a:schemeClr val="accent1">
+              <a:shade val="50000"/>
+            </a:schemeClr>
+          </a:lnRef>
+          <a:fillRef idx="1">
+            <a:schemeClr val="accent1"/>
+          </a:fillRef>
+          <a:effectRef idx="0">
+            <a:schemeClr val="accent1"/>
+          </a:effectRef>
+          <a:fontRef idx="minor">
+            <a:schemeClr val="lt1"/>
+          </a:fontRef>
+        </p:style>
+        <p:txBody>
+          <a:bodyPr rtlCol="0" anchor="ctr"/>
+          <a:lstStyle/>
+          <a:p>
+            <a:pPr algn="ctr"/>
+            <a:r>
+              <a:rPr lang="en-US" altLang="zh-TW" sz="2400" dirty="0">
+                <a:solidFill>
+                  <a:schemeClr val="accent5">
+                    <a:lumMod val="50000"/>
+                  </a:schemeClr>
+                </a:solidFill>
+              </a:rPr>
+              <a:t>Model</a:t>
+            </a:r>
+            <a:endParaRPr lang="zh-TW" altLang="en-US" sz="2400" dirty="0">
+              <a:solidFill>
+                <a:schemeClr val="accent5">
+                  <a:lumMod val="50000"/>
+                </a:schemeClr>
+              </a:solidFill>
+            </a:endParaRPr>
+          </a:p>
+        </p:txBody>
+      </p:sp>
+      <p:grpSp>
+        <p:nvGrpSpPr>
+          <p:cNvPr id="35" name="群組 34">
+            <a:extLst>
+              <a:ext uri="{FF2B5EF4-FFF2-40B4-BE49-F238E27FC236}">
+                <a16:creationId xmlns:a16="http://schemas.microsoft.com/office/drawing/2014/main" id="{4AE19E18-101E-49AC-A109-C1B99D10E830}"/>
+              </a:ext>
+            </a:extLst>
+          </p:cNvPr>
+          <p:cNvGrpSpPr/>
+          <p:nvPr/>
+        </p:nvGrpSpPr>
+        <p:grpSpPr>
+          <a:xfrm rot="18767601">
+            <a:off x="2517519" y="3264387"/>
+            <a:ext cx="1210975" cy="450822"/>
+            <a:chOff x="1715363" y="2718789"/>
+            <a:chExt cx="1210975" cy="450822"/>
+          </a:xfrm>
+        </p:grpSpPr>
+        <p:cxnSp>
+          <p:nvCxnSpPr>
+            <p:cNvPr id="15" name="直線單箭頭接點 14">
+              <a:extLst>
+                <a:ext uri="{FF2B5EF4-FFF2-40B4-BE49-F238E27FC236}">
+                  <a16:creationId xmlns:a16="http://schemas.microsoft.com/office/drawing/2014/main" id="{B9BD4D60-9CA9-4EC2-B783-1819C807681F}"/>
+                </a:ext>
+              </a:extLst>
+            </p:cNvPr>
+            <p:cNvCxnSpPr>
+              <a:cxnSpLocks/>
+            </p:cNvCxnSpPr>
+            <p:nvPr/>
+          </p:nvCxnSpPr>
+          <p:spPr>
+            <a:xfrm flipH="1">
+              <a:off x="1715363" y="2718789"/>
+              <a:ext cx="1210975" cy="0"/>
+            </a:xfrm>
+            <a:prstGeom prst="straightConnector1">
+              <a:avLst/>
+            </a:prstGeom>
+            <a:ln w="76200">
+              <a:headEnd type="triangle" w="med" len="med"/>
+              <a:tailEnd type="none" w="med" len="med"/>
+            </a:ln>
+          </p:spPr>
+          <p:style>
+            <a:lnRef idx="1">
+              <a:schemeClr val="accent1"/>
+            </a:lnRef>
+            <a:fillRef idx="0">
+              <a:schemeClr val="accent1"/>
+            </a:fillRef>
+            <a:effectRef idx="0">
+              <a:schemeClr val="accent1"/>
+            </a:effectRef>
+            <a:fontRef idx="minor">
+              <a:schemeClr val="tx1"/>
+            </a:fontRef>
+          </p:style>
+        </p:cxnSp>
+        <p:cxnSp>
+          <p:nvCxnSpPr>
+            <p:cNvPr id="16" name="直線單箭頭接點 15">
+              <a:extLst>
+                <a:ext uri="{FF2B5EF4-FFF2-40B4-BE49-F238E27FC236}">
+                  <a16:creationId xmlns:a16="http://schemas.microsoft.com/office/drawing/2014/main" id="{EEFB3E1B-6DAC-4135-BFBF-FA38CD82BB86}"/>
+                </a:ext>
+              </a:extLst>
+            </p:cNvPr>
+            <p:cNvCxnSpPr>
+              <a:cxnSpLocks/>
+            </p:cNvCxnSpPr>
+            <p:nvPr/>
+          </p:nvCxnSpPr>
+          <p:spPr>
+            <a:xfrm>
+              <a:off x="1715363" y="3169611"/>
+              <a:ext cx="1210975" cy="0"/>
+            </a:xfrm>
+            <a:prstGeom prst="straightConnector1">
+              <a:avLst/>
+            </a:prstGeom>
+            <a:ln w="76200">
+              <a:headEnd type="triangle" w="med" len="med"/>
+              <a:tailEnd type="none" w="med" len="med"/>
+            </a:ln>
+          </p:spPr>
+          <p:style>
+            <a:lnRef idx="1">
+              <a:schemeClr val="accent1"/>
+            </a:lnRef>
+            <a:fillRef idx="0">
+              <a:schemeClr val="accent1"/>
+            </a:fillRef>
+            <a:effectRef idx="0">
+              <a:schemeClr val="accent1"/>
+            </a:effectRef>
+            <a:fontRef idx="minor">
+              <a:schemeClr val="tx1"/>
+            </a:fontRef>
+          </p:style>
+        </p:cxnSp>
+      </p:grpSp>
+      <p:sp>
+        <p:nvSpPr>
+          <p:cNvPr id="32" name="矩形 31">
+            <a:extLst>
+              <a:ext uri="{FF2B5EF4-FFF2-40B4-BE49-F238E27FC236}">
+                <a16:creationId xmlns:a16="http://schemas.microsoft.com/office/drawing/2014/main" id="{FA13F392-EF26-4FF2-8503-6C8A12480E09}"/>
+              </a:ext>
+            </a:extLst>
+          </p:cNvPr>
+          <p:cNvSpPr/>
+          <p:nvPr/>
+        </p:nvSpPr>
+        <p:spPr>
+          <a:xfrm>
+            <a:off x="6870758" y="3134911"/>
+            <a:ext cx="1491401" cy="914400"/>
+          </a:xfrm>
+          <a:prstGeom prst="rect">
+            <a:avLst/>
+          </a:prstGeom>
+          <a:solidFill>
+            <a:schemeClr val="accent5">
+              <a:lumMod val="60000"/>
+              <a:lumOff val="40000"/>
+            </a:schemeClr>
+          </a:solidFill>
+        </p:spPr>
+        <p:style>
+          <a:lnRef idx="2">
+            <a:schemeClr val="accent1">
+              <a:shade val="50000"/>
+            </a:schemeClr>
+          </a:lnRef>
+          <a:fillRef idx="1">
+            <a:schemeClr val="accent1"/>
+          </a:fillRef>
+          <a:effectRef idx="0">
+            <a:schemeClr val="accent1"/>
+          </a:effectRef>
+          <a:fontRef idx="minor">
+            <a:schemeClr val="lt1"/>
+          </a:fontRef>
+        </p:style>
+        <p:txBody>
+          <a:bodyPr rtlCol="0" anchor="ctr"/>
+          <a:lstStyle/>
+          <a:p>
+            <a:pPr algn="ctr"/>
+            <a:r>
+              <a:rPr lang="zh-TW" altLang="en-US" dirty="0">
+                <a:solidFill>
+                  <a:schemeClr val="accent5">
+                    <a:lumMod val="50000"/>
+                  </a:schemeClr>
+                </a:solidFill>
+                <a:latin typeface="微軟正黑體" panose="020B0604030504040204" pitchFamily="34" charset="-120"/>
+                <a:ea typeface="微軟正黑體" panose="020B0604030504040204" pitchFamily="34" charset="-120"/>
+              </a:rPr>
+              <a:t>商業邏輯層</a:t>
+            </a:r>
+            <a:endParaRPr lang="en-US" altLang="zh-TW" dirty="0">
+              <a:solidFill>
+                <a:schemeClr val="accent5">
+                  <a:lumMod val="50000"/>
+                </a:schemeClr>
+              </a:solidFill>
+              <a:latin typeface="微軟正黑體" panose="020B0604030504040204" pitchFamily="34" charset="-120"/>
+              <a:ea typeface="微軟正黑體" panose="020B0604030504040204" pitchFamily="34" charset="-120"/>
+            </a:endParaRPr>
+          </a:p>
+          <a:p>
+            <a:pPr algn="ctr"/>
+            <a:r>
+              <a:rPr lang="en-US" altLang="zh-TW" dirty="0">
+                <a:solidFill>
+                  <a:schemeClr val="accent5">
+                    <a:lumMod val="50000"/>
+                  </a:schemeClr>
+                </a:solidFill>
+                <a:latin typeface="微軟正黑體" panose="020B0604030504040204" pitchFamily="34" charset="-120"/>
+                <a:ea typeface="微軟正黑體" panose="020B0604030504040204" pitchFamily="34" charset="-120"/>
+              </a:rPr>
+              <a:t>(BLL)</a:t>
+            </a:r>
+            <a:endParaRPr lang="zh-TW" altLang="en-US" dirty="0">
+              <a:solidFill>
+                <a:schemeClr val="accent5">
+                  <a:lumMod val="50000"/>
+                </a:schemeClr>
+              </a:solidFill>
+              <a:latin typeface="微軟正黑體" panose="020B0604030504040204" pitchFamily="34" charset="-120"/>
+              <a:ea typeface="微軟正黑體" panose="020B0604030504040204" pitchFamily="34" charset="-120"/>
+            </a:endParaRPr>
+          </a:p>
+        </p:txBody>
+      </p:sp>
+      <p:grpSp>
+        <p:nvGrpSpPr>
+          <p:cNvPr id="36" name="群組 35">
+            <a:extLst>
+              <a:ext uri="{FF2B5EF4-FFF2-40B4-BE49-F238E27FC236}">
+                <a16:creationId xmlns:a16="http://schemas.microsoft.com/office/drawing/2014/main" id="{43434998-2B0C-4E24-8505-C52491EB7CFE}"/>
+              </a:ext>
+            </a:extLst>
+          </p:cNvPr>
+          <p:cNvGrpSpPr/>
+          <p:nvPr/>
+        </p:nvGrpSpPr>
+        <p:grpSpPr>
+          <a:xfrm rot="1566968">
+            <a:off x="8709439" y="4115859"/>
+            <a:ext cx="1210975" cy="450822"/>
+            <a:chOff x="1715363" y="2718789"/>
+            <a:chExt cx="1210975" cy="450822"/>
+          </a:xfrm>
+        </p:grpSpPr>
+        <p:cxnSp>
+          <p:nvCxnSpPr>
+            <p:cNvPr id="37" name="直線單箭頭接點 36">
+              <a:extLst>
+                <a:ext uri="{FF2B5EF4-FFF2-40B4-BE49-F238E27FC236}">
+                  <a16:creationId xmlns:a16="http://schemas.microsoft.com/office/drawing/2014/main" id="{5E66E889-2894-4D3C-BC5A-F21F7A4AC087}"/>
+                </a:ext>
+              </a:extLst>
+            </p:cNvPr>
+            <p:cNvCxnSpPr>
+              <a:cxnSpLocks/>
+            </p:cNvCxnSpPr>
+            <p:nvPr/>
+          </p:nvCxnSpPr>
+          <p:spPr>
+            <a:xfrm flipH="1">
+              <a:off x="1715363" y="2718789"/>
+              <a:ext cx="1210975" cy="0"/>
+            </a:xfrm>
+            <a:prstGeom prst="straightConnector1">
+              <a:avLst/>
+            </a:prstGeom>
+            <a:ln w="76200">
+              <a:headEnd type="triangle" w="med" len="med"/>
+              <a:tailEnd type="none" w="med" len="med"/>
+            </a:ln>
+          </p:spPr>
+          <p:style>
+            <a:lnRef idx="1">
+              <a:schemeClr val="accent1"/>
+            </a:lnRef>
+            <a:fillRef idx="0">
+              <a:schemeClr val="accent1"/>
+            </a:fillRef>
+            <a:effectRef idx="0">
+              <a:schemeClr val="accent1"/>
+            </a:effectRef>
+            <a:fontRef idx="minor">
+              <a:schemeClr val="tx1"/>
+            </a:fontRef>
+          </p:style>
+        </p:cxnSp>
+        <p:cxnSp>
+          <p:nvCxnSpPr>
+            <p:cNvPr id="38" name="直線單箭頭接點 37">
+              <a:extLst>
+                <a:ext uri="{FF2B5EF4-FFF2-40B4-BE49-F238E27FC236}">
+                  <a16:creationId xmlns:a16="http://schemas.microsoft.com/office/drawing/2014/main" id="{41F9D558-FAF5-4ED2-A764-7B19C22038A8}"/>
+                </a:ext>
+              </a:extLst>
+            </p:cNvPr>
+            <p:cNvCxnSpPr>
+              <a:cxnSpLocks/>
+            </p:cNvCxnSpPr>
+            <p:nvPr/>
+          </p:nvCxnSpPr>
+          <p:spPr>
+            <a:xfrm>
+              <a:off x="1715363" y="3169611"/>
+              <a:ext cx="1210975" cy="0"/>
+            </a:xfrm>
+            <a:prstGeom prst="straightConnector1">
+              <a:avLst/>
+            </a:prstGeom>
+            <a:ln w="76200">
+              <a:headEnd type="triangle" w="med" len="med"/>
+              <a:tailEnd type="none" w="med" len="med"/>
+            </a:ln>
+          </p:spPr>
+          <p:style>
+            <a:lnRef idx="1">
+              <a:schemeClr val="accent1"/>
+            </a:lnRef>
+            <a:fillRef idx="0">
+              <a:schemeClr val="accent1"/>
+            </a:fillRef>
+            <a:effectRef idx="0">
+              <a:schemeClr val="accent1"/>
+            </a:effectRef>
+            <a:fontRef idx="minor">
+              <a:schemeClr val="tx1"/>
+            </a:fontRef>
+          </p:style>
+        </p:cxnSp>
+      </p:grpSp>
+      <p:grpSp>
+        <p:nvGrpSpPr>
+          <p:cNvPr id="42" name="群組 41">
+            <a:extLst>
+              <a:ext uri="{FF2B5EF4-FFF2-40B4-BE49-F238E27FC236}">
+                <a16:creationId xmlns:a16="http://schemas.microsoft.com/office/drawing/2014/main" id="{13AE9BC8-57B4-444B-8537-825329183ED8}"/>
+              </a:ext>
+            </a:extLst>
+          </p:cNvPr>
+          <p:cNvGrpSpPr/>
+          <p:nvPr/>
+        </p:nvGrpSpPr>
+        <p:grpSpPr>
+          <a:xfrm rot="1566968">
+            <a:off x="5359286" y="2897073"/>
+            <a:ext cx="1210975" cy="450822"/>
+            <a:chOff x="1715363" y="2718789"/>
+            <a:chExt cx="1210975" cy="450822"/>
+          </a:xfrm>
+        </p:grpSpPr>
+        <p:cxnSp>
+          <p:nvCxnSpPr>
+            <p:cNvPr id="43" name="直線單箭頭接點 42">
+              <a:extLst>
+                <a:ext uri="{FF2B5EF4-FFF2-40B4-BE49-F238E27FC236}">
+                  <a16:creationId xmlns:a16="http://schemas.microsoft.com/office/drawing/2014/main" id="{CEB0AC84-1477-4BE7-8F66-EFEE9FA7F7BC}"/>
+                </a:ext>
+              </a:extLst>
+            </p:cNvPr>
+            <p:cNvCxnSpPr>
+              <a:cxnSpLocks/>
+            </p:cNvCxnSpPr>
+            <p:nvPr/>
+          </p:nvCxnSpPr>
+          <p:spPr>
+            <a:xfrm flipH="1">
+              <a:off x="1715363" y="2718789"/>
+              <a:ext cx="1210975" cy="0"/>
+            </a:xfrm>
+            <a:prstGeom prst="straightConnector1">
+              <a:avLst/>
+            </a:prstGeom>
+            <a:ln w="76200">
+              <a:headEnd type="triangle" w="med" len="med"/>
+              <a:tailEnd type="none" w="med" len="med"/>
+            </a:ln>
+          </p:spPr>
+          <p:style>
+            <a:lnRef idx="1">
+              <a:schemeClr val="accent1"/>
+            </a:lnRef>
+            <a:fillRef idx="0">
+              <a:schemeClr val="accent1"/>
+            </a:fillRef>
+            <a:effectRef idx="0">
+              <a:schemeClr val="accent1"/>
+            </a:effectRef>
+            <a:fontRef idx="minor">
+              <a:schemeClr val="tx1"/>
+            </a:fontRef>
+          </p:style>
+        </p:cxnSp>
+        <p:cxnSp>
+          <p:nvCxnSpPr>
+            <p:cNvPr id="44" name="直線單箭頭接點 43">
+              <a:extLst>
+                <a:ext uri="{FF2B5EF4-FFF2-40B4-BE49-F238E27FC236}">
+                  <a16:creationId xmlns:a16="http://schemas.microsoft.com/office/drawing/2014/main" id="{8EE7EEFA-ACCE-4683-946B-DA1646360235}"/>
+                </a:ext>
+              </a:extLst>
+            </p:cNvPr>
+            <p:cNvCxnSpPr>
+              <a:cxnSpLocks/>
+            </p:cNvCxnSpPr>
+            <p:nvPr/>
+          </p:nvCxnSpPr>
+          <p:spPr>
+            <a:xfrm>
+              <a:off x="1715363" y="3169611"/>
+              <a:ext cx="1210975" cy="0"/>
+            </a:xfrm>
+            <a:prstGeom prst="straightConnector1">
+              <a:avLst/>
+            </a:prstGeom>
+            <a:ln w="76200">
+              <a:headEnd type="triangle" w="med" len="med"/>
+              <a:tailEnd type="none" w="med" len="med"/>
+            </a:ln>
+          </p:spPr>
+          <p:style>
+            <a:lnRef idx="1">
+              <a:schemeClr val="accent1"/>
+            </a:lnRef>
+            <a:fillRef idx="0">
+              <a:schemeClr val="accent1"/>
+            </a:fillRef>
+            <a:effectRef idx="0">
+              <a:schemeClr val="accent1"/>
+            </a:effectRef>
+            <a:fontRef idx="minor">
+              <a:schemeClr val="tx1"/>
+            </a:fontRef>
+          </p:style>
+        </p:cxnSp>
+      </p:grpSp>
     </p:spTree>
     <p:extLst>
       <p:ext uri="{BB962C8B-B14F-4D97-AF65-F5344CB8AC3E}">
-        <p14:creationId xmlns:p14="http://schemas.microsoft.com/office/powerpoint/2010/main" val="742476863"/>
+        <p14:creationId xmlns:p14="http://schemas.microsoft.com/office/powerpoint/2010/main" val="4115601265"/>
       </p:ext>
     </p:extLst>
   </p:cSld>

--- a/測驗題.pptx
+++ b/測驗題.pptx
@@ -6,7 +6,7 @@
     <p:sldMasterId id="2147483660" r:id="rId2"/>
   </p:sldMasterIdLst>
   <p:notesMasterIdLst>
-    <p:notesMasterId r:id="rId28"/>
+    <p:notesMasterId r:id="rId29"/>
   </p:notesMasterIdLst>
   <p:sldIdLst>
     <p:sldId id="256" r:id="rId3"/>
@@ -20,20 +20,21 @@
     <p:sldId id="280" r:id="rId11"/>
     <p:sldId id="281" r:id="rId12"/>
     <p:sldId id="282" r:id="rId13"/>
-    <p:sldId id="267" r:id="rId14"/>
-    <p:sldId id="268" r:id="rId15"/>
-    <p:sldId id="262" r:id="rId16"/>
-    <p:sldId id="269" r:id="rId17"/>
-    <p:sldId id="270" r:id="rId18"/>
-    <p:sldId id="271" r:id="rId19"/>
-    <p:sldId id="263" r:id="rId20"/>
-    <p:sldId id="272" r:id="rId21"/>
-    <p:sldId id="273" r:id="rId22"/>
-    <p:sldId id="274" r:id="rId23"/>
-    <p:sldId id="275" r:id="rId24"/>
-    <p:sldId id="276" r:id="rId25"/>
-    <p:sldId id="277" r:id="rId26"/>
-    <p:sldId id="278" r:id="rId27"/>
+    <p:sldId id="283" r:id="rId14"/>
+    <p:sldId id="267" r:id="rId15"/>
+    <p:sldId id="268" r:id="rId16"/>
+    <p:sldId id="262" r:id="rId17"/>
+    <p:sldId id="269" r:id="rId18"/>
+    <p:sldId id="270" r:id="rId19"/>
+    <p:sldId id="271" r:id="rId20"/>
+    <p:sldId id="263" r:id="rId21"/>
+    <p:sldId id="272" r:id="rId22"/>
+    <p:sldId id="273" r:id="rId23"/>
+    <p:sldId id="274" r:id="rId24"/>
+    <p:sldId id="275" r:id="rId25"/>
+    <p:sldId id="276" r:id="rId26"/>
+    <p:sldId id="277" r:id="rId27"/>
+    <p:sldId id="278" r:id="rId28"/>
   </p:sldIdLst>
   <p:sldSz cx="12192000" cy="6858000"/>
   <p:notesSz cx="6858000" cy="9144000"/>
@@ -15999,6 +16000,201 @@
           <p:cNvPr id="2" name="標題 1">
             <a:extLst>
               <a:ext uri="{FF2B5EF4-FFF2-40B4-BE49-F238E27FC236}">
+                <a16:creationId xmlns:a16="http://schemas.microsoft.com/office/drawing/2014/main" id="{F29CFF81-0EE9-4A4E-B9B9-DF26736A6328}"/>
+              </a:ext>
+            </a:extLst>
+          </p:cNvPr>
+          <p:cNvSpPr>
+            <a:spLocks noGrp="1"/>
+          </p:cNvSpPr>
+          <p:nvPr>
+            <p:ph type="title"/>
+          </p:nvPr>
+        </p:nvSpPr>
+        <p:spPr/>
+        <p:txBody>
+          <a:bodyPr/>
+          <a:lstStyle/>
+          <a:p>
+            <a:r>
+              <a:rPr lang="zh-TW" altLang="zh-TW" dirty="0">
+                <a:latin typeface="微軟正黑體" panose="020B0604030504040204" pitchFamily="34" charset="-120"/>
+                <a:ea typeface="微軟正黑體" panose="020B0604030504040204" pitchFamily="34" charset="-120"/>
+              </a:rPr>
+              <a:t>目前專案如何套用</a:t>
+            </a:r>
+            <a:r>
+              <a:rPr lang="en-US" altLang="zh-TW" dirty="0">
+                <a:latin typeface="微軟正黑體" panose="020B0604030504040204" pitchFamily="34" charset="-120"/>
+                <a:ea typeface="微軟正黑體" panose="020B0604030504040204" pitchFamily="34" charset="-120"/>
+              </a:rPr>
+              <a:t>RESTful </a:t>
+            </a:r>
+            <a:r>
+              <a:rPr lang="en-US" altLang="zh-TW" dirty="0" err="1">
+                <a:latin typeface="微軟正黑體" panose="020B0604030504040204" pitchFamily="34" charset="-120"/>
+                <a:ea typeface="微軟正黑體" panose="020B0604030504040204" pitchFamily="34" charset="-120"/>
+              </a:rPr>
+              <a:t>api</a:t>
+            </a:r>
+            <a:endParaRPr lang="zh-TW" altLang="en-US" dirty="0">
+              <a:latin typeface="微軟正黑體" panose="020B0604030504040204" pitchFamily="34" charset="-120"/>
+              <a:ea typeface="微軟正黑體" panose="020B0604030504040204" pitchFamily="34" charset="-120"/>
+            </a:endParaRPr>
+          </a:p>
+        </p:txBody>
+      </p:sp>
+      <p:pic>
+        <p:nvPicPr>
+          <p:cNvPr id="7" name="內容版面配置區 6">
+            <a:extLst>
+              <a:ext uri="{FF2B5EF4-FFF2-40B4-BE49-F238E27FC236}">
+                <a16:creationId xmlns:a16="http://schemas.microsoft.com/office/drawing/2014/main" id="{193E545D-3CA5-4644-8C41-A3E50CCAB484}"/>
+              </a:ext>
+            </a:extLst>
+          </p:cNvPr>
+          <p:cNvPicPr>
+            <a:picLocks noGrp="1" noChangeAspect="1"/>
+          </p:cNvPicPr>
+          <p:nvPr>
+            <p:ph idx="1"/>
+          </p:nvPr>
+        </p:nvPicPr>
+        <p:blipFill>
+          <a:blip r:embed="rId2">
+            <a:extLst>
+              <a:ext uri="{28A0092B-C50C-407E-A947-70E740481C1C}">
+                <a14:useLocalDpi xmlns:a14="http://schemas.microsoft.com/office/drawing/2010/main" val="0"/>
+              </a:ext>
+            </a:extLst>
+          </a:blip>
+          <a:stretch>
+            <a:fillRect/>
+          </a:stretch>
+        </p:blipFill>
+        <p:spPr>
+          <a:xfrm>
+            <a:off x="3195108" y="1825625"/>
+            <a:ext cx="5801784" cy="4351338"/>
+          </a:xfrm>
+        </p:spPr>
+      </p:pic>
+      <p:sp>
+        <p:nvSpPr>
+          <p:cNvPr id="4" name="文字方塊 3">
+            <a:extLst>
+              <a:ext uri="{FF2B5EF4-FFF2-40B4-BE49-F238E27FC236}">
+                <a16:creationId xmlns:a16="http://schemas.microsoft.com/office/drawing/2014/main" id="{045AF720-7B10-49B5-BED4-DD02E663C910}"/>
+              </a:ext>
+            </a:extLst>
+          </p:cNvPr>
+          <p:cNvSpPr txBox="1"/>
+          <p:nvPr/>
+        </p:nvSpPr>
+        <p:spPr>
+          <a:xfrm>
+            <a:off x="838200" y="5691783"/>
+            <a:ext cx="877163" cy="369332"/>
+          </a:xfrm>
+          <a:prstGeom prst="rect">
+            <a:avLst/>
+          </a:prstGeom>
+          <a:noFill/>
+        </p:spPr>
+        <p:txBody>
+          <a:bodyPr wrap="none" rtlCol="0">
+            <a:spAutoFit/>
+          </a:bodyPr>
+          <a:lstStyle/>
+          <a:p>
+            <a:r>
+              <a:rPr lang="zh-TW" altLang="en-US" b="1" dirty="0">
+                <a:latin typeface="微軟正黑體" panose="020B0604030504040204" pitchFamily="34" charset="-120"/>
+                <a:ea typeface="微軟正黑體" panose="020B0604030504040204" pitchFamily="34" charset="-120"/>
+              </a:rPr>
+              <a:t>曹鈞堯</a:t>
+            </a:r>
+          </a:p>
+        </p:txBody>
+      </p:sp>
+      <p:cxnSp>
+        <p:nvCxnSpPr>
+          <p:cNvPr id="5" name="直線接點 4">
+            <a:extLst>
+              <a:ext uri="{FF2B5EF4-FFF2-40B4-BE49-F238E27FC236}">
+                <a16:creationId xmlns:a16="http://schemas.microsoft.com/office/drawing/2014/main" id="{59E896B8-06FE-4F0B-90A9-ABB99B3E1A2C}"/>
+              </a:ext>
+            </a:extLst>
+          </p:cNvPr>
+          <p:cNvCxnSpPr>
+            <a:cxnSpLocks/>
+          </p:cNvCxnSpPr>
+          <p:nvPr/>
+        </p:nvCxnSpPr>
+        <p:spPr>
+          <a:xfrm>
+            <a:off x="914400" y="1442906"/>
+            <a:ext cx="10439400" cy="0"/>
+          </a:xfrm>
+          <a:prstGeom prst="line">
+            <a:avLst/>
+          </a:prstGeom>
+          <a:ln w="28575">
+            <a:solidFill>
+              <a:srgbClr val="569CD6"/>
+            </a:solidFill>
+          </a:ln>
+        </p:spPr>
+        <p:style>
+          <a:lnRef idx="1">
+            <a:schemeClr val="accent1"/>
+          </a:lnRef>
+          <a:fillRef idx="0">
+            <a:schemeClr val="accent1"/>
+          </a:fillRef>
+          <a:effectRef idx="0">
+            <a:schemeClr val="accent1"/>
+          </a:effectRef>
+          <a:fontRef idx="minor">
+            <a:schemeClr val="tx1"/>
+          </a:fontRef>
+        </p:style>
+      </p:cxnSp>
+    </p:spTree>
+    <p:extLst>
+      <p:ext uri="{BB962C8B-B14F-4D97-AF65-F5344CB8AC3E}">
+        <p14:creationId xmlns:p14="http://schemas.microsoft.com/office/powerpoint/2010/main" val="3129193745"/>
+      </p:ext>
+    </p:extLst>
+  </p:cSld>
+  <p:clrMapOvr>
+    <a:masterClrMapping/>
+  </p:clrMapOvr>
+</p:sld>
+</file>
+
+<file path=ppt/slides/slide13.xml><?xml version="1.0" encoding="utf-8"?>
+<p:sld xmlns:a="http://schemas.openxmlformats.org/drawingml/2006/main" xmlns:r="http://schemas.openxmlformats.org/officeDocument/2006/relationships" xmlns:p="http://schemas.openxmlformats.org/presentationml/2006/main">
+  <p:cSld>
+    <p:spTree>
+      <p:nvGrpSpPr>
+        <p:cNvPr id="1" name=""/>
+        <p:cNvGrpSpPr/>
+        <p:nvPr/>
+      </p:nvGrpSpPr>
+      <p:grpSpPr>
+        <a:xfrm>
+          <a:off x="0" y="0"/>
+          <a:ext cx="0" cy="0"/>
+          <a:chOff x="0" y="0"/>
+          <a:chExt cx="0" cy="0"/>
+        </a:xfrm>
+      </p:grpSpPr>
+      <p:sp>
+        <p:nvSpPr>
+          <p:cNvPr id="2" name="標題 1">
+            <a:extLst>
+              <a:ext uri="{FF2B5EF4-FFF2-40B4-BE49-F238E27FC236}">
                 <a16:creationId xmlns:a16="http://schemas.microsoft.com/office/drawing/2014/main" id="{E10DBE28-E031-4E5E-A542-CEF6640514AC}"/>
               </a:ext>
             </a:extLst>
@@ -16609,7 +16805,7 @@
 </p:sld>
 </file>
 
-<file path=ppt/slides/slide13.xml><?xml version="1.0" encoding="utf-8"?>
+<file path=ppt/slides/slide14.xml><?xml version="1.0" encoding="utf-8"?>
 <p:sld xmlns:a="http://schemas.openxmlformats.org/drawingml/2006/main" xmlns:r="http://schemas.openxmlformats.org/officeDocument/2006/relationships" xmlns:p="http://schemas.openxmlformats.org/presentationml/2006/main">
   <p:cSld>
     <p:spTree>
@@ -16815,7 +17011,7 @@
 </p:sld>
 </file>
 
-<file path=ppt/slides/slide14.xml><?xml version="1.0" encoding="utf-8"?>
+<file path=ppt/slides/slide15.xml><?xml version="1.0" encoding="utf-8"?>
 <p:sld xmlns:a="http://schemas.openxmlformats.org/drawingml/2006/main" xmlns:r="http://schemas.openxmlformats.org/officeDocument/2006/relationships" xmlns:p="http://schemas.openxmlformats.org/presentationml/2006/main">
   <p:cSld>
     <p:spTree>
@@ -17361,7 +17557,7 @@
 </p:sld>
 </file>
 
-<file path=ppt/slides/slide15.xml><?xml version="1.0" encoding="utf-8"?>
+<file path=ppt/slides/slide16.xml><?xml version="1.0" encoding="utf-8"?>
 <p:sld xmlns:a="http://schemas.openxmlformats.org/drawingml/2006/main" xmlns:r="http://schemas.openxmlformats.org/officeDocument/2006/relationships" xmlns:p="http://schemas.openxmlformats.org/presentationml/2006/main">
   <p:cSld>
     <p:spTree>
@@ -18067,7 +18263,7 @@
 </p:sld>
 </file>
 
-<file path=ppt/slides/slide16.xml><?xml version="1.0" encoding="utf-8"?>
+<file path=ppt/slides/slide17.xml><?xml version="1.0" encoding="utf-8"?>
 <p:sld xmlns:a="http://schemas.openxmlformats.org/drawingml/2006/main" xmlns:r="http://schemas.openxmlformats.org/officeDocument/2006/relationships" xmlns:p="http://schemas.openxmlformats.org/presentationml/2006/main">
   <p:cSld>
     <p:spTree>
@@ -19015,7 +19211,7 @@
 </p:sld>
 </file>
 
-<file path=ppt/slides/slide17.xml><?xml version="1.0" encoding="utf-8"?>
+<file path=ppt/slides/slide18.xml><?xml version="1.0" encoding="utf-8"?>
 <p:sld xmlns:a="http://schemas.openxmlformats.org/drawingml/2006/main" xmlns:r="http://schemas.openxmlformats.org/officeDocument/2006/relationships" xmlns:p="http://schemas.openxmlformats.org/presentationml/2006/main">
   <p:cSld>
     <p:spTree>
@@ -19794,7 +19990,7 @@
 </p:sld>
 </file>
 
-<file path=ppt/slides/slide18.xml><?xml version="1.0" encoding="utf-8"?>
+<file path=ppt/slides/slide19.xml><?xml version="1.0" encoding="utf-8"?>
 <p:sld xmlns:a="http://schemas.openxmlformats.org/drawingml/2006/main" xmlns:r="http://schemas.openxmlformats.org/officeDocument/2006/relationships" xmlns:p="http://schemas.openxmlformats.org/presentationml/2006/main">
   <p:cSld>
     <p:spTree>
@@ -19977,7 +20173,1178 @@
 </p:sld>
 </file>
 
-<file path=ppt/slides/slide19.xml><?xml version="1.0" encoding="utf-8"?>
+<file path=ppt/slides/slide2.xml><?xml version="1.0" encoding="utf-8"?>
+<p:sld xmlns:a="http://schemas.openxmlformats.org/drawingml/2006/main" xmlns:r="http://schemas.openxmlformats.org/officeDocument/2006/relationships" xmlns:p="http://schemas.openxmlformats.org/presentationml/2006/main">
+  <p:cSld>
+    <p:spTree>
+      <p:nvGrpSpPr>
+        <p:cNvPr id="1" name=""/>
+        <p:cNvGrpSpPr/>
+        <p:nvPr/>
+      </p:nvGrpSpPr>
+      <p:grpSpPr>
+        <a:xfrm>
+          <a:off x="0" y="0"/>
+          <a:ext cx="0" cy="0"/>
+          <a:chOff x="0" y="0"/>
+          <a:chExt cx="0" cy="0"/>
+        </a:xfrm>
+      </p:grpSpPr>
+      <p:sp>
+        <p:nvSpPr>
+          <p:cNvPr id="2" name="標題 1">
+            <a:extLst>
+              <a:ext uri="{FF2B5EF4-FFF2-40B4-BE49-F238E27FC236}">
+                <a16:creationId xmlns:a16="http://schemas.microsoft.com/office/drawing/2014/main" id="{C43B687E-C77F-4EE3-8D60-D4FEA7AEE4EE}"/>
+              </a:ext>
+            </a:extLst>
+          </p:cNvPr>
+          <p:cNvSpPr>
+            <a:spLocks noGrp="1"/>
+          </p:cNvSpPr>
+          <p:nvPr>
+            <p:ph type="title"/>
+          </p:nvPr>
+        </p:nvSpPr>
+        <p:spPr/>
+        <p:txBody>
+          <a:bodyPr/>
+          <a:lstStyle/>
+          <a:p>
+            <a:r>
+              <a:rPr lang="zh-TW" altLang="zh-TW" dirty="0">
+                <a:latin typeface="微軟正黑體" panose="020B0604030504040204" pitchFamily="34" charset="-120"/>
+                <a:ea typeface="微軟正黑體" panose="020B0604030504040204" pitchFamily="34" charset="-120"/>
+              </a:rPr>
+              <a:t>交易</a:t>
+            </a:r>
+            <a:endParaRPr lang="zh-TW" altLang="en-US" dirty="0">
+              <a:latin typeface="微軟正黑體" panose="020B0604030504040204" pitchFamily="34" charset="-120"/>
+              <a:ea typeface="微軟正黑體" panose="020B0604030504040204" pitchFamily="34" charset="-120"/>
+            </a:endParaRPr>
+          </a:p>
+        </p:txBody>
+      </p:sp>
+      <p:sp>
+        <p:nvSpPr>
+          <p:cNvPr id="3" name="內容版面配置區 2">
+            <a:extLst>
+              <a:ext uri="{FF2B5EF4-FFF2-40B4-BE49-F238E27FC236}">
+                <a16:creationId xmlns:a16="http://schemas.microsoft.com/office/drawing/2014/main" id="{64693990-CA3E-47C0-AF5F-F3A968D5C8F1}"/>
+              </a:ext>
+            </a:extLst>
+          </p:cNvPr>
+          <p:cNvSpPr>
+            <a:spLocks noGrp="1"/>
+          </p:cNvSpPr>
+          <p:nvPr>
+            <p:ph idx="1"/>
+          </p:nvPr>
+        </p:nvSpPr>
+        <p:spPr>
+          <a:xfrm>
+            <a:off x="838200" y="1825625"/>
+            <a:ext cx="4757257" cy="4351338"/>
+          </a:xfrm>
+        </p:spPr>
+        <p:txBody>
+          <a:bodyPr/>
+          <a:lstStyle/>
+          <a:p>
+            <a:r>
+              <a:rPr lang="zh-TW" altLang="zh-TW" dirty="0">
+                <a:latin typeface="微軟正黑體" panose="020B0604030504040204" pitchFamily="34" charset="-120"/>
+                <a:ea typeface="微軟正黑體" panose="020B0604030504040204" pitchFamily="34" charset="-120"/>
+              </a:rPr>
+              <a:t>請說明股票搓合機制中，何謂</a:t>
+            </a:r>
+            <a:r>
+              <a:rPr lang="en-US" altLang="zh-TW" dirty="0">
+                <a:latin typeface="微軟正黑體" panose="020B0604030504040204" pitchFamily="34" charset="-120"/>
+                <a:ea typeface="微軟正黑體" panose="020B0604030504040204" pitchFamily="34" charset="-120"/>
+              </a:rPr>
+              <a:t>”</a:t>
+            </a:r>
+            <a:r>
+              <a:rPr lang="zh-TW" altLang="zh-TW" dirty="0">
+                <a:latin typeface="微軟正黑體" panose="020B0604030504040204" pitchFamily="34" charset="-120"/>
+                <a:ea typeface="微軟正黑體" panose="020B0604030504040204" pitchFamily="34" charset="-120"/>
+              </a:rPr>
+              <a:t>逐筆交易</a:t>
+            </a:r>
+            <a:r>
+              <a:rPr lang="en-US" altLang="zh-TW" dirty="0">
+                <a:latin typeface="微軟正黑體" panose="020B0604030504040204" pitchFamily="34" charset="-120"/>
+                <a:ea typeface="微軟正黑體" panose="020B0604030504040204" pitchFamily="34" charset="-120"/>
+              </a:rPr>
+              <a:t>”</a:t>
+            </a:r>
+            <a:r>
+              <a:rPr lang="zh-TW" altLang="zh-TW" dirty="0">
+                <a:latin typeface="微軟正黑體" panose="020B0604030504040204" pitchFamily="34" charset="-120"/>
+                <a:ea typeface="微軟正黑體" panose="020B0604030504040204" pitchFamily="34" charset="-120"/>
+              </a:rPr>
+              <a:t>與</a:t>
+            </a:r>
+            <a:r>
+              <a:rPr lang="en-US" altLang="zh-TW" dirty="0">
+                <a:latin typeface="微軟正黑體" panose="020B0604030504040204" pitchFamily="34" charset="-120"/>
+                <a:ea typeface="微軟正黑體" panose="020B0604030504040204" pitchFamily="34" charset="-120"/>
+              </a:rPr>
+              <a:t>”</a:t>
+            </a:r>
+            <a:r>
+              <a:rPr lang="zh-TW" altLang="zh-TW" dirty="0">
+                <a:latin typeface="微軟正黑體" panose="020B0604030504040204" pitchFamily="34" charset="-120"/>
+                <a:ea typeface="微軟正黑體" panose="020B0604030504040204" pitchFamily="34" charset="-120"/>
+              </a:rPr>
+              <a:t>集合競價</a:t>
+            </a:r>
+            <a:r>
+              <a:rPr lang="en-US" altLang="zh-TW" dirty="0">
+                <a:latin typeface="微軟正黑體" panose="020B0604030504040204" pitchFamily="34" charset="-120"/>
+                <a:ea typeface="微軟正黑體" panose="020B0604030504040204" pitchFamily="34" charset="-120"/>
+              </a:rPr>
+              <a:t>”</a:t>
+            </a:r>
+            <a:r>
+              <a:rPr lang="zh-TW" altLang="zh-TW" dirty="0">
+                <a:latin typeface="微軟正黑體" panose="020B0604030504040204" pitchFamily="34" charset="-120"/>
+                <a:ea typeface="微軟正黑體" panose="020B0604030504040204" pitchFamily="34" charset="-120"/>
+              </a:rPr>
+              <a:t>？</a:t>
+            </a:r>
+          </a:p>
+          <a:p>
+            <a:r>
+              <a:rPr lang="zh-TW" altLang="zh-TW" dirty="0">
+                <a:latin typeface="微軟正黑體" panose="020B0604030504040204" pitchFamily="34" charset="-120"/>
+                <a:ea typeface="微軟正黑體" panose="020B0604030504040204" pitchFamily="34" charset="-120"/>
+              </a:rPr>
+              <a:t>假設撮合</a:t>
+            </a:r>
+            <a:r>
+              <a:rPr lang="en-US" altLang="zh-TW" dirty="0">
+                <a:solidFill>
+                  <a:srgbClr val="569CD6"/>
+                </a:solidFill>
+                <a:latin typeface="微軟正黑體" panose="020B0604030504040204" pitchFamily="34" charset="-120"/>
+                <a:ea typeface="微軟正黑體" panose="020B0604030504040204" pitchFamily="34" charset="-120"/>
+              </a:rPr>
+              <a:t>function</a:t>
+            </a:r>
+            <a:r>
+              <a:rPr lang="zh-TW" altLang="zh-TW" dirty="0">
+                <a:latin typeface="微軟正黑體" panose="020B0604030504040204" pitchFamily="34" charset="-120"/>
+                <a:ea typeface="微軟正黑體" panose="020B0604030504040204" pitchFamily="34" charset="-120"/>
+              </a:rPr>
+              <a:t>傳入交易參數為一</a:t>
+            </a:r>
+            <a:r>
+              <a:rPr lang="en-US" altLang="zh-TW" dirty="0">
+                <a:solidFill>
+                  <a:srgbClr val="569CD6"/>
+                </a:solidFill>
+                <a:latin typeface="微軟正黑體" panose="020B0604030504040204" pitchFamily="34" charset="-120"/>
+                <a:ea typeface="微軟正黑體" panose="020B0604030504040204" pitchFamily="34" charset="-120"/>
+              </a:rPr>
+              <a:t>List</a:t>
+            </a:r>
+            <a:r>
+              <a:rPr lang="en-US" altLang="zh-TW" dirty="0">
+                <a:latin typeface="微軟正黑體" panose="020B0604030504040204" pitchFamily="34" charset="-120"/>
+                <a:ea typeface="微軟正黑體" panose="020B0604030504040204" pitchFamily="34" charset="-120"/>
+              </a:rPr>
+              <a:t>&lt;</a:t>
+            </a:r>
+            <a:r>
+              <a:rPr lang="en-US" altLang="zh-TW" dirty="0" err="1">
+                <a:solidFill>
+                  <a:srgbClr val="4FC4AC"/>
+                </a:solidFill>
+                <a:latin typeface="微軟正黑體" panose="020B0604030504040204" pitchFamily="34" charset="-120"/>
+                <a:ea typeface="微軟正黑體" panose="020B0604030504040204" pitchFamily="34" charset="-120"/>
+              </a:rPr>
+              <a:t>StockOrder</a:t>
+            </a:r>
+            <a:r>
+              <a:rPr lang="en-US" altLang="zh-TW" dirty="0">
+                <a:latin typeface="微軟正黑體" panose="020B0604030504040204" pitchFamily="34" charset="-120"/>
+                <a:ea typeface="微軟正黑體" panose="020B0604030504040204" pitchFamily="34" charset="-120"/>
+              </a:rPr>
+              <a:t>&gt;</a:t>
+            </a:r>
+            <a:r>
+              <a:rPr lang="zh-TW" altLang="zh-TW" dirty="0">
+                <a:latin typeface="微軟正黑體" panose="020B0604030504040204" pitchFamily="34" charset="-120"/>
+                <a:ea typeface="微軟正黑體" panose="020B0604030504040204" pitchFamily="34" charset="-120"/>
+              </a:rPr>
+              <a:t>，請寫出逐筆交易與集合競價的</a:t>
+            </a:r>
+            <a:r>
+              <a:rPr lang="en-US" altLang="zh-TW" dirty="0">
+                <a:solidFill>
+                  <a:srgbClr val="569CD6"/>
+                </a:solidFill>
+                <a:latin typeface="微軟正黑體" panose="020B0604030504040204" pitchFamily="34" charset="-120"/>
+                <a:ea typeface="微軟正黑體" panose="020B0604030504040204" pitchFamily="34" charset="-120"/>
+              </a:rPr>
+              <a:t>function</a:t>
+            </a:r>
+            <a:r>
+              <a:rPr lang="zh-TW" altLang="zh-TW" dirty="0">
+                <a:latin typeface="微軟正黑體" panose="020B0604030504040204" pitchFamily="34" charset="-120"/>
+                <a:ea typeface="微軟正黑體" panose="020B0604030504040204" pitchFamily="34" charset="-120"/>
+              </a:rPr>
+              <a:t>，</a:t>
+            </a:r>
+            <a:r>
+              <a:rPr lang="en-US" altLang="zh-TW" dirty="0" err="1">
+                <a:solidFill>
+                  <a:srgbClr val="4FC4AC"/>
+                </a:solidFill>
+                <a:latin typeface="微軟正黑體" panose="020B0604030504040204" pitchFamily="34" charset="-120"/>
+                <a:ea typeface="微軟正黑體" panose="020B0604030504040204" pitchFamily="34" charset="-120"/>
+              </a:rPr>
+              <a:t>StockOrder</a:t>
+            </a:r>
+            <a:r>
+              <a:rPr lang="zh-TW" altLang="zh-TW" dirty="0">
+                <a:latin typeface="微軟正黑體" panose="020B0604030504040204" pitchFamily="34" charset="-120"/>
+                <a:ea typeface="微軟正黑體" panose="020B0604030504040204" pitchFamily="34" charset="-120"/>
+              </a:rPr>
+              <a:t>屬性如下</a:t>
+            </a:r>
+            <a:r>
+              <a:rPr lang="en-US" altLang="zh-TW" dirty="0">
+                <a:latin typeface="微軟正黑體" panose="020B0604030504040204" pitchFamily="34" charset="-120"/>
+                <a:ea typeface="微軟正黑體" panose="020B0604030504040204" pitchFamily="34" charset="-120"/>
+              </a:rPr>
+              <a:t>:</a:t>
+            </a:r>
+          </a:p>
+          <a:p>
+            <a:endParaRPr lang="zh-TW" altLang="en-US" dirty="0">
+              <a:latin typeface="微軟正黑體" panose="020B0604030504040204" pitchFamily="34" charset="-120"/>
+              <a:ea typeface="微軟正黑體" panose="020B0604030504040204" pitchFamily="34" charset="-120"/>
+            </a:endParaRPr>
+          </a:p>
+        </p:txBody>
+      </p:sp>
+      <p:sp>
+        <p:nvSpPr>
+          <p:cNvPr id="4" name="文字方塊 3">
+            <a:extLst>
+              <a:ext uri="{FF2B5EF4-FFF2-40B4-BE49-F238E27FC236}">
+                <a16:creationId xmlns:a16="http://schemas.microsoft.com/office/drawing/2014/main" id="{B7FECD32-D9E6-42F9-9884-76F12961EA23}"/>
+              </a:ext>
+            </a:extLst>
+          </p:cNvPr>
+          <p:cNvSpPr txBox="1"/>
+          <p:nvPr/>
+        </p:nvSpPr>
+        <p:spPr>
+          <a:xfrm>
+            <a:off x="6258187" y="1690688"/>
+            <a:ext cx="5095613" cy="4370427"/>
+          </a:xfrm>
+          <a:prstGeom prst="rect">
+            <a:avLst/>
+          </a:prstGeom>
+          <a:solidFill>
+            <a:schemeClr val="tx1">
+              <a:lumMod val="65000"/>
+              <a:lumOff val="35000"/>
+            </a:schemeClr>
+          </a:solidFill>
+        </p:spPr>
+        <p:txBody>
+          <a:bodyPr wrap="square" rtlCol="0">
+            <a:spAutoFit/>
+          </a:bodyPr>
+          <a:lstStyle/>
+          <a:p>
+            <a:r>
+              <a:rPr lang="en-US" altLang="zh-TW" sz="2000" b="1" dirty="0">
+                <a:solidFill>
+                  <a:srgbClr val="569CD6"/>
+                </a:solidFill>
+                <a:latin typeface="Fira Code"/>
+              </a:rPr>
+              <a:t>public</a:t>
+            </a:r>
+            <a:r>
+              <a:rPr lang="en-US" altLang="zh-TW" sz="2000" b="1" dirty="0">
+                <a:solidFill>
+                  <a:srgbClr val="D4D4D4"/>
+                </a:solidFill>
+                <a:latin typeface="Fira Code"/>
+              </a:rPr>
+              <a:t> </a:t>
+            </a:r>
+            <a:r>
+              <a:rPr lang="en-US" altLang="zh-TW" sz="2000" b="1" dirty="0">
+                <a:solidFill>
+                  <a:srgbClr val="569CD6"/>
+                </a:solidFill>
+                <a:latin typeface="Fira Code"/>
+              </a:rPr>
+              <a:t>class</a:t>
+            </a:r>
+            <a:r>
+              <a:rPr lang="en-US" altLang="zh-TW" sz="2000" b="1" dirty="0">
+                <a:solidFill>
+                  <a:srgbClr val="D4D4D4"/>
+                </a:solidFill>
+                <a:latin typeface="Fira Code"/>
+              </a:rPr>
+              <a:t> </a:t>
+            </a:r>
+            <a:r>
+              <a:rPr lang="en-US" altLang="zh-TW" sz="2000" b="1" dirty="0" err="1">
+                <a:solidFill>
+                  <a:srgbClr val="4FC4AC"/>
+                </a:solidFill>
+                <a:latin typeface="Fira Code"/>
+              </a:rPr>
+              <a:t>StockOrder</a:t>
+            </a:r>
+            <a:endParaRPr lang="en-US" altLang="zh-TW" sz="2000" b="1" dirty="0">
+              <a:solidFill>
+                <a:srgbClr val="4FC4AC"/>
+              </a:solidFill>
+              <a:latin typeface="Fira Code"/>
+            </a:endParaRPr>
+          </a:p>
+          <a:p>
+            <a:r>
+              <a:rPr lang="en-US" altLang="zh-TW" sz="2000" b="1" dirty="0">
+                <a:solidFill>
+                  <a:srgbClr val="D4D4D4"/>
+                </a:solidFill>
+                <a:latin typeface="Fira Code"/>
+              </a:rPr>
+              <a:t>{</a:t>
+            </a:r>
+          </a:p>
+          <a:p>
+            <a:r>
+              <a:rPr lang="zh-TW" altLang="en-US" sz="2000" b="1" dirty="0">
+                <a:solidFill>
+                  <a:srgbClr val="D4D4D4"/>
+                </a:solidFill>
+                <a:latin typeface="Fira Code"/>
+              </a:rPr>
+              <a:t>  </a:t>
+            </a:r>
+            <a:r>
+              <a:rPr lang="en-US" altLang="zh-TW" sz="2000" b="1" dirty="0">
+                <a:solidFill>
+                  <a:srgbClr val="6A9955"/>
+                </a:solidFill>
+                <a:latin typeface="Fira Code"/>
+              </a:rPr>
+              <a:t>//</a:t>
+            </a:r>
+            <a:r>
+              <a:rPr lang="zh-TW" altLang="en-US" sz="2000" b="1" dirty="0">
+                <a:solidFill>
+                  <a:srgbClr val="6A9955"/>
+                </a:solidFill>
+                <a:latin typeface="Fira Code"/>
+              </a:rPr>
+              <a:t>使用者帳號</a:t>
+            </a:r>
+            <a:endParaRPr lang="zh-TW" altLang="en-US" sz="2000" b="1" dirty="0">
+              <a:solidFill>
+                <a:srgbClr val="D4D4D4"/>
+              </a:solidFill>
+              <a:latin typeface="Fira Code"/>
+            </a:endParaRPr>
+          </a:p>
+          <a:p>
+            <a:r>
+              <a:rPr lang="en-US" altLang="zh-TW" sz="2000" b="1" dirty="0">
+                <a:solidFill>
+                  <a:srgbClr val="D4D4D4"/>
+                </a:solidFill>
+                <a:latin typeface="Fira Code"/>
+              </a:rPr>
+              <a:t>  </a:t>
+            </a:r>
+            <a:r>
+              <a:rPr lang="en-US" altLang="zh-TW" sz="2000" b="1" dirty="0">
+                <a:solidFill>
+                  <a:srgbClr val="569CD6"/>
+                </a:solidFill>
+                <a:latin typeface="Fira Code"/>
+              </a:rPr>
+              <a:t>public</a:t>
+            </a:r>
+            <a:r>
+              <a:rPr lang="en-US" altLang="zh-TW" sz="2000" b="1" dirty="0">
+                <a:solidFill>
+                  <a:srgbClr val="D4D4D4"/>
+                </a:solidFill>
+                <a:latin typeface="Fira Code"/>
+              </a:rPr>
+              <a:t> </a:t>
+            </a:r>
+            <a:r>
+              <a:rPr lang="en-US" altLang="zh-TW" sz="2000" b="1" dirty="0">
+                <a:solidFill>
+                  <a:srgbClr val="569CD6"/>
+                </a:solidFill>
+                <a:latin typeface="Fira Code"/>
+              </a:rPr>
+              <a:t>string</a:t>
+            </a:r>
+            <a:r>
+              <a:rPr lang="en-US" altLang="zh-TW" sz="2000" b="1" dirty="0">
+                <a:solidFill>
+                  <a:srgbClr val="D4D4D4"/>
+                </a:solidFill>
+                <a:latin typeface="Fira Code"/>
+              </a:rPr>
+              <a:t> </a:t>
+            </a:r>
+            <a:r>
+              <a:rPr lang="en-US" altLang="zh-TW" sz="2000" b="1" dirty="0" err="1">
+                <a:solidFill>
+                  <a:srgbClr val="9CDCFE"/>
+                </a:solidFill>
+                <a:latin typeface="Fira Code"/>
+              </a:rPr>
+              <a:t>userId</a:t>
+            </a:r>
+            <a:r>
+              <a:rPr lang="en-US" altLang="zh-TW" sz="2000" b="1" dirty="0">
+                <a:solidFill>
+                  <a:srgbClr val="D4D4D4"/>
+                </a:solidFill>
+                <a:latin typeface="Fira Code"/>
+              </a:rPr>
+              <a:t> { </a:t>
+            </a:r>
+            <a:r>
+              <a:rPr lang="en-US" altLang="zh-TW" sz="2000" b="1" dirty="0">
+                <a:solidFill>
+                  <a:srgbClr val="569CD6"/>
+                </a:solidFill>
+                <a:latin typeface="Fira Code"/>
+              </a:rPr>
+              <a:t>get</a:t>
+            </a:r>
+            <a:r>
+              <a:rPr lang="en-US" altLang="zh-TW" sz="2000" b="1" dirty="0">
+                <a:solidFill>
+                  <a:srgbClr val="D4D4D4"/>
+                </a:solidFill>
+                <a:latin typeface="Fira Code"/>
+              </a:rPr>
+              <a:t>; </a:t>
+            </a:r>
+            <a:r>
+              <a:rPr lang="en-US" altLang="zh-TW" sz="2000" b="1" dirty="0">
+                <a:solidFill>
+                  <a:srgbClr val="569CD6"/>
+                </a:solidFill>
+                <a:latin typeface="Fira Code"/>
+              </a:rPr>
+              <a:t>set</a:t>
+            </a:r>
+            <a:r>
+              <a:rPr lang="en-US" altLang="zh-TW" sz="2000" b="1" dirty="0">
+                <a:solidFill>
+                  <a:srgbClr val="D4D4D4"/>
+                </a:solidFill>
+                <a:latin typeface="Fira Code"/>
+              </a:rPr>
+              <a:t>; }</a:t>
+            </a:r>
+          </a:p>
+          <a:p>
+            <a:r>
+              <a:rPr lang="zh-TW" altLang="en-US" sz="2000" b="1" dirty="0">
+                <a:solidFill>
+                  <a:srgbClr val="D4D4D4"/>
+                </a:solidFill>
+                <a:latin typeface="Fira Code"/>
+              </a:rPr>
+              <a:t>  </a:t>
+            </a:r>
+            <a:r>
+              <a:rPr lang="en-US" altLang="zh-TW" sz="2000" b="1" dirty="0">
+                <a:solidFill>
+                  <a:srgbClr val="6A9955"/>
+                </a:solidFill>
+                <a:latin typeface="Fira Code"/>
+              </a:rPr>
+              <a:t>//</a:t>
+            </a:r>
+            <a:r>
+              <a:rPr lang="zh-TW" altLang="en-US" sz="2000" b="1" dirty="0">
+                <a:solidFill>
+                  <a:srgbClr val="6A9955"/>
+                </a:solidFill>
+                <a:latin typeface="Fira Code"/>
+              </a:rPr>
+              <a:t>買</a:t>
+            </a:r>
+            <a:r>
+              <a:rPr lang="en-US" altLang="zh-TW" sz="2000" b="1" dirty="0">
+                <a:solidFill>
+                  <a:srgbClr val="6A9955"/>
+                </a:solidFill>
+                <a:latin typeface="Fira Code"/>
+              </a:rPr>
+              <a:t>/</a:t>
+            </a:r>
+            <a:r>
+              <a:rPr lang="zh-TW" altLang="en-US" sz="2000" b="1" dirty="0">
+                <a:solidFill>
+                  <a:srgbClr val="6A9955"/>
+                </a:solidFill>
+                <a:latin typeface="Fira Code"/>
+              </a:rPr>
+              <a:t>賣 </a:t>
+            </a:r>
+            <a:r>
+              <a:rPr lang="en-US" altLang="zh-TW" sz="2000" b="1" dirty="0">
+                <a:solidFill>
+                  <a:srgbClr val="6A9955"/>
+                </a:solidFill>
+                <a:latin typeface="Fira Code"/>
+              </a:rPr>
+              <a:t>("buy"/"sell")</a:t>
+            </a:r>
+            <a:endParaRPr lang="en-US" altLang="zh-TW" sz="2000" b="1" dirty="0">
+              <a:solidFill>
+                <a:srgbClr val="D4D4D4"/>
+              </a:solidFill>
+              <a:latin typeface="Fira Code"/>
+            </a:endParaRPr>
+          </a:p>
+          <a:p>
+            <a:r>
+              <a:rPr lang="en-US" altLang="zh-TW" sz="2000" b="1" dirty="0">
+                <a:solidFill>
+                  <a:srgbClr val="D4D4D4"/>
+                </a:solidFill>
+                <a:latin typeface="Fira Code"/>
+              </a:rPr>
+              <a:t>  </a:t>
+            </a:r>
+            <a:r>
+              <a:rPr lang="en-US" altLang="zh-TW" sz="2000" b="1" dirty="0">
+                <a:solidFill>
+                  <a:srgbClr val="569CD6"/>
+                </a:solidFill>
+                <a:latin typeface="Fira Code"/>
+              </a:rPr>
+              <a:t>public</a:t>
+            </a:r>
+            <a:r>
+              <a:rPr lang="en-US" altLang="zh-TW" sz="2000" b="1" dirty="0">
+                <a:solidFill>
+                  <a:srgbClr val="D4D4D4"/>
+                </a:solidFill>
+                <a:latin typeface="Fira Code"/>
+              </a:rPr>
+              <a:t> </a:t>
+            </a:r>
+            <a:r>
+              <a:rPr lang="en-US" altLang="zh-TW" sz="2000" b="1" dirty="0">
+                <a:solidFill>
+                  <a:srgbClr val="569CD6"/>
+                </a:solidFill>
+                <a:latin typeface="Fira Code"/>
+              </a:rPr>
+              <a:t>string</a:t>
+            </a:r>
+            <a:r>
+              <a:rPr lang="en-US" altLang="zh-TW" sz="2000" b="1" dirty="0">
+                <a:solidFill>
+                  <a:srgbClr val="D4D4D4"/>
+                </a:solidFill>
+                <a:latin typeface="Fira Code"/>
+              </a:rPr>
+              <a:t> </a:t>
+            </a:r>
+            <a:r>
+              <a:rPr lang="en-US" altLang="zh-TW" sz="2000" b="1" dirty="0" err="1">
+                <a:solidFill>
+                  <a:srgbClr val="9CDCFE"/>
+                </a:solidFill>
+                <a:latin typeface="Fira Code"/>
+              </a:rPr>
+              <a:t>orderType</a:t>
+            </a:r>
+            <a:r>
+              <a:rPr lang="en-US" altLang="zh-TW" sz="2000" b="1" dirty="0">
+                <a:solidFill>
+                  <a:srgbClr val="D4D4D4"/>
+                </a:solidFill>
+                <a:latin typeface="Fira Code"/>
+              </a:rPr>
+              <a:t> { </a:t>
+            </a:r>
+            <a:r>
+              <a:rPr lang="en-US" altLang="zh-TW" sz="2000" b="1" dirty="0">
+                <a:solidFill>
+                  <a:srgbClr val="569CD6"/>
+                </a:solidFill>
+                <a:latin typeface="Fira Code"/>
+              </a:rPr>
+              <a:t>get</a:t>
+            </a:r>
+            <a:r>
+              <a:rPr lang="en-US" altLang="zh-TW" sz="2000" b="1" dirty="0">
+                <a:solidFill>
+                  <a:srgbClr val="D4D4D4"/>
+                </a:solidFill>
+                <a:latin typeface="Fira Code"/>
+              </a:rPr>
+              <a:t>; </a:t>
+            </a:r>
+            <a:r>
+              <a:rPr lang="en-US" altLang="zh-TW" sz="2000" b="1" dirty="0">
+                <a:solidFill>
+                  <a:srgbClr val="569CD6"/>
+                </a:solidFill>
+                <a:latin typeface="Fira Code"/>
+              </a:rPr>
+              <a:t>set</a:t>
+            </a:r>
+            <a:r>
+              <a:rPr lang="en-US" altLang="zh-TW" sz="2000" b="1" dirty="0">
+                <a:solidFill>
+                  <a:srgbClr val="D4D4D4"/>
+                </a:solidFill>
+                <a:latin typeface="Fira Code"/>
+              </a:rPr>
+              <a:t>; }</a:t>
+            </a:r>
+          </a:p>
+          <a:p>
+            <a:r>
+              <a:rPr lang="zh-TW" altLang="en-US" sz="2000" b="1" dirty="0">
+                <a:solidFill>
+                  <a:srgbClr val="D4D4D4"/>
+                </a:solidFill>
+                <a:latin typeface="Fira Code"/>
+              </a:rPr>
+              <a:t>  </a:t>
+            </a:r>
+            <a:r>
+              <a:rPr lang="en-US" altLang="zh-TW" sz="2000" b="1" dirty="0">
+                <a:solidFill>
+                  <a:srgbClr val="6A9955"/>
+                </a:solidFill>
+                <a:latin typeface="Fira Code"/>
+              </a:rPr>
+              <a:t>//</a:t>
+            </a:r>
+            <a:r>
+              <a:rPr lang="zh-TW" altLang="en-US" sz="2000" b="1" dirty="0">
+                <a:solidFill>
+                  <a:srgbClr val="6A9955"/>
+                </a:solidFill>
+                <a:latin typeface="Fira Code"/>
+              </a:rPr>
+              <a:t>目標價格</a:t>
+            </a:r>
+            <a:endParaRPr lang="zh-TW" altLang="en-US" sz="2000" b="1" dirty="0">
+              <a:solidFill>
+                <a:srgbClr val="D4D4D4"/>
+              </a:solidFill>
+              <a:latin typeface="Fira Code"/>
+            </a:endParaRPr>
+          </a:p>
+          <a:p>
+            <a:r>
+              <a:rPr lang="en-US" altLang="zh-TW" sz="2000" b="1" dirty="0">
+                <a:solidFill>
+                  <a:srgbClr val="D4D4D4"/>
+                </a:solidFill>
+                <a:latin typeface="Fira Code"/>
+              </a:rPr>
+              <a:t>  </a:t>
+            </a:r>
+            <a:r>
+              <a:rPr lang="en-US" altLang="zh-TW" sz="2000" b="1" dirty="0">
+                <a:solidFill>
+                  <a:srgbClr val="569CD6"/>
+                </a:solidFill>
+                <a:latin typeface="Fira Code"/>
+              </a:rPr>
+              <a:t>public</a:t>
+            </a:r>
+            <a:r>
+              <a:rPr lang="en-US" altLang="zh-TW" sz="2000" b="1" dirty="0">
+                <a:solidFill>
+                  <a:srgbClr val="D4D4D4"/>
+                </a:solidFill>
+                <a:latin typeface="Fira Code"/>
+              </a:rPr>
+              <a:t> </a:t>
+            </a:r>
+            <a:r>
+              <a:rPr lang="en-US" altLang="zh-TW" sz="2000" b="1" dirty="0">
+                <a:solidFill>
+                  <a:srgbClr val="569CD6"/>
+                </a:solidFill>
+                <a:latin typeface="Fira Code"/>
+              </a:rPr>
+              <a:t>decimal</a:t>
+            </a:r>
+            <a:r>
+              <a:rPr lang="en-US" altLang="zh-TW" sz="2000" b="1" dirty="0">
+                <a:solidFill>
+                  <a:srgbClr val="D4D4D4"/>
+                </a:solidFill>
+                <a:latin typeface="Fira Code"/>
+              </a:rPr>
+              <a:t> </a:t>
+            </a:r>
+            <a:r>
+              <a:rPr lang="en-US" altLang="zh-TW" sz="2000" b="1" dirty="0" err="1">
+                <a:solidFill>
+                  <a:srgbClr val="9CDCFE"/>
+                </a:solidFill>
+                <a:latin typeface="Fira Code"/>
+              </a:rPr>
+              <a:t>targetPrice</a:t>
+            </a:r>
+            <a:r>
+              <a:rPr lang="en-US" altLang="zh-TW" sz="2000" b="1" dirty="0">
+                <a:solidFill>
+                  <a:srgbClr val="D4D4D4"/>
+                </a:solidFill>
+                <a:latin typeface="Fira Code"/>
+              </a:rPr>
+              <a:t> { </a:t>
+            </a:r>
+            <a:r>
+              <a:rPr lang="en-US" altLang="zh-TW" sz="2000" b="1" dirty="0">
+                <a:solidFill>
+                  <a:srgbClr val="569CD6"/>
+                </a:solidFill>
+                <a:latin typeface="Fira Code"/>
+              </a:rPr>
+              <a:t>get</a:t>
+            </a:r>
+            <a:r>
+              <a:rPr lang="en-US" altLang="zh-TW" sz="2000" b="1" dirty="0">
+                <a:solidFill>
+                  <a:srgbClr val="D4D4D4"/>
+                </a:solidFill>
+                <a:latin typeface="Fira Code"/>
+              </a:rPr>
+              <a:t>; </a:t>
+            </a:r>
+            <a:r>
+              <a:rPr lang="en-US" altLang="zh-TW" sz="2000" b="1" dirty="0">
+                <a:solidFill>
+                  <a:srgbClr val="569CD6"/>
+                </a:solidFill>
+                <a:latin typeface="Fira Code"/>
+              </a:rPr>
+              <a:t>set</a:t>
+            </a:r>
+            <a:r>
+              <a:rPr lang="en-US" altLang="zh-TW" sz="2000" b="1" dirty="0">
+                <a:solidFill>
+                  <a:srgbClr val="D4D4D4"/>
+                </a:solidFill>
+                <a:latin typeface="Fira Code"/>
+              </a:rPr>
+              <a:t>; }</a:t>
+            </a:r>
+          </a:p>
+          <a:p>
+            <a:r>
+              <a:rPr lang="zh-TW" altLang="en-US" sz="2000" b="1" dirty="0">
+                <a:solidFill>
+                  <a:srgbClr val="D4D4D4"/>
+                </a:solidFill>
+                <a:latin typeface="Fira Code"/>
+              </a:rPr>
+              <a:t>  </a:t>
+            </a:r>
+            <a:r>
+              <a:rPr lang="en-US" altLang="zh-TW" sz="2000" b="1" dirty="0">
+                <a:solidFill>
+                  <a:srgbClr val="6A9955"/>
+                </a:solidFill>
+                <a:latin typeface="Fira Code"/>
+              </a:rPr>
+              <a:t>//</a:t>
+            </a:r>
+            <a:r>
+              <a:rPr lang="zh-TW" altLang="en-US" sz="2000" b="1" dirty="0">
+                <a:solidFill>
+                  <a:srgbClr val="6A9955"/>
+                </a:solidFill>
+                <a:latin typeface="Fira Code"/>
+              </a:rPr>
+              <a:t>數量</a:t>
+            </a:r>
+            <a:endParaRPr lang="zh-TW" altLang="en-US" sz="2000" b="1" dirty="0">
+              <a:solidFill>
+                <a:srgbClr val="D4D4D4"/>
+              </a:solidFill>
+              <a:latin typeface="Fira Code"/>
+            </a:endParaRPr>
+          </a:p>
+          <a:p>
+            <a:r>
+              <a:rPr lang="en-US" altLang="zh-TW" sz="2000" b="1" dirty="0">
+                <a:solidFill>
+                  <a:srgbClr val="D4D4D4"/>
+                </a:solidFill>
+                <a:latin typeface="Fira Code"/>
+              </a:rPr>
+              <a:t>  </a:t>
+            </a:r>
+            <a:r>
+              <a:rPr lang="en-US" altLang="zh-TW" sz="2000" b="1" dirty="0">
+                <a:solidFill>
+                  <a:srgbClr val="569CD6"/>
+                </a:solidFill>
+                <a:latin typeface="Fira Code"/>
+              </a:rPr>
+              <a:t>public</a:t>
+            </a:r>
+            <a:r>
+              <a:rPr lang="en-US" altLang="zh-TW" sz="2000" b="1" dirty="0">
+                <a:solidFill>
+                  <a:srgbClr val="D4D4D4"/>
+                </a:solidFill>
+                <a:latin typeface="Fira Code"/>
+              </a:rPr>
+              <a:t> </a:t>
+            </a:r>
+            <a:r>
+              <a:rPr lang="en-US" altLang="zh-TW" sz="2000" b="1" dirty="0">
+                <a:solidFill>
+                  <a:srgbClr val="569CD6"/>
+                </a:solidFill>
+                <a:latin typeface="Fira Code"/>
+              </a:rPr>
+              <a:t>int</a:t>
+            </a:r>
+            <a:r>
+              <a:rPr lang="en-US" altLang="zh-TW" sz="2000" b="1" dirty="0">
+                <a:solidFill>
+                  <a:srgbClr val="D4D4D4"/>
+                </a:solidFill>
+                <a:latin typeface="Fira Code"/>
+              </a:rPr>
+              <a:t> </a:t>
+            </a:r>
+            <a:r>
+              <a:rPr lang="en-US" altLang="zh-TW" sz="2000" b="1" dirty="0">
+                <a:solidFill>
+                  <a:srgbClr val="9CDCFE"/>
+                </a:solidFill>
+                <a:latin typeface="Fira Code"/>
+              </a:rPr>
+              <a:t>amount</a:t>
+            </a:r>
+            <a:r>
+              <a:rPr lang="en-US" altLang="zh-TW" sz="2000" b="1" dirty="0">
+                <a:solidFill>
+                  <a:srgbClr val="D4D4D4"/>
+                </a:solidFill>
+                <a:latin typeface="Fira Code"/>
+              </a:rPr>
+              <a:t> { </a:t>
+            </a:r>
+            <a:r>
+              <a:rPr lang="en-US" altLang="zh-TW" sz="2000" b="1" dirty="0">
+                <a:solidFill>
+                  <a:srgbClr val="569CD6"/>
+                </a:solidFill>
+                <a:latin typeface="Fira Code"/>
+              </a:rPr>
+              <a:t>get</a:t>
+            </a:r>
+            <a:r>
+              <a:rPr lang="en-US" altLang="zh-TW" sz="2000" b="1" dirty="0">
+                <a:solidFill>
+                  <a:srgbClr val="D4D4D4"/>
+                </a:solidFill>
+                <a:latin typeface="Fira Code"/>
+              </a:rPr>
+              <a:t>; </a:t>
+            </a:r>
+            <a:r>
+              <a:rPr lang="en-US" altLang="zh-TW" sz="2000" b="1" dirty="0">
+                <a:solidFill>
+                  <a:srgbClr val="569CD6"/>
+                </a:solidFill>
+                <a:latin typeface="Fira Code"/>
+              </a:rPr>
+              <a:t>set</a:t>
+            </a:r>
+            <a:r>
+              <a:rPr lang="en-US" altLang="zh-TW" sz="2000" b="1" dirty="0">
+                <a:solidFill>
+                  <a:srgbClr val="D4D4D4"/>
+                </a:solidFill>
+                <a:latin typeface="Fira Code"/>
+              </a:rPr>
+              <a:t>; }</a:t>
+            </a:r>
+          </a:p>
+          <a:p>
+            <a:r>
+              <a:rPr lang="zh-TW" altLang="en-US" sz="2000" b="1" dirty="0">
+                <a:solidFill>
+                  <a:srgbClr val="D4D4D4"/>
+                </a:solidFill>
+                <a:latin typeface="Fira Code"/>
+              </a:rPr>
+              <a:t>  </a:t>
+            </a:r>
+            <a:r>
+              <a:rPr lang="en-US" altLang="zh-TW" sz="2000" b="1" dirty="0">
+                <a:solidFill>
+                  <a:srgbClr val="6A9955"/>
+                </a:solidFill>
+                <a:latin typeface="Fira Code"/>
+              </a:rPr>
+              <a:t>//</a:t>
+            </a:r>
+            <a:r>
+              <a:rPr lang="zh-TW" altLang="en-US" sz="2000" b="1" dirty="0">
+                <a:solidFill>
+                  <a:srgbClr val="6A9955"/>
+                </a:solidFill>
+                <a:latin typeface="Fira Code"/>
+              </a:rPr>
+              <a:t>下單時間</a:t>
+            </a:r>
+            <a:endParaRPr lang="zh-TW" altLang="en-US" sz="2000" b="1" dirty="0">
+              <a:solidFill>
+                <a:srgbClr val="D4D4D4"/>
+              </a:solidFill>
+              <a:latin typeface="Fira Code"/>
+            </a:endParaRPr>
+          </a:p>
+          <a:p>
+            <a:r>
+              <a:rPr lang="en-US" altLang="zh-TW" sz="2000" b="1" dirty="0">
+                <a:solidFill>
+                  <a:srgbClr val="D4D4D4"/>
+                </a:solidFill>
+                <a:latin typeface="Fira Code"/>
+              </a:rPr>
+              <a:t>  </a:t>
+            </a:r>
+            <a:r>
+              <a:rPr lang="en-US" altLang="zh-TW" sz="2000" b="1" dirty="0">
+                <a:solidFill>
+                  <a:srgbClr val="569CD6"/>
+                </a:solidFill>
+                <a:latin typeface="Fira Code"/>
+              </a:rPr>
+              <a:t>public</a:t>
+            </a:r>
+            <a:r>
+              <a:rPr lang="en-US" altLang="zh-TW" sz="2000" b="1" dirty="0">
+                <a:solidFill>
+                  <a:srgbClr val="D4D4D4"/>
+                </a:solidFill>
+                <a:latin typeface="Fira Code"/>
+              </a:rPr>
+              <a:t> </a:t>
+            </a:r>
+            <a:r>
+              <a:rPr lang="en-US" altLang="zh-TW" sz="2000" b="1" dirty="0" err="1">
+                <a:solidFill>
+                  <a:srgbClr val="4EC9B0"/>
+                </a:solidFill>
+                <a:latin typeface="Fira Code"/>
+              </a:rPr>
+              <a:t>DateTime</a:t>
+            </a:r>
+            <a:r>
+              <a:rPr lang="en-US" altLang="zh-TW" sz="2000" b="1" dirty="0">
+                <a:solidFill>
+                  <a:srgbClr val="D4D4D4"/>
+                </a:solidFill>
+                <a:latin typeface="Fira Code"/>
+              </a:rPr>
+              <a:t> </a:t>
+            </a:r>
+            <a:r>
+              <a:rPr lang="en-US" altLang="zh-TW" sz="2000" b="1" dirty="0" err="1">
+                <a:solidFill>
+                  <a:srgbClr val="9CDCFE"/>
+                </a:solidFill>
+                <a:latin typeface="Fira Code"/>
+              </a:rPr>
+              <a:t>orderTime</a:t>
+            </a:r>
+            <a:r>
+              <a:rPr lang="en-US" altLang="zh-TW" sz="2000" b="1" dirty="0">
+                <a:solidFill>
+                  <a:srgbClr val="D4D4D4"/>
+                </a:solidFill>
+                <a:latin typeface="Fira Code"/>
+              </a:rPr>
+              <a:t> { </a:t>
+            </a:r>
+            <a:r>
+              <a:rPr lang="en-US" altLang="zh-TW" sz="2000" b="1" dirty="0">
+                <a:solidFill>
+                  <a:srgbClr val="569CD6"/>
+                </a:solidFill>
+                <a:latin typeface="Fira Code"/>
+              </a:rPr>
+              <a:t>get</a:t>
+            </a:r>
+            <a:r>
+              <a:rPr lang="en-US" altLang="zh-TW" sz="2000" b="1" dirty="0">
+                <a:solidFill>
+                  <a:srgbClr val="D4D4D4"/>
+                </a:solidFill>
+                <a:latin typeface="Fira Code"/>
+              </a:rPr>
+              <a:t>; </a:t>
+            </a:r>
+            <a:r>
+              <a:rPr lang="en-US" altLang="zh-TW" sz="2000" b="1" dirty="0">
+                <a:solidFill>
+                  <a:srgbClr val="569CD6"/>
+                </a:solidFill>
+                <a:latin typeface="Fira Code"/>
+              </a:rPr>
+              <a:t>set</a:t>
+            </a:r>
+            <a:r>
+              <a:rPr lang="en-US" altLang="zh-TW" sz="2000" b="1" dirty="0">
+                <a:solidFill>
+                  <a:srgbClr val="D4D4D4"/>
+                </a:solidFill>
+                <a:latin typeface="Fira Code"/>
+              </a:rPr>
+              <a:t>; }</a:t>
+            </a:r>
+          </a:p>
+          <a:p>
+            <a:r>
+              <a:rPr lang="en-US" altLang="zh-TW" sz="2000" b="1" dirty="0">
+                <a:solidFill>
+                  <a:srgbClr val="D4D4D4"/>
+                </a:solidFill>
+                <a:latin typeface="Fira Code"/>
+              </a:rPr>
+              <a:t>}</a:t>
+            </a:r>
+          </a:p>
+          <a:p>
+            <a:endParaRPr lang="zh-TW" altLang="en-US" dirty="0"/>
+          </a:p>
+        </p:txBody>
+      </p:sp>
+      <p:sp>
+        <p:nvSpPr>
+          <p:cNvPr id="5" name="文字方塊 4">
+            <a:extLst>
+              <a:ext uri="{FF2B5EF4-FFF2-40B4-BE49-F238E27FC236}">
+                <a16:creationId xmlns:a16="http://schemas.microsoft.com/office/drawing/2014/main" id="{E174F81F-F55A-4BDB-BD1D-8236AA12837B}"/>
+              </a:ext>
+            </a:extLst>
+          </p:cNvPr>
+          <p:cNvSpPr txBox="1"/>
+          <p:nvPr/>
+        </p:nvSpPr>
+        <p:spPr>
+          <a:xfrm>
+            <a:off x="838200" y="5691783"/>
+            <a:ext cx="877163" cy="369332"/>
+          </a:xfrm>
+          <a:prstGeom prst="rect">
+            <a:avLst/>
+          </a:prstGeom>
+          <a:noFill/>
+        </p:spPr>
+        <p:txBody>
+          <a:bodyPr wrap="none" rtlCol="0">
+            <a:spAutoFit/>
+          </a:bodyPr>
+          <a:lstStyle/>
+          <a:p>
+            <a:r>
+              <a:rPr lang="zh-TW" altLang="en-US" b="1" dirty="0">
+                <a:latin typeface="微軟正黑體" panose="020B0604030504040204" pitchFamily="34" charset="-120"/>
+                <a:ea typeface="微軟正黑體" panose="020B0604030504040204" pitchFamily="34" charset="-120"/>
+              </a:rPr>
+              <a:t>郭庭彰</a:t>
+            </a:r>
+          </a:p>
+        </p:txBody>
+      </p:sp>
+      <p:cxnSp>
+        <p:nvCxnSpPr>
+          <p:cNvPr id="7" name="直線接點 6">
+            <a:extLst>
+              <a:ext uri="{FF2B5EF4-FFF2-40B4-BE49-F238E27FC236}">
+                <a16:creationId xmlns:a16="http://schemas.microsoft.com/office/drawing/2014/main" id="{78737B2B-5781-471F-87B2-0885C4B8DE62}"/>
+              </a:ext>
+            </a:extLst>
+          </p:cNvPr>
+          <p:cNvCxnSpPr>
+            <a:cxnSpLocks/>
+          </p:cNvCxnSpPr>
+          <p:nvPr/>
+        </p:nvCxnSpPr>
+        <p:spPr>
+          <a:xfrm>
+            <a:off x="914400" y="1442906"/>
+            <a:ext cx="10439400" cy="0"/>
+          </a:xfrm>
+          <a:prstGeom prst="line">
+            <a:avLst/>
+          </a:prstGeom>
+          <a:ln w="28575">
+            <a:solidFill>
+              <a:srgbClr val="569CD6"/>
+            </a:solidFill>
+          </a:ln>
+        </p:spPr>
+        <p:style>
+          <a:lnRef idx="1">
+            <a:schemeClr val="accent1"/>
+          </a:lnRef>
+          <a:fillRef idx="0">
+            <a:schemeClr val="accent1"/>
+          </a:fillRef>
+          <a:effectRef idx="0">
+            <a:schemeClr val="accent1"/>
+          </a:effectRef>
+          <a:fontRef idx="minor">
+            <a:schemeClr val="tx1"/>
+          </a:fontRef>
+        </p:style>
+      </p:cxnSp>
+    </p:spTree>
+    <p:extLst>
+      <p:ext uri="{BB962C8B-B14F-4D97-AF65-F5344CB8AC3E}">
+        <p14:creationId xmlns:p14="http://schemas.microsoft.com/office/powerpoint/2010/main" val="3197283254"/>
+      </p:ext>
+    </p:extLst>
+  </p:cSld>
+  <p:clrMapOvr>
+    <a:masterClrMapping/>
+  </p:clrMapOvr>
+</p:sld>
+</file>
+
+<file path=ppt/slides/slide20.xml><?xml version="1.0" encoding="utf-8"?>
 <p:sld xmlns:a="http://schemas.openxmlformats.org/drawingml/2006/main" xmlns:r="http://schemas.openxmlformats.org/officeDocument/2006/relationships" xmlns:p="http://schemas.openxmlformats.org/presentationml/2006/main">
   <p:cSld>
     <p:spTree>
@@ -23095,1178 +24462,7 @@
 </p:sld>
 </file>
 
-<file path=ppt/slides/slide2.xml><?xml version="1.0" encoding="utf-8"?>
-<p:sld xmlns:a="http://schemas.openxmlformats.org/drawingml/2006/main" xmlns:r="http://schemas.openxmlformats.org/officeDocument/2006/relationships" xmlns:p="http://schemas.openxmlformats.org/presentationml/2006/main">
-  <p:cSld>
-    <p:spTree>
-      <p:nvGrpSpPr>
-        <p:cNvPr id="1" name=""/>
-        <p:cNvGrpSpPr/>
-        <p:nvPr/>
-      </p:nvGrpSpPr>
-      <p:grpSpPr>
-        <a:xfrm>
-          <a:off x="0" y="0"/>
-          <a:ext cx="0" cy="0"/>
-          <a:chOff x="0" y="0"/>
-          <a:chExt cx="0" cy="0"/>
-        </a:xfrm>
-      </p:grpSpPr>
-      <p:sp>
-        <p:nvSpPr>
-          <p:cNvPr id="2" name="標題 1">
-            <a:extLst>
-              <a:ext uri="{FF2B5EF4-FFF2-40B4-BE49-F238E27FC236}">
-                <a16:creationId xmlns:a16="http://schemas.microsoft.com/office/drawing/2014/main" id="{C43B687E-C77F-4EE3-8D60-D4FEA7AEE4EE}"/>
-              </a:ext>
-            </a:extLst>
-          </p:cNvPr>
-          <p:cNvSpPr>
-            <a:spLocks noGrp="1"/>
-          </p:cNvSpPr>
-          <p:nvPr>
-            <p:ph type="title"/>
-          </p:nvPr>
-        </p:nvSpPr>
-        <p:spPr/>
-        <p:txBody>
-          <a:bodyPr/>
-          <a:lstStyle/>
-          <a:p>
-            <a:r>
-              <a:rPr lang="zh-TW" altLang="zh-TW" dirty="0">
-                <a:latin typeface="微軟正黑體" panose="020B0604030504040204" pitchFamily="34" charset="-120"/>
-                <a:ea typeface="微軟正黑體" panose="020B0604030504040204" pitchFamily="34" charset="-120"/>
-              </a:rPr>
-              <a:t>交易</a:t>
-            </a:r>
-            <a:endParaRPr lang="zh-TW" altLang="en-US" dirty="0">
-              <a:latin typeface="微軟正黑體" panose="020B0604030504040204" pitchFamily="34" charset="-120"/>
-              <a:ea typeface="微軟正黑體" panose="020B0604030504040204" pitchFamily="34" charset="-120"/>
-            </a:endParaRPr>
-          </a:p>
-        </p:txBody>
-      </p:sp>
-      <p:sp>
-        <p:nvSpPr>
-          <p:cNvPr id="3" name="內容版面配置區 2">
-            <a:extLst>
-              <a:ext uri="{FF2B5EF4-FFF2-40B4-BE49-F238E27FC236}">
-                <a16:creationId xmlns:a16="http://schemas.microsoft.com/office/drawing/2014/main" id="{64693990-CA3E-47C0-AF5F-F3A968D5C8F1}"/>
-              </a:ext>
-            </a:extLst>
-          </p:cNvPr>
-          <p:cNvSpPr>
-            <a:spLocks noGrp="1"/>
-          </p:cNvSpPr>
-          <p:nvPr>
-            <p:ph idx="1"/>
-          </p:nvPr>
-        </p:nvSpPr>
-        <p:spPr>
-          <a:xfrm>
-            <a:off x="838200" y="1825625"/>
-            <a:ext cx="4757257" cy="4351338"/>
-          </a:xfrm>
-        </p:spPr>
-        <p:txBody>
-          <a:bodyPr/>
-          <a:lstStyle/>
-          <a:p>
-            <a:r>
-              <a:rPr lang="zh-TW" altLang="zh-TW" dirty="0">
-                <a:latin typeface="微軟正黑體" panose="020B0604030504040204" pitchFamily="34" charset="-120"/>
-                <a:ea typeface="微軟正黑體" panose="020B0604030504040204" pitchFamily="34" charset="-120"/>
-              </a:rPr>
-              <a:t>請說明股票搓合機制中，何謂</a:t>
-            </a:r>
-            <a:r>
-              <a:rPr lang="en-US" altLang="zh-TW" dirty="0">
-                <a:latin typeface="微軟正黑體" panose="020B0604030504040204" pitchFamily="34" charset="-120"/>
-                <a:ea typeface="微軟正黑體" panose="020B0604030504040204" pitchFamily="34" charset="-120"/>
-              </a:rPr>
-              <a:t>”</a:t>
-            </a:r>
-            <a:r>
-              <a:rPr lang="zh-TW" altLang="zh-TW" dirty="0">
-                <a:latin typeface="微軟正黑體" panose="020B0604030504040204" pitchFamily="34" charset="-120"/>
-                <a:ea typeface="微軟正黑體" panose="020B0604030504040204" pitchFamily="34" charset="-120"/>
-              </a:rPr>
-              <a:t>逐筆交易</a:t>
-            </a:r>
-            <a:r>
-              <a:rPr lang="en-US" altLang="zh-TW" dirty="0">
-                <a:latin typeface="微軟正黑體" panose="020B0604030504040204" pitchFamily="34" charset="-120"/>
-                <a:ea typeface="微軟正黑體" panose="020B0604030504040204" pitchFamily="34" charset="-120"/>
-              </a:rPr>
-              <a:t>”</a:t>
-            </a:r>
-            <a:r>
-              <a:rPr lang="zh-TW" altLang="zh-TW" dirty="0">
-                <a:latin typeface="微軟正黑體" panose="020B0604030504040204" pitchFamily="34" charset="-120"/>
-                <a:ea typeface="微軟正黑體" panose="020B0604030504040204" pitchFamily="34" charset="-120"/>
-              </a:rPr>
-              <a:t>與</a:t>
-            </a:r>
-            <a:r>
-              <a:rPr lang="en-US" altLang="zh-TW" dirty="0">
-                <a:latin typeface="微軟正黑體" panose="020B0604030504040204" pitchFamily="34" charset="-120"/>
-                <a:ea typeface="微軟正黑體" panose="020B0604030504040204" pitchFamily="34" charset="-120"/>
-              </a:rPr>
-              <a:t>”</a:t>
-            </a:r>
-            <a:r>
-              <a:rPr lang="zh-TW" altLang="zh-TW" dirty="0">
-                <a:latin typeface="微軟正黑體" panose="020B0604030504040204" pitchFamily="34" charset="-120"/>
-                <a:ea typeface="微軟正黑體" panose="020B0604030504040204" pitchFamily="34" charset="-120"/>
-              </a:rPr>
-              <a:t>集合競價</a:t>
-            </a:r>
-            <a:r>
-              <a:rPr lang="en-US" altLang="zh-TW" dirty="0">
-                <a:latin typeface="微軟正黑體" panose="020B0604030504040204" pitchFamily="34" charset="-120"/>
-                <a:ea typeface="微軟正黑體" panose="020B0604030504040204" pitchFamily="34" charset="-120"/>
-              </a:rPr>
-              <a:t>”</a:t>
-            </a:r>
-            <a:r>
-              <a:rPr lang="zh-TW" altLang="zh-TW" dirty="0">
-                <a:latin typeface="微軟正黑體" panose="020B0604030504040204" pitchFamily="34" charset="-120"/>
-                <a:ea typeface="微軟正黑體" panose="020B0604030504040204" pitchFamily="34" charset="-120"/>
-              </a:rPr>
-              <a:t>？</a:t>
-            </a:r>
-          </a:p>
-          <a:p>
-            <a:r>
-              <a:rPr lang="zh-TW" altLang="zh-TW" dirty="0">
-                <a:latin typeface="微軟正黑體" panose="020B0604030504040204" pitchFamily="34" charset="-120"/>
-                <a:ea typeface="微軟正黑體" panose="020B0604030504040204" pitchFamily="34" charset="-120"/>
-              </a:rPr>
-              <a:t>假設撮合</a:t>
-            </a:r>
-            <a:r>
-              <a:rPr lang="en-US" altLang="zh-TW" dirty="0">
-                <a:solidFill>
-                  <a:srgbClr val="569CD6"/>
-                </a:solidFill>
-                <a:latin typeface="微軟正黑體" panose="020B0604030504040204" pitchFamily="34" charset="-120"/>
-                <a:ea typeface="微軟正黑體" panose="020B0604030504040204" pitchFamily="34" charset="-120"/>
-              </a:rPr>
-              <a:t>function</a:t>
-            </a:r>
-            <a:r>
-              <a:rPr lang="zh-TW" altLang="zh-TW" dirty="0">
-                <a:latin typeface="微軟正黑體" panose="020B0604030504040204" pitchFamily="34" charset="-120"/>
-                <a:ea typeface="微軟正黑體" panose="020B0604030504040204" pitchFamily="34" charset="-120"/>
-              </a:rPr>
-              <a:t>傳入交易參數為一</a:t>
-            </a:r>
-            <a:r>
-              <a:rPr lang="en-US" altLang="zh-TW" dirty="0">
-                <a:solidFill>
-                  <a:srgbClr val="569CD6"/>
-                </a:solidFill>
-                <a:latin typeface="微軟正黑體" panose="020B0604030504040204" pitchFamily="34" charset="-120"/>
-                <a:ea typeface="微軟正黑體" panose="020B0604030504040204" pitchFamily="34" charset="-120"/>
-              </a:rPr>
-              <a:t>List</a:t>
-            </a:r>
-            <a:r>
-              <a:rPr lang="en-US" altLang="zh-TW" dirty="0">
-                <a:latin typeface="微軟正黑體" panose="020B0604030504040204" pitchFamily="34" charset="-120"/>
-                <a:ea typeface="微軟正黑體" panose="020B0604030504040204" pitchFamily="34" charset="-120"/>
-              </a:rPr>
-              <a:t>&lt;</a:t>
-            </a:r>
-            <a:r>
-              <a:rPr lang="en-US" altLang="zh-TW" dirty="0" err="1">
-                <a:solidFill>
-                  <a:srgbClr val="4FC4AC"/>
-                </a:solidFill>
-                <a:latin typeface="微軟正黑體" panose="020B0604030504040204" pitchFamily="34" charset="-120"/>
-                <a:ea typeface="微軟正黑體" panose="020B0604030504040204" pitchFamily="34" charset="-120"/>
-              </a:rPr>
-              <a:t>StockOrder</a:t>
-            </a:r>
-            <a:r>
-              <a:rPr lang="en-US" altLang="zh-TW" dirty="0">
-                <a:latin typeface="微軟正黑體" panose="020B0604030504040204" pitchFamily="34" charset="-120"/>
-                <a:ea typeface="微軟正黑體" panose="020B0604030504040204" pitchFamily="34" charset="-120"/>
-              </a:rPr>
-              <a:t>&gt;</a:t>
-            </a:r>
-            <a:r>
-              <a:rPr lang="zh-TW" altLang="zh-TW" dirty="0">
-                <a:latin typeface="微軟正黑體" panose="020B0604030504040204" pitchFamily="34" charset="-120"/>
-                <a:ea typeface="微軟正黑體" panose="020B0604030504040204" pitchFamily="34" charset="-120"/>
-              </a:rPr>
-              <a:t>，請寫出逐筆交易與集合競價的</a:t>
-            </a:r>
-            <a:r>
-              <a:rPr lang="en-US" altLang="zh-TW" dirty="0">
-                <a:solidFill>
-                  <a:srgbClr val="569CD6"/>
-                </a:solidFill>
-                <a:latin typeface="微軟正黑體" panose="020B0604030504040204" pitchFamily="34" charset="-120"/>
-                <a:ea typeface="微軟正黑體" panose="020B0604030504040204" pitchFamily="34" charset="-120"/>
-              </a:rPr>
-              <a:t>function</a:t>
-            </a:r>
-            <a:r>
-              <a:rPr lang="zh-TW" altLang="zh-TW" dirty="0">
-                <a:latin typeface="微軟正黑體" panose="020B0604030504040204" pitchFamily="34" charset="-120"/>
-                <a:ea typeface="微軟正黑體" panose="020B0604030504040204" pitchFamily="34" charset="-120"/>
-              </a:rPr>
-              <a:t>，</a:t>
-            </a:r>
-            <a:r>
-              <a:rPr lang="en-US" altLang="zh-TW" dirty="0" err="1">
-                <a:solidFill>
-                  <a:srgbClr val="4FC4AC"/>
-                </a:solidFill>
-                <a:latin typeface="微軟正黑體" panose="020B0604030504040204" pitchFamily="34" charset="-120"/>
-                <a:ea typeface="微軟正黑體" panose="020B0604030504040204" pitchFamily="34" charset="-120"/>
-              </a:rPr>
-              <a:t>StockOrder</a:t>
-            </a:r>
-            <a:r>
-              <a:rPr lang="zh-TW" altLang="zh-TW" dirty="0">
-                <a:latin typeface="微軟正黑體" panose="020B0604030504040204" pitchFamily="34" charset="-120"/>
-                <a:ea typeface="微軟正黑體" panose="020B0604030504040204" pitchFamily="34" charset="-120"/>
-              </a:rPr>
-              <a:t>屬性如下</a:t>
-            </a:r>
-            <a:r>
-              <a:rPr lang="en-US" altLang="zh-TW" dirty="0">
-                <a:latin typeface="微軟正黑體" panose="020B0604030504040204" pitchFamily="34" charset="-120"/>
-                <a:ea typeface="微軟正黑體" panose="020B0604030504040204" pitchFamily="34" charset="-120"/>
-              </a:rPr>
-              <a:t>:</a:t>
-            </a:r>
-          </a:p>
-          <a:p>
-            <a:endParaRPr lang="zh-TW" altLang="en-US" dirty="0">
-              <a:latin typeface="微軟正黑體" panose="020B0604030504040204" pitchFamily="34" charset="-120"/>
-              <a:ea typeface="微軟正黑體" panose="020B0604030504040204" pitchFamily="34" charset="-120"/>
-            </a:endParaRPr>
-          </a:p>
-        </p:txBody>
-      </p:sp>
-      <p:sp>
-        <p:nvSpPr>
-          <p:cNvPr id="4" name="文字方塊 3">
-            <a:extLst>
-              <a:ext uri="{FF2B5EF4-FFF2-40B4-BE49-F238E27FC236}">
-                <a16:creationId xmlns:a16="http://schemas.microsoft.com/office/drawing/2014/main" id="{B7FECD32-D9E6-42F9-9884-76F12961EA23}"/>
-              </a:ext>
-            </a:extLst>
-          </p:cNvPr>
-          <p:cNvSpPr txBox="1"/>
-          <p:nvPr/>
-        </p:nvSpPr>
-        <p:spPr>
-          <a:xfrm>
-            <a:off x="6258187" y="1690688"/>
-            <a:ext cx="5095613" cy="4370427"/>
-          </a:xfrm>
-          <a:prstGeom prst="rect">
-            <a:avLst/>
-          </a:prstGeom>
-          <a:solidFill>
-            <a:schemeClr val="tx1">
-              <a:lumMod val="65000"/>
-              <a:lumOff val="35000"/>
-            </a:schemeClr>
-          </a:solidFill>
-        </p:spPr>
-        <p:txBody>
-          <a:bodyPr wrap="square" rtlCol="0">
-            <a:spAutoFit/>
-          </a:bodyPr>
-          <a:lstStyle/>
-          <a:p>
-            <a:r>
-              <a:rPr lang="en-US" altLang="zh-TW" sz="2000" b="1" dirty="0">
-                <a:solidFill>
-                  <a:srgbClr val="569CD6"/>
-                </a:solidFill>
-                <a:latin typeface="Fira Code"/>
-              </a:rPr>
-              <a:t>public</a:t>
-            </a:r>
-            <a:r>
-              <a:rPr lang="en-US" altLang="zh-TW" sz="2000" b="1" dirty="0">
-                <a:solidFill>
-                  <a:srgbClr val="D4D4D4"/>
-                </a:solidFill>
-                <a:latin typeface="Fira Code"/>
-              </a:rPr>
-              <a:t> </a:t>
-            </a:r>
-            <a:r>
-              <a:rPr lang="en-US" altLang="zh-TW" sz="2000" b="1" dirty="0">
-                <a:solidFill>
-                  <a:srgbClr val="569CD6"/>
-                </a:solidFill>
-                <a:latin typeface="Fira Code"/>
-              </a:rPr>
-              <a:t>class</a:t>
-            </a:r>
-            <a:r>
-              <a:rPr lang="en-US" altLang="zh-TW" sz="2000" b="1" dirty="0">
-                <a:solidFill>
-                  <a:srgbClr val="D4D4D4"/>
-                </a:solidFill>
-                <a:latin typeface="Fira Code"/>
-              </a:rPr>
-              <a:t> </a:t>
-            </a:r>
-            <a:r>
-              <a:rPr lang="en-US" altLang="zh-TW" sz="2000" b="1" dirty="0" err="1">
-                <a:solidFill>
-                  <a:srgbClr val="4FC4AC"/>
-                </a:solidFill>
-                <a:latin typeface="Fira Code"/>
-              </a:rPr>
-              <a:t>StockOrder</a:t>
-            </a:r>
-            <a:endParaRPr lang="en-US" altLang="zh-TW" sz="2000" b="1" dirty="0">
-              <a:solidFill>
-                <a:srgbClr val="4FC4AC"/>
-              </a:solidFill>
-              <a:latin typeface="Fira Code"/>
-            </a:endParaRPr>
-          </a:p>
-          <a:p>
-            <a:r>
-              <a:rPr lang="en-US" altLang="zh-TW" sz="2000" b="1" dirty="0">
-                <a:solidFill>
-                  <a:srgbClr val="D4D4D4"/>
-                </a:solidFill>
-                <a:latin typeface="Fira Code"/>
-              </a:rPr>
-              <a:t>{</a:t>
-            </a:r>
-          </a:p>
-          <a:p>
-            <a:r>
-              <a:rPr lang="zh-TW" altLang="en-US" sz="2000" b="1" dirty="0">
-                <a:solidFill>
-                  <a:srgbClr val="D4D4D4"/>
-                </a:solidFill>
-                <a:latin typeface="Fira Code"/>
-              </a:rPr>
-              <a:t>  </a:t>
-            </a:r>
-            <a:r>
-              <a:rPr lang="en-US" altLang="zh-TW" sz="2000" b="1" dirty="0">
-                <a:solidFill>
-                  <a:srgbClr val="6A9955"/>
-                </a:solidFill>
-                <a:latin typeface="Fira Code"/>
-              </a:rPr>
-              <a:t>//</a:t>
-            </a:r>
-            <a:r>
-              <a:rPr lang="zh-TW" altLang="en-US" sz="2000" b="1" dirty="0">
-                <a:solidFill>
-                  <a:srgbClr val="6A9955"/>
-                </a:solidFill>
-                <a:latin typeface="Fira Code"/>
-              </a:rPr>
-              <a:t>使用者帳號</a:t>
-            </a:r>
-            <a:endParaRPr lang="zh-TW" altLang="en-US" sz="2000" b="1" dirty="0">
-              <a:solidFill>
-                <a:srgbClr val="D4D4D4"/>
-              </a:solidFill>
-              <a:latin typeface="Fira Code"/>
-            </a:endParaRPr>
-          </a:p>
-          <a:p>
-            <a:r>
-              <a:rPr lang="en-US" altLang="zh-TW" sz="2000" b="1" dirty="0">
-                <a:solidFill>
-                  <a:srgbClr val="D4D4D4"/>
-                </a:solidFill>
-                <a:latin typeface="Fira Code"/>
-              </a:rPr>
-              <a:t>  </a:t>
-            </a:r>
-            <a:r>
-              <a:rPr lang="en-US" altLang="zh-TW" sz="2000" b="1" dirty="0">
-                <a:solidFill>
-                  <a:srgbClr val="569CD6"/>
-                </a:solidFill>
-                <a:latin typeface="Fira Code"/>
-              </a:rPr>
-              <a:t>public</a:t>
-            </a:r>
-            <a:r>
-              <a:rPr lang="en-US" altLang="zh-TW" sz="2000" b="1" dirty="0">
-                <a:solidFill>
-                  <a:srgbClr val="D4D4D4"/>
-                </a:solidFill>
-                <a:latin typeface="Fira Code"/>
-              </a:rPr>
-              <a:t> </a:t>
-            </a:r>
-            <a:r>
-              <a:rPr lang="en-US" altLang="zh-TW" sz="2000" b="1" dirty="0">
-                <a:solidFill>
-                  <a:srgbClr val="569CD6"/>
-                </a:solidFill>
-                <a:latin typeface="Fira Code"/>
-              </a:rPr>
-              <a:t>string</a:t>
-            </a:r>
-            <a:r>
-              <a:rPr lang="en-US" altLang="zh-TW" sz="2000" b="1" dirty="0">
-                <a:solidFill>
-                  <a:srgbClr val="D4D4D4"/>
-                </a:solidFill>
-                <a:latin typeface="Fira Code"/>
-              </a:rPr>
-              <a:t> </a:t>
-            </a:r>
-            <a:r>
-              <a:rPr lang="en-US" altLang="zh-TW" sz="2000" b="1" dirty="0" err="1">
-                <a:solidFill>
-                  <a:srgbClr val="9CDCFE"/>
-                </a:solidFill>
-                <a:latin typeface="Fira Code"/>
-              </a:rPr>
-              <a:t>userId</a:t>
-            </a:r>
-            <a:r>
-              <a:rPr lang="en-US" altLang="zh-TW" sz="2000" b="1" dirty="0">
-                <a:solidFill>
-                  <a:srgbClr val="D4D4D4"/>
-                </a:solidFill>
-                <a:latin typeface="Fira Code"/>
-              </a:rPr>
-              <a:t> { </a:t>
-            </a:r>
-            <a:r>
-              <a:rPr lang="en-US" altLang="zh-TW" sz="2000" b="1" dirty="0">
-                <a:solidFill>
-                  <a:srgbClr val="569CD6"/>
-                </a:solidFill>
-                <a:latin typeface="Fira Code"/>
-              </a:rPr>
-              <a:t>get</a:t>
-            </a:r>
-            <a:r>
-              <a:rPr lang="en-US" altLang="zh-TW" sz="2000" b="1" dirty="0">
-                <a:solidFill>
-                  <a:srgbClr val="D4D4D4"/>
-                </a:solidFill>
-                <a:latin typeface="Fira Code"/>
-              </a:rPr>
-              <a:t>; </a:t>
-            </a:r>
-            <a:r>
-              <a:rPr lang="en-US" altLang="zh-TW" sz="2000" b="1" dirty="0">
-                <a:solidFill>
-                  <a:srgbClr val="569CD6"/>
-                </a:solidFill>
-                <a:latin typeface="Fira Code"/>
-              </a:rPr>
-              <a:t>set</a:t>
-            </a:r>
-            <a:r>
-              <a:rPr lang="en-US" altLang="zh-TW" sz="2000" b="1" dirty="0">
-                <a:solidFill>
-                  <a:srgbClr val="D4D4D4"/>
-                </a:solidFill>
-                <a:latin typeface="Fira Code"/>
-              </a:rPr>
-              <a:t>; }</a:t>
-            </a:r>
-          </a:p>
-          <a:p>
-            <a:r>
-              <a:rPr lang="zh-TW" altLang="en-US" sz="2000" b="1" dirty="0">
-                <a:solidFill>
-                  <a:srgbClr val="D4D4D4"/>
-                </a:solidFill>
-                <a:latin typeface="Fira Code"/>
-              </a:rPr>
-              <a:t>  </a:t>
-            </a:r>
-            <a:r>
-              <a:rPr lang="en-US" altLang="zh-TW" sz="2000" b="1" dirty="0">
-                <a:solidFill>
-                  <a:srgbClr val="6A9955"/>
-                </a:solidFill>
-                <a:latin typeface="Fira Code"/>
-              </a:rPr>
-              <a:t>//</a:t>
-            </a:r>
-            <a:r>
-              <a:rPr lang="zh-TW" altLang="en-US" sz="2000" b="1" dirty="0">
-                <a:solidFill>
-                  <a:srgbClr val="6A9955"/>
-                </a:solidFill>
-                <a:latin typeface="Fira Code"/>
-              </a:rPr>
-              <a:t>買</a:t>
-            </a:r>
-            <a:r>
-              <a:rPr lang="en-US" altLang="zh-TW" sz="2000" b="1" dirty="0">
-                <a:solidFill>
-                  <a:srgbClr val="6A9955"/>
-                </a:solidFill>
-                <a:latin typeface="Fira Code"/>
-              </a:rPr>
-              <a:t>/</a:t>
-            </a:r>
-            <a:r>
-              <a:rPr lang="zh-TW" altLang="en-US" sz="2000" b="1" dirty="0">
-                <a:solidFill>
-                  <a:srgbClr val="6A9955"/>
-                </a:solidFill>
-                <a:latin typeface="Fira Code"/>
-              </a:rPr>
-              <a:t>賣 </a:t>
-            </a:r>
-            <a:r>
-              <a:rPr lang="en-US" altLang="zh-TW" sz="2000" b="1" dirty="0">
-                <a:solidFill>
-                  <a:srgbClr val="6A9955"/>
-                </a:solidFill>
-                <a:latin typeface="Fira Code"/>
-              </a:rPr>
-              <a:t>("buy"/"sell")</a:t>
-            </a:r>
-            <a:endParaRPr lang="en-US" altLang="zh-TW" sz="2000" b="1" dirty="0">
-              <a:solidFill>
-                <a:srgbClr val="D4D4D4"/>
-              </a:solidFill>
-              <a:latin typeface="Fira Code"/>
-            </a:endParaRPr>
-          </a:p>
-          <a:p>
-            <a:r>
-              <a:rPr lang="en-US" altLang="zh-TW" sz="2000" b="1" dirty="0">
-                <a:solidFill>
-                  <a:srgbClr val="D4D4D4"/>
-                </a:solidFill>
-                <a:latin typeface="Fira Code"/>
-              </a:rPr>
-              <a:t>  </a:t>
-            </a:r>
-            <a:r>
-              <a:rPr lang="en-US" altLang="zh-TW" sz="2000" b="1" dirty="0">
-                <a:solidFill>
-                  <a:srgbClr val="569CD6"/>
-                </a:solidFill>
-                <a:latin typeface="Fira Code"/>
-              </a:rPr>
-              <a:t>public</a:t>
-            </a:r>
-            <a:r>
-              <a:rPr lang="en-US" altLang="zh-TW" sz="2000" b="1" dirty="0">
-                <a:solidFill>
-                  <a:srgbClr val="D4D4D4"/>
-                </a:solidFill>
-                <a:latin typeface="Fira Code"/>
-              </a:rPr>
-              <a:t> </a:t>
-            </a:r>
-            <a:r>
-              <a:rPr lang="en-US" altLang="zh-TW" sz="2000" b="1" dirty="0">
-                <a:solidFill>
-                  <a:srgbClr val="569CD6"/>
-                </a:solidFill>
-                <a:latin typeface="Fira Code"/>
-              </a:rPr>
-              <a:t>string</a:t>
-            </a:r>
-            <a:r>
-              <a:rPr lang="en-US" altLang="zh-TW" sz="2000" b="1" dirty="0">
-                <a:solidFill>
-                  <a:srgbClr val="D4D4D4"/>
-                </a:solidFill>
-                <a:latin typeface="Fira Code"/>
-              </a:rPr>
-              <a:t> </a:t>
-            </a:r>
-            <a:r>
-              <a:rPr lang="en-US" altLang="zh-TW" sz="2000" b="1" dirty="0" err="1">
-                <a:solidFill>
-                  <a:srgbClr val="9CDCFE"/>
-                </a:solidFill>
-                <a:latin typeface="Fira Code"/>
-              </a:rPr>
-              <a:t>orderType</a:t>
-            </a:r>
-            <a:r>
-              <a:rPr lang="en-US" altLang="zh-TW" sz="2000" b="1" dirty="0">
-                <a:solidFill>
-                  <a:srgbClr val="D4D4D4"/>
-                </a:solidFill>
-                <a:latin typeface="Fira Code"/>
-              </a:rPr>
-              <a:t> { </a:t>
-            </a:r>
-            <a:r>
-              <a:rPr lang="en-US" altLang="zh-TW" sz="2000" b="1" dirty="0">
-                <a:solidFill>
-                  <a:srgbClr val="569CD6"/>
-                </a:solidFill>
-                <a:latin typeface="Fira Code"/>
-              </a:rPr>
-              <a:t>get</a:t>
-            </a:r>
-            <a:r>
-              <a:rPr lang="en-US" altLang="zh-TW" sz="2000" b="1" dirty="0">
-                <a:solidFill>
-                  <a:srgbClr val="D4D4D4"/>
-                </a:solidFill>
-                <a:latin typeface="Fira Code"/>
-              </a:rPr>
-              <a:t>; </a:t>
-            </a:r>
-            <a:r>
-              <a:rPr lang="en-US" altLang="zh-TW" sz="2000" b="1" dirty="0">
-                <a:solidFill>
-                  <a:srgbClr val="569CD6"/>
-                </a:solidFill>
-                <a:latin typeface="Fira Code"/>
-              </a:rPr>
-              <a:t>set</a:t>
-            </a:r>
-            <a:r>
-              <a:rPr lang="en-US" altLang="zh-TW" sz="2000" b="1" dirty="0">
-                <a:solidFill>
-                  <a:srgbClr val="D4D4D4"/>
-                </a:solidFill>
-                <a:latin typeface="Fira Code"/>
-              </a:rPr>
-              <a:t>; }</a:t>
-            </a:r>
-          </a:p>
-          <a:p>
-            <a:r>
-              <a:rPr lang="zh-TW" altLang="en-US" sz="2000" b="1" dirty="0">
-                <a:solidFill>
-                  <a:srgbClr val="D4D4D4"/>
-                </a:solidFill>
-                <a:latin typeface="Fira Code"/>
-              </a:rPr>
-              <a:t>  </a:t>
-            </a:r>
-            <a:r>
-              <a:rPr lang="en-US" altLang="zh-TW" sz="2000" b="1" dirty="0">
-                <a:solidFill>
-                  <a:srgbClr val="6A9955"/>
-                </a:solidFill>
-                <a:latin typeface="Fira Code"/>
-              </a:rPr>
-              <a:t>//</a:t>
-            </a:r>
-            <a:r>
-              <a:rPr lang="zh-TW" altLang="en-US" sz="2000" b="1" dirty="0">
-                <a:solidFill>
-                  <a:srgbClr val="6A9955"/>
-                </a:solidFill>
-                <a:latin typeface="Fira Code"/>
-              </a:rPr>
-              <a:t>目標價格</a:t>
-            </a:r>
-            <a:endParaRPr lang="zh-TW" altLang="en-US" sz="2000" b="1" dirty="0">
-              <a:solidFill>
-                <a:srgbClr val="D4D4D4"/>
-              </a:solidFill>
-              <a:latin typeface="Fira Code"/>
-            </a:endParaRPr>
-          </a:p>
-          <a:p>
-            <a:r>
-              <a:rPr lang="en-US" altLang="zh-TW" sz="2000" b="1" dirty="0">
-                <a:solidFill>
-                  <a:srgbClr val="D4D4D4"/>
-                </a:solidFill>
-                <a:latin typeface="Fira Code"/>
-              </a:rPr>
-              <a:t>  </a:t>
-            </a:r>
-            <a:r>
-              <a:rPr lang="en-US" altLang="zh-TW" sz="2000" b="1" dirty="0">
-                <a:solidFill>
-                  <a:srgbClr val="569CD6"/>
-                </a:solidFill>
-                <a:latin typeface="Fira Code"/>
-              </a:rPr>
-              <a:t>public</a:t>
-            </a:r>
-            <a:r>
-              <a:rPr lang="en-US" altLang="zh-TW" sz="2000" b="1" dirty="0">
-                <a:solidFill>
-                  <a:srgbClr val="D4D4D4"/>
-                </a:solidFill>
-                <a:latin typeface="Fira Code"/>
-              </a:rPr>
-              <a:t> </a:t>
-            </a:r>
-            <a:r>
-              <a:rPr lang="en-US" altLang="zh-TW" sz="2000" b="1" dirty="0">
-                <a:solidFill>
-                  <a:srgbClr val="569CD6"/>
-                </a:solidFill>
-                <a:latin typeface="Fira Code"/>
-              </a:rPr>
-              <a:t>decimal</a:t>
-            </a:r>
-            <a:r>
-              <a:rPr lang="en-US" altLang="zh-TW" sz="2000" b="1" dirty="0">
-                <a:solidFill>
-                  <a:srgbClr val="D4D4D4"/>
-                </a:solidFill>
-                <a:latin typeface="Fira Code"/>
-              </a:rPr>
-              <a:t> </a:t>
-            </a:r>
-            <a:r>
-              <a:rPr lang="en-US" altLang="zh-TW" sz="2000" b="1" dirty="0" err="1">
-                <a:solidFill>
-                  <a:srgbClr val="9CDCFE"/>
-                </a:solidFill>
-                <a:latin typeface="Fira Code"/>
-              </a:rPr>
-              <a:t>targetPrice</a:t>
-            </a:r>
-            <a:r>
-              <a:rPr lang="en-US" altLang="zh-TW" sz="2000" b="1" dirty="0">
-                <a:solidFill>
-                  <a:srgbClr val="D4D4D4"/>
-                </a:solidFill>
-                <a:latin typeface="Fira Code"/>
-              </a:rPr>
-              <a:t> { </a:t>
-            </a:r>
-            <a:r>
-              <a:rPr lang="en-US" altLang="zh-TW" sz="2000" b="1" dirty="0">
-                <a:solidFill>
-                  <a:srgbClr val="569CD6"/>
-                </a:solidFill>
-                <a:latin typeface="Fira Code"/>
-              </a:rPr>
-              <a:t>get</a:t>
-            </a:r>
-            <a:r>
-              <a:rPr lang="en-US" altLang="zh-TW" sz="2000" b="1" dirty="0">
-                <a:solidFill>
-                  <a:srgbClr val="D4D4D4"/>
-                </a:solidFill>
-                <a:latin typeface="Fira Code"/>
-              </a:rPr>
-              <a:t>; </a:t>
-            </a:r>
-            <a:r>
-              <a:rPr lang="en-US" altLang="zh-TW" sz="2000" b="1" dirty="0">
-                <a:solidFill>
-                  <a:srgbClr val="569CD6"/>
-                </a:solidFill>
-                <a:latin typeface="Fira Code"/>
-              </a:rPr>
-              <a:t>set</a:t>
-            </a:r>
-            <a:r>
-              <a:rPr lang="en-US" altLang="zh-TW" sz="2000" b="1" dirty="0">
-                <a:solidFill>
-                  <a:srgbClr val="D4D4D4"/>
-                </a:solidFill>
-                <a:latin typeface="Fira Code"/>
-              </a:rPr>
-              <a:t>; }</a:t>
-            </a:r>
-          </a:p>
-          <a:p>
-            <a:r>
-              <a:rPr lang="zh-TW" altLang="en-US" sz="2000" b="1" dirty="0">
-                <a:solidFill>
-                  <a:srgbClr val="D4D4D4"/>
-                </a:solidFill>
-                <a:latin typeface="Fira Code"/>
-              </a:rPr>
-              <a:t>  </a:t>
-            </a:r>
-            <a:r>
-              <a:rPr lang="en-US" altLang="zh-TW" sz="2000" b="1" dirty="0">
-                <a:solidFill>
-                  <a:srgbClr val="6A9955"/>
-                </a:solidFill>
-                <a:latin typeface="Fira Code"/>
-              </a:rPr>
-              <a:t>//</a:t>
-            </a:r>
-            <a:r>
-              <a:rPr lang="zh-TW" altLang="en-US" sz="2000" b="1" dirty="0">
-                <a:solidFill>
-                  <a:srgbClr val="6A9955"/>
-                </a:solidFill>
-                <a:latin typeface="Fira Code"/>
-              </a:rPr>
-              <a:t>數量</a:t>
-            </a:r>
-            <a:endParaRPr lang="zh-TW" altLang="en-US" sz="2000" b="1" dirty="0">
-              <a:solidFill>
-                <a:srgbClr val="D4D4D4"/>
-              </a:solidFill>
-              <a:latin typeface="Fira Code"/>
-            </a:endParaRPr>
-          </a:p>
-          <a:p>
-            <a:r>
-              <a:rPr lang="en-US" altLang="zh-TW" sz="2000" b="1" dirty="0">
-                <a:solidFill>
-                  <a:srgbClr val="D4D4D4"/>
-                </a:solidFill>
-                <a:latin typeface="Fira Code"/>
-              </a:rPr>
-              <a:t>  </a:t>
-            </a:r>
-            <a:r>
-              <a:rPr lang="en-US" altLang="zh-TW" sz="2000" b="1" dirty="0">
-                <a:solidFill>
-                  <a:srgbClr val="569CD6"/>
-                </a:solidFill>
-                <a:latin typeface="Fira Code"/>
-              </a:rPr>
-              <a:t>public</a:t>
-            </a:r>
-            <a:r>
-              <a:rPr lang="en-US" altLang="zh-TW" sz="2000" b="1" dirty="0">
-                <a:solidFill>
-                  <a:srgbClr val="D4D4D4"/>
-                </a:solidFill>
-                <a:latin typeface="Fira Code"/>
-              </a:rPr>
-              <a:t> </a:t>
-            </a:r>
-            <a:r>
-              <a:rPr lang="en-US" altLang="zh-TW" sz="2000" b="1" dirty="0">
-                <a:solidFill>
-                  <a:srgbClr val="569CD6"/>
-                </a:solidFill>
-                <a:latin typeface="Fira Code"/>
-              </a:rPr>
-              <a:t>int</a:t>
-            </a:r>
-            <a:r>
-              <a:rPr lang="en-US" altLang="zh-TW" sz="2000" b="1" dirty="0">
-                <a:solidFill>
-                  <a:srgbClr val="D4D4D4"/>
-                </a:solidFill>
-                <a:latin typeface="Fira Code"/>
-              </a:rPr>
-              <a:t> </a:t>
-            </a:r>
-            <a:r>
-              <a:rPr lang="en-US" altLang="zh-TW" sz="2000" b="1" dirty="0">
-                <a:solidFill>
-                  <a:srgbClr val="9CDCFE"/>
-                </a:solidFill>
-                <a:latin typeface="Fira Code"/>
-              </a:rPr>
-              <a:t>amount</a:t>
-            </a:r>
-            <a:r>
-              <a:rPr lang="en-US" altLang="zh-TW" sz="2000" b="1" dirty="0">
-                <a:solidFill>
-                  <a:srgbClr val="D4D4D4"/>
-                </a:solidFill>
-                <a:latin typeface="Fira Code"/>
-              </a:rPr>
-              <a:t> { </a:t>
-            </a:r>
-            <a:r>
-              <a:rPr lang="en-US" altLang="zh-TW" sz="2000" b="1" dirty="0">
-                <a:solidFill>
-                  <a:srgbClr val="569CD6"/>
-                </a:solidFill>
-                <a:latin typeface="Fira Code"/>
-              </a:rPr>
-              <a:t>get</a:t>
-            </a:r>
-            <a:r>
-              <a:rPr lang="en-US" altLang="zh-TW" sz="2000" b="1" dirty="0">
-                <a:solidFill>
-                  <a:srgbClr val="D4D4D4"/>
-                </a:solidFill>
-                <a:latin typeface="Fira Code"/>
-              </a:rPr>
-              <a:t>; </a:t>
-            </a:r>
-            <a:r>
-              <a:rPr lang="en-US" altLang="zh-TW" sz="2000" b="1" dirty="0">
-                <a:solidFill>
-                  <a:srgbClr val="569CD6"/>
-                </a:solidFill>
-                <a:latin typeface="Fira Code"/>
-              </a:rPr>
-              <a:t>set</a:t>
-            </a:r>
-            <a:r>
-              <a:rPr lang="en-US" altLang="zh-TW" sz="2000" b="1" dirty="0">
-                <a:solidFill>
-                  <a:srgbClr val="D4D4D4"/>
-                </a:solidFill>
-                <a:latin typeface="Fira Code"/>
-              </a:rPr>
-              <a:t>; }</a:t>
-            </a:r>
-          </a:p>
-          <a:p>
-            <a:r>
-              <a:rPr lang="zh-TW" altLang="en-US" sz="2000" b="1" dirty="0">
-                <a:solidFill>
-                  <a:srgbClr val="D4D4D4"/>
-                </a:solidFill>
-                <a:latin typeface="Fira Code"/>
-              </a:rPr>
-              <a:t>  </a:t>
-            </a:r>
-            <a:r>
-              <a:rPr lang="en-US" altLang="zh-TW" sz="2000" b="1" dirty="0">
-                <a:solidFill>
-                  <a:srgbClr val="6A9955"/>
-                </a:solidFill>
-                <a:latin typeface="Fira Code"/>
-              </a:rPr>
-              <a:t>//</a:t>
-            </a:r>
-            <a:r>
-              <a:rPr lang="zh-TW" altLang="en-US" sz="2000" b="1" dirty="0">
-                <a:solidFill>
-                  <a:srgbClr val="6A9955"/>
-                </a:solidFill>
-                <a:latin typeface="Fira Code"/>
-              </a:rPr>
-              <a:t>下單時間</a:t>
-            </a:r>
-            <a:endParaRPr lang="zh-TW" altLang="en-US" sz="2000" b="1" dirty="0">
-              <a:solidFill>
-                <a:srgbClr val="D4D4D4"/>
-              </a:solidFill>
-              <a:latin typeface="Fira Code"/>
-            </a:endParaRPr>
-          </a:p>
-          <a:p>
-            <a:r>
-              <a:rPr lang="en-US" altLang="zh-TW" sz="2000" b="1" dirty="0">
-                <a:solidFill>
-                  <a:srgbClr val="D4D4D4"/>
-                </a:solidFill>
-                <a:latin typeface="Fira Code"/>
-              </a:rPr>
-              <a:t>  </a:t>
-            </a:r>
-            <a:r>
-              <a:rPr lang="en-US" altLang="zh-TW" sz="2000" b="1" dirty="0">
-                <a:solidFill>
-                  <a:srgbClr val="569CD6"/>
-                </a:solidFill>
-                <a:latin typeface="Fira Code"/>
-              </a:rPr>
-              <a:t>public</a:t>
-            </a:r>
-            <a:r>
-              <a:rPr lang="en-US" altLang="zh-TW" sz="2000" b="1" dirty="0">
-                <a:solidFill>
-                  <a:srgbClr val="D4D4D4"/>
-                </a:solidFill>
-                <a:latin typeface="Fira Code"/>
-              </a:rPr>
-              <a:t> </a:t>
-            </a:r>
-            <a:r>
-              <a:rPr lang="en-US" altLang="zh-TW" sz="2000" b="1" dirty="0" err="1">
-                <a:solidFill>
-                  <a:srgbClr val="4EC9B0"/>
-                </a:solidFill>
-                <a:latin typeface="Fira Code"/>
-              </a:rPr>
-              <a:t>DateTime</a:t>
-            </a:r>
-            <a:r>
-              <a:rPr lang="en-US" altLang="zh-TW" sz="2000" b="1" dirty="0">
-                <a:solidFill>
-                  <a:srgbClr val="D4D4D4"/>
-                </a:solidFill>
-                <a:latin typeface="Fira Code"/>
-              </a:rPr>
-              <a:t> </a:t>
-            </a:r>
-            <a:r>
-              <a:rPr lang="en-US" altLang="zh-TW" sz="2000" b="1" dirty="0" err="1">
-                <a:solidFill>
-                  <a:srgbClr val="9CDCFE"/>
-                </a:solidFill>
-                <a:latin typeface="Fira Code"/>
-              </a:rPr>
-              <a:t>orderTime</a:t>
-            </a:r>
-            <a:r>
-              <a:rPr lang="en-US" altLang="zh-TW" sz="2000" b="1" dirty="0">
-                <a:solidFill>
-                  <a:srgbClr val="D4D4D4"/>
-                </a:solidFill>
-                <a:latin typeface="Fira Code"/>
-              </a:rPr>
-              <a:t> { </a:t>
-            </a:r>
-            <a:r>
-              <a:rPr lang="en-US" altLang="zh-TW" sz="2000" b="1" dirty="0">
-                <a:solidFill>
-                  <a:srgbClr val="569CD6"/>
-                </a:solidFill>
-                <a:latin typeface="Fira Code"/>
-              </a:rPr>
-              <a:t>get</a:t>
-            </a:r>
-            <a:r>
-              <a:rPr lang="en-US" altLang="zh-TW" sz="2000" b="1" dirty="0">
-                <a:solidFill>
-                  <a:srgbClr val="D4D4D4"/>
-                </a:solidFill>
-                <a:latin typeface="Fira Code"/>
-              </a:rPr>
-              <a:t>; </a:t>
-            </a:r>
-            <a:r>
-              <a:rPr lang="en-US" altLang="zh-TW" sz="2000" b="1" dirty="0">
-                <a:solidFill>
-                  <a:srgbClr val="569CD6"/>
-                </a:solidFill>
-                <a:latin typeface="Fira Code"/>
-              </a:rPr>
-              <a:t>set</a:t>
-            </a:r>
-            <a:r>
-              <a:rPr lang="en-US" altLang="zh-TW" sz="2000" b="1" dirty="0">
-                <a:solidFill>
-                  <a:srgbClr val="D4D4D4"/>
-                </a:solidFill>
-                <a:latin typeface="Fira Code"/>
-              </a:rPr>
-              <a:t>; }</a:t>
-            </a:r>
-          </a:p>
-          <a:p>
-            <a:r>
-              <a:rPr lang="en-US" altLang="zh-TW" sz="2000" b="1" dirty="0">
-                <a:solidFill>
-                  <a:srgbClr val="D4D4D4"/>
-                </a:solidFill>
-                <a:latin typeface="Fira Code"/>
-              </a:rPr>
-              <a:t>}</a:t>
-            </a:r>
-          </a:p>
-          <a:p>
-            <a:endParaRPr lang="zh-TW" altLang="en-US" dirty="0"/>
-          </a:p>
-        </p:txBody>
-      </p:sp>
-      <p:sp>
-        <p:nvSpPr>
-          <p:cNvPr id="5" name="文字方塊 4">
-            <a:extLst>
-              <a:ext uri="{FF2B5EF4-FFF2-40B4-BE49-F238E27FC236}">
-                <a16:creationId xmlns:a16="http://schemas.microsoft.com/office/drawing/2014/main" id="{E174F81F-F55A-4BDB-BD1D-8236AA12837B}"/>
-              </a:ext>
-            </a:extLst>
-          </p:cNvPr>
-          <p:cNvSpPr txBox="1"/>
-          <p:nvPr/>
-        </p:nvSpPr>
-        <p:spPr>
-          <a:xfrm>
-            <a:off x="838200" y="5691783"/>
-            <a:ext cx="877163" cy="369332"/>
-          </a:xfrm>
-          <a:prstGeom prst="rect">
-            <a:avLst/>
-          </a:prstGeom>
-          <a:noFill/>
-        </p:spPr>
-        <p:txBody>
-          <a:bodyPr wrap="none" rtlCol="0">
-            <a:spAutoFit/>
-          </a:bodyPr>
-          <a:lstStyle/>
-          <a:p>
-            <a:r>
-              <a:rPr lang="zh-TW" altLang="en-US" b="1" dirty="0">
-                <a:latin typeface="微軟正黑體" panose="020B0604030504040204" pitchFamily="34" charset="-120"/>
-                <a:ea typeface="微軟正黑體" panose="020B0604030504040204" pitchFamily="34" charset="-120"/>
-              </a:rPr>
-              <a:t>郭庭彰</a:t>
-            </a:r>
-          </a:p>
-        </p:txBody>
-      </p:sp>
-      <p:cxnSp>
-        <p:nvCxnSpPr>
-          <p:cNvPr id="7" name="直線接點 6">
-            <a:extLst>
-              <a:ext uri="{FF2B5EF4-FFF2-40B4-BE49-F238E27FC236}">
-                <a16:creationId xmlns:a16="http://schemas.microsoft.com/office/drawing/2014/main" id="{78737B2B-5781-471F-87B2-0885C4B8DE62}"/>
-              </a:ext>
-            </a:extLst>
-          </p:cNvPr>
-          <p:cNvCxnSpPr>
-            <a:cxnSpLocks/>
-          </p:cNvCxnSpPr>
-          <p:nvPr/>
-        </p:nvCxnSpPr>
-        <p:spPr>
-          <a:xfrm>
-            <a:off x="914400" y="1442906"/>
-            <a:ext cx="10439400" cy="0"/>
-          </a:xfrm>
-          <a:prstGeom prst="line">
-            <a:avLst/>
-          </a:prstGeom>
-          <a:ln w="28575">
-            <a:solidFill>
-              <a:srgbClr val="569CD6"/>
-            </a:solidFill>
-          </a:ln>
-        </p:spPr>
-        <p:style>
-          <a:lnRef idx="1">
-            <a:schemeClr val="accent1"/>
-          </a:lnRef>
-          <a:fillRef idx="0">
-            <a:schemeClr val="accent1"/>
-          </a:fillRef>
-          <a:effectRef idx="0">
-            <a:schemeClr val="accent1"/>
-          </a:effectRef>
-          <a:fontRef idx="minor">
-            <a:schemeClr val="tx1"/>
-          </a:fontRef>
-        </p:style>
-      </p:cxnSp>
-    </p:spTree>
-    <p:extLst>
-      <p:ext uri="{BB962C8B-B14F-4D97-AF65-F5344CB8AC3E}">
-        <p14:creationId xmlns:p14="http://schemas.microsoft.com/office/powerpoint/2010/main" val="3197283254"/>
-      </p:ext>
-    </p:extLst>
-  </p:cSld>
-  <p:clrMapOvr>
-    <a:masterClrMapping/>
-  </p:clrMapOvr>
-</p:sld>
-</file>
-
-<file path=ppt/slides/slide20.xml><?xml version="1.0" encoding="utf-8"?>
+<file path=ppt/slides/slide21.xml><?xml version="1.0" encoding="utf-8"?>
 <p:sld xmlns:a="http://schemas.openxmlformats.org/drawingml/2006/main" xmlns:r="http://schemas.openxmlformats.org/officeDocument/2006/relationships" xmlns:p="http://schemas.openxmlformats.org/presentationml/2006/main">
   <p:cSld>
     <p:spTree>
@@ -29203,7 +29399,7 @@
 </p:sld>
 </file>
 
-<file path=ppt/slides/slide21.xml><?xml version="1.0" encoding="utf-8"?>
+<file path=ppt/slides/slide22.xml><?xml version="1.0" encoding="utf-8"?>
 <p:sld xmlns:a="http://schemas.openxmlformats.org/drawingml/2006/main" xmlns:r="http://schemas.openxmlformats.org/officeDocument/2006/relationships" xmlns:p="http://schemas.openxmlformats.org/presentationml/2006/main">
   <p:cSld>
     <p:spTree>
@@ -32377,7 +32573,7 @@
 </p:sld>
 </file>
 
-<file path=ppt/slides/slide22.xml><?xml version="1.0" encoding="utf-8"?>
+<file path=ppt/slides/slide23.xml><?xml version="1.0" encoding="utf-8"?>
 <p:sld xmlns:a="http://schemas.openxmlformats.org/drawingml/2006/main" xmlns:r="http://schemas.openxmlformats.org/officeDocument/2006/relationships" xmlns:p="http://schemas.openxmlformats.org/presentationml/2006/main">
   <p:cSld>
     <p:spTree>
@@ -39372,7 +39568,7 @@
 </p:sld>
 </file>
 
-<file path=ppt/slides/slide23.xml><?xml version="1.0" encoding="utf-8"?>
+<file path=ppt/slides/slide24.xml><?xml version="1.0" encoding="utf-8"?>
 <p:sld xmlns:a="http://schemas.openxmlformats.org/drawingml/2006/main" xmlns:r="http://schemas.openxmlformats.org/officeDocument/2006/relationships" xmlns:p="http://schemas.openxmlformats.org/presentationml/2006/main">
   <p:cSld>
     <p:spTree>
@@ -42493,7 +42689,7 @@
 </p:sld>
 </file>
 
-<file path=ppt/slides/slide24.xml><?xml version="1.0" encoding="utf-8"?>
+<file path=ppt/slides/slide25.xml><?xml version="1.0" encoding="utf-8"?>
 <p:sld xmlns:a="http://schemas.openxmlformats.org/drawingml/2006/main" xmlns:r="http://schemas.openxmlformats.org/officeDocument/2006/relationships" xmlns:p="http://schemas.openxmlformats.org/presentationml/2006/main">
   <p:cSld>
     <p:spTree>
@@ -43330,7 +43526,7 @@
 </p:sld>
 </file>
 
-<file path=ppt/slides/slide25.xml><?xml version="1.0" encoding="utf-8"?>
+<file path=ppt/slides/slide26.xml><?xml version="1.0" encoding="utf-8"?>
 <p:sld xmlns:a="http://schemas.openxmlformats.org/drawingml/2006/main" xmlns:r="http://schemas.openxmlformats.org/officeDocument/2006/relationships" xmlns:p="http://schemas.openxmlformats.org/presentationml/2006/main">
   <p:cSld>
     <p:spTree>
